--- a/project_plan.pptx
+++ b/project_plan.pptx
@@ -7188,7 +7188,7 @@
             <a:lstStyle/>
             <a:p>
               <a:pPr algn="ctr"/>
-              <a:endParaRPr lang="en-US"/>
+              <a:endParaRPr lang="en-US" dirty="0"/>
             </a:p>
           </p:txBody>
         </p:sp>

--- a/project_plan.pptx
+++ b/project_plan.pptx
@@ -6,6 +6,7 @@
   </p:sldMasterIdLst>
   <p:sldIdLst>
     <p:sldId id="271" r:id="rId2"/>
+    <p:sldId id="272" r:id="rId3"/>
   </p:sldIdLst>
   <p:sldSz cx="9144000" cy="6858000" type="screen4x3"/>
   <p:notesSz cx="6858000" cy="9144000"/>
@@ -106,7 +107,18 @@
   </p:defaultTextStyle>
   <p:extLst>
     <p:ext uri="{EFAFB233-063F-42B5-8137-9DF3F51BA10A}">
-      <p15:sldGuideLst xmlns:p15="http://schemas.microsoft.com/office/powerpoint/2012/main"/>
+      <p15:sldGuideLst xmlns:p15="http://schemas.microsoft.com/office/powerpoint/2012/main">
+        <p15:guide id="1" orient="horz" pos="2137" userDrawn="1">
+          <p15:clr>
+            <a:srgbClr val="A4A3A4"/>
+          </p15:clr>
+        </p15:guide>
+        <p15:guide id="2" pos="2880" userDrawn="1">
+          <p15:clr>
+            <a:srgbClr val="A4A3A4"/>
+          </p15:clr>
+        </p15:guide>
+      </p15:sldGuideLst>
     </p:ext>
   </p:extLst>
 </p:presentation>
@@ -243,7 +255,7 @@
           <a:p>
             <a:fld id="{C5164158-0CE9-4349-B3F5-2F2E57F0D0CB}" type="datetimeFigureOut">
               <a:rPr lang="en-US" smtClean="0"/>
-              <a:t>7/22/18</a:t>
+              <a:t>7/24/18</a:t>
             </a:fld>
             <a:endParaRPr lang="en-US" dirty="0"/>
           </a:p>
@@ -413,7 +425,7 @@
           <a:p>
             <a:fld id="{C5164158-0CE9-4349-B3F5-2F2E57F0D0CB}" type="datetimeFigureOut">
               <a:rPr lang="en-US" smtClean="0"/>
-              <a:t>7/22/18</a:t>
+              <a:t>7/24/18</a:t>
             </a:fld>
             <a:endParaRPr lang="en-US" dirty="0"/>
           </a:p>
@@ -593,7 +605,7 @@
           <a:p>
             <a:fld id="{C5164158-0CE9-4349-B3F5-2F2E57F0D0CB}" type="datetimeFigureOut">
               <a:rPr lang="en-US" smtClean="0"/>
-              <a:t>7/22/18</a:t>
+              <a:t>7/24/18</a:t>
             </a:fld>
             <a:endParaRPr lang="en-US" dirty="0"/>
           </a:p>
@@ -763,7 +775,7 @@
           <a:p>
             <a:fld id="{C5164158-0CE9-4349-B3F5-2F2E57F0D0CB}" type="datetimeFigureOut">
               <a:rPr lang="en-US" smtClean="0"/>
-              <a:t>7/22/18</a:t>
+              <a:t>7/24/18</a:t>
             </a:fld>
             <a:endParaRPr lang="en-US" dirty="0"/>
           </a:p>
@@ -1007,7 +1019,7 @@
           <a:p>
             <a:fld id="{C5164158-0CE9-4349-B3F5-2F2E57F0D0CB}" type="datetimeFigureOut">
               <a:rPr lang="en-US" smtClean="0"/>
-              <a:t>7/22/18</a:t>
+              <a:t>7/24/18</a:t>
             </a:fld>
             <a:endParaRPr lang="en-US" dirty="0"/>
           </a:p>
@@ -1239,7 +1251,7 @@
           <a:p>
             <a:fld id="{C5164158-0CE9-4349-B3F5-2F2E57F0D0CB}" type="datetimeFigureOut">
               <a:rPr lang="en-US" smtClean="0"/>
-              <a:t>7/22/18</a:t>
+              <a:t>7/24/18</a:t>
             </a:fld>
             <a:endParaRPr lang="en-US" dirty="0"/>
           </a:p>
@@ -1606,7 +1618,7 @@
           <a:p>
             <a:fld id="{C5164158-0CE9-4349-B3F5-2F2E57F0D0CB}" type="datetimeFigureOut">
               <a:rPr lang="en-US" smtClean="0"/>
-              <a:t>7/22/18</a:t>
+              <a:t>7/24/18</a:t>
             </a:fld>
             <a:endParaRPr lang="en-US" dirty="0"/>
           </a:p>
@@ -1724,7 +1736,7 @@
           <a:p>
             <a:fld id="{C5164158-0CE9-4349-B3F5-2F2E57F0D0CB}" type="datetimeFigureOut">
               <a:rPr lang="en-US" smtClean="0"/>
-              <a:t>7/22/18</a:t>
+              <a:t>7/24/18</a:t>
             </a:fld>
             <a:endParaRPr lang="en-US" dirty="0"/>
           </a:p>
@@ -1819,7 +1831,7 @@
           <a:p>
             <a:fld id="{C5164158-0CE9-4349-B3F5-2F2E57F0D0CB}" type="datetimeFigureOut">
               <a:rPr lang="en-US" smtClean="0"/>
-              <a:t>7/22/18</a:t>
+              <a:t>7/24/18</a:t>
             </a:fld>
             <a:endParaRPr lang="en-US" dirty="0"/>
           </a:p>
@@ -2096,7 +2108,7 @@
           <a:p>
             <a:fld id="{C5164158-0CE9-4349-B3F5-2F2E57F0D0CB}" type="datetimeFigureOut">
               <a:rPr lang="en-US" smtClean="0"/>
-              <a:t>7/22/18</a:t>
+              <a:t>7/24/18</a:t>
             </a:fld>
             <a:endParaRPr lang="en-US" dirty="0"/>
           </a:p>
@@ -2353,7 +2365,7 @@
           <a:p>
             <a:fld id="{C5164158-0CE9-4349-B3F5-2F2E57F0D0CB}" type="datetimeFigureOut">
               <a:rPr lang="en-US" smtClean="0"/>
-              <a:t>7/22/18</a:t>
+              <a:t>7/24/18</a:t>
             </a:fld>
             <a:endParaRPr lang="en-US" dirty="0"/>
           </a:p>
@@ -2566,7 +2578,7 @@
           <a:p>
             <a:fld id="{C5164158-0CE9-4349-B3F5-2F2E57F0D0CB}" type="datetimeFigureOut">
               <a:rPr lang="en-US" smtClean="0"/>
-              <a:t>7/22/18</a:t>
+              <a:t>7/24/18</a:t>
             </a:fld>
             <a:endParaRPr lang="en-US" dirty="0"/>
           </a:p>
@@ -11412,6 +11424,7311 @@
 </p:sld>
 </file>
 
+<file path=ppt/slides/slide2.xml><?xml version="1.0" encoding="utf-8"?>
+<p:sld xmlns:a="http://schemas.openxmlformats.org/drawingml/2006/main" xmlns:r="http://schemas.openxmlformats.org/officeDocument/2006/relationships" xmlns:p="http://schemas.openxmlformats.org/presentationml/2006/main">
+  <p:cSld>
+    <p:spTree>
+      <p:nvGrpSpPr>
+        <p:cNvPr id="1" name=""/>
+        <p:cNvGrpSpPr/>
+        <p:nvPr/>
+      </p:nvGrpSpPr>
+      <p:grpSpPr>
+        <a:xfrm>
+          <a:off x="0" y="0"/>
+          <a:ext cx="0" cy="0"/>
+          <a:chOff x="0" y="0"/>
+          <a:chExt cx="0" cy="0"/>
+        </a:xfrm>
+      </p:grpSpPr>
+      <p:sp>
+        <p:nvSpPr>
+          <p:cNvPr id="2" name="OTLSHAPE_TB_00000000000000000000000000000000_LeftEndCaps" hidden="1"/>
+          <p:cNvSpPr txBox="1"/>
+          <p:nvPr>
+            <p:custDataLst>
+              <p:tags r:id="rId2"/>
+            </p:custDataLst>
+          </p:nvPr>
+        </p:nvSpPr>
+        <p:spPr>
+          <a:xfrm>
+            <a:off x="254000" y="4702344"/>
+            <a:ext cx="469900" cy="279061"/>
+          </a:xfrm>
+          <a:prstGeom prst="rect">
+            <a:avLst/>
+          </a:prstGeom>
+          <a:noFill/>
+        </p:spPr>
+        <p:txBody>
+          <a:bodyPr vert="horz" wrap="none" lIns="0" tIns="0" rIns="0" bIns="0" rtlCol="0" anchor="ctr" anchorCtr="0">
+            <a:spAutoFit/>
+          </a:bodyPr>
+          <a:lstStyle/>
+          <a:p>
+            <a:pPr algn="ctr"/>
+            <a:r>
+              <a:rPr lang="en-US" b="1">
+                <a:solidFill>
+                  <a:schemeClr val="accent2"/>
+                </a:solidFill>
+                <a:latin typeface="Calibri" panose="020F0502020204030204" pitchFamily="34" charset="0"/>
+              </a:rPr>
+              <a:t>2017</a:t>
+            </a:r>
+          </a:p>
+        </p:txBody>
+      </p:sp>
+      <p:sp>
+        <p:nvSpPr>
+          <p:cNvPr id="3" name="OTLSHAPE_TB_00000000000000000000000000000000_RightEndCaps" hidden="1"/>
+          <p:cNvSpPr txBox="1"/>
+          <p:nvPr>
+            <p:custDataLst>
+              <p:tags r:id="rId3"/>
+            </p:custDataLst>
+          </p:nvPr>
+        </p:nvSpPr>
+        <p:spPr>
+          <a:xfrm>
+            <a:off x="8426534" y="4702344"/>
+            <a:ext cx="469900" cy="279061"/>
+          </a:xfrm>
+          <a:prstGeom prst="rect">
+            <a:avLst/>
+          </a:prstGeom>
+          <a:noFill/>
+        </p:spPr>
+        <p:txBody>
+          <a:bodyPr vert="horz" wrap="none" lIns="0" tIns="0" rIns="0" bIns="0" rtlCol="0" anchor="ctr" anchorCtr="0">
+            <a:spAutoFit/>
+          </a:bodyPr>
+          <a:lstStyle/>
+          <a:p>
+            <a:pPr algn="ctr"/>
+            <a:r>
+              <a:rPr lang="en-US" b="1">
+                <a:solidFill>
+                  <a:schemeClr val="accent2"/>
+                </a:solidFill>
+                <a:latin typeface="Calibri" panose="020F0502020204030204" pitchFamily="34" charset="0"/>
+              </a:rPr>
+              <a:t>2017</a:t>
+            </a:r>
+          </a:p>
+        </p:txBody>
+      </p:sp>
+      <p:sp>
+        <p:nvSpPr>
+          <p:cNvPr id="5" name="OTLSHAPE_TB_00000000000000000000000000000000_ElapsedTime" hidden="1"/>
+          <p:cNvSpPr/>
+          <p:nvPr>
+            <p:custDataLst>
+              <p:tags r:id="rId4"/>
+            </p:custDataLst>
+          </p:nvPr>
+        </p:nvSpPr>
+        <p:spPr>
+          <a:xfrm>
+            <a:off x="0" y="0"/>
+            <a:ext cx="0" cy="0"/>
+          </a:xfrm>
+          <a:prstGeom prst="roundRect">
+            <a:avLst/>
+          </a:prstGeom>
+        </p:spPr>
+        <p:style>
+          <a:lnRef idx="2">
+            <a:schemeClr val="accent1">
+              <a:shade val="50000"/>
+            </a:schemeClr>
+          </a:lnRef>
+          <a:fillRef idx="1">
+            <a:schemeClr val="accent1"/>
+          </a:fillRef>
+          <a:effectRef idx="0">
+            <a:schemeClr val="accent1"/>
+          </a:effectRef>
+          <a:fontRef idx="minor">
+            <a:schemeClr val="lt1"/>
+          </a:fontRef>
+        </p:style>
+        <p:txBody>
+          <a:bodyPr rtlCol="0" anchor="ctr"/>
+          <a:lstStyle/>
+          <a:p>
+            <a:pPr algn="ctr"/>
+            <a:endParaRPr lang="en-US"/>
+          </a:p>
+        </p:txBody>
+      </p:sp>
+      <p:sp>
+        <p:nvSpPr>
+          <p:cNvPr id="6" name="OTLSHAPE_TB_00000000000000000000000000000000_TodayMarkerShape" hidden="1"/>
+          <p:cNvSpPr/>
+          <p:nvPr>
+            <p:custDataLst>
+              <p:tags r:id="rId5"/>
+            </p:custDataLst>
+          </p:nvPr>
+        </p:nvSpPr>
+        <p:spPr>
+          <a:xfrm>
+            <a:off x="808180" y="4968875"/>
+            <a:ext cx="72571" cy="84667"/>
+          </a:xfrm>
+          <a:prstGeom prst="triangle">
+            <a:avLst/>
+          </a:prstGeom>
+        </p:spPr>
+        <p:style>
+          <a:lnRef idx="2">
+            <a:schemeClr val="accent1">
+              <a:shade val="50000"/>
+            </a:schemeClr>
+          </a:lnRef>
+          <a:fillRef idx="1">
+            <a:schemeClr val="accent1"/>
+          </a:fillRef>
+          <a:effectRef idx="0">
+            <a:schemeClr val="accent1"/>
+          </a:effectRef>
+          <a:fontRef idx="minor">
+            <a:schemeClr val="lt1"/>
+          </a:fontRef>
+        </p:style>
+        <p:txBody>
+          <a:bodyPr rtlCol="0" anchor="ctr"/>
+          <a:lstStyle/>
+          <a:p>
+            <a:pPr algn="ctr"/>
+            <a:endParaRPr lang="en-US"/>
+          </a:p>
+        </p:txBody>
+      </p:sp>
+      <p:sp>
+        <p:nvSpPr>
+          <p:cNvPr id="7" name="OTLSHAPE_TB_00000000000000000000000000000000_TodayMarkerText" hidden="1"/>
+          <p:cNvSpPr txBox="1"/>
+          <p:nvPr>
+            <p:custDataLst>
+              <p:tags r:id="rId6"/>
+            </p:custDataLst>
+          </p:nvPr>
+        </p:nvSpPr>
+        <p:spPr>
+          <a:xfrm>
+            <a:off x="844465" y="5053542"/>
+            <a:ext cx="363369" cy="184666"/>
+          </a:xfrm>
+          <a:prstGeom prst="rect">
+            <a:avLst/>
+          </a:prstGeom>
+          <a:noFill/>
+        </p:spPr>
+        <p:txBody>
+          <a:bodyPr vert="horz" wrap="none" lIns="0" tIns="0" rIns="0" bIns="0" rtlCol="0" anchor="ctr" anchorCtr="0">
+            <a:spAutoFit/>
+          </a:bodyPr>
+          <a:lstStyle/>
+          <a:p>
+            <a:pPr algn="ctr"/>
+            <a:r>
+              <a:rPr lang="en-US" sz="1200">
+                <a:solidFill>
+                  <a:schemeClr val="dk1"/>
+                </a:solidFill>
+                <a:latin typeface="Calibri" panose="020F0502020204030204" pitchFamily="34" charset="0"/>
+              </a:rPr>
+              <a:t>Today</a:t>
+            </a:r>
+          </a:p>
+        </p:txBody>
+      </p:sp>
+      <p:cxnSp>
+        <p:nvCxnSpPr>
+          <p:cNvPr id="21" name="OTLSHAPE_T_834636e32cff480d8a852ae191fc6842_LeftVerticalConnector1" hidden="1"/>
+          <p:cNvCxnSpPr/>
+          <p:nvPr>
+            <p:custDataLst>
+              <p:tags r:id="rId7"/>
+            </p:custDataLst>
+          </p:nvPr>
+        </p:nvCxnSpPr>
+        <p:spPr>
+          <a:xfrm>
+            <a:off x="3506991" y="2895600"/>
+            <a:ext cx="0" cy="231775"/>
+          </a:xfrm>
+          <a:prstGeom prst="line">
+            <a:avLst/>
+          </a:prstGeom>
+          <a:ln>
+            <a:headEnd type="none"/>
+            <a:tailEnd type="none"/>
+          </a:ln>
+        </p:spPr>
+        <p:style>
+          <a:lnRef idx="1">
+            <a:schemeClr val="accent1"/>
+          </a:lnRef>
+          <a:fillRef idx="0">
+            <a:schemeClr val="accent1"/>
+          </a:fillRef>
+          <a:effectRef idx="0">
+            <a:schemeClr val="accent1"/>
+          </a:effectRef>
+          <a:fontRef idx="minor">
+            <a:schemeClr val="tx1"/>
+          </a:fontRef>
+        </p:style>
+      </p:cxnSp>
+      <p:cxnSp>
+        <p:nvCxnSpPr>
+          <p:cNvPr id="22" name="OTLSHAPE_T_834636e32cff480d8a852ae191fc6842_LeftVerticalConnector2" hidden="1"/>
+          <p:cNvCxnSpPr/>
+          <p:nvPr>
+            <p:custDataLst>
+              <p:tags r:id="rId8"/>
+            </p:custDataLst>
+          </p:nvPr>
+        </p:nvCxnSpPr>
+        <p:spPr>
+          <a:xfrm>
+            <a:off x="3506991" y="3279775"/>
+            <a:ext cx="0" cy="1435100"/>
+          </a:xfrm>
+          <a:prstGeom prst="line">
+            <a:avLst/>
+          </a:prstGeom>
+          <a:ln>
+            <a:headEnd type="none"/>
+            <a:tailEnd type="none"/>
+          </a:ln>
+        </p:spPr>
+        <p:style>
+          <a:lnRef idx="1">
+            <a:schemeClr val="accent1"/>
+          </a:lnRef>
+          <a:fillRef idx="0">
+            <a:schemeClr val="accent1"/>
+          </a:fillRef>
+          <a:effectRef idx="0">
+            <a:schemeClr val="accent1"/>
+          </a:effectRef>
+          <a:fontRef idx="minor">
+            <a:schemeClr val="tx1"/>
+          </a:fontRef>
+        </p:style>
+      </p:cxnSp>
+      <p:cxnSp>
+        <p:nvCxnSpPr>
+          <p:cNvPr id="25" name="OTLSHAPE_T_a1fe2df1afb74a24b48db95b6b338bf9_LeftVerticalConnector1" hidden="1"/>
+          <p:cNvCxnSpPr/>
+          <p:nvPr>
+            <p:custDataLst>
+              <p:tags r:id="rId9"/>
+            </p:custDataLst>
+          </p:nvPr>
+        </p:nvCxnSpPr>
+        <p:spPr>
+          <a:xfrm>
+            <a:off x="5503885" y="3511550"/>
+            <a:ext cx="0" cy="231775"/>
+          </a:xfrm>
+          <a:prstGeom prst="line">
+            <a:avLst/>
+          </a:prstGeom>
+          <a:ln>
+            <a:headEnd type="none"/>
+            <a:tailEnd type="none"/>
+          </a:ln>
+        </p:spPr>
+        <p:style>
+          <a:lnRef idx="1">
+            <a:schemeClr val="accent1"/>
+          </a:lnRef>
+          <a:fillRef idx="0">
+            <a:schemeClr val="accent1"/>
+          </a:fillRef>
+          <a:effectRef idx="0">
+            <a:schemeClr val="accent1"/>
+          </a:effectRef>
+          <a:fontRef idx="minor">
+            <a:schemeClr val="tx1"/>
+          </a:fontRef>
+        </p:style>
+      </p:cxnSp>
+      <p:cxnSp>
+        <p:nvCxnSpPr>
+          <p:cNvPr id="26" name="OTLSHAPE_T_a1fe2df1afb74a24b48db95b6b338bf9_LeftVerticalConnector2" hidden="1"/>
+          <p:cNvCxnSpPr/>
+          <p:nvPr>
+            <p:custDataLst>
+              <p:tags r:id="rId10"/>
+            </p:custDataLst>
+          </p:nvPr>
+        </p:nvCxnSpPr>
+        <p:spPr>
+          <a:xfrm>
+            <a:off x="5503885" y="3895725"/>
+            <a:ext cx="0" cy="819150"/>
+          </a:xfrm>
+          <a:prstGeom prst="line">
+            <a:avLst/>
+          </a:prstGeom>
+          <a:ln>
+            <a:headEnd type="none"/>
+            <a:tailEnd type="none"/>
+          </a:ln>
+        </p:spPr>
+        <p:style>
+          <a:lnRef idx="1">
+            <a:schemeClr val="accent1"/>
+          </a:lnRef>
+          <a:fillRef idx="0">
+            <a:schemeClr val="accent1"/>
+          </a:fillRef>
+          <a:effectRef idx="0">
+            <a:schemeClr val="accent1"/>
+          </a:effectRef>
+          <a:fontRef idx="minor">
+            <a:schemeClr val="tx1"/>
+          </a:fontRef>
+        </p:style>
+      </p:cxnSp>
+      <p:sp>
+        <p:nvSpPr>
+          <p:cNvPr id="10810" name="OTLSHAPE_T_2508efa28ff349da8bc6837b0c12f3f2_ShapePercentage" hidden="1"/>
+          <p:cNvSpPr/>
+          <p:nvPr>
+            <p:custDataLst>
+              <p:tags r:id="rId11"/>
+            </p:custDataLst>
+          </p:nvPr>
+        </p:nvSpPr>
+        <p:spPr>
+          <a:xfrm>
+            <a:off x="1510097" y="2174875"/>
+            <a:ext cx="0" cy="0"/>
+          </a:xfrm>
+          <a:prstGeom prst="leftRightArrow">
+            <a:avLst>
+              <a:gd name="adj1" fmla="val 75000"/>
+              <a:gd name="adj2" fmla="val 50000"/>
+            </a:avLst>
+          </a:prstGeom>
+        </p:spPr>
+        <p:style>
+          <a:lnRef idx="2">
+            <a:schemeClr val="accent1">
+              <a:shade val="50000"/>
+            </a:schemeClr>
+          </a:lnRef>
+          <a:fillRef idx="1">
+            <a:schemeClr val="accent1"/>
+          </a:fillRef>
+          <a:effectRef idx="0">
+            <a:schemeClr val="accent1"/>
+          </a:effectRef>
+          <a:fontRef idx="minor">
+            <a:schemeClr val="lt1"/>
+          </a:fontRef>
+        </p:style>
+        <p:txBody>
+          <a:bodyPr rtlCol="0" anchor="ctr"/>
+          <a:lstStyle/>
+          <a:p>
+            <a:pPr algn="ctr"/>
+            <a:endParaRPr lang="en-US"/>
+          </a:p>
+        </p:txBody>
+      </p:sp>
+      <p:sp>
+        <p:nvSpPr>
+          <p:cNvPr id="10811" name="OTLSHAPE_T_2508efa28ff349da8bc6837b0c12f3f2_Duration" hidden="1"/>
+          <p:cNvSpPr txBox="1"/>
+          <p:nvPr>
+            <p:custDataLst>
+              <p:tags r:id="rId12"/>
+            </p:custDataLst>
+          </p:nvPr>
+        </p:nvSpPr>
+        <p:spPr>
+          <a:xfrm>
+            <a:off x="0" y="2174875"/>
+            <a:ext cx="393700" cy="155025"/>
+          </a:xfrm>
+          <a:prstGeom prst="rect">
+            <a:avLst/>
+          </a:prstGeom>
+          <a:noFill/>
+        </p:spPr>
+        <p:txBody>
+          <a:bodyPr vert="horz" wrap="square" lIns="0" tIns="0" rIns="0" bIns="0" rtlCol="0" anchor="ctr" anchorCtr="0">
+            <a:spAutoFit/>
+          </a:bodyPr>
+          <a:lstStyle/>
+          <a:p>
+            <a:pPr algn="ctr"/>
+            <a:r>
+              <a:rPr lang="en-US" sz="1000">
+                <a:solidFill>
+                  <a:schemeClr val="accent2"/>
+                </a:solidFill>
+                <a:latin typeface="Calibri" panose="020F0502020204030204" pitchFamily="34" charset="0"/>
+              </a:rPr>
+              <a:t>11 days</a:t>
+            </a:r>
+          </a:p>
+        </p:txBody>
+      </p:sp>
+      <p:sp>
+        <p:nvSpPr>
+          <p:cNvPr id="10812" name="OTLSHAPE_T_2508efa28ff349da8bc6837b0c12f3f2_TextPercentage" hidden="1"/>
+          <p:cNvSpPr txBox="1"/>
+          <p:nvPr>
+            <p:custDataLst>
+              <p:tags r:id="rId13"/>
+            </p:custDataLst>
+          </p:nvPr>
+        </p:nvSpPr>
+        <p:spPr>
+          <a:xfrm>
+            <a:off x="0" y="2329900"/>
+            <a:ext cx="292100" cy="155025"/>
+          </a:xfrm>
+          <a:prstGeom prst="rect">
+            <a:avLst/>
+          </a:prstGeom>
+          <a:noFill/>
+        </p:spPr>
+        <p:txBody>
+          <a:bodyPr vert="horz" wrap="square" lIns="0" tIns="0" rIns="0" bIns="0" rtlCol="0" anchor="ctr" anchorCtr="0">
+            <a:spAutoFit/>
+          </a:bodyPr>
+          <a:lstStyle/>
+          <a:p>
+            <a:pPr algn="ctr"/>
+            <a:r>
+              <a:rPr lang="en-US" sz="1000">
+                <a:solidFill>
+                  <a:schemeClr val="accent2"/>
+                </a:solidFill>
+                <a:latin typeface="Calibri" panose="020F0502020204030204" pitchFamily="34" charset="0"/>
+              </a:rPr>
+              <a:t>100%</a:t>
+            </a:r>
+          </a:p>
+        </p:txBody>
+      </p:sp>
+      <p:sp>
+        <p:nvSpPr>
+          <p:cNvPr id="10813" name="OTLSHAPE_T_2508efa28ff349da8bc6837b0c12f3f2_StartDate" hidden="1"/>
+          <p:cNvSpPr txBox="1"/>
+          <p:nvPr>
+            <p:custDataLst>
+              <p:tags r:id="rId14"/>
+            </p:custDataLst>
+          </p:nvPr>
+        </p:nvSpPr>
+        <p:spPr>
+          <a:xfrm>
+            <a:off x="0" y="2484924"/>
+            <a:ext cx="0" cy="107722"/>
+          </a:xfrm>
+          <a:prstGeom prst="rect">
+            <a:avLst/>
+          </a:prstGeom>
+          <a:noFill/>
+        </p:spPr>
+        <p:txBody>
+          <a:bodyPr vert="horz" wrap="square" lIns="0" tIns="0" rIns="0" bIns="0" rtlCol="0" anchor="ctr" anchorCtr="0">
+            <a:spAutoFit/>
+          </a:bodyPr>
+          <a:lstStyle/>
+          <a:p>
+            <a:pPr algn="ctr"/>
+            <a:endParaRPr lang="en-US" sz="700" b="1">
+              <a:solidFill>
+                <a:schemeClr val="accent6"/>
+              </a:solidFill>
+              <a:latin typeface="Calibri" panose="020F0502020204030204" pitchFamily="34" charset="0"/>
+            </a:endParaRPr>
+          </a:p>
+        </p:txBody>
+      </p:sp>
+      <p:sp>
+        <p:nvSpPr>
+          <p:cNvPr id="10814" name="OTLSHAPE_T_2508efa28ff349da8bc6837b0c12f3f2_EndDate" hidden="1"/>
+          <p:cNvSpPr txBox="1"/>
+          <p:nvPr>
+            <p:custDataLst>
+              <p:tags r:id="rId15"/>
+            </p:custDataLst>
+          </p:nvPr>
+        </p:nvSpPr>
+        <p:spPr>
+          <a:xfrm>
+            <a:off x="0" y="2484924"/>
+            <a:ext cx="0" cy="107722"/>
+          </a:xfrm>
+          <a:prstGeom prst="rect">
+            <a:avLst/>
+          </a:prstGeom>
+          <a:noFill/>
+        </p:spPr>
+        <p:txBody>
+          <a:bodyPr vert="horz" wrap="square" lIns="0" tIns="0" rIns="0" bIns="0" rtlCol="0" anchor="ctr" anchorCtr="0">
+            <a:spAutoFit/>
+          </a:bodyPr>
+          <a:lstStyle/>
+          <a:p>
+            <a:pPr algn="ctr"/>
+            <a:endParaRPr lang="en-US" sz="700" b="1">
+              <a:solidFill>
+                <a:schemeClr val="accent6"/>
+              </a:solidFill>
+              <a:latin typeface="Calibri" panose="020F0502020204030204" pitchFamily="34" charset="0"/>
+            </a:endParaRPr>
+          </a:p>
+        </p:txBody>
+      </p:sp>
+      <p:sp>
+        <p:nvSpPr>
+          <p:cNvPr id="10594" name="OTLSHAPE_T_9116278e5c2946a085db5776da322f3f_ShapePercentage" hidden="1"/>
+          <p:cNvSpPr/>
+          <p:nvPr>
+            <p:custDataLst>
+              <p:tags r:id="rId16"/>
+            </p:custDataLst>
+          </p:nvPr>
+        </p:nvSpPr>
+        <p:spPr>
+          <a:xfrm>
+            <a:off x="1510097" y="2511425"/>
+            <a:ext cx="0" cy="152400"/>
+          </a:xfrm>
+          <a:prstGeom prst="chevron">
+            <a:avLst/>
+          </a:prstGeom>
+        </p:spPr>
+        <p:style>
+          <a:lnRef idx="2">
+            <a:schemeClr val="accent1">
+              <a:shade val="50000"/>
+            </a:schemeClr>
+          </a:lnRef>
+          <a:fillRef idx="1">
+            <a:schemeClr val="accent1"/>
+          </a:fillRef>
+          <a:effectRef idx="0">
+            <a:schemeClr val="accent1"/>
+          </a:effectRef>
+          <a:fontRef idx="minor">
+            <a:schemeClr val="lt1"/>
+          </a:fontRef>
+        </p:style>
+        <p:txBody>
+          <a:bodyPr rtlCol="0" anchor="ctr"/>
+          <a:lstStyle/>
+          <a:p>
+            <a:pPr algn="ctr"/>
+            <a:endParaRPr lang="en-US">
+              <a:solidFill>
+                <a:schemeClr val="tx1"/>
+              </a:solidFill>
+            </a:endParaRPr>
+          </a:p>
+        </p:txBody>
+      </p:sp>
+      <p:sp>
+        <p:nvSpPr>
+          <p:cNvPr id="10595" name="OTLSHAPE_T_9116278e5c2946a085db5776da322f3f_Duration" hidden="1"/>
+          <p:cNvSpPr txBox="1"/>
+          <p:nvPr>
+            <p:custDataLst>
+              <p:tags r:id="rId17"/>
+            </p:custDataLst>
+          </p:nvPr>
+        </p:nvSpPr>
+        <p:spPr>
+          <a:xfrm>
+            <a:off x="0" y="2511425"/>
+            <a:ext cx="330200" cy="155025"/>
+          </a:xfrm>
+          <a:prstGeom prst="rect">
+            <a:avLst/>
+          </a:prstGeom>
+          <a:noFill/>
+        </p:spPr>
+        <p:txBody>
+          <a:bodyPr vert="horz" wrap="square" lIns="0" tIns="0" rIns="0" bIns="0" rtlCol="0" anchor="ctr" anchorCtr="0">
+            <a:spAutoFit/>
+          </a:bodyPr>
+          <a:lstStyle/>
+          <a:p>
+            <a:pPr algn="ctr"/>
+            <a:r>
+              <a:rPr lang="en-US" sz="1000">
+                <a:solidFill>
+                  <a:schemeClr val="accent2"/>
+                </a:solidFill>
+                <a:latin typeface="Calibri" panose="020F0502020204030204" pitchFamily="34" charset="0"/>
+              </a:rPr>
+              <a:t>3 days</a:t>
+            </a:r>
+          </a:p>
+        </p:txBody>
+      </p:sp>
+      <p:sp>
+        <p:nvSpPr>
+          <p:cNvPr id="10596" name="OTLSHAPE_T_9116278e5c2946a085db5776da322f3f_JoinedDate" hidden="1"/>
+          <p:cNvSpPr txBox="1"/>
+          <p:nvPr>
+            <p:custDataLst>
+              <p:tags r:id="rId18"/>
+            </p:custDataLst>
+          </p:nvPr>
+        </p:nvSpPr>
+        <p:spPr>
+          <a:xfrm>
+            <a:off x="0" y="2666450"/>
+            <a:ext cx="469900" cy="124037"/>
+          </a:xfrm>
+          <a:prstGeom prst="rect">
+            <a:avLst/>
+          </a:prstGeom>
+          <a:noFill/>
+        </p:spPr>
+        <p:txBody>
+          <a:bodyPr vert="horz" wrap="square" lIns="0" tIns="0" rIns="0" bIns="0" rtlCol="0" anchor="ctr" anchorCtr="0">
+            <a:spAutoFit/>
+          </a:bodyPr>
+          <a:lstStyle/>
+          <a:p>
+            <a:r>
+              <a:rPr lang="en-US" sz="800">
+                <a:solidFill>
+                  <a:srgbClr val="BFBFBF"/>
+                </a:solidFill>
+                <a:latin typeface="Calibri" panose="020F0502020204030204" pitchFamily="34" charset="0"/>
+              </a:rPr>
+              <a:t>5/19 - 5/23</a:t>
+            </a:r>
+          </a:p>
+        </p:txBody>
+      </p:sp>
+      <p:sp>
+        <p:nvSpPr>
+          <p:cNvPr id="10644" name="OTLSHAPE_T_9116278e5c2946a085db5776da322f3f_StartDate" hidden="1"/>
+          <p:cNvSpPr txBox="1"/>
+          <p:nvPr>
+            <p:custDataLst>
+              <p:tags r:id="rId19"/>
+            </p:custDataLst>
+          </p:nvPr>
+        </p:nvSpPr>
+        <p:spPr>
+          <a:xfrm>
+            <a:off x="0" y="2790486"/>
+            <a:ext cx="0" cy="123111"/>
+          </a:xfrm>
+          <a:prstGeom prst="rect">
+            <a:avLst/>
+          </a:prstGeom>
+          <a:noFill/>
+        </p:spPr>
+        <p:txBody>
+          <a:bodyPr vert="horz" wrap="square" lIns="0" tIns="0" rIns="0" bIns="0" rtlCol="0" anchor="ctr" anchorCtr="0">
+            <a:spAutoFit/>
+          </a:bodyPr>
+          <a:lstStyle/>
+          <a:p>
+            <a:pPr algn="ctr"/>
+            <a:endParaRPr lang="en-US" sz="800">
+              <a:solidFill>
+                <a:srgbClr val="BFBFBF"/>
+              </a:solidFill>
+              <a:latin typeface="Calibri" panose="020F0502020204030204" pitchFamily="34" charset="0"/>
+            </a:endParaRPr>
+          </a:p>
+        </p:txBody>
+      </p:sp>
+      <p:sp>
+        <p:nvSpPr>
+          <p:cNvPr id="10645" name="OTLSHAPE_T_9116278e5c2946a085db5776da322f3f_EndDate" hidden="1"/>
+          <p:cNvSpPr txBox="1"/>
+          <p:nvPr>
+            <p:custDataLst>
+              <p:tags r:id="rId20"/>
+            </p:custDataLst>
+          </p:nvPr>
+        </p:nvSpPr>
+        <p:spPr>
+          <a:xfrm>
+            <a:off x="0" y="2790486"/>
+            <a:ext cx="0" cy="123111"/>
+          </a:xfrm>
+          <a:prstGeom prst="rect">
+            <a:avLst/>
+          </a:prstGeom>
+          <a:noFill/>
+        </p:spPr>
+        <p:txBody>
+          <a:bodyPr vert="horz" wrap="square" lIns="0" tIns="0" rIns="0" bIns="0" rtlCol="0" anchor="ctr" anchorCtr="0">
+            <a:spAutoFit/>
+          </a:bodyPr>
+          <a:lstStyle/>
+          <a:p>
+            <a:pPr algn="ctr"/>
+            <a:endParaRPr lang="en-US" sz="800">
+              <a:solidFill>
+                <a:srgbClr val="BFBFBF"/>
+              </a:solidFill>
+              <a:latin typeface="Calibri" panose="020F0502020204030204" pitchFamily="34" charset="0"/>
+            </a:endParaRPr>
+          </a:p>
+        </p:txBody>
+      </p:sp>
+      <p:sp>
+        <p:nvSpPr>
+          <p:cNvPr id="10653" name="OTLSHAPE_T_9116278e5c2946a085db5776da322f3f_TextPercentage" hidden="1"/>
+          <p:cNvSpPr txBox="1"/>
+          <p:nvPr>
+            <p:custDataLst>
+              <p:tags r:id="rId21"/>
+            </p:custDataLst>
+          </p:nvPr>
+        </p:nvSpPr>
+        <p:spPr>
+          <a:xfrm>
+            <a:off x="1510097" y="2649643"/>
+            <a:ext cx="0" cy="153888"/>
+          </a:xfrm>
+          <a:prstGeom prst="rect">
+            <a:avLst/>
+          </a:prstGeom>
+          <a:noFill/>
+        </p:spPr>
+        <p:txBody>
+          <a:bodyPr vert="horz" wrap="square" lIns="0" tIns="0" rIns="0" bIns="0" rtlCol="0" anchor="ctr" anchorCtr="0">
+            <a:spAutoFit/>
+          </a:bodyPr>
+          <a:lstStyle/>
+          <a:p>
+            <a:pPr algn="ctr"/>
+            <a:endParaRPr lang="en-US" sz="1000">
+              <a:solidFill>
+                <a:srgbClr val="C0504D"/>
+              </a:solidFill>
+              <a:latin typeface="Calibri" panose="020F0502020204030204" pitchFamily="34" charset="0"/>
+            </a:endParaRPr>
+          </a:p>
+        </p:txBody>
+      </p:sp>
+      <p:sp>
+        <p:nvSpPr>
+          <p:cNvPr id="10661" name="OTLSHAPE_T_8574f27a0c634b08b97c20e1eb8b1a11_ShapePercentage" hidden="1"/>
+          <p:cNvSpPr/>
+          <p:nvPr>
+            <p:custDataLst>
+              <p:tags r:id="rId22"/>
+            </p:custDataLst>
+          </p:nvPr>
+        </p:nvSpPr>
+        <p:spPr>
+          <a:xfrm>
+            <a:off x="2175728" y="2511425"/>
+            <a:ext cx="0" cy="152400"/>
+          </a:xfrm>
+          <a:prstGeom prst="chevron">
+            <a:avLst/>
+          </a:prstGeom>
+        </p:spPr>
+        <p:style>
+          <a:lnRef idx="2">
+            <a:schemeClr val="accent1">
+              <a:shade val="50000"/>
+            </a:schemeClr>
+          </a:lnRef>
+          <a:fillRef idx="1">
+            <a:schemeClr val="accent1"/>
+          </a:fillRef>
+          <a:effectRef idx="0">
+            <a:schemeClr val="accent1"/>
+          </a:effectRef>
+          <a:fontRef idx="minor">
+            <a:schemeClr val="lt1"/>
+          </a:fontRef>
+        </p:style>
+        <p:txBody>
+          <a:bodyPr rtlCol="0" anchor="ctr"/>
+          <a:lstStyle/>
+          <a:p>
+            <a:pPr algn="ctr"/>
+            <a:endParaRPr lang="en-US">
+              <a:solidFill>
+                <a:schemeClr val="tx1"/>
+              </a:solidFill>
+            </a:endParaRPr>
+          </a:p>
+        </p:txBody>
+      </p:sp>
+      <p:sp>
+        <p:nvSpPr>
+          <p:cNvPr id="10668" name="OTLSHAPE_T_8574f27a0c634b08b97c20e1eb8b1a11_Duration" hidden="1"/>
+          <p:cNvSpPr txBox="1"/>
+          <p:nvPr>
+            <p:custDataLst>
+              <p:tags r:id="rId23"/>
+            </p:custDataLst>
+          </p:nvPr>
+        </p:nvSpPr>
+        <p:spPr>
+          <a:xfrm>
+            <a:off x="0" y="2511425"/>
+            <a:ext cx="330200" cy="155025"/>
+          </a:xfrm>
+          <a:prstGeom prst="rect">
+            <a:avLst/>
+          </a:prstGeom>
+          <a:noFill/>
+        </p:spPr>
+        <p:txBody>
+          <a:bodyPr vert="horz" wrap="square" lIns="0" tIns="0" rIns="0" bIns="0" rtlCol="0" anchor="ctr" anchorCtr="0">
+            <a:spAutoFit/>
+          </a:bodyPr>
+          <a:lstStyle/>
+          <a:p>
+            <a:pPr algn="ctr"/>
+            <a:r>
+              <a:rPr lang="en-US" sz="1000">
+                <a:solidFill>
+                  <a:schemeClr val="accent2"/>
+                </a:solidFill>
+                <a:latin typeface="Calibri" panose="020F0502020204030204" pitchFamily="34" charset="0"/>
+              </a:rPr>
+              <a:t>3 days</a:t>
+            </a:r>
+          </a:p>
+        </p:txBody>
+      </p:sp>
+      <p:sp>
+        <p:nvSpPr>
+          <p:cNvPr id="10669" name="OTLSHAPE_T_8574f27a0c634b08b97c20e1eb8b1a11_JoinedDate" hidden="1"/>
+          <p:cNvSpPr txBox="1"/>
+          <p:nvPr>
+            <p:custDataLst>
+              <p:tags r:id="rId24"/>
+            </p:custDataLst>
+          </p:nvPr>
+        </p:nvSpPr>
+        <p:spPr>
+          <a:xfrm>
+            <a:off x="0" y="2666450"/>
+            <a:ext cx="469900" cy="124037"/>
+          </a:xfrm>
+          <a:prstGeom prst="rect">
+            <a:avLst/>
+          </a:prstGeom>
+          <a:noFill/>
+        </p:spPr>
+        <p:txBody>
+          <a:bodyPr vert="horz" wrap="square" lIns="0" tIns="0" rIns="0" bIns="0" rtlCol="0" anchor="ctr" anchorCtr="0">
+            <a:spAutoFit/>
+          </a:bodyPr>
+          <a:lstStyle/>
+          <a:p>
+            <a:r>
+              <a:rPr lang="en-US" sz="800">
+                <a:solidFill>
+                  <a:srgbClr val="BFBFBF"/>
+                </a:solidFill>
+                <a:latin typeface="Calibri" panose="020F0502020204030204" pitchFamily="34" charset="0"/>
+              </a:rPr>
+              <a:t>5/24 - 5/28</a:t>
+            </a:r>
+          </a:p>
+        </p:txBody>
+      </p:sp>
+      <p:sp>
+        <p:nvSpPr>
+          <p:cNvPr id="10676" name="OTLSHAPE_T_8574f27a0c634b08b97c20e1eb8b1a11_StartDate" hidden="1"/>
+          <p:cNvSpPr txBox="1"/>
+          <p:nvPr>
+            <p:custDataLst>
+              <p:tags r:id="rId25"/>
+            </p:custDataLst>
+          </p:nvPr>
+        </p:nvSpPr>
+        <p:spPr>
+          <a:xfrm>
+            <a:off x="0" y="2790486"/>
+            <a:ext cx="0" cy="123111"/>
+          </a:xfrm>
+          <a:prstGeom prst="rect">
+            <a:avLst/>
+          </a:prstGeom>
+          <a:noFill/>
+        </p:spPr>
+        <p:txBody>
+          <a:bodyPr vert="horz" wrap="square" lIns="0" tIns="0" rIns="0" bIns="0" rtlCol="0" anchor="ctr" anchorCtr="0">
+            <a:spAutoFit/>
+          </a:bodyPr>
+          <a:lstStyle/>
+          <a:p>
+            <a:pPr algn="ctr"/>
+            <a:endParaRPr lang="en-US" sz="800">
+              <a:solidFill>
+                <a:srgbClr val="BFBFBF"/>
+              </a:solidFill>
+              <a:latin typeface="Calibri" panose="020F0502020204030204" pitchFamily="34" charset="0"/>
+            </a:endParaRPr>
+          </a:p>
+        </p:txBody>
+      </p:sp>
+      <p:sp>
+        <p:nvSpPr>
+          <p:cNvPr id="10677" name="OTLSHAPE_T_8574f27a0c634b08b97c20e1eb8b1a11_EndDate" hidden="1"/>
+          <p:cNvSpPr txBox="1"/>
+          <p:nvPr>
+            <p:custDataLst>
+              <p:tags r:id="rId26"/>
+            </p:custDataLst>
+          </p:nvPr>
+        </p:nvSpPr>
+        <p:spPr>
+          <a:xfrm>
+            <a:off x="0" y="2790486"/>
+            <a:ext cx="0" cy="123111"/>
+          </a:xfrm>
+          <a:prstGeom prst="rect">
+            <a:avLst/>
+          </a:prstGeom>
+          <a:noFill/>
+        </p:spPr>
+        <p:txBody>
+          <a:bodyPr vert="horz" wrap="square" lIns="0" tIns="0" rIns="0" bIns="0" rtlCol="0" anchor="ctr" anchorCtr="0">
+            <a:spAutoFit/>
+          </a:bodyPr>
+          <a:lstStyle/>
+          <a:p>
+            <a:pPr algn="ctr"/>
+            <a:endParaRPr lang="en-US" sz="800">
+              <a:solidFill>
+                <a:srgbClr val="BFBFBF"/>
+              </a:solidFill>
+              <a:latin typeface="Calibri" panose="020F0502020204030204" pitchFamily="34" charset="0"/>
+            </a:endParaRPr>
+          </a:p>
+        </p:txBody>
+      </p:sp>
+      <p:sp>
+        <p:nvSpPr>
+          <p:cNvPr id="10685" name="OTLSHAPE_T_8574f27a0c634b08b97c20e1eb8b1a11_TextPercentage" hidden="1"/>
+          <p:cNvSpPr txBox="1"/>
+          <p:nvPr>
+            <p:custDataLst>
+              <p:tags r:id="rId27"/>
+            </p:custDataLst>
+          </p:nvPr>
+        </p:nvSpPr>
+        <p:spPr>
+          <a:xfrm>
+            <a:off x="2175728" y="2649643"/>
+            <a:ext cx="0" cy="153888"/>
+          </a:xfrm>
+          <a:prstGeom prst="rect">
+            <a:avLst/>
+          </a:prstGeom>
+          <a:noFill/>
+        </p:spPr>
+        <p:txBody>
+          <a:bodyPr vert="horz" wrap="square" lIns="0" tIns="0" rIns="0" bIns="0" rtlCol="0" anchor="ctr" anchorCtr="0">
+            <a:spAutoFit/>
+          </a:bodyPr>
+          <a:lstStyle/>
+          <a:p>
+            <a:pPr algn="ctr"/>
+            <a:endParaRPr lang="en-US" sz="1000">
+              <a:solidFill>
+                <a:srgbClr val="C0504D"/>
+              </a:solidFill>
+              <a:latin typeface="Calibri" panose="020F0502020204030204" pitchFamily="34" charset="0"/>
+            </a:endParaRPr>
+          </a:p>
+        </p:txBody>
+      </p:sp>
+      <p:sp>
+        <p:nvSpPr>
+          <p:cNvPr id="10693" name="OTLSHAPE_T_8545a2622707410ea6bf0bb2412e4891_ShapePercentage" hidden="1"/>
+          <p:cNvSpPr/>
+          <p:nvPr>
+            <p:custDataLst>
+              <p:tags r:id="rId28"/>
+            </p:custDataLst>
+          </p:nvPr>
+        </p:nvSpPr>
+        <p:spPr>
+          <a:xfrm>
+            <a:off x="2841359" y="2511425"/>
+            <a:ext cx="0" cy="152400"/>
+          </a:xfrm>
+          <a:prstGeom prst="chevron">
+            <a:avLst/>
+          </a:prstGeom>
+        </p:spPr>
+        <p:style>
+          <a:lnRef idx="2">
+            <a:schemeClr val="accent1">
+              <a:shade val="50000"/>
+            </a:schemeClr>
+          </a:lnRef>
+          <a:fillRef idx="1">
+            <a:schemeClr val="accent1"/>
+          </a:fillRef>
+          <a:effectRef idx="0">
+            <a:schemeClr val="accent1"/>
+          </a:effectRef>
+          <a:fontRef idx="minor">
+            <a:schemeClr val="lt1"/>
+          </a:fontRef>
+        </p:style>
+        <p:txBody>
+          <a:bodyPr rtlCol="0" anchor="ctr"/>
+          <a:lstStyle/>
+          <a:p>
+            <a:pPr algn="ctr"/>
+            <a:endParaRPr lang="en-US">
+              <a:solidFill>
+                <a:schemeClr val="tx1"/>
+              </a:solidFill>
+            </a:endParaRPr>
+          </a:p>
+        </p:txBody>
+      </p:sp>
+      <p:sp>
+        <p:nvSpPr>
+          <p:cNvPr id="10700" name="OTLSHAPE_T_8545a2622707410ea6bf0bb2412e4891_Duration" hidden="1"/>
+          <p:cNvSpPr txBox="1"/>
+          <p:nvPr>
+            <p:custDataLst>
+              <p:tags r:id="rId29"/>
+            </p:custDataLst>
+          </p:nvPr>
+        </p:nvSpPr>
+        <p:spPr>
+          <a:xfrm>
+            <a:off x="0" y="2511425"/>
+            <a:ext cx="330200" cy="155025"/>
+          </a:xfrm>
+          <a:prstGeom prst="rect">
+            <a:avLst/>
+          </a:prstGeom>
+          <a:noFill/>
+        </p:spPr>
+        <p:txBody>
+          <a:bodyPr vert="horz" wrap="square" lIns="0" tIns="0" rIns="0" bIns="0" rtlCol="0" anchor="ctr" anchorCtr="0">
+            <a:spAutoFit/>
+          </a:bodyPr>
+          <a:lstStyle/>
+          <a:p>
+            <a:pPr algn="ctr"/>
+            <a:r>
+              <a:rPr lang="en-US" sz="1000">
+                <a:solidFill>
+                  <a:schemeClr val="accent2"/>
+                </a:solidFill>
+                <a:latin typeface="Calibri" panose="020F0502020204030204" pitchFamily="34" charset="0"/>
+              </a:rPr>
+              <a:t>5 days</a:t>
+            </a:r>
+          </a:p>
+        </p:txBody>
+      </p:sp>
+      <p:sp>
+        <p:nvSpPr>
+          <p:cNvPr id="10701" name="OTLSHAPE_T_8545a2622707410ea6bf0bb2412e4891_JoinedDate" hidden="1"/>
+          <p:cNvSpPr txBox="1"/>
+          <p:nvPr>
+            <p:custDataLst>
+              <p:tags r:id="rId30"/>
+            </p:custDataLst>
+          </p:nvPr>
+        </p:nvSpPr>
+        <p:spPr>
+          <a:xfrm>
+            <a:off x="0" y="2666450"/>
+            <a:ext cx="419100" cy="124037"/>
+          </a:xfrm>
+          <a:prstGeom prst="rect">
+            <a:avLst/>
+          </a:prstGeom>
+          <a:noFill/>
+        </p:spPr>
+        <p:txBody>
+          <a:bodyPr vert="horz" wrap="square" lIns="0" tIns="0" rIns="0" bIns="0" rtlCol="0" anchor="ctr" anchorCtr="0">
+            <a:spAutoFit/>
+          </a:bodyPr>
+          <a:lstStyle/>
+          <a:p>
+            <a:r>
+              <a:rPr lang="en-US" sz="800">
+                <a:solidFill>
+                  <a:srgbClr val="BFBFBF"/>
+                </a:solidFill>
+                <a:latin typeface="Calibri" panose="020F0502020204030204" pitchFamily="34" charset="0"/>
+              </a:rPr>
+              <a:t>5/29 - 6/2</a:t>
+            </a:r>
+          </a:p>
+        </p:txBody>
+      </p:sp>
+      <p:sp>
+        <p:nvSpPr>
+          <p:cNvPr id="10708" name="OTLSHAPE_T_8545a2622707410ea6bf0bb2412e4891_StartDate" hidden="1"/>
+          <p:cNvSpPr txBox="1"/>
+          <p:nvPr>
+            <p:custDataLst>
+              <p:tags r:id="rId31"/>
+            </p:custDataLst>
+          </p:nvPr>
+        </p:nvSpPr>
+        <p:spPr>
+          <a:xfrm>
+            <a:off x="0" y="2790486"/>
+            <a:ext cx="0" cy="123111"/>
+          </a:xfrm>
+          <a:prstGeom prst="rect">
+            <a:avLst/>
+          </a:prstGeom>
+          <a:noFill/>
+        </p:spPr>
+        <p:txBody>
+          <a:bodyPr vert="horz" wrap="square" lIns="0" tIns="0" rIns="0" bIns="0" rtlCol="0" anchor="ctr" anchorCtr="0">
+            <a:spAutoFit/>
+          </a:bodyPr>
+          <a:lstStyle/>
+          <a:p>
+            <a:pPr algn="ctr"/>
+            <a:endParaRPr lang="en-US" sz="800">
+              <a:solidFill>
+                <a:srgbClr val="BFBFBF"/>
+              </a:solidFill>
+              <a:latin typeface="Calibri" panose="020F0502020204030204" pitchFamily="34" charset="0"/>
+            </a:endParaRPr>
+          </a:p>
+        </p:txBody>
+      </p:sp>
+      <p:sp>
+        <p:nvSpPr>
+          <p:cNvPr id="10709" name="OTLSHAPE_T_8545a2622707410ea6bf0bb2412e4891_EndDate" hidden="1"/>
+          <p:cNvSpPr txBox="1"/>
+          <p:nvPr>
+            <p:custDataLst>
+              <p:tags r:id="rId32"/>
+            </p:custDataLst>
+          </p:nvPr>
+        </p:nvSpPr>
+        <p:spPr>
+          <a:xfrm>
+            <a:off x="0" y="2790486"/>
+            <a:ext cx="0" cy="123111"/>
+          </a:xfrm>
+          <a:prstGeom prst="rect">
+            <a:avLst/>
+          </a:prstGeom>
+          <a:noFill/>
+        </p:spPr>
+        <p:txBody>
+          <a:bodyPr vert="horz" wrap="square" lIns="0" tIns="0" rIns="0" bIns="0" rtlCol="0" anchor="ctr" anchorCtr="0">
+            <a:spAutoFit/>
+          </a:bodyPr>
+          <a:lstStyle/>
+          <a:p>
+            <a:pPr algn="ctr"/>
+            <a:endParaRPr lang="en-US" sz="800">
+              <a:solidFill>
+                <a:srgbClr val="BFBFBF"/>
+              </a:solidFill>
+              <a:latin typeface="Calibri" panose="020F0502020204030204" pitchFamily="34" charset="0"/>
+            </a:endParaRPr>
+          </a:p>
+        </p:txBody>
+      </p:sp>
+      <p:sp>
+        <p:nvSpPr>
+          <p:cNvPr id="10717" name="OTLSHAPE_T_8545a2622707410ea6bf0bb2412e4891_TextPercentage" hidden="1"/>
+          <p:cNvSpPr txBox="1"/>
+          <p:nvPr>
+            <p:custDataLst>
+              <p:tags r:id="rId33"/>
+            </p:custDataLst>
+          </p:nvPr>
+        </p:nvSpPr>
+        <p:spPr>
+          <a:xfrm>
+            <a:off x="2841359" y="2649643"/>
+            <a:ext cx="0" cy="153888"/>
+          </a:xfrm>
+          <a:prstGeom prst="rect">
+            <a:avLst/>
+          </a:prstGeom>
+          <a:noFill/>
+        </p:spPr>
+        <p:txBody>
+          <a:bodyPr vert="horz" wrap="square" lIns="0" tIns="0" rIns="0" bIns="0" rtlCol="0" anchor="ctr" anchorCtr="0">
+            <a:spAutoFit/>
+          </a:bodyPr>
+          <a:lstStyle/>
+          <a:p>
+            <a:pPr algn="ctr"/>
+            <a:endParaRPr lang="en-US" sz="1000">
+              <a:solidFill>
+                <a:srgbClr val="C0504D"/>
+              </a:solidFill>
+              <a:latin typeface="Calibri" panose="020F0502020204030204" pitchFamily="34" charset="0"/>
+            </a:endParaRPr>
+          </a:p>
+        </p:txBody>
+      </p:sp>
+      <p:sp>
+        <p:nvSpPr>
+          <p:cNvPr id="10725" name="OTLSHAPE_T_834636e32cff480d8a852ae191fc6842_ShapePercentage" hidden="1"/>
+          <p:cNvSpPr/>
+          <p:nvPr>
+            <p:custDataLst>
+              <p:tags r:id="rId34"/>
+            </p:custDataLst>
+          </p:nvPr>
+        </p:nvSpPr>
+        <p:spPr>
+          <a:xfrm>
+            <a:off x="3506991" y="2790825"/>
+            <a:ext cx="0" cy="0"/>
+          </a:xfrm>
+          <a:prstGeom prst="leftRightArrow">
+            <a:avLst>
+              <a:gd name="adj1" fmla="val 75000"/>
+              <a:gd name="adj2" fmla="val 50000"/>
+            </a:avLst>
+          </a:prstGeom>
+        </p:spPr>
+        <p:style>
+          <a:lnRef idx="2">
+            <a:schemeClr val="accent1">
+              <a:shade val="50000"/>
+            </a:schemeClr>
+          </a:lnRef>
+          <a:fillRef idx="1">
+            <a:schemeClr val="accent1"/>
+          </a:fillRef>
+          <a:effectRef idx="0">
+            <a:schemeClr val="accent1"/>
+          </a:effectRef>
+          <a:fontRef idx="minor">
+            <a:schemeClr val="lt1"/>
+          </a:fontRef>
+        </p:style>
+        <p:txBody>
+          <a:bodyPr rtlCol="0" anchor="ctr"/>
+          <a:lstStyle/>
+          <a:p>
+            <a:pPr algn="ctr"/>
+            <a:endParaRPr lang="en-US"/>
+          </a:p>
+        </p:txBody>
+      </p:sp>
+      <p:sp>
+        <p:nvSpPr>
+          <p:cNvPr id="10732" name="OTLSHAPE_T_834636e32cff480d8a852ae191fc6842_Duration" hidden="1"/>
+          <p:cNvSpPr txBox="1"/>
+          <p:nvPr>
+            <p:custDataLst>
+              <p:tags r:id="rId35"/>
+            </p:custDataLst>
+          </p:nvPr>
+        </p:nvSpPr>
+        <p:spPr>
+          <a:xfrm>
+            <a:off x="0" y="2790825"/>
+            <a:ext cx="393700" cy="155025"/>
+          </a:xfrm>
+          <a:prstGeom prst="rect">
+            <a:avLst/>
+          </a:prstGeom>
+          <a:noFill/>
+        </p:spPr>
+        <p:txBody>
+          <a:bodyPr vert="horz" wrap="square" lIns="0" tIns="0" rIns="0" bIns="0" rtlCol="0" anchor="ctr" anchorCtr="0">
+            <a:spAutoFit/>
+          </a:bodyPr>
+          <a:lstStyle/>
+          <a:p>
+            <a:pPr algn="ctr"/>
+            <a:r>
+              <a:rPr lang="en-US" sz="1000">
+                <a:solidFill>
+                  <a:schemeClr val="accent2"/>
+                </a:solidFill>
+                <a:latin typeface="Calibri" panose="020F0502020204030204" pitchFamily="34" charset="0"/>
+              </a:rPr>
+              <a:t>10 days</a:t>
+            </a:r>
+          </a:p>
+        </p:txBody>
+      </p:sp>
+      <p:sp>
+        <p:nvSpPr>
+          <p:cNvPr id="10733" name="OTLSHAPE_T_834636e32cff480d8a852ae191fc6842_TextPercentage" hidden="1"/>
+          <p:cNvSpPr txBox="1"/>
+          <p:nvPr>
+            <p:custDataLst>
+              <p:tags r:id="rId36"/>
+            </p:custDataLst>
+          </p:nvPr>
+        </p:nvSpPr>
+        <p:spPr>
+          <a:xfrm>
+            <a:off x="0" y="2945850"/>
+            <a:ext cx="228600" cy="155025"/>
+          </a:xfrm>
+          <a:prstGeom prst="rect">
+            <a:avLst/>
+          </a:prstGeom>
+          <a:noFill/>
+        </p:spPr>
+        <p:txBody>
+          <a:bodyPr vert="horz" wrap="square" lIns="0" tIns="0" rIns="0" bIns="0" rtlCol="0" anchor="ctr" anchorCtr="0">
+            <a:spAutoFit/>
+          </a:bodyPr>
+          <a:lstStyle/>
+          <a:p>
+            <a:pPr algn="ctr"/>
+            <a:r>
+              <a:rPr lang="en-US" sz="1000">
+                <a:solidFill>
+                  <a:srgbClr val="C0504D"/>
+                </a:solidFill>
+                <a:latin typeface="Calibri" panose="020F0502020204030204" pitchFamily="34" charset="0"/>
+              </a:rPr>
+              <a:t>65%</a:t>
+            </a:r>
+          </a:p>
+        </p:txBody>
+      </p:sp>
+      <p:sp>
+        <p:nvSpPr>
+          <p:cNvPr id="10740" name="OTLSHAPE_T_834636e32cff480d8a852ae191fc6842_StartDate" hidden="1"/>
+          <p:cNvSpPr txBox="1"/>
+          <p:nvPr>
+            <p:custDataLst>
+              <p:tags r:id="rId37"/>
+            </p:custDataLst>
+          </p:nvPr>
+        </p:nvSpPr>
+        <p:spPr>
+          <a:xfrm>
+            <a:off x="0" y="3100874"/>
+            <a:ext cx="0" cy="107722"/>
+          </a:xfrm>
+          <a:prstGeom prst="rect">
+            <a:avLst/>
+          </a:prstGeom>
+          <a:noFill/>
+        </p:spPr>
+        <p:txBody>
+          <a:bodyPr vert="horz" wrap="square" lIns="0" tIns="0" rIns="0" bIns="0" rtlCol="0" anchor="ctr" anchorCtr="0">
+            <a:spAutoFit/>
+          </a:bodyPr>
+          <a:lstStyle/>
+          <a:p>
+            <a:pPr algn="ctr"/>
+            <a:endParaRPr lang="en-US" sz="700" b="1">
+              <a:solidFill>
+                <a:schemeClr val="accent2"/>
+              </a:solidFill>
+              <a:latin typeface="Calibri" panose="020F0502020204030204" pitchFamily="34" charset="0"/>
+            </a:endParaRPr>
+          </a:p>
+        </p:txBody>
+      </p:sp>
+      <p:sp>
+        <p:nvSpPr>
+          <p:cNvPr id="10741" name="OTLSHAPE_T_834636e32cff480d8a852ae191fc6842_EndDate" hidden="1"/>
+          <p:cNvSpPr txBox="1"/>
+          <p:nvPr>
+            <p:custDataLst>
+              <p:tags r:id="rId38"/>
+            </p:custDataLst>
+          </p:nvPr>
+        </p:nvSpPr>
+        <p:spPr>
+          <a:xfrm>
+            <a:off x="0" y="3100874"/>
+            <a:ext cx="0" cy="107722"/>
+          </a:xfrm>
+          <a:prstGeom prst="rect">
+            <a:avLst/>
+          </a:prstGeom>
+          <a:noFill/>
+        </p:spPr>
+        <p:txBody>
+          <a:bodyPr vert="horz" wrap="square" lIns="0" tIns="0" rIns="0" bIns="0" rtlCol="0" anchor="ctr" anchorCtr="0">
+            <a:spAutoFit/>
+          </a:bodyPr>
+          <a:lstStyle/>
+          <a:p>
+            <a:pPr algn="ctr"/>
+            <a:endParaRPr lang="en-US" sz="700" b="1">
+              <a:solidFill>
+                <a:schemeClr val="accent2"/>
+              </a:solidFill>
+              <a:latin typeface="Calibri" panose="020F0502020204030204" pitchFamily="34" charset="0"/>
+            </a:endParaRPr>
+          </a:p>
+        </p:txBody>
+      </p:sp>
+      <p:sp>
+        <p:nvSpPr>
+          <p:cNvPr id="10817" name="OTLSHAPE_T_f4fcd5cd4d1e4f139515633c6945b409_ShapePercentage" hidden="1"/>
+          <p:cNvSpPr/>
+          <p:nvPr>
+            <p:custDataLst>
+              <p:tags r:id="rId39"/>
+            </p:custDataLst>
+          </p:nvPr>
+        </p:nvSpPr>
+        <p:spPr>
+          <a:xfrm>
+            <a:off x="3506991" y="3127375"/>
+            <a:ext cx="0" cy="152400"/>
+          </a:xfrm>
+          <a:prstGeom prst="chevron">
+            <a:avLst/>
+          </a:prstGeom>
+        </p:spPr>
+        <p:style>
+          <a:lnRef idx="2">
+            <a:schemeClr val="accent1">
+              <a:shade val="50000"/>
+            </a:schemeClr>
+          </a:lnRef>
+          <a:fillRef idx="1">
+            <a:schemeClr val="accent1"/>
+          </a:fillRef>
+          <a:effectRef idx="0">
+            <a:schemeClr val="accent1"/>
+          </a:effectRef>
+          <a:fontRef idx="minor">
+            <a:schemeClr val="lt1"/>
+          </a:fontRef>
+        </p:style>
+        <p:txBody>
+          <a:bodyPr rtlCol="0" anchor="ctr"/>
+          <a:lstStyle/>
+          <a:p>
+            <a:pPr algn="ctr"/>
+            <a:endParaRPr lang="en-US">
+              <a:solidFill>
+                <a:schemeClr val="tx1"/>
+              </a:solidFill>
+            </a:endParaRPr>
+          </a:p>
+        </p:txBody>
+      </p:sp>
+      <p:sp>
+        <p:nvSpPr>
+          <p:cNvPr id="10818" name="OTLSHAPE_T_f4fcd5cd4d1e4f139515633c6945b409_Duration" hidden="1"/>
+          <p:cNvSpPr txBox="1"/>
+          <p:nvPr>
+            <p:custDataLst>
+              <p:tags r:id="rId40"/>
+            </p:custDataLst>
+          </p:nvPr>
+        </p:nvSpPr>
+        <p:spPr>
+          <a:xfrm>
+            <a:off x="0" y="3127375"/>
+            <a:ext cx="330200" cy="155025"/>
+          </a:xfrm>
+          <a:prstGeom prst="rect">
+            <a:avLst/>
+          </a:prstGeom>
+          <a:noFill/>
+        </p:spPr>
+        <p:txBody>
+          <a:bodyPr vert="horz" wrap="square" lIns="0" tIns="0" rIns="0" bIns="0" rtlCol="0" anchor="ctr" anchorCtr="0">
+            <a:spAutoFit/>
+          </a:bodyPr>
+          <a:lstStyle/>
+          <a:p>
+            <a:pPr algn="ctr"/>
+            <a:r>
+              <a:rPr lang="en-US" sz="1000">
+                <a:solidFill>
+                  <a:schemeClr val="accent2"/>
+                </a:solidFill>
+                <a:latin typeface="Calibri" panose="020F0502020204030204" pitchFamily="34" charset="0"/>
+              </a:rPr>
+              <a:t>0 days</a:t>
+            </a:r>
+          </a:p>
+        </p:txBody>
+      </p:sp>
+      <p:sp>
+        <p:nvSpPr>
+          <p:cNvPr id="10819" name="OTLSHAPE_T_f4fcd5cd4d1e4f139515633c6945b409_JoinedDate" hidden="1"/>
+          <p:cNvSpPr txBox="1"/>
+          <p:nvPr>
+            <p:custDataLst>
+              <p:tags r:id="rId41"/>
+            </p:custDataLst>
+          </p:nvPr>
+        </p:nvSpPr>
+        <p:spPr>
+          <a:xfrm>
+            <a:off x="0" y="3282400"/>
+            <a:ext cx="368300" cy="124037"/>
+          </a:xfrm>
+          <a:prstGeom prst="rect">
+            <a:avLst/>
+          </a:prstGeom>
+          <a:noFill/>
+        </p:spPr>
+        <p:txBody>
+          <a:bodyPr vert="horz" wrap="square" lIns="0" tIns="0" rIns="0" bIns="0" rtlCol="0" anchor="ctr" anchorCtr="0">
+            <a:spAutoFit/>
+          </a:bodyPr>
+          <a:lstStyle/>
+          <a:p>
+            <a:r>
+              <a:rPr lang="en-US" sz="800">
+                <a:solidFill>
+                  <a:srgbClr val="BFBFBF"/>
+                </a:solidFill>
+                <a:latin typeface="Calibri" panose="020F0502020204030204" pitchFamily="34" charset="0"/>
+              </a:rPr>
+              <a:t>6/3 - 6/4</a:t>
+            </a:r>
+          </a:p>
+        </p:txBody>
+      </p:sp>
+      <p:sp>
+        <p:nvSpPr>
+          <p:cNvPr id="10820" name="OTLSHAPE_T_f4fcd5cd4d1e4f139515633c6945b409_StartDate" hidden="1"/>
+          <p:cNvSpPr txBox="1"/>
+          <p:nvPr>
+            <p:custDataLst>
+              <p:tags r:id="rId42"/>
+            </p:custDataLst>
+          </p:nvPr>
+        </p:nvSpPr>
+        <p:spPr>
+          <a:xfrm>
+            <a:off x="0" y="3406436"/>
+            <a:ext cx="0" cy="123111"/>
+          </a:xfrm>
+          <a:prstGeom prst="rect">
+            <a:avLst/>
+          </a:prstGeom>
+          <a:noFill/>
+        </p:spPr>
+        <p:txBody>
+          <a:bodyPr vert="horz" wrap="square" lIns="0" tIns="0" rIns="0" bIns="0" rtlCol="0" anchor="ctr" anchorCtr="0">
+            <a:spAutoFit/>
+          </a:bodyPr>
+          <a:lstStyle/>
+          <a:p>
+            <a:pPr algn="ctr"/>
+            <a:endParaRPr lang="en-US" sz="800">
+              <a:solidFill>
+                <a:srgbClr val="BFBFBF"/>
+              </a:solidFill>
+              <a:latin typeface="Calibri" panose="020F0502020204030204" pitchFamily="34" charset="0"/>
+            </a:endParaRPr>
+          </a:p>
+        </p:txBody>
+      </p:sp>
+      <p:sp>
+        <p:nvSpPr>
+          <p:cNvPr id="10821" name="OTLSHAPE_T_f4fcd5cd4d1e4f139515633c6945b409_EndDate" hidden="1"/>
+          <p:cNvSpPr txBox="1"/>
+          <p:nvPr>
+            <p:custDataLst>
+              <p:tags r:id="rId43"/>
+            </p:custDataLst>
+          </p:nvPr>
+        </p:nvSpPr>
+        <p:spPr>
+          <a:xfrm>
+            <a:off x="0" y="3406436"/>
+            <a:ext cx="0" cy="123111"/>
+          </a:xfrm>
+          <a:prstGeom prst="rect">
+            <a:avLst/>
+          </a:prstGeom>
+          <a:noFill/>
+        </p:spPr>
+        <p:txBody>
+          <a:bodyPr vert="horz" wrap="square" lIns="0" tIns="0" rIns="0" bIns="0" rtlCol="0" anchor="ctr" anchorCtr="0">
+            <a:spAutoFit/>
+          </a:bodyPr>
+          <a:lstStyle/>
+          <a:p>
+            <a:pPr algn="ctr"/>
+            <a:endParaRPr lang="en-US" sz="800">
+              <a:solidFill>
+                <a:srgbClr val="BFBFBF"/>
+              </a:solidFill>
+              <a:latin typeface="Calibri" panose="020F0502020204030204" pitchFamily="34" charset="0"/>
+            </a:endParaRPr>
+          </a:p>
+        </p:txBody>
+      </p:sp>
+      <p:sp>
+        <p:nvSpPr>
+          <p:cNvPr id="10823" name="OTLSHAPE_T_f4fcd5cd4d1e4f139515633c6945b409_TextPercentage" hidden="1"/>
+          <p:cNvSpPr txBox="1"/>
+          <p:nvPr>
+            <p:custDataLst>
+              <p:tags r:id="rId44"/>
+            </p:custDataLst>
+          </p:nvPr>
+        </p:nvSpPr>
+        <p:spPr>
+          <a:xfrm>
+            <a:off x="3506991" y="3203575"/>
+            <a:ext cx="0" cy="153888"/>
+          </a:xfrm>
+          <a:prstGeom prst="rect">
+            <a:avLst/>
+          </a:prstGeom>
+          <a:noFill/>
+        </p:spPr>
+        <p:txBody>
+          <a:bodyPr vert="horz" wrap="square" lIns="0" tIns="0" rIns="0" bIns="0" rtlCol="0" anchor="ctr" anchorCtr="0">
+            <a:spAutoFit/>
+          </a:bodyPr>
+          <a:lstStyle/>
+          <a:p>
+            <a:pPr algn="ctr"/>
+            <a:endParaRPr lang="en-US" sz="1000">
+              <a:solidFill>
+                <a:srgbClr val="C0504D"/>
+              </a:solidFill>
+              <a:latin typeface="Calibri" panose="020F0502020204030204" pitchFamily="34" charset="0"/>
+            </a:endParaRPr>
+          </a:p>
+        </p:txBody>
+      </p:sp>
+      <p:sp>
+        <p:nvSpPr>
+          <p:cNvPr id="10825" name="OTLSHAPE_T_61bd4421f159413dba7281a5185e38b8_ShapePercentage" hidden="1"/>
+          <p:cNvSpPr/>
+          <p:nvPr>
+            <p:custDataLst>
+              <p:tags r:id="rId45"/>
+            </p:custDataLst>
+          </p:nvPr>
+        </p:nvSpPr>
+        <p:spPr>
+          <a:xfrm>
+            <a:off x="3773243" y="3127375"/>
+            <a:ext cx="0" cy="152400"/>
+          </a:xfrm>
+          <a:prstGeom prst="chevron">
+            <a:avLst/>
+          </a:prstGeom>
+        </p:spPr>
+        <p:style>
+          <a:lnRef idx="2">
+            <a:schemeClr val="accent1">
+              <a:shade val="50000"/>
+            </a:schemeClr>
+          </a:lnRef>
+          <a:fillRef idx="1">
+            <a:schemeClr val="accent1"/>
+          </a:fillRef>
+          <a:effectRef idx="0">
+            <a:schemeClr val="accent1"/>
+          </a:effectRef>
+          <a:fontRef idx="minor">
+            <a:schemeClr val="lt1"/>
+          </a:fontRef>
+        </p:style>
+        <p:txBody>
+          <a:bodyPr rtlCol="0" anchor="ctr"/>
+          <a:lstStyle/>
+          <a:p>
+            <a:pPr algn="ctr"/>
+            <a:endParaRPr lang="en-US">
+              <a:solidFill>
+                <a:schemeClr val="tx1"/>
+              </a:solidFill>
+            </a:endParaRPr>
+          </a:p>
+        </p:txBody>
+      </p:sp>
+      <p:sp>
+        <p:nvSpPr>
+          <p:cNvPr id="10826" name="OTLSHAPE_T_61bd4421f159413dba7281a5185e38b8_Duration" hidden="1"/>
+          <p:cNvSpPr txBox="1"/>
+          <p:nvPr>
+            <p:custDataLst>
+              <p:tags r:id="rId46"/>
+            </p:custDataLst>
+          </p:nvPr>
+        </p:nvSpPr>
+        <p:spPr>
+          <a:xfrm>
+            <a:off x="0" y="3127375"/>
+            <a:ext cx="330200" cy="155025"/>
+          </a:xfrm>
+          <a:prstGeom prst="rect">
+            <a:avLst/>
+          </a:prstGeom>
+          <a:noFill/>
+        </p:spPr>
+        <p:txBody>
+          <a:bodyPr vert="horz" wrap="square" lIns="0" tIns="0" rIns="0" bIns="0" rtlCol="0" anchor="ctr" anchorCtr="0">
+            <a:spAutoFit/>
+          </a:bodyPr>
+          <a:lstStyle/>
+          <a:p>
+            <a:pPr algn="ctr"/>
+            <a:r>
+              <a:rPr lang="en-US" sz="1000">
+                <a:solidFill>
+                  <a:schemeClr val="accent2"/>
+                </a:solidFill>
+                <a:latin typeface="Calibri" panose="020F0502020204030204" pitchFamily="34" charset="0"/>
+              </a:rPr>
+              <a:t>5 days</a:t>
+            </a:r>
+          </a:p>
+        </p:txBody>
+      </p:sp>
+      <p:sp>
+        <p:nvSpPr>
+          <p:cNvPr id="10827" name="OTLSHAPE_T_61bd4421f159413dba7281a5185e38b8_JoinedDate" hidden="1"/>
+          <p:cNvSpPr txBox="1"/>
+          <p:nvPr>
+            <p:custDataLst>
+              <p:tags r:id="rId47"/>
+            </p:custDataLst>
+          </p:nvPr>
+        </p:nvSpPr>
+        <p:spPr>
+          <a:xfrm>
+            <a:off x="0" y="3282400"/>
+            <a:ext cx="368300" cy="124037"/>
+          </a:xfrm>
+          <a:prstGeom prst="rect">
+            <a:avLst/>
+          </a:prstGeom>
+          <a:noFill/>
+        </p:spPr>
+        <p:txBody>
+          <a:bodyPr vert="horz" wrap="square" lIns="0" tIns="0" rIns="0" bIns="0" rtlCol="0" anchor="ctr" anchorCtr="0">
+            <a:spAutoFit/>
+          </a:bodyPr>
+          <a:lstStyle/>
+          <a:p>
+            <a:r>
+              <a:rPr lang="en-US" sz="800">
+                <a:solidFill>
+                  <a:srgbClr val="BFBFBF"/>
+                </a:solidFill>
+                <a:latin typeface="Calibri" panose="020F0502020204030204" pitchFamily="34" charset="0"/>
+              </a:rPr>
+              <a:t>6/5 - 6/9</a:t>
+            </a:r>
+          </a:p>
+        </p:txBody>
+      </p:sp>
+      <p:sp>
+        <p:nvSpPr>
+          <p:cNvPr id="10828" name="OTLSHAPE_T_61bd4421f159413dba7281a5185e38b8_StartDate" hidden="1"/>
+          <p:cNvSpPr txBox="1"/>
+          <p:nvPr>
+            <p:custDataLst>
+              <p:tags r:id="rId48"/>
+            </p:custDataLst>
+          </p:nvPr>
+        </p:nvSpPr>
+        <p:spPr>
+          <a:xfrm>
+            <a:off x="0" y="3406436"/>
+            <a:ext cx="0" cy="123111"/>
+          </a:xfrm>
+          <a:prstGeom prst="rect">
+            <a:avLst/>
+          </a:prstGeom>
+          <a:noFill/>
+        </p:spPr>
+        <p:txBody>
+          <a:bodyPr vert="horz" wrap="square" lIns="0" tIns="0" rIns="0" bIns="0" rtlCol="0" anchor="ctr" anchorCtr="0">
+            <a:spAutoFit/>
+          </a:bodyPr>
+          <a:lstStyle/>
+          <a:p>
+            <a:pPr algn="ctr"/>
+            <a:endParaRPr lang="en-US" sz="800">
+              <a:solidFill>
+                <a:srgbClr val="BFBFBF"/>
+              </a:solidFill>
+              <a:latin typeface="Calibri" panose="020F0502020204030204" pitchFamily="34" charset="0"/>
+            </a:endParaRPr>
+          </a:p>
+        </p:txBody>
+      </p:sp>
+      <p:sp>
+        <p:nvSpPr>
+          <p:cNvPr id="10829" name="OTLSHAPE_T_61bd4421f159413dba7281a5185e38b8_EndDate" hidden="1"/>
+          <p:cNvSpPr txBox="1"/>
+          <p:nvPr>
+            <p:custDataLst>
+              <p:tags r:id="rId49"/>
+            </p:custDataLst>
+          </p:nvPr>
+        </p:nvSpPr>
+        <p:spPr>
+          <a:xfrm>
+            <a:off x="0" y="3406436"/>
+            <a:ext cx="0" cy="123111"/>
+          </a:xfrm>
+          <a:prstGeom prst="rect">
+            <a:avLst/>
+          </a:prstGeom>
+          <a:noFill/>
+        </p:spPr>
+        <p:txBody>
+          <a:bodyPr vert="horz" wrap="square" lIns="0" tIns="0" rIns="0" bIns="0" rtlCol="0" anchor="ctr" anchorCtr="0">
+            <a:spAutoFit/>
+          </a:bodyPr>
+          <a:lstStyle/>
+          <a:p>
+            <a:pPr algn="ctr"/>
+            <a:endParaRPr lang="en-US" sz="800">
+              <a:solidFill>
+                <a:srgbClr val="BFBFBF"/>
+              </a:solidFill>
+              <a:latin typeface="Calibri" panose="020F0502020204030204" pitchFamily="34" charset="0"/>
+            </a:endParaRPr>
+          </a:p>
+        </p:txBody>
+      </p:sp>
+      <p:sp>
+        <p:nvSpPr>
+          <p:cNvPr id="10831" name="OTLSHAPE_T_61bd4421f159413dba7281a5185e38b8_TextPercentage" hidden="1"/>
+          <p:cNvSpPr txBox="1"/>
+          <p:nvPr>
+            <p:custDataLst>
+              <p:tags r:id="rId50"/>
+            </p:custDataLst>
+          </p:nvPr>
+        </p:nvSpPr>
+        <p:spPr>
+          <a:xfrm>
+            <a:off x="3773243" y="3265593"/>
+            <a:ext cx="0" cy="153888"/>
+          </a:xfrm>
+          <a:prstGeom prst="rect">
+            <a:avLst/>
+          </a:prstGeom>
+          <a:noFill/>
+        </p:spPr>
+        <p:txBody>
+          <a:bodyPr vert="horz" wrap="square" lIns="0" tIns="0" rIns="0" bIns="0" rtlCol="0" anchor="ctr" anchorCtr="0">
+            <a:spAutoFit/>
+          </a:bodyPr>
+          <a:lstStyle/>
+          <a:p>
+            <a:pPr algn="ctr"/>
+            <a:endParaRPr lang="en-US" sz="1000">
+              <a:solidFill>
+                <a:srgbClr val="C0504D"/>
+              </a:solidFill>
+              <a:latin typeface="Calibri" panose="020F0502020204030204" pitchFamily="34" charset="0"/>
+            </a:endParaRPr>
+          </a:p>
+        </p:txBody>
+      </p:sp>
+      <p:sp>
+        <p:nvSpPr>
+          <p:cNvPr id="10833" name="OTLSHAPE_T_2fdad40dfd14467b93d0a759296f251a_ShapePercentage" hidden="1"/>
+          <p:cNvSpPr/>
+          <p:nvPr>
+            <p:custDataLst>
+              <p:tags r:id="rId51"/>
+            </p:custDataLst>
+          </p:nvPr>
+        </p:nvSpPr>
+        <p:spPr>
+          <a:xfrm>
+            <a:off x="4438874" y="3127375"/>
+            <a:ext cx="0" cy="152400"/>
+          </a:xfrm>
+          <a:prstGeom prst="chevron">
+            <a:avLst/>
+          </a:prstGeom>
+        </p:spPr>
+        <p:style>
+          <a:lnRef idx="2">
+            <a:schemeClr val="accent1">
+              <a:shade val="50000"/>
+            </a:schemeClr>
+          </a:lnRef>
+          <a:fillRef idx="1">
+            <a:schemeClr val="accent1"/>
+          </a:fillRef>
+          <a:effectRef idx="0">
+            <a:schemeClr val="accent1"/>
+          </a:effectRef>
+          <a:fontRef idx="minor">
+            <a:schemeClr val="lt1"/>
+          </a:fontRef>
+        </p:style>
+        <p:txBody>
+          <a:bodyPr rtlCol="0" anchor="ctr"/>
+          <a:lstStyle/>
+          <a:p>
+            <a:pPr algn="ctr"/>
+            <a:endParaRPr lang="en-US">
+              <a:solidFill>
+                <a:schemeClr val="tx1"/>
+              </a:solidFill>
+            </a:endParaRPr>
+          </a:p>
+        </p:txBody>
+      </p:sp>
+      <p:sp>
+        <p:nvSpPr>
+          <p:cNvPr id="10834" name="OTLSHAPE_T_2fdad40dfd14467b93d0a759296f251a_Duration" hidden="1"/>
+          <p:cNvSpPr txBox="1"/>
+          <p:nvPr>
+            <p:custDataLst>
+              <p:tags r:id="rId52"/>
+            </p:custDataLst>
+          </p:nvPr>
+        </p:nvSpPr>
+        <p:spPr>
+          <a:xfrm>
+            <a:off x="0" y="3127375"/>
+            <a:ext cx="330200" cy="155025"/>
+          </a:xfrm>
+          <a:prstGeom prst="rect">
+            <a:avLst/>
+          </a:prstGeom>
+          <a:noFill/>
+        </p:spPr>
+        <p:txBody>
+          <a:bodyPr vert="horz" wrap="square" lIns="0" tIns="0" rIns="0" bIns="0" rtlCol="0" anchor="ctr" anchorCtr="0">
+            <a:spAutoFit/>
+          </a:bodyPr>
+          <a:lstStyle/>
+          <a:p>
+            <a:pPr algn="ctr"/>
+            <a:r>
+              <a:rPr lang="en-US" sz="1000">
+                <a:solidFill>
+                  <a:schemeClr val="accent2"/>
+                </a:solidFill>
+                <a:latin typeface="Calibri" panose="020F0502020204030204" pitchFamily="34" charset="0"/>
+              </a:rPr>
+              <a:t>5 days</a:t>
+            </a:r>
+          </a:p>
+        </p:txBody>
+      </p:sp>
+      <p:sp>
+        <p:nvSpPr>
+          <p:cNvPr id="10835" name="OTLSHAPE_T_2fdad40dfd14467b93d0a759296f251a_JoinedDate" hidden="1"/>
+          <p:cNvSpPr txBox="1"/>
+          <p:nvPr>
+            <p:custDataLst>
+              <p:tags r:id="rId53"/>
+            </p:custDataLst>
+          </p:nvPr>
+        </p:nvSpPr>
+        <p:spPr>
+          <a:xfrm>
+            <a:off x="0" y="3282400"/>
+            <a:ext cx="469900" cy="124037"/>
+          </a:xfrm>
+          <a:prstGeom prst="rect">
+            <a:avLst/>
+          </a:prstGeom>
+          <a:noFill/>
+        </p:spPr>
+        <p:txBody>
+          <a:bodyPr vert="horz" wrap="square" lIns="0" tIns="0" rIns="0" bIns="0" rtlCol="0" anchor="ctr" anchorCtr="0">
+            <a:spAutoFit/>
+          </a:bodyPr>
+          <a:lstStyle/>
+          <a:p>
+            <a:r>
+              <a:rPr lang="en-US" sz="800">
+                <a:solidFill>
+                  <a:srgbClr val="BFBFBF"/>
+                </a:solidFill>
+                <a:latin typeface="Calibri" panose="020F0502020204030204" pitchFamily="34" charset="0"/>
+              </a:rPr>
+              <a:t>6/10 - 6/16</a:t>
+            </a:r>
+          </a:p>
+        </p:txBody>
+      </p:sp>
+      <p:sp>
+        <p:nvSpPr>
+          <p:cNvPr id="10836" name="OTLSHAPE_T_2fdad40dfd14467b93d0a759296f251a_StartDate" hidden="1"/>
+          <p:cNvSpPr txBox="1"/>
+          <p:nvPr>
+            <p:custDataLst>
+              <p:tags r:id="rId54"/>
+            </p:custDataLst>
+          </p:nvPr>
+        </p:nvSpPr>
+        <p:spPr>
+          <a:xfrm>
+            <a:off x="0" y="3406436"/>
+            <a:ext cx="0" cy="123111"/>
+          </a:xfrm>
+          <a:prstGeom prst="rect">
+            <a:avLst/>
+          </a:prstGeom>
+          <a:noFill/>
+        </p:spPr>
+        <p:txBody>
+          <a:bodyPr vert="horz" wrap="square" lIns="0" tIns="0" rIns="0" bIns="0" rtlCol="0" anchor="ctr" anchorCtr="0">
+            <a:spAutoFit/>
+          </a:bodyPr>
+          <a:lstStyle/>
+          <a:p>
+            <a:pPr algn="ctr"/>
+            <a:endParaRPr lang="en-US" sz="800">
+              <a:solidFill>
+                <a:srgbClr val="BFBFBF"/>
+              </a:solidFill>
+              <a:latin typeface="Calibri" panose="020F0502020204030204" pitchFamily="34" charset="0"/>
+            </a:endParaRPr>
+          </a:p>
+        </p:txBody>
+      </p:sp>
+      <p:sp>
+        <p:nvSpPr>
+          <p:cNvPr id="10837" name="OTLSHAPE_T_2fdad40dfd14467b93d0a759296f251a_EndDate" hidden="1"/>
+          <p:cNvSpPr txBox="1"/>
+          <p:nvPr>
+            <p:custDataLst>
+              <p:tags r:id="rId55"/>
+            </p:custDataLst>
+          </p:nvPr>
+        </p:nvSpPr>
+        <p:spPr>
+          <a:xfrm>
+            <a:off x="0" y="3406436"/>
+            <a:ext cx="0" cy="123111"/>
+          </a:xfrm>
+          <a:prstGeom prst="rect">
+            <a:avLst/>
+          </a:prstGeom>
+          <a:noFill/>
+        </p:spPr>
+        <p:txBody>
+          <a:bodyPr vert="horz" wrap="square" lIns="0" tIns="0" rIns="0" bIns="0" rtlCol="0" anchor="ctr" anchorCtr="0">
+            <a:spAutoFit/>
+          </a:bodyPr>
+          <a:lstStyle/>
+          <a:p>
+            <a:pPr algn="ctr"/>
+            <a:endParaRPr lang="en-US" sz="800">
+              <a:solidFill>
+                <a:srgbClr val="BFBFBF"/>
+              </a:solidFill>
+              <a:latin typeface="Calibri" panose="020F0502020204030204" pitchFamily="34" charset="0"/>
+            </a:endParaRPr>
+          </a:p>
+        </p:txBody>
+      </p:sp>
+      <p:sp>
+        <p:nvSpPr>
+          <p:cNvPr id="10839" name="OTLSHAPE_T_2fdad40dfd14467b93d0a759296f251a_TextPercentage" hidden="1"/>
+          <p:cNvSpPr txBox="1"/>
+          <p:nvPr>
+            <p:custDataLst>
+              <p:tags r:id="rId56"/>
+            </p:custDataLst>
+          </p:nvPr>
+        </p:nvSpPr>
+        <p:spPr>
+          <a:xfrm>
+            <a:off x="4438874" y="3265593"/>
+            <a:ext cx="0" cy="153888"/>
+          </a:xfrm>
+          <a:prstGeom prst="rect">
+            <a:avLst/>
+          </a:prstGeom>
+          <a:noFill/>
+        </p:spPr>
+        <p:txBody>
+          <a:bodyPr vert="horz" wrap="square" lIns="0" tIns="0" rIns="0" bIns="0" rtlCol="0" anchor="ctr" anchorCtr="0">
+            <a:spAutoFit/>
+          </a:bodyPr>
+          <a:lstStyle/>
+          <a:p>
+            <a:pPr algn="ctr"/>
+            <a:endParaRPr lang="en-US" sz="1000">
+              <a:solidFill>
+                <a:srgbClr val="C0504D"/>
+              </a:solidFill>
+              <a:latin typeface="Calibri" panose="020F0502020204030204" pitchFamily="34" charset="0"/>
+            </a:endParaRPr>
+          </a:p>
+        </p:txBody>
+      </p:sp>
+      <p:sp>
+        <p:nvSpPr>
+          <p:cNvPr id="10841" name="OTLSHAPE_T_ac77bc1b615446839e0eba63c8d16a71_ShapePercentage" hidden="1"/>
+          <p:cNvSpPr/>
+          <p:nvPr>
+            <p:custDataLst>
+              <p:tags r:id="rId57"/>
+            </p:custDataLst>
+          </p:nvPr>
+        </p:nvSpPr>
+        <p:spPr>
+          <a:xfrm>
+            <a:off x="5370758" y="3127375"/>
+            <a:ext cx="0" cy="152400"/>
+          </a:xfrm>
+          <a:prstGeom prst="chevron">
+            <a:avLst/>
+          </a:prstGeom>
+        </p:spPr>
+        <p:style>
+          <a:lnRef idx="2">
+            <a:schemeClr val="accent1">
+              <a:shade val="50000"/>
+            </a:schemeClr>
+          </a:lnRef>
+          <a:fillRef idx="1">
+            <a:schemeClr val="accent1"/>
+          </a:fillRef>
+          <a:effectRef idx="0">
+            <a:schemeClr val="accent1"/>
+          </a:effectRef>
+          <a:fontRef idx="minor">
+            <a:schemeClr val="lt1"/>
+          </a:fontRef>
+        </p:style>
+        <p:txBody>
+          <a:bodyPr rtlCol="0" anchor="ctr"/>
+          <a:lstStyle/>
+          <a:p>
+            <a:pPr algn="ctr"/>
+            <a:endParaRPr lang="en-US">
+              <a:solidFill>
+                <a:schemeClr val="tx1"/>
+              </a:solidFill>
+            </a:endParaRPr>
+          </a:p>
+        </p:txBody>
+      </p:sp>
+      <p:sp>
+        <p:nvSpPr>
+          <p:cNvPr id="10842" name="OTLSHAPE_T_ac77bc1b615446839e0eba63c8d16a71_Duration" hidden="1"/>
+          <p:cNvSpPr txBox="1"/>
+          <p:nvPr>
+            <p:custDataLst>
+              <p:tags r:id="rId58"/>
+            </p:custDataLst>
+          </p:nvPr>
+        </p:nvSpPr>
+        <p:spPr>
+          <a:xfrm>
+            <a:off x="0" y="3127375"/>
+            <a:ext cx="330200" cy="155025"/>
+          </a:xfrm>
+          <a:prstGeom prst="rect">
+            <a:avLst/>
+          </a:prstGeom>
+          <a:noFill/>
+        </p:spPr>
+        <p:txBody>
+          <a:bodyPr vert="horz" wrap="square" lIns="0" tIns="0" rIns="0" bIns="0" rtlCol="0" anchor="ctr" anchorCtr="0">
+            <a:spAutoFit/>
+          </a:bodyPr>
+          <a:lstStyle/>
+          <a:p>
+            <a:pPr algn="ctr"/>
+            <a:r>
+              <a:rPr lang="en-US" sz="1000">
+                <a:solidFill>
+                  <a:schemeClr val="accent2"/>
+                </a:solidFill>
+                <a:latin typeface="Calibri" panose="020F0502020204030204" pitchFamily="34" charset="0"/>
+              </a:rPr>
+              <a:t>0 days</a:t>
+            </a:r>
+          </a:p>
+        </p:txBody>
+      </p:sp>
+      <p:sp>
+        <p:nvSpPr>
+          <p:cNvPr id="10843" name="OTLSHAPE_T_ac77bc1b615446839e0eba63c8d16a71_JoinedDate" hidden="1"/>
+          <p:cNvSpPr txBox="1"/>
+          <p:nvPr>
+            <p:custDataLst>
+              <p:tags r:id="rId59"/>
+            </p:custDataLst>
+          </p:nvPr>
+        </p:nvSpPr>
+        <p:spPr>
+          <a:xfrm>
+            <a:off x="0" y="3282400"/>
+            <a:ext cx="203200" cy="124037"/>
+          </a:xfrm>
+          <a:prstGeom prst="rect">
+            <a:avLst/>
+          </a:prstGeom>
+          <a:noFill/>
+        </p:spPr>
+        <p:txBody>
+          <a:bodyPr vert="horz" wrap="square" lIns="0" tIns="0" rIns="0" bIns="0" rtlCol="0" anchor="ctr" anchorCtr="0">
+            <a:spAutoFit/>
+          </a:bodyPr>
+          <a:lstStyle/>
+          <a:p>
+            <a:r>
+              <a:rPr lang="en-US" sz="800">
+                <a:solidFill>
+                  <a:srgbClr val="BFBFBF"/>
+                </a:solidFill>
+                <a:latin typeface="Calibri" panose="020F0502020204030204" pitchFamily="34" charset="0"/>
+              </a:rPr>
+              <a:t>6/17</a:t>
+            </a:r>
+          </a:p>
+        </p:txBody>
+      </p:sp>
+      <p:sp>
+        <p:nvSpPr>
+          <p:cNvPr id="10844" name="OTLSHAPE_T_ac77bc1b615446839e0eba63c8d16a71_StartDate" hidden="1"/>
+          <p:cNvSpPr txBox="1"/>
+          <p:nvPr>
+            <p:custDataLst>
+              <p:tags r:id="rId60"/>
+            </p:custDataLst>
+          </p:nvPr>
+        </p:nvSpPr>
+        <p:spPr>
+          <a:xfrm>
+            <a:off x="0" y="3406436"/>
+            <a:ext cx="0" cy="123111"/>
+          </a:xfrm>
+          <a:prstGeom prst="rect">
+            <a:avLst/>
+          </a:prstGeom>
+          <a:noFill/>
+        </p:spPr>
+        <p:txBody>
+          <a:bodyPr vert="horz" wrap="square" lIns="0" tIns="0" rIns="0" bIns="0" rtlCol="0" anchor="ctr" anchorCtr="0">
+            <a:spAutoFit/>
+          </a:bodyPr>
+          <a:lstStyle/>
+          <a:p>
+            <a:pPr algn="ctr"/>
+            <a:endParaRPr lang="en-US" sz="800">
+              <a:solidFill>
+                <a:srgbClr val="BFBFBF"/>
+              </a:solidFill>
+              <a:latin typeface="Calibri" panose="020F0502020204030204" pitchFamily="34" charset="0"/>
+            </a:endParaRPr>
+          </a:p>
+        </p:txBody>
+      </p:sp>
+      <p:sp>
+        <p:nvSpPr>
+          <p:cNvPr id="10845" name="OTLSHAPE_T_ac77bc1b615446839e0eba63c8d16a71_EndDate" hidden="1"/>
+          <p:cNvSpPr txBox="1"/>
+          <p:nvPr>
+            <p:custDataLst>
+              <p:tags r:id="rId61"/>
+            </p:custDataLst>
+          </p:nvPr>
+        </p:nvSpPr>
+        <p:spPr>
+          <a:xfrm>
+            <a:off x="0" y="3406436"/>
+            <a:ext cx="0" cy="123111"/>
+          </a:xfrm>
+          <a:prstGeom prst="rect">
+            <a:avLst/>
+          </a:prstGeom>
+          <a:noFill/>
+        </p:spPr>
+        <p:txBody>
+          <a:bodyPr vert="horz" wrap="square" lIns="0" tIns="0" rIns="0" bIns="0" rtlCol="0" anchor="ctr" anchorCtr="0">
+            <a:spAutoFit/>
+          </a:bodyPr>
+          <a:lstStyle/>
+          <a:p>
+            <a:pPr algn="ctr"/>
+            <a:endParaRPr lang="en-US" sz="800">
+              <a:solidFill>
+                <a:srgbClr val="BFBFBF"/>
+              </a:solidFill>
+              <a:latin typeface="Calibri" panose="020F0502020204030204" pitchFamily="34" charset="0"/>
+            </a:endParaRPr>
+          </a:p>
+        </p:txBody>
+      </p:sp>
+      <p:sp>
+        <p:nvSpPr>
+          <p:cNvPr id="10847" name="OTLSHAPE_T_ac77bc1b615446839e0eba63c8d16a71_TextPercentage" hidden="1"/>
+          <p:cNvSpPr txBox="1"/>
+          <p:nvPr>
+            <p:custDataLst>
+              <p:tags r:id="rId62"/>
+            </p:custDataLst>
+          </p:nvPr>
+        </p:nvSpPr>
+        <p:spPr>
+          <a:xfrm>
+            <a:off x="5370758" y="3203575"/>
+            <a:ext cx="0" cy="153888"/>
+          </a:xfrm>
+          <a:prstGeom prst="rect">
+            <a:avLst/>
+          </a:prstGeom>
+          <a:noFill/>
+        </p:spPr>
+        <p:txBody>
+          <a:bodyPr vert="horz" wrap="square" lIns="0" tIns="0" rIns="0" bIns="0" rtlCol="0" anchor="ctr" anchorCtr="0">
+            <a:spAutoFit/>
+          </a:bodyPr>
+          <a:lstStyle/>
+          <a:p>
+            <a:pPr algn="ctr"/>
+            <a:endParaRPr lang="en-US" sz="1000">
+              <a:solidFill>
+                <a:srgbClr val="C0504D"/>
+              </a:solidFill>
+              <a:latin typeface="Calibri" panose="020F0502020204030204" pitchFamily="34" charset="0"/>
+            </a:endParaRPr>
+          </a:p>
+        </p:txBody>
+      </p:sp>
+      <p:sp>
+        <p:nvSpPr>
+          <p:cNvPr id="10849" name="OTLSHAPE_T_a1fe2df1afb74a24b48db95b6b338bf9_ShapePercentage" hidden="1"/>
+          <p:cNvSpPr/>
+          <p:nvPr>
+            <p:custDataLst>
+              <p:tags r:id="rId63"/>
+            </p:custDataLst>
+          </p:nvPr>
+        </p:nvSpPr>
+        <p:spPr>
+          <a:xfrm>
+            <a:off x="5503885" y="3406775"/>
+            <a:ext cx="0" cy="0"/>
+          </a:xfrm>
+          <a:prstGeom prst="leftRightArrow">
+            <a:avLst>
+              <a:gd name="adj1" fmla="val 75000"/>
+              <a:gd name="adj2" fmla="val 50000"/>
+            </a:avLst>
+          </a:prstGeom>
+        </p:spPr>
+        <p:style>
+          <a:lnRef idx="2">
+            <a:schemeClr val="accent1">
+              <a:shade val="50000"/>
+            </a:schemeClr>
+          </a:lnRef>
+          <a:fillRef idx="1">
+            <a:schemeClr val="accent1"/>
+          </a:fillRef>
+          <a:effectRef idx="0">
+            <a:schemeClr val="accent1"/>
+          </a:effectRef>
+          <a:fontRef idx="minor">
+            <a:schemeClr val="lt1"/>
+          </a:fontRef>
+        </p:style>
+        <p:txBody>
+          <a:bodyPr rtlCol="0" anchor="ctr"/>
+          <a:lstStyle/>
+          <a:p>
+            <a:pPr algn="ctr"/>
+            <a:endParaRPr lang="en-US"/>
+          </a:p>
+        </p:txBody>
+      </p:sp>
+      <p:sp>
+        <p:nvSpPr>
+          <p:cNvPr id="10850" name="OTLSHAPE_T_a1fe2df1afb74a24b48db95b6b338bf9_Duration" hidden="1"/>
+          <p:cNvSpPr txBox="1"/>
+          <p:nvPr>
+            <p:custDataLst>
+              <p:tags r:id="rId64"/>
+            </p:custDataLst>
+          </p:nvPr>
+        </p:nvSpPr>
+        <p:spPr>
+          <a:xfrm>
+            <a:off x="0" y="3406775"/>
+            <a:ext cx="393700" cy="155025"/>
+          </a:xfrm>
+          <a:prstGeom prst="rect">
+            <a:avLst/>
+          </a:prstGeom>
+          <a:noFill/>
+        </p:spPr>
+        <p:txBody>
+          <a:bodyPr vert="horz" wrap="square" lIns="0" tIns="0" rIns="0" bIns="0" rtlCol="0" anchor="ctr" anchorCtr="0">
+            <a:spAutoFit/>
+          </a:bodyPr>
+          <a:lstStyle/>
+          <a:p>
+            <a:pPr algn="ctr"/>
+            <a:r>
+              <a:rPr lang="en-US" sz="1000">
+                <a:solidFill>
+                  <a:schemeClr val="accent2"/>
+                </a:solidFill>
+                <a:latin typeface="Calibri" panose="020F0502020204030204" pitchFamily="34" charset="0"/>
+              </a:rPr>
+              <a:t>11 days</a:t>
+            </a:r>
+          </a:p>
+        </p:txBody>
+      </p:sp>
+      <p:sp>
+        <p:nvSpPr>
+          <p:cNvPr id="10851" name="OTLSHAPE_T_a1fe2df1afb74a24b48db95b6b338bf9_TextPercentage" hidden="1"/>
+          <p:cNvSpPr txBox="1"/>
+          <p:nvPr>
+            <p:custDataLst>
+              <p:tags r:id="rId65"/>
+            </p:custDataLst>
+          </p:nvPr>
+        </p:nvSpPr>
+        <p:spPr>
+          <a:xfrm>
+            <a:off x="0" y="3561800"/>
+            <a:ext cx="228600" cy="155025"/>
+          </a:xfrm>
+          <a:prstGeom prst="rect">
+            <a:avLst/>
+          </a:prstGeom>
+          <a:noFill/>
+        </p:spPr>
+        <p:txBody>
+          <a:bodyPr vert="horz" wrap="square" lIns="0" tIns="0" rIns="0" bIns="0" rtlCol="0" anchor="ctr" anchorCtr="0">
+            <a:spAutoFit/>
+          </a:bodyPr>
+          <a:lstStyle/>
+          <a:p>
+            <a:pPr algn="ctr"/>
+            <a:r>
+              <a:rPr lang="en-US" sz="1000">
+                <a:solidFill>
+                  <a:srgbClr val="C0504D"/>
+                </a:solidFill>
+                <a:latin typeface="Calibri" panose="020F0502020204030204" pitchFamily="34" charset="0"/>
+              </a:rPr>
+              <a:t>15%</a:t>
+            </a:r>
+          </a:p>
+        </p:txBody>
+      </p:sp>
+      <p:sp>
+        <p:nvSpPr>
+          <p:cNvPr id="10852" name="OTLSHAPE_T_a1fe2df1afb74a24b48db95b6b338bf9_StartDate" hidden="1"/>
+          <p:cNvSpPr txBox="1"/>
+          <p:nvPr>
+            <p:custDataLst>
+              <p:tags r:id="rId66"/>
+            </p:custDataLst>
+          </p:nvPr>
+        </p:nvSpPr>
+        <p:spPr>
+          <a:xfrm>
+            <a:off x="0" y="3716824"/>
+            <a:ext cx="0" cy="107722"/>
+          </a:xfrm>
+          <a:prstGeom prst="rect">
+            <a:avLst/>
+          </a:prstGeom>
+          <a:noFill/>
+        </p:spPr>
+        <p:txBody>
+          <a:bodyPr vert="horz" wrap="square" lIns="0" tIns="0" rIns="0" bIns="0" rtlCol="0" anchor="ctr" anchorCtr="0">
+            <a:spAutoFit/>
+          </a:bodyPr>
+          <a:lstStyle/>
+          <a:p>
+            <a:pPr algn="ctr"/>
+            <a:endParaRPr lang="en-US" sz="700" b="1">
+              <a:solidFill>
+                <a:srgbClr val="B20E12"/>
+              </a:solidFill>
+              <a:latin typeface="Calibri" panose="020F0502020204030204" pitchFamily="34" charset="0"/>
+            </a:endParaRPr>
+          </a:p>
+        </p:txBody>
+      </p:sp>
+      <p:sp>
+        <p:nvSpPr>
+          <p:cNvPr id="10853" name="OTLSHAPE_T_a1fe2df1afb74a24b48db95b6b338bf9_EndDate" hidden="1"/>
+          <p:cNvSpPr txBox="1"/>
+          <p:nvPr>
+            <p:custDataLst>
+              <p:tags r:id="rId67"/>
+            </p:custDataLst>
+          </p:nvPr>
+        </p:nvSpPr>
+        <p:spPr>
+          <a:xfrm>
+            <a:off x="0" y="3716824"/>
+            <a:ext cx="0" cy="107722"/>
+          </a:xfrm>
+          <a:prstGeom prst="rect">
+            <a:avLst/>
+          </a:prstGeom>
+          <a:noFill/>
+        </p:spPr>
+        <p:txBody>
+          <a:bodyPr vert="horz" wrap="square" lIns="0" tIns="0" rIns="0" bIns="0" rtlCol="0" anchor="ctr" anchorCtr="0">
+            <a:spAutoFit/>
+          </a:bodyPr>
+          <a:lstStyle/>
+          <a:p>
+            <a:pPr algn="ctr"/>
+            <a:endParaRPr lang="en-US" sz="700" b="1">
+              <a:solidFill>
+                <a:srgbClr val="B20E12"/>
+              </a:solidFill>
+              <a:latin typeface="Calibri" panose="020F0502020204030204" pitchFamily="34" charset="0"/>
+            </a:endParaRPr>
+          </a:p>
+        </p:txBody>
+      </p:sp>
+      <p:sp>
+        <p:nvSpPr>
+          <p:cNvPr id="10857" name="OTLSHAPE_T_b2528e25fb5f4019a02b029d7b23b862_ShapePercentage" hidden="1"/>
+          <p:cNvSpPr/>
+          <p:nvPr>
+            <p:custDataLst>
+              <p:tags r:id="rId68"/>
+            </p:custDataLst>
+          </p:nvPr>
+        </p:nvSpPr>
+        <p:spPr>
+          <a:xfrm>
+            <a:off x="5503885" y="3743325"/>
+            <a:ext cx="0" cy="152400"/>
+          </a:xfrm>
+          <a:prstGeom prst="chevron">
+            <a:avLst/>
+          </a:prstGeom>
+        </p:spPr>
+        <p:style>
+          <a:lnRef idx="2">
+            <a:schemeClr val="accent1">
+              <a:shade val="50000"/>
+            </a:schemeClr>
+          </a:lnRef>
+          <a:fillRef idx="1">
+            <a:schemeClr val="accent1"/>
+          </a:fillRef>
+          <a:effectRef idx="0">
+            <a:schemeClr val="accent1"/>
+          </a:effectRef>
+          <a:fontRef idx="minor">
+            <a:schemeClr val="lt1"/>
+          </a:fontRef>
+        </p:style>
+        <p:txBody>
+          <a:bodyPr rtlCol="0" anchor="ctr"/>
+          <a:lstStyle/>
+          <a:p>
+            <a:pPr algn="ctr"/>
+            <a:endParaRPr lang="en-US">
+              <a:solidFill>
+                <a:schemeClr val="tx1"/>
+              </a:solidFill>
+            </a:endParaRPr>
+          </a:p>
+        </p:txBody>
+      </p:sp>
+      <p:sp>
+        <p:nvSpPr>
+          <p:cNvPr id="10858" name="OTLSHAPE_T_b2528e25fb5f4019a02b029d7b23b862_Duration" hidden="1"/>
+          <p:cNvSpPr txBox="1"/>
+          <p:nvPr>
+            <p:custDataLst>
+              <p:tags r:id="rId69"/>
+            </p:custDataLst>
+          </p:nvPr>
+        </p:nvSpPr>
+        <p:spPr>
+          <a:xfrm>
+            <a:off x="0" y="3743325"/>
+            <a:ext cx="330200" cy="155025"/>
+          </a:xfrm>
+          <a:prstGeom prst="rect">
+            <a:avLst/>
+          </a:prstGeom>
+          <a:noFill/>
+        </p:spPr>
+        <p:txBody>
+          <a:bodyPr vert="horz" wrap="square" lIns="0" tIns="0" rIns="0" bIns="0" rtlCol="0" anchor="ctr" anchorCtr="0">
+            <a:spAutoFit/>
+          </a:bodyPr>
+          <a:lstStyle/>
+          <a:p>
+            <a:pPr algn="ctr"/>
+            <a:r>
+              <a:rPr lang="en-US" sz="1000">
+                <a:solidFill>
+                  <a:schemeClr val="accent2"/>
+                </a:solidFill>
+                <a:latin typeface="Calibri" panose="020F0502020204030204" pitchFamily="34" charset="0"/>
+              </a:rPr>
+              <a:t>5 days</a:t>
+            </a:r>
+          </a:p>
+        </p:txBody>
+      </p:sp>
+      <p:sp>
+        <p:nvSpPr>
+          <p:cNvPr id="10859" name="OTLSHAPE_T_b2528e25fb5f4019a02b029d7b23b862_JoinedDate" hidden="1"/>
+          <p:cNvSpPr txBox="1"/>
+          <p:nvPr>
+            <p:custDataLst>
+              <p:tags r:id="rId70"/>
+            </p:custDataLst>
+          </p:nvPr>
+        </p:nvSpPr>
+        <p:spPr>
+          <a:xfrm>
+            <a:off x="0" y="3898350"/>
+            <a:ext cx="469900" cy="124037"/>
+          </a:xfrm>
+          <a:prstGeom prst="rect">
+            <a:avLst/>
+          </a:prstGeom>
+          <a:noFill/>
+        </p:spPr>
+        <p:txBody>
+          <a:bodyPr vert="horz" wrap="square" lIns="0" tIns="0" rIns="0" bIns="0" rtlCol="0" anchor="ctr" anchorCtr="0">
+            <a:spAutoFit/>
+          </a:bodyPr>
+          <a:lstStyle/>
+          <a:p>
+            <a:r>
+              <a:rPr lang="en-US" sz="800">
+                <a:solidFill>
+                  <a:srgbClr val="BFBFBF"/>
+                </a:solidFill>
+                <a:latin typeface="Calibri" panose="020F0502020204030204" pitchFamily="34" charset="0"/>
+              </a:rPr>
+              <a:t>6/18 - 6/23</a:t>
+            </a:r>
+          </a:p>
+        </p:txBody>
+      </p:sp>
+      <p:sp>
+        <p:nvSpPr>
+          <p:cNvPr id="10860" name="OTLSHAPE_T_b2528e25fb5f4019a02b029d7b23b862_StartDate" hidden="1"/>
+          <p:cNvSpPr txBox="1"/>
+          <p:nvPr>
+            <p:custDataLst>
+              <p:tags r:id="rId71"/>
+            </p:custDataLst>
+          </p:nvPr>
+        </p:nvSpPr>
+        <p:spPr>
+          <a:xfrm>
+            <a:off x="0" y="4022386"/>
+            <a:ext cx="0" cy="123111"/>
+          </a:xfrm>
+          <a:prstGeom prst="rect">
+            <a:avLst/>
+          </a:prstGeom>
+          <a:noFill/>
+        </p:spPr>
+        <p:txBody>
+          <a:bodyPr vert="horz" wrap="square" lIns="0" tIns="0" rIns="0" bIns="0" rtlCol="0" anchor="ctr" anchorCtr="0">
+            <a:spAutoFit/>
+          </a:bodyPr>
+          <a:lstStyle/>
+          <a:p>
+            <a:pPr algn="ctr"/>
+            <a:endParaRPr lang="en-US" sz="800">
+              <a:solidFill>
+                <a:srgbClr val="BFBFBF"/>
+              </a:solidFill>
+              <a:latin typeface="Calibri" panose="020F0502020204030204" pitchFamily="34" charset="0"/>
+            </a:endParaRPr>
+          </a:p>
+        </p:txBody>
+      </p:sp>
+      <p:sp>
+        <p:nvSpPr>
+          <p:cNvPr id="10861" name="OTLSHAPE_T_b2528e25fb5f4019a02b029d7b23b862_EndDate" hidden="1"/>
+          <p:cNvSpPr txBox="1"/>
+          <p:nvPr>
+            <p:custDataLst>
+              <p:tags r:id="rId72"/>
+            </p:custDataLst>
+          </p:nvPr>
+        </p:nvSpPr>
+        <p:spPr>
+          <a:xfrm>
+            <a:off x="0" y="4022386"/>
+            <a:ext cx="0" cy="123111"/>
+          </a:xfrm>
+          <a:prstGeom prst="rect">
+            <a:avLst/>
+          </a:prstGeom>
+          <a:noFill/>
+        </p:spPr>
+        <p:txBody>
+          <a:bodyPr vert="horz" wrap="square" lIns="0" tIns="0" rIns="0" bIns="0" rtlCol="0" anchor="ctr" anchorCtr="0">
+            <a:spAutoFit/>
+          </a:bodyPr>
+          <a:lstStyle/>
+          <a:p>
+            <a:pPr algn="ctr"/>
+            <a:endParaRPr lang="en-US" sz="800">
+              <a:solidFill>
+                <a:srgbClr val="BFBFBF"/>
+              </a:solidFill>
+              <a:latin typeface="Calibri" panose="020F0502020204030204" pitchFamily="34" charset="0"/>
+            </a:endParaRPr>
+          </a:p>
+        </p:txBody>
+      </p:sp>
+      <p:sp>
+        <p:nvSpPr>
+          <p:cNvPr id="10863" name="OTLSHAPE_T_b2528e25fb5f4019a02b029d7b23b862_TextPercentage" hidden="1"/>
+          <p:cNvSpPr txBox="1"/>
+          <p:nvPr>
+            <p:custDataLst>
+              <p:tags r:id="rId73"/>
+            </p:custDataLst>
+          </p:nvPr>
+        </p:nvSpPr>
+        <p:spPr>
+          <a:xfrm>
+            <a:off x="5503885" y="3881543"/>
+            <a:ext cx="0" cy="153888"/>
+          </a:xfrm>
+          <a:prstGeom prst="rect">
+            <a:avLst/>
+          </a:prstGeom>
+          <a:noFill/>
+        </p:spPr>
+        <p:txBody>
+          <a:bodyPr vert="horz" wrap="square" lIns="0" tIns="0" rIns="0" bIns="0" rtlCol="0" anchor="ctr" anchorCtr="0">
+            <a:spAutoFit/>
+          </a:bodyPr>
+          <a:lstStyle/>
+          <a:p>
+            <a:pPr algn="ctr"/>
+            <a:endParaRPr lang="en-US" sz="1000">
+              <a:solidFill>
+                <a:srgbClr val="C0504D"/>
+              </a:solidFill>
+              <a:latin typeface="Calibri" panose="020F0502020204030204" pitchFamily="34" charset="0"/>
+            </a:endParaRPr>
+          </a:p>
+        </p:txBody>
+      </p:sp>
+      <p:sp>
+        <p:nvSpPr>
+          <p:cNvPr id="10865" name="OTLSHAPE_T_ac1ef414023b498ab438285066d789ef_ShapePercentage" hidden="1"/>
+          <p:cNvSpPr/>
+          <p:nvPr>
+            <p:custDataLst>
+              <p:tags r:id="rId74"/>
+            </p:custDataLst>
+          </p:nvPr>
+        </p:nvSpPr>
+        <p:spPr>
+          <a:xfrm>
+            <a:off x="6302642" y="3743325"/>
+            <a:ext cx="0" cy="152400"/>
+          </a:xfrm>
+          <a:prstGeom prst="chevron">
+            <a:avLst/>
+          </a:prstGeom>
+        </p:spPr>
+        <p:style>
+          <a:lnRef idx="2">
+            <a:schemeClr val="accent1">
+              <a:shade val="50000"/>
+            </a:schemeClr>
+          </a:lnRef>
+          <a:fillRef idx="1">
+            <a:schemeClr val="accent1"/>
+          </a:fillRef>
+          <a:effectRef idx="0">
+            <a:schemeClr val="accent1"/>
+          </a:effectRef>
+          <a:fontRef idx="minor">
+            <a:schemeClr val="lt1"/>
+          </a:fontRef>
+        </p:style>
+        <p:txBody>
+          <a:bodyPr rtlCol="0" anchor="ctr"/>
+          <a:lstStyle/>
+          <a:p>
+            <a:pPr algn="ctr"/>
+            <a:endParaRPr lang="en-US">
+              <a:solidFill>
+                <a:schemeClr val="tx1"/>
+              </a:solidFill>
+            </a:endParaRPr>
+          </a:p>
+        </p:txBody>
+      </p:sp>
+      <p:sp>
+        <p:nvSpPr>
+          <p:cNvPr id="10866" name="OTLSHAPE_T_ac1ef414023b498ab438285066d789ef_Duration" hidden="1"/>
+          <p:cNvSpPr txBox="1"/>
+          <p:nvPr>
+            <p:custDataLst>
+              <p:tags r:id="rId75"/>
+            </p:custDataLst>
+          </p:nvPr>
+        </p:nvSpPr>
+        <p:spPr>
+          <a:xfrm>
+            <a:off x="0" y="3743325"/>
+            <a:ext cx="330200" cy="155025"/>
+          </a:xfrm>
+          <a:prstGeom prst="rect">
+            <a:avLst/>
+          </a:prstGeom>
+          <a:noFill/>
+        </p:spPr>
+        <p:txBody>
+          <a:bodyPr vert="horz" wrap="square" lIns="0" tIns="0" rIns="0" bIns="0" rtlCol="0" anchor="ctr" anchorCtr="0">
+            <a:spAutoFit/>
+          </a:bodyPr>
+          <a:lstStyle/>
+          <a:p>
+            <a:pPr algn="ctr"/>
+            <a:r>
+              <a:rPr lang="en-US" sz="1000">
+                <a:solidFill>
+                  <a:schemeClr val="accent2"/>
+                </a:solidFill>
+                <a:latin typeface="Calibri" panose="020F0502020204030204" pitchFamily="34" charset="0"/>
+              </a:rPr>
+              <a:t>4 days</a:t>
+            </a:r>
+          </a:p>
+        </p:txBody>
+      </p:sp>
+      <p:sp>
+        <p:nvSpPr>
+          <p:cNvPr id="10867" name="OTLSHAPE_T_ac1ef414023b498ab438285066d789ef_JoinedDate" hidden="1"/>
+          <p:cNvSpPr txBox="1"/>
+          <p:nvPr>
+            <p:custDataLst>
+              <p:tags r:id="rId76"/>
+            </p:custDataLst>
+          </p:nvPr>
+        </p:nvSpPr>
+        <p:spPr>
+          <a:xfrm>
+            <a:off x="0" y="3898350"/>
+            <a:ext cx="469900" cy="124037"/>
+          </a:xfrm>
+          <a:prstGeom prst="rect">
+            <a:avLst/>
+          </a:prstGeom>
+          <a:noFill/>
+        </p:spPr>
+        <p:txBody>
+          <a:bodyPr vert="horz" wrap="square" lIns="0" tIns="0" rIns="0" bIns="0" rtlCol="0" anchor="ctr" anchorCtr="0">
+            <a:spAutoFit/>
+          </a:bodyPr>
+          <a:lstStyle/>
+          <a:p>
+            <a:r>
+              <a:rPr lang="en-US" sz="800">
+                <a:solidFill>
+                  <a:srgbClr val="BFBFBF"/>
+                </a:solidFill>
+                <a:latin typeface="Calibri" panose="020F0502020204030204" pitchFamily="34" charset="0"/>
+              </a:rPr>
+              <a:t>6/24 - 6/29</a:t>
+            </a:r>
+          </a:p>
+        </p:txBody>
+      </p:sp>
+      <p:sp>
+        <p:nvSpPr>
+          <p:cNvPr id="10868" name="OTLSHAPE_T_ac1ef414023b498ab438285066d789ef_StartDate" hidden="1"/>
+          <p:cNvSpPr txBox="1"/>
+          <p:nvPr>
+            <p:custDataLst>
+              <p:tags r:id="rId77"/>
+            </p:custDataLst>
+          </p:nvPr>
+        </p:nvSpPr>
+        <p:spPr>
+          <a:xfrm>
+            <a:off x="0" y="4022386"/>
+            <a:ext cx="0" cy="123111"/>
+          </a:xfrm>
+          <a:prstGeom prst="rect">
+            <a:avLst/>
+          </a:prstGeom>
+          <a:noFill/>
+        </p:spPr>
+        <p:txBody>
+          <a:bodyPr vert="horz" wrap="square" lIns="0" tIns="0" rIns="0" bIns="0" rtlCol="0" anchor="ctr" anchorCtr="0">
+            <a:spAutoFit/>
+          </a:bodyPr>
+          <a:lstStyle/>
+          <a:p>
+            <a:pPr algn="ctr"/>
+            <a:endParaRPr lang="en-US" sz="800">
+              <a:solidFill>
+                <a:srgbClr val="BFBFBF"/>
+              </a:solidFill>
+              <a:latin typeface="Calibri" panose="020F0502020204030204" pitchFamily="34" charset="0"/>
+            </a:endParaRPr>
+          </a:p>
+        </p:txBody>
+      </p:sp>
+      <p:sp>
+        <p:nvSpPr>
+          <p:cNvPr id="10869" name="OTLSHAPE_T_ac1ef414023b498ab438285066d789ef_EndDate" hidden="1"/>
+          <p:cNvSpPr txBox="1"/>
+          <p:nvPr>
+            <p:custDataLst>
+              <p:tags r:id="rId78"/>
+            </p:custDataLst>
+          </p:nvPr>
+        </p:nvSpPr>
+        <p:spPr>
+          <a:xfrm>
+            <a:off x="0" y="4022386"/>
+            <a:ext cx="0" cy="123111"/>
+          </a:xfrm>
+          <a:prstGeom prst="rect">
+            <a:avLst/>
+          </a:prstGeom>
+          <a:noFill/>
+        </p:spPr>
+        <p:txBody>
+          <a:bodyPr vert="horz" wrap="square" lIns="0" tIns="0" rIns="0" bIns="0" rtlCol="0" anchor="ctr" anchorCtr="0">
+            <a:spAutoFit/>
+          </a:bodyPr>
+          <a:lstStyle/>
+          <a:p>
+            <a:pPr algn="ctr"/>
+            <a:endParaRPr lang="en-US" sz="800">
+              <a:solidFill>
+                <a:srgbClr val="BFBFBF"/>
+              </a:solidFill>
+              <a:latin typeface="Calibri" panose="020F0502020204030204" pitchFamily="34" charset="0"/>
+            </a:endParaRPr>
+          </a:p>
+        </p:txBody>
+      </p:sp>
+      <p:sp>
+        <p:nvSpPr>
+          <p:cNvPr id="10871" name="OTLSHAPE_T_ac1ef414023b498ab438285066d789ef_TextPercentage" hidden="1"/>
+          <p:cNvSpPr txBox="1"/>
+          <p:nvPr>
+            <p:custDataLst>
+              <p:tags r:id="rId79"/>
+            </p:custDataLst>
+          </p:nvPr>
+        </p:nvSpPr>
+        <p:spPr>
+          <a:xfrm>
+            <a:off x="6302642" y="3881543"/>
+            <a:ext cx="0" cy="153888"/>
+          </a:xfrm>
+          <a:prstGeom prst="rect">
+            <a:avLst/>
+          </a:prstGeom>
+          <a:noFill/>
+        </p:spPr>
+        <p:txBody>
+          <a:bodyPr vert="horz" wrap="square" lIns="0" tIns="0" rIns="0" bIns="0" rtlCol="0" anchor="ctr" anchorCtr="0">
+            <a:spAutoFit/>
+          </a:bodyPr>
+          <a:lstStyle/>
+          <a:p>
+            <a:pPr algn="ctr"/>
+            <a:endParaRPr lang="en-US" sz="1000">
+              <a:solidFill>
+                <a:srgbClr val="C0504D"/>
+              </a:solidFill>
+              <a:latin typeface="Calibri" panose="020F0502020204030204" pitchFamily="34" charset="0"/>
+            </a:endParaRPr>
+          </a:p>
+        </p:txBody>
+      </p:sp>
+      <p:sp>
+        <p:nvSpPr>
+          <p:cNvPr id="10873" name="OTLSHAPE_T_7b6fba2144cf463e8b9daf026c745a6d_ShapePercentage" hidden="1"/>
+          <p:cNvSpPr/>
+          <p:nvPr>
+            <p:custDataLst>
+              <p:tags r:id="rId80"/>
+            </p:custDataLst>
+          </p:nvPr>
+        </p:nvSpPr>
+        <p:spPr>
+          <a:xfrm>
+            <a:off x="7101400" y="3743325"/>
+            <a:ext cx="0" cy="152400"/>
+          </a:xfrm>
+          <a:prstGeom prst="chevron">
+            <a:avLst/>
+          </a:prstGeom>
+        </p:spPr>
+        <p:style>
+          <a:lnRef idx="2">
+            <a:schemeClr val="accent1">
+              <a:shade val="50000"/>
+            </a:schemeClr>
+          </a:lnRef>
+          <a:fillRef idx="1">
+            <a:schemeClr val="accent1"/>
+          </a:fillRef>
+          <a:effectRef idx="0">
+            <a:schemeClr val="accent1"/>
+          </a:effectRef>
+          <a:fontRef idx="minor">
+            <a:schemeClr val="lt1"/>
+          </a:fontRef>
+        </p:style>
+        <p:txBody>
+          <a:bodyPr rtlCol="0" anchor="ctr"/>
+          <a:lstStyle/>
+          <a:p>
+            <a:pPr algn="ctr"/>
+            <a:endParaRPr lang="en-US">
+              <a:solidFill>
+                <a:schemeClr val="tx1"/>
+              </a:solidFill>
+            </a:endParaRPr>
+          </a:p>
+        </p:txBody>
+      </p:sp>
+      <p:sp>
+        <p:nvSpPr>
+          <p:cNvPr id="10874" name="OTLSHAPE_T_7b6fba2144cf463e8b9daf026c745a6d_Duration" hidden="1"/>
+          <p:cNvSpPr txBox="1"/>
+          <p:nvPr>
+            <p:custDataLst>
+              <p:tags r:id="rId81"/>
+            </p:custDataLst>
+          </p:nvPr>
+        </p:nvSpPr>
+        <p:spPr>
+          <a:xfrm>
+            <a:off x="0" y="3743325"/>
+            <a:ext cx="330200" cy="155025"/>
+          </a:xfrm>
+          <a:prstGeom prst="rect">
+            <a:avLst/>
+          </a:prstGeom>
+          <a:noFill/>
+        </p:spPr>
+        <p:txBody>
+          <a:bodyPr vert="horz" wrap="square" lIns="0" tIns="0" rIns="0" bIns="0" rtlCol="0" anchor="ctr" anchorCtr="0">
+            <a:spAutoFit/>
+          </a:bodyPr>
+          <a:lstStyle/>
+          <a:p>
+            <a:pPr algn="ctr"/>
+            <a:r>
+              <a:rPr lang="en-US" sz="1000">
+                <a:solidFill>
+                  <a:schemeClr val="accent2"/>
+                </a:solidFill>
+                <a:latin typeface="Calibri" panose="020F0502020204030204" pitchFamily="34" charset="0"/>
+              </a:rPr>
+              <a:t>2 days</a:t>
+            </a:r>
+          </a:p>
+        </p:txBody>
+      </p:sp>
+      <p:sp>
+        <p:nvSpPr>
+          <p:cNvPr id="10875" name="OTLSHAPE_T_7b6fba2144cf463e8b9daf026c745a6d_JoinedDate" hidden="1"/>
+          <p:cNvSpPr txBox="1"/>
+          <p:nvPr>
+            <p:custDataLst>
+              <p:tags r:id="rId82"/>
+            </p:custDataLst>
+          </p:nvPr>
+        </p:nvSpPr>
+        <p:spPr>
+          <a:xfrm>
+            <a:off x="0" y="3898350"/>
+            <a:ext cx="419100" cy="124037"/>
+          </a:xfrm>
+          <a:prstGeom prst="rect">
+            <a:avLst/>
+          </a:prstGeom>
+          <a:noFill/>
+        </p:spPr>
+        <p:txBody>
+          <a:bodyPr vert="horz" wrap="square" lIns="0" tIns="0" rIns="0" bIns="0" rtlCol="0" anchor="ctr" anchorCtr="0">
+            <a:spAutoFit/>
+          </a:bodyPr>
+          <a:lstStyle/>
+          <a:p>
+            <a:r>
+              <a:rPr lang="en-US" sz="800">
+                <a:solidFill>
+                  <a:srgbClr val="BFBFBF"/>
+                </a:solidFill>
+                <a:latin typeface="Calibri" panose="020F0502020204030204" pitchFamily="34" charset="0"/>
+              </a:rPr>
+              <a:t>6/30 - 7/3</a:t>
+            </a:r>
+          </a:p>
+        </p:txBody>
+      </p:sp>
+      <p:sp>
+        <p:nvSpPr>
+          <p:cNvPr id="10876" name="OTLSHAPE_T_7b6fba2144cf463e8b9daf026c745a6d_StartDate" hidden="1"/>
+          <p:cNvSpPr txBox="1"/>
+          <p:nvPr>
+            <p:custDataLst>
+              <p:tags r:id="rId83"/>
+            </p:custDataLst>
+          </p:nvPr>
+        </p:nvSpPr>
+        <p:spPr>
+          <a:xfrm>
+            <a:off x="0" y="4022386"/>
+            <a:ext cx="0" cy="123111"/>
+          </a:xfrm>
+          <a:prstGeom prst="rect">
+            <a:avLst/>
+          </a:prstGeom>
+          <a:noFill/>
+        </p:spPr>
+        <p:txBody>
+          <a:bodyPr vert="horz" wrap="square" lIns="0" tIns="0" rIns="0" bIns="0" rtlCol="0" anchor="ctr" anchorCtr="0">
+            <a:spAutoFit/>
+          </a:bodyPr>
+          <a:lstStyle/>
+          <a:p>
+            <a:pPr algn="ctr"/>
+            <a:endParaRPr lang="en-US" sz="800">
+              <a:solidFill>
+                <a:srgbClr val="BFBFBF"/>
+              </a:solidFill>
+              <a:latin typeface="Calibri" panose="020F0502020204030204" pitchFamily="34" charset="0"/>
+            </a:endParaRPr>
+          </a:p>
+        </p:txBody>
+      </p:sp>
+      <p:sp>
+        <p:nvSpPr>
+          <p:cNvPr id="10877" name="OTLSHAPE_T_7b6fba2144cf463e8b9daf026c745a6d_EndDate" hidden="1"/>
+          <p:cNvSpPr txBox="1"/>
+          <p:nvPr>
+            <p:custDataLst>
+              <p:tags r:id="rId84"/>
+            </p:custDataLst>
+          </p:nvPr>
+        </p:nvSpPr>
+        <p:spPr>
+          <a:xfrm>
+            <a:off x="0" y="4022386"/>
+            <a:ext cx="0" cy="123111"/>
+          </a:xfrm>
+          <a:prstGeom prst="rect">
+            <a:avLst/>
+          </a:prstGeom>
+          <a:noFill/>
+        </p:spPr>
+        <p:txBody>
+          <a:bodyPr vert="horz" wrap="square" lIns="0" tIns="0" rIns="0" bIns="0" rtlCol="0" anchor="ctr" anchorCtr="0">
+            <a:spAutoFit/>
+          </a:bodyPr>
+          <a:lstStyle/>
+          <a:p>
+            <a:pPr algn="ctr"/>
+            <a:endParaRPr lang="en-US" sz="800">
+              <a:solidFill>
+                <a:srgbClr val="BFBFBF"/>
+              </a:solidFill>
+              <a:latin typeface="Calibri" panose="020F0502020204030204" pitchFamily="34" charset="0"/>
+            </a:endParaRPr>
+          </a:p>
+        </p:txBody>
+      </p:sp>
+      <p:sp>
+        <p:nvSpPr>
+          <p:cNvPr id="10879" name="OTLSHAPE_T_7b6fba2144cf463e8b9daf026c745a6d_TextPercentage" hidden="1"/>
+          <p:cNvSpPr txBox="1"/>
+          <p:nvPr>
+            <p:custDataLst>
+              <p:tags r:id="rId85"/>
+            </p:custDataLst>
+          </p:nvPr>
+        </p:nvSpPr>
+        <p:spPr>
+          <a:xfrm>
+            <a:off x="7101400" y="3819525"/>
+            <a:ext cx="0" cy="153888"/>
+          </a:xfrm>
+          <a:prstGeom prst="rect">
+            <a:avLst/>
+          </a:prstGeom>
+          <a:noFill/>
+        </p:spPr>
+        <p:txBody>
+          <a:bodyPr vert="horz" wrap="square" lIns="0" tIns="0" rIns="0" bIns="0" rtlCol="0" anchor="ctr" anchorCtr="0">
+            <a:spAutoFit/>
+          </a:bodyPr>
+          <a:lstStyle/>
+          <a:p>
+            <a:pPr algn="ctr"/>
+            <a:endParaRPr lang="en-US" sz="1000">
+              <a:solidFill>
+                <a:srgbClr val="C0504D"/>
+              </a:solidFill>
+              <a:latin typeface="Calibri" panose="020F0502020204030204" pitchFamily="34" charset="0"/>
+            </a:endParaRPr>
+          </a:p>
+        </p:txBody>
+      </p:sp>
+      <p:sp>
+        <p:nvSpPr>
+          <p:cNvPr id="10881" name="OTLSHAPE_T_8d75aaf91f11405d8720698af5304071_ShapePercentage" hidden="1"/>
+          <p:cNvSpPr/>
+          <p:nvPr>
+            <p:custDataLst>
+              <p:tags r:id="rId86"/>
+            </p:custDataLst>
+          </p:nvPr>
+        </p:nvSpPr>
+        <p:spPr>
+          <a:xfrm>
+            <a:off x="6702021" y="4022725"/>
+            <a:ext cx="0" cy="0"/>
+          </a:xfrm>
+          <a:prstGeom prst="leftRightArrow">
+            <a:avLst>
+              <a:gd name="adj1" fmla="val 75000"/>
+              <a:gd name="adj2" fmla="val 50000"/>
+            </a:avLst>
+          </a:prstGeom>
+        </p:spPr>
+        <p:style>
+          <a:lnRef idx="2">
+            <a:schemeClr val="accent1">
+              <a:shade val="50000"/>
+            </a:schemeClr>
+          </a:lnRef>
+          <a:fillRef idx="1">
+            <a:schemeClr val="accent1"/>
+          </a:fillRef>
+          <a:effectRef idx="0">
+            <a:schemeClr val="accent1"/>
+          </a:effectRef>
+          <a:fontRef idx="minor">
+            <a:schemeClr val="lt1"/>
+          </a:fontRef>
+        </p:style>
+        <p:txBody>
+          <a:bodyPr rtlCol="0" anchor="ctr"/>
+          <a:lstStyle/>
+          <a:p>
+            <a:pPr algn="ctr"/>
+            <a:endParaRPr lang="en-US"/>
+          </a:p>
+        </p:txBody>
+      </p:sp>
+      <p:sp>
+        <p:nvSpPr>
+          <p:cNvPr id="10882" name="OTLSHAPE_T_8d75aaf91f11405d8720698af5304071_Duration" hidden="1"/>
+          <p:cNvSpPr txBox="1"/>
+          <p:nvPr>
+            <p:custDataLst>
+              <p:tags r:id="rId87"/>
+            </p:custDataLst>
+          </p:nvPr>
+        </p:nvSpPr>
+        <p:spPr>
+          <a:xfrm>
+            <a:off x="0" y="4022725"/>
+            <a:ext cx="330200" cy="155025"/>
+          </a:xfrm>
+          <a:prstGeom prst="rect">
+            <a:avLst/>
+          </a:prstGeom>
+          <a:noFill/>
+        </p:spPr>
+        <p:txBody>
+          <a:bodyPr vert="horz" wrap="square" lIns="0" tIns="0" rIns="0" bIns="0" rtlCol="0" anchor="ctr" anchorCtr="0">
+            <a:spAutoFit/>
+          </a:bodyPr>
+          <a:lstStyle/>
+          <a:p>
+            <a:pPr algn="ctr"/>
+            <a:r>
+              <a:rPr lang="en-US" sz="1000">
+                <a:solidFill>
+                  <a:schemeClr val="accent2"/>
+                </a:solidFill>
+                <a:latin typeface="Calibri" panose="020F0502020204030204" pitchFamily="34" charset="0"/>
+              </a:rPr>
+              <a:t>4 days</a:t>
+            </a:r>
+          </a:p>
+        </p:txBody>
+      </p:sp>
+      <p:sp>
+        <p:nvSpPr>
+          <p:cNvPr id="10883" name="OTLSHAPE_T_8d75aaf91f11405d8720698af5304071_TextPercentage" hidden="1"/>
+          <p:cNvSpPr txBox="1"/>
+          <p:nvPr>
+            <p:custDataLst>
+              <p:tags r:id="rId88"/>
+            </p:custDataLst>
+          </p:nvPr>
+        </p:nvSpPr>
+        <p:spPr>
+          <a:xfrm>
+            <a:off x="0" y="4177750"/>
+            <a:ext cx="0" cy="153888"/>
+          </a:xfrm>
+          <a:prstGeom prst="rect">
+            <a:avLst/>
+          </a:prstGeom>
+          <a:noFill/>
+        </p:spPr>
+        <p:txBody>
+          <a:bodyPr vert="horz" wrap="square" lIns="0" tIns="0" rIns="0" bIns="0" rtlCol="0" anchor="ctr" anchorCtr="0">
+            <a:spAutoFit/>
+          </a:bodyPr>
+          <a:lstStyle/>
+          <a:p>
+            <a:pPr algn="ctr"/>
+            <a:endParaRPr lang="en-US" sz="1000">
+              <a:solidFill>
+                <a:srgbClr val="C0504D"/>
+              </a:solidFill>
+              <a:latin typeface="Calibri" panose="020F0502020204030204" pitchFamily="34" charset="0"/>
+            </a:endParaRPr>
+          </a:p>
+        </p:txBody>
+      </p:sp>
+      <p:sp>
+        <p:nvSpPr>
+          <p:cNvPr id="10884" name="OTLSHAPE_T_8d75aaf91f11405d8720698af5304071_StartDate" hidden="1"/>
+          <p:cNvSpPr txBox="1"/>
+          <p:nvPr>
+            <p:custDataLst>
+              <p:tags r:id="rId89"/>
+            </p:custDataLst>
+          </p:nvPr>
+        </p:nvSpPr>
+        <p:spPr>
+          <a:xfrm>
+            <a:off x="0" y="4177750"/>
+            <a:ext cx="0" cy="92333"/>
+          </a:xfrm>
+          <a:prstGeom prst="rect">
+            <a:avLst/>
+          </a:prstGeom>
+          <a:noFill/>
+        </p:spPr>
+        <p:txBody>
+          <a:bodyPr vert="horz" wrap="square" lIns="0" tIns="0" rIns="0" bIns="0" rtlCol="0" anchor="ctr" anchorCtr="0">
+            <a:spAutoFit/>
+          </a:bodyPr>
+          <a:lstStyle/>
+          <a:p>
+            <a:pPr algn="ctr"/>
+            <a:endParaRPr lang="en-US" sz="600">
+              <a:solidFill>
+                <a:srgbClr val="BFBFBF"/>
+              </a:solidFill>
+              <a:latin typeface="Calibri" panose="020F0502020204030204" pitchFamily="34" charset="0"/>
+            </a:endParaRPr>
+          </a:p>
+        </p:txBody>
+      </p:sp>
+      <p:sp>
+        <p:nvSpPr>
+          <p:cNvPr id="10885" name="OTLSHAPE_T_8d75aaf91f11405d8720698af5304071_EndDate" hidden="1"/>
+          <p:cNvSpPr txBox="1"/>
+          <p:nvPr>
+            <p:custDataLst>
+              <p:tags r:id="rId90"/>
+            </p:custDataLst>
+          </p:nvPr>
+        </p:nvSpPr>
+        <p:spPr>
+          <a:xfrm>
+            <a:off x="0" y="4177750"/>
+            <a:ext cx="0" cy="92333"/>
+          </a:xfrm>
+          <a:prstGeom prst="rect">
+            <a:avLst/>
+          </a:prstGeom>
+          <a:noFill/>
+        </p:spPr>
+        <p:txBody>
+          <a:bodyPr vert="horz" wrap="square" lIns="0" tIns="0" rIns="0" bIns="0" rtlCol="0" anchor="ctr" anchorCtr="0">
+            <a:spAutoFit/>
+          </a:bodyPr>
+          <a:lstStyle/>
+          <a:p>
+            <a:pPr algn="ctr"/>
+            <a:endParaRPr lang="en-US" sz="600">
+              <a:solidFill>
+                <a:srgbClr val="BFBFBF"/>
+              </a:solidFill>
+              <a:latin typeface="Calibri" panose="020F0502020204030204" pitchFamily="34" charset="0"/>
+            </a:endParaRPr>
+          </a:p>
+        </p:txBody>
+      </p:sp>
+      <p:sp>
+        <p:nvSpPr>
+          <p:cNvPr id="10889" name="OTLSHAPE_T_dc59864a8fe6461f93f8543967c3a710_ShapePercentage" hidden="1"/>
+          <p:cNvSpPr/>
+          <p:nvPr>
+            <p:custDataLst>
+              <p:tags r:id="rId91"/>
+            </p:custDataLst>
+          </p:nvPr>
+        </p:nvSpPr>
+        <p:spPr>
+          <a:xfrm>
+            <a:off x="7500779" y="4359275"/>
+            <a:ext cx="0" cy="0"/>
+          </a:xfrm>
+          <a:prstGeom prst="chevron">
+            <a:avLst/>
+          </a:prstGeom>
+        </p:spPr>
+        <p:style>
+          <a:lnRef idx="2">
+            <a:schemeClr val="accent1">
+              <a:shade val="50000"/>
+            </a:schemeClr>
+          </a:lnRef>
+          <a:fillRef idx="1">
+            <a:schemeClr val="accent1"/>
+          </a:fillRef>
+          <a:effectRef idx="0">
+            <a:schemeClr val="accent1"/>
+          </a:effectRef>
+          <a:fontRef idx="minor">
+            <a:schemeClr val="lt1"/>
+          </a:fontRef>
+        </p:style>
+        <p:txBody>
+          <a:bodyPr rtlCol="0" anchor="ctr"/>
+          <a:lstStyle/>
+          <a:p>
+            <a:pPr algn="ctr"/>
+            <a:endParaRPr lang="en-US">
+              <a:solidFill>
+                <a:schemeClr val="tx1"/>
+              </a:solidFill>
+            </a:endParaRPr>
+          </a:p>
+        </p:txBody>
+      </p:sp>
+      <p:sp>
+        <p:nvSpPr>
+          <p:cNvPr id="10890" name="OTLSHAPE_T_dc59864a8fe6461f93f8543967c3a710_Duration" hidden="1"/>
+          <p:cNvSpPr txBox="1"/>
+          <p:nvPr>
+            <p:custDataLst>
+              <p:tags r:id="rId92"/>
+            </p:custDataLst>
+          </p:nvPr>
+        </p:nvSpPr>
+        <p:spPr>
+          <a:xfrm>
+            <a:off x="0" y="4359275"/>
+            <a:ext cx="279400" cy="155025"/>
+          </a:xfrm>
+          <a:prstGeom prst="rect">
+            <a:avLst/>
+          </a:prstGeom>
+          <a:noFill/>
+        </p:spPr>
+        <p:txBody>
+          <a:bodyPr vert="horz" wrap="square" lIns="0" tIns="0" rIns="0" bIns="0" rtlCol="0" anchor="ctr" anchorCtr="0">
+            <a:spAutoFit/>
+          </a:bodyPr>
+          <a:lstStyle/>
+          <a:p>
+            <a:pPr algn="ctr"/>
+            <a:r>
+              <a:rPr lang="en-US" sz="1000">
+                <a:solidFill>
+                  <a:schemeClr val="accent2"/>
+                </a:solidFill>
+                <a:latin typeface="Calibri" panose="020F0502020204030204" pitchFamily="34" charset="0"/>
+              </a:rPr>
+              <a:t>1 day</a:t>
+            </a:r>
+          </a:p>
+        </p:txBody>
+      </p:sp>
+      <p:sp>
+        <p:nvSpPr>
+          <p:cNvPr id="10891" name="OTLSHAPE_T_dc59864a8fe6461f93f8543967c3a710_TextPercentage" hidden="1"/>
+          <p:cNvSpPr txBox="1"/>
+          <p:nvPr>
+            <p:custDataLst>
+              <p:tags r:id="rId93"/>
+            </p:custDataLst>
+          </p:nvPr>
+        </p:nvSpPr>
+        <p:spPr>
+          <a:xfrm>
+            <a:off x="0" y="4514300"/>
+            <a:ext cx="0" cy="153888"/>
+          </a:xfrm>
+          <a:prstGeom prst="rect">
+            <a:avLst/>
+          </a:prstGeom>
+          <a:noFill/>
+        </p:spPr>
+        <p:txBody>
+          <a:bodyPr vert="horz" wrap="square" lIns="0" tIns="0" rIns="0" bIns="0" rtlCol="0" anchor="ctr" anchorCtr="0">
+            <a:spAutoFit/>
+          </a:bodyPr>
+          <a:lstStyle/>
+          <a:p>
+            <a:pPr algn="ctr"/>
+            <a:endParaRPr lang="en-US" sz="1000">
+              <a:solidFill>
+                <a:srgbClr val="C0504D"/>
+              </a:solidFill>
+              <a:latin typeface="Calibri" panose="020F0502020204030204" pitchFamily="34" charset="0"/>
+            </a:endParaRPr>
+          </a:p>
+        </p:txBody>
+      </p:sp>
+      <p:sp>
+        <p:nvSpPr>
+          <p:cNvPr id="10892" name="OTLSHAPE_T_dc59864a8fe6461f93f8543967c3a710_StartDate" hidden="1"/>
+          <p:cNvSpPr txBox="1"/>
+          <p:nvPr>
+            <p:custDataLst>
+              <p:tags r:id="rId94"/>
+            </p:custDataLst>
+          </p:nvPr>
+        </p:nvSpPr>
+        <p:spPr>
+          <a:xfrm>
+            <a:off x="0" y="4514300"/>
+            <a:ext cx="0" cy="92333"/>
+          </a:xfrm>
+          <a:prstGeom prst="rect">
+            <a:avLst/>
+          </a:prstGeom>
+          <a:noFill/>
+        </p:spPr>
+        <p:txBody>
+          <a:bodyPr vert="horz" wrap="square" lIns="0" tIns="0" rIns="0" bIns="0" rtlCol="0" anchor="ctr" anchorCtr="0">
+            <a:spAutoFit/>
+          </a:bodyPr>
+          <a:lstStyle/>
+          <a:p>
+            <a:pPr algn="ctr"/>
+            <a:endParaRPr lang="en-US" sz="600">
+              <a:solidFill>
+                <a:srgbClr val="BFBFBF"/>
+              </a:solidFill>
+              <a:latin typeface="Calibri" panose="020F0502020204030204" pitchFamily="34" charset="0"/>
+            </a:endParaRPr>
+          </a:p>
+        </p:txBody>
+      </p:sp>
+      <p:sp>
+        <p:nvSpPr>
+          <p:cNvPr id="10893" name="OTLSHAPE_T_dc59864a8fe6461f93f8543967c3a710_EndDate" hidden="1"/>
+          <p:cNvSpPr txBox="1"/>
+          <p:nvPr>
+            <p:custDataLst>
+              <p:tags r:id="rId95"/>
+            </p:custDataLst>
+          </p:nvPr>
+        </p:nvSpPr>
+        <p:spPr>
+          <a:xfrm>
+            <a:off x="0" y="4514300"/>
+            <a:ext cx="0" cy="92333"/>
+          </a:xfrm>
+          <a:prstGeom prst="rect">
+            <a:avLst/>
+          </a:prstGeom>
+          <a:noFill/>
+        </p:spPr>
+        <p:txBody>
+          <a:bodyPr vert="horz" wrap="square" lIns="0" tIns="0" rIns="0" bIns="0" rtlCol="0" anchor="ctr" anchorCtr="0">
+            <a:spAutoFit/>
+          </a:bodyPr>
+          <a:lstStyle/>
+          <a:p>
+            <a:pPr algn="ctr"/>
+            <a:endParaRPr lang="en-US" sz="600">
+              <a:solidFill>
+                <a:srgbClr val="BFBFBF"/>
+              </a:solidFill>
+              <a:latin typeface="Calibri" panose="020F0502020204030204" pitchFamily="34" charset="0"/>
+            </a:endParaRPr>
+          </a:p>
+        </p:txBody>
+      </p:sp>
+      <p:cxnSp>
+        <p:nvCxnSpPr>
+          <p:cNvPr id="29" name="OTLSHAPE_T_a1fe2df1afb74a24b48db95b6b338bf9_RightVerticalConnector3"/>
+          <p:cNvCxnSpPr>
+            <a:cxnSpLocks/>
+            <a:stCxn id="10848" idx="7"/>
+          </p:cNvCxnSpPr>
+          <p:nvPr>
+            <p:custDataLst>
+              <p:tags r:id="rId96"/>
+            </p:custDataLst>
+          </p:nvPr>
+        </p:nvCxnSpPr>
+        <p:spPr>
+          <a:xfrm flipH="1">
+            <a:off x="6984667" y="1788283"/>
+            <a:ext cx="42502" cy="2873066"/>
+          </a:xfrm>
+          <a:prstGeom prst="line">
+            <a:avLst/>
+          </a:prstGeom>
+          <a:ln w="9525" cap="flat" cmpd="sng" algn="ctr">
+            <a:solidFill>
+              <a:schemeClr val="accent1"/>
+            </a:solidFill>
+            <a:prstDash val="solid"/>
+            <a:miter lim="800000"/>
+            <a:headEnd type="none" w="med" len="med"/>
+            <a:tailEnd type="none" w="med" len="med"/>
+          </a:ln>
+        </p:spPr>
+        <p:style>
+          <a:lnRef idx="1">
+            <a:schemeClr val="accent1"/>
+          </a:lnRef>
+          <a:fillRef idx="0">
+            <a:schemeClr val="accent1"/>
+          </a:fillRef>
+          <a:effectRef idx="0">
+            <a:schemeClr val="accent1"/>
+          </a:effectRef>
+          <a:fontRef idx="minor">
+            <a:schemeClr val="tx1"/>
+          </a:fontRef>
+        </p:style>
+      </p:cxnSp>
+      <p:cxnSp>
+        <p:nvCxnSpPr>
+          <p:cNvPr id="24" name="OTLSHAPE_T_834636e32cff480d8a852ae191fc6842_RightVerticalConnector2"/>
+          <p:cNvCxnSpPr>
+            <a:cxnSpLocks/>
+            <a:stCxn id="10724" idx="7"/>
+          </p:cNvCxnSpPr>
+          <p:nvPr>
+            <p:custDataLst>
+              <p:tags r:id="rId97"/>
+            </p:custDataLst>
+          </p:nvPr>
+        </p:nvCxnSpPr>
+        <p:spPr>
+          <a:xfrm>
+            <a:off x="4571634" y="1788283"/>
+            <a:ext cx="0" cy="2873066"/>
+          </a:xfrm>
+          <a:prstGeom prst="line">
+            <a:avLst/>
+          </a:prstGeom>
+          <a:ln w="9525" cap="flat" cmpd="sng" algn="ctr">
+            <a:solidFill>
+              <a:schemeClr val="accent2"/>
+            </a:solidFill>
+            <a:prstDash val="solid"/>
+            <a:miter lim="800000"/>
+            <a:headEnd type="none" w="med" len="med"/>
+            <a:tailEnd type="none" w="med" len="med"/>
+          </a:ln>
+        </p:spPr>
+        <p:style>
+          <a:lnRef idx="1">
+            <a:schemeClr val="accent1"/>
+          </a:lnRef>
+          <a:fillRef idx="0">
+            <a:schemeClr val="accent1"/>
+          </a:fillRef>
+          <a:effectRef idx="0">
+            <a:schemeClr val="accent1"/>
+          </a:effectRef>
+          <a:fontRef idx="minor">
+            <a:schemeClr val="tx1"/>
+          </a:fontRef>
+        </p:style>
+      </p:cxnSp>
+      <p:cxnSp>
+        <p:nvCxnSpPr>
+          <p:cNvPr id="20" name="OTLSHAPE_T_2508efa28ff349da8bc6837b0c12f3f2_RightVerticalConnector2"/>
+          <p:cNvCxnSpPr>
+            <a:cxnSpLocks/>
+            <a:stCxn id="10724" idx="3"/>
+          </p:cNvCxnSpPr>
+          <p:nvPr>
+            <p:custDataLst>
+              <p:tags r:id="rId98"/>
+            </p:custDataLst>
+          </p:nvPr>
+        </p:nvCxnSpPr>
+        <p:spPr>
+          <a:xfrm>
+            <a:off x="2450135" y="1788283"/>
+            <a:ext cx="0" cy="2889217"/>
+          </a:xfrm>
+          <a:prstGeom prst="line">
+            <a:avLst/>
+          </a:prstGeom>
+          <a:ln w="9525" cap="flat" cmpd="sng" algn="ctr">
+            <a:solidFill>
+              <a:schemeClr val="accent6"/>
+            </a:solidFill>
+            <a:prstDash val="solid"/>
+            <a:miter lim="800000"/>
+            <a:headEnd type="none" w="med" len="med"/>
+            <a:tailEnd type="none" w="med" len="med"/>
+          </a:ln>
+        </p:spPr>
+        <p:style>
+          <a:lnRef idx="1">
+            <a:schemeClr val="accent1"/>
+          </a:lnRef>
+          <a:fillRef idx="0">
+            <a:schemeClr val="accent1"/>
+          </a:fillRef>
+          <a:effectRef idx="0">
+            <a:schemeClr val="accent1"/>
+          </a:effectRef>
+          <a:fontRef idx="minor">
+            <a:schemeClr val="tx1"/>
+          </a:fontRef>
+        </p:style>
+      </p:cxnSp>
+      <p:cxnSp>
+        <p:nvCxnSpPr>
+          <p:cNvPr id="18" name="OTLSHAPE_T_2508efa28ff349da8bc6837b0c12f3f2_LeftVerticalConnector2"/>
+          <p:cNvCxnSpPr>
+            <a:cxnSpLocks/>
+            <a:stCxn id="10809" idx="3"/>
+          </p:cNvCxnSpPr>
+          <p:nvPr>
+            <p:custDataLst>
+              <p:tags r:id="rId99"/>
+            </p:custDataLst>
+          </p:nvPr>
+        </p:nvCxnSpPr>
+        <p:spPr>
+          <a:xfrm>
+            <a:off x="254126" y="1788283"/>
+            <a:ext cx="0" cy="2889217"/>
+          </a:xfrm>
+          <a:prstGeom prst="line">
+            <a:avLst/>
+          </a:prstGeom>
+          <a:ln w="9525" cap="flat" cmpd="sng" algn="ctr">
+            <a:solidFill>
+              <a:schemeClr val="accent6"/>
+            </a:solidFill>
+            <a:prstDash val="solid"/>
+            <a:miter lim="800000"/>
+            <a:headEnd type="none" w="med" len="med"/>
+            <a:tailEnd type="none" w="med" len="med"/>
+          </a:ln>
+        </p:spPr>
+        <p:style>
+          <a:lnRef idx="1">
+            <a:schemeClr val="accent1"/>
+          </a:lnRef>
+          <a:fillRef idx="0">
+            <a:schemeClr val="accent1"/>
+          </a:fillRef>
+          <a:effectRef idx="0">
+            <a:schemeClr val="accent1"/>
+          </a:effectRef>
+          <a:fontRef idx="minor">
+            <a:schemeClr val="tx1"/>
+          </a:fontRef>
+        </p:style>
+      </p:cxnSp>
+      <p:sp>
+        <p:nvSpPr>
+          <p:cNvPr id="4" name="OTLSHAPE_TB_00000000000000000000000000000000_ScaleContainer"/>
+          <p:cNvSpPr/>
+          <p:nvPr>
+            <p:custDataLst>
+              <p:tags r:id="rId100"/>
+            </p:custDataLst>
+          </p:nvPr>
+        </p:nvSpPr>
+        <p:spPr>
+          <a:xfrm>
+            <a:off x="96483" y="4682791"/>
+            <a:ext cx="8975327" cy="254000"/>
+          </a:xfrm>
+          <a:prstGeom prst="roundRect">
+            <a:avLst/>
+          </a:prstGeom>
+          <a:gradFill flip="none" rotWithShape="1">
+            <a:gsLst>
+              <a:gs pos="0">
+                <a:srgbClr val="44546A"/>
+              </a:gs>
+              <a:gs pos="100000">
+                <a:srgbClr val="52667F"/>
+              </a:gs>
+            </a:gsLst>
+            <a:lin ang="5400000" scaled="1"/>
+            <a:tileRect/>
+          </a:gradFill>
+          <a:ln w="12700" cap="flat" cmpd="sng" algn="ctr">
+            <a:noFill/>
+            <a:prstDash val="solid"/>
+            <a:miter lim="800000"/>
+          </a:ln>
+          <a:effectLst>
+            <a:reflection blurRad="6350" stA="50000" endA="300" endPos="55500" dist="50800" dir="5400000" sy="-100000" algn="bl" rotWithShape="0"/>
+          </a:effectLst>
+          <a:scene3d>
+            <a:camera prst="orthographicFront"/>
+            <a:lightRig rig="threePt" dir="t">
+              <a:rot lat="0" lon="0" rev="8700000"/>
+            </a:lightRig>
+          </a:scene3d>
+          <a:sp3d>
+            <a:bevelT w="165100" h="19050"/>
+          </a:sp3d>
+          <a:extLst>
+            <a:ext uri="{91240B29-F687-4F45-9708-019B960494DF}">
+              <a14:hiddenLine xmlns:a14="http://schemas.microsoft.com/office/drawing/2010/main" w="12700" cap="flat" cmpd="sng" algn="ctr">
+                <a:solidFill>
+                  <a:schemeClr val="accent1">
+                    <a:shade val="50000"/>
+                  </a:schemeClr>
+                </a:solidFill>
+                <a:prstDash val="solid"/>
+                <a:miter lim="800000"/>
+              </a14:hiddenLine>
+            </a:ext>
+          </a:extLst>
+        </p:spPr>
+        <p:style>
+          <a:lnRef idx="2">
+            <a:schemeClr val="accent1">
+              <a:shade val="50000"/>
+            </a:schemeClr>
+          </a:lnRef>
+          <a:fillRef idx="1">
+            <a:schemeClr val="accent1"/>
+          </a:fillRef>
+          <a:effectRef idx="0">
+            <a:schemeClr val="accent1"/>
+          </a:effectRef>
+          <a:fontRef idx="minor">
+            <a:schemeClr val="lt1"/>
+          </a:fontRef>
+        </p:style>
+        <p:txBody>
+          <a:bodyPr rtlCol="0" anchor="ctr"/>
+          <a:lstStyle/>
+          <a:p>
+            <a:pPr algn="ctr"/>
+            <a:endParaRPr lang="en-US" sz="1400" dirty="0"/>
+          </a:p>
+        </p:txBody>
+      </p:sp>
+      <p:sp>
+        <p:nvSpPr>
+          <p:cNvPr id="8" name="OTLSHAPE_TB_00000000000000000000000000000000_TimescaleInterval1"/>
+          <p:cNvSpPr txBox="1"/>
+          <p:nvPr>
+            <p:custDataLst>
+              <p:tags r:id="rId101"/>
+            </p:custDataLst>
+          </p:nvPr>
+        </p:nvSpPr>
+        <p:spPr>
+          <a:xfrm>
+            <a:off x="160585" y="4733760"/>
+            <a:ext cx="355600" cy="139531"/>
+          </a:xfrm>
+          <a:prstGeom prst="rect">
+            <a:avLst/>
+          </a:prstGeom>
+          <a:noFill/>
+        </p:spPr>
+        <p:txBody>
+          <a:bodyPr vert="horz" wrap="none" lIns="0" tIns="0" rIns="0" bIns="0" rtlCol="0" anchor="ctr" anchorCtr="0">
+            <a:noAutofit/>
+          </a:bodyPr>
+          <a:lstStyle/>
+          <a:p>
+            <a:r>
+              <a:rPr lang="en-US" sz="1400" spc="-6" dirty="0">
+                <a:solidFill>
+                  <a:schemeClr val="lt1"/>
+                </a:solidFill>
+                <a:latin typeface="Calibri" panose="020F0502020204030204" pitchFamily="34" charset="0"/>
+              </a:rPr>
+              <a:t>7/9</a:t>
+            </a:r>
+          </a:p>
+        </p:txBody>
+      </p:sp>
+      <p:sp>
+        <p:nvSpPr>
+          <p:cNvPr id="16" name="OTLSHAPE_TB_00000000000000000000000000000000_ScaleMarking1"/>
+          <p:cNvSpPr txBox="1"/>
+          <p:nvPr>
+            <p:custDataLst>
+              <p:tags r:id="rId102"/>
+            </p:custDataLst>
+          </p:nvPr>
+        </p:nvSpPr>
+        <p:spPr>
+          <a:xfrm>
+            <a:off x="0" y="4995866"/>
+            <a:ext cx="230832" cy="499126"/>
+          </a:xfrm>
+          <a:prstGeom prst="rect">
+            <a:avLst/>
+          </a:prstGeom>
+          <a:noFill/>
+        </p:spPr>
+        <p:txBody>
+          <a:bodyPr vert="horz" wrap="none" lIns="0" tIns="0" rIns="0" bIns="0" rtlCol="0" anchor="ctr" anchorCtr="0">
+            <a:noAutofit/>
+          </a:bodyPr>
+          <a:lstStyle/>
+          <a:p>
+            <a:r>
+              <a:rPr lang="en-US" sz="1200" dirty="0">
+                <a:solidFill>
+                  <a:schemeClr val="dk2"/>
+                </a:solidFill>
+                <a:latin typeface="Calibri" panose="020F0502020204030204" pitchFamily="34" charset="0"/>
+              </a:rPr>
+              <a:t>2018 July</a:t>
+            </a:r>
+          </a:p>
+        </p:txBody>
+      </p:sp>
+      <p:sp>
+        <p:nvSpPr>
+          <p:cNvPr id="10795" name="OTLSHAPE_M_ce49b461dada4b4ba8016f97c5d69120_Date"/>
+          <p:cNvSpPr txBox="1"/>
+          <p:nvPr>
+            <p:custDataLst>
+              <p:tags r:id="rId103"/>
+            </p:custDataLst>
+          </p:nvPr>
+        </p:nvSpPr>
+        <p:spPr>
+          <a:xfrm>
+            <a:off x="1857750" y="5551908"/>
+            <a:ext cx="381000" cy="108500"/>
+          </a:xfrm>
+          <a:prstGeom prst="rect">
+            <a:avLst/>
+          </a:prstGeom>
+          <a:noFill/>
+        </p:spPr>
+        <p:txBody>
+          <a:bodyPr vert="horz" wrap="square" lIns="0" tIns="0" rIns="0" bIns="0" rtlCol="0" anchor="ctr" anchorCtr="0">
+            <a:noAutofit/>
+          </a:bodyPr>
+          <a:lstStyle/>
+          <a:p>
+            <a:pPr algn="ctr"/>
+            <a:r>
+              <a:rPr lang="en-US" sz="1200" spc="-2" dirty="0">
+                <a:solidFill>
+                  <a:schemeClr val="accent3"/>
+                </a:solidFill>
+                <a:latin typeface="Calibri" panose="020F0502020204030204" pitchFamily="34" charset="0"/>
+              </a:rPr>
+              <a:t>7/13</a:t>
+            </a:r>
+          </a:p>
+        </p:txBody>
+      </p:sp>
+      <p:sp>
+        <p:nvSpPr>
+          <p:cNvPr id="10796" name="OTLSHAPE_M_ce49b461dada4b4ba8016f97c5d69120_Shape"/>
+          <p:cNvSpPr/>
+          <p:nvPr>
+            <p:custDataLst>
+              <p:tags r:id="rId104"/>
+            </p:custDataLst>
+          </p:nvPr>
+        </p:nvSpPr>
+        <p:spPr>
+          <a:xfrm>
+            <a:off x="4501240" y="4470849"/>
+            <a:ext cx="177800" cy="190500"/>
+          </a:xfrm>
+          <a:prstGeom prst="star5">
+            <a:avLst>
+              <a:gd name="adj" fmla="val 25000"/>
+              <a:gd name="hf" fmla="val 105146"/>
+              <a:gd name="vf" fmla="val 110557"/>
+            </a:avLst>
+          </a:prstGeom>
+          <a:solidFill>
+            <a:schemeClr val="accent4"/>
+          </a:solidFill>
+          <a:ln w="12700" cap="flat" cmpd="sng" algn="ctr">
+            <a:noFill/>
+            <a:prstDash val="solid"/>
+            <a:miter lim="800000"/>
+          </a:ln>
+          <a:effectLst/>
+          <a:scene3d>
+            <a:camera prst="orthographicFront"/>
+            <a:lightRig rig="threePt" dir="t"/>
+          </a:scene3d>
+          <a:sp3d>
+            <a:bevelT h="12700"/>
+          </a:sp3d>
+          <a:extLst>
+            <a:ext uri="{91240B29-F687-4F45-9708-019B960494DF}">
+              <a14:hiddenLine xmlns:a14="http://schemas.microsoft.com/office/drawing/2010/main" w="12700" cap="flat" cmpd="sng" algn="ctr">
+                <a:solidFill>
+                  <a:schemeClr val="accent1">
+                    <a:shade val="50000"/>
+                  </a:schemeClr>
+                </a:solidFill>
+                <a:prstDash val="solid"/>
+                <a:miter lim="800000"/>
+              </a14:hiddenLine>
+            </a:ext>
+            <a:ext uri="{AF507438-7753-43E0-B8FC-AC1667EBCBE1}">
+              <a14:hiddenEffects xmlns:a14="http://schemas.microsoft.com/office/drawing/2010/main">
+                <a:effectLst>
+                  <a:outerShdw>
+                    <a:scrgbClr r="0" g="0" b="0">
+                      <a:alpha val="50000"/>
+                    </a:scrgbClr>
+                  </a:outerShdw>
+                </a:effectLst>
+              </a14:hiddenEffects>
+            </a:ext>
+            <a:ext uri="{53640926-AAD7-44D8-BBD7-CCE9431645EC}">
+              <a14:shadowObscured xmlns:a14="http://schemas.microsoft.com/office/drawing/2010/main" val="1"/>
+            </a:ext>
+          </a:extLst>
+        </p:spPr>
+        <p:style>
+          <a:lnRef idx="2">
+            <a:schemeClr val="accent1">
+              <a:shade val="50000"/>
+            </a:schemeClr>
+          </a:lnRef>
+          <a:fillRef idx="1">
+            <a:schemeClr val="accent1"/>
+          </a:fillRef>
+          <a:effectRef idx="0">
+            <a:schemeClr val="accent1"/>
+          </a:effectRef>
+          <a:fontRef idx="minor">
+            <a:schemeClr val="lt1"/>
+          </a:fontRef>
+        </p:style>
+        <p:txBody>
+          <a:bodyPr rtlCol="0" anchor="ctr"/>
+          <a:lstStyle/>
+          <a:p>
+            <a:pPr algn="ctr"/>
+            <a:endParaRPr lang="en-US" sz="1400"/>
+          </a:p>
+        </p:txBody>
+      </p:sp>
+      <p:sp>
+        <p:nvSpPr>
+          <p:cNvPr id="10797" name="OTLSHAPE_M_ff7decb6e0db4851ac77cc8902440007_Title"/>
+          <p:cNvSpPr txBox="1"/>
+          <p:nvPr>
+            <p:custDataLst>
+              <p:tags r:id="rId105"/>
+            </p:custDataLst>
+          </p:nvPr>
+        </p:nvSpPr>
+        <p:spPr>
+          <a:xfrm>
+            <a:off x="1447246" y="5168507"/>
+            <a:ext cx="1269575" cy="313628"/>
+          </a:xfrm>
+          <a:prstGeom prst="rect">
+            <a:avLst/>
+          </a:prstGeom>
+          <a:noFill/>
+        </p:spPr>
+        <p:txBody>
+          <a:bodyPr vert="horz" wrap="square" lIns="0" tIns="0" rIns="0" bIns="0" rtlCol="0" anchor="ctr" anchorCtr="0">
+            <a:noAutofit/>
+          </a:bodyPr>
+          <a:lstStyle/>
+          <a:p>
+            <a:pPr algn="ctr"/>
+            <a:r>
+              <a:rPr lang="en-US" sz="1200" b="1" dirty="0">
+                <a:solidFill>
+                  <a:schemeClr val="dk1"/>
+                </a:solidFill>
+                <a:latin typeface="Calibri" panose="020F0502020204030204" pitchFamily="34" charset="0"/>
+              </a:rPr>
+              <a:t>Rework</a:t>
+            </a:r>
+          </a:p>
+          <a:p>
+            <a:pPr algn="ctr"/>
+            <a:r>
+              <a:rPr lang="en-US" sz="1200" b="1" dirty="0">
+                <a:solidFill>
+                  <a:schemeClr val="dk1"/>
+                </a:solidFill>
+                <a:latin typeface="Calibri" panose="020F0502020204030204" pitchFamily="34" charset="0"/>
+              </a:rPr>
+              <a:t> complete</a:t>
+            </a:r>
+          </a:p>
+        </p:txBody>
+      </p:sp>
+      <p:sp>
+        <p:nvSpPr>
+          <p:cNvPr id="10799" name="OTLSHAPE_M_ff7decb6e0db4851ac77cc8902440007_Shape"/>
+          <p:cNvSpPr/>
+          <p:nvPr>
+            <p:custDataLst>
+              <p:tags r:id="rId106"/>
+            </p:custDataLst>
+          </p:nvPr>
+        </p:nvSpPr>
+        <p:spPr>
+          <a:xfrm rot="5400000">
+            <a:off x="1993134" y="4977002"/>
+            <a:ext cx="177800" cy="190500"/>
+          </a:xfrm>
+          <a:prstGeom prst="diamond">
+            <a:avLst/>
+          </a:prstGeom>
+          <a:solidFill>
+            <a:srgbClr val="92D050"/>
+          </a:solidFill>
+          <a:ln w="12700" cap="flat" cmpd="sng" algn="ctr">
+            <a:noFill/>
+            <a:prstDash val="solid"/>
+            <a:miter lim="800000"/>
+          </a:ln>
+          <a:effectLst/>
+          <a:scene3d>
+            <a:camera prst="orthographicFront"/>
+            <a:lightRig rig="threePt" dir="t"/>
+          </a:scene3d>
+          <a:sp3d>
+            <a:bevelT h="12700"/>
+          </a:sp3d>
+          <a:extLst>
+            <a:ext uri="{53640926-AAD7-44D8-BBD7-CCE9431645EC}">
+              <a14:shadowObscured xmlns:a14="http://schemas.microsoft.com/office/drawing/2010/main" val="1"/>
+            </a:ext>
+          </a:extLst>
+        </p:spPr>
+        <p:style>
+          <a:lnRef idx="2">
+            <a:schemeClr val="accent1">
+              <a:shade val="50000"/>
+            </a:schemeClr>
+          </a:lnRef>
+          <a:fillRef idx="1">
+            <a:schemeClr val="accent1"/>
+          </a:fillRef>
+          <a:effectRef idx="0">
+            <a:schemeClr val="accent1"/>
+          </a:effectRef>
+          <a:fontRef idx="minor">
+            <a:schemeClr val="lt1"/>
+          </a:fontRef>
+        </p:style>
+        <p:txBody>
+          <a:bodyPr rtlCol="0" anchor="ctr"/>
+          <a:lstStyle/>
+          <a:p>
+            <a:pPr algn="ctr"/>
+            <a:endParaRPr lang="en-US"/>
+          </a:p>
+        </p:txBody>
+      </p:sp>
+      <p:sp>
+        <p:nvSpPr>
+          <p:cNvPr id="10800" name="OTLSHAPE_M_9438b85ee1f54061980733bd47489094_Title"/>
+          <p:cNvSpPr txBox="1"/>
+          <p:nvPr>
+            <p:custDataLst>
+              <p:tags r:id="rId107"/>
+            </p:custDataLst>
+          </p:nvPr>
+        </p:nvSpPr>
+        <p:spPr>
+          <a:xfrm>
+            <a:off x="2861624" y="5311617"/>
+            <a:ext cx="1482179" cy="45719"/>
+          </a:xfrm>
+          <a:prstGeom prst="rect">
+            <a:avLst/>
+          </a:prstGeom>
+          <a:noFill/>
+        </p:spPr>
+        <p:txBody>
+          <a:bodyPr vert="horz" wrap="square" lIns="0" tIns="0" rIns="0" bIns="0" rtlCol="0" anchor="ctr" anchorCtr="0">
+            <a:noAutofit/>
+          </a:bodyPr>
+          <a:lstStyle/>
+          <a:p>
+            <a:pPr algn="ctr"/>
+            <a:r>
+              <a:rPr lang="en-US" sz="1200" b="1" dirty="0">
+                <a:solidFill>
+                  <a:schemeClr val="dk1"/>
+                </a:solidFill>
+                <a:latin typeface="Calibri" panose="020F0502020204030204" pitchFamily="34" charset="0"/>
+              </a:rPr>
+              <a:t>Unit test </a:t>
+            </a:r>
+          </a:p>
+          <a:p>
+            <a:pPr algn="ctr"/>
+            <a:r>
+              <a:rPr lang="en-US" sz="1200" b="1" dirty="0">
+                <a:solidFill>
+                  <a:schemeClr val="dk1"/>
+                </a:solidFill>
+                <a:latin typeface="Calibri" panose="020F0502020204030204" pitchFamily="34" charset="0"/>
+              </a:rPr>
+              <a:t>Complete</a:t>
+            </a:r>
+          </a:p>
+        </p:txBody>
+      </p:sp>
+      <p:sp>
+        <p:nvSpPr>
+          <p:cNvPr id="10802" name="OTLSHAPE_M_9438b85ee1f54061980733bd47489094_Shape"/>
+          <p:cNvSpPr/>
+          <p:nvPr>
+            <p:custDataLst>
+              <p:tags r:id="rId108"/>
+            </p:custDataLst>
+          </p:nvPr>
+        </p:nvSpPr>
+        <p:spPr>
+          <a:xfrm>
+            <a:off x="3543909" y="4977002"/>
+            <a:ext cx="177800" cy="190500"/>
+          </a:xfrm>
+          <a:prstGeom prst="diamond">
+            <a:avLst/>
+          </a:prstGeom>
+          <a:solidFill>
+            <a:schemeClr val="accent2"/>
+          </a:solidFill>
+          <a:ln w="12700" cap="flat" cmpd="sng" algn="ctr">
+            <a:noFill/>
+            <a:prstDash val="solid"/>
+            <a:miter lim="800000"/>
+          </a:ln>
+          <a:effectLst/>
+          <a:scene3d>
+            <a:camera prst="orthographicFront"/>
+            <a:lightRig rig="threePt" dir="t"/>
+          </a:scene3d>
+          <a:sp3d>
+            <a:bevelT h="12700"/>
+          </a:sp3d>
+          <a:extLst>
+            <a:ext uri="{91240B29-F687-4F45-9708-019B960494DF}">
+              <a14:hiddenLine xmlns:a14="http://schemas.microsoft.com/office/drawing/2010/main" w="12700" cap="flat" cmpd="sng" algn="ctr">
+                <a:solidFill>
+                  <a:schemeClr val="accent1">
+                    <a:shade val="50000"/>
+                  </a:schemeClr>
+                </a:solidFill>
+                <a:prstDash val="solid"/>
+                <a:miter lim="800000"/>
+              </a14:hiddenLine>
+            </a:ext>
+            <a:ext uri="{AF507438-7753-43E0-B8FC-AC1667EBCBE1}">
+              <a14:hiddenEffects xmlns:a14="http://schemas.microsoft.com/office/drawing/2010/main">
+                <a:effectLst>
+                  <a:outerShdw>
+                    <a:scrgbClr r="0" g="0" b="0">
+                      <a:alpha val="50000"/>
+                    </a:scrgbClr>
+                  </a:outerShdw>
+                </a:effectLst>
+              </a14:hiddenEffects>
+            </a:ext>
+            <a:ext uri="{53640926-AAD7-44D8-BBD7-CCE9431645EC}">
+              <a14:shadowObscured xmlns:a14="http://schemas.microsoft.com/office/drawing/2010/main" val="1"/>
+            </a:ext>
+          </a:extLst>
+        </p:spPr>
+        <p:style>
+          <a:lnRef idx="2">
+            <a:schemeClr val="accent1">
+              <a:shade val="50000"/>
+            </a:schemeClr>
+          </a:lnRef>
+          <a:fillRef idx="1">
+            <a:schemeClr val="accent1"/>
+          </a:fillRef>
+          <a:effectRef idx="0">
+            <a:schemeClr val="accent1"/>
+          </a:effectRef>
+          <a:fontRef idx="minor">
+            <a:schemeClr val="lt1"/>
+          </a:fontRef>
+        </p:style>
+        <p:txBody>
+          <a:bodyPr rtlCol="0" anchor="ctr"/>
+          <a:lstStyle/>
+          <a:p>
+            <a:pPr algn="ctr"/>
+            <a:endParaRPr lang="en-US"/>
+          </a:p>
+        </p:txBody>
+      </p:sp>
+      <p:sp>
+        <p:nvSpPr>
+          <p:cNvPr id="10803" name="OTLSHAPE_M_d655f089477b436facc530480eae84e5_Title"/>
+          <p:cNvSpPr txBox="1"/>
+          <p:nvPr>
+            <p:custDataLst>
+              <p:tags r:id="rId109"/>
+            </p:custDataLst>
+          </p:nvPr>
+        </p:nvSpPr>
+        <p:spPr>
+          <a:xfrm>
+            <a:off x="5324133" y="5251164"/>
+            <a:ext cx="1438729" cy="137718"/>
+          </a:xfrm>
+          <a:prstGeom prst="rect">
+            <a:avLst/>
+          </a:prstGeom>
+          <a:noFill/>
+        </p:spPr>
+        <p:txBody>
+          <a:bodyPr vert="horz" wrap="square" lIns="0" tIns="0" rIns="0" bIns="0" rtlCol="0" anchor="ctr" anchorCtr="0">
+            <a:noAutofit/>
+          </a:bodyPr>
+          <a:lstStyle/>
+          <a:p>
+            <a:pPr algn="ctr"/>
+            <a:r>
+              <a:rPr lang="en-US" sz="1200" b="1" dirty="0">
+                <a:solidFill>
+                  <a:schemeClr val="dk1"/>
+                </a:solidFill>
+                <a:latin typeface="Calibri" panose="020F0502020204030204" pitchFamily="34" charset="0"/>
+              </a:rPr>
+              <a:t>System test</a:t>
+            </a:r>
+          </a:p>
+          <a:p>
+            <a:pPr algn="ctr"/>
+            <a:r>
+              <a:rPr lang="en-US" sz="1200" b="1" dirty="0">
+                <a:solidFill>
+                  <a:schemeClr val="dk1"/>
+                </a:solidFill>
+                <a:latin typeface="Calibri" panose="020F0502020204030204" pitchFamily="34" charset="0"/>
+              </a:rPr>
+              <a:t>Complete</a:t>
+            </a:r>
+          </a:p>
+        </p:txBody>
+      </p:sp>
+      <p:sp>
+        <p:nvSpPr>
+          <p:cNvPr id="10805" name="OTLSHAPE_M_d655f089477b436facc530480eae84e5_Shape"/>
+          <p:cNvSpPr/>
+          <p:nvPr>
+            <p:custDataLst>
+              <p:tags r:id="rId110"/>
+            </p:custDataLst>
+          </p:nvPr>
+        </p:nvSpPr>
+        <p:spPr>
+          <a:xfrm>
+            <a:off x="5958007" y="4977002"/>
+            <a:ext cx="177800" cy="190500"/>
+          </a:xfrm>
+          <a:prstGeom prst="diamond">
+            <a:avLst/>
+          </a:prstGeom>
+          <a:solidFill>
+            <a:srgbClr val="B20E12"/>
+          </a:solidFill>
+          <a:ln w="12700" cap="flat" cmpd="sng" algn="ctr">
+            <a:noFill/>
+            <a:prstDash val="solid"/>
+            <a:miter lim="800000"/>
+          </a:ln>
+          <a:effectLst/>
+          <a:scene3d>
+            <a:camera prst="orthographicFront"/>
+            <a:lightRig rig="threePt" dir="t"/>
+          </a:scene3d>
+          <a:sp3d>
+            <a:bevelT h="12700"/>
+          </a:sp3d>
+          <a:extLst>
+            <a:ext uri="{91240B29-F687-4F45-9708-019B960494DF}">
+              <a14:hiddenLine xmlns:a14="http://schemas.microsoft.com/office/drawing/2010/main" w="12700" cap="flat" cmpd="sng" algn="ctr">
+                <a:solidFill>
+                  <a:schemeClr val="accent1">
+                    <a:shade val="50000"/>
+                  </a:schemeClr>
+                </a:solidFill>
+                <a:prstDash val="solid"/>
+                <a:miter lim="800000"/>
+              </a14:hiddenLine>
+            </a:ext>
+            <a:ext uri="{AF507438-7753-43E0-B8FC-AC1667EBCBE1}">
+              <a14:hiddenEffects xmlns:a14="http://schemas.microsoft.com/office/drawing/2010/main">
+                <a:effectLst>
+                  <a:outerShdw>
+                    <a:scrgbClr r="0" g="0" b="0">
+                      <a:alpha val="50000"/>
+                    </a:scrgbClr>
+                  </a:outerShdw>
+                </a:effectLst>
+              </a14:hiddenEffects>
+            </a:ext>
+            <a:ext uri="{53640926-AAD7-44D8-BBD7-CCE9431645EC}">
+              <a14:shadowObscured xmlns:a14="http://schemas.microsoft.com/office/drawing/2010/main" val="1"/>
+            </a:ext>
+          </a:extLst>
+        </p:spPr>
+        <p:style>
+          <a:lnRef idx="2">
+            <a:schemeClr val="accent1">
+              <a:shade val="50000"/>
+            </a:schemeClr>
+          </a:lnRef>
+          <a:fillRef idx="1">
+            <a:schemeClr val="accent1"/>
+          </a:fillRef>
+          <a:effectRef idx="0">
+            <a:schemeClr val="accent1"/>
+          </a:effectRef>
+          <a:fontRef idx="minor">
+            <a:schemeClr val="lt1"/>
+          </a:fontRef>
+        </p:style>
+        <p:txBody>
+          <a:bodyPr rtlCol="0" anchor="ctr"/>
+          <a:lstStyle/>
+          <a:p>
+            <a:pPr algn="ctr"/>
+            <a:endParaRPr lang="en-US"/>
+          </a:p>
+        </p:txBody>
+      </p:sp>
+      <p:sp>
+        <p:nvSpPr>
+          <p:cNvPr id="10806" name="OTLSHAPE_M_00b794982f41487aa2285864e30c0445_Title"/>
+          <p:cNvSpPr txBox="1"/>
+          <p:nvPr>
+            <p:custDataLst>
+              <p:tags r:id="rId111"/>
+            </p:custDataLst>
+          </p:nvPr>
+        </p:nvSpPr>
+        <p:spPr>
+          <a:xfrm>
+            <a:off x="6316697" y="5275382"/>
+            <a:ext cx="1181347" cy="111115"/>
+          </a:xfrm>
+          <a:prstGeom prst="rect">
+            <a:avLst/>
+          </a:prstGeom>
+          <a:noFill/>
+        </p:spPr>
+        <p:txBody>
+          <a:bodyPr vert="horz" wrap="square" lIns="0" tIns="0" rIns="0" bIns="0" rtlCol="0" anchor="ctr" anchorCtr="0">
+            <a:noAutofit/>
+          </a:bodyPr>
+          <a:lstStyle/>
+          <a:p>
+            <a:pPr algn="ctr"/>
+            <a:r>
+              <a:rPr lang="en-US" sz="1200" b="1" dirty="0">
+                <a:solidFill>
+                  <a:schemeClr val="dk1"/>
+                </a:solidFill>
+                <a:latin typeface="Calibri" panose="020F0502020204030204" pitchFamily="34" charset="0"/>
+              </a:rPr>
+              <a:t>New feature Complete</a:t>
+            </a:r>
+          </a:p>
+        </p:txBody>
+      </p:sp>
+      <p:sp>
+        <p:nvSpPr>
+          <p:cNvPr id="10808" name="OTLSHAPE_M_00b794982f41487aa2285864e30c0445_Shape"/>
+          <p:cNvSpPr/>
+          <p:nvPr>
+            <p:custDataLst>
+              <p:tags r:id="rId112"/>
+            </p:custDataLst>
+          </p:nvPr>
+        </p:nvSpPr>
+        <p:spPr>
+          <a:xfrm>
+            <a:off x="6861650" y="4977002"/>
+            <a:ext cx="177800" cy="190500"/>
+          </a:xfrm>
+          <a:prstGeom prst="star8">
+            <a:avLst/>
+          </a:prstGeom>
+          <a:solidFill>
+            <a:schemeClr val="accent6"/>
+          </a:solidFill>
+          <a:ln w="12700" cap="flat" cmpd="sng" algn="ctr">
+            <a:noFill/>
+            <a:prstDash val="solid"/>
+            <a:miter lim="800000"/>
+          </a:ln>
+          <a:effectLst/>
+          <a:scene3d>
+            <a:camera prst="orthographicFront"/>
+            <a:lightRig rig="threePt" dir="t"/>
+          </a:scene3d>
+          <a:sp3d>
+            <a:bevelT h="12700"/>
+          </a:sp3d>
+          <a:extLst>
+            <a:ext uri="{91240B29-F687-4F45-9708-019B960494DF}">
+              <a14:hiddenLine xmlns:a14="http://schemas.microsoft.com/office/drawing/2010/main" w="12700" cap="flat" cmpd="sng" algn="ctr">
+                <a:solidFill>
+                  <a:schemeClr val="accent1">
+                    <a:shade val="50000"/>
+                  </a:schemeClr>
+                </a:solidFill>
+                <a:prstDash val="solid"/>
+                <a:miter lim="800000"/>
+              </a14:hiddenLine>
+            </a:ext>
+            <a:ext uri="{AF507438-7753-43E0-B8FC-AC1667EBCBE1}">
+              <a14:hiddenEffects xmlns:a14="http://schemas.microsoft.com/office/drawing/2010/main">
+                <a:effectLst>
+                  <a:outerShdw>
+                    <a:scrgbClr r="0" g="0" b="0">
+                      <a:alpha val="50000"/>
+                    </a:scrgbClr>
+                  </a:outerShdw>
+                </a:effectLst>
+              </a14:hiddenEffects>
+            </a:ext>
+            <a:ext uri="{53640926-AAD7-44D8-BBD7-CCE9431645EC}">
+              <a14:shadowObscured xmlns:a14="http://schemas.microsoft.com/office/drawing/2010/main" val="1"/>
+            </a:ext>
+          </a:extLst>
+        </p:spPr>
+        <p:style>
+          <a:lnRef idx="2">
+            <a:schemeClr val="accent1">
+              <a:shade val="50000"/>
+            </a:schemeClr>
+          </a:lnRef>
+          <a:fillRef idx="1">
+            <a:schemeClr val="accent1"/>
+          </a:fillRef>
+          <a:effectRef idx="0">
+            <a:schemeClr val="accent1"/>
+          </a:effectRef>
+          <a:fontRef idx="minor">
+            <a:schemeClr val="lt1"/>
+          </a:fontRef>
+        </p:style>
+        <p:txBody>
+          <a:bodyPr rtlCol="0" anchor="ctr"/>
+          <a:lstStyle/>
+          <a:p>
+            <a:pPr algn="ctr"/>
+            <a:endParaRPr lang="en-US"/>
+          </a:p>
+        </p:txBody>
+      </p:sp>
+      <p:sp>
+        <p:nvSpPr>
+          <p:cNvPr id="10809" name="OTLSHAPE_T_2508efa28ff349da8bc6837b0c12f3f2_Shape"/>
+          <p:cNvSpPr/>
+          <p:nvPr>
+            <p:custDataLst>
+              <p:tags r:id="rId113"/>
+            </p:custDataLst>
+          </p:nvPr>
+        </p:nvSpPr>
+        <p:spPr>
+          <a:xfrm>
+            <a:off x="254126" y="1532253"/>
+            <a:ext cx="2177730" cy="512059"/>
+          </a:xfrm>
+          <a:prstGeom prst="leftRightArrow">
+            <a:avLst>
+              <a:gd name="adj1" fmla="val 75000"/>
+              <a:gd name="adj2" fmla="val 50000"/>
+            </a:avLst>
+          </a:prstGeom>
+          <a:solidFill>
+            <a:srgbClr val="96D642"/>
+          </a:solidFill>
+          <a:ln w="12700" cap="flat" cmpd="sng" algn="ctr">
+            <a:noFill/>
+            <a:prstDash val="solid"/>
+            <a:miter lim="800000"/>
+          </a:ln>
+          <a:effectLst/>
+          <a:scene3d>
+            <a:camera prst="orthographicFront"/>
+            <a:lightRig rig="balanced" dir="t">
+              <a:rot lat="0" lon="0" rev="8700000"/>
+            </a:lightRig>
+          </a:scene3d>
+          <a:sp3d>
+            <a:bevelT w="165100" h="12700"/>
+          </a:sp3d>
+          <a:extLst>
+            <a:ext uri="{91240B29-F687-4F45-9708-019B960494DF}">
+              <a14:hiddenLine xmlns:a14="http://schemas.microsoft.com/office/drawing/2010/main" w="12700" cap="flat" cmpd="sng" algn="ctr">
+                <a:solidFill>
+                  <a:schemeClr val="accent1">
+                    <a:shade val="50000"/>
+                  </a:schemeClr>
+                </a:solidFill>
+                <a:prstDash val="solid"/>
+                <a:miter lim="800000"/>
+              </a14:hiddenLine>
+            </a:ext>
+            <a:ext uri="{AF507438-7753-43E0-B8FC-AC1667EBCBE1}">
+              <a14:hiddenEffects xmlns:a14="http://schemas.microsoft.com/office/drawing/2010/main">
+                <a:effectLst>
+                  <a:outerShdw>
+                    <a:scrgbClr r="0" g="0" b="0">
+                      <a:alpha val="50000"/>
+                    </a:scrgbClr>
+                  </a:outerShdw>
+                </a:effectLst>
+              </a14:hiddenEffects>
+            </a:ext>
+            <a:ext uri="{53640926-AAD7-44D8-BBD7-CCE9431645EC}">
+              <a14:shadowObscured xmlns:a14="http://schemas.microsoft.com/office/drawing/2010/main" val="1"/>
+            </a:ext>
+          </a:extLst>
+        </p:spPr>
+        <p:style>
+          <a:lnRef idx="2">
+            <a:schemeClr val="accent1">
+              <a:shade val="50000"/>
+            </a:schemeClr>
+          </a:lnRef>
+          <a:fillRef idx="1">
+            <a:schemeClr val="accent1"/>
+          </a:fillRef>
+          <a:effectRef idx="0">
+            <a:schemeClr val="accent1"/>
+          </a:effectRef>
+          <a:fontRef idx="minor">
+            <a:schemeClr val="lt1"/>
+          </a:fontRef>
+        </p:style>
+        <p:txBody>
+          <a:bodyPr rtlCol="0" anchor="ctr"/>
+          <a:lstStyle/>
+          <a:p>
+            <a:pPr lvl="0" algn="ctr"/>
+            <a:r>
+              <a:rPr lang="en-US" altLang="ko-KR" sz="1400" b="1" dirty="0">
+                <a:solidFill>
+                  <a:prstClr val="white"/>
+                </a:solidFill>
+                <a:latin typeface="Calibri" panose="020F0502020204030204" pitchFamily="34" charset="0"/>
+              </a:rPr>
+              <a:t>Refactoring &amp; Rework</a:t>
+            </a:r>
+          </a:p>
+        </p:txBody>
+      </p:sp>
+      <p:sp>
+        <p:nvSpPr>
+          <p:cNvPr id="10592" name="OTLSHAPE_T_2508efa28ff349da8bc6837b0c12f3f2_JoinedDate"/>
+          <p:cNvSpPr txBox="1"/>
+          <p:nvPr>
+            <p:custDataLst>
+              <p:tags r:id="rId114"/>
+            </p:custDataLst>
+          </p:nvPr>
+        </p:nvSpPr>
+        <p:spPr>
+          <a:xfrm>
+            <a:off x="565317" y="1266145"/>
+            <a:ext cx="1378416" cy="236337"/>
+          </a:xfrm>
+          <a:prstGeom prst="rect">
+            <a:avLst/>
+          </a:prstGeom>
+          <a:noFill/>
+        </p:spPr>
+        <p:txBody>
+          <a:bodyPr vert="horz" wrap="square" lIns="0" tIns="0" rIns="0" bIns="0" rtlCol="0" anchor="ctr" anchorCtr="0">
+            <a:noAutofit/>
+          </a:bodyPr>
+          <a:lstStyle/>
+          <a:p>
+            <a:pPr algn="ctr"/>
+            <a:r>
+              <a:rPr lang="en-US" sz="1400" b="1" dirty="0">
+                <a:solidFill>
+                  <a:schemeClr val="accent6"/>
+                </a:solidFill>
+                <a:latin typeface="Calibri" panose="020F0502020204030204" pitchFamily="34" charset="0"/>
+              </a:rPr>
+              <a:t>July 9 – July 13</a:t>
+            </a:r>
+          </a:p>
+        </p:txBody>
+      </p:sp>
+      <p:sp>
+        <p:nvSpPr>
+          <p:cNvPr id="10593" name="OTLSHAPE_T_9116278e5c2946a085db5776da322f3f_Shape"/>
+          <p:cNvSpPr/>
+          <p:nvPr>
+            <p:custDataLst>
+              <p:tags r:id="rId115"/>
+            </p:custDataLst>
+          </p:nvPr>
+        </p:nvSpPr>
+        <p:spPr>
+          <a:xfrm>
+            <a:off x="1423077" y="2226476"/>
+            <a:ext cx="1846512" cy="263448"/>
+          </a:xfrm>
+          <a:prstGeom prst="chevron">
+            <a:avLst/>
+          </a:prstGeom>
+          <a:solidFill>
+            <a:schemeClr val="accent1">
+              <a:alpha val="69804"/>
+            </a:schemeClr>
+          </a:solidFill>
+          <a:ln w="12700" cap="flat" cmpd="sng" algn="ctr">
+            <a:noFill/>
+            <a:prstDash val="solid"/>
+            <a:miter lim="800000"/>
+          </a:ln>
+          <a:effectLst/>
+          <a:scene3d>
+            <a:camera prst="orthographicFront"/>
+            <a:lightRig rig="balanced" dir="t">
+              <a:rot lat="0" lon="0" rev="8700000"/>
+            </a:lightRig>
+          </a:scene3d>
+          <a:sp3d>
+            <a:bevelT w="165100" h="12700"/>
+          </a:sp3d>
+          <a:extLst>
+            <a:ext uri="{91240B29-F687-4F45-9708-019B960494DF}">
+              <a14:hiddenLine xmlns:a14="http://schemas.microsoft.com/office/drawing/2010/main" w="12700" cap="flat" cmpd="sng" algn="ctr">
+                <a:solidFill>
+                  <a:schemeClr val="accent1">
+                    <a:shade val="50000"/>
+                  </a:schemeClr>
+                </a:solidFill>
+                <a:prstDash val="solid"/>
+                <a:miter lim="800000"/>
+              </a14:hiddenLine>
+            </a:ext>
+            <a:ext uri="{AF507438-7753-43E0-B8FC-AC1667EBCBE1}">
+              <a14:hiddenEffects xmlns:a14="http://schemas.microsoft.com/office/drawing/2010/main">
+                <a:effectLst>
+                  <a:outerShdw>
+                    <a:scrgbClr r="0" g="0" b="0">
+                      <a:alpha val="50000"/>
+                    </a:scrgbClr>
+                  </a:outerShdw>
+                </a:effectLst>
+              </a14:hiddenEffects>
+            </a:ext>
+            <a:ext uri="{53640926-AAD7-44D8-BBD7-CCE9431645EC}">
+              <a14:shadowObscured xmlns:a14="http://schemas.microsoft.com/office/drawing/2010/main" val="1"/>
+            </a:ext>
+          </a:extLst>
+        </p:spPr>
+        <p:style>
+          <a:lnRef idx="2">
+            <a:schemeClr val="accent1">
+              <a:shade val="50000"/>
+            </a:schemeClr>
+          </a:lnRef>
+          <a:fillRef idx="1">
+            <a:schemeClr val="accent1"/>
+          </a:fillRef>
+          <a:effectRef idx="0">
+            <a:schemeClr val="accent1"/>
+          </a:effectRef>
+          <a:fontRef idx="minor">
+            <a:schemeClr val="lt1"/>
+          </a:fontRef>
+        </p:style>
+        <p:txBody>
+          <a:bodyPr rtlCol="0" anchor="ctr"/>
+          <a:lstStyle/>
+          <a:p>
+            <a:pPr algn="ctr"/>
+            <a:r>
+              <a:rPr lang="en-US" altLang="ko-KR" sz="1400" dirty="0">
+                <a:solidFill>
+                  <a:schemeClr val="bg1"/>
+                </a:solidFill>
+                <a:latin typeface="Calibri" panose="020F0502020204030204" pitchFamily="34" charset="0"/>
+              </a:rPr>
+              <a:t>Refactoring</a:t>
+            </a:r>
+          </a:p>
+        </p:txBody>
+      </p:sp>
+      <p:sp>
+        <p:nvSpPr>
+          <p:cNvPr id="10660" name="OTLSHAPE_T_8574f27a0c634b08b97c20e1eb8b1a11_Shape"/>
+          <p:cNvSpPr/>
+          <p:nvPr>
+            <p:custDataLst>
+              <p:tags r:id="rId116"/>
+            </p:custDataLst>
+          </p:nvPr>
+        </p:nvSpPr>
+        <p:spPr>
+          <a:xfrm>
+            <a:off x="249918" y="2225613"/>
+            <a:ext cx="1258717" cy="263448"/>
+          </a:xfrm>
+          <a:prstGeom prst="chevron">
+            <a:avLst/>
+          </a:prstGeom>
+          <a:solidFill>
+            <a:srgbClr val="C55A11">
+              <a:alpha val="69804"/>
+            </a:srgbClr>
+          </a:solidFill>
+          <a:ln w="12700" cap="flat" cmpd="sng" algn="ctr">
+            <a:noFill/>
+            <a:prstDash val="solid"/>
+            <a:miter lim="800000"/>
+          </a:ln>
+          <a:effectLst/>
+          <a:scene3d>
+            <a:camera prst="orthographicFront"/>
+            <a:lightRig rig="balanced" dir="t">
+              <a:rot lat="0" lon="0" rev="8700000"/>
+            </a:lightRig>
+          </a:scene3d>
+          <a:sp3d>
+            <a:bevelT w="165100" h="12700"/>
+          </a:sp3d>
+          <a:extLst>
+            <a:ext uri="{91240B29-F687-4F45-9708-019B960494DF}">
+              <a14:hiddenLine xmlns:a14="http://schemas.microsoft.com/office/drawing/2010/main" w="12700" cap="flat" cmpd="sng" algn="ctr">
+                <a:solidFill>
+                  <a:schemeClr val="accent1">
+                    <a:shade val="50000"/>
+                  </a:schemeClr>
+                </a:solidFill>
+                <a:prstDash val="solid"/>
+                <a:miter lim="800000"/>
+              </a14:hiddenLine>
+            </a:ext>
+            <a:ext uri="{AF507438-7753-43E0-B8FC-AC1667EBCBE1}">
+              <a14:hiddenEffects xmlns:a14="http://schemas.microsoft.com/office/drawing/2010/main">
+                <a:effectLst>
+                  <a:outerShdw>
+                    <a:scrgbClr r="0" g="0" b="0">
+                      <a:alpha val="50000"/>
+                    </a:scrgbClr>
+                  </a:outerShdw>
+                </a:effectLst>
+              </a14:hiddenEffects>
+            </a:ext>
+            <a:ext uri="{53640926-AAD7-44D8-BBD7-CCE9431645EC}">
+              <a14:shadowObscured xmlns:a14="http://schemas.microsoft.com/office/drawing/2010/main" val="1"/>
+            </a:ext>
+          </a:extLst>
+        </p:spPr>
+        <p:style>
+          <a:lnRef idx="2">
+            <a:schemeClr val="accent1">
+              <a:shade val="50000"/>
+            </a:schemeClr>
+          </a:lnRef>
+          <a:fillRef idx="1">
+            <a:schemeClr val="accent1"/>
+          </a:fillRef>
+          <a:effectRef idx="0">
+            <a:schemeClr val="accent1"/>
+          </a:effectRef>
+          <a:fontRef idx="minor">
+            <a:schemeClr val="lt1"/>
+          </a:fontRef>
+        </p:style>
+        <p:txBody>
+          <a:bodyPr rtlCol="0" anchor="ctr"/>
+          <a:lstStyle/>
+          <a:p>
+            <a:pPr algn="ctr"/>
+            <a:r>
+              <a:rPr lang="en-US" altLang="ko-KR" sz="1400" dirty="0">
+                <a:solidFill>
+                  <a:schemeClr val="bg1"/>
+                </a:solidFill>
+                <a:latin typeface="Calibri" panose="020F0502020204030204" pitchFamily="34" charset="0"/>
+              </a:rPr>
+              <a:t>Rework</a:t>
+            </a:r>
+          </a:p>
+        </p:txBody>
+      </p:sp>
+      <p:sp>
+        <p:nvSpPr>
+          <p:cNvPr id="10692" name="OTLSHAPE_T_8545a2622707410ea6bf0bb2412e4891_Shape"/>
+          <p:cNvSpPr/>
+          <p:nvPr>
+            <p:custDataLst>
+              <p:tags r:id="rId117"/>
+            </p:custDataLst>
+          </p:nvPr>
+        </p:nvSpPr>
+        <p:spPr>
+          <a:xfrm>
+            <a:off x="3800038" y="3064152"/>
+            <a:ext cx="3210795" cy="263448"/>
+          </a:xfrm>
+          <a:prstGeom prst="chevron">
+            <a:avLst/>
+          </a:prstGeom>
+          <a:solidFill>
+            <a:srgbClr val="7C7C7C"/>
+          </a:solidFill>
+          <a:ln w="12700" cap="flat" cmpd="sng" algn="ctr">
+            <a:noFill/>
+            <a:prstDash val="solid"/>
+            <a:miter lim="800000"/>
+          </a:ln>
+          <a:effectLst/>
+          <a:scene3d>
+            <a:camera prst="orthographicFront"/>
+            <a:lightRig rig="balanced" dir="t">
+              <a:rot lat="0" lon="0" rev="8700000"/>
+            </a:lightRig>
+          </a:scene3d>
+          <a:sp3d>
+            <a:bevelT w="165100" h="12700"/>
+          </a:sp3d>
+          <a:extLst>
+            <a:ext uri="{91240B29-F687-4F45-9708-019B960494DF}">
+              <a14:hiddenLine xmlns:a14="http://schemas.microsoft.com/office/drawing/2010/main" w="12700" cap="flat" cmpd="sng" algn="ctr">
+                <a:solidFill>
+                  <a:schemeClr val="accent1">
+                    <a:shade val="50000"/>
+                  </a:schemeClr>
+                </a:solidFill>
+                <a:prstDash val="solid"/>
+                <a:miter lim="800000"/>
+              </a14:hiddenLine>
+            </a:ext>
+            <a:ext uri="{AF507438-7753-43E0-B8FC-AC1667EBCBE1}">
+              <a14:hiddenEffects xmlns:a14="http://schemas.microsoft.com/office/drawing/2010/main">
+                <a:effectLst>
+                  <a:outerShdw>
+                    <a:scrgbClr r="0" g="0" b="0">
+                      <a:alpha val="50000"/>
+                    </a:scrgbClr>
+                  </a:outerShdw>
+                </a:effectLst>
+              </a14:hiddenEffects>
+            </a:ext>
+            <a:ext uri="{53640926-AAD7-44D8-BBD7-CCE9431645EC}">
+              <a14:shadowObscured xmlns:a14="http://schemas.microsoft.com/office/drawing/2010/main" val="1"/>
+            </a:ext>
+          </a:extLst>
+        </p:spPr>
+        <p:style>
+          <a:lnRef idx="2">
+            <a:schemeClr val="accent1">
+              <a:shade val="50000"/>
+            </a:schemeClr>
+          </a:lnRef>
+          <a:fillRef idx="1">
+            <a:schemeClr val="accent1"/>
+          </a:fillRef>
+          <a:effectRef idx="0">
+            <a:schemeClr val="accent1"/>
+          </a:effectRef>
+          <a:fontRef idx="minor">
+            <a:schemeClr val="lt1"/>
+          </a:fontRef>
+        </p:style>
+        <p:txBody>
+          <a:bodyPr rtlCol="0" anchor="ctr"/>
+          <a:lstStyle/>
+          <a:p>
+            <a:pPr algn="ctr"/>
+            <a:r>
+              <a:rPr lang="en-US" altLang="ko-KR" sz="1400" dirty="0">
+                <a:solidFill>
+                  <a:schemeClr val="bg1"/>
+                </a:solidFill>
+                <a:latin typeface="Calibri" panose="020F0502020204030204" pitchFamily="34" charset="0"/>
+              </a:rPr>
+              <a:t>Pre-</a:t>
+            </a:r>
+          </a:p>
+          <a:p>
+            <a:pPr algn="ctr"/>
+            <a:r>
+              <a:rPr lang="en-US" altLang="ko-KR" sz="1400" dirty="0">
+                <a:solidFill>
+                  <a:schemeClr val="bg1"/>
+                </a:solidFill>
+                <a:latin typeface="Calibri" panose="020F0502020204030204" pitchFamily="34" charset="0"/>
+              </a:rPr>
+              <a:t>Integration test</a:t>
+            </a:r>
+          </a:p>
+          <a:p>
+            <a:pPr algn="ctr"/>
+            <a:endParaRPr lang="en-US" sz="1400" dirty="0">
+              <a:solidFill>
+                <a:schemeClr val="tx1"/>
+              </a:solidFill>
+            </a:endParaRPr>
+          </a:p>
+        </p:txBody>
+      </p:sp>
+      <p:sp>
+        <p:nvSpPr>
+          <p:cNvPr id="10724" name="OTLSHAPE_T_834636e32cff480d8a852ae191fc6842_Shape"/>
+          <p:cNvSpPr/>
+          <p:nvPr>
+            <p:custDataLst>
+              <p:tags r:id="rId118"/>
+            </p:custDataLst>
+          </p:nvPr>
+        </p:nvSpPr>
+        <p:spPr>
+          <a:xfrm>
+            <a:off x="2450135" y="1532253"/>
+            <a:ext cx="2121499" cy="512059"/>
+          </a:xfrm>
+          <a:prstGeom prst="leftRightArrow">
+            <a:avLst>
+              <a:gd name="adj1" fmla="val 75000"/>
+              <a:gd name="adj2" fmla="val 50000"/>
+            </a:avLst>
+          </a:prstGeom>
+          <a:solidFill>
+            <a:schemeClr val="accent2"/>
+          </a:solidFill>
+          <a:ln w="12700" cap="flat" cmpd="sng" algn="ctr">
+            <a:noFill/>
+            <a:prstDash val="solid"/>
+            <a:miter lim="800000"/>
+          </a:ln>
+          <a:effectLst/>
+          <a:scene3d>
+            <a:camera prst="orthographicFront"/>
+            <a:lightRig rig="balanced" dir="t">
+              <a:rot lat="0" lon="0" rev="8700000"/>
+            </a:lightRig>
+          </a:scene3d>
+          <a:sp3d>
+            <a:bevelT w="165100" h="12700"/>
+          </a:sp3d>
+          <a:extLst>
+            <a:ext uri="{91240B29-F687-4F45-9708-019B960494DF}">
+              <a14:hiddenLine xmlns:a14="http://schemas.microsoft.com/office/drawing/2010/main" w="12700" cap="flat" cmpd="sng" algn="ctr">
+                <a:solidFill>
+                  <a:schemeClr val="accent1">
+                    <a:shade val="50000"/>
+                  </a:schemeClr>
+                </a:solidFill>
+                <a:prstDash val="solid"/>
+                <a:miter lim="800000"/>
+              </a14:hiddenLine>
+            </a:ext>
+            <a:ext uri="{AF507438-7753-43E0-B8FC-AC1667EBCBE1}">
+              <a14:hiddenEffects xmlns:a14="http://schemas.microsoft.com/office/drawing/2010/main">
+                <a:effectLst>
+                  <a:outerShdw>
+                    <a:scrgbClr r="0" g="0" b="0">
+                      <a:alpha val="50000"/>
+                    </a:scrgbClr>
+                  </a:outerShdw>
+                </a:effectLst>
+              </a14:hiddenEffects>
+            </a:ext>
+            <a:ext uri="{53640926-AAD7-44D8-BBD7-CCE9431645EC}">
+              <a14:shadowObscured xmlns:a14="http://schemas.microsoft.com/office/drawing/2010/main" val="1"/>
+            </a:ext>
+          </a:extLst>
+        </p:spPr>
+        <p:style>
+          <a:lnRef idx="2">
+            <a:schemeClr val="accent1">
+              <a:shade val="50000"/>
+            </a:schemeClr>
+          </a:lnRef>
+          <a:fillRef idx="1">
+            <a:schemeClr val="accent1"/>
+          </a:fillRef>
+          <a:effectRef idx="0">
+            <a:schemeClr val="accent1"/>
+          </a:effectRef>
+          <a:fontRef idx="minor">
+            <a:schemeClr val="lt1"/>
+          </a:fontRef>
+        </p:style>
+        <p:txBody>
+          <a:bodyPr rtlCol="0" anchor="ctr"/>
+          <a:lstStyle/>
+          <a:p>
+            <a:pPr lvl="0" algn="ctr"/>
+            <a:r>
+              <a:rPr lang="en-US" altLang="ko-KR" sz="1400" b="1" dirty="0">
+                <a:solidFill>
+                  <a:prstClr val="white"/>
+                </a:solidFill>
+                <a:latin typeface="Calibri" panose="020F0502020204030204" pitchFamily="34" charset="0"/>
+              </a:rPr>
+              <a:t>Unit &amp; Integration Test</a:t>
+            </a:r>
+          </a:p>
+        </p:txBody>
+      </p:sp>
+      <p:sp>
+        <p:nvSpPr>
+          <p:cNvPr id="10749" name="OTLSHAPE_T_834636e32cff480d8a852ae191fc6842_JoinedDate"/>
+          <p:cNvSpPr txBox="1"/>
+          <p:nvPr>
+            <p:custDataLst>
+              <p:tags r:id="rId119"/>
+            </p:custDataLst>
+          </p:nvPr>
+        </p:nvSpPr>
+        <p:spPr>
+          <a:xfrm>
+            <a:off x="2827384" y="1243852"/>
+            <a:ext cx="1413781" cy="280923"/>
+          </a:xfrm>
+          <a:prstGeom prst="rect">
+            <a:avLst/>
+          </a:prstGeom>
+          <a:noFill/>
+        </p:spPr>
+        <p:txBody>
+          <a:bodyPr vert="horz" wrap="square" lIns="0" tIns="0" rIns="0" bIns="0" rtlCol="0" anchor="ctr" anchorCtr="0">
+            <a:noAutofit/>
+          </a:bodyPr>
+          <a:lstStyle/>
+          <a:p>
+            <a:pPr algn="ctr"/>
+            <a:r>
+              <a:rPr lang="en-US" sz="1400" b="1" dirty="0">
+                <a:solidFill>
+                  <a:schemeClr val="accent2"/>
+                </a:solidFill>
+                <a:latin typeface="Calibri" panose="020F0502020204030204" pitchFamily="34" charset="0"/>
+              </a:rPr>
+              <a:t>July 16 – July 20</a:t>
+            </a:r>
+          </a:p>
+        </p:txBody>
+      </p:sp>
+      <p:sp>
+        <p:nvSpPr>
+          <p:cNvPr id="10824" name="OTLSHAPE_T_61bd4421f159413dba7281a5185e38b8_Shape"/>
+          <p:cNvSpPr/>
+          <p:nvPr>
+            <p:custDataLst>
+              <p:tags r:id="rId120"/>
+            </p:custDataLst>
+          </p:nvPr>
+        </p:nvSpPr>
+        <p:spPr>
+          <a:xfrm>
+            <a:off x="2431857" y="2633034"/>
+            <a:ext cx="2179096" cy="263448"/>
+          </a:xfrm>
+          <a:prstGeom prst="chevron">
+            <a:avLst/>
+          </a:prstGeom>
+          <a:solidFill>
+            <a:schemeClr val="dk2"/>
+          </a:solidFill>
+          <a:ln w="12700" cap="flat" cmpd="sng" algn="ctr">
+            <a:noFill/>
+            <a:prstDash val="solid"/>
+            <a:miter lim="800000"/>
+          </a:ln>
+          <a:effectLst/>
+          <a:scene3d>
+            <a:camera prst="orthographicFront"/>
+            <a:lightRig rig="balanced" dir="t">
+              <a:rot lat="0" lon="0" rev="8700000"/>
+            </a:lightRig>
+          </a:scene3d>
+          <a:sp3d>
+            <a:bevelT w="165100" h="12700"/>
+          </a:sp3d>
+          <a:extLst>
+            <a:ext uri="{91240B29-F687-4F45-9708-019B960494DF}">
+              <a14:hiddenLine xmlns:a14="http://schemas.microsoft.com/office/drawing/2010/main" w="12700" cap="flat" cmpd="sng" algn="ctr">
+                <a:solidFill>
+                  <a:schemeClr val="accent1">
+                    <a:shade val="50000"/>
+                  </a:schemeClr>
+                </a:solidFill>
+                <a:prstDash val="solid"/>
+                <a:miter lim="800000"/>
+              </a14:hiddenLine>
+            </a:ext>
+            <a:ext uri="{AF507438-7753-43E0-B8FC-AC1667EBCBE1}">
+              <a14:hiddenEffects xmlns:a14="http://schemas.microsoft.com/office/drawing/2010/main">
+                <a:effectLst>
+                  <a:outerShdw>
+                    <a:scrgbClr r="0" g="0" b="0">
+                      <a:alpha val="50000"/>
+                    </a:scrgbClr>
+                  </a:outerShdw>
+                </a:effectLst>
+              </a14:hiddenEffects>
+            </a:ext>
+            <a:ext uri="{53640926-AAD7-44D8-BBD7-CCE9431645EC}">
+              <a14:shadowObscured xmlns:a14="http://schemas.microsoft.com/office/drawing/2010/main" val="1"/>
+            </a:ext>
+          </a:extLst>
+        </p:spPr>
+        <p:style>
+          <a:lnRef idx="2">
+            <a:schemeClr val="accent1">
+              <a:shade val="50000"/>
+            </a:schemeClr>
+          </a:lnRef>
+          <a:fillRef idx="1">
+            <a:schemeClr val="accent1"/>
+          </a:fillRef>
+          <a:effectRef idx="0">
+            <a:schemeClr val="accent1"/>
+          </a:effectRef>
+          <a:fontRef idx="minor">
+            <a:schemeClr val="lt1"/>
+          </a:fontRef>
+        </p:style>
+        <p:txBody>
+          <a:bodyPr rtlCol="0" anchor="ctr"/>
+          <a:lstStyle/>
+          <a:p>
+            <a:pPr algn="ctr"/>
+            <a:r>
+              <a:rPr lang="en-US" altLang="ko-KR" sz="1400" dirty="0">
+                <a:latin typeface="Calibri" panose="020F0502020204030204" pitchFamily="34" charset="0"/>
+              </a:rPr>
+              <a:t>Unit test</a:t>
+            </a:r>
+          </a:p>
+        </p:txBody>
+      </p:sp>
+      <p:sp>
+        <p:nvSpPr>
+          <p:cNvPr id="10848" name="OTLSHAPE_T_a1fe2df1afb74a24b48db95b6b338bf9_Shape"/>
+          <p:cNvSpPr/>
+          <p:nvPr>
+            <p:custDataLst>
+              <p:tags r:id="rId121"/>
+            </p:custDataLst>
+          </p:nvPr>
+        </p:nvSpPr>
+        <p:spPr>
+          <a:xfrm>
+            <a:off x="4610953" y="1532253"/>
+            <a:ext cx="2416216" cy="512059"/>
+          </a:xfrm>
+          <a:prstGeom prst="leftRightArrow">
+            <a:avLst>
+              <a:gd name="adj1" fmla="val 75000"/>
+              <a:gd name="adj2" fmla="val 50000"/>
+            </a:avLst>
+          </a:prstGeom>
+          <a:solidFill>
+            <a:srgbClr val="D51116"/>
+          </a:solidFill>
+          <a:ln w="12700" cap="flat" cmpd="sng" algn="ctr">
+            <a:noFill/>
+            <a:prstDash val="solid"/>
+            <a:miter lim="800000"/>
+          </a:ln>
+          <a:effectLst/>
+          <a:scene3d>
+            <a:camera prst="orthographicFront"/>
+            <a:lightRig rig="balanced" dir="t">
+              <a:rot lat="0" lon="0" rev="8700000"/>
+            </a:lightRig>
+          </a:scene3d>
+          <a:sp3d>
+            <a:bevelT w="165100" h="12700"/>
+          </a:sp3d>
+          <a:extLst>
+            <a:ext uri="{91240B29-F687-4F45-9708-019B960494DF}">
+              <a14:hiddenLine xmlns:a14="http://schemas.microsoft.com/office/drawing/2010/main" w="12700" cap="flat" cmpd="sng" algn="ctr">
+                <a:solidFill>
+                  <a:schemeClr val="accent1">
+                    <a:shade val="50000"/>
+                  </a:schemeClr>
+                </a:solidFill>
+                <a:prstDash val="solid"/>
+                <a:miter lim="800000"/>
+              </a14:hiddenLine>
+            </a:ext>
+            <a:ext uri="{AF507438-7753-43E0-B8FC-AC1667EBCBE1}">
+              <a14:hiddenEffects xmlns:a14="http://schemas.microsoft.com/office/drawing/2010/main">
+                <a:effectLst>
+                  <a:outerShdw>
+                    <a:scrgbClr r="0" g="0" b="0">
+                      <a:alpha val="50000"/>
+                    </a:scrgbClr>
+                  </a:outerShdw>
+                </a:effectLst>
+              </a14:hiddenEffects>
+            </a:ext>
+            <a:ext uri="{53640926-AAD7-44D8-BBD7-CCE9431645EC}">
+              <a14:shadowObscured xmlns:a14="http://schemas.microsoft.com/office/drawing/2010/main" val="1"/>
+            </a:ext>
+          </a:extLst>
+        </p:spPr>
+        <p:style>
+          <a:lnRef idx="2">
+            <a:schemeClr val="accent1">
+              <a:shade val="50000"/>
+            </a:schemeClr>
+          </a:lnRef>
+          <a:fillRef idx="1">
+            <a:schemeClr val="accent1"/>
+          </a:fillRef>
+          <a:effectRef idx="0">
+            <a:schemeClr val="accent1"/>
+          </a:effectRef>
+          <a:fontRef idx="minor">
+            <a:schemeClr val="lt1"/>
+          </a:fontRef>
+        </p:style>
+        <p:txBody>
+          <a:bodyPr rtlCol="0" anchor="ctr"/>
+          <a:lstStyle/>
+          <a:p>
+            <a:pPr lvl="0" algn="ctr"/>
+            <a:r>
+              <a:rPr lang="en-US" altLang="ko-KR" sz="1400" b="1" dirty="0">
+                <a:solidFill>
+                  <a:prstClr val="white"/>
+                </a:solidFill>
+                <a:latin typeface="Calibri" panose="020F0502020204030204" pitchFamily="34" charset="0"/>
+              </a:rPr>
+              <a:t>System testing &amp; new feature dev</a:t>
+            </a:r>
+          </a:p>
+        </p:txBody>
+      </p:sp>
+      <p:sp>
+        <p:nvSpPr>
+          <p:cNvPr id="10855" name="OTLSHAPE_T_a1fe2df1afb74a24b48db95b6b338bf9_JoinedDate"/>
+          <p:cNvSpPr txBox="1"/>
+          <p:nvPr>
+            <p:custDataLst>
+              <p:tags r:id="rId122"/>
+            </p:custDataLst>
+          </p:nvPr>
+        </p:nvSpPr>
+        <p:spPr>
+          <a:xfrm>
+            <a:off x="4942858" y="1254050"/>
+            <a:ext cx="1630503" cy="260527"/>
+          </a:xfrm>
+          <a:prstGeom prst="rect">
+            <a:avLst/>
+          </a:prstGeom>
+          <a:noFill/>
+        </p:spPr>
+        <p:txBody>
+          <a:bodyPr vert="horz" wrap="square" lIns="0" tIns="0" rIns="0" bIns="0" rtlCol="0" anchor="ctr" anchorCtr="0">
+            <a:noAutofit/>
+          </a:bodyPr>
+          <a:lstStyle/>
+          <a:p>
+            <a:pPr algn="ctr"/>
+            <a:r>
+              <a:rPr lang="en-US" sz="1400" b="1" dirty="0">
+                <a:solidFill>
+                  <a:srgbClr val="B20E12"/>
+                </a:solidFill>
+                <a:latin typeface="Calibri" panose="020F0502020204030204" pitchFamily="34" charset="0"/>
+              </a:rPr>
+              <a:t>July 23 – July 27</a:t>
+            </a:r>
+          </a:p>
+        </p:txBody>
+      </p:sp>
+      <p:sp>
+        <p:nvSpPr>
+          <p:cNvPr id="10856" name="OTLSHAPE_T_b2528e25fb5f4019a02b029d7b23b862_Shape"/>
+          <p:cNvSpPr/>
+          <p:nvPr>
+            <p:custDataLst>
+              <p:tags r:id="rId123"/>
+            </p:custDataLst>
+          </p:nvPr>
+        </p:nvSpPr>
+        <p:spPr>
+          <a:xfrm>
+            <a:off x="4219720" y="3493921"/>
+            <a:ext cx="3558007" cy="263448"/>
+          </a:xfrm>
+          <a:prstGeom prst="chevron">
+            <a:avLst/>
+          </a:prstGeom>
+          <a:solidFill>
+            <a:schemeClr val="accent5"/>
+          </a:solidFill>
+          <a:ln w="12700" cap="flat" cmpd="sng" algn="ctr">
+            <a:noFill/>
+            <a:prstDash val="solid"/>
+            <a:miter lim="800000"/>
+          </a:ln>
+          <a:effectLst/>
+          <a:scene3d>
+            <a:camera prst="orthographicFront"/>
+            <a:lightRig rig="balanced" dir="t">
+              <a:rot lat="0" lon="0" rev="8700000"/>
+            </a:lightRig>
+          </a:scene3d>
+          <a:sp3d>
+            <a:bevelT w="165100" h="12700"/>
+          </a:sp3d>
+          <a:extLst>
+            <a:ext uri="{91240B29-F687-4F45-9708-019B960494DF}">
+              <a14:hiddenLine xmlns:a14="http://schemas.microsoft.com/office/drawing/2010/main" w="12700" cap="flat" cmpd="sng" algn="ctr">
+                <a:solidFill>
+                  <a:schemeClr val="accent1">
+                    <a:shade val="50000"/>
+                  </a:schemeClr>
+                </a:solidFill>
+                <a:prstDash val="solid"/>
+                <a:miter lim="800000"/>
+              </a14:hiddenLine>
+            </a:ext>
+            <a:ext uri="{AF507438-7753-43E0-B8FC-AC1667EBCBE1}">
+              <a14:hiddenEffects xmlns:a14="http://schemas.microsoft.com/office/drawing/2010/main">
+                <a:effectLst>
+                  <a:outerShdw>
+                    <a:scrgbClr r="0" g="0" b="0">
+                      <a:alpha val="50000"/>
+                    </a:scrgbClr>
+                  </a:outerShdw>
+                </a:effectLst>
+              </a14:hiddenEffects>
+            </a:ext>
+            <a:ext uri="{53640926-AAD7-44D8-BBD7-CCE9431645EC}">
+              <a14:shadowObscured xmlns:a14="http://schemas.microsoft.com/office/drawing/2010/main" val="1"/>
+            </a:ext>
+          </a:extLst>
+        </p:spPr>
+        <p:style>
+          <a:lnRef idx="2">
+            <a:schemeClr val="accent1">
+              <a:shade val="50000"/>
+            </a:schemeClr>
+          </a:lnRef>
+          <a:fillRef idx="1">
+            <a:schemeClr val="accent1"/>
+          </a:fillRef>
+          <a:effectRef idx="0">
+            <a:schemeClr val="accent1"/>
+          </a:effectRef>
+          <a:fontRef idx="minor">
+            <a:schemeClr val="lt1"/>
+          </a:fontRef>
+        </p:style>
+        <p:txBody>
+          <a:bodyPr rtlCol="0" anchor="ctr"/>
+          <a:lstStyle/>
+          <a:p>
+            <a:pPr algn="ctr"/>
+            <a:r>
+              <a:rPr lang="en-US" altLang="ko-KR" sz="1400" dirty="0">
+                <a:latin typeface="Calibri" panose="020F0502020204030204" pitchFamily="34" charset="0"/>
+              </a:rPr>
+              <a:t>System test</a:t>
+            </a:r>
+          </a:p>
+        </p:txBody>
+      </p:sp>
+      <p:sp>
+        <p:nvSpPr>
+          <p:cNvPr id="10888" name="OTLSHAPE_T_dc59864a8fe6461f93f8543967c3a710_Shape"/>
+          <p:cNvSpPr/>
+          <p:nvPr>
+            <p:custDataLst>
+              <p:tags r:id="rId124"/>
+            </p:custDataLst>
+          </p:nvPr>
+        </p:nvSpPr>
+        <p:spPr>
+          <a:xfrm>
+            <a:off x="4549331" y="2629883"/>
+            <a:ext cx="484293" cy="263448"/>
+          </a:xfrm>
+          <a:prstGeom prst="chevron">
+            <a:avLst/>
+          </a:prstGeom>
+          <a:solidFill>
+            <a:srgbClr val="C55A11"/>
+          </a:solidFill>
+          <a:ln w="12700" cap="flat" cmpd="sng" algn="ctr">
+            <a:noFill/>
+            <a:prstDash val="solid"/>
+            <a:miter lim="800000"/>
+          </a:ln>
+          <a:effectLst/>
+          <a:scene3d>
+            <a:camera prst="orthographicFront"/>
+            <a:lightRig rig="balanced" dir="t">
+              <a:rot lat="0" lon="0" rev="8700000"/>
+            </a:lightRig>
+          </a:scene3d>
+          <a:sp3d>
+            <a:bevelT w="165100" h="12700"/>
+          </a:sp3d>
+          <a:extLst>
+            <a:ext uri="{91240B29-F687-4F45-9708-019B960494DF}">
+              <a14:hiddenLine xmlns:a14="http://schemas.microsoft.com/office/drawing/2010/main" w="12700" cap="flat" cmpd="sng" algn="ctr">
+                <a:solidFill>
+                  <a:schemeClr val="accent1">
+                    <a:shade val="50000"/>
+                  </a:schemeClr>
+                </a:solidFill>
+                <a:prstDash val="solid"/>
+                <a:miter lim="800000"/>
+              </a14:hiddenLine>
+            </a:ext>
+            <a:ext uri="{AF507438-7753-43E0-B8FC-AC1667EBCBE1}">
+              <a14:hiddenEffects xmlns:a14="http://schemas.microsoft.com/office/drawing/2010/main">
+                <a:effectLst>
+                  <a:outerShdw>
+                    <a:scrgbClr r="0" g="0" b="0">
+                      <a:alpha val="50000"/>
+                    </a:scrgbClr>
+                  </a:outerShdw>
+                </a:effectLst>
+              </a14:hiddenEffects>
+            </a:ext>
+            <a:ext uri="{53640926-AAD7-44D8-BBD7-CCE9431645EC}">
+              <a14:shadowObscured xmlns:a14="http://schemas.microsoft.com/office/drawing/2010/main" val="1"/>
+            </a:ext>
+          </a:extLst>
+        </p:spPr>
+        <p:style>
+          <a:lnRef idx="2">
+            <a:schemeClr val="accent1">
+              <a:shade val="50000"/>
+            </a:schemeClr>
+          </a:lnRef>
+          <a:fillRef idx="1">
+            <a:schemeClr val="accent1"/>
+          </a:fillRef>
+          <a:effectRef idx="0">
+            <a:schemeClr val="accent1"/>
+          </a:effectRef>
+          <a:fontRef idx="minor">
+            <a:schemeClr val="lt1"/>
+          </a:fontRef>
+        </p:style>
+        <p:txBody>
+          <a:bodyPr rtlCol="0" anchor="ctr"/>
+          <a:lstStyle/>
+          <a:p>
+            <a:pPr algn="ctr"/>
+            <a:endParaRPr lang="en-US" altLang="ko-KR" sz="1400" dirty="0">
+              <a:latin typeface="Calibri" panose="020F0502020204030204" pitchFamily="34" charset="0"/>
+            </a:endParaRPr>
+          </a:p>
+        </p:txBody>
+      </p:sp>
+      <p:sp>
+        <p:nvSpPr>
+          <p:cNvPr id="169" name="OTLSHAPE_TB_00000000000000000000000000000000_TimescaleInterval1">
+            <a:extLst>
+              <a:ext uri="{FF2B5EF4-FFF2-40B4-BE49-F238E27FC236}">
+                <a16:creationId xmlns:a16="http://schemas.microsoft.com/office/drawing/2014/main" id="{B3EE131E-D23C-BA41-9779-EEB764011012}"/>
+              </a:ext>
+            </a:extLst>
+          </p:cNvPr>
+          <p:cNvSpPr txBox="1"/>
+          <p:nvPr>
+            <p:custDataLst>
+              <p:tags r:id="rId125"/>
+            </p:custDataLst>
+          </p:nvPr>
+        </p:nvSpPr>
+        <p:spPr>
+          <a:xfrm>
+            <a:off x="2342786" y="4746459"/>
+            <a:ext cx="355600" cy="139531"/>
+          </a:xfrm>
+          <a:prstGeom prst="rect">
+            <a:avLst/>
+          </a:prstGeom>
+          <a:noFill/>
+        </p:spPr>
+        <p:txBody>
+          <a:bodyPr vert="horz" wrap="none" lIns="0" tIns="0" rIns="0" bIns="0" rtlCol="0" anchor="ctr" anchorCtr="0">
+            <a:noAutofit/>
+          </a:bodyPr>
+          <a:lstStyle/>
+          <a:p>
+            <a:r>
+              <a:rPr lang="en-US" sz="1400" spc="-6" dirty="0">
+                <a:solidFill>
+                  <a:schemeClr val="lt1"/>
+                </a:solidFill>
+                <a:latin typeface="Calibri" panose="020F0502020204030204" pitchFamily="34" charset="0"/>
+              </a:rPr>
+              <a:t>7/16</a:t>
+            </a:r>
+          </a:p>
+        </p:txBody>
+      </p:sp>
+      <p:sp>
+        <p:nvSpPr>
+          <p:cNvPr id="170" name="OTLSHAPE_TB_00000000000000000000000000000000_TimescaleInterval1">
+            <a:extLst>
+              <a:ext uri="{FF2B5EF4-FFF2-40B4-BE49-F238E27FC236}">
+                <a16:creationId xmlns:a16="http://schemas.microsoft.com/office/drawing/2014/main" id="{F0E02B53-1297-5C40-8369-4A10F1452FD7}"/>
+              </a:ext>
+            </a:extLst>
+          </p:cNvPr>
+          <p:cNvSpPr txBox="1"/>
+          <p:nvPr>
+            <p:custDataLst>
+              <p:tags r:id="rId126"/>
+            </p:custDataLst>
+          </p:nvPr>
+        </p:nvSpPr>
+        <p:spPr>
+          <a:xfrm>
+            <a:off x="4447307" y="4738042"/>
+            <a:ext cx="355600" cy="139531"/>
+          </a:xfrm>
+          <a:prstGeom prst="rect">
+            <a:avLst/>
+          </a:prstGeom>
+          <a:noFill/>
+        </p:spPr>
+        <p:txBody>
+          <a:bodyPr vert="horz" wrap="none" lIns="0" tIns="0" rIns="0" bIns="0" rtlCol="0" anchor="ctr" anchorCtr="0">
+            <a:noAutofit/>
+          </a:bodyPr>
+          <a:lstStyle/>
+          <a:p>
+            <a:r>
+              <a:rPr lang="en-US" sz="1400" spc="-6" dirty="0">
+                <a:solidFill>
+                  <a:schemeClr val="lt1"/>
+                </a:solidFill>
+                <a:latin typeface="Calibri" panose="020F0502020204030204" pitchFamily="34" charset="0"/>
+              </a:rPr>
+              <a:t>7/23</a:t>
+            </a:r>
+          </a:p>
+        </p:txBody>
+      </p:sp>
+      <p:sp>
+        <p:nvSpPr>
+          <p:cNvPr id="171" name="OTLSHAPE_TB_00000000000000000000000000000000_TimescaleInterval1">
+            <a:extLst>
+              <a:ext uri="{FF2B5EF4-FFF2-40B4-BE49-F238E27FC236}">
+                <a16:creationId xmlns:a16="http://schemas.microsoft.com/office/drawing/2014/main" id="{CDB5727C-2CC2-EB45-A908-E2BFCF2231DA}"/>
+              </a:ext>
+            </a:extLst>
+          </p:cNvPr>
+          <p:cNvSpPr txBox="1"/>
+          <p:nvPr>
+            <p:custDataLst>
+              <p:tags r:id="rId127"/>
+            </p:custDataLst>
+          </p:nvPr>
+        </p:nvSpPr>
+        <p:spPr>
+          <a:xfrm>
+            <a:off x="6850593" y="4732787"/>
+            <a:ext cx="355600" cy="139531"/>
+          </a:xfrm>
+          <a:prstGeom prst="rect">
+            <a:avLst/>
+          </a:prstGeom>
+          <a:noFill/>
+        </p:spPr>
+        <p:txBody>
+          <a:bodyPr vert="horz" wrap="none" lIns="0" tIns="0" rIns="0" bIns="0" rtlCol="0" anchor="ctr" anchorCtr="0">
+            <a:noAutofit/>
+          </a:bodyPr>
+          <a:lstStyle/>
+          <a:p>
+            <a:r>
+              <a:rPr lang="en-US" sz="1400" spc="-6" dirty="0">
+                <a:solidFill>
+                  <a:schemeClr val="lt1"/>
+                </a:solidFill>
+                <a:latin typeface="Calibri" panose="020F0502020204030204" pitchFamily="34" charset="0"/>
+              </a:rPr>
+              <a:t>7/30</a:t>
+            </a:r>
+          </a:p>
+        </p:txBody>
+      </p:sp>
+      <p:sp>
+        <p:nvSpPr>
+          <p:cNvPr id="179" name="OTLSHAPE_TB_00000000000000000000000000000000_TimescaleInterval1">
+            <a:extLst>
+              <a:ext uri="{FF2B5EF4-FFF2-40B4-BE49-F238E27FC236}">
+                <a16:creationId xmlns:a16="http://schemas.microsoft.com/office/drawing/2014/main" id="{22109C8D-D9F3-BC45-855B-CE23C91B3A9B}"/>
+              </a:ext>
+            </a:extLst>
+          </p:cNvPr>
+          <p:cNvSpPr txBox="1"/>
+          <p:nvPr>
+            <p:custDataLst>
+              <p:tags r:id="rId128"/>
+            </p:custDataLst>
+          </p:nvPr>
+        </p:nvSpPr>
+        <p:spPr>
+          <a:xfrm>
+            <a:off x="8786179" y="4725901"/>
+            <a:ext cx="355600" cy="139531"/>
+          </a:xfrm>
+          <a:prstGeom prst="rect">
+            <a:avLst/>
+          </a:prstGeom>
+          <a:noFill/>
+        </p:spPr>
+        <p:txBody>
+          <a:bodyPr vert="horz" wrap="none" lIns="0" tIns="0" rIns="0" bIns="0" rtlCol="0" anchor="ctr" anchorCtr="0">
+            <a:noAutofit/>
+          </a:bodyPr>
+          <a:lstStyle/>
+          <a:p>
+            <a:r>
+              <a:rPr lang="en-US" sz="1400" spc="-6" dirty="0">
+                <a:solidFill>
+                  <a:schemeClr val="lt1"/>
+                </a:solidFill>
+                <a:latin typeface="Calibri" panose="020F0502020204030204" pitchFamily="34" charset="0"/>
+              </a:rPr>
+              <a:t>8/3</a:t>
+            </a:r>
+          </a:p>
+        </p:txBody>
+      </p:sp>
+      <p:sp>
+        <p:nvSpPr>
+          <p:cNvPr id="191" name="OTLSHAPE_T_ac1ef414023b498ab438285066d789ef_Shape">
+            <a:extLst>
+              <a:ext uri="{FF2B5EF4-FFF2-40B4-BE49-F238E27FC236}">
+                <a16:creationId xmlns:a16="http://schemas.microsoft.com/office/drawing/2014/main" id="{A19E8ED8-2099-0446-B601-8FA9286B9857}"/>
+              </a:ext>
+            </a:extLst>
+          </p:cNvPr>
+          <p:cNvSpPr/>
+          <p:nvPr>
+            <p:custDataLst>
+              <p:tags r:id="rId129"/>
+            </p:custDataLst>
+          </p:nvPr>
+        </p:nvSpPr>
+        <p:spPr>
+          <a:xfrm>
+            <a:off x="4093936" y="3923794"/>
+            <a:ext cx="2916897" cy="263448"/>
+          </a:xfrm>
+          <a:prstGeom prst="chevron">
+            <a:avLst/>
+          </a:prstGeom>
+          <a:solidFill>
+            <a:srgbClr val="548235"/>
+          </a:solidFill>
+          <a:ln w="12700" cap="flat" cmpd="sng" algn="ctr">
+            <a:noFill/>
+            <a:prstDash val="solid"/>
+            <a:miter lim="800000"/>
+          </a:ln>
+          <a:effectLst/>
+          <a:scene3d>
+            <a:camera prst="orthographicFront"/>
+            <a:lightRig rig="balanced" dir="t">
+              <a:rot lat="0" lon="0" rev="8700000"/>
+            </a:lightRig>
+          </a:scene3d>
+          <a:sp3d>
+            <a:bevelT w="165100" h="12700"/>
+          </a:sp3d>
+          <a:extLst>
+            <a:ext uri="{91240B29-F687-4F45-9708-019B960494DF}">
+              <a14:hiddenLine xmlns:a14="http://schemas.microsoft.com/office/drawing/2010/main" w="12700" cap="flat" cmpd="sng" algn="ctr">
+                <a:solidFill>
+                  <a:schemeClr val="accent1">
+                    <a:shade val="50000"/>
+                  </a:schemeClr>
+                </a:solidFill>
+                <a:prstDash val="solid"/>
+                <a:miter lim="800000"/>
+              </a14:hiddenLine>
+            </a:ext>
+            <a:ext uri="{AF507438-7753-43E0-B8FC-AC1667EBCBE1}">
+              <a14:hiddenEffects xmlns:a14="http://schemas.microsoft.com/office/drawing/2010/main">
+                <a:effectLst>
+                  <a:outerShdw>
+                    <a:scrgbClr r="0" g="0" b="0">
+                      <a:alpha val="50000"/>
+                    </a:scrgbClr>
+                  </a:outerShdw>
+                </a:effectLst>
+              </a14:hiddenEffects>
+            </a:ext>
+            <a:ext uri="{53640926-AAD7-44D8-BBD7-CCE9431645EC}">
+              <a14:shadowObscured xmlns:a14="http://schemas.microsoft.com/office/drawing/2010/main" val="1"/>
+            </a:ext>
+          </a:extLst>
+        </p:spPr>
+        <p:style>
+          <a:lnRef idx="2">
+            <a:schemeClr val="accent1">
+              <a:shade val="50000"/>
+            </a:schemeClr>
+          </a:lnRef>
+          <a:fillRef idx="1">
+            <a:schemeClr val="accent1"/>
+          </a:fillRef>
+          <a:effectRef idx="0">
+            <a:schemeClr val="accent1"/>
+          </a:effectRef>
+          <a:fontRef idx="minor">
+            <a:schemeClr val="lt1"/>
+          </a:fontRef>
+        </p:style>
+        <p:txBody>
+          <a:bodyPr rtlCol="0" anchor="ctr"/>
+          <a:lstStyle/>
+          <a:p>
+            <a:pPr algn="ctr"/>
+            <a:r>
+              <a:rPr lang="en-US" altLang="ko-KR" sz="1400" dirty="0">
+                <a:latin typeface="Calibri" panose="020F0502020204030204" pitchFamily="34" charset="0"/>
+              </a:rPr>
+              <a:t>New feature development</a:t>
+            </a:r>
+          </a:p>
+        </p:txBody>
+      </p:sp>
+      <p:sp>
+        <p:nvSpPr>
+          <p:cNvPr id="195" name="OTLSHAPE_T_7b6fba2144cf463e8b9daf026c745a6d_Shape">
+            <a:extLst>
+              <a:ext uri="{FF2B5EF4-FFF2-40B4-BE49-F238E27FC236}">
+                <a16:creationId xmlns:a16="http://schemas.microsoft.com/office/drawing/2014/main" id="{2044742E-3102-C147-9E76-7FF73C4C1DB4}"/>
+              </a:ext>
+            </a:extLst>
+          </p:cNvPr>
+          <p:cNvSpPr/>
+          <p:nvPr>
+            <p:custDataLst>
+              <p:tags r:id="rId130"/>
+            </p:custDataLst>
+          </p:nvPr>
+        </p:nvSpPr>
+        <p:spPr>
+          <a:xfrm>
+            <a:off x="7777728" y="4246831"/>
+            <a:ext cx="1188968" cy="263448"/>
+          </a:xfrm>
+          <a:prstGeom prst="chevron">
+            <a:avLst/>
+          </a:prstGeom>
+          <a:solidFill>
+            <a:schemeClr val="dk2"/>
+          </a:solidFill>
+          <a:ln w="12700" cap="flat" cmpd="sng" algn="ctr">
+            <a:noFill/>
+            <a:prstDash val="solid"/>
+            <a:miter lim="800000"/>
+          </a:ln>
+          <a:effectLst/>
+          <a:scene3d>
+            <a:camera prst="orthographicFront"/>
+            <a:lightRig rig="balanced" dir="t">
+              <a:rot lat="0" lon="0" rev="8700000"/>
+            </a:lightRig>
+          </a:scene3d>
+          <a:sp3d>
+            <a:bevelT w="165100" h="12700"/>
+          </a:sp3d>
+          <a:extLst>
+            <a:ext uri="{91240B29-F687-4F45-9708-019B960494DF}">
+              <a14:hiddenLine xmlns:a14="http://schemas.microsoft.com/office/drawing/2010/main" w="12700" cap="flat" cmpd="sng" algn="ctr">
+                <a:solidFill>
+                  <a:schemeClr val="accent1">
+                    <a:shade val="50000"/>
+                  </a:schemeClr>
+                </a:solidFill>
+                <a:prstDash val="solid"/>
+                <a:miter lim="800000"/>
+              </a14:hiddenLine>
+            </a:ext>
+            <a:ext uri="{AF507438-7753-43E0-B8FC-AC1667EBCBE1}">
+              <a14:hiddenEffects xmlns:a14="http://schemas.microsoft.com/office/drawing/2010/main">
+                <a:effectLst>
+                  <a:outerShdw>
+                    <a:scrgbClr r="0" g="0" b="0">
+                      <a:alpha val="50000"/>
+                    </a:scrgbClr>
+                  </a:outerShdw>
+                </a:effectLst>
+              </a14:hiddenEffects>
+            </a:ext>
+            <a:ext uri="{53640926-AAD7-44D8-BBD7-CCE9431645EC}">
+              <a14:shadowObscured xmlns:a14="http://schemas.microsoft.com/office/drawing/2010/main" val="1"/>
+            </a:ext>
+          </a:extLst>
+        </p:spPr>
+        <p:style>
+          <a:lnRef idx="2">
+            <a:schemeClr val="accent1">
+              <a:shade val="50000"/>
+            </a:schemeClr>
+          </a:lnRef>
+          <a:fillRef idx="1">
+            <a:schemeClr val="accent1"/>
+          </a:fillRef>
+          <a:effectRef idx="0">
+            <a:schemeClr val="accent1"/>
+          </a:effectRef>
+          <a:fontRef idx="minor">
+            <a:schemeClr val="lt1"/>
+          </a:fontRef>
+        </p:style>
+        <p:txBody>
+          <a:bodyPr rtlCol="0" anchor="ctr"/>
+          <a:lstStyle/>
+          <a:p>
+            <a:pPr algn="ctr"/>
+            <a:endParaRPr lang="en-US" altLang="ko-KR" sz="1400" dirty="0">
+              <a:solidFill>
+                <a:schemeClr val="bg1"/>
+              </a:solidFill>
+              <a:latin typeface="Calibri" panose="020F0502020204030204" pitchFamily="34" charset="0"/>
+            </a:endParaRPr>
+          </a:p>
+        </p:txBody>
+      </p:sp>
+      <p:sp>
+        <p:nvSpPr>
+          <p:cNvPr id="199" name="OTLSHAPE_T_8d75aaf91f11405d8720698af5304071_Shape">
+            <a:extLst>
+              <a:ext uri="{FF2B5EF4-FFF2-40B4-BE49-F238E27FC236}">
+                <a16:creationId xmlns:a16="http://schemas.microsoft.com/office/drawing/2014/main" id="{25632942-0C42-FA4C-85B0-96E7444A15A9}"/>
+              </a:ext>
+            </a:extLst>
+          </p:cNvPr>
+          <p:cNvSpPr/>
+          <p:nvPr>
+            <p:custDataLst>
+              <p:tags r:id="rId131"/>
+            </p:custDataLst>
+          </p:nvPr>
+        </p:nvSpPr>
+        <p:spPr>
+          <a:xfrm>
+            <a:off x="7045322" y="1532253"/>
+            <a:ext cx="1921373" cy="512059"/>
+          </a:xfrm>
+          <a:prstGeom prst="leftRightArrow">
+            <a:avLst>
+              <a:gd name="adj1" fmla="val 75000"/>
+              <a:gd name="adj2" fmla="val 50000"/>
+            </a:avLst>
+          </a:prstGeom>
+          <a:solidFill>
+            <a:schemeClr val="accent1"/>
+          </a:solidFill>
+          <a:ln w="12700" cap="flat" cmpd="sng" algn="ctr">
+            <a:noFill/>
+            <a:prstDash val="solid"/>
+            <a:miter lim="800000"/>
+          </a:ln>
+          <a:effectLst/>
+          <a:scene3d>
+            <a:camera prst="orthographicFront"/>
+            <a:lightRig rig="balanced" dir="t">
+              <a:rot lat="0" lon="0" rev="8700000"/>
+            </a:lightRig>
+          </a:scene3d>
+          <a:sp3d>
+            <a:bevelT w="165100" h="12700"/>
+          </a:sp3d>
+          <a:extLst>
+            <a:ext uri="{91240B29-F687-4F45-9708-019B960494DF}">
+              <a14:hiddenLine xmlns:a14="http://schemas.microsoft.com/office/drawing/2010/main" w="12700" cap="flat" cmpd="sng" algn="ctr">
+                <a:solidFill>
+                  <a:schemeClr val="accent1">
+                    <a:shade val="50000"/>
+                  </a:schemeClr>
+                </a:solidFill>
+                <a:prstDash val="solid"/>
+                <a:miter lim="800000"/>
+              </a14:hiddenLine>
+            </a:ext>
+            <a:ext uri="{AF507438-7753-43E0-B8FC-AC1667EBCBE1}">
+              <a14:hiddenEffects xmlns:a14="http://schemas.microsoft.com/office/drawing/2010/main">
+                <a:effectLst>
+                  <a:outerShdw>
+                    <a:scrgbClr r="0" g="0" b="0">
+                      <a:alpha val="50000"/>
+                    </a:scrgbClr>
+                  </a:outerShdw>
+                </a:effectLst>
+              </a14:hiddenEffects>
+            </a:ext>
+            <a:ext uri="{53640926-AAD7-44D8-BBD7-CCE9431645EC}">
+              <a14:shadowObscured xmlns:a14="http://schemas.microsoft.com/office/drawing/2010/main" val="1"/>
+            </a:ext>
+          </a:extLst>
+        </p:spPr>
+        <p:style>
+          <a:lnRef idx="2">
+            <a:schemeClr val="accent1">
+              <a:shade val="50000"/>
+            </a:schemeClr>
+          </a:lnRef>
+          <a:fillRef idx="1">
+            <a:schemeClr val="accent1"/>
+          </a:fillRef>
+          <a:effectRef idx="0">
+            <a:schemeClr val="accent1"/>
+          </a:effectRef>
+          <a:fontRef idx="minor">
+            <a:schemeClr val="lt1"/>
+          </a:fontRef>
+        </p:style>
+        <p:txBody>
+          <a:bodyPr rtlCol="0" anchor="ctr"/>
+          <a:lstStyle/>
+          <a:p>
+            <a:pPr algn="ctr"/>
+            <a:r>
+              <a:rPr lang="en-US" altLang="ko-KR" sz="1400" b="1" dirty="0">
+                <a:solidFill>
+                  <a:schemeClr val="bg1"/>
+                </a:solidFill>
+                <a:latin typeface="Calibri" panose="020F0502020204030204" pitchFamily="34" charset="0"/>
+              </a:rPr>
+              <a:t>System test phase 2 &amp; wrap-up</a:t>
+            </a:r>
+          </a:p>
+        </p:txBody>
+      </p:sp>
+      <p:sp>
+        <p:nvSpPr>
+          <p:cNvPr id="201" name="OTLSHAPE_T_a1fe2df1afb74a24b48db95b6b338bf9_JoinedDate">
+            <a:extLst>
+              <a:ext uri="{FF2B5EF4-FFF2-40B4-BE49-F238E27FC236}">
+                <a16:creationId xmlns:a16="http://schemas.microsoft.com/office/drawing/2014/main" id="{E9846D34-033D-A54C-9137-65DEDF0E0585}"/>
+              </a:ext>
+            </a:extLst>
+          </p:cNvPr>
+          <p:cNvSpPr txBox="1"/>
+          <p:nvPr>
+            <p:custDataLst>
+              <p:tags r:id="rId132"/>
+            </p:custDataLst>
+          </p:nvPr>
+        </p:nvSpPr>
+        <p:spPr>
+          <a:xfrm>
+            <a:off x="7322305" y="1262707"/>
+            <a:ext cx="1404815" cy="243212"/>
+          </a:xfrm>
+          <a:prstGeom prst="rect">
+            <a:avLst/>
+          </a:prstGeom>
+          <a:noFill/>
+          <a:extLst>
+            <a:ext uri="{91240B29-F687-4F45-9708-019B960494DF}">
+              <a14:hiddenLine xmlns:a14="http://schemas.microsoft.com/office/drawing/2010/main" w="12700" cap="flat" cmpd="sng" algn="ctr">
+                <a:solidFill>
+                  <a:schemeClr val="accent1">
+                    <a:shade val="50000"/>
+                  </a:schemeClr>
+                </a:solidFill>
+                <a:prstDash val="solid"/>
+                <a:miter lim="800000"/>
+              </a14:hiddenLine>
+            </a:ext>
+            <a:ext uri="{AF507438-7753-43E0-B8FC-AC1667EBCBE1}">
+              <a14:hiddenEffects xmlns:a14="http://schemas.microsoft.com/office/drawing/2010/main">
+                <a:effectLst>
+                  <a:outerShdw>
+                    <a:scrgbClr r="0" g="0" b="0">
+                      <a:alpha val="50000"/>
+                    </a:scrgbClr>
+                  </a:outerShdw>
+                </a:effectLst>
+              </a14:hiddenEffects>
+            </a:ext>
+          </a:extLst>
+        </p:spPr>
+        <p:txBody>
+          <a:bodyPr vert="horz" wrap="square" lIns="0" tIns="0" rIns="0" bIns="0" rtlCol="0" anchor="ctr" anchorCtr="0">
+            <a:noAutofit/>
+          </a:bodyPr>
+          <a:lstStyle/>
+          <a:p>
+            <a:pPr algn="ctr"/>
+            <a:r>
+              <a:rPr lang="en-US" sz="1400" b="1" dirty="0">
+                <a:solidFill>
+                  <a:schemeClr val="accent1"/>
+                </a:solidFill>
+                <a:latin typeface="Calibri" panose="020F0502020204030204" pitchFamily="34" charset="0"/>
+              </a:rPr>
+              <a:t>July 23 – Aug. 3</a:t>
+            </a:r>
+          </a:p>
+        </p:txBody>
+      </p:sp>
+      <p:sp>
+        <p:nvSpPr>
+          <p:cNvPr id="208" name="OTLSHAPE_M_9438b85ee1f54061980733bd47489094_Shape">
+            <a:extLst>
+              <a:ext uri="{FF2B5EF4-FFF2-40B4-BE49-F238E27FC236}">
+                <a16:creationId xmlns:a16="http://schemas.microsoft.com/office/drawing/2014/main" id="{C69D6979-4A0E-1B40-ABC8-65B63A964F23}"/>
+              </a:ext>
+            </a:extLst>
+          </p:cNvPr>
+          <p:cNvSpPr/>
+          <p:nvPr>
+            <p:custDataLst>
+              <p:tags r:id="rId133"/>
+            </p:custDataLst>
+          </p:nvPr>
+        </p:nvSpPr>
+        <p:spPr>
+          <a:xfrm>
+            <a:off x="4405736" y="4977002"/>
+            <a:ext cx="177800" cy="190500"/>
+          </a:xfrm>
+          <a:prstGeom prst="diamond">
+            <a:avLst/>
+          </a:prstGeom>
+          <a:solidFill>
+            <a:schemeClr val="accent2"/>
+          </a:solidFill>
+          <a:ln w="12700" cap="flat" cmpd="sng" algn="ctr">
+            <a:noFill/>
+            <a:prstDash val="solid"/>
+            <a:miter lim="800000"/>
+          </a:ln>
+          <a:effectLst/>
+          <a:scene3d>
+            <a:camera prst="orthographicFront"/>
+            <a:lightRig rig="threePt" dir="t"/>
+          </a:scene3d>
+          <a:sp3d>
+            <a:bevelT h="12700"/>
+          </a:sp3d>
+          <a:extLst>
+            <a:ext uri="{91240B29-F687-4F45-9708-019B960494DF}">
+              <a14:hiddenLine xmlns:a14="http://schemas.microsoft.com/office/drawing/2010/main" w="12700" cap="flat" cmpd="sng" algn="ctr">
+                <a:solidFill>
+                  <a:schemeClr val="accent1">
+                    <a:shade val="50000"/>
+                  </a:schemeClr>
+                </a:solidFill>
+                <a:prstDash val="solid"/>
+                <a:miter lim="800000"/>
+              </a14:hiddenLine>
+            </a:ext>
+            <a:ext uri="{AF507438-7753-43E0-B8FC-AC1667EBCBE1}">
+              <a14:hiddenEffects xmlns:a14="http://schemas.microsoft.com/office/drawing/2010/main">
+                <a:effectLst>
+                  <a:outerShdw>
+                    <a:scrgbClr r="0" g="0" b="0">
+                      <a:alpha val="50000"/>
+                    </a:scrgbClr>
+                  </a:outerShdw>
+                </a:effectLst>
+              </a14:hiddenEffects>
+            </a:ext>
+            <a:ext uri="{53640926-AAD7-44D8-BBD7-CCE9431645EC}">
+              <a14:shadowObscured xmlns:a14="http://schemas.microsoft.com/office/drawing/2010/main" val="1"/>
+            </a:ext>
+          </a:extLst>
+        </p:spPr>
+        <p:style>
+          <a:lnRef idx="2">
+            <a:schemeClr val="accent1">
+              <a:shade val="50000"/>
+            </a:schemeClr>
+          </a:lnRef>
+          <a:fillRef idx="1">
+            <a:schemeClr val="accent1"/>
+          </a:fillRef>
+          <a:effectRef idx="0">
+            <a:schemeClr val="accent1"/>
+          </a:effectRef>
+          <a:fontRef idx="minor">
+            <a:schemeClr val="lt1"/>
+          </a:fontRef>
+        </p:style>
+        <p:txBody>
+          <a:bodyPr rtlCol="0" anchor="ctr"/>
+          <a:lstStyle/>
+          <a:p>
+            <a:pPr algn="ctr"/>
+            <a:endParaRPr lang="en-US"/>
+          </a:p>
+        </p:txBody>
+      </p:sp>
+      <p:sp>
+        <p:nvSpPr>
+          <p:cNvPr id="210" name="OTLSHAPE_M_9438b85ee1f54061980733bd47489094_Title">
+            <a:extLst>
+              <a:ext uri="{FF2B5EF4-FFF2-40B4-BE49-F238E27FC236}">
+                <a16:creationId xmlns:a16="http://schemas.microsoft.com/office/drawing/2014/main" id="{D6B2B8F8-58CA-644E-B2C1-8F9BA7262454}"/>
+              </a:ext>
+            </a:extLst>
+          </p:cNvPr>
+          <p:cNvSpPr txBox="1"/>
+          <p:nvPr>
+            <p:custDataLst>
+              <p:tags r:id="rId134"/>
+            </p:custDataLst>
+          </p:nvPr>
+        </p:nvSpPr>
+        <p:spPr>
+          <a:xfrm>
+            <a:off x="2969374" y="5335387"/>
+            <a:ext cx="1482179" cy="45719"/>
+          </a:xfrm>
+          <a:prstGeom prst="rect">
+            <a:avLst/>
+          </a:prstGeom>
+          <a:noFill/>
+        </p:spPr>
+        <p:txBody>
+          <a:bodyPr vert="horz" wrap="square" lIns="0" tIns="0" rIns="0" bIns="0" rtlCol="0" anchor="ctr" anchorCtr="0">
+            <a:noAutofit/>
+          </a:bodyPr>
+          <a:lstStyle/>
+          <a:p>
+            <a:pPr algn="ctr"/>
+            <a:endParaRPr lang="en-US" sz="1200" b="1" i="1" dirty="0">
+              <a:solidFill>
+                <a:schemeClr val="dk1"/>
+              </a:solidFill>
+              <a:latin typeface="Calibri" panose="020F0502020204030204" pitchFamily="34" charset="0"/>
+            </a:endParaRPr>
+          </a:p>
+        </p:txBody>
+      </p:sp>
+      <p:sp>
+        <p:nvSpPr>
+          <p:cNvPr id="211" name="OTLSHAPE_M_9438b85ee1f54061980733bd47489094_Title">
+            <a:extLst>
+              <a:ext uri="{FF2B5EF4-FFF2-40B4-BE49-F238E27FC236}">
+                <a16:creationId xmlns:a16="http://schemas.microsoft.com/office/drawing/2014/main" id="{762FB163-577E-4642-B5B4-7C69E93E3CAC}"/>
+              </a:ext>
+            </a:extLst>
+          </p:cNvPr>
+          <p:cNvSpPr txBox="1"/>
+          <p:nvPr>
+            <p:custDataLst>
+              <p:tags r:id="rId135"/>
+            </p:custDataLst>
+          </p:nvPr>
+        </p:nvSpPr>
+        <p:spPr>
+          <a:xfrm>
+            <a:off x="3795542" y="5334476"/>
+            <a:ext cx="1482179" cy="45719"/>
+          </a:xfrm>
+          <a:prstGeom prst="rect">
+            <a:avLst/>
+          </a:prstGeom>
+          <a:noFill/>
+        </p:spPr>
+        <p:txBody>
+          <a:bodyPr vert="horz" wrap="square" lIns="0" tIns="0" rIns="0" bIns="0" rtlCol="0" anchor="ctr" anchorCtr="0">
+            <a:noAutofit/>
+          </a:bodyPr>
+          <a:lstStyle/>
+          <a:p>
+            <a:pPr algn="ctr"/>
+            <a:r>
+              <a:rPr lang="en-US" sz="1200" b="1" dirty="0">
+                <a:solidFill>
+                  <a:schemeClr val="dk1"/>
+                </a:solidFill>
+                <a:latin typeface="Calibri" panose="020F0502020204030204" pitchFamily="34" charset="0"/>
+              </a:rPr>
+              <a:t>Integration test </a:t>
+            </a:r>
+          </a:p>
+          <a:p>
+            <a:pPr algn="ctr"/>
+            <a:r>
+              <a:rPr lang="en-US" sz="1200" b="1" dirty="0">
+                <a:solidFill>
+                  <a:schemeClr val="dk1"/>
+                </a:solidFill>
+                <a:latin typeface="Calibri" panose="020F0502020204030204" pitchFamily="34" charset="0"/>
+              </a:rPr>
+              <a:t>Complete</a:t>
+            </a:r>
+          </a:p>
+        </p:txBody>
+      </p:sp>
+      <p:sp>
+        <p:nvSpPr>
+          <p:cNvPr id="213" name="OTLSHAPE_M_d655f089477b436facc530480eae84e5_Shape">
+            <a:extLst>
+              <a:ext uri="{FF2B5EF4-FFF2-40B4-BE49-F238E27FC236}">
+                <a16:creationId xmlns:a16="http://schemas.microsoft.com/office/drawing/2014/main" id="{A0EBD8D2-DE5A-5640-A350-6D21406A9D9F}"/>
+              </a:ext>
+            </a:extLst>
+          </p:cNvPr>
+          <p:cNvSpPr/>
+          <p:nvPr>
+            <p:custDataLst>
+              <p:tags r:id="rId136"/>
+            </p:custDataLst>
+          </p:nvPr>
+        </p:nvSpPr>
+        <p:spPr>
+          <a:xfrm>
+            <a:off x="7698290" y="4977002"/>
+            <a:ext cx="177800" cy="190500"/>
+          </a:xfrm>
+          <a:prstGeom prst="diamond">
+            <a:avLst/>
+          </a:prstGeom>
+          <a:solidFill>
+            <a:srgbClr val="B20E12"/>
+          </a:solidFill>
+          <a:ln w="12700" cap="flat" cmpd="sng" algn="ctr">
+            <a:noFill/>
+            <a:prstDash val="solid"/>
+            <a:miter lim="800000"/>
+          </a:ln>
+          <a:effectLst/>
+          <a:scene3d>
+            <a:camera prst="orthographicFront"/>
+            <a:lightRig rig="threePt" dir="t"/>
+          </a:scene3d>
+          <a:sp3d>
+            <a:bevelT h="12700"/>
+          </a:sp3d>
+          <a:extLst>
+            <a:ext uri="{91240B29-F687-4F45-9708-019B960494DF}">
+              <a14:hiddenLine xmlns:a14="http://schemas.microsoft.com/office/drawing/2010/main" w="12700" cap="flat" cmpd="sng" algn="ctr">
+                <a:solidFill>
+                  <a:schemeClr val="accent1">
+                    <a:shade val="50000"/>
+                  </a:schemeClr>
+                </a:solidFill>
+                <a:prstDash val="solid"/>
+                <a:miter lim="800000"/>
+              </a14:hiddenLine>
+            </a:ext>
+            <a:ext uri="{AF507438-7753-43E0-B8FC-AC1667EBCBE1}">
+              <a14:hiddenEffects xmlns:a14="http://schemas.microsoft.com/office/drawing/2010/main">
+                <a:effectLst>
+                  <a:outerShdw>
+                    <a:scrgbClr r="0" g="0" b="0">
+                      <a:alpha val="50000"/>
+                    </a:scrgbClr>
+                  </a:outerShdw>
+                </a:effectLst>
+              </a14:hiddenEffects>
+            </a:ext>
+            <a:ext uri="{53640926-AAD7-44D8-BBD7-CCE9431645EC}">
+              <a14:shadowObscured xmlns:a14="http://schemas.microsoft.com/office/drawing/2010/main" val="1"/>
+            </a:ext>
+          </a:extLst>
+        </p:spPr>
+        <p:style>
+          <a:lnRef idx="2">
+            <a:schemeClr val="accent1">
+              <a:shade val="50000"/>
+            </a:schemeClr>
+          </a:lnRef>
+          <a:fillRef idx="1">
+            <a:schemeClr val="accent1"/>
+          </a:fillRef>
+          <a:effectRef idx="0">
+            <a:schemeClr val="accent1"/>
+          </a:effectRef>
+          <a:fontRef idx="minor">
+            <a:schemeClr val="lt1"/>
+          </a:fontRef>
+        </p:style>
+        <p:txBody>
+          <a:bodyPr rtlCol="0" anchor="ctr"/>
+          <a:lstStyle/>
+          <a:p>
+            <a:pPr algn="ctr"/>
+            <a:endParaRPr lang="en-US"/>
+          </a:p>
+        </p:txBody>
+      </p:sp>
+      <p:sp>
+        <p:nvSpPr>
+          <p:cNvPr id="214" name="OTLSHAPE_M_d655f089477b436facc530480eae84e5_Title">
+            <a:extLst>
+              <a:ext uri="{FF2B5EF4-FFF2-40B4-BE49-F238E27FC236}">
+                <a16:creationId xmlns:a16="http://schemas.microsoft.com/office/drawing/2014/main" id="{629BAFF4-9707-3649-A7B7-4FCC21CE7462}"/>
+              </a:ext>
+            </a:extLst>
+          </p:cNvPr>
+          <p:cNvSpPr txBox="1"/>
+          <p:nvPr>
+            <p:custDataLst>
+              <p:tags r:id="rId137"/>
+            </p:custDataLst>
+          </p:nvPr>
+        </p:nvSpPr>
+        <p:spPr>
+          <a:xfrm>
+            <a:off x="7101082" y="5275382"/>
+            <a:ext cx="1438729" cy="137718"/>
+          </a:xfrm>
+          <a:prstGeom prst="rect">
+            <a:avLst/>
+          </a:prstGeom>
+          <a:noFill/>
+        </p:spPr>
+        <p:txBody>
+          <a:bodyPr vert="horz" wrap="square" lIns="0" tIns="0" rIns="0" bIns="0" rtlCol="0" anchor="ctr" anchorCtr="0">
+            <a:noAutofit/>
+          </a:bodyPr>
+          <a:lstStyle/>
+          <a:p>
+            <a:pPr algn="ctr"/>
+            <a:r>
+              <a:rPr lang="en-US" sz="1200" b="1" dirty="0">
+                <a:solidFill>
+                  <a:schemeClr val="dk1"/>
+                </a:solidFill>
+                <a:latin typeface="Calibri" panose="020F0502020204030204" pitchFamily="34" charset="0"/>
+              </a:rPr>
+              <a:t>P2 System test</a:t>
+            </a:r>
+          </a:p>
+          <a:p>
+            <a:pPr algn="ctr"/>
+            <a:r>
+              <a:rPr lang="en-US" sz="1200" b="1" dirty="0">
+                <a:solidFill>
+                  <a:schemeClr val="dk1"/>
+                </a:solidFill>
+                <a:latin typeface="Calibri" panose="020F0502020204030204" pitchFamily="34" charset="0"/>
+              </a:rPr>
+              <a:t>Complete</a:t>
+            </a:r>
+          </a:p>
+        </p:txBody>
+      </p:sp>
+      <p:sp>
+        <p:nvSpPr>
+          <p:cNvPr id="215" name="OTLSHAPE_M_ff7decb6e0db4851ac77cc8902440007_Title">
+            <a:extLst>
+              <a:ext uri="{FF2B5EF4-FFF2-40B4-BE49-F238E27FC236}">
+                <a16:creationId xmlns:a16="http://schemas.microsoft.com/office/drawing/2014/main" id="{DB2F15EC-12B8-FB4D-A15F-E4F6F342881F}"/>
+              </a:ext>
+            </a:extLst>
+          </p:cNvPr>
+          <p:cNvSpPr txBox="1"/>
+          <p:nvPr>
+            <p:custDataLst>
+              <p:tags r:id="rId138"/>
+            </p:custDataLst>
+          </p:nvPr>
+        </p:nvSpPr>
+        <p:spPr>
+          <a:xfrm>
+            <a:off x="4537880" y="4316191"/>
+            <a:ext cx="1269575" cy="313628"/>
+          </a:xfrm>
+          <a:prstGeom prst="rect">
+            <a:avLst/>
+          </a:prstGeom>
+          <a:noFill/>
+        </p:spPr>
+        <p:txBody>
+          <a:bodyPr vert="horz" wrap="square" lIns="0" tIns="0" rIns="0" bIns="0" rtlCol="0" anchor="ctr" anchorCtr="0">
+            <a:noAutofit/>
+          </a:bodyPr>
+          <a:lstStyle>
+            <a:defPPr>
+              <a:defRPr lang="en-US"/>
+            </a:defPPr>
+            <a:lvl1pPr algn="ctr">
+              <a:defRPr sz="1200" spc="-2">
+                <a:solidFill>
+                  <a:schemeClr val="accent3"/>
+                </a:solidFill>
+                <a:latin typeface="Calibri" panose="020F0502020204030204" pitchFamily="34" charset="0"/>
+              </a:defRPr>
+            </a:lvl1pPr>
+          </a:lstStyle>
+          <a:p>
+            <a:r>
+              <a:rPr lang="en-US" dirty="0"/>
+              <a:t>Mid-term presentation</a:t>
+            </a:r>
+          </a:p>
+        </p:txBody>
+      </p:sp>
+      <p:sp>
+        <p:nvSpPr>
+          <p:cNvPr id="216" name="OTLSHAPE_M_ce49b461dada4b4ba8016f97c5d69120_Shape">
+            <a:extLst>
+              <a:ext uri="{FF2B5EF4-FFF2-40B4-BE49-F238E27FC236}">
+                <a16:creationId xmlns:a16="http://schemas.microsoft.com/office/drawing/2014/main" id="{E0457D39-3FDE-2B4A-91AC-FBBBB161FDA8}"/>
+              </a:ext>
+            </a:extLst>
+          </p:cNvPr>
+          <p:cNvSpPr/>
+          <p:nvPr>
+            <p:custDataLst>
+              <p:tags r:id="rId139"/>
+            </p:custDataLst>
+          </p:nvPr>
+        </p:nvSpPr>
+        <p:spPr>
+          <a:xfrm>
+            <a:off x="8830870" y="4487000"/>
+            <a:ext cx="177800" cy="190500"/>
+          </a:xfrm>
+          <a:prstGeom prst="star5">
+            <a:avLst>
+              <a:gd name="adj" fmla="val 25000"/>
+              <a:gd name="hf" fmla="val 105146"/>
+              <a:gd name="vf" fmla="val 110557"/>
+            </a:avLst>
+          </a:prstGeom>
+          <a:solidFill>
+            <a:schemeClr val="accent4"/>
+          </a:solidFill>
+          <a:ln w="12700" cap="flat" cmpd="sng" algn="ctr">
+            <a:noFill/>
+            <a:prstDash val="solid"/>
+            <a:miter lim="800000"/>
+          </a:ln>
+          <a:effectLst/>
+          <a:scene3d>
+            <a:camera prst="orthographicFront"/>
+            <a:lightRig rig="threePt" dir="t"/>
+          </a:scene3d>
+          <a:sp3d>
+            <a:bevelT h="12700"/>
+          </a:sp3d>
+          <a:extLst>
+            <a:ext uri="{91240B29-F687-4F45-9708-019B960494DF}">
+              <a14:hiddenLine xmlns:a14="http://schemas.microsoft.com/office/drawing/2010/main" w="12700" cap="flat" cmpd="sng" algn="ctr">
+                <a:solidFill>
+                  <a:schemeClr val="accent1">
+                    <a:shade val="50000"/>
+                  </a:schemeClr>
+                </a:solidFill>
+                <a:prstDash val="solid"/>
+                <a:miter lim="800000"/>
+              </a14:hiddenLine>
+            </a:ext>
+            <a:ext uri="{AF507438-7753-43E0-B8FC-AC1667EBCBE1}">
+              <a14:hiddenEffects xmlns:a14="http://schemas.microsoft.com/office/drawing/2010/main">
+                <a:effectLst>
+                  <a:outerShdw>
+                    <a:scrgbClr r="0" g="0" b="0">
+                      <a:alpha val="50000"/>
+                    </a:scrgbClr>
+                  </a:outerShdw>
+                </a:effectLst>
+              </a14:hiddenEffects>
+            </a:ext>
+            <a:ext uri="{53640926-AAD7-44D8-BBD7-CCE9431645EC}">
+              <a14:shadowObscured xmlns:a14="http://schemas.microsoft.com/office/drawing/2010/main" val="1"/>
+            </a:ext>
+          </a:extLst>
+        </p:spPr>
+        <p:style>
+          <a:lnRef idx="2">
+            <a:schemeClr val="accent1">
+              <a:shade val="50000"/>
+            </a:schemeClr>
+          </a:lnRef>
+          <a:fillRef idx="1">
+            <a:schemeClr val="accent1"/>
+          </a:fillRef>
+          <a:effectRef idx="0">
+            <a:schemeClr val="accent1"/>
+          </a:effectRef>
+          <a:fontRef idx="minor">
+            <a:schemeClr val="lt1"/>
+          </a:fontRef>
+        </p:style>
+        <p:txBody>
+          <a:bodyPr rtlCol="0" anchor="ctr"/>
+          <a:lstStyle/>
+          <a:p>
+            <a:pPr algn="ctr"/>
+            <a:r>
+              <a:rPr lang="en-US" dirty="0"/>
+              <a:t>```</a:t>
+            </a:r>
+          </a:p>
+        </p:txBody>
+      </p:sp>
+      <p:sp>
+        <p:nvSpPr>
+          <p:cNvPr id="217" name="OTLSHAPE_M_ff7decb6e0db4851ac77cc8902440007_Title">
+            <a:extLst>
+              <a:ext uri="{FF2B5EF4-FFF2-40B4-BE49-F238E27FC236}">
+                <a16:creationId xmlns:a16="http://schemas.microsoft.com/office/drawing/2014/main" id="{02B8C2C3-776C-AC48-901A-C5A25FF2CC47}"/>
+              </a:ext>
+            </a:extLst>
+          </p:cNvPr>
+          <p:cNvSpPr txBox="1"/>
+          <p:nvPr>
+            <p:custDataLst>
+              <p:tags r:id="rId140"/>
+            </p:custDataLst>
+          </p:nvPr>
+        </p:nvSpPr>
+        <p:spPr>
+          <a:xfrm>
+            <a:off x="8091528" y="5039830"/>
+            <a:ext cx="1269575" cy="313628"/>
+          </a:xfrm>
+          <a:prstGeom prst="rect">
+            <a:avLst/>
+          </a:prstGeom>
+          <a:noFill/>
+        </p:spPr>
+        <p:txBody>
+          <a:bodyPr vert="horz" wrap="square" lIns="0" tIns="0" rIns="0" bIns="0" rtlCol="0" anchor="ctr" anchorCtr="0">
+            <a:noAutofit/>
+          </a:bodyPr>
+          <a:lstStyle>
+            <a:defPPr>
+              <a:defRPr lang="en-US"/>
+            </a:defPPr>
+            <a:lvl1pPr algn="ctr">
+              <a:defRPr sz="1200" spc="-2">
+                <a:solidFill>
+                  <a:schemeClr val="accent3"/>
+                </a:solidFill>
+                <a:latin typeface="Calibri" panose="020F0502020204030204" pitchFamily="34" charset="0"/>
+              </a:defRPr>
+            </a:lvl1pPr>
+          </a:lstStyle>
+          <a:p>
+            <a:r>
+              <a:rPr lang="en-US" dirty="0"/>
+              <a:t>Final </a:t>
+            </a:r>
+          </a:p>
+          <a:p>
+            <a:r>
+              <a:rPr lang="en-US" dirty="0"/>
+              <a:t>presentation</a:t>
+            </a:r>
+          </a:p>
+        </p:txBody>
+      </p:sp>
+      <p:sp>
+        <p:nvSpPr>
+          <p:cNvPr id="218" name="OTLSHAPE_M_ce49b461dada4b4ba8016f97c5d69120_Date">
+            <a:extLst>
+              <a:ext uri="{FF2B5EF4-FFF2-40B4-BE49-F238E27FC236}">
+                <a16:creationId xmlns:a16="http://schemas.microsoft.com/office/drawing/2014/main" id="{30B238A3-DF90-F540-A3C7-483E5136063F}"/>
+              </a:ext>
+            </a:extLst>
+          </p:cNvPr>
+          <p:cNvSpPr txBox="1"/>
+          <p:nvPr>
+            <p:custDataLst>
+              <p:tags r:id="rId141"/>
+            </p:custDataLst>
+          </p:nvPr>
+        </p:nvSpPr>
+        <p:spPr>
+          <a:xfrm>
+            <a:off x="3438782" y="5524740"/>
+            <a:ext cx="381000" cy="108500"/>
+          </a:xfrm>
+          <a:prstGeom prst="rect">
+            <a:avLst/>
+          </a:prstGeom>
+          <a:noFill/>
+        </p:spPr>
+        <p:txBody>
+          <a:bodyPr vert="horz" wrap="square" lIns="0" tIns="0" rIns="0" bIns="0" rtlCol="0" anchor="ctr" anchorCtr="0">
+            <a:noAutofit/>
+          </a:bodyPr>
+          <a:lstStyle/>
+          <a:p>
+            <a:pPr algn="ctr"/>
+            <a:r>
+              <a:rPr lang="en-US" sz="1200" spc="-2" dirty="0">
+                <a:solidFill>
+                  <a:schemeClr val="accent3"/>
+                </a:solidFill>
+                <a:latin typeface="Calibri" panose="020F0502020204030204" pitchFamily="34" charset="0"/>
+              </a:rPr>
+              <a:t>7/18</a:t>
+            </a:r>
+          </a:p>
+        </p:txBody>
+      </p:sp>
+      <p:sp>
+        <p:nvSpPr>
+          <p:cNvPr id="219" name="OTLSHAPE_M_ce49b461dada4b4ba8016f97c5d69120_Date">
+            <a:extLst>
+              <a:ext uri="{FF2B5EF4-FFF2-40B4-BE49-F238E27FC236}">
+                <a16:creationId xmlns:a16="http://schemas.microsoft.com/office/drawing/2014/main" id="{44DE46A1-C502-2145-9769-2E78C12C43F1}"/>
+              </a:ext>
+            </a:extLst>
+          </p:cNvPr>
+          <p:cNvSpPr txBox="1"/>
+          <p:nvPr>
+            <p:custDataLst>
+              <p:tags r:id="rId142"/>
+            </p:custDataLst>
+          </p:nvPr>
+        </p:nvSpPr>
+        <p:spPr>
+          <a:xfrm>
+            <a:off x="4353942" y="5548776"/>
+            <a:ext cx="381000" cy="108500"/>
+          </a:xfrm>
+          <a:prstGeom prst="rect">
+            <a:avLst/>
+          </a:prstGeom>
+          <a:noFill/>
+        </p:spPr>
+        <p:txBody>
+          <a:bodyPr vert="horz" wrap="square" lIns="0" tIns="0" rIns="0" bIns="0" rtlCol="0" anchor="ctr" anchorCtr="0">
+            <a:noAutofit/>
+          </a:bodyPr>
+          <a:lstStyle/>
+          <a:p>
+            <a:pPr algn="ctr"/>
+            <a:r>
+              <a:rPr lang="en-US" sz="1200" spc="-2" dirty="0">
+                <a:solidFill>
+                  <a:schemeClr val="accent3"/>
+                </a:solidFill>
+                <a:latin typeface="Calibri" panose="020F0502020204030204" pitchFamily="34" charset="0"/>
+              </a:rPr>
+              <a:t>7/20</a:t>
+            </a:r>
+          </a:p>
+        </p:txBody>
+      </p:sp>
+      <p:sp>
+        <p:nvSpPr>
+          <p:cNvPr id="220" name="OTLSHAPE_M_ce49b461dada4b4ba8016f97c5d69120_Date">
+            <a:extLst>
+              <a:ext uri="{FF2B5EF4-FFF2-40B4-BE49-F238E27FC236}">
+                <a16:creationId xmlns:a16="http://schemas.microsoft.com/office/drawing/2014/main" id="{4489530E-2C78-9342-B03D-D62B51E89F30}"/>
+              </a:ext>
+            </a:extLst>
+          </p:cNvPr>
+          <p:cNvSpPr txBox="1"/>
+          <p:nvPr>
+            <p:custDataLst>
+              <p:tags r:id="rId143"/>
+            </p:custDataLst>
+          </p:nvPr>
+        </p:nvSpPr>
+        <p:spPr>
+          <a:xfrm>
+            <a:off x="5828475" y="5524148"/>
+            <a:ext cx="381000" cy="108500"/>
+          </a:xfrm>
+          <a:prstGeom prst="rect">
+            <a:avLst/>
+          </a:prstGeom>
+          <a:noFill/>
+        </p:spPr>
+        <p:txBody>
+          <a:bodyPr vert="horz" wrap="square" lIns="0" tIns="0" rIns="0" bIns="0" rtlCol="0" anchor="ctr" anchorCtr="0">
+            <a:noAutofit/>
+          </a:bodyPr>
+          <a:lstStyle/>
+          <a:p>
+            <a:pPr algn="ctr"/>
+            <a:r>
+              <a:rPr lang="en-US" sz="1200" spc="-2" dirty="0">
+                <a:solidFill>
+                  <a:schemeClr val="accent3"/>
+                </a:solidFill>
+                <a:latin typeface="Calibri" panose="020F0502020204030204" pitchFamily="34" charset="0"/>
+              </a:rPr>
+              <a:t>7/26</a:t>
+            </a:r>
+          </a:p>
+        </p:txBody>
+      </p:sp>
+      <p:sp>
+        <p:nvSpPr>
+          <p:cNvPr id="221" name="OTLSHAPE_M_ce49b461dada4b4ba8016f97c5d69120_Date">
+            <a:extLst>
+              <a:ext uri="{FF2B5EF4-FFF2-40B4-BE49-F238E27FC236}">
+                <a16:creationId xmlns:a16="http://schemas.microsoft.com/office/drawing/2014/main" id="{B3DD2029-20F6-9146-A094-4D7E83FADFFE}"/>
+              </a:ext>
+            </a:extLst>
+          </p:cNvPr>
+          <p:cNvSpPr txBox="1"/>
+          <p:nvPr>
+            <p:custDataLst>
+              <p:tags r:id="rId144"/>
+            </p:custDataLst>
+          </p:nvPr>
+        </p:nvSpPr>
+        <p:spPr>
+          <a:xfrm>
+            <a:off x="6675553" y="5514831"/>
+            <a:ext cx="381000" cy="108500"/>
+          </a:xfrm>
+          <a:prstGeom prst="rect">
+            <a:avLst/>
+          </a:prstGeom>
+          <a:noFill/>
+        </p:spPr>
+        <p:txBody>
+          <a:bodyPr vert="horz" wrap="square" lIns="0" tIns="0" rIns="0" bIns="0" rtlCol="0" anchor="ctr" anchorCtr="0">
+            <a:noAutofit/>
+          </a:bodyPr>
+          <a:lstStyle/>
+          <a:p>
+            <a:pPr algn="ctr"/>
+            <a:r>
+              <a:rPr lang="en-US" sz="1200" spc="-2" dirty="0">
+                <a:solidFill>
+                  <a:schemeClr val="accent3"/>
+                </a:solidFill>
+                <a:latin typeface="Calibri" panose="020F0502020204030204" pitchFamily="34" charset="0"/>
+              </a:rPr>
+              <a:t>7/29</a:t>
+            </a:r>
+          </a:p>
+        </p:txBody>
+      </p:sp>
+      <p:sp>
+        <p:nvSpPr>
+          <p:cNvPr id="222" name="OTLSHAPE_M_ce49b461dada4b4ba8016f97c5d69120_Date">
+            <a:extLst>
+              <a:ext uri="{FF2B5EF4-FFF2-40B4-BE49-F238E27FC236}">
+                <a16:creationId xmlns:a16="http://schemas.microsoft.com/office/drawing/2014/main" id="{E4758B32-392E-E343-95DB-AD73743AC26D}"/>
+              </a:ext>
+            </a:extLst>
+          </p:cNvPr>
+          <p:cNvSpPr txBox="1"/>
+          <p:nvPr>
+            <p:custDataLst>
+              <p:tags r:id="rId145"/>
+            </p:custDataLst>
+          </p:nvPr>
+        </p:nvSpPr>
+        <p:spPr>
+          <a:xfrm>
+            <a:off x="7596690" y="5531107"/>
+            <a:ext cx="381000" cy="108500"/>
+          </a:xfrm>
+          <a:prstGeom prst="rect">
+            <a:avLst/>
+          </a:prstGeom>
+          <a:noFill/>
+        </p:spPr>
+        <p:txBody>
+          <a:bodyPr vert="horz" wrap="square" lIns="0" tIns="0" rIns="0" bIns="0" rtlCol="0" anchor="ctr" anchorCtr="0">
+            <a:noAutofit/>
+          </a:bodyPr>
+          <a:lstStyle/>
+          <a:p>
+            <a:pPr algn="ctr"/>
+            <a:r>
+              <a:rPr lang="en-US" sz="1200" spc="-2" dirty="0">
+                <a:solidFill>
+                  <a:schemeClr val="accent3"/>
+                </a:solidFill>
+                <a:latin typeface="Calibri" panose="020F0502020204030204" pitchFamily="34" charset="0"/>
+              </a:rPr>
+              <a:t>7/31</a:t>
+            </a:r>
+          </a:p>
+        </p:txBody>
+      </p:sp>
+      <p:sp>
+        <p:nvSpPr>
+          <p:cNvPr id="182" name="OTLSHAPE_T_61bd4421f159413dba7281a5185e38b8_Shape">
+            <a:extLst>
+              <a:ext uri="{FF2B5EF4-FFF2-40B4-BE49-F238E27FC236}">
+                <a16:creationId xmlns:a16="http://schemas.microsoft.com/office/drawing/2014/main" id="{AD20AA56-44F8-0F4D-89C3-FE87FF743B62}"/>
+              </a:ext>
+            </a:extLst>
+          </p:cNvPr>
+          <p:cNvSpPr/>
+          <p:nvPr>
+            <p:custDataLst>
+              <p:tags r:id="rId146"/>
+            </p:custDataLst>
+          </p:nvPr>
+        </p:nvSpPr>
+        <p:spPr>
+          <a:xfrm>
+            <a:off x="4925005" y="2633034"/>
+            <a:ext cx="2051364" cy="263448"/>
+          </a:xfrm>
+          <a:prstGeom prst="chevron">
+            <a:avLst/>
+          </a:prstGeom>
+          <a:solidFill>
+            <a:schemeClr val="dk2"/>
+          </a:solidFill>
+          <a:ln w="12700" cap="flat" cmpd="sng" algn="ctr">
+            <a:noFill/>
+            <a:prstDash val="solid"/>
+            <a:miter lim="800000"/>
+          </a:ln>
+          <a:effectLst/>
+          <a:scene3d>
+            <a:camera prst="orthographicFront"/>
+            <a:lightRig rig="balanced" dir="t">
+              <a:rot lat="0" lon="0" rev="8700000"/>
+            </a:lightRig>
+          </a:scene3d>
+          <a:sp3d>
+            <a:bevelT w="165100" h="12700"/>
+          </a:sp3d>
+          <a:extLst>
+            <a:ext uri="{91240B29-F687-4F45-9708-019B960494DF}">
+              <a14:hiddenLine xmlns:a14="http://schemas.microsoft.com/office/drawing/2010/main" w="12700" cap="flat" cmpd="sng" algn="ctr">
+                <a:solidFill>
+                  <a:schemeClr val="accent1">
+                    <a:shade val="50000"/>
+                  </a:schemeClr>
+                </a:solidFill>
+                <a:prstDash val="solid"/>
+                <a:miter lim="800000"/>
+              </a14:hiddenLine>
+            </a:ext>
+            <a:ext uri="{AF507438-7753-43E0-B8FC-AC1667EBCBE1}">
+              <a14:hiddenEffects xmlns:a14="http://schemas.microsoft.com/office/drawing/2010/main">
+                <a:effectLst>
+                  <a:outerShdw>
+                    <a:scrgbClr r="0" g="0" b="0">
+                      <a:alpha val="50000"/>
+                    </a:scrgbClr>
+                  </a:outerShdw>
+                </a:effectLst>
+              </a14:hiddenEffects>
+            </a:ext>
+            <a:ext uri="{53640926-AAD7-44D8-BBD7-CCE9431645EC}">
+              <a14:shadowObscured xmlns:a14="http://schemas.microsoft.com/office/drawing/2010/main" val="1"/>
+            </a:ext>
+          </a:extLst>
+        </p:spPr>
+        <p:style>
+          <a:lnRef idx="2">
+            <a:schemeClr val="accent1">
+              <a:shade val="50000"/>
+            </a:schemeClr>
+          </a:lnRef>
+          <a:fillRef idx="1">
+            <a:schemeClr val="accent1"/>
+          </a:fillRef>
+          <a:effectRef idx="0">
+            <a:schemeClr val="accent1"/>
+          </a:effectRef>
+          <a:fontRef idx="minor">
+            <a:schemeClr val="lt1"/>
+          </a:fontRef>
+        </p:style>
+        <p:txBody>
+          <a:bodyPr rtlCol="0" anchor="ctr"/>
+          <a:lstStyle/>
+          <a:p>
+            <a:pPr algn="ctr"/>
+            <a:r>
+              <a:rPr lang="en-US" altLang="ko-KR" sz="1400" dirty="0">
+                <a:latin typeface="Calibri" panose="020F0502020204030204" pitchFamily="34" charset="0"/>
+              </a:rPr>
+              <a:t>Unit test</a:t>
+            </a:r>
+          </a:p>
+        </p:txBody>
+      </p:sp>
+      <p:sp>
+        <p:nvSpPr>
+          <p:cNvPr id="183" name="OTLSHAPE_T_ac1ef414023b498ab438285066d789ef_Shape">
+            <a:extLst>
+              <a:ext uri="{FF2B5EF4-FFF2-40B4-BE49-F238E27FC236}">
+                <a16:creationId xmlns:a16="http://schemas.microsoft.com/office/drawing/2014/main" id="{BA8AC33A-10CB-DC46-97E4-63EE84F2F2D4}"/>
+              </a:ext>
+            </a:extLst>
+          </p:cNvPr>
+          <p:cNvSpPr/>
+          <p:nvPr>
+            <p:custDataLst>
+              <p:tags r:id="rId147"/>
+            </p:custDataLst>
+          </p:nvPr>
+        </p:nvSpPr>
+        <p:spPr>
+          <a:xfrm>
+            <a:off x="-189014" y="3908399"/>
+            <a:ext cx="2007918" cy="263448"/>
+          </a:xfrm>
+          <a:prstGeom prst="chevron">
+            <a:avLst/>
+          </a:prstGeom>
+          <a:solidFill>
+            <a:srgbClr val="548235"/>
+          </a:solidFill>
+          <a:ln w="12700" cap="flat" cmpd="sng" algn="ctr">
+            <a:noFill/>
+            <a:prstDash val="solid"/>
+            <a:miter lim="800000"/>
+          </a:ln>
+          <a:effectLst/>
+          <a:scene3d>
+            <a:camera prst="orthographicFront"/>
+            <a:lightRig rig="balanced" dir="t">
+              <a:rot lat="0" lon="0" rev="8700000"/>
+            </a:lightRig>
+          </a:scene3d>
+          <a:sp3d>
+            <a:bevelT w="165100" h="12700"/>
+          </a:sp3d>
+          <a:extLst>
+            <a:ext uri="{91240B29-F687-4F45-9708-019B960494DF}">
+              <a14:hiddenLine xmlns:a14="http://schemas.microsoft.com/office/drawing/2010/main" w="12700" cap="flat" cmpd="sng" algn="ctr">
+                <a:solidFill>
+                  <a:schemeClr val="accent1">
+                    <a:shade val="50000"/>
+                  </a:schemeClr>
+                </a:solidFill>
+                <a:prstDash val="solid"/>
+                <a:miter lim="800000"/>
+              </a14:hiddenLine>
+            </a:ext>
+            <a:ext uri="{AF507438-7753-43E0-B8FC-AC1667EBCBE1}">
+              <a14:hiddenEffects xmlns:a14="http://schemas.microsoft.com/office/drawing/2010/main">
+                <a:effectLst>
+                  <a:outerShdw>
+                    <a:scrgbClr r="0" g="0" b="0">
+                      <a:alpha val="50000"/>
+                    </a:scrgbClr>
+                  </a:outerShdw>
+                </a:effectLst>
+              </a14:hiddenEffects>
+            </a:ext>
+            <a:ext uri="{53640926-AAD7-44D8-BBD7-CCE9431645EC}">
+              <a14:shadowObscured xmlns:a14="http://schemas.microsoft.com/office/drawing/2010/main" val="1"/>
+            </a:ext>
+          </a:extLst>
+        </p:spPr>
+        <p:style>
+          <a:lnRef idx="2">
+            <a:schemeClr val="accent1">
+              <a:shade val="50000"/>
+            </a:schemeClr>
+          </a:lnRef>
+          <a:fillRef idx="1">
+            <a:schemeClr val="accent1"/>
+          </a:fillRef>
+          <a:effectRef idx="0">
+            <a:schemeClr val="accent1"/>
+          </a:effectRef>
+          <a:fontRef idx="minor">
+            <a:schemeClr val="lt1"/>
+          </a:fontRef>
+        </p:style>
+        <p:txBody>
+          <a:bodyPr rtlCol="0" anchor="ctr"/>
+          <a:lstStyle/>
+          <a:p>
+            <a:pPr algn="ctr"/>
+            <a:r>
+              <a:rPr lang="en-US" altLang="ko-KR" sz="1400" dirty="0">
+                <a:latin typeface="Calibri" panose="020F0502020204030204" pitchFamily="34" charset="0"/>
+              </a:rPr>
+              <a:t>New feature design</a:t>
+            </a:r>
+          </a:p>
+        </p:txBody>
+      </p:sp>
+      <p:sp>
+        <p:nvSpPr>
+          <p:cNvPr id="30" name="직사각형 29">
+            <a:extLst>
+              <a:ext uri="{FF2B5EF4-FFF2-40B4-BE49-F238E27FC236}">
+                <a16:creationId xmlns:a16="http://schemas.microsoft.com/office/drawing/2014/main" id="{22091FCE-0A93-BA4E-A3D8-14824428FDD2}"/>
+              </a:ext>
+            </a:extLst>
+          </p:cNvPr>
+          <p:cNvSpPr/>
+          <p:nvPr/>
+        </p:nvSpPr>
+        <p:spPr>
+          <a:xfrm>
+            <a:off x="3933455" y="2385972"/>
+            <a:ext cx="1043812" cy="307777"/>
+          </a:xfrm>
+          <a:prstGeom prst="rect">
+            <a:avLst/>
+          </a:prstGeom>
+        </p:spPr>
+        <p:txBody>
+          <a:bodyPr wrap="none">
+            <a:spAutoFit/>
+          </a:bodyPr>
+          <a:lstStyle/>
+          <a:p>
+            <a:pPr algn="ctr"/>
+            <a:r>
+              <a:rPr lang="en-US" altLang="ko-KR" sz="1400" dirty="0">
+                <a:latin typeface="Calibri" panose="020F0502020204030204" pitchFamily="34" charset="0"/>
+              </a:rPr>
+              <a:t>Mutate test</a:t>
+            </a:r>
+          </a:p>
+        </p:txBody>
+      </p:sp>
+      <p:sp>
+        <p:nvSpPr>
+          <p:cNvPr id="186" name="직사각형 185">
+            <a:extLst>
+              <a:ext uri="{FF2B5EF4-FFF2-40B4-BE49-F238E27FC236}">
+                <a16:creationId xmlns:a16="http://schemas.microsoft.com/office/drawing/2014/main" id="{0E6FF69F-BC3C-B848-A45F-192C6A61B88A}"/>
+              </a:ext>
+            </a:extLst>
+          </p:cNvPr>
+          <p:cNvSpPr/>
+          <p:nvPr/>
+        </p:nvSpPr>
+        <p:spPr>
+          <a:xfrm>
+            <a:off x="6577529" y="4231593"/>
+            <a:ext cx="1304461" cy="307777"/>
+          </a:xfrm>
+          <a:prstGeom prst="rect">
+            <a:avLst/>
+          </a:prstGeom>
+        </p:spPr>
+        <p:txBody>
+          <a:bodyPr wrap="none">
+            <a:spAutoFit/>
+          </a:bodyPr>
+          <a:lstStyle/>
+          <a:p>
+            <a:pPr algn="ctr"/>
+            <a:r>
+              <a:rPr lang="en-US" altLang="ko-KR" sz="1400" dirty="0">
+                <a:latin typeface="Calibri" panose="020F0502020204030204" pitchFamily="34" charset="0"/>
+              </a:rPr>
+              <a:t>documentation</a:t>
+            </a:r>
+          </a:p>
+        </p:txBody>
+      </p:sp>
+    </p:spTree>
+    <p:custDataLst>
+      <p:tags r:id="rId1"/>
+    </p:custDataLst>
+    <p:extLst>
+      <p:ext uri="{BB962C8B-B14F-4D97-AF65-F5344CB8AC3E}">
+        <p14:creationId xmlns:p14="http://schemas.microsoft.com/office/powerpoint/2010/main" val="1401862495"/>
+      </p:ext>
+    </p:extLst>
+  </p:cSld>
+  <p:clrMapOvr>
+    <a:masterClrMapping/>
+  </p:clrMapOvr>
+</p:sld>
+</file>
+
 <file path=ppt/tags/tag1.xml><?xml version="1.0" encoding="utf-8"?>
 <p:tagLst xmlns:a="http://schemas.openxmlformats.org/drawingml/2006/main" xmlns:r="http://schemas.openxmlformats.org/officeDocument/2006/relationships" xmlns:p="http://schemas.openxmlformats.org/presentationml/2006/main">
   <p:tag name="__PART_0" val="eyIkaWQiOiIxIiwiQ3VsdHVyZUluZm9OYW1lIjoiZW4tVVMiLCJTdHlsZU5hbWUiOiJHYW50dCIsIlZlcnNpb24iOnsiJGlkIjoiMiIsIlZlcnNpb24iOiIzLjEuMSIsIk9yaWdpbmFsQXNzZW1ibHlWZXJzaW9uIjoiMi4wMi4wMS4wMCIsIkVkaXRpb24iOiJQbHVzIiwiSXNQbHVzRWRpdGlvbiI6dHJ1ZX0sIkVmZmVjdCI6MSwiU3R5bGUiOnsiJGlkIjoiMyIsIlRpbWViYW5kU3R5bGUiOnsiJGlkIjoiNCIsIlNjYWxlTWFya2luZyI6MSwiU2hhcGUiOjEwLCJTaGFwZVN0eWxlIjp7IiRpZCI6IjUiLCJNYXJnaW4iOnsiJGlkIjoiNiIsIlRvcCI6MCwiTGVmdCI6MTAsIlJpZ2h0IjoxMCwiQm90dG9tIjowfSwiUGFkZGluZyI6eyIkaWQiOiI3IiwiVG9wIjozLCJMZWZ0IjowLCJSaWdodCI6MCwiQm90dG9tIjozfSwiQmFja2dyb3VuZCI6eyIkaWQiOiI4IiwiQ29sb3IiOnsiJGlkIjoiOSIsIkEiOjI1NSwiUiI6NjgsIkciOjg0LCJCIjoxMDZ9fSwiSXNWaXNpYmxlIjp0cnVlLCJXaWR0aCI6ODU4LjAsIkhlaWdodCI6MjAuMCwiQm9yZGVyU3R5bGUiOnsiJGlkIjoiMTAiLCJMaW5lQ29sb3IiOnsiJGlkIjoiMTEiLCIkdHlwZSI6Ik5MUkUuQ29tbW9uLkRvbS5Tb2xpZENvbG9yQnJ1c2gsIE5MUkUuQ29tbW9uIiwiQ29sb3IiOnsiJGlkIjoiMTIiLCJBIjoyNTUsIlIiOjI1NSwiRyI6MCwiQiI6MH19LCJMaW5lV2VpZ2h0IjowLjAsIkxpbmVUeXBlIjowLCJQYXJlbnRTdHlsZSI6bnVsbH0sIlBhcmVudFN0eWxlIjpudWxsfSwiUmlnaHRFbmRDYXBzU3R5bGUiOnsiJGlkIjoiMTMiLCJGb250U2V0dGluZ3MiOnsiJGlkIjoiMTQiLCJGb250U2l6ZSI6MTgsIkZvbnROYW1lIjoiQ2FsaWJyaSIsIklzQm9sZCI6dHJ1ZSwiSXNJdGFsaWMiOmZhbHNlLCJJc1VuZGVybGluZWQiOmZhbHNlLCJQYXJlbnRTdHlsZSI6bnVsbH0sIkF1dG9TaXplIjowLCJGb3JlZ3JvdW5kIjp7IiRpZCI6IjE1IiwiQ29sb3IiOnsiJGlkIjoiMTYiLCJBIjoyNTUsIlIiOjIzNywiRyI6MTI1LCJCIjo0OX19LCJNYXhXaWR0aCI6IkluZmluaXR5IiwiTWF4SGVpZ2h0IjoiSW5maW5pdHkiLCJTbWFydEZvcmVncm91bmRJc0FjdGl2ZSI6ZmFsc2UsIkhvcml6b250YWxBbGlnbm1lbnQiOjAsIlZlcnRpY2FsQWxpZ25tZW50IjowLCJTbWFydEZvcmVncm91bmQiOm51bGwsIk1hcmdpbiI6eyIkaWQiOiIxNyIsIlRvcCI6MCwiTGVmdCI6MCwiUmlnaHQiOjIwLCJCb3R0b20iOjB9LCJQYWRkaW5nIjp7IiRpZCI6IjE4IiwiVG9wIjowLCJMZWZ0IjowLCJSaWdodCI6MCwiQm90dG9tIjowfSwiQmFja2dyb3VuZCI6eyIkaWQiOiIxOSIsIkNvbG9yIjp7IiRpZCI6IjIwIiwiQSI6ODksIlIiOjAsIkciOjAsIkIiOjB9fSwiSXNWaXNpYmxlIjpmYWxzZSwiV2lkdGgiOjAuMCwiSGVpZ2h0IjowLjAsIkJvcmRlclN0eWxlIjpudWxsLCJQYXJlbnRTdHlsZSI6bnVsbH0sIkxlZnRFbmRDYXBzU3R5bGUiOnsiJGlkIjoiMjEiLCJGb250U2V0dGluZ3MiOnsiJGlkIjoiMjIiLCJGb250U2l6ZSI6MTgsIkZvbnROYW1lIjoiQ2FsaWJyaSIsIklzQm9sZCI6dHJ1ZSwiSXNJdGFsaWMiOmZhbHNlLCJJc1VuZGVybGluZWQiOmZhbHNlLCJQYXJlbnRTdHlsZSI6bnVsbH0sIkF1dG9TaXplIjowLCJGb3JlZ3JvdW5kIjp7IiRpZCI6IjIzIiwiQ29sb3IiOnsiJGlkIjoiMjQiLCJBIjoyNTUsIlIiOjIzNywiRyI6MTI1LCJCIjo0OX19LCJNYXhXaWR0aCI6IkluZmluaXR5IiwiTWF4SGVpZ2h0IjoiSW5maW5pdHkiLCJTbWFydEZvcmVncm91bmRJc0FjdGl2ZSI6ZmFsc2UsIkhvcml6b250YWxBbGlnbm1lbnQiOjAsIlZlcnRpY2FsQWxpZ25tZW50IjowLCJTbWFydEZvcmVncm91bmQiOm51bGwsIk1hcmdpbiI6eyIkaWQiOiIyNSIsIlRvcCI6MCwiTGVmdCI6MjAsIlJpZ2h0IjowLCJCb3R0b20iOjB9LCJQYWRkaW5nIjp7IiRpZCI6IjI2IiwiVG9wIjowLCJMZWZ0IjowLCJSaWdodCI6MCwiQm90dG9tIjowfSwiQmFja2dyb3VuZCI6eyIkaWQiOiIyNyIsIkNvbG9yIjp7IiRyZWYiOiIyMCJ9fSwiSXNWaXNpYmxlIjpmYWxzZSwiV2lkdGgiOjAuMCwiSGVpZ2h0IjowLjAsIkJvcmRlclN0eWxlIjpudWxsLCJQYXJlbnRTdHlsZSI6bnVsbH0sIlRvZGF5VGV4dFN0eWxlIjp7IiRpZCI6IjI4IiwiRm9udFNldHRpbmdzIjp7IiRpZCI6IjI5IiwiRm9udFNpemUiOjEyLCJGb250TmFtZSI6IkNhbGlicmkiLCJJc0JvbGQiOmZhbHNlLCJJc0l0YWxpYyI6ZmFsc2UsIklzVW5kZXJsaW5lZCI6ZmFsc2UsIlBhcmVudFN0eWxlIjpudWxsfSwiQXV0b1NpemUiOjAsIkZvcmVncm91bmQiOnsiJGlkIjoiMzAiLCJDb2xvciI6eyIkaWQiOiIzMSIsIkEiOjI1NSwiUiI6MCwiRyI6MCwiQiI6MH19LCJNYXhXaWR0aCI6MjAwLjAsIk1heEhlaWdodCI6IkluZmluaXR5IiwiU21hcnRGb3JlZ3JvdW5kSXNBY3RpdmUiOmZhbHNlLCJIb3Jpem9udGFsQWxpZ25tZW50IjowLCJWZXJ0aWNhbEFsaWdubWVudCI6MCwiU21hcnRGb3JlZ3JvdW5kIjpudWxsLCJNYXJnaW4iOnsiJGlkIjoiMzIiLCJUb3AiOjAsIkxlZnQiOjAsIlJpZ2h0IjowLCJCb3R0b20iOjB9LCJQYWRkaW5nIjp7IiRpZCI6IjMzIiwiVG9wIjowLCJMZWZ0IjowLCJSaWdodCI6MCwiQm90dG9tIjowfSwiQmFja2dyb3VuZCI6eyIkaWQiOiIzNCIsIkNvbG9yIjp7IiRyZWYiOiIyMCJ9fSwiSXNWaXNpYmxlIjpmYWxzZSwiV2lkdGgiOjAuMCwiSGVpZ2h0IjowLjAsIkJvcmRlclN0eWxlIjpudWxsLCJQYXJlbnRTdHlsZSI6bnVsbH0sIlRvZGF5TWFya2VyU3R5bGUiOnsiJGlkIjoiMzUiLCJNYXJnaW4iOnsiJGlkIjoiMzYiLCJUb3AiOjAsIkxlZnQiOjAsIlJpZ2h0IjowLCJCb3R0b20iOjB9LCJQYWRkaW5nIjp7IiRpZCI6IjM3IiwiVG9wIjowLCJMZWZ0IjowLCJSaWdodCI6MCwiQm90dG9tIjowfSwiQmFja2dyb3VuZCI6eyIkaWQiOiIzOCIsIkNvbG9yIjp7IiRpZCI6IjM5IiwiQSI6MjU1LCJSIjoyNTUsIkciOjAsIkIiOjB9fSwiSXNWaXNpYmxlIjp0cnVlLCJXaWR0aCI6MC4wLCJIZWlnaHQiOjAuMCwiQm9yZGVyU3R5bGUiOm51bGwsIlBhcmVudFN0eWxlIjpudWxsfSwiU2NhbGVTdHlsZSI6eyIkaWQiOiI0MCIsIlNob3dTZWdtZW50U2VwYXJhdG9ycyI6ZmFsc2UsIlNlZ21lbnRTZXBhcmF0b3JPcGFjaXR5IjozMCwiRm9udFNldHRpbmdzIjp7IiRpZCI6IjQxIiwiRm9udFNpemUiOjksIkZvbnROYW1lIjoiQ2FsaWJyaSIsIklzQm9sZCI6ZmFsc2UsIklzSXRhbGljIjpmYWxzZSwiSXNVbmRlcmxpbmVkIjpmYWxzZSwiUGFyZW50U3R5bGUiOm51bGx9LCJBdXRvU2l6ZSI6MCwiRm9yZWdyb3VuZCI6eyIkaWQiOiI0MiIsIkNvbG9yIjp7IiRpZCI6IjQzIiwiQSI6MjU1LCJSIjoyNTUsIkciOjI1NSwiQiI6MjU1fX0sIk1heFdpZHRoIjoyMDAuMCwiTWF4SGVpZ2h0IjoiSW5maW5pdHkiLCJTbWFydEZvcmVncm91bmRJc0FjdGl2ZSI6ZmFsc2UsIkhvcml6b250YWxBbGlnbm1lbnQiOjAsIlZlcnRpY2FsQWxpZ25tZW50IjoxLCJTbWFydEZvcmVncm91bmQiOm51bGwsIk1hcmdpbiI6eyIkaWQiOiI0NCIsIlRvcCI6MCwiTGVmdCI6NSwiUmlnaHQiOjAsIkJvdHRvbSI6MH0sIlBhZGRpbmciOnsiJGlkIjoiNDUiLCJUb3AiOjAsIkxlZnQiOjAsIlJpZ2h0IjowLCJCb3R0b20iOjB9LCJCYWNrZ3JvdW5kIjp7IiRpZCI6IjQ2IiwiQ29sb3IiOnsiJHJlZiI6IjIwIn19LCJJc1Zpc2libGUiOnRydWUsIldpZHRoIjowLjAsIkhlaWdodCI6MC4wLCJCb3JkZXJTdHlsZSI6bnVsbCwiUGFyZW50U3R5bGUiOm51bGx9LCJFbGFwc2VkVGltZUJhY2tncm91bmQiOnsiJGlkIjoiNDciLCJDb2xvciI6eyIkaWQiOiI0OCIsIkEiOjc3LCJSIjoyNTUsIkciOjAsIkIiOjB9fSwiQXBwZW5kWWVhck9uWWVhckNoYW5nZSI6ZmFsc2UsIkVsYXBzZWRUaW1lRm9ybWF0IjoxLCJUb2RheU1hcmtlclBvc2l0aW9uIjowLCJRdWlja1Bvc2l0aW9uIjozLCJBYnNvbHV0ZVBvc2l0aW9uIjozNzEuMjUsIk1hcmdpbiI6eyIkaWQiOiI0OSIsIlRvcCI6MCwiTGVmdCI6MTAsIlJpZ2h0IjoxMCwiQm90dG9tIjowfSwiUGFkZGluZyI6eyIkaWQiOiI1MCIsIlRvcCI6MCwiTGVmdCI6MCwiUmlnaHQiOjAsIkJvdHRvbSI6MH0sIkJhY2tncm91bmQiOnsiJGlkIjoiNTEiLCJDb2xvciI6eyIkaWQiOiI1MiIsIkEiOjI1NSwiUiI6NjgsIkciOjg0LCJCIjoxMDZ9fSwiSXNWaXNpYmxlIjp0cnVlLCJXaWR0aCI6MC4wLCJIZWlnaHQiOjAuMCwiQm9yZGVyU3R5bGUiOm51bGwsIlBhcmVudFN0eWxlIjpudWxsfSwiRGVmYXVsdE1pbGVzdG9uZVN0eWxlIjp7IiRpZCI6IjUzIiwiU2hhcGUiOjIsIkNvbm5lY3Rvck1hcmdpbiI6eyIkaWQiOiI1NCIsIlRvcCI6MCwiTGVmdCI6MiwiUmlnaHQiOjIsIkJvdHRvbSI6MH0sIkNvbm5lY3RvclN0eWxlIjp7IiRpZCI6IjU1IiwiTGluZUNvbG9yIjp7IiRpZCI6IjU2IiwiJHR5cGUiOiJOTFJFLkNvbW1vbi5Eb20uU29saWRDb2xvckJydXNoLCBOTFJFLkNvbW1vbiIsIkNvbG9yIjp7IiRpZCI6IjU3IiwiQSI6MjU1LCJSIjo3OSwiRyI6MTI5LCJCIjoxODl9fSwiTGluZVdlaWdodCI6MS4wLCJMaW5lVHlwZSI6MCwiUGFyZW50U3R5bGUiOm51bGx9LCJJc0JlbG93VGltZWJhbmQiOmZhbHNlLCJIaWRlRGF0ZSI6ZmFsc2UsIlNoYXBlU2l6ZSI6MSwiU3BhY2luZyI6Mi4wLCJQYWRkaW5nIjp7IiRpZCI6IjU4IiwiVG9wIjo3LCJMZWZ0IjozLCJSaWdodCI6MCwiQm90dG9tIjoyfSwiU2hhcGVTdHlsZSI6eyIkaWQiOiI1OSIsIk1hcmdpbiI6eyIkaWQiOiI2MCIsIlRvcCI6MCwiTGVmdCI6MCwiUmlnaHQiOjAsIkJvdHRvbSI6MH0sIlBhZGRpbmciOnsiJGlkIjoiNjEiLCJUb3AiOjAsIkxlZnQiOjAsIlJpZ2h0IjowLCJCb3R0b20iOjB9LCJCYWNrZ3JvdW5kIjp7IiRpZCI6IjYyIiwiQ29sb3IiOnsiJGlkIjoiNjMiLCJBIjoyNTUsIlIiOjAsIkciOjExNCwiQiI6MTg4fX0sIklzVmlzaWJsZSI6dHJ1ZSwiV2lkdGgiOjEzLjAsIkhlaWdodCI6MTMuMCwiQm9yZGVyU3R5bGUiOnsiJGlkIjoiNjQiLCJMaW5lQ29sb3IiOnsiJGlkIjoiNjUiLCIkdHlwZSI6Ik5MUkUuQ29tbW9uLkRvbS5Tb2xpZENvbG9yQnJ1c2gsIE5MUkUuQ29tbW9uIiwiQ29sb3IiOnsiJGlkIjoiNjYiLCJBIjoyNTUsIlIiOjI1NSwiRyI6MCwiQiI6MH19LCJMaW5lV2VpZ2h0IjowLjAsIkxpbmVUeXBlIjowLCJQYXJlbnRTdHlsZSI6bnVsbH0sIlBhcmVudFN0eWxlIjpudWxsfSwiVGl0bGVTdHlsZSI6eyIkaWQiOiI2NyIsIkZvbnRTZXR0aW5ncyI6eyIkaWQiOiI2OCIsIkZvbnRTaXplIjoxMSwiRm9udE5hbWUiOiJDYWxpYnJpIiwiSXNCb2xkIjp0cnVlLCJJc0l0YWxpYyI6ZmFsc2UsIklzVW5kZXJsaW5lZCI6ZmFsc2UsIlBhcmVudFN0eWxlIjpudWxsfSwiQXV0b1NpemUiOjAsIkZvcmVncm91bmQiOnsiJGlkIjoiNjkiLCJDb2xvciI6eyIkaWQiOiI3MCIsIkEiOjI1NSwiUiI6MCwiRyI6MCwiQiI6MH19LCJNYXhXaWR0aCI6MjAwLjAsIk1heEhlaWdodCI6IkluZmluaXR5IiwiU21hcnRGb3JlZ3JvdW5kSXNBY3RpdmUiOmZhbHNlLCJIb3Jpem9udGFsQWxpZ25tZW50IjowLCJWZXJ0aWNhbEFsaWdubWVudCI6MCwiU21hcnRGb3JlZ3JvdW5kIjpudWxsLCJNYXJnaW4iOnsiJGlkIjoiNzEiLCJUb3AiOjAsIkxlZnQiOjAsIlJpZ2h0IjowLCJCb3R0b20iOjB9LCJQYWRkaW5nIjp7IiRpZCI6IjcyIiwiVG9wIjowLCJMZWZ0IjowLCJSaWdodCI6MCwiQm90dG9tIjowfSwiQmFja2dyb3VuZCI6eyIkaWQiOiI3MyIsIkNvbG9yIjp7IiRyZWYiOiIyMCJ9fSwiSXNWaXNpYmxlIjp0cnVlLCJXaWR0aCI6MC4wLCJIZWlnaHQiOjAuMCwiQm9yZGVyU3R5bGUiOm51bGwsIlBhcmVudFN0eWxlIjpudWxsfSwiRGF0ZVN0eWxlIjp7IiRpZCI6Ijc0IiwiRm9udFNldHRpbmdzIjp7IiRpZCI6Ijc1IiwiRm9udFNpemUiOjEwLCJGb250TmFtZSI6IkNhbGlicmkiLCJJc0JvbGQiOmZhbHNlLCJJc0l0YWxpYyI6ZmFsc2UsIklzVW5kZXJsaW5lZCI6ZmFsc2UsIlBhcmVudFN0eWxlIjpudWxsfSwiQXV0b1NpemUiOjAsIkZvcmVncm91bmQiOnsiJGlkIjoiNzYiLCJDb2xvciI6eyIkaWQiOiI3NyIsIkEiOjI1NSwiUiI6MTY1LCJHIjoxNjUsIkIiOjE2NX19LCJNYXhXaWR0aCI6MjAwLjAsIk1heEhlaWdodCI6IkluZmluaXR5IiwiU21hcnRGb3JlZ3JvdW5kSXNBY3RpdmUiOmZhbHNlLCJIb3Jpem9udGFsQWxpZ25tZW50IjowLCJWZXJ0aWNhbEFsaWdubWVudCI6MCwiU21hcnRGb3JlZ3JvdW5kIjpudWxsLCJNYXJnaW4iOnsiJGlkIjoiNzgiLCJUb3AiOjAsIkxlZnQiOjAsIlJpZ2h0IjowLCJCb3R0b20iOjB9LCJQYWRkaW5nIjp7IiRpZCI6Ijc5IiwiVG9wIjowLCJMZWZ0IjowLCJSaWdodCI6MCwiQm90dG9tIjowfSwiQmFja2dyb3VuZCI6eyIkaWQiOiI4MCIsIkNvbG9yIjp7IiRyZWYiOiIyMCJ9fSwiSXNWaXNpYmxlIjp0cnVlLCJXaWR0aCI6MC4wLCJIZWlnaHQiOjAuMCwiQm9yZGVyU3R5bGUiOm51bGwsIlBhcmVudFN0eWxlIjpudWxsfSwiRGF0ZUZvcm1hdCI6eyIkaWQiOiI4MSIsIkZvcm1hdFN0cmluZyI6ImRkZCBNTU0gZCIsIlNlcGFyYXRvciI6Ii8iLCJVc2VJbnRlcm5hdGlvbmFsRGF0ZUZvcm1hdCI6ZmFsc2UsIkRhdGVJc1Zpc2libGUiOnRydWUsIlRpbWVJc1Zpc2libGUiOmZhbHNlLCJIb3VyRGlnaXRzIjoxLCJBbVBtRGVzaWduYXRvciI6MiwiVHJpbTAwTWludXRlcyI6ZmFsc2UsIkxhc3RLbm93blZpc2liaWxpdHlTdGF0ZSI6bnVsbH0sIklzVmlzaWJsZSI6dHJ1ZSwiUGFyZW50U3R5bGUiOm51bGx9LCJEZWZhdWx0VGFza1N0eWxlIjp7IiRpZCI6IjgyIiwiU2hhcGUiOjEsIlNoYXBlVGhpY2tuZXNzIjoyLCJEdXJhdGlvbkZvcm1hdCI6MCwiSW5jbHVkZU5vbldvcmtpbmdEYXlzSW5EdXJhdGlvbiI6ZmFsc2UsIlBlcmNlbnRhZ2VDb21wbGV0ZVN0eWxlIjp7IiRpZCI6IjgzIiwiRm9udFNldHRpbmdzIjp7IiRpZCI6Ijg0IiwiRm9udFNpemUiOjEwLCJGb250TmFtZSI6IkNhbGlicmkiLCJJc0JvbGQiOmZhbHNlLCJJc0l0YWxpYyI6ZmFsc2UsIklzVW5kZXJsaW5lZCI6ZmFsc2UsIlBhcmVudFN0eWxlIjpudWxsfSwiQXV0b1NpemUiOjAsIkZvcmVncm91bmQiOnsiJGlkIjoiODUiLCJDb2xvciI6eyIkaWQiOiI4NiIsIkEiOjI1NSwiUiI6MTkyLCJHIjo4MCwiQiI6Nzd9fSwiTWF4V2lkdGgiOjIwMC4wLCJNYXhIZWlnaHQiOiJJbmZpbml0eSIsIlNtYXJ0Rm9yZWdyb3VuZElzQWN0aXZlIjpmYWxzZSwiSG9yaXpvbnRhbEFsaWdubWVudCI6MCwiVmVydGljYWxBbGlnbm1lbnQiOjAsIlNtYXJ0Rm9yZWdyb3VuZCI6bnVsbCwiTWFyZ2luIjp7IiRpZCI6Ijg3IiwiVG9wIjowLCJMZWZ0IjowLCJSaWdodCI6MCwiQm90dG9tIjowfSwiUGFkZGluZyI6eyIkaWQiOiI4OCIsIlRvcCI6MCwiTGVmdCI6MCwiUmlnaHQiOjAsIkJvdHRvbSI6MH0sIkJhY2tncm91bmQiOnsiJGlkIjoiODkiLCJDb2xvciI6eyIkcmVmIjoiMjAifX0sIklzVmlzaWJsZSI6dHJ1ZSwiV2lkdGgiOjAuMCwiSGVpZ2h0IjowLjAsIkJvcmRlclN0eWxlIjpudWxsLCJQYXJlbnRTdHlsZSI6bnVsbH0sIkR1cmF0aW9uU3R5bGUiOnsiJGlkIjoiOTAiLCJGb250U2V0dGluZ3MiOnsiJGlkIjoiOTEiLCJGb250U2l6ZSI6MTAsIkZvbnROYW1lIjoiQ2FsaWJyaSIsIklzQm9sZCI6ZmFsc2UsIklzSXRhbGljIjpmYWxzZSwiSXNVbmRlcmxpbmVkIjpmYWxzZSwiUGFyZW50U3R5bGUiOm51bGx9LCJBdXRvU2l6ZSI6MCwiRm9yZWdyb3VuZCI6eyIkaWQiOiI5MiIsIkNvbG9yIjp7IiRpZCI6IjkzIiwiQSI6MjU1LCJSIjoyMzcsIkciOjEyNSwiQiI6NDl9fSwiTWF4V2lkdGgiOjIwMC4wLCJNYXhIZWlnaHQiOiJJbmZpbml0eSIsIlNtYXJ0Rm9yZWdyb3VuZElzQWN0aXZlIjpmYWxzZSwiSG9yaXpvbnRhbEFsaWdubWVudCI6MCwiVmVydGljYWxBbGlnbm1lbnQiOjAsIlNtYXJ0Rm9yZWdyb3VuZCI6bnVsbCwiTWFyZ2luIjp7IiRpZCI6Ijk0IiwiVG9wIjowLCJMZWZ0IjowLCJSaWdodCI6MCwiQm90dG9tIjowfSwiUGFkZGluZyI6eyIkaWQiOiI5NSIsIlRvcCI6MCwiTGVmdCI6MCwiUmlnaHQiOjAsIkJvdHRvbSI6MH0sIkJhY2tncm91bmQiOnsiJGlkIjoiOTYiLCJDb2xvciI6eyIkcmVmIjoiMjAifX0sIklzVmlzaWJsZSI6dHJ1ZSwiV2lkdGgiOjAuMCwiSGVpZ2h0IjowLjAsIkJvcmRlclN0eWxlIjpudWxsLCJQYXJlbnRTdHlsZSI6bnVsbH0sIkhvcml6b250YWxDb25uZWN0b3JTdHlsZSI6eyIkaWQiOiI5NyIsIkxpbmVDb2xvciI6eyIkaWQiOiI5OCIsIiR0eXBlIjoiTkxSRS5Db21tb24uRG9tLlNvbGlkQ29sb3JCcnVzaCwgTkxSRS5Db21tb24iLCJDb2xvciI6eyIkaWQiOiI5OSIsIkEiOjI1NSwiUiI6MjA0LCJHIjoyMDQsIkIiOjIwNH19LCJMaW5lV2VpZ2h0IjowLjAsIkxpbmVUeXBlIjowLCJQYXJlbnRTdHlsZSI6bnVsbH0sIlZlcnRpY2FsQ29ubmVjdG9yU3R5bGUiOnsiJGlkIjoiMTAwIiwiTGluZUNvbG9yIjp7IiRpZCI6IjEwMSIsIiR0eXBlIjoiTkxSRS5Db21tb24uRG9tLlNvbGlkQ29sb3JCcnVzaCwgTkxSRS5Db21tb24iLCJDb2xvciI6eyIkaWQiOiIxMDIiLCJBIjoyNTUsIlIiOjIwNCwiRyI6MjA0LCJCIjoyMDR9fSwiTGluZVdlaWdodCI6MC4wLCJMaW5lVHlwZSI6MCwiUGFyZW50U3R5bGUiOm51bGx9LCJNYXJnaW4iOm51bGwsIlN0YXJ0RGF0ZVBvc2l0aW9uIjo0LCJFbmREYXRlUG9zaXRpb24iOjQsIkRhdGVJc1Zpc2libGUiOnRydWUsIlRpdGxlUG9zaXRpb24iOjMsIkR1cmF0aW9uUG9zaXRpb24iOjYsIlBlcmNlbnRhZ2VDb21wbGV0ZWRQb3NpdGlvbiI6NiwiU3BhY2luZyI6MTAsIklzQmVsb3dUaW1lYmFuZCI6ZmFsc2UsIlBlcmNlbnRhZ2VDb21wbGV0ZVNoYXBlT3BhY2l0eSI6MzUsIlNoYXBlU3R5bGUiOnsiJGlkIjoiMTAzIiwiTWFyZ2luIjp7IiRpZCI6IjEwNCIsIlRvcCI6MCwiTGVmdCI6NCwiUmlnaHQiOjQsIkJvdHRvbSI6MH0sIlBhZGRpbmciOnsiJGlkIjoiMTA1IiwiVG9wIjowLCJMZWZ0IjowLCJSaWdodCI6MCwiQm90dG9tIjowfSwiQmFja2dyb3VuZCI6eyIkaWQiOiIxMDYiLCJDb2xvciI6eyIkaWQiOiIxMDciLCJBIjoyNTUsIlIiOjAsIkciOjExNCwiQiI6MTg4fX0sIklzVmlzaWJsZSI6dHJ1ZSwiV2lkdGgiOjAuMCwiSGVpZ2h0IjoyMi4wLCJCb3JkZXJTdHlsZSI6eyIkaWQiOiIxMDgiLCJMaW5lQ29sb3IiOnsiJGlkIjoiMTA5IiwiJHR5cGUiOiJOTFJFLkNvbW1vbi5Eb20uU29saWRDb2xvckJydXNoLCBOTFJFLkNvbW1vbiIsIkNvbG9yIjp7IiRpZCI6IjExMCIsIkEiOjI1NSwiUiI6MjU1LCJHIjowLCJCIjowfX0sIkxpbmVXZWlnaHQiOjAuMCwiTGluZVR5cGUiOjAsIlBhcmVudFN0eWxlIjpudWxsfSwiUGFyZW50U3R5bGUiOm51bGx9LCJUaXRsZVN0eWxlIjp7IiRpZCI6IjExMSIsIkZvbnRTZXR0aW5ncyI6eyIkaWQiOiIxMTIiLCJGb250U2l6ZSI6MTEsIkZvbnROYW1lIjoiQ2FsaWJyaSIsIklzQm9sZCI6ZmFsc2UsIklzSXRhbGljIjpmYWxzZSwiSXNVbmRlcmxpbmVkIjpmYWxzZSwiUGFyZW50U3R5bGUiOm51bGx9LCJBdXRvU2l6ZSI6MCwiRm9yZWdyb3VuZCI6eyIkaWQiOiIxMTMiLCJDb2xvciI6eyIkaWQiOiIxMTQiLCJBIjoyNTUsIlIiOjE2NSwiRyI6MTY1LCJCIjoxNjV9fSwiTWF4V2lkdGgiOjIwMC4wLCJNYXhIZWlnaHQiOiJJbmZpbml0eSIsIlNtYXJ0Rm9yZWdyb3VuZElzQWN0aXZlIjpmYWxzZSwiSG9yaXpvbnRhbEFsaWdubWVudCI6MiwiVmVydGljYWxBbGlnbm1lbnQiOjAsIlNtYXJ0Rm9yZWdyb3VuZCI6bnVsbCwiTWFyZ2luIjp7IiRpZCI6IjExNSIsIlRvcCI6MCwiTGVmdCI6MCwiUmlnaHQiOjAsIkJvdHRvbSI6MH0sIlBhZGRpbmciOnsiJGlkIjoiMTE2IiwiVG9wIjowLCJMZWZ0IjowLCJSaWdodCI6MCwiQm90dG9tIjowfSwiQmFja2dyb3VuZCI6eyIkaWQiOiIxMTciLCJDb2xvciI6eyIkcmVmIjoiMjAifX0sIklzVmlzaWJsZSI6dHJ1ZSwiV2lkdGgiOjAuMCwiSGVpZ2h0IjowLjAsIkJvcmRlclN0eWxlIjpudWxsLCJQYXJlbnRTdHlsZSI6bnVsbH0sIkRhdGVTdHlsZSI6eyIkaWQiOiIxMTgiLCJGb250U2V0dGluZ3MiOnsiJGlkIjoiMTE5IiwiRm9udFNpemUiOjEyLCJGb250TmFtZSI6IkNhbGlicmkiLCJJc0JvbGQiOmZhbHNlLCJJc0l0YWxpYyI6ZmFsc2UsIklzVW5kZXJsaW5lZCI6ZmFsc2UsIlBhcmVudFN0eWxlIjpudWxsfSwiQXV0b1NpemUiOjAsIkZvcmVncm91bmQiOnsiJGlkIjoiMTIwIiwiQ29sb3IiOnsiJGlkIjoiMTIxIiwiQSI6MjU1LCJSIjoyNTUsIkciOjI1NSwiQiI6MjU1fX0sIk1heFdpZHRoIjoyMDAuMCwiTWF4SGVpZ2h0IjoiSW5maW5pdHkiLCJTbWFydEZvcmVncm91bmRJc0FjdGl2ZSI6ZmFsc2UsIkhvcml6b250YWxBbGlnbm1lbnQiOjAsIlZlcnRpY2FsQWxpZ25tZW50IjowLCJTbWFydEZvcmVncm91bmQiOm51bGwsIk1hcmdpbiI6eyIkaWQiOiIxMjIiLCJUb3AiOjAsIkxlZnQiOjAsIlJpZ2h0IjowLCJCb3R0b20iOjB9LCJQYWRkaW5nIjp7IiRpZCI6IjEyMyIsIlRvcCI6MCwiTGVmdCI6MCwiUmlnaHQiOjAsIkJvdHRvbSI6MH0sIkJhY2tncm91bmQiOnsiJGlkIjoiMTI0IiwiQ29sb3IiOnsiJHJlZiI6IjIwIn19LCJJc1Zpc2libGUiOnRydWUsIldpZHRoIjowLjAsIkhlaWdodCI6MC4wLCJCb3JkZXJTdHlsZSI6bnVsbCwiUGFyZW50U3R5bGUiOm51bGx9LCJEYXRlRm9ybWF0Ijp7IiRpZCI6IjEyNSIsIkZvcm1hdFN0cmluZyI6Ik0vZCIsIlNlcGFyYXRvciI6Ii8iLCJVc2VJbnRlcm5hdGlvbmFsRGF0ZUZvcm1hdCI6ZmFsc2UsIkRhdGVJc1Zpc2libGUiOnRydWUsIlRpbWVJc1Zpc2libGUiOmZhbHNlLCJIb3VyRGlnaXRzIjoxLCJBbVBtRGVzaWduYXRvciI6MiwiVHJpbTAwTWludXRlcyI6ZmFsc2UsIkxhc3RLbm93blZpc2liaWxpdHlTdGF0ZSI6bnVsbH0sIklzVmlzaWJsZSI6dHJ1ZSwiUGFyZW50U3R5bGUiOm51bGwsIl9leHBsaWNpdGx5U2V0Ijp7IiRpZCI6IjEyNiIsIlNoYXBlU3R5bGUiOmZhbHNlLCJUaXRsZVN0eWxlIjpmYWxzZSwiRGF0ZVN0eWxlIjpmYWxzZSwiSG9yaXpvbnRhbENvbm5lY3RvclN0eWxlIjpmYWxzZSwiVmVydGljYWxDb25uZWN0b3JTdHlsZSI6ZmFsc2UsIlBlcmNlbnRhZ2VDb21wbGV0ZVNoYXBlT3BhY2l0eSI6ZmFsc2UsIlNoYXBlIjpmYWxzZSwiU2hhcGVUaGlja25lc3MiOmZhbHNlLCJEdXJhdGlvbkZvcm1hdCI6ZmFsc2UsIkluY2x1ZGVOb25Xb3JraW5nRGF5c0luRHVyYXRpb24iOmZhbHNlLCJNYXJnaW4iOmZhbHNlLCJTdGFydERhdGVQb3NpdGlvbiI6ZmFsc2UsIkVuZERhdGVQb3NpdGlvbiI6ZmFsc2UsIlRpdGxlUG9zaXRpb24iOmZhbHNlLCJEdXJhdGlvblBvc2l0aW9uIjpmYWxzZSwiUGVyY2VudGFnZUNvbXBsZXRlZFBvc2l0aW9uIjpmYWxzZSwiU3BhY2luZyI6ZmFsc2UsIklzQmVsb3dUaW1lYmFuZCI6ZmFsc2UsIkRhdGVGb3JtYXQiOmZhbHNlLCJJc1Zpc2libGUiOmZhbHNlfX0sIlNob3dFbGFwc2VkVGltZUdyYWRpZW50U3R5bGUiOmZhbHNlfSwiU2NhbGUiOnsiJGlkIjoiMTI3IiwiU3RhcnREYXRlIjoiMjAxNy0wNS0xOFQwMDowMDowMCIsIkVuZERhdGUiOiIyMDE3LTA3LTAzVDIzOjU5OjU5Ljk5OVoiLCJGb3JtYXQiOiJ3IiwiVHlwZSI6MSwiQXV0b0RhdGVSYW5nZSI6dHJ1ZSwiV29ya2luZ0RheXMiOjMxLCJUb2RheU1hcmtlclRleHQiOiJUb2RheSIsIkF1dG9TY2FsZVR5cGUiOmZhbHNlfSwiTWlsZXN0b25lcyI6W3siJGlkIjoiMTI4IiwiRGF0ZSI6IjIwMTctMDUtMTlUMjM6NTk6MDAiLCJTdHlsZSI6eyIkaWQiOiIxMjkiLCJTaGFwZSI6MTMsIkNvbm5lY3Rvck1hcmdpbiI6eyIkcmVmIjoiNTQifSwiQ29ubmVjdG9yU3R5bGUiOnsiJGlkIjoiMTMwIiwiTGluZUNvbG9yIjp7IiRpZCI6IjEzMSIsIiR0eXBlIjoiTkxSRS5Db21tb24uRG9tLlNvbGlkQ29sb3JCcnVzaCwgTkxSRS5Db21tb24iLCJDb2xvciI6eyIkaWQiOiIxMzIiLCJBIjoyNTUsIlIiOjI1NSwiRyI6MTkyLCJCIjowfX0sIkxpbmVXZWlnaHQiOjEuMCwiTGluZVR5cGUiOjAsIlBhcmVudFN0eWxlIjp7IiRyZWYiOiI1NSJ9fSwiSXNCZWxvd1RpbWViYW5kIjp0cnVlLCJIaWRlRGF0ZSI6ZmFsc2UsIlNoYXBlU2l6ZSI6MywiU3BhY2luZyI6MC4wLCJQYWRkaW5nIjp7IiRpZCI6IjEzMyIsIlRvcCI6MCwiTGVmdCI6MCwiUmlnaHQiOjAsIkJvdHRvbSI6MH0sIlNoYXBlU3R5bGUiOnsiJGlkIjoiMTM0IiwiTWFyZ2luIjp7IiRyZWYiOiI2MCJ9LCJQYWRkaW5nIjp7IiRyZWYiOiI2MSJ9LCJCYWNrZ3JvdW5kIjp7IiRpZCI6IjEzNSIsIkNvbG9yIjp7IiRpZCI6IjEzNiIsIkEiOjI1NSwiUiI6MjU1LCJHIjoxOTIsIkIiOjB9fSwiSXNWaXNpYmxlIjp0cnVlLCJXaWR0aCI6MTMuNSwiSGVpZ2h0IjoxNS4wLCJCb3JkZXJTdHlsZSI6eyIkaWQiOiIxMzciLCJMaW5lQ29sb3IiOnsiJHJlZiI6IjY1In0sIkxpbmVXZWlnaHQiOjAuMCwiTGluZVR5cGUiOjAsIlBhcmVudFN0eWxlIjp7IiRyZWYiOiI2NCJ9fSwiUGFyZW50U3R5bGUiOnsiJHJlZiI6IjU5In19LCJUaXRsZVN0eWxlIjp7IiRpZCI6IjEzOCIsIkZvbnRTZXR0aW5ncyI6eyIkaWQiOiIxMzkiLCJGb250U2l6ZSI6OCwiRm9udE5hbWUiOiJDYWxpYnJpIiwiSXNCb2xkIjp0cnVlLCJJc0l0YWxpYyI6ZmFsc2UsIklzVW5kZXJsaW5lZCI6ZmFsc2UsIlBhcmVudFN0eWxlIjp7IiRyZWYiOiI2OCJ9fSwiQXV0b1NpemUiOjIsIkZvcmVncm91bmQiOnsiJHJlZiI6IjY5In0sIk1heFdpZHRoIjo0MC41LCJNYXhIZWlnaHQiOiJJbmZpbml0eSIsIlNtYXJ0Rm9yZWdyb3VuZElzQWN0aXZlIjpmYWxzZSwiSG9yaXpvbnRhbEFsaWdubWVudCI6MSwiVmVydGljYWxBbGlnbm1lbnQiOjAsIlNtYXJ0Rm9yZWdyb3VuZCI6bnVsbCwiTWFyZ2luIjp7IiRyZWYiOiI3MSJ9LCJQYWRkaW5nIjp7IiRyZWYiOiI3MiJ9LCJCYWNrZ3JvdW5kIjp7IiRyZWYiOiI3MyJ9LCJJc1Zpc2libGUiOnRydWUsIldpZHRoIjowLjAsIkhlaWdodCI6MC4wLCJCb3JkZXJTdHlsZSI6eyIkaWQiOiIxNDAiLCJMaW5lQ29sb3IiOm51bGwsIkxpbmVXZWlnaHQiOjAuMCwiTGluZVR5cGUiOjAsIlBhcmVudFN0eWxlIjpudWxsfSwiUGFyZW50U3R5bGUiOnsiJHJlZiI6IjY3In19LCJEYXRlU3R5bGUiOnsiJGlkIjoiMTQxIiwiRm9udFNldHRpbmdzIjp7IiRpZCI6IjE0MiIsIkZvbnRTaXplIjo3LCJGb250TmFtZSI6IkNhbGlicmkiLCJJc0JvbGQiOmZhbHNlLCJJc0l0YWxpYyI6ZmFsc2UsIklzVW5kZXJsaW5lZCI6ZmFsc2UsIlBhcmVudFN0eWxlIjp7IiRyZWYiOiI3NSJ9fSwiQXV0b1NpemUiOjIsIkZvcmVncm91bmQiOnsiJHJlZiI6Ijc2In0sIk1heFdpZHRoIjozMi4yNSwiTWF4SGVpZ2h0IjoiSW5maW5pdHkiLCJTbWFydEZvcmVncm91bmRJc0FjdGl2ZSI6ZmFsc2UsIkhvcml6b250YWxBbGlnbm1lbnQiOjAsIlZlcnRpY2FsQWxpZ25tZW50IjowLCJTbWFydEZvcmVncm91bmQiOm51bGwsIk1hcmdpbiI6eyIkcmVmIjoiNzgifSwiUGFkZGluZyI6eyIkcmVmIjoiNzkifSwiQmFja2dyb3VuZCI6eyIkcmVmIjoiODAifSwiSXNWaXNpYmxlIjp0cnVlLCJXaWR0aCI6MC4wLCJIZWlnaHQiOjAuMCwiQm9yZGVyU3R5bGUiOnsiJGlkIjoiMTQzIiwiTGluZUNvbG9yIjpudWxsLCJMaW5lV2VpZ2h0IjowLjAsIkxpbmVUeXBlIjowLCJQYXJlbnRTdHlsZSI6bnVsbH0sIlBhcmVudFN0eWxlIjp7IiRyZWYiOiI3NCJ9fSwiRGF0ZUZvcm1hdCI6eyIkcmVmIjoiODEifSwiSXNWaXNpYmxlIjp0cnVlLCJQYXJlbnRTdHlsZSI6eyIkcmVmIjoiNTMifX0sIkluZGV4IjoxLCJQZXJjZW50YWdlQ29tcGxldGUiOm51bGwsIlBvc2l0aW9uIjp7IlJhdGlvIjowLjExNDk2OTI0NjQ3NTc4NDg3LCJJc0N1c3RvbSI6dHJ1ZX0sIkRhdGVGb3JtYXQiOnsiJHJlZiI6IjgxIn0sIklkIjoiY2U0OWI0NjEtZGFkYS00YjRiLWE4MDEtNmY5N2M1ZDY5MTIwIiwiSW1wb3J0SWQiOm51bGwsIlRpdGxlIjoiTWlsZXN0b25lIDEiLCJOb3RlIjpudWxsLCJIeXBlcmxpbmsiOm51bGwsIklzQ2hhbmdlZCI6ZmFsc2UsIklzTmV3Ijp0cnVlfSx7IiRpZCI6IjE0NCIsIkRhdGUiOiIyMDE3LTA1LTIzVDIzOjU5OjAwIiwiU3R5bGUiOnsiJGlkIjoiMTQ1IiwiU2hhcGUiOjEsIkNvbm5lY3Rvck1hcmdpbiI6eyIkcmVmIjoiNTQifSwiQ29ubmVjdG9yU3R5bGUiOnsiJGlkIjoiMTQ2IiwiTGluZUNvbG9yIjp7IiRpZCI6IjE0NyIsIiR0eXBlIjoiTkxSRS5Db21tb24uRG9tLlNvbGlkQ29sb3JCcnVzaCwgTkxSRS5Db21tb24iLCJDb2xvciI6eyIkaWQiOiIxNDgiLCJBIjoyNTUsIlIiOjkxLCJHIjoxNTUsIkIiOjIxM319LCJMaW5lV2VpZ2h0IjoxLjAsIkxpbmVUeXBlIjowLCJQYXJlbnRTdHlsZSI6eyIkcmVmIjoiNTUifX0sIklzQmVsb3dUaW1lYmFuZCI6dHJ1ZSwiSGlkZURhdGUiOmZhbHNlLCJTaGFwZVNpemUiOjMsIlNwYWNpbmciOjAuMCwiUGFkZGluZyI6eyIkaWQiOiIxNDkiLCJUb3AiOjAsIkxlZnQiOjAsIlJpZ2h0IjowLCJCb3R0b20iOjB9LCJTaGFwZVN0eWxlIjp7IiRpZCI6IjE1MCIsIk1hcmdpbiI6eyIkcmVmIjoiNjAifSwiUGFkZGluZyI6eyIkcmVmIjoiNjEifSwiQmFja2dyb3VuZCI6eyIkaWQiOiIxNTEiLCJDb2xvciI6eyIkaWQiOiIxNTIiLCJBIjoyNTUsIlIiOjkxLCJHIjoxNTUsIkIiOjIxM319LCJJc1Zpc2libGUiOnRydWUsIldpZHRoIjoxMy41LCJIZWlnaHQiOjE1LjAsIkJvcmRlclN0eWxlIjp7IiRpZCI6IjE1MyIsIkxpbmVDb2xvciI6eyIkcmVmIjoiNjUifSwiTGluZVdlaWdodCI6MC4wLCJMaW5lVHlwZSI6MCwiUGFyZW50U3R5bGUiOnsiJHJlZiI6IjY0In19LCJQYXJlbnRTdHlsZSI6eyIkcmVmIjoiNTkifX0sIlRpdGxlU3R5bGUiOnsiJGlkIjoiMTU0IiwiRm9udFNldHRpbmdzIjp7IiRpZCI6IjE1NSIsIkZvbnRTaXplIjo4LCJGb250TmFtZSI6IkNhbGlicmkiLCJJc0JvbGQiOnRydWUsIklzSXRhbGljIjpmYWxzZSwiSXNVbmRlcmxpbmVkIjpmYWxzZSwiUGFyZW50U3R5bGUiOnsiJHJlZiI6IjY4In19LCJBdXRvU2l6ZSI6MiwiRm9yZWdyb3VuZCI6eyIkcmVmIjoiNjkifSwiTWF4V2lkdGgiOjQwLjUsIk1heEhlaWdodCI6IkluZmluaXR5IiwiU21hcnRGb3JlZ3JvdW5kSXNBY3RpdmUiOmZhbHNlLCJIb3Jpem9udGFsQWxpZ25tZW50IjoxLCJWZXJ0aWNhbEFsaWdubWVudCI6MCwiU21hcnRGb3JlZ3JvdW5kIjpudWxsLCJNYXJnaW4iOnsiJHJlZiI6IjcxIn0sIlBhZGRpbmciOnsiJHJlZiI6IjcyIn0sIkJhY2tncm91bmQiOnsiJHJlZiI6IjczIn0sIklzVmlzaWJsZSI6dHJ1ZSwiV2lkdGgiOjAuMCwiSGVpZ2h0IjowLjAsIkJvcmRlclN0eWxlIjp7IiRpZCI6IjE1NiIsIkxpbmVDb2xvciI6bnVsbCwiTGluZVdlaWdodCI6MC4wLCJMaW5lVHlwZSI6MCwiUGFyZW50U3R5bGUiOm51bGx9LCJQYXJlbnRTdHlsZSI6eyIkcmVmIjoiNjcifX0sIkRhdGVTdHlsZSI6eyIkaWQiOiIxNTciLCJGb250U2V0dGluZ3MiOnsiJGlkIjoiMTU4IiwiRm9udFNpemUiOjcsIkZvbnROYW1lIjoiQ2FsaWJyaSIsIklzQm9sZCI6ZmFsc2UsIklzSXRhbGljIjpmYWxzZSwiSXNVbmRlcmxpbmVkIjpmYWxzZSwiUGFyZW50U3R5bGUiOnsiJHJlZiI6Ijc1In19LCJBdXRvU2l6ZSI6MiwiRm9yZWdyb3VuZCI6eyIkcmVmIjoiNzYifSwiTWF4V2lkdGgiOjM1LjI1LCJNYXhIZWlnaHQiOiJJbmZpbml0eSIsIlNtYXJ0Rm9yZWdyb3VuZElzQWN0aXZlIjpmYWxzZSwiSG9yaXpvbnRhbEFsaWdubWVudCI6MCwiVmVydGljYWxBbGlnbm1lbnQiOjAsIlNtYXJ0Rm9yZWdyb3VuZCI6bnVsbCwiTWFyZ2luIjp7IiRyZWYiOiI3OCJ9LCJQYWRkaW5nIjp7IiRyZWYiOiI3OSJ9LCJCYWNrZ3JvdW5kIjp7IiRyZWYiOiI4MCJ9LCJJc1Zpc2libGUiOnRydWUsIldpZHRoIjowLjAsIkhlaWdodCI6MC4wLCJCb3JkZXJTdHlsZSI6eyIkaWQiOiIxNTkiLCJMaW5lQ29sb3IiOm51bGwsIkxpbmVXZWlnaHQiOjAuMCwiTGluZVR5cGUiOjAsIlBhcmVudFN0eWxlIjpudWxsfSwiUGFyZW50U3R5bGUiOnsiJHJlZiI6Ijc0In19LCJEYXRlRm9ybWF0Ijp7IiRyZWYiOiI4MSJ9LCJJc1Zpc2libGUiOnRydWUsIlBhcmVudFN0eWxlIjp7IiRyZWYiOiI1MyJ9fSwiSW5kZXgiOjIsIlBlcmNlbnRhZ2VDb21wbGV0ZSI6bnVsbCwiUG9zaXRpb24iOnsiUmF0aW8iOjAuMCwiSXNDdXN0b20iOmZhbHNlfSwiRGF0ZUZvcm1hdCI6eyIkcmVmIjoiODEifSwiSWQiOiJmZjdkZWNiNi1lMGRiLTQ4NTEtYWM3Ny1jYzg5MDI0NDAwMDciLCJJbXBvcnRJZCI6bnVsbCwiVGl0bGUiOiJNaWxlc3RvbmUgMiIsIk5vdGUiOm51bGwsIkh5cGVybGluayI6bnVsbCwiSXNDaGFuZ2VkIjpmYWxzZSwiSXNOZXciOnRydWV9LHsiJGlkIjoiMTYwIiwiRGF0ZSI6IjIwMTctMDYtMDNUMjM6NTk6MDAiLCJTdHlsZSI6eyIkaWQiOiIxNjEiLCJTaGFwZSI6MSwiQ29ubmVjdG9yTWFyZ2luIjp7IiRyZWYiOiI1NCJ9LCJDb25uZWN0b3JTdHlsZSI6eyIkaWQiOiIxNjIiLCJMaW5lQ29sb3IiOnsiJGlkIjoiMTYzIiwiJHR5cGUiOiJOTFJFLkNvbW1vbi5Eb20uU29saWRDb2xvckJydXNoLCBOTFJFLkNvbW1vbiIsIkNvbG9yIjp7IiRpZCI6IjE2NCIsIkEiOjI1NSwiUiI6MjM3LCJHIjoxMjUsIkIiOjQ5fX0sIkxpbmVXZWlnaHQiOjEuMCwiTGluZVR5cGUiOjAsIlBhcmVudFN0eWxlIjp7IiRyZWYiOiI1NSJ9fSwiSXNCZWxvd1RpbWViYW5kIjp0cnVlLCJIaWRlRGF0ZSI6ZmFsc2UsIlNoYXBlU2l6ZSI6MywiU3BhY2luZyI6MC4wLCJQYWRkaW5nIjp7IiRpZCI6IjE2NSIsIlRvcCI6MCwiTGVmdCI6MCwiUmlnaHQiOjAsIkJvdHRvbSI6MH0sIlNoYXBlU3R5bGUiOnsiJGlkIjoiMTY2IiwiTWFyZ2luIjp7IiRyZWYiOiI2MCJ9LCJQYWRkaW5nIjp7IiRyZWYiOiI2MSJ9LCJCYWNrZ3JvdW5kIjp7IiRpZCI6IjE2NyIsIkNvbG9yIjp7IiRpZCI6IjE2OCIsIkEiOjI1NSwiUiI6MjM3LCJHIjoxMjUsIkIiOjQ5fX0sIklzVmlzaWJsZSI6dHJ1ZSwiV2lkdGgiOjEzLjUsIkhlaWdodCI6MTUuMCwiQm9yZGVyU3R5bGUiOnsiJGlkIjoiMTY5IiwiTGluZUNvbG9yIjp7IiRyZWYiOiI2NSJ9LCJMaW5lV2VpZ2h0IjowLjAsIkxpbmVUeXBlIjowLCJQYXJlbnRTdHlsZSI6eyIkcmVmIjoiNjQifX0sIlBhcmVudFN0eWxlIjp7IiRyZWYiOiI1OSJ9fSwiVGl0bGVTdHlsZSI6eyIkaWQiOiIxNzAiLCJGb250U2V0dGluZ3MiOnsiJGlkIjoiMTcxIiwiRm9udFNpemUiOjgsIkZvbnROYW1lIjoiQ2FsaWJyaSIsIklzQm9sZCI6dHJ1ZSwiSXNJdGFsaWMiOmZhbHNlLCJJc1VuZGVybGluZWQiOmZhbHNlLCJQYXJlbnRTdHlsZSI6eyIkcmVmIjoiNjgifX0sIkF1dG9TaXplIjoyLCJGb3JlZ3JvdW5kIjp7IiRyZWYiOiI2OSJ9LCJNYXhXaWR0aCI6NDAuNSwiTWF4SGVpZ2h0IjoiSW5maW5pdHkiLCJTbWFydEZvcmVncm91bmRJc0FjdGl2ZSI6ZmFsc2UsIkhvcml6b250YWxBbGlnbm1lbnQiOjEsIlZlcnRpY2FsQWxpZ25tZW50IjowLCJTbWFydEZvcmVncm91bmQiOm51bGwsIk1hcmdpbiI6eyIkcmVmIjoiNzEifSwiUGFkZGluZyI6eyIkcmVmIjoiNzIifSwiQmFja2dyb3VuZCI6eyIkcmVmIjoiNzMifSwiSXNWaXNpYmxlIjp0cnVlLCJXaWR0aCI6MC4wLCJIZWlnaHQiOjAuMCwiQm9yZGVyU3R5bGUiOnsiJGlkIjoiMTcyIiwiTGluZUNvbG9yIjpudWxsLCJMaW5lV2VpZ2h0IjowLjAsIkxpbmVUeXBlIjowLCJQYXJlbnRTdHlsZSI6bnVsbH0sIlBhcmVudFN0eWxlIjp7IiRyZWYiOiI2NyJ9fSwiRGF0ZVN0eWxlIjp7IiRpZCI6IjE3MyIsIkZvbnRTZXR0aW5ncyI6eyIkaWQiOiIxNzQiLCJGb250U2l6ZSI6NywiRm9udE5hbWUiOiJDYWxpYnJpIiwiSXNCb2xkIjpmYWxzZSwiSXNJdGFsaWMiOmZhbHNlLCJJc1VuZGVybGluZWQiOmZhbHNlLCJQYXJlbnRTdHlsZSI6eyIkcmVmIjoiNzUifX0sIkF1dG9TaXplIjoyLCJGb3JlZ3JvdW5kIjp7IiRyZWYiOiI3NiJ9LCJNYXhXaWR0aCI6MjcuMCwiTWF4SGVpZ2h0IjoiSW5maW5pdHkiLCJTbWFydEZvcmVncm91bmRJc0FjdGl2ZSI6ZmFsc2UsIkhvcml6b250YWxBbGlnbm1lbnQiOjAsIlZlcnRpY2FsQWxpZ25tZW50IjowLCJTbWFydEZvcmVncm91bmQiOm51bGwsIk1hcmdpbiI6eyIkcmVmIjoiNzgifSwiUGFkZGluZyI6eyIkcmVmIjoiNzkifSwiQmFja2dyb3VuZCI6eyIkcmVmIjoiODAifSwiSXNWaXNpYmxlIjp0cnVlLCJXaWR0aCI6MC4wLCJIZWlnaHQiOjAuMCwiQm9yZGVyU3R5bGUiOnsiJGlkIjoiMTc1IiwiTGluZUNvbG9yIjpudWxsLCJMaW5lV2VpZ2h0IjowLjAsIkxpbmVUeXBlIjowLCJQYXJlbnRTdHlsZSI6bnVsbH0sIlBhcmVudFN0eWxlIjp7IiRyZWYiOiI3NCJ9fSwiRGF0ZUZvcm1hdCI6eyIkcmVmIjoiODEifSwiSXNWaXNpYmxlIjp0cnVlLCJQYXJlbnRTdHlsZSI6eyIkcmVmIjoiNTMifX0sIkluZGV4IjozLCJQZXJjZW50YWdlQ29tcGxldGUiOm51bGwsIlBvc2l0aW9uIjp7IlJhdGlvIjowLjA4MzM5NzYyNTExMDc2NzUwOSwiSXNDdXN0b20iOnRydWV9LCJEYXRlRm9ybWF0Ijp7IiRyZWYiOiI4MSJ9LCJJZCI6Ijk0MzhiODVlLWUxZjUtNDA2MS05ODA3LTMzYmQ0NzQ4OTA5NCIsIkltcG9ydElkIjpudWxsLCJUaXRsZSI6Ik1pbGVzdG9uZSAzIiwiTm90ZSI6bnVsbCwiSHlwZXJsaW5rIjpudWxsLCJJc0NoYW5nZWQiOmZhbHNlLCJJc05ldyI6dHJ1ZX0seyIkaWQiOiIxNzYiLCJEYXRlIjoiMjAxNy0wNi0xOFQyMzo1OTowMCIsIlN0eWxlIjp7IiRpZCI6IjE3NyIsIlNoYXBlIjoxLCJDb25uZWN0b3JNYXJnaW4iOnsiJHJlZiI6IjU0In0sIkNvbm5lY3RvclN0eWxlIjp7IiRpZCI6IjE3OCIsIkxpbmVDb2xvciI6eyIkaWQiOiIxNzkiLCIkdHlwZSI6Ik5MUkUuQ29tbW9uLkRvbS5Tb2xpZENvbG9yQnJ1c2gsIE5MUkUuQ29tbW9uIiwiQ29sb3IiOnsiJGlkIjoiMTgwIiwiQSI6MjU1LCJSIjoxNzgsIkciOjE0LCJCIjoxOH19LCJMaW5lV2VpZ2h0IjoxLjAsIkxpbmVUeXBlIjowLCJQYXJlbnRTdHlsZSI6eyIkcmVmIjoiNTUifX0sIklzQmVsb3dUaW1lYmFuZCI6dHJ1ZSwiSGlkZURhdGUiOmZhbHNlLCJTaGFwZVNpemUiOjMsIlNwYWNpbmciOjAuMCwiUGFkZGluZyI6eyIkaWQiOiIxODEiLCJUb3AiOjAsIkxlZnQiOjAsIlJpZ2h0IjowLCJCb3R0b20iOjB9LCJTaGFwZVN0eWxlIjp7IiRpZCI6IjE4MiIsIk1hcmdpbiI6eyIkcmVmIjoiNjAifSwiUGFkZGluZyI6eyIkcmVmIjoiNjEifSwiQmFja2dyb3VuZCI6eyIkaWQiOiIxODMiLCJDb2xvciI6eyIkaWQiOiIxODQiLCJBIjoyNTUsIlIiOjE3OCwiRyI6MTQsIkIiOjE4fX0sIklzVmlzaWJsZSI6dHJ1ZSwiV2lkdGgiOjEzLjUsIkhlaWdodCI6MTUuMCwiQm9yZGVyU3R5bGUiOnsiJGlkIjoiMTg1IiwiTGluZUNvbG9yIjp7IiRyZWYiOiI2NSJ9LCJMaW5lV2VpZ2h0IjowLjAsIkxpbmVUeXBlIjowLCJQYXJlbnRTdHlsZSI6eyIkcmVmIjoiNjQifX0sIlBhcmVudFN0eWxlIjp7IiRyZWYiOiI1OSJ9fSwiVGl0bGVTdHlsZSI6eyIkaWQiOiIxODYiLCJGb250U2V0dGluZ3MiOnsiJGlkIjoiMTg3IiwiRm9udFNpemUiOjgsIkZvbnROYW1lIjoiQ2FsaWJyaSIsIklzQm9sZCI6dHJ1ZSwiSXNJdGFsaWMiOmZhbHNlLCJJc1VuZGVybGluZWQiOmZhbHNlLCJQYXJlbnRTdHlsZSI6eyIkcmVmIjoiNjgifX0sIkF1dG9TaXplIjoyLCJGb3JlZ3JvdW5kIjp7IiRyZWYiOiI2OSJ9LCJNYXhXaWR0aCI6NDAuNSwiTWF4SGVpZ2h0IjoiSW5maW5pdHkiLCJTbWFydEZvcmVncm91bmRJc0FjdGl2ZSI6ZmFsc2UsIkhvcml6b250YWxBbGlnbm1lbnQiOjEsIlZlcnRpY2FsQWxpZ25tZW50IjowLCJTbWFydEZvcmVncm91bmQiOm51bGwsIk1hcmdpbiI6eyIkcmVmIjoiNzEifSwiUGFkZGluZyI6eyIkcmVmIjoiNzIifSwiQmFja2dyb3VuZCI6eyIkcmVmIjoiNzMifSwiSXNWaXNpYmxlIjp0cnVlLCJXaWR0aCI6MC4wLCJIZWlnaHQiOjAuMCwiQm9yZGVyU3R5bGUiOnsiJGlkIjoiMTg4IiwiTGluZUNvbG9yIjpudWxsLCJMaW5lV2VpZ2h0IjowLjAsIkxpbmVUeXBlIjowLCJQYXJlbnRTdHlsZSI6bnVsbH0sIlBhcmVudFN0eWxlIjp7IiRyZWYiOiI2NyJ9fSwiRGF0ZVN0eWxlIjp7IiRpZCI6IjE4OSIsIkZvbnRTZXR0aW5ncyI6eyIkaWQiOiIxOTAiLCJGb250U2l6ZSI6NywiRm9udE5hbWUiOiJDYWxpYnJpIiwiSXNCb2xkIjpmYWxzZSwiSXNJdGFsaWMiOmZhbHNlLCJJc1VuZGVybGluZWQiOmZhbHNlLCJQYXJlbnRTdHlsZSI6eyIkcmVmIjoiNzUifX0sIkF1dG9TaXplIjoyLCJGb3JlZ3JvdW5kIjp7IiRyZWYiOiI3NiJ9LCJNYXhXaWR0aCI6MzMuMCwiTWF4SGVpZ2h0IjoiSW5maW5pdHkiLCJTbWFydEZvcmVncm91bmRJc0FjdGl2ZSI6ZmFsc2UsIkhvcml6b250YWxBbGlnbm1lbnQiOjAsIlZlcnRpY2FsQWxpZ25tZW50IjowLCJTbWFydEZvcmVncm91bmQiOm51bGwsIk1hcmdpbiI6eyIkcmVmIjoiNzgifSwiUGFkZGluZyI6eyIkcmVmIjoiNzkifSwiQmFja2dyb3VuZCI6eyIkcmVmIjoiODAifSwiSXNWaXNpYmxlIjp0cnVlLCJXaWR0aCI6MC4wLCJIZWlnaHQiOjAuMCwiQm9yZGVyU3R5bGUiOnsiJGlkIjoiMTkxIiwiTGluZUNvbG9yIjpudWxsLCJMaW5lV2VpZ2h0IjowLjAsIkxpbmVUeXBlIjowLCJQYXJlbnRTdHlsZSI6bnVsbH0sIlBhcmVudFN0eWxlIjp7IiRyZWYiOiI3NCJ9fSwiRGF0ZUZvcm1hdCI6eyIkcmVmIjoiODEifSwiSXNWaXNpYmxlIjp0cnVlLCJQYXJlbnRTdHlsZSI6eyIkcmVmIjoiNTMifX0sIkluZGV4Ijo0LCJQZXJjZW50YWdlQ29tcGxldGUiOm51bGwsIlBvc2l0aW9uIjp7IlJhdGlvIjowLjAsIklzQ3VzdG9tIjpmYWxzZX0sIkRhdGVGb3JtYXQiOnsiJHJlZiI6IjgxIn0sIklkIjoiZDY1NWYwODktNDc3Yi00MzZmLWFjYzUtMzA0ODBlYWU4NGU1IiwiSW1wb3J0SWQiOm51bGwsIlRpdGxlIjoiTWlsZXN0b25lIDQiLCJOb3RlIjpudWxsLCJIeXBlcmxpbmsiOm51bGwsIklzQ2hhbmdlZCI6ZmFsc2UsIklzTmV3Ijp0cnVlfSx7IiRpZCI6IjE5MiIsIkRhdGUiOiIyMDE3LTA3LTAzVDIzOjU5OjAwIiwiU3R5bGUiOnsiJGlkIjoiMTkzIiwiU2hhcGUiOjE0LCJDb25uZWN0b3JNYXJnaW4iOnsiJHJlZiI6IjU0In0sIkNvbm5lY3RvclN0eWxlIjp7IiRpZCI6IjE5NCIsIkxpbmVDb2xvciI6eyIkaWQiOiIxOTUiLCIkdHlwZSI6Ik5MUkUuQ29tbW9uLkRvbS5Tb2xpZENvbG9yQnJ1c2gsIE5MUkUuQ29tbW9uIiwiQ29sb3IiOnsiJGlkIjoiMTk2IiwiQSI6MjU1LCJSIjoxMTIsIkciOjE3MywiQiI6NzF9fSwiTGluZVdlaWdodCI6MS4wLCJMaW5lVHlwZSI6MCwiUGFyZW50U3R5bGUiOnsiJHJlZiI6IjU1In19LCJJc0JlbG93VGltZWJhbmQiOnRydWUsIkhpZGVEYXRlIjpmYWxzZSwiU2hhcGVTaXplIjozLCJTcGFjaW5nIjowLjAsIlBhZGRpbmciOnsiJGlkIjoiMTk3IiwiVG9wIjowLCJMZWZ0IjowLCJSaWdodCI6MCwiQm90dG9tIjowfSwiU2hhcGVTdHlsZSI6eyIkaWQiOiIxOTgiLCJNYXJnaW4iOnsiJHJlZiI6IjYwIn0sIlBhZGRpbmciOnsiJHJlZiI6IjYxIn0sIkJhY2tncm91bmQiOnsiJGlkIjoiMTk5IiwiQ29sb3IiOnsiJGlkIjoiMjAwIiwiQSI6MjU1LCJSIjoxMTIsIkciOjE3MywiQiI6NzF9fSwiSXNWaXNpYmxlIjp0cnVlLCJXaWR0aCI6MTMuNSwiSGVpZ2h0IjoxNS4wLCJCb3JkZXJTdHlsZSI6eyIkaWQiOiIyMDEiLCJMaW5lQ29sb3IiOnsiJHJlZiI6IjY1In0sIkxpbmVXZWlnaHQiOjAuMCwiTGluZVR5cGUiOjAsIlBhcmVudFN0eWxlIjp7IiRyZWYiOiI2NCJ9fSwiUGFyZW50U3R5bGUiOnsiJHJlZiI6IjU5In19LCJUaXRsZVN0eWxlIjp7IiRpZCI6IjIwMiIsIkZvbnRTZXR0aW5ncyI6eyIkaWQiOiIyMDMiLCJGb250U2l6ZSI6OCwiRm9udE5hbWUiOiJDYWxpYnJpIiwiSXNCb2xkIjp0cnVlLCJJc0l0YWxpYyI6ZmFsc2UsIklzVW5kZXJsaW5lZCI6ZmFsc2UsIlBhcmVudFN0eWxlIjp7IiRyZWYiOiI2OCJ9fSwiQXV0b1NpemUiOjIsIkZvcmVncm91bmQiOnsiJHJlZiI6IjY5In0sIk1heFdpZHRoIjo0MC41LCJNYXhIZWlnaHQiOiJJbmZpbml0eSIsIlNtYXJ0Rm9yZWdyb3VuZElzQWN0aXZlIjpmYWxzZSwiSG9yaXpvbnRhbEFsaWdubWVudCI6MSwiVmVydGljYWxBbGlnbm1lbnQiOjAsIlNtYXJ0Rm9yZWdyb3VuZCI6bnVsbCwiTWFyZ2luIjp7IiRyZWYiOiI3MSJ9LCJQYWRkaW5nIjp7IiRyZWYiOiI3MiJ9LCJCYWNrZ3JvdW5kIjp7IiRyZWYiOiI3MyJ9LCJJc1Zpc2libGUiOnRydWUsIldpZHRoIjowLjAsIkhlaWdodCI6MC4wLCJCb3JkZXJTdHlsZSI6eyIkaWQiOiIyMDQiLCJMaW5lQ29sb3IiOm51bGwsIkxpbmVXZWlnaHQiOjAuMCwiTGluZVR5cGUiOjAsIlBhcmVudFN0eWxlIjpudWxsfSwiUGFyZW50U3R5bGUiOnsiJHJlZiI6IjY3In19LCJEYXRlU3R5bGUiOnsiJGlkIjoiMjA1IiwiRm9udFNldHRpbmdzIjp7IiRpZCI6IjIwNiIsIkZvbnRTaXplIjo3LCJGb250TmFtZSI6IkNhbGlicmkiLCJJc0JvbGQiOmZhbHNlLCJJc0l0YWxpYyI6ZmFsc2UsIklzVW5kZXJsaW5lZCI6ZmFsc2UsIlBhcmVudFN0eWxlIjp7IiRyZWYiOiI3NSJ9fSwiQXV0b1NpemUiOjIsIkZvcmVncm91bmQiOnsiJHJlZiI6Ijc2In0sIk1heFdpZHRoIjozMC4wLCJNYXhIZWlnaHQiOiJJbmZpbml0eSIsIlNtYXJ0Rm9yZWdyb3VuZElzQWN0aXZlIjpmYWxzZSwiSG9yaXpvbnRhbEFsaWdubWVudCI6MCwiVmVydGljYWxBbGlnbm1lbnQiOjAsIlNtYXJ0Rm9yZWdyb3VuZCI6bnVsbCwiTWFyZ2luIjp7IiRyZWYiOiI3OCJ9LCJQYWRkaW5nIjp7IiRyZWYiOiI3OSJ9LCJCYWNrZ3JvdW5kIjp7IiRyZWYiOiI4MCJ9LCJJc1Zpc2libGUiOnRydWUsIldpZHRoIjowLjAsIkhlaWdodCI6MC4wLCJCb3JkZXJTdHlsZSI6eyIkaWQiOiIyMDciLCJMaW5lQ29sb3IiOm51bGwsIkxpbmVXZWlnaHQiOjAuMCwiTGluZVR5cGUiOjAsIlBhcmVudFN0eWxlIjpudWxsfSwiUGFyZW50U3R5bGUiOnsiJHJlZiI6Ijc0In19LCJEYXRlRm9ybWF0Ijp7IiRyZWYiOiI4MSJ9LCJJc1Zpc2libGUiOnRydWUsIlBhcmVudFN0eWxlIjp7IiRyZWYiOiI1MyJ9fSwiSW5kZXgiOjUsIlBlcmNlbnRhZ2VDb21wbGV0ZSI6bnVsbCwiUG9zaXRpb24iOnsiUmF0aW8iOjAuMDgzMzk3NjI1MTEwNzY3NTA5LCJJc0N1c3RvbSI6dHJ1ZX0sIkRhdGVGb3JtYXQiOnsiJHJlZiI6IjgxIn0sIklkIjoiMDBiNzk0OTgtMmY0MS00ODdhLWEyMjgtNTg2NGUzMGMwNDQ1IiwiSW1wb3J0SWQiOm51bGwsIlRpdGxlIjoiTWlsZXN0b25lIDUiLCJOb3RlIjpudWxsLCJIeXBlcmxpbmsiOm51bGwsIklzQ2hhbmdlZCI6ZmFsc2UsIklzTmV3Ijp0cnVlfV0sIlRhc2tzIjpbeyIkaWQiOiIyMDgiLCJHcm91cE5hbWUiOm51bGwsIlN0YXJ0RGF0ZSI6IjIwMTctMDUtMTlUMDA6MDA6MDBaIiwiRW5kRGF0ZSI6IjIwMTctMDYtMDJUMjM6NTk6MDBaIiwiUGVyY2VudGFnZUNvbXBsZXRlIjoxMDAuMCwiU3R5bGUiOnsiJGlkIjoiMjA5IiwiU2hhcGUiOjYsIlNoYXBlVGhpY2tuZXNzIjozLCJEdXJhdGlvbkZvcm1hdCI6MCwiSW5jbHVkZU5vbldvcmtpbmdEYXlzSW5EdXJhdGlvbiI6ZmFsc2UsIlBlcmNlbnRhZ2VDb21wbGV0ZVN0eWxlIjp7IiRpZCI6IjIxMCIsIkZvbnRTZXR0aW5ncyI6eyIkaWQiOiIyMTEiLCJGb250U2l6ZSI6MTAsIkZvbnROYW1lIjoiQ2FsaWJyaSIsIklzQm9sZCI6ZmFsc2UsIklzSXRhbGljIjpmYWxzZSwiSXNVbmRlcmxpbmVkIjpmYWxzZSwiUGFyZW50U3R5bGUiOnsiJHJlZiI6Ijg0In19LCJBdXRvU2l6ZSI6MCwiRm9yZWdyb3VuZCI6eyIkaWQiOiIyMTIiLCJDb2xvciI6eyIkaWQiOiIyMTMiLCJBIjoyNTUsIlIiOjIzNywiRyI6MTI1LCJCIjo0OX19LCJNYXhXaWR0aCI6MjAwLjAsIk1heEhlaWdodCI6IkluZmluaXR5IiwiU21hcnRGb3JlZ3JvdW5kSXNBY3RpdmUiOmZhbHNlLCJIb3Jpem9udGFsQWxpZ25tZW50IjowLCJWZXJ0aWNhbEFsaWdubWVudCI6MCwiU21hcnRGb3JlZ3JvdW5kIjpudWxsLCJNYXJnaW4iOnsiJHJlZiI6Ijg3In0sIlBhZGRpbmciOnsiJHJlZiI6Ijg4In0sIkJhY2tncm91bmQiOnsiJHJlZiI6Ijg5In0sIklzVmlzaWJsZSI6dHJ1ZSwiV2lkdGgiOjAuMCwiSGVpZ2h0IjowLjAsIkJvcmRlclN0eWxlIjp7IiRpZCI6IjIxNCIsIkxpbmVDb2xvciI6bnVsbCwiTGluZVdlaWdodCI6MC4wLCJMaW5lVHlwZSI6MCwiUGFyZW50U3R5bGUiOm51bGx9LCJQYXJlbnRTdHlsZSI6eyIkcmVmIjoiODMifX0sIkR1cmF0aW9uU3R5bGUiOnsiJGlkIjoiMjE1IiwiRm9udFNldHRpbmdzIjp7IiRpZCI6IjIxNiIsIkZvbnRTaXplIjoxMCwiRm9udE5hbWUiOiJDYWxpYnJpIiwiSXNCb2xkIjpmYWxzZSwiSXNJdGFsaWMiOmZhbHNlLCJJc1VuZGVybGluZWQiOmZhbHNlLCJQYXJlbnRTdHlsZSI6eyIkcmVmIjoiOTEifX0sIkF1dG9TaXplIjowLCJGb3JlZ3JvdW5kIjp7IiRyZWYiOiI5MiJ9LCJNYXhXaWR0aCI6MjAwLjAsIk1heEhlaWdodCI6IkluZmluaXR5IiwiU21hcnRGb3JlZ3JvdW5kSXNBY3RpdmUiOmZhbHNlLCJIb3Jpem9udGFsQWxpZ25tZW50IjowLCJWZXJ0aWNhbEFsaWdubWVudCI6MCwiU21hcnRGb3JlZ3JvdW5kIjpudWxsLCJNYXJnaW4iOnsiJHJlZiI6Ijk0In0sIlBhZGRpbmciOnsiJHJlZiI6Ijk1In0sIkJhY2tncm91bmQiOnsiJHJlZiI6Ijk2In0sIklzVmlzaWJsZSI6dHJ1ZSwiV2lkdGgiOjAuMCwiSGVpZ2h0IjowLjAsIkJvcmRlclN0eWxlIjp7IiRpZCI6IjIxNyIsIkxpbmVDb2xvciI6bnVsbCwiTGluZVdlaWdodCI6MC4wLCJMaW5lVHlwZSI6MCwiUGFyZW50U3R5bGUiOm51bGx9LCJQYXJlbnRTdHlsZSI6eyIkcmVmIjoiOTAifX0sIkhvcml6b250YWxDb25uZWN0b3JTdHlsZSI6eyIkaWQiOiIyMTgiLCJMaW5lQ29sb3IiOnsiJHJlZiI6Ijk4In0sIkxpbmVXZWlnaHQiOjAuMCwiTGluZVR5cGUiOjAsIlBhcmVudFN0eWxlIjp7IiRyZWYiOiI5NyJ9fSwiVmVydGljYWxDb25uZWN0b3JTdHlsZSI6eyIkaWQiOiIyMTkiLCJMaW5lQ29sb3IiOnsiJGlkIjoiMjIwIiwiJHR5cGUiOiJOTFJFLkNvbW1vbi5Eb20uU29saWRDb2xvckJydXNoLCBOTFJFLkNvbW1vbiIsIkNvbG9yIjp7IiRpZCI6IjIyMSIsIkEiOjI1NSwiUiI6MTEyLCJHIjoxNzMsIkIiOjcxfX0sIkxpbmVXZWlnaHQiOjEuMCwiTGluZVR5cGUiOjAsIlBhcmVudFN0eWxlIjp7IiRyZWYiOiIxMDAifX0sIk1hcmdpbiI6bnVsbCwiU3RhcnREYXRlUG9zaXRpb24iOjQsIkVuZERhdGVQb3NpdGlvbiI6NCwiRGF0ZUlzVmlzaWJsZSI6dHJ1ZSwiVGl0bGVQb3NpdGlvbiI6MywiRHVyYXRpb25Qb3NpdGlvbiI6NiwiUGVyY2VudGFnZUNvbXBsZXRlZFBvc2l0aW9uIjo2LCJTcGFjaW5nIjoxMCwiSXNCZWxvd1RpbWViYW5kIjpmYWxzZSwiUGVyY2VudGFnZUNvbXBsZXRlU2hhcGVPcGFjaXR5IjozNSwiU2hhcGVTdHlsZSI6eyIkaWQiOiIyMjIiLCJNYXJnaW4iOnsiJHJlZiI6IjEwNCJ9LCJQYWRkaW5nIjp7IiRpZCI6IjIyMyIsIlRvcCI6MywiTGVmdCI6MCwiUmlnaHQiOjAsIkJvdHRvbSI6NH0sIkJhY2tncm91bmQiOnsiJGlkIjoiMjI0IiwiQ29sb3IiOnsiJGlkIjoiMjI1IiwiQSI6MjU1LCJSIjoxNTAsIkciOjIxNCwiQiI6NjZ9fSwiSXNWaXNpYmxlIjp0cnVlLCJXaWR0aCI6MC4wLCJIZWlnaHQiOjE2LjUsIkJvcmRlclN0eWxlIjp7IiRpZCI6IjIyNiIsIkxpbmVDb2xvciI6eyIkaWQiOiIyMjciLCIkdHlwZSI6Ik5MUkUuQ29tbW9uLkRvbS5Tb2xpZENvbG9yQnJ1c2gsIE5MUkUuQ29tbW9uIiwiQ29sb3IiOnsiJGlkIjoiMjI4IiwiQSI6MjU1LCJSIjoyNTUsIkciOjAsIkIiOjB9fSwiTGluZVdlaWdodCI6MC4wLCJMaW5lVHlwZSI6MCwiUGFyZW50U3R5bGUiOm51bGx9LCJQYXJlbnRTdHlsZSI6eyIkcmVmIjoiMTAzIn19LCJUaXRsZVN0eWxlIjp7IiRpZCI6IjIyOSIsIkZvbnRTZXR0aW5ncyI6eyIkaWQiOiIyMzAiLCJGb250U2l6ZSI6OCwiRm9udE5hbWUiOiJDYWxpYnJpIiwiSXNCb2xkIjp0cnVlLCJJc0l0YWxpYyI6ZmFsc2UsIklzVW5kZXJsaW5lZCI6ZmFsc2UsIlBhcmVudFN0eWxlIjp7IiRyZWYiOiIxMTIifX0sIkF1dG9TaXplIjoyLCJGb3JlZ3JvdW5kIjp7IiRpZCI6IjIzMSIsIkNvbG9yIjp7IiRpZCI6IjIzMiIsIkEiOjI1NSwiUiI6MCwiRyI6MCwiQiI6MH19LCJNYXhXaWR0aCI6MzYuMCwiTWF4SGVpZ2h0IjoiSW5maW5pdHkiLCJTbWFydEZvcmVncm91bmRJc0FjdGl2ZSI6ZmFsc2UsIkhvcml6b250YWxBbGlnbm1lbnQiOjIsIlZlcnRpY2FsQWxpZ25tZW50IjowLCJTbWFydEZvcmVncm91bmQiOm51bGwsIk1hcmdpbiI6eyIkcmVmIjoiMTE1In0sIlBhZGRpbmciOnsiJHJlZiI6IjExNiJ9LCJCYWNrZ3JvdW5kIjp7IiRyZWYiOiIxMTcifSwiSXNWaXNpYmxlIjp0cnVlLCJXaWR0aCI6MC4wLCJIZWlnaHQiOjAuMCwiQm9yZGVyU3R5bGUiOnsiJGlkIjoiMjMzIiwiTGluZUNvbG9yIjpudWxsLCJMaW5lV2VpZ2h0IjowLjAsIkxpbmVUeXBlIjowLCJQYXJlbnRTdHlsZSI6bnVsbH0sIlBhcmVudFN0eWxlIjp7IiRyZWYiOiIxMTEifX0sIkRhdGVTdHlsZSI6eyIkaWQiOiIyMzQiLCJGb250U2V0dGluZ3MiOnsiJGlkIjoiMjM1IiwiRm9udFNpemUiOjcsIkZvbnROYW1lIjoiQ2FsaWJyaSIsIklzQm9sZCI6dHJ1ZSwiSXNJdGFsaWMiOmZhbHNlLCJJc1VuZGVybGluZWQiOmZhbHNlLCJQYXJlbnRTdHlsZSI6eyIkcmVmIjoiMTE5In19LCJBdXRvU2l6ZSI6MiwiRm9yZWdyb3VuZCI6eyIkaWQiOiIyMzYiLCJDb2xvciI6eyIkaWQiOiIyMzciLCJBIjoyNTUsIlIiOjExMiwiRyI6MTczLCJCIjo3MX19LCJNYXhXaWR0aCI6NDUuMCwiTWF4SGVpZ2h0IjoiSW5maW5pdHkiLCJTbWFydEZvcmVncm91bmRJc0FjdGl2ZSI6ZmFsc2UsIkhvcml6b250YWxBbGlnbm1lbnQiOjAsIlZlcnRpY2FsQWxpZ25tZW50IjowLCJTbWFydEZvcmVncm91bmQiOm51bGwsIk1hcmdpbiI6eyIkcmVmIjoiMTIyIn0sIlBhZGRpbmciOnsiJHJlZiI6IjEyMyJ9LCJCYWNrZ3JvdW5kIjp7IiRyZWYiOiIxMjQifSwiSXNWaXNpYmxlIjp0cnVlLCJXaWR0aCI6MC4wLCJIZWlnaHQiOjAuMCwiQm9yZGVyU3R5bGUiOnsiJGlkIjoiMjM4IiwiTGluZUNvbG9yIjpudWxsLCJMaW5lV2VpZ2h0IjowLjAsIkxpbmVUeXBlIjowLCJQYXJlbnRTdHlsZSI6bnVsbH0sIlBhcmVudFN0eWxlIjp7IiRyZWYiOiIxMTgifX0sIkRhdGVGb3JtYXQiOnsiJGlkIjoiMjM5IiwiRm9ybWF0U3RyaW5nIjoiTU1NIGQiLCJTZXBhcmF0b3IiOiIvIiwiVXNlSW50ZXJuYXRpb25hbERhdGVGb3JtYXQiOmZhbHNlLCJEYXRlSXNWaXNpYmxlIjp0cnVlLCJUaW1lSXNWaXNpYmxlIjpmYWxzZSwiSG91ckRpZ2l0cyI6MSwiQW1QbURlc2lnbmF0b3IiOjIsIlRyaW0wME1pbnV0ZXMiOmZhbHNlLCJMYXN0S25vd25WaXNpYmlsaXR5U3RhdGUiOm51bGx9LCJJc1Zpc2libGUiOnRydWUsIlBhcmVudFN0eWxlIjp7IiRyZWYiOiI4MiJ9fSwiSW5kZXgiOjYsIlNtYXJ0RHVyYXRpb25BY3RpdmF0ZWQiOmZhbHNlLCJEYXRlRm9ybWF0Ijp7IiRyZWYiOiIyMzkifSwiSWQiOiIyNTA4ZWZhMi04ZmYzLTQ5ZGEtOGJjNi04MzdiMGMxMmYzZjIiLCJJbXBvcnRJZCI6bnVsbCwiVGl0bGUiOiJTRUNUSU9OIDEiLCJOb3RlIjpudWxsLCJIeXBlcmxpbmsiOm51bGwsIklzQ2hhbmdlZCI6ZmFsc2UsIklzTmV3Ijp0cnVlfSx7IiRpZCI6IjI0MCIsIkdyb3VwTmFtZSI6IjVmY2NiZTg2LWVkODktNGQ1OC1hMzgzLWI4ZDkyYjE0YzQ3YiIsIlN0YXJ0RGF0ZSI6IjIwMTctMDUtMTlUMDA6MDA6MDBaIiwiRW5kRGF0ZSI6IjIwMTctMDUtMjNUMjM6NTk6MDAiLCJQZXJjZW50YWdlQ29tcGxldGUiOm51bGwsIlN0eWxlIjp7IiRpZCI6IjI0MSIsIlNoYXBlIjo0LCJTaGFwZVRoaWNrbmVzcyI6MywiRHVyYXRpb25Gb3JtYXQiOjAsIkluY2x1ZGVOb25Xb3JraW5nRGF5c0luRHVyYXRpb24iOmZhbHNlLCJQZXJjZW50YWdlQ29tcGxldGVTdHlsZSI6eyIkaWQiOiIyNDIiLCJGb250U2V0dGluZ3MiOnsiJGlkIjoiMjQzIiwiRm9udFNpemUiOjEwLCJGb250TmFtZSI6IkNhbGlicmkiLCJJc0JvbGQiOmZhbHNlLCJJc0l0YWxpYyI6ZmFsc2UsIklzVW5kZXJsaW5lZCI6ZmFsc2UsIlBhcmVudFN0eWxlIjp7IiRyZWYiOiI4NCJ9fSwiQXV0b1NpemUiOjAsIkZvcmVncm91bmQiOnsiJHJlZiI6Ijg1In0sIk1heFdpZHRoIjoyMDAuMCwiTWF4SGVpZ2h0IjoiSW5maW5pdHkiLCJTbWFydEZvcmVncm91bmRJc0FjdGl2ZSI6ZmFsc2UsIkhvcml6b250YWxBbGlnbm1lbnQiOjAsIlZlcnRpY2FsQWxpZ25tZW50IjowLCJTbWFydEZvcmVncm91bmQiOm51bGwsIk1hcmdpbiI6eyIkcmVmIjoiODcifSwiUGFkZGluZyI6eyIkcmVmIjoiODgifSwiQmFja2dyb3VuZCI6eyIkcmVmIjoiODkifSwiSXNWaXNpYmxlIjp0cnVlLCJXaWR0aCI6MC4wLCJIZWlnaHQiOjAuMCwiQm9yZGVyU3R5bGUiOnsiJGlkIjoiMjQ0IiwiTGluZUNvbG9yIjpudWxsLCJMaW5lV2VpZ2h0IjowLjAsIkxpbmVUeXBlIjowLCJQYXJlbnRTdHlsZSI6bnVsbH0sIlBhcmVudFN0eWxlIjp7IiRyZWYiOiI4MyJ9fSwiRHVyYXRpb25TdHlsZSI6eyIkaWQiOiIyNDUiLCJGb250U2V0dGluZ3MiOnsiJGlkIjoiMjQ2IiwiRm9udFNpemUiOjEwLCJGb250TmFtZSI6IkNhbGlicmkiLCJJc0JvbGQiOmZhbHNlLCJJc0l0YWxpYyI6ZmFsc2UsIklzVW5kZXJsaW5lZCI6ZmFsc2UsIlBhcmVudFN0eWxlIjp7IiRyZWYiOiI5MSJ9fSwiQXV0b1NpemUiOjAsIkZvcmVncm91bmQiOnsiJHJlZiI6IjkyIn0sIk1heFdpZHRoIjoyMDAuMCwiTWF4SGVpZ2h0IjoiSW5maW5pdHkiLCJTbWFydEZvcmVncm91bmRJc0FjdGl2ZSI6ZmFsc2UsIkhvcml6b250YWxBbGlnbm1lbnQiOjAsIlZlcnRpY2FsQWxpZ25tZW50IjowLCJTbWFydEZvcmVncm91bmQiOm51bGwsIk1hcmdpbiI6eyIkcmVmIjoiOTQifSwiUGFkZGluZyI6eyIkcmVmIjoiOTUifSwiQmFja2dyb3VuZCI6eyIkcmVmIjoiOTYifSwiSXNWaXNpYmxlIjp0cnVlLCJXaWR0aCI6MC4wLCJIZWlnaHQiOjAuMCwiQm9yZGVyU3R5bGUiOnsiJGlkIjoiMjQ3IiwiTGluZUNvbG9yIjpudWxsLCJMaW5lV2VpZ2h0IjowLjAsIkxpbmVUeXBlIjowLCJQYXJlbnRTdHlsZSI6bnVsbH0sIlBhcmVudFN0eWxlIjp7IiRyZWYiOiI5MCJ9fSwiSG9yaXpvbnRhbENvbm5lY3RvclN0eWxlIjp7IiRpZCI6IjI0OCIsIkxpbmVDb2xvciI6eyIkcmVmIjoiOTgifSwiTGluZVdlaWdodCI6MC4wLCJMaW5lVHlwZSI6MCwiUGFyZW50U3R5bGUiOnsiJHJlZiI6Ijk3In19LCJWZXJ0aWNhbENvbm5lY3RvclN0eWxlIjp7IiRpZCI6IjI0OSIsIkxpbmVDb2xvciI6eyIkcmVmIjoiMTAxIn0sIkxpbmVXZWlnaHQiOjAuMCwiTGluZVR5cGUiOjAsIlBhcmVudFN0eWxlIjp7IiRyZWYiOiIxMDAifX0sIk1hcmdpbiI6bnVsbCwiU3RhcnREYXRlUG9zaXRpb24iOjYsIkVuZERhdGVQb3NpdGlvbiI6NiwiRGF0ZUlzVmlzaWJsZSI6ZmFsc2UsIlRpdGxlUG9zaXRpb24iOjIsIkR1cmF0aW9uUG9zaXRpb24iOjYsIlBlcmNlbnRhZ2VDb21wbGV0ZWRQb3NpdGlvbiI6MiwiU3BhY2luZyI6MTAsIklzQmVsb3dUaW1lYmFuZCI6ZmFsc2UsIlBlcmNlbnRhZ2VDb21wbGV0ZVNoYXBlT3BhY2l0eSI6MzUsIlNoYXBlU3R5bGUiOnsiJGlkIjoiMjUwIiwiTWFyZ2luIjp7IiRyZWYiOiIxMDQifSwiUGFkZGluZyI6eyIkaWQiOiIyNTEiLCJUb3AiOjAsIkxlZnQiOjAsIlJpZ2h0IjoyLCJCb3R0b20iOjB9LCJCYWNrZ3JvdW5kIjp7IiRpZCI6IjI1MiIsIkNvbG9yIjp7IiRpZCI6IjI1MyIsIkEiOjE3OCwiUiI6OTEsIkciOjE1NSwiQiI6MjEzfX0sIklzVmlzaWJsZSI6dHJ1ZSwiV2lkdGgiOjAuMCwiSGVpZ2h0IjoxMi4wLCJCb3JkZXJTdHlsZSI6eyIkaWQiOiIyNTQiLCJMaW5lQ29sb3IiOnsiJGlkIjoiMjU1IiwiJHR5cGUiOiJOTFJFLkNvbW1vbi5Eb20uU29saWRDb2xvckJydXNoLCBOTFJFLkNvbW1vbiIsIkNvbG9yIjp7IiRpZCI6IjI1NiIsIkEiOjI1NSwiUiI6MjU1LCJHIjowLCJCIjowfX0sIkxpbmVXZWlnaHQiOjAuMCwiTGluZVR5cGUiOjAsIlBhcmVudFN0eWxlIjpudWxsfSwiUGFyZW50U3R5bGUiOnsiJHJlZiI6IjEwMyJ9fSwiVGl0bGVTdHlsZSI6eyIkaWQiOiIyNTciLCJGb250U2V0dGluZ3MiOnsiJGlkIjoiMjU4IiwiRm9udFNpemUiOjgsIkZvbnROYW1lIjoiQ2FsaWJyaSIsIklzQm9sZCI6ZmFsc2UsIklzSXRhbGljIjpmYWxzZSwiSXNVbmRlcmxpbmVkIjpmYWxzZSwiUGFyZW50U3R5bGUiOnsiJHJlZiI6IjExMiJ9fSwiQXV0b1NpemUiOjIsIkZvcmVncm91bmQiOnsiJGlkIjoiMjU5IiwiQ29sb3IiOnsiJGlkIjoiMjYwIiwiQSI6MjU1LCJSIjoyNTUsIkciOjI1NSwiQiI6MjU1fX0sIk1heFdpZHRoIjoyOS4yNSwiTWF4SGVpZ2h0IjoiSW5maW5pdHkiLCJTbWFydEZvcmVncm91bmRJc0FjdGl2ZSI6ZmFsc2UsIkhvcml6b250YWxBbGlnbm1lbnQiOjIsIlZlcnRpY2FsQWxpZ25tZW50IjowLCJTbWFydEZvcmVncm91bmQiOm51bGwsIk1hcmdpbiI6eyIkcmVmIjoiMTE1In0sIlBhZGRpbmciOnsiJHJlZiI6IjExNiJ9LCJCYWNrZ3JvdW5kIjp7IiRyZWYiOiIxMTcifSwiSXNWaXNpYmxlIjp0cnVlLCJXaWR0aCI6MC4wLCJIZWlnaHQiOjAuMCwiQm9yZGVyU3R5bGUiOnsiJGlkIjoiMjYxIiwiTGluZUNvbG9yIjpudWxsLCJMaW5lV2VpZ2h0IjowLjAsIkxpbmVUeXBlIjowLCJQYXJlbnRTdHlsZSI6bnVsbH0sIlBhcmVudFN0eWxlIjp7IiRyZWYiOiIxMTEifX0sIkRhdGVTdHlsZSI6eyIkaWQiOiIyNjIiLCJGb250U2V0dGluZ3MiOnsiJGlkIjoiMjYzIiwiRm9udFNpemUiOjgsIkZvbnROYW1lIjoiQ2FsaWJyaSIsIklzQm9sZCI6ZmFsc2UsIklzSXRhbGljIjpmYWxzZSwiSXNVbmRlcmxpbmVkIjpmYWxzZSwiUGFyZW50U3R5bGUiOnsiJHJlZiI6IjExOSJ9fSwiQXV0b1NpemUiOjAsIkZvcmVncm91bmQiOnsiJGlkIjoiMjY0IiwiQ29sb3IiOnsiJGlkIjoiMjY1IiwiQSI6MjU1LCJSIjoxOTEsIkciOjE5MSwiQiI6MTkxfX0sIk1heFdpZHRoIjoyMDAuMCwiTWF4SGVpZ2h0IjoiSW5maW5pdHkiLCJTbWFydEZvcmVncm91bmRJc0FjdGl2ZSI6ZmFsc2UsIkhvcml6b250YWxBbGlnbm1lbnQiOjAsIlZlcnRpY2FsQWxpZ25tZW50IjowLCJTbWFydEZvcmVncm91bmQiOm51bGwsIk1hcmdpbiI6eyIkcmVmIjoiMTIyIn0sIlBhZGRpbmciOnsiJHJlZiI6IjEyMyJ9LCJCYWNrZ3JvdW5kIjp7IiRyZWYiOiIxMjQifSwiSXNWaXNpYmxlIjp0cnVlLCJXaWR0aCI6MC4wLCJIZWlnaHQiOjAuMCwiQm9yZGVyU3R5bGUiOnsiJGlkIjoiMjY2IiwiTGluZUNvbG9yIjpudWxsLCJMaW5lV2VpZ2h0IjowLjAsIkxpbmVUeXBlIjowLCJQYXJlbnRTdHlsZSI6bnVsbH0sIlBhcmVudFN0eWxlIjp7IiRyZWYiOiIxMTgifX0sIkRhdGVGb3JtYXQiOnsiJHJlZiI6IjEyNSJ9LCJJc1Zpc2libGUiOnRydWUsIlBhcmVudFN0eWxlIjp7IiRyZWYiOiI4MiJ9fSwiSW5kZXgiOjcsIlNtYXJ0RHVyYXRpb25BY3RpdmF0ZWQiOmZhbHNlLCJEYXRlRm9ybWF0Ijp7IiRyZWYiOiIxMjUifSwiSWQiOiI5MTE2Mjc4ZS01YzI5LTQ2YTAtODVkYi01Nzc2ZGEzMjJmM2YiLCJJbXBvcnRJZCI6bnVsbCwiVGl0bGUiOiJTdWItdGFzayIsIk5vdGUiOm51bGwsIkh5cGVybGluayI6bnVsbCwiSXNDaGFuZ2VkIjpmYWxzZSwiSXNOZXciOnRydWV9LHsiJGlkIjoiMjY3IiwiR3JvdXBOYW1lIjoiNWZjY2JlODYtZWQ4OS00ZDU4LWEzODMtYjhkOTJiMTRjNDdiIiwiU3RhcnREYXRlIjoiMjAxNy0wNS0yNFQwMDowMDowMFoiLCJFbmREYXRlIjoiMjAxNy0wNS0yOFQyMzo1OTowMCIsIlBlcmNlbnRhZ2VDb21wbGV0ZSI6bnVsbCwiU3R5bGUiOnsiJGlkIjoiMjY4IiwiU2hhcGUiOjQsIlNoYXBlVGhpY2tuZXNzIjozLCJEdXJhdGlvbkZvcm1hdCI6MCwiSW5jbHVkZU5vbldvcmtpbmdEYXlzSW5EdXJhdGlvbiI6ZmFsc2UsIlBlcmNlbnRhZ2VDb21wbGV0ZVN0eWxlIjp7IiRpZCI6IjI2OSIsIkZvbnRTZXR0aW5ncyI6eyIkaWQiOiIyNzAiLCJGb250U2l6ZSI6MTAsIkZvbnROYW1lIjoiQ2FsaWJyaSIsIklzQm9sZCI6ZmFsc2UsIklzSXRhbGljIjpmYWxzZSwiSXNVbmRlcmxpbmVkIjpmYWxzZSwiUGFyZW50U3R5bGUiOnsiJHJlZiI6Ijg0In19LCJBdXRvU2l6ZSI6MCwiRm9yZWdyb3VuZCI6eyIkcmVmIjoiODUifSwiTWF4V2lkdGgiOjIwMC4wLCJNYXhIZWlnaHQiOiJJbmZpbml0eSIsIlNtYXJ0Rm9yZWdyb3VuZElzQWN0aXZlIjpmYWxzZSwiSG9yaXpvbnRhbEFsaWdubWVudCI6MCwiVmVydGljYWxBbGlnbm1lbnQiOjAsIlNtYXJ0Rm9yZWdyb3VuZCI6bnVsbCwiTWFyZ2luIjp7IiRyZWYiOiI4NyJ9LCJQYWRkaW5nIjp7IiRyZWYiOiI4OCJ9LCJCYWNrZ3JvdW5kIjp7IiRyZWYiOiI4OSJ9LCJJc1Zpc2libGUiOnRydWUsIldpZHRoIjowLjAsIkhlaWdodCI6MC4wLCJCb3JkZXJTdHlsZSI6eyIkaWQiOiIyNzEiLCJMaW5lQ29sb3IiOm51bGwsIkxpbmVXZWlnaHQiOjAuMCwiTGluZVR5cGUiOjAsIlBhcmVudFN0eWxlIjpudWxsfSwiUGFyZW50U3R5bGUiOnsiJHJlZiI6IjgzIn19LCJEdXJhdGlvblN0eWxlIjp7IiRpZCI6IjI3MiIsIkZvbnRTZXR0aW5ncyI6eyIkaWQiOiIyNzMiLCJGb250U2l6ZSI6MTAsIkZvbnROYW1lIjoiQ2FsaWJyaSIsIklzQm9sZCI6ZmFsc2UsIklzSXRhbGljIjpmYWxzZSwiSXNVbmRlcmxpbmVkIjpmYWxzZSwiUGFyZW50U3R5bGUiOnsiJHJlZiI6IjkxIn19LCJBdXRvU2l6ZSI6MCwiRm9yZWdyb3VuZCI6eyIkcmVmIjoiOTIifSwiTWF4V2lkdGgiOjIwMC4wLCJNYXhIZWlnaHQiOiJJbmZpbml0eSIsIlNtYXJ0Rm9yZWdyb3VuZElzQWN0aXZlIjpmYWxzZSwiSG9yaXpvbnRhbEFsaWdubWVudCI6MCwiVmVydGljYWxBbGlnbm1lbnQiOjAsIlNtYXJ0Rm9yZWdyb3VuZCI6bnVsbCwiTWFyZ2luIjp7IiRyZWYiOiI5NCJ9LCJQYWRkaW5nIjp7IiRyZWYiOiI5NSJ9LCJCYWNrZ3JvdW5kIjp7IiRyZWYiOiI5NiJ9LCJJc1Zpc2libGUiOnRydWUsIldpZHRoIjowLjAsIkhlaWdodCI6MC4wLCJCb3JkZXJTdHlsZSI6eyIkaWQiOiIyNzQiLCJMaW5lQ29sb3IiOm51bGwsIkxpbmVXZWlnaHQiOjAuMCwiTGluZVR5cGUiOjAsIlBhcmVudFN0eWxlIjpudWxsfSwiUGFyZW50U3R5bGUiOnsiJHJlZiI6IjkwIn19LCJIb3Jpem9udGFsQ29ubmVjdG9yU3R5bGUiOnsiJGlkIjoiMjc1IiwiTGluZUNvbG9yIjp7IiRyZWYiOiI5OCJ9LCJMaW5lV2VpZ2h0IjowLjAsIkxpbmVUeXBlIjowLCJQYXJlbnRTdHlsZSI6eyIkcmVmIjoiOTcifX0sIlZlcnRpY2FsQ29ubmVjdG9yU3R5bGUiOnsiJGlkIjoiMjc2IiwiTGluZUNvbG9yIjp7IiRyZWYiOiIxMDEifSwiTGluZVdlaWdodCI6MC4wLCJMaW5lVHlwZSI6MCwiUGFyZW50U3R5bGUiOnsiJHJlZiI6IjEwMCJ9fSwiTWFyZ2luIjpudWxsLCJTdGFydERhdGVQb3NpdGlvbiI6NiwiRW5kRGF0ZVBvc2l0aW9uIjo2LCJEYXRlSXNWaXNpYmxlIjpmYWxzZSwiVGl0bGVQb3NpdGlvbiI6MiwiRHVyYXRpb25Qb3NpdGlvbiI6NiwiUGVyY2VudGFnZUNvbXBsZXRlZFBvc2l0aW9uIjoyLCJTcGFjaW5nIjoxMCwiSXNCZWxvd1RpbWViYW5kIjpmYWxzZSwiUGVyY2VudGFnZUNvbXBsZXRlU2hhcGVPcGFjaXR5IjozNSwiU2hhcGVTdHlsZSI6eyIkaWQiOiIyNzciLCJNYXJnaW4iOnsiJHJlZiI6IjEwNCJ9LCJQYWRkaW5nIjp7IiRpZCI6IjI3OCIsIlRvcCI6MCwiTGVmdCI6MCwiUmlnaHQiOjIsIkJvdHRvbSI6MH0sIkJhY2tncm91bmQiOnsiJGlkIjoiMjc5IiwiQ29sb3IiOnsiJGlkIjoiMjgwIiwiQSI6MTc4LCJSIjoxOTcsIkciOjkwLCJCIjoxN319LCJJc1Zpc2libGUiOnRydWUsIldpZHRoIjowLjAsIkhlaWdodCI6MTIuMCwiQm9yZGVyU3R5bGUiOnsiJGlkIjoiMjgxIiwiTGluZUNvbG9yIjp7IiRpZCI6IjI4MiIsIiR0eXBlIjoiTkxSRS5Db21tb24uRG9tLlNvbGlkQ29sb3JCcnVzaCwgTkxSRS5Db21tb24iLCJDb2xvciI6eyIkaWQiOiIyODMiLCJBIjoyNTUsIlIiOjI1NSwiRyI6MCwiQiI6MH19LCJMaW5lV2VpZ2h0IjowLjAsIkxpbmVUeXBlIjowLCJQYXJlbnRTdHlsZSI6bnVsbH0sIlBhcmVudFN0eWxlIjp7IiRyZWYiOiIxMDMifX0sIlRpdGxlU3R5bGUiOnsiJGlkIjoiMjg0IiwiRm9udFNldHRpbmdzIjp7IiRpZCI6IjI4NSIsIkZvbnRTaXplIjo4LCJGb250TmFtZSI6IkNhbGlicmkiLCJJc0JvbGQiOmZhbHNlLCJJc0l0YWxpYyI6ZmFsc2UsIklzVW5kZXJsaW5lZCI6ZmFsc2UsIlBhcmVudFN0eWxlIjp7IiRyZWYiOiIxMTIifX0sIkF1dG9TaXplIjoyLCJGb3JlZ3JvdW5kIjp7IiRpZCI6IjI4NiIsIkNvbG9yIjp7IiRpZCI6IjI4NyIsIkEiOjI1NSwiUiI6MjU1LCJHIjoyNTUsIkIiOjI1NX19LCJNYXhXaWR0aCI6MzUuMjUsIk1heEhlaWdodCI6IkluZmluaXR5IiwiU21hcnRGb3JlZ3JvdW5kSXNBY3RpdmUiOmZhbHNlLCJIb3Jpem9udGFsQWxpZ25tZW50IjoyLCJWZXJ0aWNhbEFsaWdubWVudCI6MCwiU21hcnRGb3JlZ3JvdW5kIjpudWxsLCJNYXJnaW4iOnsiJHJlZiI6IjExNSJ9LCJQYWRkaW5nIjp7IiRyZWYiOiIxMTYifSwiQmFja2dyb3VuZCI6eyIkcmVmIjoiMTE3In0sIklzVmlzaWJsZSI6dHJ1ZSwiV2lkdGgiOjAuMCwiSGVpZ2h0IjowLjAsIkJvcmRlclN0eWxlIjp7IiRpZCI6IjI4OCIsIkxpbmVDb2xvciI6bnVsbCwiTGluZVdlaWdodCI6MC4wLCJMaW5lVHlwZSI6MCwiUGFyZW50U3R5bGUiOm51bGx9LCJQYXJlbnRTdHlsZSI6eyIkcmVmIjoiMTExIn19LCJEYXRlU3R5bGUiOnsiJGlkIjoiMjg5IiwiRm9udFNldHRpbmdzIjp7IiRpZCI6IjI5MCIsIkZvbnRTaXplIjo4LCJGb250TmFtZSI6IkNhbGlicmkiLCJJc0JvbGQiOmZhbHNlLCJJc0l0YWxpYyI6ZmFsc2UsIklzVW5kZXJsaW5lZCI6ZmFsc2UsIlBhcmVudFN0eWxlIjp7IiRyZWYiOiIxMTkifX0sIkF1dG9TaXplIjowLCJGb3JlZ3JvdW5kIjp7IiRpZCI6IjI5MSIsIkNvbG9yIjp7IiRpZCI6IjI5MiIsIkEiOjI1NSwiUiI6MTkxLCJHIjoxOTEsIkIiOjE5MX19LCJNYXhXaWR0aCI6MjAwLjAsIk1heEhlaWdodCI6IkluZmluaXR5IiwiU21hcnRGb3JlZ3JvdW5kSXNBY3RpdmUiOmZhbHNlLCJIb3Jpem9udGFsQWxpZ25tZW50IjowLCJWZXJ0aWNhbEFsaWdubWVudCI6MCwiU21hcnRGb3JlZ3JvdW5kIjpudWxsLCJNYXJnaW4iOnsiJHJlZiI6IjEyMiJ9LCJQYWRkaW5nIjp7IiRyZWYiOiIxMjMifSwiQmFja2dyb3VuZCI6eyIkcmVmIjoiMTI0In0sIklzVmlzaWJsZSI6dHJ1ZSwiV2lkdGgiOjAuMCwiSGVpZ2h0IjowLjAsIkJvcmRlclN0eWxlIjp7IiRpZCI6IjI5MyIsIkxpbmVDb2xvciI6bnVsbCwiTGluZVdlaWdodCI6MC4wLCJMaW5lVHlwZSI6MCwiUGFyZW50U3R5bGUiOm51bGx9LCJQYXJlbnRTdHlsZSI6eyIkcmVmIjoiMTE4In19LCJEYXRlRm9ybWF0Ijp7IiRyZWYiOiIxMjUifSwiSXNWaXNpYmxlIjp0cnVlLCJQYXJlbnRTdHlsZSI6eyIkcmVmIjoiODIifX0sIkluZGV4Ijo4LCJTbWFydER1cmF0aW9uQWN0aXZhdGVkIjpmYWxzZSwiRGF0ZUZvcm1hdCI6eyIkcmVmIjoiMTI1In0sIklkIjoiODU3NGYyN2EtMGM2My00YjA4LWI5N2MtMjBlMWViOGIxYTExIiwiSW1wb3J0SWQiOm51bGwsIlRpdGxlIjoiU3ViLXRhc2sgMiIsIk5vdGUiOm51bGwsIkh5cGVybGluayI6bnVsbCwiSXNDaGFuZ2VkIjpmYWxzZSwiSXNOZXciOnRydWV9LHsiJGlkIjoiMjk0IiwiR3JvdXBOYW1lIjoiNWZjY2JlODYtZWQ4OS00ZDU4LWEzODMtYjhkOTJiMTRjNDdiIiwiU3RhcnREYXRlIjoiMjAxNy0wNS0yOVQwMDowMDowMFoiLCJFbmREYXRlIjoiMjAxNy0wNi0wMlQyMzo1OTowMCIsIlBlcmNlbnRhZ2VDb21wbGV0ZSI6bnVsbCwiU3R5bGUiOnsiJGlkIjoiMjk1IiwiU2hhcGUiOjQsIlNoYXBlVGhpY2tuZXNzIjozLCJEdXJhdGlvbkZvcm1hdCI6MCwiSW5jbHVkZU5vbldvcmtpbmdEYXlzSW5EdXJhdGlvbiI6ZmFsc2UsIlBlcmNlbnRhZ2VDb21wbGV0ZVN0eWxlIjp7IiRpZCI6IjI5NiIsIkZvbnRTZXR0aW5ncyI6eyIkaWQiOiIyOTciLCJGb250U2l6ZSI6MTAsIkZvbnROYW1lIjoiQ2FsaWJyaSIsIklzQm9sZCI6ZmFsc2UsIklzSXRhbGljIjpmYWxzZSwiSXNVbmRlcmxpbmVkIjpmYWxzZSwiUGFyZW50U3R5bGUiOnsiJHJlZiI6Ijg0In19LCJBdXRvU2l6ZSI6MCwiRm9yZWdyb3VuZCI6eyIkcmVmIjoiODUifSwiTWF4V2lkdGgiOjIwMC4wLCJNYXhIZWlnaHQiOiJJbmZpbml0eSIsIlNtYXJ0Rm9yZWdyb3VuZElzQWN0aXZlIjpmYWxzZSwiSG9yaXpvbnRhbEFsaWdubWVudCI6MCwiVmVydGljYWxBbGlnbm1lbnQiOjAsIlNtYXJ0Rm9yZWdyb3VuZCI6bnVsbCwiTWFyZ2luIjp7IiRyZWYiOiI4NyJ9LCJQYWRkaW5nIjp7IiRyZWYiOiI4OCJ9LCJCYWNrZ3JvdW5kIjp7IiRyZWYiOiI4OSJ9LCJJc1Zpc2libGUiOnRydWUsIldpZHRoIjowLjAsIkhlaWdodCI6MC4wLCJCb3JkZXJTdHlsZSI6eyIkaWQiOiIyOTgiLCJMaW5lQ29sb3IiOm51bGwsIkxpbmVXZWlnaHQiOjAuMCwiTGluZVR5cGUiOjAsIlBhcmVudFN0eWxlIjpudWxsfSwiUGFyZW50U3R5bGUiOnsiJHJlZiI6IjgzIn19LCJEdXJhdGlvblN0eWxlIjp7IiRpZCI6IjI5OSIsIkZvbnRTZXR0aW5ncyI6eyIkaWQiOiIzMDAiLCJGb250U2l6ZSI6MTAsIkZvbnROYW1lIjoiQ2FsaWJyaSIsIklzQm9sZCI6ZmFsc2UsIklzSXRhbGljIjpmYWxzZSwiSXNVbmRlcmxpbmVkIjpmYWxzZSwiUGFyZW50U3R5bGUiOnsiJHJlZiI6IjkxIn19LCJBdXRvU2l6ZSI6MCwiRm9yZWdyb3VuZCI6eyIkcmVmIjoiOTIifSwiTWF4V2lkdGgiOjIwMC4wLCJNYXhIZWlnaHQiOiJJbmZpbml0eSIsIlNtYXJ0Rm9yZWdyb3VuZElzQWN0aXZlIjpmYWxzZSwiSG9yaXpvbnRhbEFsaWdubWVudCI6MCwiVmVydGljYWxBbGlnbm1lbnQiOjAsIlNtYXJ0Rm9yZWdyb3VuZCI6bnVsbCwiTWFyZ2luIjp7IiRyZWYiOiI5NCJ9LCJQYWRkaW5nIjp7IiRyZWYiOiI5NSJ9LCJCYWNrZ3JvdW5kIjp7IiRyZWYiOiI5NiJ9LCJJc1Zpc2libGUiOnRydWUsIldpZHRoIjowLjAsIkhlaWdodCI6MC4wLCJCb3JkZXJTdHlsZSI6eyIkaWQiOiIzMDEiLCJMaW5lQ29sb3IiOm51bGwsIkxpbmVXZWlnaHQiOjAuMCwiTGluZVR5cGUiOjAsIlBhcmVudFN0eWxlIjpudWxsfSwiUGFyZW50U3R5bGUiOnsiJHJlZiI6IjkwIn19LCJIb3Jpem9udGFsQ29ubmVjdG9yU3R5bGUiOnsiJGlkIjoiMzAyIiwiTGluZUNvbG9yIjp7IiRyZWYiOiI5OCJ9LCJMaW5lV2VpZ2h0IjowLjAsIkxpbmVUeXBlIjowLCJQYXJlbnRTdHlsZSI6eyIkcmVmIjoiOTcifX0sIlZlcnRpY2FsQ29ubmVjdG9yU3R5bGUiOnsiJGlkIjoiMzAzIiwiTGluZUNvbG9yIjp7IiRyZWYiOiIxMDEifSwiTGluZVdlaWdodCI6MC4wLCJMaW5lVHlwZSI6MCwiUGFyZW50U3R5bGUiOnsiJHJlZiI6IjEwMCJ9fSwiTWFyZ2luIjpudWxsLCJTdGFydERhdGVQb3NpdGlvbiI6NiwiRW5kRGF0ZVBvc2l0aW9uIjo2LCJEYXRlSXNWaXNpYmxlIjpmYWxzZSwiVGl0bGVQb3NpdGlvbiI6MiwiRHVyYXRpb25Qb3NpdGlvbiI6NiwiUGVyY2VudGFnZUNvbXBsZXRlZFBvc2l0aW9uIjoyLCJTcGFjaW5nIjoxMCwiSXNCZWxvd1RpbWViYW5kIjpmYWxzZSwiUGVyY2VudGFnZUNvbXBsZXRlU2hhcGVPcGFjaXR5IjozNSwiU2hhcGVTdHlsZSI6eyIkaWQiOiIzMDQiLCJNYXJnaW4iOnsiJHJlZiI6IjEwNCJ9LCJQYWRkaW5nIjp7IiRpZCI6IjMwNSIsIlRvcCI6MCwiTGVmdCI6MCwiUmlnaHQiOjIsIkJvdHRvbSI6MH0sIkJhY2tncm91bmQiOnsiJGlkIjoiMzA2IiwiQ29sb3IiOnsiJGlkIjoiMzA3IiwiQSI6MjU1LCJSIjoxMjQsIkciOjEyNCwiQiI6MTI0fX0sIklzVmlzaWJsZSI6dHJ1ZSwiV2lkdGgiOjAuMCwiSGVpZ2h0IjoxMi4wLCJCb3JkZXJTdHlsZSI6eyIkaWQiOiIzMDgiLCJMaW5lQ29sb3IiOnsiJGlkIjoiMzA5IiwiJHR5cGUiOiJOTFJFLkNvbW1vbi5Eb20uU29saWRDb2xvckJydXNoLCBOTFJFLkNvbW1vbiIsIkNvbG9yIjp7IiRpZCI6IjMxMCIsIkEiOjI1NSwiUiI6MjU1LCJHIjowLCJCIjowfX0sIkxpbmVXZWlnaHQiOjAuMCwiTGluZVR5cGUiOjAsIlBhcmVudFN0eWxlIjpudWxsfSwiUGFyZW50U3R5bGUiOnsiJHJlZiI6IjEwMyJ9fSwiVGl0bGVTdHlsZSI6eyIkaWQiOiIzMTEiLCJGb250U2V0dGluZ3MiOnsiJGlkIjoiMzEyIiwiRm9udFNpemUiOjgsIkZvbnROYW1lIjoiQ2FsaWJyaSIsIklzQm9sZCI6ZmFsc2UsIklzSXRhbGljIjpmYWxzZSwiSXNVbmRlcmxpbmVkIjpmYWxzZSwiUGFyZW50U3R5bGUiOnsiJHJlZiI6IjExMiJ9fSwiQXV0b1NpemUiOjIsIkZvcmVncm91bmQiOnsiJGlkIjoiMzEzIiwiQ29sb3IiOnsiJGlkIjoiMzE0IiwiQSI6MjU1LCJSIjoyNTUsIkciOjI1NSwiQiI6MjU1fX0sIk1heFdpZHRoIjozNS4yNSwiTWF4SGVpZ2h0IjoiSW5maW5pdHkiLCJTbWFydEZvcmVncm91bmRJc0FjdGl2ZSI6ZmFsc2UsIkhvcml6b250YWxBbGlnbm1lbnQiOjIsIlZlcnRpY2FsQWxpZ25tZW50IjowLCJTbWFydEZvcmVncm91bmQiOm51bGwsIk1hcmdpbiI6eyIkcmVmIjoiMTE1In0sIlBhZGRpbmciOnsiJHJlZiI6IjExNiJ9LCJCYWNrZ3JvdW5kIjp7IiRyZWYiOiIxMTcifSwiSXNWaXNpYmxlIjp0cnVlLCJXaWR0aCI6MC4wLCJIZWlnaHQiOjAuMCwiQm9yZGVyU3R5bGUiOnsiJGlkIjoiMzE1IiwiTGluZUNvbG9yIjpudWxsLCJMaW5lV2VpZ2h0IjowLjAsIkxpbmVUeXBlIjowLCJQYXJlbnRTdHlsZSI6bnVsbH0sIlBhcmVudFN0eWxlIjp7IiRyZWYiOiIxMTEifX0sIkRhdGVTdHlsZSI6eyIkaWQiOiIzMTYiLCJGb250U2V0dGluZ3MiOnsiJGlkIjoiMzE3IiwiRm9udFNpemUiOjgsIkZvbnROYW1lIjoiQ2FsaWJyaSIsIklzQm9sZCI6ZmFsc2UsIklzSXRhbGljIjpmYWxzZSwiSXNVbmRlcmxpbmVkIjpmYWxzZSwiUGFyZW50U3R5bGUiOnsiJHJlZiI6IjExOSJ9fSwiQXV0b1NpemUiOjAsIkZvcmVncm91bmQiOnsiJGlkIjoiMzE4IiwiQ29sb3IiOnsiJGlkIjoiMzE5IiwiQSI6MjU1LCJSIjoxOTEsIkciOjE5MSwiQiI6MTkxfX0sIk1heFdpZHRoIjoyMDAuMCwiTWF4SGVpZ2h0IjoiSW5maW5pdHkiLCJTbWFydEZvcmVncm91bmRJc0FjdGl2ZSI6ZmFsc2UsIkhvcml6b250YWxBbGlnbm1lbnQiOjAsIlZlcnRpY2FsQWxpZ25tZW50IjowLCJTbWFydEZvcmVncm91bmQiOm51bGwsIk1hcmdpbiI6eyIkcmVmIjoiMTIyIn0sIlBhZGRpbmciOnsiJHJlZiI6IjEyMyJ9LCJCYWNrZ3JvdW5kIjp7IiRyZWYiOiIxMjQifSwiSXNWaXNpYmxlIjp0cnVlLCJXaWR0aCI6MC4wLCJIZWlnaHQiOjAuMCwiQm9yZGVyU3R5bGUiOnsiJGlkIjoiMzIwIiwiTGluZUNvbG9yIjpudWxsLCJMaW5lV2VpZ2h0IjowLjAsIkxpbmVUeXBlIjowLCJQYXJlbnRTdHlsZSI6bnVsbH0sIlBhcmVudFN0eWxlIjp7IiRyZWYiOiIxMTgifX0sIkRhdGVGb3JtYXQiOnsiJHJlZiI6IjEyNSJ9LCJJc1Zpc2libGUiOnRydWUsIlBhcmVudFN0eWxlIjp7IiRyZWYiOiI4MiJ9fSwiSW5kZXgiOjksIlNtYXJ0RHVyYXRpb25BY3RpdmF0ZWQiOmZhbHNlLCJEYXRlRm9ybWF0Ijp7IiRyZWYiOiIxMjUifSwiSWQiOiI4NTQ1YTI2Mi0yNzA3LTQxMGUtYTZiZi0wYmIyNDEyZTQ4OTEiLCJJbXBvcnRJZCI6bnVsbCwiVGl0bGUiOiJTdWItdGFzayAzIiwiTm90ZSI6bnVsbCwiSHlwZXJsaW5rIjpudWxsLCJJc0NoYW5nZWQiOmZhbHNlLCJJc05ldyI6dHJ1ZX0seyIkaWQiOiIzMjEiLCJHcm91cE5hbWUiOm51bGwsIlN0YXJ0RGF0ZSI6IjIwMTctMDYtMDNUMDA6MDA6MDBaIiwiRW5kRGF0ZSI6IjIwMTctMDYtMTdUMjM6NTk6MDBaIiwiUGVyY2VudGFnZUNvbXBsZXRlIjo2NS4wLCJTdHlsZSI6eyIkaWQiOiIzMjIiLCJTaGFwZSI6NiwiU2hhcGVUaGlja25lc3MiOjMsIkR1cmF0aW9uRm9ybWF0IjowLCJJbmNsdWRlTm9uV29ya2luZ0RheXNJbkR1cmF0aW9uIjpmYWxzZSwiUGVyY2VudGFnZUNvbXBsZXRlU3R5bGUiOnsiJGlkIjoiMzIzIiwiRm9udFNldHRpbmdzIjp7IiRpZCI6IjMyNCIsIkZvbnRTaXplIjoxMCwiRm9udE5hbWUiOiJDYWxpYnJpIiwiSXNCb2xkIjpmYWxzZSwiSXNJdGFsaWMiOmZhbHNlLCJJc1VuZGVybGluZWQiOmZhbHNlLCJQYXJlbnRTdHlsZSI6eyIkcmVmIjoiODQifX0sIkF1dG9TaXplIjowLCJGb3JlZ3JvdW5kIjp7IiRyZWYiOiI4NSJ9LCJNYXhXaWR0aCI6MjAwLjAsIk1heEhlaWdodCI6IkluZmluaXR5IiwiU21hcnRGb3JlZ3JvdW5kSXNBY3RpdmUiOmZhbHNlLCJIb3Jpem9udGFsQWxpZ25tZW50IjowLCJWZXJ0aWNhbEFsaWdubWVudCI6MCwiU21hcnRGb3JlZ3JvdW5kIjpudWxsLCJNYXJnaW4iOnsiJHJlZiI6Ijg3In0sIlBhZGRpbmciOnsiJHJlZiI6Ijg4In0sIkJhY2tncm91bmQiOnsiJHJlZiI6Ijg5In0sIklzVmlzaWJsZSI6dHJ1ZSwiV2lkdGgiOjAuMCwiSGVpZ2h0IjowLjAsIkJvcmRlclN0eWxlIjp7IiRpZCI6IjMyNSIsIkxpbmVDb2xvciI6bnVsbCwiTGluZVdlaWdodCI6MC4wLCJMaW5lVHlwZSI6MCwiUGFyZW50U3R5bGUiOm51bGx9LCJQYXJlbnRTdHlsZSI6eyIkcmVmIjoiODMifX0sIkR1cmF0aW9uU3R5bGUiOnsiJGlkIjoiMzI2IiwiRm9udFNldHRpbmdzIjp7IiRpZCI6IjMyNyIsIkZvbnRTaXplIjoxMCwiRm9udE5hbWUiOiJDYWxpYnJpIiwiSXNCb2xkIjpmYWxzZSwiSXNJdGFsaWMiOmZhbHNlLCJJc1VuZGVybGluZWQiOmZhbHNlLCJQYXJlbnRTdHlsZSI6eyIkcmVmIjoiOTEifX0sIkF1dG9TaXplIjowLCJGb3JlZ3JvdW5kIjp7IiRyZWYiOiI5MiJ9LCJNYXhXaWR0aCI6MjAwLjAsIk1heEhlaWdodCI6IkluZmluaXR5IiwiU21hcnRGb3JlZ3JvdW5kSXNBY3RpdmUiOmZhbHNlLCJIb3Jpem9udGFsQWxpZ25tZW50IjowLCJWZXJ0aWNhbEFsaWdubWVudCI6MCwiU21hcnRGb3JlZ3JvdW5kIjpudWxsLCJNYXJnaW4iOnsiJHJlZiI6Ijk0In0sIlBhZGRpbmciOnsiJHJlZiI6Ijk1In0sIkJhY2tncm91bmQiOnsiJHJlZiI6Ijk2In0sIklzVmlzaWJsZSI6dHJ1ZSwiV2lkdGgiOjAuMCwiSGVpZ2h0IjowLjAsIkJvcmRlclN0eWxlIjp7IiRpZCI6IjMyOCIsIkxpbmVDb2xvciI6bnVsbCwiTGluZVdlaWdodCI6MC4wLCJMaW5lVHlwZSI6MCwiUGFyZW50U3R5bGUiOm51bGx9LCJQYXJlbnRTdHlsZSI6eyIkcmVmIjoiOTAifX0sIkhvcml6b250YWxDb25uZWN0b3JTdHlsZSI6eyIkaWQiOiIzMjkiLCJMaW5lQ29sb3IiOnsiJHJlZiI6Ijk4In0sIkxpbmVXZWlnaHQiOjAuMCwiTGluZVR5cGUiOjAsIlBhcmVudFN0eWxlIjp7IiRyZWYiOiI5NyJ9fSwiVmVydGljYWxDb25uZWN0b3JTdHlsZSI6eyIkaWQiOiIzMzAiLCJMaW5lQ29sb3IiOnsiJGlkIjoiMzMxIiwiJHR5cGUiOiJOTFJFLkNvbW1vbi5Eb20uU29saWRDb2xvckJydXNoLCBOTFJFLkNvbW1vbiIsIkNvbG9yIjp7IiRpZCI6IjMzMiIsIkEiOjI1NSwiUiI6MjM3LCJHIjoxMjUsIkIiOjQ5fX0sIkxpbmVXZWlnaHQiOjEuMCwiTGluZVR5cGUiOjAsIlBhcmVudFN0eWxlIjp7IiRyZWYiOiIxMDAifX0sIk1hcmdpbiI6bnVsbCwiU3RhcnREYXRlUG9zaXRpb24iOjQsIkVuZERhdGVQb3NpdGlvbiI6NCwiRGF0ZUlzVmlzaWJsZSI6dHJ1ZSwiVGl0bGVQb3NpdGlvbiI6MywiRHVyYXRpb25Qb3NpdGlvbiI6NiwiUGVyY2VudGFnZUNvbXBsZXRlZFBvc2l0aW9uIjo2LCJTcGFjaW5nIjoxMCwiSXNCZWxvd1RpbWViYW5kIjpmYWxzZSwiUGVyY2VudGFnZUNvbXBsZXRlU2hhcGVPcGFjaXR5IjozNSwiU2hhcGVTdHlsZSI6eyIkaWQiOiIzMzMiLCJNYXJnaW4iOnsiJHJlZiI6IjEwNCJ9LCJQYWRkaW5nIjp7IiRpZCI6IjMzNCIsIlRvcCI6MywiTGVmdCI6MCwiUmlnaHQiOjAsIkJvdHRvbSI6NH0sIkJhY2tncm91bmQiOnsiJGlkIjoiMzM1IiwiQ29sb3IiOnsiJGlkIjoiMzM2IiwiQSI6MjU1LCJSIjoyMzcsIkciOjEyNSwiQiI6NDl9fSwiSXNWaXNpYmxlIjp0cnVlLCJXaWR0aCI6MC4wLCJIZWlnaHQiOjE2LjUsIkJvcmRlclN0eWxlIjp7IiRpZCI6IjMzNyIsIkxpbmVDb2xvciI6eyIkaWQiOiIzMzgiLCIkdHlwZSI6Ik5MUkUuQ29tbW9uLkRvbS5Tb2xpZENvbG9yQnJ1c2gsIE5MUkUuQ29tbW9uIiwiQ29sb3IiOnsiJGlkIjoiMzM5IiwiQSI6MjU1LCJSIjoyNTUsIkciOjAsIkIiOjB9fSwiTGluZVdlaWdodCI6MC4wLCJMaW5lVHlwZSI6MCwiUGFyZW50U3R5bGUiOm51bGx9LCJQYXJlbnRTdHlsZSI6eyIkcmVmIjoiMTAzIn19LCJUaXRsZVN0eWxlIjp7IiRpZCI6IjM0MCIsIkZvbnRTZXR0aW5ncyI6eyIkaWQiOiIzNDEiLCJGb250U2l6ZSI6OCwiRm9udE5hbWUiOiJDYWxpYnJpIiwiSXNCb2xkIjp0cnVlLCJJc0l0YWxpYyI6ZmFsc2UsIklzVW5kZXJsaW5lZCI6ZmFsc2UsIlBhcmVudFN0eWxlIjp7IiRyZWYiOiIxMTIifX0sIkF1dG9TaXplIjoyLCJGb3JlZ3JvdW5kIjp7IiRpZCI6IjM0MiIsIkNvbG9yIjp7IiRpZCI6IjM0MyIsIkEiOjI1NSwiUiI6MCwiRyI6MCwiQiI6MH19LCJNYXhXaWR0aCI6MzYuMCwiTWF4SGVpZ2h0IjoiSW5maW5pdHkiLCJTbWFydEZvcmVncm91bmRJc0FjdGl2ZSI6ZmFsc2UsIkhvcml6b250YWxBbGlnbm1lbnQiOjIsIlZlcnRpY2FsQWxpZ25tZW50IjowLCJTbWFydEZvcmVncm91bmQiOm51bGwsIk1hcmdpbiI6eyIkcmVmIjoiMTE1In0sIlBhZGRpbmciOnsiJHJlZiI6IjExNiJ9LCJCYWNrZ3JvdW5kIjp7IiRyZWYiOiIxMTcifSwiSXNWaXNpYmxlIjp0cnVlLCJXaWR0aCI6MC4wLCJIZWlnaHQiOjAuMCwiQm9yZGVyU3R5bGUiOnsiJGlkIjoiMzQ0IiwiTGluZUNvbG9yIjpudWxsLCJMaW5lV2VpZ2h0IjowLjAsIkxpbmVUeXBlIjowLCJQYXJlbnRTdHlsZSI6bnVsbH0sIlBhcmVudFN0eWxlIjp7IiRyZWYiOiIxMTEifX0sIkRhdGVTdHlsZSI6eyIkaWQiOiIzNDUiLCJGb250U2V0dGluZ3MiOnsiJGlkIjoiMzQ2IiwiRm9udFNpemUiOjcsIkZvbnROYW1lIjoiQ2FsaWJyaSIsIklzQm9sZCI6dHJ1ZSwiSXNJdGFsaWMiOmZhbHNlLCJJc1VuZGVybGluZWQiOmZhbHNlLCJQYXJlbnRTdHlsZSI6eyIkcmVmIjoiMTE5In19LCJBdXRvU2l6ZSI6MiwiRm9yZWdyb3VuZCI6eyIkaWQiOiIzNDciLCJDb2xvciI6eyIkaWQiOiIzNDgiLCJBIjoyNTUsIlIiOjIzNywiRyI6MTI1LCJCIjo0OX19LCJNYXhXaWR0aCI6NDIuMCwiTWF4SGVpZ2h0IjoiSW5maW5pdHkiLCJTbWFydEZvcmVncm91bmRJc0FjdGl2ZSI6ZmFsc2UsIkhvcml6b250YWxBbGlnbm1lbnQiOjAsIlZlcnRpY2FsQWxpZ25tZW50IjowLCJTbWFydEZvcmVncm91bmQiOm51bGwsIk1hcmdpbiI6eyIkcmVmIjoiMTIyIn0sIlBhZGRpbmciOnsiJHJlZiI6IjEyMyJ9LCJCYWNrZ3JvdW5kIjp7IiRyZWYiOiIxMjQifSwiSXNWaXNpYmxlIjp0cnVlLCJXaWR0aCI6MC4wLCJIZWlnaHQiOjAuMCwiQm9yZGVyU3R5bGUiOnsiJGlkIjoiMzQ5IiwiTGluZUNvbG9yIjpudWxsLCJMaW5lV2VpZ2h0IjowLjAsIkxpbmVUeXBlIjowLCJQYXJlbnRTdHlsZSI6bnVsbH0sIlBhcmVudFN0eWxlIjp7IiRyZWYiOiIxMTgifX0sIkRhdGVGb3JtYXQiOnsiJGlkIjoiMzUwIiwiRm9ybWF0U3RyaW5nIjoiTU1NIGQiLCJTZXBhcmF0b3IiOiIvIiwiVXNlSW50ZXJuYXRpb25hbERhdGVGb3JtYXQiOmZhbHNlLCJEYXRlSXNWaXNpYmxlIjp0cnVlLCJUaW1lSXNWaXNpYmxlIjpmYWxzZSwiSG91ckRpZ2l0cyI6MSwiQW1QbURlc2lnbmF0b3IiOjIsIlRyaW0wME1pbnV0ZXMiOmZhbHNlLCJMYXN0S25vd25WaXNpYmlsaXR5U3RhdGUiOm51bGx9LCJJc1Zpc2libGUiOnRydWUsIlBhcmVudFN0eWxlIjp7IiRyZWYiOiI4MiJ9fSwiSW5kZXgiOjEwLCJTbWFydER1cmF0aW9uQWN0aXZhdGVkIjpmYWxzZSwiRGF0ZUZvcm1hdCI6eyIkcmVmIjoiMzUwIn0sIklkIjoiODM0NjM2ZTMtMmNmZi00ODBkLThhODUtMmFlMTkxZmM2ODQyIiwiSW1wb3J0SWQiOm51bGwsIlRpdGxlIjoiU0VDVElPTiAyIiwiTm90ZSI6bnVsbCwiSHlwZXJsaW5rIjpudWxsLCJJc0NoYW5nZWQiOmZhbHNlLCJJc05ldyI6dHJ1ZX0seyIkaWQiOiIzNTEiLCJHcm91cE5hbWUiOiIzZjA4NTU2ZS0yODQwLTQ3MzYtOTFmNC1mYzgwZmZmNjk1M2IiLCJTdGFydERhdGUiOiIyMDE3LTA2LTAzVDAwOjAwOjAwWiIsIkVuZERhdGUiOiIyMDE3LTA2LTA0VDIzOjU5OjAwIiwiUGVyY2VudGFnZUNvbXBsZXRlIjpudWxsLCJTdHlsZSI6eyIkaWQiOiIzNTIiLCJTaGFwZSI6NCwiU2hhcGVUaGlja25lc3MiOjMsIkR1cmF0aW9uRm9ybWF0IjowLCJJbmNsdWRlTm9uV29ya2luZ0RheXNJbkR1cmF0aW9uIjpmYWxzZSwiUGVyY2VudGFnZUNvbXBsZXRlU3R5bGUiOnsiJGlkIjoiMzUzIiwiRm9udFNldHRpbmdzIjp7IiRpZCI6IjM1NCIsIkZvbnRTaXplIjoxMCwiRm9udE5hbWUiOiJDYWxpYnJpIiwiSXNCb2xkIjpmYWxzZSwiSXNJdGFsaWMiOmZhbHNlLCJJc1VuZGVybGluZWQiOmZhbHNlLCJQYXJlbnRTdHlsZSI6eyIkcmVmIjoiODQifX0sIkF1dG9TaXplIjowLCJGb3JlZ3JvdW5kIjp7IiRyZWYiOiI4NSJ9LCJNYXhXaWR0aCI6MjAwLjAsIk1heEhlaWdodCI6IkluZmluaXR5IiwiU21hcnRGb3JlZ3JvdW5kSXNBY3RpdmUiOmZhbHNlLCJIb3Jpem9udGFsQWxpZ25tZW50IjowLCJWZXJ0aWNhbEFsaWdubWVudCI6MCwiU21hcnRGb3JlZ3JvdW5kIjpudWxsLCJNYXJnaW4iOnsiJHJlZiI6Ijg3In0sIlBhZGRpbmciOnsiJHJlZiI6Ijg4In0sIkJhY2tncm91bmQiOnsiJHJlZiI6Ijg5In0sIklzVmlzaWJsZSI6dHJ1ZSwiV2lkdGgiOjAuMCwiSGVpZ2h0IjowLjAsIkJvcmRlclN0eWxlIjp7IiRpZCI6IjM1NSIsIkxpbmVDb2xvciI6bnVsbCwiTGluZVdlaWdodCI6MC4wLCJMaW5lVHlwZSI6MCwiUGFyZW50U3R5bGUiOm51bGx9LCJQYXJlbnRTdHlsZSI6eyIkcmVmIjoiODMifX0sIkR1cmF0aW9uU3R5bGUiOnsiJGlkIjoiMzU2IiwiRm9udFNldHRpbmdzIjp7IiRpZCI6IjM1NyIsIkZvbnRTaXplIjoxMCwiRm9udE5hbWUiOiJDYWxpYnJpIiwiSXNCb2xkIjpmYWxzZSwiSXNJdGFsaWMiOmZhbHNlLCJJc1VuZGVybGluZWQiOmZhbHNlLCJQYXJlbnRTdHlsZSI6eyIkcmVmIjoiOTEifX0sIkF1dG9TaXplIjowLCJGb3JlZ3JvdW5kIjp7IiRyZWYiOiI5MiJ9LCJNYXhXaWR0aCI6MjAwLjAsIk1heEhlaWdodCI6IkluZmluaXR5IiwiU21hcnRGb3JlZ3JvdW5kSXNBY3RpdmUiOmZhbHNlLCJIb3Jpem9udGFsQWxpZ25tZW50IjowLCJWZXJ0aWNhbEFsaWdubWVudCI6MCwiU21hcnRGb3JlZ3JvdW5kIjpudWxsLCJNYXJnaW4iOnsiJHJlZiI6Ijk0In0sIlBhZGRpbmciOnsiJHJlZiI6Ijk1In0sIkJhY2tncm91bmQiOnsiJHJlZiI6Ijk2In0sIklzVmlzaWJsZSI6dHJ1ZSwiV2lkdGgiOjAuMCwiSGVpZ2h0IjowLjAsIkJvcmRlclN0eWxlIjp7IiRpZCI6IjM1OCIsIkxpbmVDb2xvciI6bnVsbCwiTGluZVdlaWdodCI6MC4wLCJMaW5lVHlwZSI6MCwiUGFyZW50U3R5bGUiOm51bGx9LCJQYXJlbnRTdHlsZSI6eyIkcmVmIjoiOTAifX0sIkhvcml6b250YWxDb25uZWN0b3JTdHlsZSI6eyIkaWQiOiIzNTkiLCJMaW5lQ29sb3IiOnsiJHJlZiI6Ijk4In0sIkxpbmVXZWlnaHQiOjAuMCwiTGluZVR5cGUiOjAsIlBhcmVudFN0eWxlIjp7IiRyZWYiOiI5NyJ9fSwiVmVydGljYWxDb25uZWN0b3JTdHlsZSI6eyIkaWQiOiIzNjAiLCJMaW5lQ29sb3IiOnsiJHJlZiI6IjEwMSJ9LCJMaW5lV2VpZ2h0IjowLjAsIkxpbmVUeXBlIjowLCJQYXJlbnRTdHlsZSI6eyIkcmVmIjoiMTAwIn19LCJNYXJnaW4iOm51bGwsIlN0YXJ0RGF0ZVBvc2l0aW9uIjo2LCJFbmREYXRlUG9zaXRpb24iOjYsIkRhdGVJc1Zpc2libGUiOmZhbHNlLCJUaXRsZVBvc2l0aW9uIjozLCJEdXJhdGlvblBvc2l0aW9uIjo2LCJQZXJjZW50YWdlQ29tcGxldGVkUG9zaXRpb24iOjIsIlNwYWNpbmciOjEwLCJJc0JlbG93VGltZWJhbmQiOmZhbHNlLCJQZXJjZW50YWdlQ29tcGxldGVTaGFwZU9wYWNpdHkiOjM1LCJTaGFwZVN0eWxlIjp7IiRpZCI6IjM2MSIsIk1hcmdpbiI6eyIkcmVmIjoiMTA0In0sIlBhZGRpbmciOnsiJGlkIjoiMzYyIiwiVG9wIjowLCJMZWZ0IjowLCJSaWdodCI6MiwiQm90dG9tIjowfSwiQmFja2dyb3VuZCI6eyIkaWQiOiIzNjMiLCJDb2xvciI6eyIkaWQiOiIzNjQiLCJBIjoyNTUsIlIiOjExMiwiRyI6MTczLCJCIjo3MX19LCJJc1Zpc2libGUiOnRydWUsIldpZHRoIjowLjAsIkhlaWdodCI6MTIuMCwiQm9yZGVyU3R5bGUiOnsiJGlkIjoiMzY1IiwiTGluZUNvbG9yIjp7IiRpZCI6IjM2NiIsIiR0eXBlIjoiTkxSRS5Db21tb24uRG9tLlNvbGlkQ29sb3JCcnVzaCwgTkxSRS5Db21tb24iLCJDb2xvciI6eyIkaWQiOiIzNjciLCJBIjoyNTUsIlIiOjI1NSwiRyI6MCwiQiI6MH19LCJMaW5lV2VpZ2h0IjowLjAsIkxpbmVUeXBlIjowLCJQYXJlbnRTdHlsZSI6bnVsbH0sIlBhcmVudFN0eWxlIjp7IiRyZWYiOiIxMDMifX0sIlRpdGxlU3R5bGUiOnsiJGlkIjoiMzY4IiwiRm9udFNldHRpbmdzIjp7IiRpZCI6IjM2OSIsIkZvbnRTaXplIjo4LCJGb250TmFtZSI6IkNhbGlicmkiLCJJc0JvbGQiOmZhbHNlLCJJc0l0YWxpYyI6ZmFsc2UsIklzVW5kZXJsaW5lZCI6ZmFsc2UsIlBhcmVudFN0eWxlIjp7IiRyZWYiOiIxMTIifX0sIkF1dG9TaXplIjoyLCJGb3JlZ3JvdW5kIjp7IiRpZCI6IjM3MCIsIkNvbG9yIjp7IiRpZCI6IjM3MSIsIkEiOjI1NSwiUiI6MTE1LCJHIjoxMTUsIkIiOjExNX19LCJNYXhXaWR0aCI6MzUuMjUsIk1heEhlaWdodCI6IkluZmluaXR5IiwiU21hcnRGb3JlZ3JvdW5kSXNBY3RpdmUiOmZhbHNlLCJIb3Jpem9udGFsQWxpZ25tZW50IjoyLCJWZXJ0aWNhbEFsaWdubWVudCI6MCwiU21hcnRGb3JlZ3JvdW5kIjpudWxsLCJNYXJnaW4iOnsiJHJlZiI6IjExNSJ9LCJQYWRkaW5nIjp7IiRyZWYiOiIxMTYifSwiQmFja2dyb3VuZCI6eyIkcmVmIjoiMTE3In0sIklzVmlzaWJsZSI6dHJ1ZSwiV2lkdGgiOjAuMCwiSGVpZ2h0IjowLjAsIkJvcmRlclN0eWxlIjp7IiRpZCI6IjM3MiIsIkxpbmVDb2xvciI6bnVsbCwiTGluZVdlaWdodCI6MC4wLCJMaW5lVHlwZSI6MCwiUGFyZW50U3R5bGUiOm51bGx9LCJQYXJlbnRTdHlsZSI6eyIkcmVmIjoiMTExIn19LCJEYXRlU3R5bGUiOnsiJGlkIjoiMzczIiwiRm9udFNldHRpbmdzIjp7IiRpZCI6IjM3NCIsIkZvbnRTaXplIjo4LCJGb250TmFtZSI6IkNhbGlicmkiLCJJc0JvbGQiOmZhbHNlLCJJc0l0YWxpYyI6ZmFsc2UsIklzVW5kZXJsaW5lZCI6ZmFsc2UsIlBhcmVudFN0eWxlIjp7IiRyZWYiOiIxMTkifX0sIkF1dG9TaXplIjowLCJGb3JlZ3JvdW5kIjp7IiRpZCI6IjM3NSIsIkNvbG9yIjp7IiRpZCI6IjM3NiIsIkEiOjI1NSwiUiI6MTkxLCJHIjoxOTEsIkIiOjE5MX19LCJNYXhXaWR0aCI6MjAwLjAsIk1heEhlaWdodCI6IkluZmluaXR5IiwiU21hcnRGb3JlZ3JvdW5kSXNBY3RpdmUiOmZhbHNlLCJIb3Jpem9udGFsQWxpZ25tZW50IjowLCJWZXJ0aWNhbEFsaWdubWVudCI6MCwiU21hcnRGb3JlZ3JvdW5kIjpudWxsLCJNYXJnaW4iOnsiJHJlZiI6IjEyMiJ9LCJQYWRkaW5nIjp7IiRyZWYiOiIxMjMifSwiQmFja2dyb3VuZCI6eyIkcmVmIjoiMTI0In0sIklzVmlzaWJsZSI6dHJ1ZSwiV2lkdGgiOjAuMCwiSGVpZ2h0IjowLjAsIkJvcmRlclN0eWxlIjp7IiRpZCI6IjM3NyIsIkxpbmVDb2xvciI6bnVsbCwiTGluZVdlaWdodCI6MC4wLCJMaW5lVHlwZSI6MCwiUGFyZW50U3R5bGUiOm51bGx9LCJQYXJlbnRTdHlsZSI6eyIkcmVmIjoiMTE4In19LCJEYXRlRm9ybWF0Ijp7IiRyZWYiOiIxMjUifSwiSXNWaXNpYmxlIjp0cnVlLCJQYXJlbnRTdHlsZSI6eyIkcmVmIjoiODIifX0sIkluZGV4IjoxMSwiU21hcnREdXJhdGlvbkFjdGl2YXRlZCI6ZmFsc2UsIkRhdGVGb3JtYXQiOnsiJHJlZiI6IjEyNSJ9LCJJZCI6ImY0ZmNkNWNkLTRkMWUtNGYxMy05NTE1LTYzM2M2OTQ1YjQwOSIsIkltcG9ydElkIjpudWxsLCJUaXRsZSI6IlN1Yi10YXNrIDEiLCJOb3RlIjpudWxsLCJIeXBlcmxpbmsiOm51bGwsIklzQ2hhbmdlZCI6ZmFsc2UsIklzTmV3Ijp0cnVlfSx7IiRpZCI6IjM3OCIsIkdyb3VwTmFtZSI6IjNmMDg1NTZlLTI4NDAtNDczNi05MWY0LWZjODBmZmY2OTUzYiIsIlN0YXJ0RGF0ZSI6IjIwMTctMDYtMDVUMDA6MDA6MDBaIiwiRW5kRGF0ZSI6IjIwMTctMDYtMDlUMjM6NTk6MDAiLCJQZXJjZW50YWdlQ29tcGxldGUiOm51bGwsIlN0eWxlIjp7IiRpZCI6IjM3OSIsIlNoYXBlIjo0LCJTaGFwZVRoaWNrbmVzcyI6MywiRHVyYXRpb25Gb3JtYXQiOjAsIkluY2x1ZGVOb25Xb3JraW5nRGF5c0luRHVyYXRpb24iOmZhbHNlLCJQZXJjZW50YWdlQ29tcGxldGVTdHlsZSI6eyIkaWQiOiIzODAiLCJGb250U2V0dGluZ3MiOnsiJGlkIjoiMzgxIiwiRm9udFNpemUiOjEwLCJGb250TmFtZSI6IkNhbGlicmkiLCJJc0JvbGQiOmZhbHNlLCJJc0l0YWxpYyI6ZmFsc2UsIklzVW5kZXJsaW5lZCI6ZmFsc2UsIlBhcmVudFN0eWxlIjp7IiRyZWYiOiI4NCJ9fSwiQXV0b1NpemUiOjAsIkZvcmVncm91bmQiOnsiJHJlZiI6Ijg1In0sIk1heFdpZHRoIjoyMDAuMCwiTWF4SGVpZ2h0IjoiSW5maW5pdHkiLCJTbWFydEZvcmVncm91bmRJc0FjdGl2ZSI6ZmFsc2UsIkhvcml6b250YWxBbGlnbm1lbnQiOjAsIlZlcnRpY2FsQWxpZ25tZW50IjowLCJTbWFydEZvcmVncm91bmQiOm51bGwsIk1hcmdpbiI6eyIkcmVmIjoiODcifSwiUGFkZGluZyI6eyIkcmVmIjoiODgifSwiQmFja2dyb3VuZCI6eyIkcmVmIjoiODkifSwiSXNWaXNpYmxlIjp0cnVlLCJXaWR0aCI6MC4wLCJIZWlnaHQiOjAuMCwiQm9yZGVyU3R5bGUiOnsiJGlkIjoiMzgyIiwiTGluZUNvbG9yIjpudWxsLCJMaW5lV2VpZ2h0IjowLjAsIkxpbmVUeXBlIjowLCJQYXJlbnRTdHlsZSI6bnVsbH0sIlBhcmVudFN0eWxlIjp7IiRyZWYiOiI4MyJ9fSwiRHVyYXRpb25TdHlsZSI6eyIkaWQiOiIzODMiLCJGb250U2V0dGluZ3MiOnsiJGlkIjoiMzg0IiwiRm9udFNpemUiOjEwLCJGb250TmFtZSI6IkNhbGlicmkiLCJJc0JvbGQiOmZhbHNlLCJJc0l0YWxpYyI6ZmFsc2UsIklzVW5kZXJsaW5lZCI6ZmFsc2UsIlBhcmVudFN0eWxlIjp7IiRyZWYiOiI5MSJ9fSwiQXV0b1NpemUiOjAsIkZvcmVncm91bmQiOnsiJHJlZiI6IjkyIn0sIk1heFdpZHRoIjoyMDAuMCwiTWF4SGVpZ2h0IjoiSW5maW5pdHkiLCJTbWFydEZvcmVncm91bmRJc0FjdGl2ZSI6ZmFsc2UsIkhvcml6b250YWxBbGlnbm1lbnQiOjAsIlZlcnRpY2FsQWxpZ25tZW50IjowLCJTbWFydEZvcmVncm91bmQiOm51bGwsIk1hcmdpbiI6eyIkcmVmIjoiOTQifSwiUGFkZGluZyI6eyIkcmVmIjoiOTUifSwiQmFja2dyb3VuZCI6eyIkcmVmIjoiOTYifSwiSXNWaXNpYmxlIjp0cnVlLCJXaWR0aCI6MC4wLCJIZWlnaHQiOjAuMCwiQm9yZGVyU3R5bGUiOnsiJGlkIjoiMzg1IiwiTGluZUNvbG9yIjpudWxsLCJMaW5lV2VpZ2h0IjowLjAsIkxpbmVUeXBlIjowLCJQYXJlbnRTdHlsZSI6bnVsbH0sIlBhcmVudFN0eWxlIjp7IiRyZWYiOiI5MCJ9fSwiSG9yaXpvbnRhbENvbm5lY3RvclN0eWxlIjp7IiRpZCI6IjM4NiIsIkxpbmVDb2xvciI6eyIkcmVmIjoiOTgifSwiTGluZVdlaWdodCI6MC4wLCJMaW5lVHlwZSI6MCwiUGFyZW50U3R5bGUiOnsiJHJlZiI6Ijk3In19LCJWZXJ0aWNhbENvbm5lY3RvclN0eWxlIjp7IiRpZCI6IjM4NyIsIkxpbmVDb2xvciI6eyIkcmVmIjoiMTAxIn0sIkxpbmVXZWlnaHQiOjAuMCwiTGluZVR5cGUiOjAsIlBhcmVudFN0eWxlIjp7IiRyZWYiOiIxMDAifX0sIk1hcmdpbiI6bnVsbCwiU3RhcnREYXRlUG9zaXRpb24iOjYsIkVuZERhdGVQb3NpdGlvbiI6NiwiRGF0ZUlzVmlzaWJsZSI6ZmFsc2UsIlRpdGxlUG9zaXRpb24iOjIsIkR1cmF0aW9uUG9zaXRpb24iOjYsIlBlcmNlbnRhZ2VDb21wbGV0ZWRQb3NpdGlvbiI6MiwiU3BhY2luZyI6MTAsIklzQmVsb3dUaW1lYmFuZCI6ZmFsc2UsIlBlcmNlbnRhZ2VDb21wbGV0ZVNoYXBlT3BhY2l0eSI6MzUsIlNoYXBlU3R5bGUiOnsiJGlkIjoiMzg4IiwiTWFyZ2luIjp7IiRyZWYiOiIxMDQifSwiUGFkZGluZyI6eyIkaWQiOiIzODkiLCJUb3AiOjAsIkxlZnQiOjAsIlJpZ2h0IjoyLCJCb3R0b20iOjB9LCJCYWNrZ3JvdW5kIjp7IiRpZCI6IjM5MCIsIkNvbG9yIjp7IiRpZCI6IjM5MSIsIkEiOjI1NSwiUiI6NjgsIkciOjg0LCJCIjoxMDZ9fSwiSXNWaXNpYmxlIjp0cnVlLCJXaWR0aCI6MC4wLCJIZWlnaHQiOjEyLjAsIkJvcmRlclN0eWxlIjp7IiRpZCI6IjM5MiIsIkxpbmVDb2xvciI6eyIkaWQiOiIzOTMiLCIkdHlwZSI6Ik5MUkUuQ29tbW9uLkRvbS5Tb2xpZENvbG9yQnJ1c2gsIE5MUkUuQ29tbW9uIiwiQ29sb3IiOnsiJGlkIjoiMzk0IiwiQSI6MjU1LCJSIjoyNTUsIkciOjAsIkIiOjB9fSwiTGluZVdlaWdodCI6MC4wLCJMaW5lVHlwZSI6MCwiUGFyZW50U3R5bGUiOm51bGx9LCJQYXJlbnRTdHlsZSI6eyIkcmVmIjoiMTAzIn19LCJUaXRsZVN0eWxlIjp7IiRpZCI6IjM5NSIsIkZvbnRTZXR0aW5ncyI6eyIkaWQiOiIzOTYiLCJGb250U2l6ZSI6OCwiRm9udE5hbWUiOiJDYWxpYnJpIiwiSXNCb2xkIjpmYWxzZSwiSXNJdGFsaWMiOmZhbHNlLCJJc1VuZGVybGluZWQiOmZhbHNlLCJQYXJlbnRTdHlsZSI6eyIkcmVmIjoiMTEyIn19LCJBdXRvU2l6ZSI6MiwiRm9yZWdyb3VuZCI6eyIkaWQiOiIzOTciLCJDb2xvciI6eyIkaWQiOiIzOTgiLCJBIjoyNTUsIlIiOjI1NSwiRyI6MjU1LCJCIjoyNTV9fSwiTWF4V2lkdGgiOjM1LjI1LCJNYXhIZWlnaHQiOiJJbmZpbml0eSIsIlNtYXJ0Rm9yZWdyb3VuZElzQWN0aXZlIjpmYWxzZSwiSG9yaXpvbnRhbEFsaWdubWVudCI6MiwiVmVydGljYWxBbGlnbm1lbnQiOjAsIlNtYXJ0Rm9yZWdyb3VuZCI6bnVsbCwiTWFyZ2luIjp7IiRyZWYiOiIxMTUifSwiUGFkZGluZyI6eyIkcmVmIjoiMTE2In0sIkJhY2tncm91bmQiOnsiJHJlZiI6IjExNyJ9LCJJc1Zpc2libGUiOnRydWUsIldpZHRoIjowLjAsIkhlaWdodCI6MC4wLCJCb3JkZXJTdHlsZSI6eyIkaWQiOiIzOTkiLCJMaW5lQ29sb3IiOm51bGwsIkxpbmVXZWlnaHQiOjAuMCwiTGluZVR5cGUiOjAsIlBhcmVudFN0eWxlIjpudWxsfSwiUGFyZW50U3R5bGUiOnsiJHJlZiI6IjExMSJ9fSwiRGF0ZVN0eWxlIjp7IiRpZCI6IjQwMCIsIkZvbnRTZXR0aW5ncyI6eyIkaWQiOiI0MDEiLCJGb250U2l6ZSI6OCwiRm9udE5hbWUiOiJDYWxpYnJpIiwiSXNCb2xkIjpmYWxzZSwiSXNJdGFsaWMiOmZhbHNlLCJJc1VuZGVybGluZWQiOmZhbHNlLCJQYXJlbnRTdHlsZSI6eyIkcmVmIjoiMTE5In19LCJBdXRvU2l6ZSI6MCwiRm9yZWdyb3VuZCI6eyIkaWQiOiI0MDIiLCJDb2xvciI6eyIkaWQiOiI0MDMiLCJBIjoyNTUsIlIiOjE5MSwiRyI6MTkxLCJCIjoxOTF9fSwiTWF4V2lkdGgiOjIwMC4wLCJNYXhIZWlnaHQiOiJJbmZpbml0eSIsIlNtYXJ0Rm9yZWdyb3VuZElzQWN0aXZlIjpmYWxzZSwiSG9yaXpvbnRhbEFsaWdubWVudCI6MCwiVmVydGljYWxBbGlnbm1lbnQiOjAsIlNtYXJ0Rm9yZWdyb3VuZCI6bnVsbCwiTWFyZ2luIjp7IiRyZWYiOiIxMjIifSwiUGFkZGluZyI6eyIkcmVmIjoiMTIzIn0sIkJhY2tncm91bmQiOnsiJHJlZiI6IjEyNCJ9LCJJc1Zpc2libGUiOnRydWUsIldpZHRoIjowLjAsIkhlaWdodCI6MC4wLCJCb3JkZXJTdHlsZSI6eyIkaWQiOiI0MDQiLCJMaW5lQ29sb3IiOm51bGwsIkxpbmVXZWlnaHQiOjAuMCwiTGluZVR5cGUiOjAsIlBhcmVudFN0eWxlIjpudWxsfSwiUGFyZW50U3R5bGUiOnsiJHJlZiI6IjExOCJ9fSwiRGF0ZUZvcm1hdCI6eyIkcmVmIjoiMTI1In0sIklzVmlzaWJsZSI6dHJ1ZSwiUGFyZW50U3R5bGUiOnsiJHJlZiI6IjgyIn19LCJJbmRleCI6MTIsIlNtYXJ0RHVyYXRpb25BY3RpdmF0ZWQiOmZhbHNlLCJEYXRlRm9ybWF0Ijp7IiRyZWYiOiIxMjUifSwiSWQiOiI2MWJkNDQyMS1mMTU5LTQxM2QtYmE3Mi04MWE1MTg1ZTM4YjgiLCJJbXBvcnRJZCI6bnVsbCwiVGl0bGUiOiJTdWItdGFzayAyIiwiTm90ZSI6bnVsbCwiSHlwZXJsaW5rIjpudWxsLCJJc0NoYW5nZWQiOmZhbHNlLCJJc05ldyI6dHJ1ZX0seyIkaWQiOiI0MDUiLCJHcm91cE5hbWUiOiIzZjA4NTU2ZS0yODQwLTQ3MzYtOTFmNC1mYzgwZmZmNjk1M2IiLCJTdGFydERhdGUiOiIyMDE3LTA2LTEwVDAwOjAwOjAwWiIsIkVuZERhdGUiOiIyMDE3LTA2LTE2VDIzOjU5OjAwIiwiUGVyY2VudGFnZUNvbXBsZXRlIjpudWxsLCJTdHlsZSI6eyIkaWQiOiI0MDYiLCJTaGFwZSI6NCwiU2hhcGVUaGlja25lc3MiOjMsIkR1cmF0aW9uRm9ybWF0IjowLCJJbmNsdWRlTm9uV29ya2luZ0RheXNJbkR1cmF0aW9uIjpmYWxzZSwiUGVyY2VudGFnZUNvbXBsZXRlU3R5bGUiOnsiJGlkIjoiNDA3IiwiRm9udFNldHRpbmdzIjp7IiRpZCI6IjQwOCIsIkZvbnRTaXplIjoxMCwiRm9udE5hbWUiOiJDYWxpYnJpIiwiSXNCb2xkIjpmYWxzZSwiSXNJdGFsaWMiOmZhbHNlLCJJc1VuZGVybGluZWQiOmZhbHNlLCJQYXJlbnRTdHlsZSI6eyIkcmVmIjoiODQifX0sIkF1dG9TaXplIjowLCJGb3JlZ3JvdW5kIjp7IiRyZWYiOiI4NSJ9LCJNYXhXaWR0aCI6MjAwLjAsIk1heEhlaWdodCI6IkluZmluaXR5IiwiU21hcnRGb3JlZ3JvdW5kSXNBY3RpdmUiOmZhbHNlLCJIb3Jpem9udGFsQWxpZ25tZW50IjowLCJWZXJ0aWNhbEFsaWdubWVudCI6MCwiU21hcnRGb3JlZ3JvdW5kIjpudWxsLCJNYXJnaW4iOnsiJHJlZiI6Ijg3In0sIlBhZGRpbmciOnsiJHJlZiI6Ijg4In0sIkJhY2tncm91bmQiOnsiJHJlZiI6Ijg5In0sIklzVmlzaWJsZSI6dHJ1ZSwiV2lkdGgiOjAuMCwiSGVpZ2h0IjowLjAsIkJvcmRlclN0eWxlIjp7IiRpZCI6IjQwOSIsIkxpbmVDb2xvciI6bnVsbCwiTGluZVdlaWdodCI6MC4wLCJMaW5lVHlwZSI6MCwiUGFyZW50U3R5bGUiOm51bGx9LCJQYXJlbnRTdHlsZSI6eyIkcmVmIjoiODMifX0sIkR1cmF0aW9uU3R5bGUiOnsiJGlkIjoiNDEwIiwiRm9udFNldHRpbmdzIjp7IiRpZCI6IjQxMSIsIkZvbnRTaXplIjoxMCwiRm9udE5hbWUiOiJDYWxpYnJpIiwiSXNCb2xkIjpmYWxzZSwiSXNJdGFsaWMiOmZhbHNlLCJJc1VuZGVybGluZWQiOmZhbHNlLCJQYXJlbnRTdHlsZSI6eyIkcmVmIjoiOTEifX0sIkF1dG9TaXplIjowLCJGb3JlZ3JvdW5kIjp7IiRyZWYiOiI5MiJ9LCJNYXhXaWR0aCI6MjAwLjAsIk1heEhlaWdodCI6IkluZmluaXR5IiwiU21hcnRGb3JlZ3JvdW5kSXNBY3RpdmUiOmZhbHNlLCJIb3Jpem9udGFsQWxpZ25tZW50IjowLCJWZXJ0aWNhbEFsaWdubWVudCI6MCwiU21hcnRGb3JlZ3JvdW5kIjpudWxsLCJNYXJnaW4iOnsiJHJlZiI6Ijk0In0sIlBhZGRpbmciOnsiJHJlZiI6Ijk1In0sIkJhY2tncm91bmQiOnsiJHJlZiI6Ijk2In0sIklzVmlzaWJsZSI6dHJ1ZSwiV2lkdGgiOjAuMCwiSGVpZ2h0IjowLjAsIkJvcmRlclN0eWxlIjp7IiRpZCI6IjQxMiIsIkxpbmVDb2xvciI6bnVsbCwiTGluZVdlaWdodCI6MC4wLCJMaW5lVHlwZSI6MCwiUGFyZW50U3R5bGUiOm51bGx9LCJQYXJlbnRTdHlsZSI6eyIkcmVmIjoiOTAifX0sIkhvcml6b250YWxDb25uZWN0b3JTdHlsZSI6eyIkaWQiOiI0MTMiLCJMaW5lQ29sb3IiOnsiJHJlZiI6Ijk4In0sIkxpbmVXZWlnaHQiOjAuMCwiTGluZVR5cGUiOjAsIlBhcmVudFN0eWxlIjp7IiRyZWYiOiI5NyJ9fSwiVmVydGljYWxDb25uZWN0b3JTdHlsZSI6eyIkaWQiOiI0MTQiLCJMaW5lQ29sb3IiOnsiJHJlZiI6IjEwMSJ9LCJMaW5lV2VpZ2h0IjowLjAsIkxpbmVUeXBlIjowLCJQYXJlbnRTdHlsZSI6eyIkcmVmIjoiMTAwIn19LCJNYXJnaW4iOm51bGwsIlN0YXJ0RGF0ZVBvc2l0aW9uIjo2LCJFbmREYXRlUG9zaXRpb24iOjYsIkRhdGVJc1Zpc2libGUiOmZhbHNlLCJUaXRsZVBvc2l0aW9uIjoyLCJEdXJhdGlvblBvc2l0aW9uIjo2LCJQZXJjZW50YWdlQ29tcGxldGVkUG9zaXRpb24iOjIsIlNwYWNpbmciOjEwLCJJc0JlbG93VGltZWJhbmQiOmZhbHNlLCJQZXJjZW50YWdlQ29tcGxldGVTaGFwZU9wYWNpdHkiOjM1LCJTaGFwZVN0eWxlIjp7IiRpZCI6IjQxNSIsIk1hcmdpbiI6eyIkcmVmIjoiMTA0In0sIlBhZGRpbmciOnsiJGlkIjoiNDE2IiwiVG9wIjowLCJMZWZ0IjowLCJSaWdodCI6MiwiQm90dG9tIjowfSwiQmFja2dyb3VuZCI6eyIkaWQiOiI0MTciLCJDb2xvciI6eyIkaWQiOiI0MTgiLCJBIjoyNTUsIlIiOjkxLCJHIjoxNTUsIkIiOjIxM319LCJJc1Zpc2libGUiOnRydWUsIldpZHRoIjowLjAsIkhlaWdodCI6MTIuMCwiQm9yZGVyU3R5bGUiOnsiJGlkIjoiNDE5IiwiTGluZUNvbG9yIjp7IiRpZCI6IjQyMCIsIiR0eXBlIjoiTkxSRS5Db21tb24uRG9tLlNvbGlkQ29sb3JCcnVzaCwgTkxSRS5Db21tb24iLCJDb2xvciI6eyIkaWQiOiI0MjEiLCJBIjoyNTUsIlIiOjI1NSwiRyI6MCwiQiI6MH19LCJMaW5lV2VpZ2h0IjowLjAsIkxpbmVUeXBlIjowLCJQYXJlbnRTdHlsZSI6bnVsbH0sIlBhcmVudFN0eWxlIjp7IiRyZWYiOiIxMDMifX0sIlRpdGxlU3R5bGUiOnsiJGlkIjoiNDIyIiwiRm9udFNldHRpbmdzIjp7IiRpZCI6IjQyMyIsIkZvbnRTaXplIjo4LCJGb250TmFtZSI6IkNhbGlicmkiLCJJc0JvbGQiOmZhbHNlLCJJc0l0YWxpYyI6ZmFsc2UsIklzVW5kZXJsaW5lZCI6ZmFsc2UsIlBhcmVudFN0eWxlIjp7IiRyZWYiOiIxMTIifX0sIkF1dG9TaXplIjoyLCJGb3JlZ3JvdW5kIjp7IiRpZCI6IjQyNCIsIkNvbG9yIjp7IiRpZCI6IjQyNSIsIkEiOjI1NSwiUiI6MjU1LCJHIjoyNTUsIkIiOjI1NX19LCJNYXhXaWR0aCI6MzUuMjUsIk1heEhlaWdodCI6IkluZmluaXR5IiwiU21hcnRGb3JlZ3JvdW5kSXNBY3RpdmUiOmZhbHNlLCJIb3Jpem9udGFsQWxpZ25tZW50IjoyLCJWZXJ0aWNhbEFsaWdubWVudCI6MCwiU21hcnRGb3JlZ3JvdW5kIjpudWxsLCJNYXJnaW4iOnsiJHJlZiI6IjExNSJ9LCJQYWRkaW5nIjp7IiRyZWYiOiIxMTYifSwiQmFja2dyb3VuZCI6eyIkcmVmIjoiMTE3In0sIklzVmlzaWJsZSI6dHJ1ZSwiV2lkdGgiOjAuMCwiSGVpZ2h0IjowLjAsIkJvcmRlclN0eWxlIjp7IiRpZCI6IjQyNiIsIkxpbmVDb2xvciI6bnVsbCwiTGluZVdlaWdodCI6MC4wLCJMaW5lVHlwZSI6MCwiUGFyZW50U3R5bGUiOm51bGx9LCJQYXJlbnRTdHlsZSI6eyIkcmVmIjoiMTExIn19LCJEYXRlU3R5bGUiOnsiJGlkIjoiNDI3IiwiRm9udFNldHRpbmdzIjp7IiRpZCI6IjQyOCIsIkZvbnRTaXplIjo4LCJGb250TmFtZSI6IkNhbGlicmkiLCJJc0JvbGQiOmZhbHNlLCJJc0l0YWxpYyI6ZmFsc2UsIklzVW5kZXJsaW5lZCI6ZmFsc2UsIlBhcmVudFN0eWxlIjp7IiRyZWYiOiIxMTkifX0sIkF1dG9TaXplIjowLCJGb3JlZ3JvdW5kIjp7IiRpZCI6IjQyOSIsIkNvbG9yIjp7IiRpZCI6IjQzMCIsIkEiOjI1NSwiUiI6MTkxLCJHIjoxOTEsIkIiOjE5MX19LCJNYXhXaWR0aCI6MjAwLjAsIk1heEhlaWdodCI6IkluZmluaXR5IiwiU21hcnRGb3JlZ3JvdW5kSXNBY3RpdmUiOmZhbHNlLCJIb3Jpem9udGFsQWxpZ25tZW50IjowLCJWZXJ0aWNhbEFsaWdubWVudCI6MCwiU21hcnRGb3JlZ3JvdW5kIjpudWxsLCJNYXJnaW4iOnsiJHJlZiI6IjEyMiJ9LCJQYWRkaW5nIjp7IiRyZWYiOiIxMjMifSwiQmFja2dyb3VuZCI6eyIkcmVmIjoiMTI0In0sIklzVmlzaWJsZSI6dHJ1ZSwiV2lkdGgiOjAuMCwiSGVpZ2h0IjowLjAsIkJvcmRlclN0eWxlIjp7IiRpZCI6IjQzMSIsIkxpbmVDb2xvciI6bnVsbCwiTGluZVdlaWdodCI6MC4wLCJMaW5lVHlwZSI6MCwiUGFyZW50U3R5bGUiOm51bGx9LCJQYXJlbnRTdHlsZSI6eyIkcmVmIjoiMTE4In19LCJEYXRlRm9ybWF0Ijp7IiRyZWYiOiIxMjUifSwiSXNWaXNpYmxlIjp0cnVlLCJQYXJlbnRTdHlsZSI6eyIkcmVmIjoiODIifX0sIkluZGV4IjoxMywiU21hcnREdXJhdGlvbkFjdGl2YXRlZCI6ZmFsc2UsIkRhdGVGb3JtYXQiOnsiJHJlZiI6IjEyNSJ9LCJJZCI6IjJmZGFkNDBkLWZkMTQtNDY3Yi05M2QwLWE3NTkyOTZmMjUxYSIsIkltcG9ydElkIjpudWxsLCJUaXRsZSI6IlN1Yi10YXNrIDMiLCJOb3RlIjpudWxsLCJIeXBlcmxpbmsiOm51bGwsIklzQ2hhbmdlZCI6ZmFsc2UsIklzTmV3Ijp0cnVlfSx7IiRpZCI6IjQzMiIsIkdyb3VwTmFtZSI6IjNmMDg1NTZlLTI4NDAtNDczNi05MWY0LWZjODBmZmY2OTUzYiIsIlN0YXJ0RGF0ZSI6IjIwMTctMDYtMTdUMDA6MDA6MDBaIiwiRW5kRGF0ZSI6IjIwMTctMDYtMTdUMjM6NTk6MDAiLCJQZXJjZW50YWdlQ29tcGxldGUiOm51bGwsIlN0eWxlIjp7IiRpZCI6IjQzMyIsIlNoYXBlIjo0LCJTaGFwZVRoaWNrbmVzcyI6MywiRHVyYXRpb25Gb3JtYXQiOjAsIkluY2x1ZGVOb25Xb3JraW5nRGF5c0luRHVyYXRpb24iOmZhbHNlLCJQZXJjZW50YWdlQ29tcGxldGVTdHlsZSI6eyIkaWQiOiI0MzQiLCJGb250U2V0dGluZ3MiOnsiJGlkIjoiNDM1IiwiRm9udFNpemUiOjEwLCJGb250TmFtZSI6IkNhbGlicmkiLCJJc0JvbGQiOmZhbHNlLCJJc0l0YWxpYyI6ZmFsc2UsIklzVW5kZXJsaW5lZCI6ZmFsc2UsIlBhcmVudFN0eWxlIjp7IiRyZWYiOiI4NCJ9fSwiQXV0b1NpemUiOjAsIkZvcmVncm91bmQiOnsiJHJlZiI6Ijg1In0sIk1heFdpZHRoIjoyMDAuMCwiTWF4SGVpZ2h0IjoiSW5maW5pdHkiLCJTbWFydEZvcmVncm91bmRJc0FjdGl2ZSI6ZmFsc2UsIkhvcml6b250YWxBbGlnbm1lbnQiOjAsIlZlcnRpY2FsQWxpZ25tZW50IjowLCJTbWFydEZvcmVncm91bmQiOm51bGwsIk1hcmdpbiI6eyIkcmVmIjoiODcifSwiUGFkZGluZyI6eyIkcmVmIjoiODgifSwiQmFja2dyb3VuZCI6eyIkcmVmIjoiODkifSwiSXNWaXNpYmxlIjp0cnVlLCJXaWR0aCI6MC4wLCJIZWlnaHQiOjAuMCwiQm9yZGVyU3R5bGUiOnsiJGlkIjoiNDM2IiwiTGluZUNvbG9yIjpudWxsLCJMaW5lV2VpZ2h0IjowLjAsIkxpbmVUeXBlIjowLCJQYXJlbnRTdHlsZSI6bnVsbH0sIlBhcmVudFN0eWxlIjp7IiRyZWYiOiI4MyJ9fSwiRHVyYXRpb25TdHlsZSI6eyIkaWQiOiI0MzciLCJGb250U2V0dGluZ3MiOnsiJGlkIjoiNDM4IiwiRm9udFNpemUiOjEwLCJGb250TmFtZSI6IkNhbGlicmkiLCJJc0JvbGQiOmZhbHNlLCJJc0l0YWxpYyI6ZmFsc2UsIklzVW5kZXJsaW5lZCI6ZmFsc2UsIlBhcmVudFN0eWxlIjp7IiRyZWYiOiI5MSJ9fSwiQXV0b1NpemUiOjAsIkZvcmVncm91bmQiOnsiJHJlZiI6IjkyIn0sIk1heFdpZHRoIjoyMDAuMCwiTWF4SGVpZ2h0IjoiSW5maW5pdHkiLCJTbWFydEZvcmVncm91bmRJc0FjdGl2ZSI6ZmFsc2UsIkhvcml6b250YWxBbGlnbm1lbnQiOjAsIlZlcnRpY2FsQWxpZ25tZW50IjowLCJTbWFydEZvcmVncm91bmQiOm51bGwsIk1hcmdpbiI6eyIkcmVmIjoiOTQifSwiUGFkZGluZyI6eyIkcmVmIjoiOTUifSwiQmFja2dyb3VuZCI6eyIkcmVmIjoiOTYifSwiSXNWaXNpYmxlIjp0cnVlLCJXaWR0aCI6MC4wLCJIZWlnaHQiOjAuMCwiQm9yZGVyU3R5bGUiOnsiJGlkIjoiNDM5IiwiTGluZUNvbG9yIjpudWxsLCJMaW5lV2VpZ2h0IjowLjAsIkxpbmVUeXBlIjowLCJQYXJlbnRTdHlsZSI6bnVsbH0sIlBhcmVudFN0eWxlIjp7IiRyZWYiOiI5MCJ9fSwiSG9yaXpvbnRhbENvbm5lY3RvclN0eWxlIjp7IiRpZCI6IjQ0MCIsIkxpbmVDb2xvciI6eyIkcmVmIjoiOTgifSwiTGluZVdlaWdodCI6MC4wLCJMaW5lVHlwZSI6MCwiUGFyZW50U3R5bGUiOnsiJHJlZiI6Ijk3In19LCJWZXJ0aWNhbENvbm5lY3RvclN0eWxlIjp7IiRpZCI6IjQ0MSIsIkxpbmVDb2xvciI6eyIkcmVmIjoiMTAxIn0sIkxpbmVXZWlnaHQiOjAuMCwiTGluZVR5cGUiOjAsIlBhcmVudFN0eWxlIjp7IiRyZWYiOiIxMDAifX0sIk1hcmdpbiI6bnVsbCwiU3RhcnREYXRlUG9zaXRpb24iOjYsIkVuZERhdGVQb3NpdGlvbiI6NiwiRGF0ZUlzVmlzaWJsZSI6ZmFsc2UsIlRpdGxlUG9zaXRpb24iOjQsIkR1cmF0aW9uUG9zaXRpb24iOjYsIlBlcmNlbnRhZ2VDb21wbGV0ZWRQb3NpdGlvbiI6MiwiU3BhY2luZyI6MTAsIklzQmVsb3dUaW1lYmFuZCI6ZmFsc2UsIlBlcmNlbnRhZ2VDb21wbGV0ZVNoYXBlT3BhY2l0eSI6MzUsIlNoYXBlU3R5bGUiOnsiJGlkIjoiNDQyIiwiTWFyZ2luIjp7IiRyZWYiOiIxMDQifSwiUGFkZGluZyI6eyIkaWQiOiI0NDMiLCJUb3AiOjAsIkxlZnQiOjAsIlJpZ2h0IjoyLCJCb3R0b20iOjB9LCJCYWNrZ3JvdW5kIjp7IiRpZCI6IjQ0NCIsIkNvbG9yIjp7IiRpZCI6IjQ0NSIsIkEiOjI1NSwiUiI6MTk3LCJHIjo5MCwiQiI6MTd9fSwiSXNWaXNpYmxlIjp0cnVlLCJXaWR0aCI6MC4wLCJIZWlnaHQiOjEyLjAsIkJvcmRlclN0eWxlIjp7IiRpZCI6IjQ0NiIsIkxpbmVDb2xvciI6eyIkaWQiOiI0NDciLCIkdHlwZSI6Ik5MUkUuQ29tbW9uLkRvbS5Tb2xpZENvbG9yQnJ1c2gsIE5MUkUuQ29tbW9uIiwiQ29sb3IiOnsiJGlkIjoiNDQ4IiwiQSI6MjU1LCJSIjoyNTUsIkciOjAsIkIiOjB9fSwiTGluZVdlaWdodCI6MC4wLCJMaW5lVHlwZSI6MCwiUGFyZW50U3R5bGUiOm51bGx9LCJQYXJlbnRTdHlsZSI6eyIkcmVmIjoiMTAzIn19LCJUaXRsZVN0eWxlIjp7IiRpZCI6IjQ0OSIsIkZvbnRTZXR0aW5ncyI6eyIkaWQiOiI0NTAiLCJGb250U2l6ZSI6OCwiRm9udE5hbWUiOiJDYWxpYnJpIiwiSXNCb2xkIjpmYWxzZSwiSXNJdGFsaWMiOmZhbHNlLCJJc1VuZGVybGluZWQiOmZhbHNlLCJQYXJlbnRTdHlsZSI6eyIkcmVmIjoiMTEyIn19LCJBdXRvU2l6ZSI6MiwiRm9yZWdyb3VuZCI6eyIkaWQiOiI0NTEiLCJDb2xvciI6eyIkaWQiOiI0NTIiLCJBIjoyNTUsIlIiOjExNSwiRyI6MTE1LCJCIjoxMTV9fSwiTWF4V2lkdGgiOjg2LjI1LCJNYXhIZWlnaHQiOiJJbmZpbml0eSIsIlNtYXJ0Rm9yZWdyb3VuZElzQWN0aXZlIjpmYWxzZSwiSG9yaXpvbnRhbEFsaWdubWVudCI6MiwiVmVydGljYWxBbGlnbm1lbnQiOjAsIlNtYXJ0Rm9yZWdyb3VuZCI6bnVsbCwiTWFyZ2luIjp7IiRyZWYiOiIxMTUifSwiUGFkZGluZyI6eyIkcmVmIjoiMTE2In0sIkJhY2tncm91bmQiOnsiJHJlZiI6IjExNyJ9LCJJc1Zpc2libGUiOnRydWUsIldpZHRoIjowLjAsIkhlaWdodCI6MC4wLCJCb3JkZXJTdHlsZSI6eyIkaWQiOiI0NTMiLCJMaW5lQ29sb3IiOm51bGwsIkxpbmVXZWlnaHQiOjAuMCwiTGluZVR5cGUiOjAsIlBhcmVudFN0eWxlIjpudWxsfSwiUGFyZW50U3R5bGUiOnsiJHJlZiI6IjExMSJ9fSwiRGF0ZVN0eWxlIjp7IiRpZCI6IjQ1NCIsIkZvbnRTZXR0aW5ncyI6eyIkaWQiOiI0NTUiLCJGb250U2l6ZSI6OCwiRm9udE5hbWUiOiJDYWxpYnJpIiwiSXNCb2xkIjpmYWxzZSwiSXNJdGFsaWMiOmZhbHNlLCJJc1VuZGVybGluZWQiOmZhbHNlLCJQYXJlbnRTdHlsZSI6eyIkcmVmIjoiMTE5In19LCJBdXRvU2l6ZSI6MCwiRm9yZWdyb3VuZCI6eyIkaWQiOiI0NTYiLCJDb2xvciI6eyIkaWQiOiI0NTciLCJBIjoyNTUsIlIiOjE5MSwiRyI6MTkxLCJCIjoxOTF9fSwiTWF4V2lkdGgiOjIwMC4wLCJNYXhIZWlnaHQiOiJJbmZpbml0eSIsIlNtYXJ0Rm9yZWdyb3VuZElzQWN0aXZlIjpmYWxzZSwiSG9yaXpvbnRhbEFsaWdubWVudCI6MCwiVmVydGljYWxBbGlnbm1lbnQiOjAsIlNtYXJ0Rm9yZWdyb3VuZCI6bnVsbCwiTWFyZ2luIjp7IiRyZWYiOiIxMjIifSwiUGFkZGluZyI6eyIkcmVmIjoiMTIzIn0sIkJhY2tncm91bmQiOnsiJHJlZiI6IjEyNCJ9LCJJc1Zpc2libGUiOnRydWUsIldpZHRoIjowLjAsIkhlaWdodCI6MC4wLCJCb3JkZXJTdHlsZSI6eyIkaWQiOiI0NTgiLCJMaW5lQ29sb3IiOm51bGwsIkxpbmVXZWlnaHQiOjAuMCwiTGluZVR5cGUiOjAsIlBhcmVudFN0eWxlIjpudWxsfSwiUGFyZW50U3R5bGUiOnsiJHJlZiI6IjExOCJ9fSwiRGF0ZUZvcm1hdCI6eyIkcmVmIjoiMTI1In0sIklzVmlzaWJsZSI6dHJ1ZSwiUGFyZW50U3R5bGUiOnsiJHJlZiI6IjgyIn19LCJJbmRleCI6MTQsIlNtYXJ0RHVyYXRpb25BY3RpdmF0ZWQiOmZhbHNlLCJEYXRlRm9ybWF0Ijp7IiRyZWYiOiIxMjUifSwiSWQiOiJhYzc3YmMxYi02MTU0LTQ2ODMtOWUwZS1iYTYzYzhkMTZhNzEiLCJJbXBvcnRJZCI6bnVsbCwiVGl0bGUiOiJTdWItdGFzayA0IC0gemVybyBkdXJhdGlvbiIsIk5vdGUiOm51bGwsIkh5cGVybGluayI6bnVsbCwiSXNDaGFuZ2VkIjpmYWxzZSwiSXNOZXciOnRydWV9LHsiJGlkIjoiNDU5IiwiR3JvdXBOYW1lIjpudWxsLCJTdGFydERhdGUiOiIyMDE3LTA2LTE4VDAwOjAwOjAwWiIsIkVuZERhdGUiOiIyMDE3LTA3LTAzVDIzOjU5OjAwWiIsIlBlcmNlbnRhZ2VDb21wbGV0ZSI6MTUuMCwiU3R5bGUiOnsiJGlkIjoiNDYwIiwiU2hhcGUiOjYsIlNoYXBlVGhpY2tuZXNzIjozLCJEdXJhdGlvbkZvcm1hdCI6MCwiSW5jbHVkZU5vbldvcmtpbmdEYXlzSW5EdXJhdGlvbiI6ZmFsc2UsIlBlcmNlbnRhZ2VDb21wbGV0ZVN0eWxlIjp7IiRpZCI6IjQ2MSIsIkZvbnRTZXR0aW5ncyI6eyIkaWQiOiI0NjIiLCJGb250U2l6ZSI6MTAsIkZvbnROYW1lIjoiQ2FsaWJyaSIsIklzQm9sZCI6ZmFsc2UsIklzSXRhbGljIjpmYWxzZSwiSXNVbmRlcmxpbmVkIjpmYWxzZSwiUGFyZW50U3R5bGUiOnsiJHJlZiI6Ijg0In19LCJBdXRvU2l6ZSI6MCwiRm9yZWdyb3VuZCI6eyIkcmVmIjoiODUifSwiTWF4V2lkdGgiOjIwMC4wLCJNYXhIZWlnaHQiOiJJbmZpbml0eSIsIlNtYXJ0Rm9yZWdyb3VuZElzQWN0aXZlIjpmYWxzZSwiSG9yaXpvbnRhbEFsaWdubWVudCI6MCwiVmVydGljYWxBbGlnbm1lbnQiOjAsIlNtYXJ0Rm9yZWdyb3VuZCI6bnVsbCwiTWFyZ2luIjp7IiRyZWYiOiI4NyJ9LCJQYWRkaW5nIjp7IiRyZWYiOiI4OCJ9LCJCYWNrZ3JvdW5kIjp7IiRyZWYiOiI4OSJ9LCJJc1Zpc2libGUiOnRydWUsIldpZHRoIjowLjAsIkhlaWdodCI6MC4wLCJCb3JkZXJTdHlsZSI6eyIkaWQiOiI0NjMiLCJMaW5lQ29sb3IiOm51bGwsIkxpbmVXZWlnaHQiOjAuMCwiTGluZVR5cGUiOjAsIlBhcmVudFN0eWxlIjpudWxsfSwiUGFyZW50U3R5bGUiOnsiJHJlZiI6IjgzIn19LCJEdXJhdGlvblN0eWxlIjp7IiRpZCI6IjQ2NCIsIkZvbnRTZXR0aW5ncyI6eyIkaWQiOiI0NjUiLCJGb250U2l6ZSI6MTAsIkZvbnROYW1lIjoiQ2FsaWJyaSIsIklzQm9sZCI6ZmFsc2UsIklzSXRhbGljIjpmYWxzZSwiSXNVbmRlcmxpbmVkIjpmYWxzZSwiUGFyZW50U3R5bGUiOnsiJHJlZiI6IjkxIn19LCJBdXRvU2l6ZSI6MCwiRm9yZWdyb3VuZCI6eyIkcmVmIjoiOTIifSwiTWF4V2lkdGgiOjIwMC4wLCJNYXhIZWlnaHQiOiJJbmZpbml0eSIsIlNtYXJ0Rm9yZWdyb3VuZElzQWN0aXZlIjpmYWxzZSwiSG9yaXpvbnRhbEFsaWdubWVudCI6MCwiVmVydGljYWxBbGlnbm1lbnQiOjAsIlNtYXJ0Rm9yZWdyb3VuZCI6bnVsbCwiTWFyZ2luIjp7IiRyZWYiOiI5NCJ9LCJQYWRkaW5nIjp7IiRyZWYiOiI5NSJ9LCJCYWNrZ3JvdW5kIjp7IiRyZWYiOiI5NiJ9LCJJc1Zpc2libGUiOnRydWUsIldpZHRoIjowLjAsIkhlaWdodCI6MC4wLCJCb3JkZXJTdHlsZSI6eyIkaWQiOiI0NjYiLCJMaW5lQ29sb3IiOm51bGwsIkxpbmVXZWlnaHQiOjAuMCwiTGluZVR5cGUiOjAsIlBhcmVudFN0eWxlIjpudWxsfSwiUGFyZW50U3R5bGUiOnsiJHJlZiI6IjkwIn19LCJIb3Jpem9udGFsQ29ubmVjdG9yU3R5bGUiOnsiJGlkIjoiNDY3IiwiTGluZUNvbG9yIjp7IiRyZWYiOiI5OCJ9LCJMaW5lV2VpZ2h0IjowLjAsIkxpbmVUeXBlIjowLCJQYXJlbnRTdHlsZSI6eyIkcmVmIjoiOTcifX0sIlZlcnRpY2FsQ29ubmVjdG9yU3R5bGUiOnsiJGlkIjoiNDY4IiwiTGluZUNvbG9yIjp7IiRpZCI6IjQ2OSIsIiR0eXBlIjoiTkxSRS5Db21tb24uRG9tLlNvbGlkQ29sb3JCcnVzaCwgTkxSRS5Db21tb24iLCJDb2xvciI6eyIkaWQiOiI0NzAiLCJBIjoyNTUsIlIiOjE3OCwiRyI6MTQsIkIiOjE4fX0sIkxpbmVXZWlnaHQiOjEuMCwiTGluZVR5cGUiOjAsIlBhcmVudFN0eWxlIjp7IiRyZWYiOiIxMDAifX0sIk1hcmdpbiI6bnVsbCwiU3RhcnREYXRlUG9zaXRpb24iOjQsIkVuZERhdGVQb3NpdGlvbiI6NCwiRGF0ZUlzVmlzaWJsZSI6dHJ1ZSwiVGl0bGVQb3NpdGlvbiI6MywiRHVyYXRpb25Qb3NpdGlvbiI6NiwiUGVyY2VudGFnZUNvbXBsZXRlZFBvc2l0aW9uIjo2LCJTcGFjaW5nIjoxMCwiSXNCZWxvd1RpbWViYW5kIjpmYWxzZSwiUGVyY2VudGFnZUNvbXBsZXRlU2hhcGVPcGFjaXR5IjozNSwiU2hhcGVTdHlsZSI6eyIkaWQiOiI0NzEiLCJNYXJnaW4iOnsiJHJlZiI6IjEwNCJ9LCJQYWRkaW5nIjp7IiRpZCI6IjQ3MiIsIlRvcCI6MywiTGVmdCI6MCwiUmlnaHQiOjAsIkJvdHRvbSI6NH0sIkJhY2tncm91bmQiOnsiJGlkIjoiNDczIiwiQ29sb3IiOnsiJGlkIjoiNDc0IiwiQSI6MjU1LCJSIjoyMTMsIkciOjE3LCJCIjoyMn19LCJJc1Zpc2libGUiOnRydWUsIldpZHRoIjowLjAsIkhlaWdodCI6MTYuNSwiQm9yZGVyU3R5bGUiOnsiJGlkIjoiNDc1IiwiTGluZUNvbG9yIjp7IiRpZCI6IjQ3NiIsIiR0eXBlIjoiTkxSRS5Db21tb24uRG9tLlNvbGlkQ29sb3JCcnVzaCwgTkxSRS5Db21tb24iLCJDb2xvciI6eyIkaWQiOiI0NzciLCJBIjoyNTUsIlIiOjI1NSwiRyI6MCwiQiI6MH19LCJMaW5lV2VpZ2h0IjowLjAsIkxpbmVUeXBlIjowLCJQYXJlbnRTdHlsZSI6bnVsbH0sIlBhcmVudFN0eWxlIjp7IiRyZWYiOiIxMDMifX0sIlRpdGxlU3R5bGUiOnsiJGlkIjoiNDc4IiwiRm9udFNldHRpbmdzIjp7IiRpZCI6IjQ3OSIsIkZvbnRTaXplIjo4LCJGb250TmFtZSI6IkNhbGlicmkiLCJJc0JvbGQiOnRydWUsIklzSXRhbGljIjpmYWxzZSwiSXNVbmRlcmxpbmVkIjpmYWxzZSwiUGFyZW50U3R5bGUiOnsiJHJlZiI6IjExMiJ9fSwiQXV0b1NpemUiOjIsIkZvcmVncm91bmQiOnsiJGlkIjoiNDgwIiwiQ29sb3IiOnsiJGlkIjoiNDgxIiwiQSI6MjU1LCJSIjowLCJHIjowLCJCIjowfX0sIk1heFdpZHRoIjozNi4wLCJNYXhIZWlnaHQiOiJJbmZpbml0eSIsIlNtYXJ0Rm9yZWdyb3VuZElzQWN0aXZlIjpmYWxzZSwiSG9yaXpvbnRhbEFsaWdubWVudCI6MiwiVmVydGljYWxBbGlnbm1lbnQiOjAsIlNtYXJ0Rm9yZWdyb3VuZCI6bnVsbCwiTWFyZ2luIjp7IiRyZWYiOiIxMTUifSwiUGFkZGluZyI6eyIkcmVmIjoiMTE2In0sIkJhY2tncm91bmQiOnsiJHJlZiI6IjExNyJ9LCJJc1Zpc2libGUiOnRydWUsIldpZHRoIjowLjAsIkhlaWdodCI6MC4wLCJCb3JkZXJTdHlsZSI6eyIkaWQiOiI0ODIiLCJMaW5lQ29sb3IiOm51bGwsIkxpbmVXZWlnaHQiOjAuMCwiTGluZVR5cGUiOjAsIlBhcmVudFN0eWxlIjpudWxsfSwiUGFyZW50U3R5bGUiOnsiJHJlZiI6IjExMSJ9fSwiRGF0ZVN0eWxlIjp7IiRpZCI6IjQ4MyIsIkZvbnRTZXR0aW5ncyI6eyIkaWQiOiI0ODQiLCJGb250U2l6ZSI6NywiRm9udE5hbWUiOiJDYWxpYnJpIiwiSXNCb2xkIjp0cnVlLCJJc0l0YWxpYyI6ZmFsc2UsIklzVW5kZXJsaW5lZCI6ZmFsc2UsIlBhcmVudFN0eWxlIjp7IiRyZWYiOiIxMTkifX0sIkF1dG9TaXplIjoyLCJGb3JlZ3JvdW5kIjp7IiRpZCI6IjQ4NSIsIkNvbG9yIjp7IiRpZCI6IjQ4NiIsIkEiOjI1NSwiUiI6MTc4LCJHIjoxNCwiQiI6MTh9fSwiTWF4V2lkdGgiOjM5Ljc1LCJNYXhIZWlnaHQiOiJJbmZpbml0eSIsIlNtYXJ0Rm9yZWdyb3VuZElzQWN0aXZlIjpmYWxzZSwiSG9yaXpvbnRhbEFsaWdubWVudCI6MCwiVmVydGljYWxBbGlnbm1lbnQiOjAsIlNtYXJ0Rm9yZWdyb3VuZCI6bnVsbCwiTWFyZ2luIjp7IiRyZWYiOiIxMjIifSwiUGFkZGluZyI6eyIkcmVmIjoiMTIzIn0sIkJhY2tncm91bmQiOnsiJHJlZiI6IjEyNCJ9LCJJc1Zpc2libGUiOnRydWUsIldpZHRoIjowLjAsIkhlaWdodCI6MC4wLCJCb3JkZXJTdHlsZSI6eyIkaWQiOiI0ODciLCJMaW5lQ29sb3IiOm51bGwsIkxpbmVXZWlnaHQiOjAuMCwiTGluZVR5cGUiOjAsIlBhcmVudFN0eWxlIjpudWxsfSwiUGFyZW50U3R5bGUiOnsiJHJlZiI6IjExOCJ9fSwiRGF0ZUZvcm1hdCI6eyIkaWQiOiI0ODgiLCJGb3JtYXRTdHJpbmciOiJNTU0gZCIsIlNlcGFyYXRvciI6Ii8iLCJVc2VJbnRlcm5hdGlvbmFsRGF0ZUZvcm1hdCI6ZmFsc2UsIkRhdGVJc1Zpc2libGUiOnRydWUsIlRpbWVJc1Zpc2libGUiOmZhbHNlLCJIb3VyRGlnaXRzIjoxLCJBbVBtRGVzaWduYXRvciI6MiwiVHJpbTAwTWludXRlcyI6ZmFsc2UsIkxhc3RLbm93blZpc2liaWxpdHlTdGF0ZSI6bnVsbH0sIklzVmlzaWJsZSI6dHJ1ZSwiUGFyZW50U3R5bGUiOnsiJHJlZiI6IjgyIn19LCJJbmRleCI6MTUsIlNtYXJ0RHVyYXRpb25BY3RpdmF0ZWQiOmZhbHNlLCJEYXRlRm9ybWF0Ijp7IiRyZWYiOiI0ODgifSwiSWQiOiJhMWZlMmRmMS1hZmI3LTRhMjQtYjQ4ZC1iOTViNmIzMzhiZjkiLCJJbXBvcnRJZCI6bnVsbCwiVGl0bGUiOiJTRUNUSU9OIDMiLCJOb3RlIjpudWxsLCJIeXBlcmxpbmsiOm51bGwsIklzQ2hhbmdlZCI6ZmFsc2UsIklzTmV3Ijp0cnVlfSx7IiRpZCI6IjQ4OSIsIkdyb3VwTmFtZSI6IjAxYzE2OTM3LTQyMDktNDUyNy04ZGM1LWY5NTJlY2YwNjJlYSIsIlN0YXJ0RGF0ZSI6IjIwMTctMDYtMThUMDA6MDA6MDBaIiwiRW5kRGF0ZSI6IjIwMTctMDYtMjNUMjM6NTk6MDAiLCJQZXJjZW50YWdlQ29tcGxldGUiOm51bGwsIlN0eWxlIjp7IiRpZCI6IjQ5MCIsIlNoYXBlIjo0LCJTaGFwZVRoaWNrbmVzcyI6MywiRHVyYXRpb25Gb3JtYXQiOjAsIkluY2x1ZGVOb25Xb3JraW5nRGF5c0luRHVyYXRpb24iOmZhbHNlLCJQZXJjZW50YWdlQ29tcGxldGVTdHlsZSI6eyIkaWQiOiI0OTEiLCJGb250U2V0dGluZ3MiOnsiJGlkIjoiNDkyIiwiRm9udFNpemUiOjEwLCJGb250TmFtZSI6IkNhbGlicmkiLCJJc0JvbGQiOmZhbHNlLCJJc0l0YWxpYyI6ZmFsc2UsIklzVW5kZXJsaW5lZCI6ZmFsc2UsIlBhcmVudFN0eWxlIjp7IiRyZWYiOiI4NCJ9fSwiQXV0b1NpemUiOjAsIkZvcmVncm91bmQiOnsiJHJlZiI6Ijg1In0sIk1heFdpZHRoIjoyMDAuMCwiTWF4SGVpZ2h0IjoiSW5maW5pdHkiLCJTbWFydEZvcmVncm91bmRJc0FjdGl2ZSI6ZmFsc2UsIkhvcml6b250YWxBbGlnbm1lbnQiOjAsIlZlcnRpY2FsQWxpZ25tZW50IjowLCJTbWFydEZvcmVncm91bmQiOm51bGwsIk1hcmdpbiI6eyIkcmVmIjoiODcifSwiUGFkZGluZyI6eyIkcmVmIjoiODgifSwiQmFja2dyb3VuZCI6eyIkcmVmIjoiODkifSwiSXNWaXNpYmxlIjp0cnVlLCJXaWR0aCI6MC4wLCJIZWlnaHQiOjAuMCwiQm9yZGVyU3R5bGUiOnsiJGlkIjoiNDkzIiwiTGluZUNvbG9yIjpudWxsLCJMaW5lV2VpZ2h0IjowLjAsIkxpbmVUeXBlIjowLCJQYXJlbnRTdHlsZSI6bnVsbH0sIlBhcmVudFN0eWxlIjp7IiRyZWYiOiI4MyJ9fSwiRHVyYXRpb25TdHlsZSI6eyIkaWQiOiI0OTQiLCJGb250U2V0dGluZ3MiOnsiJGlkIjoiNDk1IiwiRm9udFNpemUiOjEwLCJGb250TmFtZSI6IkNhbGlicmkiLCJJc0JvbGQiOmZhbHNlLCJJc0l0YWxpYyI6ZmFsc2UsIklzVW5kZXJsaW5lZCI6ZmFsc2UsIlBhcmVudFN0eWxlIjp7IiRyZWYiOiI5MSJ9fSwiQXV0b1NpemUiOjAsIkZvcmVncm91bmQiOnsiJHJlZiI6IjkyIn0sIk1heFdpZHRoIjoyMDAuMCwiTWF4SGVpZ2h0IjoiSW5maW5pdHkiLCJTbWFydEZvcmVncm91bmRJc0FjdGl2ZSI6ZmFsc2UsIkhvcml6b250YWxBbGlnbm1lbnQiOjAsIlZlcnRpY2FsQWxpZ25tZW50IjowLCJTbWFydEZvcmVncm91bmQiOm51bGwsIk1hcmdpbiI6eyIkcmVmIjoiOTQifSwiUGFkZGluZyI6eyIkcmVmIjoiOTUifSwiQmFja2dyb3VuZCI6eyIkcmVmIjoiOTYifSwiSXNWaXNpYmxlIjp0cnVlLCJXaWR0aCI6MC4wLCJIZWlnaHQiOjAuMCwiQm9yZGVyU3R5bGUiOnsiJGlkIjoiNDk2IiwiTGluZUNvbG9yIjpudWxsLCJMaW5lV2VpZ2h0IjowLjAsIkxpbmVUeXBlIjowLCJQYXJlbnRTdHlsZSI6bnVsbH0sIlBhcmVudFN0eWxlIjp7IiRyZWYiOiI5MCJ9fSwiSG9yaXpvbnRhbENvbm5lY3RvclN0eWxlIjp7IiRpZCI6IjQ5NyIsIkxpbmVDb2xvciI6eyIkcmVmIjoiOTgifSwiTGluZVdlaWdodCI6MC4wLCJMaW5lVHlwZSI6MCwiUGFyZW50U3R5bGUiOnsiJHJlZiI6Ijk3In19LCJWZXJ0aWNhbENvbm5lY3RvclN0eWxlIjp7IiRpZCI6IjQ5OCIsIkxpbmVDb2xvciI6eyIkcmVmIjoiMTAxIn0sIkxpbmVXZWlnaHQiOjAuMCwiTGluZVR5cGUiOjAsIlBhcmVudFN0eWxlIjp7IiRyZWYiOiIxMDAifX0sIk1hcmdpbiI6bnVsbCwiU3RhcnREYXRlUG9zaXRpb24iOjYsIkVuZERhdGVQb3NpdGlvbiI6NiwiRGF0ZUlzVmlzaWJsZSI6ZmFsc2UsIlRpdGxlUG9zaXRpb24iOjIsIkR1cmF0aW9uUG9zaXRpb24iOjYsIlBlcmNlbnRhZ2VDb21wbGV0ZWRQb3NpdGlvbiI6MiwiU3BhY2luZyI6MTAsIklzQmVsb3dUaW1lYmFuZCI6ZmFsc2UsIlBlcmNlbnRhZ2VDb21wbGV0ZVNoYXBlT3BhY2l0eSI6MzUsIlNoYXBlU3R5bGUiOnsiJGlkIjoiNDk5IiwiTWFyZ2luIjp7IiRyZWYiOiIxMDQifSwiUGFkZGluZyI6eyIkaWQiOiI1MDAiLCJUb3AiOjAsIkxlZnQiOjAsIlJpZ2h0IjoyLCJCb3R0b20iOjB9LCJCYWNrZ3JvdW5kIjp7IiRpZCI6IjUwMSIsIkNvbG9yIjp7IiRpZCI6IjUwMiIsIkEiOjI1NSwiUiI6NjgsIkciOjExNCwiQiI6MTk2fX0sIklzVmlzaWJsZSI6dHJ1ZSwiV2lkdGgiOjAuMCwiSGVpZ2h0IjoxMi4wLCJCb3JkZXJTdHlsZSI6eyIkaWQiOiI1MDMiLCJMaW5lQ29sb3IiOnsiJGlkIjoiNTA0IiwiJHR5cGUiOiJOTFJFLkNvbW1vbi5Eb20uU29saWRDb2xvckJydXNoLCBOTFJFLkNvbW1vbiIsIkNvbG9yIjp7IiRpZCI6IjUwNSIsIkEiOjI1NSwiUiI6MjU1LCJHIjowLCJCIjowfX0sIkxpbmVXZWlnaHQiOjAuMCwiTGluZVR5cGUiOjAsIlBhcmVudFN0eWxlIjpudWxsfSwiUGFyZW50U3R5bGUiOnsiJHJlZiI6IjEwMyJ9fSwiVGl0bGVTdHlsZSI6eyIkaWQiOiI1MDYiLCJGb250U2V0dGluZ3MiOnsiJGlkIjoiNTA3IiwiRm9udFNpemUiOjgsIkZvbnROYW1lIjoiQ2FsaWJyaSIsIklzQm9sZCI6ZmFsc2UsIklzSXRhbGljIjpmYWxzZSwiSXNVbmRlcmxpbmVkIjpmYWxzZSwiUGFyZW50U3R5bGUiOnsiJHJlZiI6IjExMiJ9fSwiQXV0b1NpemUiOjIsIkZvcmVncm91bmQiOnsiJGlkIjoiNTA4IiwiQ29sb3IiOnsiJGlkIjoiNTA5IiwiQSI6MjU1LCJSIjoyNTUsIkciOjI1NSwiQiI6MjU1fX0sIk1heFdpZHRoIjozNS4yNSwiTWF4SGVpZ2h0IjoiSW5maW5pdHkiLCJTbWFydEZvcmVncm91bmRJc0FjdGl2ZSI6ZmFsc2UsIkhvcml6b250YWxBbGlnbm1lbnQiOjIsIlZlcnRpY2FsQWxpZ25tZW50IjowLCJTbWFydEZvcmVncm91bmQiOm51bGwsIk1hcmdpbiI6eyIkcmVmIjoiMTE1In0sIlBhZGRpbmciOnsiJHJlZiI6IjExNiJ9LCJCYWNrZ3JvdW5kIjp7IiRyZWYiOiIxMTcifSwiSXNWaXNpYmxlIjp0cnVlLCJXaWR0aCI6MC4wLCJIZWlnaHQiOjAuMCwiQm9yZGVyU3R5bGUiOnsiJGlkIjoiNTEwIiwiTGluZUNvbG9yIjpudWxsLCJMaW5lV2VpZ2h0IjowLjAsIkxpbmVUeXBlIjowLCJQYXJlbnRTdHlsZSI6bnVsbH0sIlBhcmVudFN0eWxlIjp7IiRyZWYiOiIxMTEifX0sIkRhdGVTdHlsZSI6eyIkaWQiOiI1MTEiLCJGb250U2V0dGluZ3MiOnsiJGlkIjoiNTEyIiwiRm9udFNpemUiOjgsIkZvbnROYW1lIjoiQ2FsaWJyaSIsIklzQm9sZCI6ZmFsc2UsIklzSXRhbGljIjpmYWxzZSwiSXNVbmRlcmxpbmVkIjpmYWxzZSwiUGFyZW50U3R5bGUiOnsiJHJlZiI6IjExOSJ9fSwiQXV0b1NpemUiOjAsIkZvcmVncm91bmQiOnsiJGlkIjoiNTEzIiwiQ29sb3IiOnsiJGlkIjoiNTE0IiwiQSI6MjU1LCJSIjoxOTEsIkciOjE5MSwiQiI6MTkxfX0sIk1heFdpZHRoIjoyMDAuMCwiTWF4SGVpZ2h0IjoiSW5maW5pdHkiLCJTbWFydEZvcmVncm91bmRJc0FjdGl2ZSI6ZmFsc2UsIkhvcml6b250YWxBbGlnbm1lbnQiOjAsIlZlcnRpY2FsQWxpZ25tZW50IjowLCJTbWFydEZvcmVncm91bmQiOm51bGwsIk1hcmdpbiI6eyIkcmVmIjoiMTIyIn0sIlBhZGRpbmciOnsiJHJlZiI6IjEyMyJ9LCJCYWNrZ3JvdW5kIjp7IiRyZWYiOiIxMjQifSwiSXNWaXNpYmxlIjp0cnVlLCJXaWR0aCI6MC4wLCJIZWlnaHQiOjAuMCwiQm9yZGVyU3R5bGUiOnsiJGlkIjoiNTE1IiwiTGluZUNvbG9yIjpudWxsLCJMaW5lV2VpZ2h0IjowLjAsIkxpbmVUeXBlIjowLCJQYXJlbnRTdHlsZSI6bnVsbH0sIlBhcmVudFN0eWxlIjp7IiRyZWYiOiIxMTgifX0sIkRhdGVGb3JtYXQiOnsiJHJlZiI6IjEyNSJ9LCJJc1Zpc2libGUiOnRydWUsIlBhcmVudFN0eWxlIjp7IiRyZWYiOiI4MiJ9fSwiSW5kZXgiOjE2LCJTbWFydER1cmF0aW9uQWN0aXZhdGVkIjpmYWxzZSwiRGF0ZUZvcm1hdCI6eyIkcmVmIjoiMTI1In0sIklkIjoiYjI1MjhlMjUtZmI1Zi00MDE5LWEwMmItMDI5ZDdiMjNiODYyIiwiSW1wb3J0SWQiOm51bGwsIlRpdGxlIjoiU3ViLXRhc2sgMSIsIk5vdGUiOm51bGwsIkh5cGVybGluayI6bnVsbCwiSXNDaGFuZ2VkIjpmYWxzZSwiSXNOZXciOnRydWV9LHsiJGlkIjoiNTE2IiwiR3JvdXBOYW1lIjoiMDFjMTY5MzctNDIwOS00NTI3LThkYzUtZjk1MmVjZjA2MmVhIiwiU3RhcnREYXRlIjoiMjAxNy0wNi0yNFQwMDowMDowMFoiLCJFbmREYXRlIjoiMjAxNy0wNi0yOVQyMzo1OTowMFoiLCJQZXJjZW50YWdlQ29tcGxldGUiOm51bGwsIlN0eWxlIjp7IiRpZCI6IjUxNyIsIlNoYXBlIjo0LCJTaGFwZVRoaWNrbmVzcyI6MywiRHVyYXRpb25Gb3JtYXQiOjAsIkluY2x1ZGVOb25Xb3JraW5nRGF5c0luRHVyYXRpb24iOmZhbHNlLCJQZXJjZW50YWdlQ29tcGxldGVTdHlsZSI6eyIkaWQiOiI1MTgiLCJGb250U2V0dGluZ3MiOnsiJGlkIjoiNTE5IiwiRm9udFNpemUiOjEwLCJGb250TmFtZSI6IkNhbGlicmkiLCJJc0JvbGQiOmZhbHNlLCJJc0l0YWxpYyI6ZmFsc2UsIklzVW5kZXJsaW5lZCI6ZmFsc2UsIlBhcmVudFN0eWxlIjp7IiRyZWYiOiI4NCJ9fSwiQXV0b1NpemUiOjAsIkZvcmVncm91bmQiOnsiJHJlZiI6Ijg1In0sIk1heFdpZHRoIjoyMDAuMCwiTWF4SGVpZ2h0IjoiSW5maW5pdHkiLCJTbWFydEZvcmVncm91bmRJc0FjdGl2ZSI6ZmFsc2UsIkhvcml6b250YWxBbGlnbm1lbnQiOjAsIlZlcnRpY2FsQWxpZ25tZW50IjowLCJTbWFydEZvcmVncm91bmQiOm51bGwsIk1hcmdpbiI6eyIkcmVmIjoiODcifSwiUGFkZGluZyI6eyIkcmVmIjoiODgifSwiQmFja2dyb3VuZCI6eyIkcmVmIjoiODkifSwiSXNWaXNpYmxlIjp0cnVlLCJXaWR0aCI6MC4wLCJIZWlnaHQiOjAuMCwiQm9yZGVyU3R5bGUiOnsiJGlkIjoiNTIwIiwiTGluZUNvbG9yIjpudWxsLCJMaW5lV2VpZ2h0IjowLjAsIkxpbmVUeXBlIjowLCJQYXJlbnRTdHlsZSI6bnVsbH0sIlBhcmVudFN0eWxlIjp7IiRyZWYiOiI4MyJ9fSwiRHVyYXRpb25TdHlsZSI6eyIkaWQiOiI1MjEiLCJGb250U2V0dGluZ3MiOnsiJGlkIjoiNTIyIiwiRm9udFNpemUiOjEwLCJGb250TmFtZSI6IkNhbGlicmkiLCJJc0JvbGQiOmZhbHNlLCJJc0l0YWxpYyI6ZmFsc2UsIklzVW5kZXJsaW5lZCI6ZmFsc2UsIlBhcmVudFN0eWxlIjp7IiRyZWYiOiI5MSJ9fSwiQXV0b1NpemUiOjAsIkZvcmVncm91bmQiOnsiJHJlZiI6IjkyIn0sIk1heFdpZHRoIjoyMDAuMCwiTWF4SGVpZ2h0IjoiSW5maW5pdHkiLCJTbWFydEZvcmVncm91bmRJc0FjdGl2ZSI6ZmFsc2UsIkhvcml6b250YWxBbGlnbm1lbnQiOjAsIlZlcnRpY2FsQWxpZ25tZW50IjowLCJTbWFydEZvcmVncm91bmQiOm51bGwsIk1hcmdpbiI6eyIkcmVmIjoiOTQifSwiUGFkZGluZyI6eyIkcmVmIjoiOTUifSwiQmFja2dyb3VuZCI6eyIkcmVmIjoiOTYifSwiSXNWaXNpYmxlIjp0cnVlLCJXaWR0aCI6MC4wLCJIZWlnaHQiOjAuMCwiQm9yZGVyU3R5bGUiOnsiJGlkIjoiNTIzIiwiTGluZUNvbG9yIjpudWxsLCJMaW5lV2VpZ2h0IjowLjAsIkxpbmVUeXBlIjowLCJQYXJlbnRTdHlsZSI6bnVsbH0sIlBhcmVudFN0eWxlIjp7IiRyZWYiOiI5MCJ9fSwiSG9yaXpvbnRhbENvbm5lY3RvclN0eWxlIjp7IiRpZCI6IjUyNCIsIkxpbmVDb2xvciI6eyIkcmVmIjoiOTgifSwiTGluZVdlaWdodCI6MC4wLCJMaW5lVHlwZSI6MCwiUGFyZW50U3R5bGUiOnsiJHJlZiI6Ijk3In19LCJWZXJ0aWNhbENvbm5lY3RvclN0eWxlIjp7IiRpZCI6IjUyNSIsIkxpbmVDb2xvciI6eyIkcmVmIjoiMTAxIn0sIkxpbmVXZWlnaHQiOjAuMCwiTGluZVR5cGUiOjAsIlBhcmVudFN0eWxlIjp7IiRyZWYiOiIxMDAifX0sIk1hcmdpbiI6bnVsbCwiU3RhcnREYXRlUG9zaXRpb24iOjYsIkVuZERhdGVQb3NpdGlvbiI6NiwiRGF0ZUlzVmlzaWJsZSI6ZmFsc2UsIlRpdGxlUG9zaXRpb24iOjIsIkR1cmF0aW9uUG9zaXRpb24iOjYsIlBlcmNlbnRhZ2VDb21wbGV0ZWRQb3NpdGlvbiI6MiwiU3BhY2luZyI6MTAsIklzQmVsb3dUaW1lYmFuZCI6ZmFsc2UsIlBlcmNlbnRhZ2VDb21wbGV0ZVNoYXBlT3BhY2l0eSI6MzUsIlNoYXBlU3R5bGUiOnsiJGlkIjoiNTI2IiwiTWFyZ2luIjp7IiRyZWYiOiIxMDQifSwiUGFkZGluZyI6eyIkaWQiOiI1MjciLCJUb3AiOjAsIkxlZnQiOjAsIlJpZ2h0IjoyLCJCb3R0b20iOjB9LCJCYWNrZ3JvdW5kIjp7IiRpZCI6IjUyOCIsIkNvbG9yIjp7IiRpZCI6IjUyOSIsIkEiOjI1NSwiUiI6ODQsIkciOjEzMCwiQiI6NTN9fSwiSXNWaXNpYmxlIjp0cnVlLCJXaWR0aCI6MC4wLCJIZWlnaHQiOjEyLjAsIkJvcmRlclN0eWxlIjp7IiRpZCI6IjUzMCIsIkxpbmVDb2xvciI6eyIkaWQiOiI1MzEiLCIkdHlwZSI6Ik5MUkUuQ29tbW9uLkRvbS5Tb2xpZENvbG9yQnJ1c2gsIE5MUkUuQ29tbW9uIiwiQ29sb3IiOnsiJGlkIjoiNTMyIiwiQSI6MjU1LCJSIjoyNTUsIkciOjAsIkIiOjB9fSwiTGluZVdlaWdodCI6MC4wLCJMaW5lVHlwZSI6MCwiUGFyZW50U3R5bGUiOm51bGx9LCJQYXJlbnRTdHlsZSI6eyIkcmVmIjoiMTAzIn19LCJUaXRsZVN0eWxlIjp7IiRpZCI6IjUzMyIsIkZvbnRTZXR0aW5ncyI6eyIkaWQiOiI1MzQiLCJGb250U2l6ZSI6OCwiRm9udE5hbWUiOiJDYWxpYnJpIiwiSXNCb2xkIjpmYWxzZSwiSXNJdGFsaWMiOmZhbHNlLCJJc1VuZGVybGluZWQiOmZhbHNlLCJQYXJlbnRTdHlsZSI6eyIkcmVmIjoiMTEyIn19LCJBdXRvU2l6ZSI6MiwiRm9yZWdyb3VuZCI6eyIkaWQiOiI1MzUiLCJDb2xvciI6eyIkaWQiOiI1MzYiLCJBIjoyNTUsIlIiOjI1NSwiRyI6MjU1LCJCIjoyNTV9fSwiTWF4V2lkdGgiOjM1LjI1LCJNYXhIZWlnaHQiOiJJbmZpbml0eSIsIlNtYXJ0Rm9yZWdyb3VuZElzQWN0aXZlIjpmYWxzZSwiSG9yaXpvbnRhbEFsaWdubWVudCI6MiwiVmVydGljYWxBbGlnbm1lbnQiOjAsIlNtYXJ0Rm9yZWdyb3VuZCI6bnVsbCwiTWFyZ2luIjp7IiRyZWYiOiIxMTUifSwiUGFkZGluZyI6eyIkcmVmIjoiMTE2In0sIkJhY2tncm91bmQiOnsiJHJlZiI6IjExNyJ9LCJJc1Zpc2libGUiOnRydWUsIldpZHRoIjowLjAsIkhlaWdodCI6MC4wLCJCb3JkZXJTdHlsZSI6eyIkaWQiOiI1MzciLCJMaW5lQ29sb3IiOm51bGwsIkxpbmVXZWlnaHQiOjAuMCwiTGluZVR5cGUiOjAsIlBhcmVudFN0eWxlIjpudWxsfSwiUGFyZW50U3R5bGUiOnsiJHJlZiI6IjExMSJ9fSwiRGF0ZVN0eWxlIjp7IiRpZCI6IjUzOCIsIkZvbnRTZXR0aW5ncyI6eyIkaWQiOiI1MzkiLCJGb250U2l6ZSI6OCwiRm9udE5hbWUiOiJDYWxpYnJpIiwiSXNCb2xkIjpmYWxzZSwiSXNJdGFsaWMiOmZhbHNlLCJJc1VuZGVybGluZWQiOmZhbHNlLCJQYXJlbnRTdHlsZSI6eyIkcmVmIjoiMTE5In19LCJBdXRvU2l6ZSI6MCwiRm9yZWdyb3VuZCI6eyIkaWQiOiI1NDAiLCJDb2xvciI6eyIkaWQiOiI1NDEiLCJBIjoyNTUsIlIiOjE5MSwiRyI6MTkxLCJCIjoxOTF9fSwiTWF4V2lkdGgiOjIwMC4wLCJNYXhIZWlnaHQiOiJJbmZpbml0eSIsIlNtYXJ0Rm9yZWdyb3VuZElzQWN0aXZlIjpmYWxzZSwiSG9yaXpvbnRhbEFsaWdubWVudCI6MCwiVmVydGljYWxBbGlnbm1lbnQiOjAsIlNtYXJ0Rm9yZWdyb3VuZCI6bnVsbCwiTWFyZ2luIjp7IiRyZWYiOiIxMjIifSwiUGFkZGluZyI6eyIkcmVmIjoiMTIzIn0sIkJhY2tncm91bmQiOnsiJHJlZiI6IjEyNCJ9LCJJc1Zpc2libGUiOnRydWUsIldpZHRoIjowLjAsIkhlaWdodCI6MC4wLCJCb3JkZXJTdHlsZSI6eyIkaWQiOiI1NDIiLCJMaW5lQ29sb3IiOm51bGwsIkxpbmVXZWlnaHQiOjAuMCwiTGluZVR5cGUiOjAsIlBhcmVudFN0eWxlIjpudWxsfSwiUGFyZW50U3R5bGUiOnsiJHJlZiI6IjExOCJ9fSwiRGF0ZUZvcm1hdCI6eyIkcmVmIjoiMTI1In0sIklzVmlzaWJsZSI6dHJ1ZSwiUGFyZW50U3R5bGUiOnsiJHJlZiI6IjgyIn19LCJJbmRleCI6MTcsIlNtYXJ0RHVyYXRpb25BY3RpdmF0ZWQiOmZhbHNlLCJEYXRlRm9ybWF0Ijp7IiRyZWYiOiIxMjUifSwiSWQiOiJhYzFlZjQxNC0wMjNiLTQ5OGEtYjQzOC0yODUwNjZkNzg5ZWYiLCJJbXBvcnRJZCI6bnVsbCwiVGl0bGUiOiJTdWItdGFzayAyIiwiTm90ZSI6bnVsbCwiSHlwZXJsaW5rIjpudWxsLCJJc0NoYW5nZWQiOmZhbHNlLCJJc05ldyI6dHJ1ZX0seyIkaWQiOiI1NDMiLCJHcm91cE5hbWUiOiIwMWMxNjkzNy00MjA5LTQ1MjctOGRjNS1mOTUyZWNmMDYyZWEiLCJTdGFydERhdGUiOiIyMDE3LTA2LTMwVDAwOjAwOjAwWiIsIkVuZERhdGUiOiIyMDE3LTA3LTAzVDIzOjU5OjAwIiwiUGVyY2VudGFnZUNvbXBsZXRlIjpudWxsLCJTdHlsZSI6eyIkaWQiOiI1NDQiLCJTaGFwZSI6NCwiU2hhcGVUaGlja25lc3MiOjMsIkR1cmF0aW9uRm9ybWF0IjowLCJJbmNsdWRlTm9uV29ya2luZ0RheXNJbkR1cmF0aW9uIjpmYWxzZSwiUGVyY2VudGFnZUNvbXBsZXRlU3R5bGUiOnsiJGlkIjoiNTQ1IiwiRm9udFNldHRpbmdzIjp7IiRpZCI6IjU0NiIsIkZvbnRTaXplIjoxMCwiRm9udE5hbWUiOiJDYWxpYnJpIiwiSXNCb2xkIjpmYWxzZSwiSXNJdGFsaWMiOmZhbHNlLCJJc1VuZGVybGluZWQiOmZhbHNlLCJQYXJlbnRTdHlsZSI6eyIkcmVmIjoiODQifX0sIkF1dG9TaXplIjowLCJGb3JlZ3JvdW5kIjp7IiRyZWYiOiI4NSJ9LCJNYXhXaWR0aCI6MjAwLjAsIk1heEhlaWdodCI6IkluZmluaXR5IiwiU21hcnRGb3JlZ3JvdW5kSXNBY3RpdmUiOmZhbHNlLCJIb3Jpem9udGFsQWxpZ25tZW50IjowLCJWZXJ0aWNhbEFsaWdubWVudCI6MCwiU21hcnRGb3JlZ3JvdW5kIjpudWxsLCJNYXJnaW4iOnsiJHJlZiI6Ijg3In0sIlBhZGRpbmciOnsiJHJlZiI6Ijg4In0sIkJhY2tncm91bmQiOnsiJHJlZiI6Ijg5In0sIklzVmlzaWJsZSI6dHJ1ZSwiV2lkdGgiOjAuMCwiSGVpZ2h0IjowLjAsIkJvcmRlclN0eWxlIjp7IiRpZCI6IjU0NyIsIkxpbmVDb2xvciI6bnVsbCwiTGluZVdlaWdodCI6MC4wLCJMaW5lVHlwZSI6MCwiUGFyZW50U3R5bGUiOm51bGx9LCJQYXJlbnRTdHlsZSI6eyIkcmVmIjoiODMifX0sIkR1cmF0aW9uU3R5bGUiOnsiJGlkIjoiNTQ4IiwiRm9udFNldHRpbmdzIjp7IiRpZCI6IjU0OSIsIkZvbnRTaXplIjoxMCwiRm9udE5hbWUiOiJDYWxpYnJpIiwiSXNCb2xkIjpmYWxzZSwiSXNJdGFsaWMiOmZhbHNlLCJJc1VuZGVybGluZWQiOmZhbHNlLCJQYXJlbnRTdHlsZSI6eyIkcmVmIjoiOTEifX0sIkF1dG9TaXplIjowLCJGb3JlZ3JvdW5kIjp7IiRyZWYiOiI5MiJ9LCJNYXhXaWR0aCI6MjAwLjAsIk1heEhlaWdodCI6IkluZmluaXR5IiwiU21hcnRGb3JlZ3JvdW5kSXNBY3RpdmUiOmZhbHNlLCJIb3Jpem9udGFsQWxpZ25tZW50IjowLCJWZXJ0aWNhbEFsaWdubWVudCI6MCwiU21hcnRGb3JlZ3JvdW5kIjpudWxsLCJNYXJnaW4iOnsiJHJlZiI6Ijk0In0sIlBhZGRpbmciOnsiJHJlZiI6Ijk1In0sIkJhY2tncm91bmQiOnsiJHJlZiI6Ijk2In0sIklzVmlzaWJsZSI6dHJ1ZSwiV2lkdGgiOjAuMCwiSGVpZ2h0IjowLjAsIkJvcmRlclN0eWxlIjp7IiRpZCI6IjU1MCIsIkxpbmVDb2xvciI6bnVsbCwiTGluZVdlaWdodCI6MC4wLCJMaW5lVHlwZSI6MCwiUGFyZW50U3R5bGUiOm51bGx9LCJQYXJlbnRTdHlsZSI6eyIkcmVmIjoiOTAifX0sIkhvcml6b250YWxDb25uZWN0b3JTdHlsZSI6eyIkaWQiOiI1NTEiLCJMaW5lQ29sb3IiOnsiJHJlZiI6Ijk4In0sIkxpbmVXZWlnaHQiOjAuMCwiTGluZVR5cGUiOjAsIlBhcmVudFN0eWxlIjp7IiRyZWYiOiI5NyJ9fSwiVmVydGljYWxDb25uZWN0b3JTdHlsZSI6eyIkaWQiOiI1NTIiLCJMaW5lQ29sb3IiOnsiJHJlZiI6IjEwMSJ9LCJMaW5lV2VpZ2h0IjowLjAsIkxpbmVUeXBlIjowLCJQYXJlbnRTdHlsZSI6eyIkcmVmIjoiMTAwIn19LCJNYXJnaW4iOm51bGwsIlN0YXJ0RGF0ZVBvc2l0aW9uIjo2LCJFbmREYXRlUG9zaXRpb24iOjYsIkRhdGVJc1Zpc2libGUiOmZhbHNlLCJUaXRsZVBvc2l0aW9uIjo0LCJEdXJhdGlvblBvc2l0aW9uIjo2LCJQZXJjZW50YWdlQ29tcGxldGVkUG9zaXRpb24iOjIsIlNwYWNpbmciOjEwLCJJc0JlbG93VGltZWJhbmQiOmZhbHNlLCJQZXJjZW50YWdlQ29tcGxldGVTaGFwZU9wYWNpdHkiOjM1LCJTaGFwZVN0eWxlIjp7IiRpZCI6IjU1MyIsIk1hcmdpbiI6eyIkcmVmIjoiMTA0In0sIlBhZGRpbmciOnsiJGlkIjoiNTU0IiwiVG9wIjowLCJMZWZ0IjowLCJSaWdodCI6MiwiQm90dG9tIjowfSwiQmFja2dyb3VuZCI6eyIkaWQiOiI1NTUiLCJDb2xvciI6eyIkaWQiOiI1NTYiLCJBIjoyNTUsIlIiOjY4LCJHIjo4NCwiQiI6MTA2fX0sIklzVmlzaWJsZSI6dHJ1ZSwiV2lkdGgiOjAuMCwiSGVpZ2h0IjoxMi4wLCJCb3JkZXJTdHlsZSI6eyIkaWQiOiI1NTciLCJMaW5lQ29sb3IiOnsiJGlkIjoiNTU4IiwiJHR5cGUiOiJOTFJFLkNvbW1vbi5Eb20uU29saWRDb2xvckJydXNoLCBOTFJFLkNvbW1vbiIsIkNvbG9yIjp7IiRpZCI6IjU1OSIsIkEiOjI1NSwiUiI6MjU1LCJHIjowLCJCIjowfX0sIkxpbmVXZWlnaHQiOjAuMCwiTGluZVR5cGUiOjAsIlBhcmVudFN0eWxlIjpudWxsfSwiUGFyZW50U3R5bGUiOnsiJHJlZiI6IjEwMyJ9fSwiVGl0bGVTdHlsZSI6eyIkaWQiOiI1NjAiLCJGb250U2V0dGluZ3MiOnsiJGlkIjoiNTYxIiwiRm9udFNpemUiOjgsIkZvbnROYW1lIjoiQ2FsaWJyaSIsIklzQm9sZCI6ZmFsc2UsIklzSXRhbGljIjpmYWxzZSwiSXNVbmRlcmxpbmVkIjpmYWxzZSwiUGFyZW50U3R5bGUiOnsiJHJlZiI6IjExMiJ9fSwiQXV0b1NpemUiOjIsIkZvcmVncm91bmQiOnsiJGlkIjoiNTYyIiwiQ29sb3IiOnsiJGlkIjoiNTYzIiwiQSI6MjU1LCJSIjoxMTUsIkciOjExNSwiQiI6MTE1fX0sIk1heFdpZHRoIjo0OC43NSwiTWF4SGVpZ2h0IjoiSW5maW5pdHkiLCJTbWFydEZvcmVncm91bmRJc0FjdGl2ZSI6ZmFsc2UsIkhvcml6b250YWxBbGlnbm1lbnQiOjIsIlZlcnRpY2FsQWxpZ25tZW50IjowLCJTbWFydEZvcmVncm91bmQiOm51bGwsIk1hcmdpbiI6eyIkcmVmIjoiMTE1In0sIlBhZGRpbmciOnsiJHJlZiI6IjExNiJ9LCJCYWNrZ3JvdW5kIjp7IiRyZWYiOiIxMTcifSwiSXNWaXNpYmxlIjp0cnVlLCJXaWR0aCI6MC4wLCJIZWlnaHQiOjAuMCwiQm9yZGVyU3R5bGUiOnsiJGlkIjoiNTY0IiwiTGluZUNvbG9yIjpudWxsLCJMaW5lV2VpZ2h0IjowLjAsIkxpbmVUeXBlIjowLCJQYXJlbnRTdHlsZSI6bnVsbH0sIlBhcmVudFN0eWxlIjp7IiRyZWYiOiIxMTEifX0sIkRhdGVTdHlsZSI6eyIkaWQiOiI1NjUiLCJGb250U2V0dGluZ3MiOnsiJGlkIjoiNTY2IiwiRm9udFNpemUiOjgsIkZvbnROYW1lIjoiQ2FsaWJyaSIsIklzQm9sZCI6ZmFsc2UsIklzSXRhbGljIjpmYWxzZSwiSXNVbmRlcmxpbmVkIjpmYWxzZSwiUGFyZW50U3R5bGUiOnsiJHJlZiI6IjExOSJ9fSwiQXV0b1NpemUiOjAsIkZvcmVncm91bmQiOnsiJGlkIjoiNTY3IiwiQ29sb3IiOnsiJGlkIjoiNTY4IiwiQSI6MjU1LCJSIjoxOTEsIkciOjE5MSwiQiI6MTkxfX0sIk1heFdpZHRoIjoyMDAuMCwiTWF4SGVpZ2h0IjoiSW5maW5pdHkiLCJTbWFydEZvcmVncm91bmRJc0FjdGl2ZSI6ZmFsc2UsIkhvcml6b250YWxBbGlnbm1lbnQiOjAsIlZlcnRpY2FsQWxpZ25tZW50IjowLCJTbWFydEZvcmVncm91bmQiOm51bGwsIk1hcmdpbiI6eyIkcmVmIjoiMTIyIn0sIlBhZGRpbmciOnsiJHJlZiI6IjEyMyJ9LCJCYWNrZ3JvdW5kIjp7IiRyZWYiOiIxMjQifSwiSXNWaXNpYmxlIjp0cnVlLCJXaWR0aCI6MC4wLCJIZWlnaHQiOjAuMCwiQm9yZGVyU3R5bGUiOnsiJGlkIjoiNTY5IiwiTGluZUNvbG9yIjpudWxsLCJMaW5lV2VpZ2h0IjowLjAsIkxpbmVUeXBlIjowLCJQYXJlbnRTdHlsZSI6bnVsbH0sIlBhcmVudFN0eWxlIjp7IiRyZWYiOiIxMTgifX0sIkRhdGVGb3JtYXQiOnsiJHJlZiI6IjEyNSJ9LCJJc1Zpc2libGUiOnRydWUsIlBhcmVudFN0eWxlIjp7IiRyZWYiOiI4MiJ9fSwiSW5kZXgiOjE4LCJTbWFydER1cmF0aW9uQWN0aXZhdGVkIjpmYWxzZSwiRGF0ZUZvcm1hdCI6eyIkcmVmIjoiMTI1In0sIklkIjoiN2I2ZmJhMjEtNDRjZi00NjNlLThiOWQtYWYwMjZjNzQ1YTZkIiwiSW1wb3J0SWQiOm51bGwsIlRpdGxlIjoiU3ViLXNlY3Rpb25zIDEiLCJOb3RlIjpudWxsLCJIeXBlcmxpbmsiOm51bGwsIklzQ2hhbmdlZCI6ZmFsc2UsIklzTmV3Ijp0cnVlfSx7IiRpZCI6IjU3MCIsIkdyb3VwTmFtZSI6bnVsbCwiU3RhcnREYXRlIjoiMjAxNy0wNi0yN1QwMDowMDowMFoiLCJFbmREYXRlIjoiMjAxNy0wNy0wMlQyMzo1OTowMFoiLCJQZXJjZW50YWdlQ29tcGxldGUiOm51bGwsIlN0eWxlIjp7IiRpZCI6IjU3MSIsIlNoYXBlIjo2LCJTaGFwZVRoaWNrbmVzcyI6MywiRHVyYXRpb25Gb3JtYXQiOjAsIkluY2x1ZGVOb25Xb3JraW5nRGF5c0luRHVyYXRpb24iOmZhbHNlLCJQZXJjZW50YWdlQ29tcGxldGVTdHlsZSI6eyIkaWQiOiI1NzIiLCJGb250U2V0dGluZ3MiOnsiJGlkIjoiNTczIiwiRm9udFNpemUiOjEwLCJGb250TmFtZSI6IkNhbGlicmkiLCJJc0JvbGQiOmZhbHNlLCJJc0l0YWxpYyI6ZmFsc2UsIklzVW5kZXJsaW5lZCI6ZmFsc2UsIlBhcmVudFN0eWxlIjp7IiRyZWYiOiI4NCJ9fSwiQXV0b1NpemUiOjAsIkZvcmVncm91bmQiOnsiJHJlZiI6Ijg1In0sIk1heFdpZHRoIjoyMDAuMCwiTWF4SGVpZ2h0IjoiSW5maW5pdHkiLCJTbWFydEZvcmVncm91bmRJc0FjdGl2ZSI6ZmFsc2UsIkhvcml6b250YWxBbGlnbm1lbnQiOjAsIlZlcnRpY2FsQWxpZ25tZW50IjowLCJTbWFydEZvcmVncm91bmQiOm51bGwsIk1hcmdpbiI6eyIkcmVmIjoiODcifSwiUGFkZGluZyI6eyIkcmVmIjoiODgifSwiQmFja2dyb3VuZCI6eyIkcmVmIjoiODkifSwiSXNWaXNpYmxlIjp0cnVlLCJXaWR0aCI6MC4wLCJIZWlnaHQiOjAuMCwiQm9yZGVyU3R5bGUiOnsiJGlkIjoiNTc0IiwiTGluZUNvbG9yIjpudWxsLCJMaW5lV2VpZ2h0IjowLjAsIkxpbmVUeXBlIjowLCJQYXJlbnRTdHlsZSI6bnVsbH0sIlBhcmVudFN0eWxlIjp7IiRyZWYiOiI4MyJ9fSwiRHVyYXRpb25TdHlsZSI6eyIkaWQiOiI1NzUiLCJGb250U2V0dGluZ3MiOnsiJGlkIjoiNTc2IiwiRm9udFNpemUiOjEwLCJGb250TmFtZSI6IkNhbGlicmkiLCJJc0JvbGQiOmZhbHNlLCJJc0l0YWxpYyI6ZmFsc2UsIklzVW5kZXJsaW5lZCI6ZmFsc2UsIlBhcmVudFN0eWxlIjp7IiRyZWYiOiI5MSJ9fSwiQXV0b1NpemUiOjAsIkZvcmVncm91bmQiOnsiJHJlZiI6IjkyIn0sIk1heFdpZHRoIjoyMDAuMCwiTWF4SGVpZ2h0IjoiSW5maW5pdHkiLCJTbWFydEZvcmVncm91bmRJc0FjdGl2ZSI6ZmFsc2UsIkhvcml6b250YWxBbGlnbm1lbnQiOjAsIlZlcnRpY2FsQWxpZ25tZW50IjowLCJTbWFydEZvcmVncm91bmQiOm51bGwsIk1hcmdpbiI6eyIkcmVmIjoiOTQifSwiUGFkZGluZyI6eyIkcmVmIjoiOTUifSwiQmFja2dyb3VuZCI6eyIkcmVmIjoiOTYifSwiSXNWaXNpYmxlIjp0cnVlLCJXaWR0aCI6MC4wLCJIZWlnaHQiOjAuMCwiQm9yZGVyU3R5bGUiOnsiJGlkIjoiNTc3IiwiTGluZUNvbG9yIjpudWxsLCJMaW5lV2VpZ2h0IjowLjAsIkxpbmVUeXBlIjowLCJQYXJlbnRTdHlsZSI6bnVsbH0sIlBhcmVudFN0eWxlIjp7IiRyZWYiOiI5MCJ9fSwiSG9yaXpvbnRhbENvbm5lY3RvclN0eWxlIjp7IiRpZCI6IjU3OCIsIkxpbmVDb2xvciI6eyIkcmVmIjoiOTgifSwiTGluZVdlaWdodCI6MC4wLCJMaW5lVHlwZSI6MCwiUGFyZW50U3R5bGUiOnsiJHJlZiI6Ijk3In19LCJWZXJ0aWNhbENvbm5lY3RvclN0eWxlIjp7IiRpZCI6IjU3OSIsIkxpbmVDb2xvciI6eyIkcmVmIjoiMTAxIn0sIkxpbmVXZWlnaHQiOjAuMCwiTGluZVR5cGUiOjAsIlBhcmVudFN0eWxlIjp7IiRyZWYiOiIxMDAifX0sIk1hcmdpbiI6bnVsbCwiU3RhcnREYXRlUG9zaXRpb24iOjQsIkVuZERhdGVQb3NpdGlvbiI6NCwiRGF0ZUlzVmlzaWJsZSI6dHJ1ZSwiVGl0bGVQb3NpdGlvbiI6MywiRHVyYXRpb25Qb3NpdGlvbiI6NiwiUGVyY2VudGFnZUNvbXBsZXRlZFBvc2l0aW9uIjo2LCJTcGFjaW5nIjoxMCwiSXNCZWxvd1RpbWViYW5kIjpmYWxzZSwiUGVyY2VudGFnZUNvbXBsZXRlU2hhcGVPcGFjaXR5IjozNSwiU2hhcGVTdHlsZSI6eyIkaWQiOiI1ODAiLCJNYXJnaW4iOnsiJHJlZiI6IjEwNCJ9LCJQYWRkaW5nIjp7IiRpZCI6IjU4MSIsIlRvcCI6MCwiTGVmdCI6MCwiUmlnaHQiOjIsIkJvdHRvbSI6MH0sIkJhY2tncm91bmQiOnsiJGlkIjoiNTgyIiwiQ29sb3IiOnsiJGlkIjoiNTgzIiwiQSI6MjU1LCJSIjo5MSwiRyI6MTU1LCJCIjoyMTN9fSwiSXNWaXNpYmxlIjp0cnVlLCJXaWR0aCI6MC4wLCJIZWlnaHQiOjE2LjUsIkJvcmRlclN0eWxlIjp7IiRpZCI6IjU4NCIsIkxpbmVDb2xvciI6eyIkaWQiOiI1ODUiLCIkdHlwZSI6Ik5MUkUuQ29tbW9uLkRvbS5Tb2xpZENvbG9yQnJ1c2gsIE5MUkUuQ29tbW9uIiwiQ29sb3IiOnsiJGlkIjoiNTg2IiwiQSI6MjU1LCJSIjoyNTUsIkciOjAsIkIiOjB9fSwiTGluZVdlaWdodCI6MC4wLCJMaW5lVHlwZSI6MCwiUGFyZW50U3R5bGUiOm51bGx9LCJQYXJlbnRTdHlsZSI6eyIkcmVmIjoiMTAzIn19LCJUaXRsZVN0eWxlIjp7IiRpZCI6IjU4NyIsIkZvbnRTZXR0aW5ncyI6eyIkaWQiOiI1ODgiLCJGb250U2l6ZSI6OCwiRm9udE5hbWUiOiJDYWxpYnJpIiwiSXNCb2xkIjpmYWxzZSwiSXNJdGFsaWMiOmZhbHNlLCJJc1VuZGVybGluZWQiOmZhbHNlLCJQYXJlbnRTdHlsZSI6eyIkcmVmIjoiMTEyIn19LCJBdXRvU2l6ZSI6MiwiRm9yZWdyb3VuZCI6eyIkaWQiOiI1ODkiLCJDb2xvciI6eyIkaWQiOiI1OTAiLCJBIjoyNTUsIlIiOjExNSwiRyI6MTE1LCJCIjoxMTV9fSwiTWF4V2lkdGgiOjQ5LjUsIk1heEhlaWdodCI6IkluZmluaXR5IiwiU21hcnRGb3JlZ3JvdW5kSXNBY3RpdmUiOmZhbHNlLCJIb3Jpem9udGFsQWxpZ25tZW50IjoyLCJWZXJ0aWNhbEFsaWdubWVudCI6MCwiU21hcnRGb3JlZ3JvdW5kIjpudWxsLCJNYXJnaW4iOnsiJHJlZiI6IjExNSJ9LCJQYWRkaW5nIjp7IiRyZWYiOiIxMTYifSwiQmFja2dyb3VuZCI6eyIkcmVmIjoiMTE3In0sIklzVmlzaWJsZSI6dHJ1ZSwiV2lkdGgiOjAuMCwiSGVpZ2h0IjowLjAsIkJvcmRlclN0eWxlIjp7IiRpZCI6IjU5MSIsIkxpbmVDb2xvciI6bnVsbCwiTGluZVdlaWdodCI6MC4wLCJMaW5lVHlwZSI6MCwiUGFyZW50U3R5bGUiOm51bGx9LCJQYXJlbnRTdHlsZSI6eyIkcmVmIjoiMTExIn19LCJEYXRlU3R5bGUiOnsiJGlkIjoiNTkyIiwiRm9udFNldHRpbmdzIjp7IiRpZCI6IjU5MyIsIkZvbnRTaXplIjo2LCJGb250TmFtZSI6IkNhbGlicmkiLCJJc0JvbGQiOmZhbHNlLCJJc0l0YWxpYyI6ZmFsc2UsIklzVW5kZXJsaW5lZCI6ZmFsc2UsIlBhcmVudFN0eWxlIjp7IiRyZWYiOiIxMTkifX0sIkF1dG9TaXplIjoyLCJGb3JlZ3JvdW5kIjp7IiRpZCI6IjU5NCIsIkNvbG9yIjp7IiRpZCI6IjU5NSIsIkEiOjI1NSwiUiI6MTkxLCJHIjoxOTEsIkIiOjE5MX19LCJNYXhXaWR0aCI6MjQuNzUsIk1heEhlaWdodCI6IkluZmluaXR5IiwiU21hcnRGb3JlZ3JvdW5kSXNBY3RpdmUiOmZhbHNlLCJIb3Jpem9udGFsQWxpZ25tZW50IjowLCJWZXJ0aWNhbEFsaWdubWVudCI6MCwiU21hcnRGb3JlZ3JvdW5kIjpudWxsLCJNYXJnaW4iOnsiJHJlZiI6IjEyMiJ9LCJQYWRkaW5nIjp7IiRyZWYiOiIxMjMifSwiQmFja2dyb3VuZCI6eyIkcmVmIjoiMTI0In0sIklzVmlzaWJsZSI6dHJ1ZSwiV2lkdGgiOjAuMCwiSGVpZ2h0IjowLjAsIkJvcmRlclN0eWxlIjp7IiRpZCI6IjU5NiIsIkxpbmVDb2xvciI6bnVsbCwiTGluZVdlaWdodCI6MC4wLCJMaW5lVHlwZSI6MCwiUGFyZW50U3R5bGUiOm51bGx9LCJQYXJlbnRTdHlsZSI6eyIkcmVmIjoiMTE4In19LCJEYXRlRm9ybWF0Ijp7IiRyZWYiOiIxMjUifSwiSXNWaXNpYmxlIjp0cnVlLCJQYXJlbnRTdHlsZSI6eyIkcmVmIjoiODIifX0sIkluZGV4IjoxOSwiU21hcnREdXJhdGlvbkFjdGl2YXRlZCI6ZmFsc2UsIkRhdGVGb3JtYXQiOnsiJHJlZiI6IjEyNSJ9LCJJZCI6IjhkNzVhYWY5LTFmMTEtNDA1ZC04NzIwLTY5OGFmNTMwNDA3MSIsIkltcG9ydElkIjpudWxsLCJUaXRsZSI6IlN1Yi1zdWItdGFzayAxIiwiTm90ZSI6bnVsbCwiSHlwZXJsaW5rIjpudWxsLCJJc0NoYW5nZWQiOmZhbHNlLCJJc05ldyI6dHJ1ZX0seyIkaWQiOiI1OTciLCJHcm91cE5hbWUiOm51bGwsIlN0YXJ0RGF0ZSI6IjIwMTctMDctMDNUMDA6MDA6MDBaIiwiRW5kRGF0ZSI6IjIwMTctMDctMDNUMjM6NTk6MDBaIiwiUGVyY2VudGFnZUNvbXBsZXRlIjpudWxsLCJTdHlsZSI6eyIkaWQiOiI1OTgiLCJTaGFwZSI6NCwiU2hhcGVUaGlja25lc3MiOjMsIkR1cmF0aW9uRm9ybWF0IjowLCJJbmNsdWRlTm9uV29ya2luZ0RheXNJbkR1cmF0aW9uIjpmYWxzZSwiUGVyY2VudGFnZUNvbXBsZXRlU3R5bGUiOnsiJGlkIjoiNTk5IiwiRm9udFNldHRpbmdzIjp7IiRpZCI6IjYwMCIsIkZvbnRTaXplIjoxMCwiRm9udE5hbWUiOiJDYWxpYnJpIiwiSXNCb2xkIjpmYWxzZSwiSXNJdGFsaWMiOmZhbHNlLCJJc1VuZGVybGluZWQiOmZhbHNlLCJQYXJlbnRTdHlsZSI6eyIkcmVmIjoiODQifX0sIkF1dG9TaXplIjowLCJGb3JlZ3JvdW5kIjp7IiRyZWYiOiI4NSJ9LCJNYXhXaWR0aCI6MjAwLjAsIk1heEhlaWdodCI6IkluZmluaXR5IiwiU21hcnRGb3JlZ3JvdW5kSXNBY3RpdmUiOmZhbHNlLCJIb3Jpem9udGFsQWxpZ25tZW50IjowLCJWZXJ0aWNhbEFsaWdubWVudCI6MCwiU21hcnRGb3JlZ3JvdW5kIjpudWxsLCJNYXJnaW4iOnsiJHJlZiI6Ijg3In0sIlBhZGRpbmciOnsiJHJlZiI6Ijg4In0sIkJhY2tncm91bmQiOnsiJHJlZiI6Ijg5In0sIklzVmlzaWJsZSI6dHJ1ZSwiV2lkdGgiOjAuMCwiSGVpZ2h0IjowLjAsIkJvcmRlclN0eWxlIjp7IiRpZCI6IjYwMSIsIkxpbmVDb2xvciI6bnVsbCwiTGluZVdlaWdodCI6MC4wLCJMaW5lVHlwZSI6MCwiUGFyZW50U3R5bGUiOm51bGx9LCJQYXJlbnRTdHlsZSI6eyIkcmVmIjoiODMifX0sIkR1cmF0aW9uU3R5bGUiOnsiJGlkIjoiNjAyIiwiRm9udFNldHRpbmdzIjp7IiRpZCI6IjYwMyIsIkZvbnRTaXplIjoxMCwiRm9udE5hbWUiOiJDYWxpYnJpIiwiSXNCb2xkIjpmYWxzZSwiSXNJdGFsaWMiOmZhbHNlLCJJc1VuZGVybGluZWQiOmZhbHNlLCJQYXJlbnRTdHlsZSI6eyIkcmVmIjoiOTEifX0sIkF1dG9TaXplIjowLCJGb3JlZ3JvdW5kIjp7IiRyZWYiOiI5MiJ9LCJNYXhXaWR0aCI6MjAwLjAsIk1heEhlaWdodCI6IkluZmluaXR5IiwiU21hcnRGb3JlZ3JvdW5kSXNBY3RpdmUiOmZhbHNlLCJIb3Jpem9udGFsQWxpZ25tZW50IjowLCJWZXJ0aWNhbEFsaWdubWVudCI6MCwiU21hcnRGb3JlZ3JvdW5kIjpudWxsLCJNYXJnaW4iOnsiJHJlZiI6Ijk0In0sIlBhZGRpbmciOnsiJHJlZiI6Ijk1In0sIkJhY2tncm91bmQiOnsiJHJlZiI6Ijk2In0sIklzVmlzaWJsZSI6dHJ1ZSwiV2lkdGgiOjAuMCwiSGVpZ2h0IjowLjAsIkJvcmRlclN0eWxlIjp7IiRpZCI6IjYwNCIsIkxpbmVDb2xvciI6bnVsbCwiTGluZVdlaWdodCI6MC4wLCJMaW5lVHlwZSI6MCwiUGFyZW50U3R5bGUiOm51bGx9LCJQYXJlbnRTdHlsZSI6eyIkcmVmIjoiOTAifX0sIkhvcml6b250YWxDb25uZWN0b3JTdHlsZSI6eyIkaWQiOiI2MDUiLCJMaW5lQ29sb3IiOnsiJHJlZiI6Ijk4In0sIkxpbmVXZWlnaHQiOjAuMCwiTGluZVR5cGUiOjAsIlBhcmVudFN0eWxlIjp7IiRyZWYiOiI5NyJ9fSwiVmVydGljYWxDb25uZWN0b3JTdHlsZSI6eyIkaWQiOiI2MDYiLCJMaW5lQ29sb3IiOnsiJHJlZiI6IjEwMSJ9LCJMaW5lV2VpZ2h0IjowLjAsIkxpbmVUeXBlIjowLCJQYXJlbnRTdHlsZSI6eyIkcmVmIjoiMTAwIn19LCJNYXJnaW4iOm51bGwsIlN0YXJ0RGF0ZVBvc2l0aW9uIjo0LCJFbmREYXRlUG9zaXRpb24iOjQsIkRhdGVJc1Zpc2libGUiOnRydWUsIlRpdGxlUG9zaXRpb24iOjMsIkR1cmF0aW9uUG9zaXRpb24iOjYsIlBlcmNlbnRhZ2VDb21wbGV0ZWRQb3NpdGlvbiI6NiwiU3BhY2luZyI6MTAsIklzQmVsb3dUaW1lYmFuZCI6ZmFsc2UsIlBlcmNlbnRhZ2VDb21wbGV0ZVNoYXBlT3BhY2l0eSI6MzUsIlNoYXBlU3R5bGUiOnsiJGlkIjoiNjA3IiwiTWFyZ2luIjp7IiRyZWYiOiIxMDQifSwiUGFkZGluZyI6eyIkaWQiOiI2MDgiLCJUb3AiOjAsIkxlZnQiOjAsIlJpZ2h0IjoyLCJCb3R0b20iOjB9LCJCYWNrZ3JvdW5kIjp7IiRpZCI6IjYwOSIsIkNvbG9yIjp7IiRpZCI6IjYxMCIsIkEiOjI1NSwiUiI6MTk3LCJHIjo5MCwiQiI6MTd9fSwiSXNWaXNpYmxlIjp0cnVlLCJXaWR0aCI6MC4wLCJIZWlnaHQiOjEyLjAsIkJvcmRlclN0eWxlIjp7IiRpZCI6IjYxMSIsIkxpbmVDb2xvciI6eyIkaWQiOiI2MTIiLCIkdHlwZSI6Ik5MUkUuQ29tbW9uLkRvbS5Tb2xpZENvbG9yQnJ1c2gsIE5MUkUuQ29tbW9uIiwiQ29sb3IiOnsiJGlkIjoiNjEzIiwiQSI6MjU1LCJSIjoyNTUsIkciOjAsIkIiOjB9fSwiTGluZVdlaWdodCI6MC4wLCJMaW5lVHlwZSI6MCwiUGFyZW50U3R5bGUiOm51bGx9LCJQYXJlbnRTdHlsZSI6eyIkcmVmIjoiMTAzIn19LCJUaXRsZVN0eWxlIjp7IiRpZCI6IjYxNCIsIkZvbnRTZXR0aW5ncyI6eyIkaWQiOiI2MTUiLCJGb250U2l6ZSI6OCwiRm9udE5hbWUiOiJDYWxpYnJpIiwiSXNCb2xkIjpmYWxzZSwiSXNJdGFsaWMiOmZhbHNlLCJJc1VuZGVybGluZWQiOmZhbHNlLCJQYXJlbnRTdHlsZSI6eyIkcmVmIjoiMTEyIn19LCJBdXRvU2l6ZSI6MiwiRm9yZWdyb3VuZCI6eyIkaWQiOiI2MTYiLCJDb2xvciI6eyIkaWQiOiI2MTciLCJBIjoyNTUsIlIiOjExNSwiRyI6MTE1LCJCIjoxMTV9fSwiTWF4V2lkdGgiOjQ5LjUsIk1heEhlaWdodCI6IkluZmluaXR5IiwiU21hcnRGb3JlZ3JvdW5kSXNBY3RpdmUiOmZhbHNlLCJIb3Jpem9udGFsQWxpZ25tZW50IjoyLCJWZXJ0aWNhbEFsaWdubWVudCI6MCwiU21hcnRGb3JlZ3JvdW5kIjpudWxsLCJNYXJnaW4iOnsiJHJlZiI6IjExNSJ9LCJQYWRkaW5nIjp7IiRyZWYiOiIxMTYifSwiQmFja2dyb3VuZCI6eyIkcmVmIjoiMTE3In0sIklzVmlzaWJsZSI6dHJ1ZSwiV2lkdGgiOjAuMCwiSGVpZ2h0IjowLjAsIkJvcmRlclN0eWxlIjp7IiRpZCI6IjYxOCIsIkxpbmVDb2xvciI6bnVsbCwiTGluZVdlaWdodCI6MC4wLCJMaW5lVHlwZSI6MCwiUGFyZW50U3R5bGUiOm51bGx9LCJQYXJlbnRTdHlsZSI6eyIkcmVmIjoiMTExIn19LCJEYXRlU3R5bGUiOnsiJGlkIjoiNjE5IiwiRm9udFNldHRpbmdzIjp7IiRpZCI6IjYyMCIsIkZvbnRTaXplIjo2LCJGb250TmFtZSI6IkNhbGlicmkiLCJJc0JvbGQiOmZhbHNlLCJJc0l0YWxpYyI6ZmFsc2UsIklzVW5kZXJsaW5lZCI6ZmFsc2UsIlBhcmVudFN0eWxlIjp7IiRyZWYiOiIxMTkifX0sIkF1dG9TaXplIjoyLCJGb3JlZ3JvdW5kIjp7IiRpZCI6IjYyMSIsIkNvbG9yIjp7IiRpZCI6IjYyMiIsIkEiOjI1NSwiUiI6MTkxLCJHIjoxOTEsIkIiOjE5MX19LCJNYXhXaWR0aCI6OS4wLCJNYXhIZWlnaHQiOiJJbmZpbml0eSIsIlNtYXJ0Rm9yZWdyb3VuZElzQWN0aXZlIjpmYWxzZSwiSG9yaXpvbnRhbEFsaWdubWVudCI6MCwiVmVydGljYWxBbGlnbm1lbnQiOjAsIlNtYXJ0Rm9yZWdyb3VuZCI6bnVsbCwiTWFyZ2luIjp7IiRyZWYiOiIxMjIifSwiUGFkZGluZyI6eyIkcmVmIjoiMTIzIn0sIkJhY2tncm91bmQiOnsiJHJlZiI6IjEyNCJ9LCJJc1Zpc2libGUiOnRydWUsIldpZHRoIjowLjAsIkhlaWdodCI6MC4wLCJCb3JkZXJTdHlsZSI6eyIkaWQiOiI2MjMiLCJMaW5lQ29sb3IiOm51bGwsIkxpbmVXZWlnaHQiOjAuMCwiTGluZVR5cGUiOjAsIlBhcmVudFN0eWxlIjpudWxsfSwiUGFyZW50U3R5bGUiOnsiJHJlZiI6IjExOCJ9fSwiRGF0ZUZvcm1hdCI6eyIkcmVmIjoiMTI1In0sIklzVmlzaWJsZSI6dHJ1ZSwiUGFyZW50U3R5bGUiOnsiJHJlZiI6IjgyIn19LCJJbmRleCI6MjAsIlNtYXJ0RHVyYXRpb25BY3RpdmF0ZWQiOmZhbHNlLCJEYXRlRm9ybWF0Ijp7IiRyZWYiOiIxMjUifSwiSWQiOiJkYzU5ODY0YS04ZmU2LTQ2MWYtOTNmOC01NDM5NjdjM2E3MTAiLCJJbXBvcnRJZCI6bnVsbCwiVGl0bGUiOiJTdWItc3ViLXRhc2sgMiIsIk5vdGUiOm51bGwsIkh5cGVybGluayI6bnVsbCwiSXNDaGFuZ2VkIjpmYWxzZSwiSXNOZXciOnRydWV9XSwiTXNQcm9qZWN0SXRlbXNUcmVlIjp7IiRpZCI6IjYyNCIsIlJvb3QiOnsiSW1wb3J0SWQiOm51bGwsIklzSW1wb3J0ZWQiOmZhbHNlLCJDaGlsZHJlbiI6W119fSwiTWV0YWRhdGEiOnsiJGlkIjoiNjI1IiwiUmVjZW50Q29sb3JzQ29sbGVjdGlvbiI6IltdIn0sIlNldHRpbmdzIjp7IiRpZCI6IjYyNiIsIkltcGFPcHRpb25zIjpudWxsLCJVc2VDb21wcmVzc2lvbiI6ZmFsc2UsIkNvbXByZXNpb25QZXJjZW50YWdlIjo1MC4wLCJJbmFjdGl2ZUludGVydmFsV2lkdGhUaHJlc2hvbGQiOjMwLjAsIkluYWN0aXZlSW50ZXJ2YWxXaWR0aCI6MS4wLCJTcGxpdFRhc2tzIjpmYWxzZSwiVXNlQ2x1c3RlciI6ZmFsc2UsIkVwc2lsb24iOjAuMCwiTWluUG9pbnRzVG9Gb3JtQUNsdXN0ZXIiOjIsIkdlbmVyYXRlSW52aXNpYmxlU2hhcGVzIjp0cnVlLCJTbWFydFRpbWVsaW5lVGFza1BlcmNlbnRhZ2VGaXQiOmZhbHNlfSwiSXNOZXciOnRydWUsIkltcG9ydFR5cGUiOjAsIkZpbGVQYXRoIjpudWxsLCJUaW1lQ29uZmlndXJhdGlvbiI6eyIkaWQiOiI2MjciLCJVc2VUaW1lIjpmYWxzZSwiV29ya0RheVN0YXJ0IjoiMDA6MDA6MDAiLCJXb3JrRGF5RW5kIjoiMjM6NTk6MDAifSwiTGFzdFVzZWRUZW1wbGF0ZUlkIjoiY2MyNmY4NjMtMjdjZS00ODBlLWE1ODktYjNmMTJmMmQ2ZWIwIn0="/>
@@ -11911,18 +19228,175 @@
 </p:tagLst>
 </file>
 
+<file path=ppt/tags/tag174.xml><?xml version="1.0" encoding="utf-8"?>
+<p:tagLst xmlns:a="http://schemas.openxmlformats.org/drawingml/2006/main" xmlns:r="http://schemas.openxmlformats.org/officeDocument/2006/relationships" xmlns:p="http://schemas.openxmlformats.org/presentationml/2006/main">
+  <p:tag name="__PART_0" val="eyIkaWQiOiIxIiwiQ3VsdHVyZUluZm9OYW1lIjoiZW4tVVMiLCJTdHlsZU5hbWUiOiJHYW50dCIsIlZlcnNpb24iOnsiJGlkIjoiMiIsIlZlcnNpb24iOiIzLjEuMSIsIk9yaWdpbmFsQXNzZW1ibHlWZXJzaW9uIjoiMi4wMi4wMS4wMCIsIkVkaXRpb24iOiJQbHVzIiwiSXNQbHVzRWRpdGlvbiI6dHJ1ZX0sIkVmZmVjdCI6MSwiU3R5bGUiOnsiJGlkIjoiMyIsIlRpbWViYW5kU3R5bGUiOnsiJGlkIjoiNCIsIlNjYWxlTWFya2luZyI6MSwiU2hhcGUiOjEwLCJTaGFwZVN0eWxlIjp7IiRpZCI6IjUiLCJNYXJnaW4iOnsiJGlkIjoiNiIsIlRvcCI6MCwiTGVmdCI6MTAsIlJpZ2h0IjoxMCwiQm90dG9tIjowfSwiUGFkZGluZyI6eyIkaWQiOiI3IiwiVG9wIjozLCJMZWZ0IjowLCJSaWdodCI6MCwiQm90dG9tIjozfSwiQmFja2dyb3VuZCI6eyIkaWQiOiI4IiwiQ29sb3IiOnsiJGlkIjoiOSIsIkEiOjI1NSwiUiI6NjgsIkciOjg0LCJCIjoxMDZ9fSwiSXNWaXNpYmxlIjp0cnVlLCJXaWR0aCI6ODU4LjAsIkhlaWdodCI6MjAuMCwiQm9yZGVyU3R5bGUiOnsiJGlkIjoiMTAiLCJMaW5lQ29sb3IiOnsiJGlkIjoiMTEiLCIkdHlwZSI6Ik5MUkUuQ29tbW9uLkRvbS5Tb2xpZENvbG9yQnJ1c2gsIE5MUkUuQ29tbW9uIiwiQ29sb3IiOnsiJGlkIjoiMTIiLCJBIjoyNTUsIlIiOjI1NSwiRyI6MCwiQiI6MH19LCJMaW5lV2VpZ2h0IjowLjAsIkxpbmVUeXBlIjowLCJQYXJlbnRTdHlsZSI6bnVsbH0sIlBhcmVudFN0eWxlIjpudWxsfSwiUmlnaHRFbmRDYXBzU3R5bGUiOnsiJGlkIjoiMTMiLCJGb250U2V0dGluZ3MiOnsiJGlkIjoiMTQiLCJGb250U2l6ZSI6MTgsIkZvbnROYW1lIjoiQ2FsaWJyaSIsIklzQm9sZCI6dHJ1ZSwiSXNJdGFsaWMiOmZhbHNlLCJJc1VuZGVybGluZWQiOmZhbHNlLCJQYXJlbnRTdHlsZSI6bnVsbH0sIkF1dG9TaXplIjowLCJGb3JlZ3JvdW5kIjp7IiRpZCI6IjE1IiwiQ29sb3IiOnsiJGlkIjoiMTYiLCJBIjoyNTUsIlIiOjIzNywiRyI6MTI1LCJCIjo0OX19LCJNYXhXaWR0aCI6IkluZmluaXR5IiwiTWF4SGVpZ2h0IjoiSW5maW5pdHkiLCJTbWFydEZvcmVncm91bmRJc0FjdGl2ZSI6ZmFsc2UsIkhvcml6b250YWxBbGlnbm1lbnQiOjAsIlZlcnRpY2FsQWxpZ25tZW50IjowLCJTbWFydEZvcmVncm91bmQiOm51bGwsIk1hcmdpbiI6eyIkaWQiOiIxNyIsIlRvcCI6MCwiTGVmdCI6MCwiUmlnaHQiOjIwLCJCb3R0b20iOjB9LCJQYWRkaW5nIjp7IiRpZCI6IjE4IiwiVG9wIjowLCJMZWZ0IjowLCJSaWdodCI6MCwiQm90dG9tIjowfSwiQmFja2dyb3VuZCI6eyIkaWQiOiIxOSIsIkNvbG9yIjp7IiRpZCI6IjIwIiwiQSI6ODksIlIiOjAsIkciOjAsIkIiOjB9fSwiSXNWaXNpYmxlIjpmYWxzZSwiV2lkdGgiOjAuMCwiSGVpZ2h0IjowLjAsIkJvcmRlclN0eWxlIjpudWxsLCJQYXJlbnRTdHlsZSI6bnVsbH0sIkxlZnRFbmRDYXBzU3R5bGUiOnsiJGlkIjoiMjEiLCJGb250U2V0dGluZ3MiOnsiJGlkIjoiMjIiLCJGb250U2l6ZSI6MTgsIkZvbnROYW1lIjoiQ2FsaWJyaSIsIklzQm9sZCI6dHJ1ZSwiSXNJdGFsaWMiOmZhbHNlLCJJc1VuZGVybGluZWQiOmZhbHNlLCJQYXJlbnRTdHlsZSI6bnVsbH0sIkF1dG9TaXplIjowLCJGb3JlZ3JvdW5kIjp7IiRpZCI6IjIzIiwiQ29sb3IiOnsiJGlkIjoiMjQiLCJBIjoyNTUsIlIiOjIzNywiRyI6MTI1LCJCIjo0OX19LCJNYXhXaWR0aCI6IkluZmluaXR5IiwiTWF4SGVpZ2h0IjoiSW5maW5pdHkiLCJTbWFydEZvcmVncm91bmRJc0FjdGl2ZSI6ZmFsc2UsIkhvcml6b250YWxBbGlnbm1lbnQiOjAsIlZlcnRpY2FsQWxpZ25tZW50IjowLCJTbWFydEZvcmVncm91bmQiOm51bGwsIk1hcmdpbiI6eyIkaWQiOiIyNSIsIlRvcCI6MCwiTGVmdCI6MjAsIlJpZ2h0IjowLCJCb3R0b20iOjB9LCJQYWRkaW5nIjp7IiRpZCI6IjI2IiwiVG9wIjowLCJMZWZ0IjowLCJSaWdodCI6MCwiQm90dG9tIjowfSwiQmFja2dyb3VuZCI6eyIkaWQiOiIyNyIsIkNvbG9yIjp7IiRyZWYiOiIyMCJ9fSwiSXNWaXNpYmxlIjpmYWxzZSwiV2lkdGgiOjAuMCwiSGVpZ2h0IjowLjAsIkJvcmRlclN0eWxlIjpudWxsLCJQYXJlbnRTdHlsZSI6bnVsbH0sIlRvZGF5VGV4dFN0eWxlIjp7IiRpZCI6IjI4IiwiRm9udFNldHRpbmdzIjp7IiRpZCI6IjI5IiwiRm9udFNpemUiOjEyLCJGb250TmFtZSI6IkNhbGlicmkiLCJJc0JvbGQiOmZhbHNlLCJJc0l0YWxpYyI6ZmFsc2UsIklzVW5kZXJsaW5lZCI6ZmFsc2UsIlBhcmVudFN0eWxlIjpudWxsfSwiQXV0b1NpemUiOjAsIkZvcmVncm91bmQiOnsiJGlkIjoiMzAiLCJDb2xvciI6eyIkaWQiOiIzMSIsIkEiOjI1NSwiUiI6MCwiRyI6MCwiQiI6MH19LCJNYXhXaWR0aCI6MjAwLjAsIk1heEhlaWdodCI6IkluZmluaXR5IiwiU21hcnRGb3JlZ3JvdW5kSXNBY3RpdmUiOmZhbHNlLCJIb3Jpem9udGFsQWxpZ25tZW50IjowLCJWZXJ0aWNhbEFsaWdubWVudCI6MCwiU21hcnRGb3JlZ3JvdW5kIjpudWxsLCJNYXJnaW4iOnsiJGlkIjoiMzIiLCJUb3AiOjAsIkxlZnQiOjAsIlJpZ2h0IjowLCJCb3R0b20iOjB9LCJQYWRkaW5nIjp7IiRpZCI6IjMzIiwiVG9wIjowLCJMZWZ0IjowLCJSaWdodCI6MCwiQm90dG9tIjowfSwiQmFja2dyb3VuZCI6eyIkaWQiOiIzNCIsIkNvbG9yIjp7IiRyZWYiOiIyMCJ9fSwiSXNWaXNpYmxlIjpmYWxzZSwiV2lkdGgiOjAuMCwiSGVpZ2h0IjowLjAsIkJvcmRlclN0eWxlIjpudWxsLCJQYXJlbnRTdHlsZSI6bnVsbH0sIlRvZGF5TWFya2VyU3R5bGUiOnsiJGlkIjoiMzUiLCJNYXJnaW4iOnsiJGlkIjoiMzYiLCJUb3AiOjAsIkxlZnQiOjAsIlJpZ2h0IjowLCJCb3R0b20iOjB9LCJQYWRkaW5nIjp7IiRpZCI6IjM3IiwiVG9wIjowLCJMZWZ0IjowLCJSaWdodCI6MCwiQm90dG9tIjowfSwiQmFja2dyb3VuZCI6eyIkaWQiOiIzOCIsIkNvbG9yIjp7IiRpZCI6IjM5IiwiQSI6MjU1LCJSIjoyNTUsIkciOjAsIkIiOjB9fSwiSXNWaXNpYmxlIjp0cnVlLCJXaWR0aCI6MC4wLCJIZWlnaHQiOjAuMCwiQm9yZGVyU3R5bGUiOm51bGwsIlBhcmVudFN0eWxlIjpudWxsfSwiU2NhbGVTdHlsZSI6eyIkaWQiOiI0MCIsIlNob3dTZWdtZW50U2VwYXJhdG9ycyI6ZmFsc2UsIlNlZ21lbnRTZXBhcmF0b3JPcGFjaXR5IjozMCwiRm9udFNldHRpbmdzIjp7IiRpZCI6IjQxIiwiRm9udFNpemUiOjksIkZvbnROYW1lIjoiQ2FsaWJyaSIsIklzQm9sZCI6ZmFsc2UsIklzSXRhbGljIjpmYWxzZSwiSXNVbmRlcmxpbmVkIjpmYWxzZSwiUGFyZW50U3R5bGUiOm51bGx9LCJBdXRvU2l6ZSI6MCwiRm9yZWdyb3VuZCI6eyIkaWQiOiI0MiIsIkNvbG9yIjp7IiRpZCI6IjQzIiwiQSI6MjU1LCJSIjoyNTUsIkciOjI1NSwiQiI6MjU1fX0sIk1heFdpZHRoIjoyMDAuMCwiTWF4SGVpZ2h0IjoiSW5maW5pdHkiLCJTbWFydEZvcmVncm91bmRJc0FjdGl2ZSI6ZmFsc2UsIkhvcml6b250YWxBbGlnbm1lbnQiOjAsIlZlcnRpY2FsQWxpZ25tZW50IjoxLCJTbWFydEZvcmVncm91bmQiOm51bGwsIk1hcmdpbiI6eyIkaWQiOiI0NCIsIlRvcCI6MCwiTGVmdCI6NSwiUmlnaHQiOjAsIkJvdHRvbSI6MH0sIlBhZGRpbmciOnsiJGlkIjoiNDUiLCJUb3AiOjAsIkxlZnQiOjAsIlJpZ2h0IjowLCJCb3R0b20iOjB9LCJCYWNrZ3JvdW5kIjp7IiRpZCI6IjQ2IiwiQ29sb3IiOnsiJHJlZiI6IjIwIn19LCJJc1Zpc2libGUiOnRydWUsIldpZHRoIjowLjAsIkhlaWdodCI6MC4wLCJCb3JkZXJTdHlsZSI6bnVsbCwiUGFyZW50U3R5bGUiOm51bGx9LCJFbGFwc2VkVGltZUJhY2tncm91bmQiOnsiJGlkIjoiNDciLCJDb2xvciI6eyIkaWQiOiI0OCIsIkEiOjc3LCJSIjoyNTUsIkciOjAsIkIiOjB9fSwiQXBwZW5kWWVhck9uWWVhckNoYW5nZSI6ZmFsc2UsIkVsYXBzZWRUaW1lRm9ybWF0IjoxLCJUb2RheU1hcmtlclBvc2l0aW9uIjowLCJRdWlja1Bvc2l0aW9uIjozLCJBYnNvbHV0ZVBvc2l0aW9uIjozNzEuMjUsIk1hcmdpbiI6eyIkaWQiOiI0OSIsIlRvcCI6MCwiTGVmdCI6MTAsIlJpZ2h0IjoxMCwiQm90dG9tIjowfSwiUGFkZGluZyI6eyIkaWQiOiI1MCIsIlRvcCI6MCwiTGVmdCI6MCwiUmlnaHQiOjAsIkJvdHRvbSI6MH0sIkJhY2tncm91bmQiOnsiJGlkIjoiNTEiLCJDb2xvciI6eyIkaWQiOiI1MiIsIkEiOjI1NSwiUiI6NjgsIkciOjg0LCJCIjoxMDZ9fSwiSXNWaXNpYmxlIjp0cnVlLCJXaWR0aCI6MC4wLCJIZWlnaHQiOjAuMCwiQm9yZGVyU3R5bGUiOm51bGwsIlBhcmVudFN0eWxlIjpudWxsfSwiRGVmYXVsdE1pbGVzdG9uZVN0eWxlIjp7IiRpZCI6IjUzIiwiU2hhcGUiOjIsIkNvbm5lY3Rvck1hcmdpbiI6eyIkaWQiOiI1NCIsIlRvcCI6MCwiTGVmdCI6MiwiUmlnaHQiOjIsIkJvdHRvbSI6MH0sIkNvbm5lY3RvclN0eWxlIjp7IiRpZCI6IjU1IiwiTGluZUNvbG9yIjp7IiRpZCI6IjU2IiwiJHR5cGUiOiJOTFJFLkNvbW1vbi5Eb20uU29saWRDb2xvckJydXNoLCBOTFJFLkNvbW1vbiIsIkNvbG9yIjp7IiRpZCI6IjU3IiwiQSI6MjU1LCJSIjo3OSwiRyI6MTI5LCJCIjoxODl9fSwiTGluZVdlaWdodCI6MS4wLCJMaW5lVHlwZSI6MCwiUGFyZW50U3R5bGUiOm51bGx9LCJJc0JlbG93VGltZWJhbmQiOmZhbHNlLCJIaWRlRGF0ZSI6ZmFsc2UsIlNoYXBlU2l6ZSI6MSwiU3BhY2luZyI6Mi4wLCJQYWRkaW5nIjp7IiRpZCI6IjU4IiwiVG9wIjo3LCJMZWZ0IjozLCJSaWdodCI6MCwiQm90dG9tIjoyfSwiU2hhcGVTdHlsZSI6eyIkaWQiOiI1OSIsIk1hcmdpbiI6eyIkaWQiOiI2MCIsIlRvcCI6MCwiTGVmdCI6MCwiUmlnaHQiOjAsIkJvdHRvbSI6MH0sIlBhZGRpbmciOnsiJGlkIjoiNjEiLCJUb3AiOjAsIkxlZnQiOjAsIlJpZ2h0IjowLCJCb3R0b20iOjB9LCJCYWNrZ3JvdW5kIjp7IiRpZCI6IjYyIiwiQ29sb3IiOnsiJGlkIjoiNjMiLCJBIjoyNTUsIlIiOjAsIkciOjExNCwiQiI6MTg4fX0sIklzVmlzaWJsZSI6dHJ1ZSwiV2lkdGgiOjEzLjAsIkhlaWdodCI6MTMuMCwiQm9yZGVyU3R5bGUiOnsiJGlkIjoiNjQiLCJMaW5lQ29sb3IiOnsiJGlkIjoiNjUiLCIkdHlwZSI6Ik5MUkUuQ29tbW9uLkRvbS5Tb2xpZENvbG9yQnJ1c2gsIE5MUkUuQ29tbW9uIiwiQ29sb3IiOnsiJGlkIjoiNjYiLCJBIjoyNTUsIlIiOjI1NSwiRyI6MCwiQiI6MH19LCJMaW5lV2VpZ2h0IjowLjAsIkxpbmVUeXBlIjowLCJQYXJlbnRTdHlsZSI6bnVsbH0sIlBhcmVudFN0eWxlIjpudWxsfSwiVGl0bGVTdHlsZSI6eyIkaWQiOiI2NyIsIkZvbnRTZXR0aW5ncyI6eyIkaWQiOiI2OCIsIkZvbnRTaXplIjoxMSwiRm9udE5hbWUiOiJDYWxpYnJpIiwiSXNCb2xkIjp0cnVlLCJJc0l0YWxpYyI6ZmFsc2UsIklzVW5kZXJsaW5lZCI6ZmFsc2UsIlBhcmVudFN0eWxlIjpudWxsfSwiQXV0b1NpemUiOjAsIkZvcmVncm91bmQiOnsiJGlkIjoiNjkiLCJDb2xvciI6eyIkaWQiOiI3MCIsIkEiOjI1NSwiUiI6MCwiRyI6MCwiQiI6MH19LCJNYXhXaWR0aCI6MjAwLjAsIk1heEhlaWdodCI6IkluZmluaXR5IiwiU21hcnRGb3JlZ3JvdW5kSXNBY3RpdmUiOmZhbHNlLCJIb3Jpem9udGFsQWxpZ25tZW50IjowLCJWZXJ0aWNhbEFsaWdubWVudCI6MCwiU21hcnRGb3JlZ3JvdW5kIjpudWxsLCJNYXJnaW4iOnsiJGlkIjoiNzEiLCJUb3AiOjAsIkxlZnQiOjAsIlJpZ2h0IjowLCJCb3R0b20iOjB9LCJQYWRkaW5nIjp7IiRpZCI6IjcyIiwiVG9wIjowLCJMZWZ0IjowLCJSaWdodCI6MCwiQm90dG9tIjowfSwiQmFja2dyb3VuZCI6eyIkaWQiOiI3MyIsIkNvbG9yIjp7IiRyZWYiOiIyMCJ9fSwiSXNWaXNpYmxlIjp0cnVlLCJXaWR0aCI6MC4wLCJIZWlnaHQiOjAuMCwiQm9yZGVyU3R5bGUiOm51bGwsIlBhcmVudFN0eWxlIjpudWxsfSwiRGF0ZVN0eWxlIjp7IiRpZCI6Ijc0IiwiRm9udFNldHRpbmdzIjp7IiRpZCI6Ijc1IiwiRm9udFNpemUiOjEwLCJGb250TmFtZSI6IkNhbGlicmkiLCJJc0JvbGQiOmZhbHNlLCJJc0l0YWxpYyI6ZmFsc2UsIklzVW5kZXJsaW5lZCI6ZmFsc2UsIlBhcmVudFN0eWxlIjpudWxsfSwiQXV0b1NpemUiOjAsIkZvcmVncm91bmQiOnsiJGlkIjoiNzYiLCJDb2xvciI6eyIkaWQiOiI3NyIsIkEiOjI1NSwiUiI6MTY1LCJHIjoxNjUsIkIiOjE2NX19LCJNYXhXaWR0aCI6MjAwLjAsIk1heEhlaWdodCI6IkluZmluaXR5IiwiU21hcnRGb3JlZ3JvdW5kSXNBY3RpdmUiOmZhbHNlLCJIb3Jpem9udGFsQWxpZ25tZW50IjowLCJWZXJ0aWNhbEFsaWdubWVudCI6MCwiU21hcnRGb3JlZ3JvdW5kIjpudWxsLCJNYXJnaW4iOnsiJGlkIjoiNzgiLCJUb3AiOjAsIkxlZnQiOjAsIlJpZ2h0IjowLCJCb3R0b20iOjB9LCJQYWRkaW5nIjp7IiRpZCI6Ijc5IiwiVG9wIjowLCJMZWZ0IjowLCJSaWdodCI6MCwiQm90dG9tIjowfSwiQmFja2dyb3VuZCI6eyIkaWQiOiI4MCIsIkNvbG9yIjp7IiRyZWYiOiIyMCJ9fSwiSXNWaXNpYmxlIjp0cnVlLCJXaWR0aCI6MC4wLCJIZWlnaHQiOjAuMCwiQm9yZGVyU3R5bGUiOm51bGwsIlBhcmVudFN0eWxlIjpudWxsfSwiRGF0ZUZvcm1hdCI6eyIkaWQiOiI4MSIsIkZvcm1hdFN0cmluZyI6ImRkZCBNTU0gZCIsIlNlcGFyYXRvciI6Ii8iLCJVc2VJbnRlcm5hdGlvbmFsRGF0ZUZvcm1hdCI6ZmFsc2UsIkRhdGVJc1Zpc2libGUiOnRydWUsIlRpbWVJc1Zpc2libGUiOmZhbHNlLCJIb3VyRGlnaXRzIjoxLCJBbVBtRGVzaWduYXRvciI6MiwiVHJpbTAwTWludXRlcyI6ZmFsc2UsIkxhc3RLbm93blZpc2liaWxpdHlTdGF0ZSI6bnVsbH0sIklzVmlzaWJsZSI6dHJ1ZSwiUGFyZW50U3R5bGUiOm51bGx9LCJEZWZhdWx0VGFza1N0eWxlIjp7IiRpZCI6IjgyIiwiU2hhcGUiOjEsIlNoYXBlVGhpY2tuZXNzIjoyLCJEdXJhdGlvbkZvcm1hdCI6MCwiSW5jbHVkZU5vbldvcmtpbmdEYXlzSW5EdXJhdGlvbiI6ZmFsc2UsIlBlcmNlbnRhZ2VDb21wbGV0ZVN0eWxlIjp7IiRpZCI6IjgzIiwiRm9udFNldHRpbmdzIjp7IiRpZCI6Ijg0IiwiRm9udFNpemUiOjEwLCJGb250TmFtZSI6IkNhbGlicmkiLCJJc0JvbGQiOmZhbHNlLCJJc0l0YWxpYyI6ZmFsc2UsIklzVW5kZXJsaW5lZCI6ZmFsc2UsIlBhcmVudFN0eWxlIjpudWxsfSwiQXV0b1NpemUiOjAsIkZvcmVncm91bmQiOnsiJGlkIjoiODUiLCJDb2xvciI6eyIkaWQiOiI4NiIsIkEiOjI1NSwiUiI6MTkyLCJHIjo4MCwiQiI6Nzd9fSwiTWF4V2lkdGgiOjIwMC4wLCJNYXhIZWlnaHQiOiJJbmZpbml0eSIsIlNtYXJ0Rm9yZWdyb3VuZElzQWN0aXZlIjpmYWxzZSwiSG9yaXpvbnRhbEFsaWdubWVudCI6MCwiVmVydGljYWxBbGlnbm1lbnQiOjAsIlNtYXJ0Rm9yZWdyb3VuZCI6bnVsbCwiTWFyZ2luIjp7IiRpZCI6Ijg3IiwiVG9wIjowLCJMZWZ0IjowLCJSaWdodCI6MCwiQm90dG9tIjowfSwiUGFkZGluZyI6eyIkaWQiOiI4OCIsIlRvcCI6MCwiTGVmdCI6MCwiUmlnaHQiOjAsIkJvdHRvbSI6MH0sIkJhY2tncm91bmQiOnsiJGlkIjoiODkiLCJDb2xvciI6eyIkcmVmIjoiMjAifX0sIklzVmlzaWJsZSI6dHJ1ZSwiV2lkdGgiOjAuMCwiSGVpZ2h0IjowLjAsIkJvcmRlclN0eWxlIjpudWxsLCJQYXJlbnRTdHlsZSI6bnVsbH0sIkR1cmF0aW9uU3R5bGUiOnsiJGlkIjoiOTAiLCJGb250U2V0dGluZ3MiOnsiJGlkIjoiOTEiLCJGb250U2l6ZSI6MTAsIkZvbnROYW1lIjoiQ2FsaWJyaSIsIklzQm9sZCI6ZmFsc2UsIklzSXRhbGljIjpmYWxzZSwiSXNVbmRlcmxpbmVkIjpmYWxzZSwiUGFyZW50U3R5bGUiOm51bGx9LCJBdXRvU2l6ZSI6MCwiRm9yZWdyb3VuZCI6eyIkaWQiOiI5MiIsIkNvbG9yIjp7IiRpZCI6IjkzIiwiQSI6MjU1LCJSIjoyMzcsIkciOjEyNSwiQiI6NDl9fSwiTWF4V2lkdGgiOjIwMC4wLCJNYXhIZWlnaHQiOiJJbmZpbml0eSIsIlNtYXJ0Rm9yZWdyb3VuZElzQWN0aXZlIjpmYWxzZSwiSG9yaXpvbnRhbEFsaWdubWVudCI6MCwiVmVydGljYWxBbGlnbm1lbnQiOjAsIlNtYXJ0Rm9yZWdyb3VuZCI6bnVsbCwiTWFyZ2luIjp7IiRpZCI6Ijk0IiwiVG9wIjowLCJMZWZ0IjowLCJSaWdodCI6MCwiQm90dG9tIjowfSwiUGFkZGluZyI6eyIkaWQiOiI5NSIsIlRvcCI6MCwiTGVmdCI6MCwiUmlnaHQiOjAsIkJvdHRvbSI6MH0sIkJhY2tncm91bmQiOnsiJGlkIjoiOTYiLCJDb2xvciI6eyIkcmVmIjoiMjAifX0sIklzVmlzaWJsZSI6dHJ1ZSwiV2lkdGgiOjAuMCwiSGVpZ2h0IjowLjAsIkJvcmRlclN0eWxlIjpudWxsLCJQYXJlbnRTdHlsZSI6bnVsbH0sIkhvcml6b250YWxDb25uZWN0b3JTdHlsZSI6eyIkaWQiOiI5NyIsIkxpbmVDb2xvciI6eyIkaWQiOiI5OCIsIiR0eXBlIjoiTkxSRS5Db21tb24uRG9tLlNvbGlkQ29sb3JCcnVzaCwgTkxSRS5Db21tb24iLCJDb2xvciI6eyIkaWQiOiI5OSIsIkEiOjI1NSwiUiI6MjA0LCJHIjoyMDQsIkIiOjIwNH19LCJMaW5lV2VpZ2h0IjowLjAsIkxpbmVUeXBlIjowLCJQYXJlbnRTdHlsZSI6bnVsbH0sIlZlcnRpY2FsQ29ubmVjdG9yU3R5bGUiOnsiJGlkIjoiMTAwIiwiTGluZUNvbG9yIjp7IiRpZCI6IjEwMSIsIiR0eXBlIjoiTkxSRS5Db21tb24uRG9tLlNvbGlkQ29sb3JCcnVzaCwgTkxSRS5Db21tb24iLCJDb2xvciI6eyIkaWQiOiIxMDIiLCJBIjoyNTUsIlIiOjIwNCwiRyI6MjA0LCJCIjoyMDR9fSwiTGluZVdlaWdodCI6MC4wLCJMaW5lVHlwZSI6MCwiUGFyZW50U3R5bGUiOm51bGx9LCJNYXJnaW4iOm51bGwsIlN0YXJ0RGF0ZVBvc2l0aW9uIjo0LCJFbmREYXRlUG9zaXRpb24iOjQsIkRhdGVJc1Zpc2libGUiOnRydWUsIlRpdGxlUG9zaXRpb24iOjMsIkR1cmF0aW9uUG9zaXRpb24iOjYsIlBlcmNlbnRhZ2VDb21wbGV0ZWRQb3NpdGlvbiI6NiwiU3BhY2luZyI6MTAsIklzQmVsb3dUaW1lYmFuZCI6ZmFsc2UsIlBlcmNlbnRhZ2VDb21wbGV0ZVNoYXBlT3BhY2l0eSI6MzUsIlNoYXBlU3R5bGUiOnsiJGlkIjoiMTAzIiwiTWFyZ2luIjp7IiRpZCI6IjEwNCIsIlRvcCI6MCwiTGVmdCI6NCwiUmlnaHQiOjQsIkJvdHRvbSI6MH0sIlBhZGRpbmciOnsiJGlkIjoiMTA1IiwiVG9wIjowLCJMZWZ0IjowLCJSaWdodCI6MCwiQm90dG9tIjowfSwiQmFja2dyb3VuZCI6eyIkaWQiOiIxMDYiLCJDb2xvciI6eyIkaWQiOiIxMDciLCJBIjoyNTUsIlIiOjAsIkciOjExNCwiQiI6MTg4fX0sIklzVmlzaWJsZSI6dHJ1ZSwiV2lkdGgiOjAuMCwiSGVpZ2h0IjoyMi4wLCJCb3JkZXJTdHlsZSI6eyIkaWQiOiIxMDgiLCJMaW5lQ29sb3IiOnsiJGlkIjoiMTA5IiwiJHR5cGUiOiJOTFJFLkNvbW1vbi5Eb20uU29saWRDb2xvckJydXNoLCBOTFJFLkNvbW1vbiIsIkNvbG9yIjp7IiRpZCI6IjExMCIsIkEiOjI1NSwiUiI6MjU1LCJHIjowLCJCIjowfX0sIkxpbmVXZWlnaHQiOjAuMCwiTGluZVR5cGUiOjAsIlBhcmVudFN0eWxlIjpudWxsfSwiUGFyZW50U3R5bGUiOm51bGx9LCJUaXRsZVN0eWxlIjp7IiRpZCI6IjExMSIsIkZvbnRTZXR0aW5ncyI6eyIkaWQiOiIxMTIiLCJGb250U2l6ZSI6MTEsIkZvbnROYW1lIjoiQ2FsaWJyaSIsIklzQm9sZCI6ZmFsc2UsIklzSXRhbGljIjpmYWxzZSwiSXNVbmRlcmxpbmVkIjpmYWxzZSwiUGFyZW50U3R5bGUiOm51bGx9LCJBdXRvU2l6ZSI6MCwiRm9yZWdyb3VuZCI6eyIkaWQiOiIxMTMiLCJDb2xvciI6eyIkaWQiOiIxMTQiLCJBIjoyNTUsIlIiOjE2NSwiRyI6MTY1LCJCIjoxNjV9fSwiTWF4V2lkdGgiOjIwMC4wLCJNYXhIZWlnaHQiOiJJbmZpbml0eSIsIlNtYXJ0Rm9yZWdyb3VuZElzQWN0aXZlIjpmYWxzZSwiSG9yaXpvbnRhbEFsaWdubWVudCI6MiwiVmVydGljYWxBbGlnbm1lbnQiOjAsIlNtYXJ0Rm9yZWdyb3VuZCI6bnVsbCwiTWFyZ2luIjp7IiRpZCI6IjExNSIsIlRvcCI6MCwiTGVmdCI6MCwiUmlnaHQiOjAsIkJvdHRvbSI6MH0sIlBhZGRpbmciOnsiJGlkIjoiMTE2IiwiVG9wIjowLCJMZWZ0IjowLCJSaWdodCI6MCwiQm90dG9tIjowfSwiQmFja2dyb3VuZCI6eyIkaWQiOiIxMTciLCJDb2xvciI6eyIkcmVmIjoiMjAifX0sIklzVmlzaWJsZSI6dHJ1ZSwiV2lkdGgiOjAuMCwiSGVpZ2h0IjowLjAsIkJvcmRlclN0eWxlIjpudWxsLCJQYXJlbnRTdHlsZSI6bnVsbH0sIkRhdGVTdHlsZSI6eyIkaWQiOiIxMTgiLCJGb250U2V0dGluZ3MiOnsiJGlkIjoiMTE5IiwiRm9udFNpemUiOjEyLCJGb250TmFtZSI6IkNhbGlicmkiLCJJc0JvbGQiOmZhbHNlLCJJc0l0YWxpYyI6ZmFsc2UsIklzVW5kZXJsaW5lZCI6ZmFsc2UsIlBhcmVudFN0eWxlIjpudWxsfSwiQXV0b1NpemUiOjAsIkZvcmVncm91bmQiOnsiJGlkIjoiMTIwIiwiQ29sb3IiOnsiJGlkIjoiMTIxIiwiQSI6MjU1LCJSIjoyNTUsIkciOjI1NSwiQiI6MjU1fX0sIk1heFdpZHRoIjoyMDAuMCwiTWF4SGVpZ2h0IjoiSW5maW5pdHkiLCJTbWFydEZvcmVncm91bmRJc0FjdGl2ZSI6ZmFsc2UsIkhvcml6b250YWxBbGlnbm1lbnQiOjAsIlZlcnRpY2FsQWxpZ25tZW50IjowLCJTbWFydEZvcmVncm91bmQiOm51bGwsIk1hcmdpbiI6eyIkaWQiOiIxMjIiLCJUb3AiOjAsIkxlZnQiOjAsIlJpZ2h0IjowLCJCb3R0b20iOjB9LCJQYWRkaW5nIjp7IiRpZCI6IjEyMyIsIlRvcCI6MCwiTGVmdCI6MCwiUmlnaHQiOjAsIkJvdHRvbSI6MH0sIkJhY2tncm91bmQiOnsiJGlkIjoiMTI0IiwiQ29sb3IiOnsiJHJlZiI6IjIwIn19LCJJc1Zpc2libGUiOnRydWUsIldpZHRoIjowLjAsIkhlaWdodCI6MC4wLCJCb3JkZXJTdHlsZSI6bnVsbCwiUGFyZW50U3R5bGUiOm51bGx9LCJEYXRlRm9ybWF0Ijp7IiRpZCI6IjEyNSIsIkZvcm1hdFN0cmluZyI6Ik0vZCIsIlNlcGFyYXRvciI6Ii8iLCJVc2VJbnRlcm5hdGlvbmFsRGF0ZUZvcm1hdCI6ZmFsc2UsIkRhdGVJc1Zpc2libGUiOnRydWUsIlRpbWVJc1Zpc2libGUiOmZhbHNlLCJIb3VyRGlnaXRzIjoxLCJBbVBtRGVzaWduYXRvciI6MiwiVHJpbTAwTWludXRlcyI6ZmFsc2UsIkxhc3RLbm93blZpc2liaWxpdHlTdGF0ZSI6bnVsbH0sIklzVmlzaWJsZSI6dHJ1ZSwiUGFyZW50U3R5bGUiOm51bGwsIl9leHBsaWNpdGx5U2V0Ijp7IiRpZCI6IjEyNiIsIlNoYXBlU3R5bGUiOmZhbHNlLCJUaXRsZVN0eWxlIjpmYWxzZSwiRGF0ZVN0eWxlIjpmYWxzZSwiSG9yaXpvbnRhbENvbm5lY3RvclN0eWxlIjpmYWxzZSwiVmVydGljYWxDb25uZWN0b3JTdHlsZSI6ZmFsc2UsIlBlcmNlbnRhZ2VDb21wbGV0ZVNoYXBlT3BhY2l0eSI6ZmFsc2UsIlNoYXBlIjpmYWxzZSwiU2hhcGVUaGlja25lc3MiOmZhbHNlLCJEdXJhdGlvbkZvcm1hdCI6ZmFsc2UsIkluY2x1ZGVOb25Xb3JraW5nRGF5c0luRHVyYXRpb24iOmZhbHNlLCJNYXJnaW4iOmZhbHNlLCJTdGFydERhdGVQb3NpdGlvbiI6ZmFsc2UsIkVuZERhdGVQb3NpdGlvbiI6ZmFsc2UsIlRpdGxlUG9zaXRpb24iOmZhbHNlLCJEdXJhdGlvblBvc2l0aW9uIjpmYWxzZSwiUGVyY2VudGFnZUNvbXBsZXRlZFBvc2l0aW9uIjpmYWxzZSwiU3BhY2luZyI6ZmFsc2UsIklzQmVsb3dUaW1lYmFuZCI6ZmFsc2UsIkRhdGVGb3JtYXQiOmZhbHNlLCJJc1Zpc2libGUiOmZhbHNlfX0sIlNob3dFbGFwc2VkVGltZUdyYWRpZW50U3R5bGUiOmZhbHNlfSwiU2NhbGUiOnsiJGlkIjoiMTI3IiwiU3RhcnREYXRlIjoiMjAxNy0wNS0xOFQwMDowMDowMCIsIkVuZERhdGUiOiIyMDE3LTA3LTAzVDIzOjU5OjU5Ljk5OVoiLCJGb3JtYXQiOiJ3IiwiVHlwZSI6MSwiQXV0b0RhdGVSYW5nZSI6dHJ1ZSwiV29ya2luZ0RheXMiOjMxLCJUb2RheU1hcmtlclRleHQiOiJUb2RheSIsIkF1dG9TY2FsZVR5cGUiOmZhbHNlfSwiTWlsZXN0b25lcyI6W3siJGlkIjoiMTI4IiwiRGF0ZSI6IjIwMTctMDUtMTlUMjM6NTk6MDAiLCJTdHlsZSI6eyIkaWQiOiIxMjkiLCJTaGFwZSI6MTMsIkNvbm5lY3Rvck1hcmdpbiI6eyIkcmVmIjoiNTQifSwiQ29ubmVjdG9yU3R5bGUiOnsiJGlkIjoiMTMwIiwiTGluZUNvbG9yIjp7IiRpZCI6IjEzMSIsIiR0eXBlIjoiTkxSRS5Db21tb24uRG9tLlNvbGlkQ29sb3JCcnVzaCwgTkxSRS5Db21tb24iLCJDb2xvciI6eyIkaWQiOiIxMzIiLCJBIjoyNTUsIlIiOjI1NSwiRyI6MTkyLCJCIjowfX0sIkxpbmVXZWlnaHQiOjEuMCwiTGluZVR5cGUiOjAsIlBhcmVudFN0eWxlIjp7IiRyZWYiOiI1NSJ9fSwiSXNCZWxvd1RpbWViYW5kIjp0cnVlLCJIaWRlRGF0ZSI6ZmFsc2UsIlNoYXBlU2l6ZSI6MywiU3BhY2luZyI6MC4wLCJQYWRkaW5nIjp7IiRpZCI6IjEzMyIsIlRvcCI6MCwiTGVmdCI6MCwiUmlnaHQiOjAsIkJvdHRvbSI6MH0sIlNoYXBlU3R5bGUiOnsiJGlkIjoiMTM0IiwiTWFyZ2luIjp7IiRyZWYiOiI2MCJ9LCJQYWRkaW5nIjp7IiRyZWYiOiI2MSJ9LCJCYWNrZ3JvdW5kIjp7IiRpZCI6IjEzNSIsIkNvbG9yIjp7IiRpZCI6IjEzNiIsIkEiOjI1NSwiUiI6MjU1LCJHIjoxOTIsIkIiOjB9fSwiSXNWaXNpYmxlIjp0cnVlLCJXaWR0aCI6MTMuNSwiSGVpZ2h0IjoxNS4wLCJCb3JkZXJTdHlsZSI6eyIkaWQiOiIxMzciLCJMaW5lQ29sb3IiOnsiJHJlZiI6IjY1In0sIkxpbmVXZWlnaHQiOjAuMCwiTGluZVR5cGUiOjAsIlBhcmVudFN0eWxlIjp7IiRyZWYiOiI2NCJ9fSwiUGFyZW50U3R5bGUiOnsiJHJlZiI6IjU5In19LCJUaXRsZVN0eWxlIjp7IiRpZCI6IjEzOCIsIkZvbnRTZXR0aW5ncyI6eyIkaWQiOiIxMzkiLCJGb250U2l6ZSI6OCwiRm9udE5hbWUiOiJDYWxpYnJpIiwiSXNCb2xkIjp0cnVlLCJJc0l0YWxpYyI6ZmFsc2UsIklzVW5kZXJsaW5lZCI6ZmFsc2UsIlBhcmVudFN0eWxlIjp7IiRyZWYiOiI2OCJ9fSwiQXV0b1NpemUiOjIsIkZvcmVncm91bmQiOnsiJHJlZiI6IjY5In0sIk1heFdpZHRoIjo0MC41LCJNYXhIZWlnaHQiOiJJbmZpbml0eSIsIlNtYXJ0Rm9yZWdyb3VuZElzQWN0aXZlIjpmYWxzZSwiSG9yaXpvbnRhbEFsaWdubWVudCI6MSwiVmVydGljYWxBbGlnbm1lbnQiOjAsIlNtYXJ0Rm9yZWdyb3VuZCI6bnVsbCwiTWFyZ2luIjp7IiRyZWYiOiI3MSJ9LCJQYWRkaW5nIjp7IiRyZWYiOiI3MiJ9LCJCYWNrZ3JvdW5kIjp7IiRyZWYiOiI3MyJ9LCJJc1Zpc2libGUiOnRydWUsIldpZHRoIjowLjAsIkhlaWdodCI6MC4wLCJCb3JkZXJTdHlsZSI6eyIkaWQiOiIxNDAiLCJMaW5lQ29sb3IiOm51bGwsIkxpbmVXZWlnaHQiOjAuMCwiTGluZVR5cGUiOjAsIlBhcmVudFN0eWxlIjpudWxsfSwiUGFyZW50U3R5bGUiOnsiJHJlZiI6IjY3In19LCJEYXRlU3R5bGUiOnsiJGlkIjoiMTQxIiwiRm9udFNldHRpbmdzIjp7IiRpZCI6IjE0MiIsIkZvbnRTaXplIjo3LCJGb250TmFtZSI6IkNhbGlicmkiLCJJc0JvbGQiOmZhbHNlLCJJc0l0YWxpYyI6ZmFsc2UsIklzVW5kZXJsaW5lZCI6ZmFsc2UsIlBhcmVudFN0eWxlIjp7IiRyZWYiOiI3NSJ9fSwiQXV0b1NpemUiOjIsIkZvcmVncm91bmQiOnsiJHJlZiI6Ijc2In0sIk1heFdpZHRoIjozMi4yNSwiTWF4SGVpZ2h0IjoiSW5maW5pdHkiLCJTbWFydEZvcmVncm91bmRJc0FjdGl2ZSI6ZmFsc2UsIkhvcml6b250YWxBbGlnbm1lbnQiOjAsIlZlcnRpY2FsQWxpZ25tZW50IjowLCJTbWFydEZvcmVncm91bmQiOm51bGwsIk1hcmdpbiI6eyIkcmVmIjoiNzgifSwiUGFkZGluZyI6eyIkcmVmIjoiNzkifSwiQmFja2dyb3VuZCI6eyIkcmVmIjoiODAifSwiSXNWaXNpYmxlIjp0cnVlLCJXaWR0aCI6MC4wLCJIZWlnaHQiOjAuMCwiQm9yZGVyU3R5bGUiOnsiJGlkIjoiMTQzIiwiTGluZUNvbG9yIjpudWxsLCJMaW5lV2VpZ2h0IjowLjAsIkxpbmVUeXBlIjowLCJQYXJlbnRTdHlsZSI6bnVsbH0sIlBhcmVudFN0eWxlIjp7IiRyZWYiOiI3NCJ9fSwiRGF0ZUZvcm1hdCI6eyIkcmVmIjoiODEifSwiSXNWaXNpYmxlIjp0cnVlLCJQYXJlbnRTdHlsZSI6eyIkcmVmIjoiNTMifX0sIkluZGV4IjoxLCJQZXJjZW50YWdlQ29tcGxldGUiOm51bGwsIlBvc2l0aW9uIjp7IlJhdGlvIjowLjExNDk2OTI0NjQ3NTc4NDg3LCJJc0N1c3RvbSI6dHJ1ZX0sIkRhdGVGb3JtYXQiOnsiJHJlZiI6IjgxIn0sIklkIjoiY2U0OWI0NjEtZGFkYS00YjRiLWE4MDEtNmY5N2M1ZDY5MTIwIiwiSW1wb3J0SWQiOm51bGwsIlRpdGxlIjoiTWlsZXN0b25lIDEiLCJOb3RlIjpudWxsLCJIeXBlcmxpbmsiOm51bGwsIklzQ2hhbmdlZCI6ZmFsc2UsIklzTmV3Ijp0cnVlfSx7IiRpZCI6IjE0NCIsIkRhdGUiOiIyMDE3LTA1LTIzVDIzOjU5OjAwIiwiU3R5bGUiOnsiJGlkIjoiMTQ1IiwiU2hhcGUiOjEsIkNvbm5lY3Rvck1hcmdpbiI6eyIkcmVmIjoiNTQifSwiQ29ubmVjdG9yU3R5bGUiOnsiJGlkIjoiMTQ2IiwiTGluZUNvbG9yIjp7IiRpZCI6IjE0NyIsIiR0eXBlIjoiTkxSRS5Db21tb24uRG9tLlNvbGlkQ29sb3JCcnVzaCwgTkxSRS5Db21tb24iLCJDb2xvciI6eyIkaWQiOiIxNDgiLCJBIjoyNTUsIlIiOjkxLCJHIjoxNTUsIkIiOjIxM319LCJMaW5lV2VpZ2h0IjoxLjAsIkxpbmVUeXBlIjowLCJQYXJlbnRTdHlsZSI6eyIkcmVmIjoiNTUifX0sIklzQmVsb3dUaW1lYmFuZCI6dHJ1ZSwiSGlkZURhdGUiOmZhbHNlLCJTaGFwZVNpemUiOjMsIlNwYWNpbmciOjAuMCwiUGFkZGluZyI6eyIkaWQiOiIxNDkiLCJUb3AiOjAsIkxlZnQiOjAsIlJpZ2h0IjowLCJCb3R0b20iOjB9LCJTaGFwZVN0eWxlIjp7IiRpZCI6IjE1MCIsIk1hcmdpbiI6eyIkcmVmIjoiNjAifSwiUGFkZGluZyI6eyIkcmVmIjoiNjEifSwiQmFja2dyb3VuZCI6eyIkaWQiOiIxNTEiLCJDb2xvciI6eyIkaWQiOiIxNTIiLCJBIjoyNTUsIlIiOjkxLCJHIjoxNTUsIkIiOjIxM319LCJJc1Zpc2libGUiOnRydWUsIldpZHRoIjoxMy41LCJIZWlnaHQiOjE1LjAsIkJvcmRlclN0eWxlIjp7IiRpZCI6IjE1MyIsIkxpbmVDb2xvciI6eyIkcmVmIjoiNjUifSwiTGluZVdlaWdodCI6MC4wLCJMaW5lVHlwZSI6MCwiUGFyZW50U3R5bGUiOnsiJHJlZiI6IjY0In19LCJQYXJlbnRTdHlsZSI6eyIkcmVmIjoiNTkifX0sIlRpdGxlU3R5bGUiOnsiJGlkIjoiMTU0IiwiRm9udFNldHRpbmdzIjp7IiRpZCI6IjE1NSIsIkZvbnRTaXplIjo4LCJGb250TmFtZSI6IkNhbGlicmkiLCJJc0JvbGQiOnRydWUsIklzSXRhbGljIjpmYWxzZSwiSXNVbmRlcmxpbmVkIjpmYWxzZSwiUGFyZW50U3R5bGUiOnsiJHJlZiI6IjY4In19LCJBdXRvU2l6ZSI6MiwiRm9yZWdyb3VuZCI6eyIkcmVmIjoiNjkifSwiTWF4V2lkdGgiOjQwLjUsIk1heEhlaWdodCI6IkluZmluaXR5IiwiU21hcnRGb3JlZ3JvdW5kSXNBY3RpdmUiOmZhbHNlLCJIb3Jpem9udGFsQWxpZ25tZW50IjoxLCJWZXJ0aWNhbEFsaWdubWVudCI6MCwiU21hcnRGb3JlZ3JvdW5kIjpudWxsLCJNYXJnaW4iOnsiJHJlZiI6IjcxIn0sIlBhZGRpbmciOnsiJHJlZiI6IjcyIn0sIkJhY2tncm91bmQiOnsiJHJlZiI6IjczIn0sIklzVmlzaWJsZSI6dHJ1ZSwiV2lkdGgiOjAuMCwiSGVpZ2h0IjowLjAsIkJvcmRlclN0eWxlIjp7IiRpZCI6IjE1NiIsIkxpbmVDb2xvciI6bnVsbCwiTGluZVdlaWdodCI6MC4wLCJMaW5lVHlwZSI6MCwiUGFyZW50U3R5bGUiOm51bGx9LCJQYXJlbnRTdHlsZSI6eyIkcmVmIjoiNjcifX0sIkRhdGVTdHlsZSI6eyIkaWQiOiIxNTciLCJGb250U2V0dGluZ3MiOnsiJGlkIjoiMTU4IiwiRm9udFNpemUiOjcsIkZvbnROYW1lIjoiQ2FsaWJyaSIsIklzQm9sZCI6ZmFsc2UsIklzSXRhbGljIjpmYWxzZSwiSXNVbmRlcmxpbmVkIjpmYWxzZSwiUGFyZW50U3R5bGUiOnsiJHJlZiI6Ijc1In19LCJBdXRvU2l6ZSI6MiwiRm9yZWdyb3VuZCI6eyIkcmVmIjoiNzYifSwiTWF4V2lkdGgiOjM1LjI1LCJNYXhIZWlnaHQiOiJJbmZpbml0eSIsIlNtYXJ0Rm9yZWdyb3VuZElzQWN0aXZlIjpmYWxzZSwiSG9yaXpvbnRhbEFsaWdubWVudCI6MCwiVmVydGljYWxBbGlnbm1lbnQiOjAsIlNtYXJ0Rm9yZWdyb3VuZCI6bnVsbCwiTWFyZ2luIjp7IiRyZWYiOiI3OCJ9LCJQYWRkaW5nIjp7IiRyZWYiOiI3OSJ9LCJCYWNrZ3JvdW5kIjp7IiRyZWYiOiI4MCJ9LCJJc1Zpc2libGUiOnRydWUsIldpZHRoIjowLjAsIkhlaWdodCI6MC4wLCJCb3JkZXJTdHlsZSI6eyIkaWQiOiIxNTkiLCJMaW5lQ29sb3IiOm51bGwsIkxpbmVXZWlnaHQiOjAuMCwiTGluZVR5cGUiOjAsIlBhcmVudFN0eWxlIjpudWxsfSwiUGFyZW50U3R5bGUiOnsiJHJlZiI6Ijc0In19LCJEYXRlRm9ybWF0Ijp7IiRyZWYiOiI4MSJ9LCJJc1Zpc2libGUiOnRydWUsIlBhcmVudFN0eWxlIjp7IiRyZWYiOiI1MyJ9fSwiSW5kZXgiOjIsIlBlcmNlbnRhZ2VDb21wbGV0ZSI6bnVsbCwiUG9zaXRpb24iOnsiUmF0aW8iOjAuMCwiSXNDdXN0b20iOmZhbHNlfSwiRGF0ZUZvcm1hdCI6eyIkcmVmIjoiODEifSwiSWQiOiJmZjdkZWNiNi1lMGRiLTQ4NTEtYWM3Ny1jYzg5MDI0NDAwMDciLCJJbXBvcnRJZCI6bnVsbCwiVGl0bGUiOiJNaWxlc3RvbmUgMiIsIk5vdGUiOm51bGwsIkh5cGVybGluayI6bnVsbCwiSXNDaGFuZ2VkIjpmYWxzZSwiSXNOZXciOnRydWV9LHsiJGlkIjoiMTYwIiwiRGF0ZSI6IjIwMTctMDYtMDNUMjM6NTk6MDAiLCJTdHlsZSI6eyIkaWQiOiIxNjEiLCJTaGFwZSI6MSwiQ29ubmVjdG9yTWFyZ2luIjp7IiRyZWYiOiI1NCJ9LCJDb25uZWN0b3JTdHlsZSI6eyIkaWQiOiIxNjIiLCJMaW5lQ29sb3IiOnsiJGlkIjoiMTYzIiwiJHR5cGUiOiJOTFJFLkNvbW1vbi5Eb20uU29saWRDb2xvckJydXNoLCBOTFJFLkNvbW1vbiIsIkNvbG9yIjp7IiRpZCI6IjE2NCIsIkEiOjI1NSwiUiI6MjM3LCJHIjoxMjUsIkIiOjQ5fX0sIkxpbmVXZWlnaHQiOjEuMCwiTGluZVR5cGUiOjAsIlBhcmVudFN0eWxlIjp7IiRyZWYiOiI1NSJ9fSwiSXNCZWxvd1RpbWViYW5kIjp0cnVlLCJIaWRlRGF0ZSI6ZmFsc2UsIlNoYXBlU2l6ZSI6MywiU3BhY2luZyI6MC4wLCJQYWRkaW5nIjp7IiRpZCI6IjE2NSIsIlRvcCI6MCwiTGVmdCI6MCwiUmlnaHQiOjAsIkJvdHRvbSI6MH0sIlNoYXBlU3R5bGUiOnsiJGlkIjoiMTY2IiwiTWFyZ2luIjp7IiRyZWYiOiI2MCJ9LCJQYWRkaW5nIjp7IiRyZWYiOiI2MSJ9LCJCYWNrZ3JvdW5kIjp7IiRpZCI6IjE2NyIsIkNvbG9yIjp7IiRpZCI6IjE2OCIsIkEiOjI1NSwiUiI6MjM3LCJHIjoxMjUsIkIiOjQ5fX0sIklzVmlzaWJsZSI6dHJ1ZSwiV2lkdGgiOjEzLjUsIkhlaWdodCI6MTUuMCwiQm9yZGVyU3R5bGUiOnsiJGlkIjoiMTY5IiwiTGluZUNvbG9yIjp7IiRyZWYiOiI2NSJ9LCJMaW5lV2VpZ2h0IjowLjAsIkxpbmVUeXBlIjowLCJQYXJlbnRTdHlsZSI6eyIkcmVmIjoiNjQifX0sIlBhcmVudFN0eWxlIjp7IiRyZWYiOiI1OSJ9fSwiVGl0bGVTdHlsZSI6eyIkaWQiOiIxNzAiLCJGb250U2V0dGluZ3MiOnsiJGlkIjoiMTcxIiwiRm9udFNpemUiOjgsIkZvbnROYW1lIjoiQ2FsaWJyaSIsIklzQm9sZCI6dHJ1ZSwiSXNJdGFsaWMiOmZhbHNlLCJJc1VuZGVybGluZWQiOmZhbHNlLCJQYXJlbnRTdHlsZSI6eyIkcmVmIjoiNjgifX0sIkF1dG9TaXplIjoyLCJGb3JlZ3JvdW5kIjp7IiRyZWYiOiI2OSJ9LCJNYXhXaWR0aCI6NDAuNSwiTWF4SGVpZ2h0IjoiSW5maW5pdHkiLCJTbWFydEZvcmVncm91bmRJc0FjdGl2ZSI6ZmFsc2UsIkhvcml6b250YWxBbGlnbm1lbnQiOjEsIlZlcnRpY2FsQWxpZ25tZW50IjowLCJTbWFydEZvcmVncm91bmQiOm51bGwsIk1hcmdpbiI6eyIkcmVmIjoiNzEifSwiUGFkZGluZyI6eyIkcmVmIjoiNzIifSwiQmFja2dyb3VuZCI6eyIkcmVmIjoiNzMifSwiSXNWaXNpYmxlIjp0cnVlLCJXaWR0aCI6MC4wLCJIZWlnaHQiOjAuMCwiQm9yZGVyU3R5bGUiOnsiJGlkIjoiMTcyIiwiTGluZUNvbG9yIjpudWxsLCJMaW5lV2VpZ2h0IjowLjAsIkxpbmVUeXBlIjowLCJQYXJlbnRTdHlsZSI6bnVsbH0sIlBhcmVudFN0eWxlIjp7IiRyZWYiOiI2NyJ9fSwiRGF0ZVN0eWxlIjp7IiRpZCI6IjE3MyIsIkZvbnRTZXR0aW5ncyI6eyIkaWQiOiIxNzQiLCJGb250U2l6ZSI6NywiRm9udE5hbWUiOiJDYWxpYnJpIiwiSXNCb2xkIjpmYWxzZSwiSXNJdGFsaWMiOmZhbHNlLCJJc1VuZGVybGluZWQiOmZhbHNlLCJQYXJlbnRTdHlsZSI6eyIkcmVmIjoiNzUifX0sIkF1dG9TaXplIjoyLCJGb3JlZ3JvdW5kIjp7IiRyZWYiOiI3NiJ9LCJNYXhXaWR0aCI6MjcuMCwiTWF4SGVpZ2h0IjoiSW5maW5pdHkiLCJTbWFydEZvcmVncm91bmRJc0FjdGl2ZSI6ZmFsc2UsIkhvcml6b250YWxBbGlnbm1lbnQiOjAsIlZlcnRpY2FsQWxpZ25tZW50IjowLCJTbWFydEZvcmVncm91bmQiOm51bGwsIk1hcmdpbiI6eyIkcmVmIjoiNzgifSwiUGFkZGluZyI6eyIkcmVmIjoiNzkifSwiQmFja2dyb3VuZCI6eyIkcmVmIjoiODAifSwiSXNWaXNpYmxlIjp0cnVlLCJXaWR0aCI6MC4wLCJIZWlnaHQiOjAuMCwiQm9yZGVyU3R5bGUiOnsiJGlkIjoiMTc1IiwiTGluZUNvbG9yIjpudWxsLCJMaW5lV2VpZ2h0IjowLjAsIkxpbmVUeXBlIjowLCJQYXJlbnRTdHlsZSI6bnVsbH0sIlBhcmVudFN0eWxlIjp7IiRyZWYiOiI3NCJ9fSwiRGF0ZUZvcm1hdCI6eyIkcmVmIjoiODEifSwiSXNWaXNpYmxlIjp0cnVlLCJQYXJlbnRTdHlsZSI6eyIkcmVmIjoiNTMifX0sIkluZGV4IjozLCJQZXJjZW50YWdlQ29tcGxldGUiOm51bGwsIlBvc2l0aW9uIjp7IlJhdGlvIjowLjA4MzM5NzYyNTExMDc2NzUwOSwiSXNDdXN0b20iOnRydWV9LCJEYXRlRm9ybWF0Ijp7IiRyZWYiOiI4MSJ9LCJJZCI6Ijk0MzhiODVlLWUxZjUtNDA2MS05ODA3LTMzYmQ0NzQ4OTA5NCIsIkltcG9ydElkIjpudWxsLCJUaXRsZSI6Ik1pbGVzdG9uZSAzIiwiTm90ZSI6bnVsbCwiSHlwZXJsaW5rIjpudWxsLCJJc0NoYW5nZWQiOmZhbHNlLCJJc05ldyI6dHJ1ZX0seyIkaWQiOiIxNzYiLCJEYXRlIjoiMjAxNy0wNi0xOFQyMzo1OTowMCIsIlN0eWxlIjp7IiRpZCI6IjE3NyIsIlNoYXBlIjoxLCJDb25uZWN0b3JNYXJnaW4iOnsiJHJlZiI6IjU0In0sIkNvbm5lY3RvclN0eWxlIjp7IiRpZCI6IjE3OCIsIkxpbmVDb2xvciI6eyIkaWQiOiIxNzkiLCIkdHlwZSI6Ik5MUkUuQ29tbW9uLkRvbS5Tb2xpZENvbG9yQnJ1c2gsIE5MUkUuQ29tbW9uIiwiQ29sb3IiOnsiJGlkIjoiMTgwIiwiQSI6MjU1LCJSIjoxNzgsIkciOjE0LCJCIjoxOH19LCJMaW5lV2VpZ2h0IjoxLjAsIkxpbmVUeXBlIjowLCJQYXJlbnRTdHlsZSI6eyIkcmVmIjoiNTUifX0sIklzQmVsb3dUaW1lYmFuZCI6dHJ1ZSwiSGlkZURhdGUiOmZhbHNlLCJTaGFwZVNpemUiOjMsIlNwYWNpbmciOjAuMCwiUGFkZGluZyI6eyIkaWQiOiIxODEiLCJUb3AiOjAsIkxlZnQiOjAsIlJpZ2h0IjowLCJCb3R0b20iOjB9LCJTaGFwZVN0eWxlIjp7IiRpZCI6IjE4MiIsIk1hcmdpbiI6eyIkcmVmIjoiNjAifSwiUGFkZGluZyI6eyIkcmVmIjoiNjEifSwiQmFja2dyb3VuZCI6eyIkaWQiOiIxODMiLCJDb2xvciI6eyIkaWQiOiIxODQiLCJBIjoyNTUsIlIiOjE3OCwiRyI6MTQsIkIiOjE4fX0sIklzVmlzaWJsZSI6dHJ1ZSwiV2lkdGgiOjEzLjUsIkhlaWdodCI6MTUuMCwiQm9yZGVyU3R5bGUiOnsiJGlkIjoiMTg1IiwiTGluZUNvbG9yIjp7IiRyZWYiOiI2NSJ9LCJMaW5lV2VpZ2h0IjowLjAsIkxpbmVUeXBlIjowLCJQYXJlbnRTdHlsZSI6eyIkcmVmIjoiNjQifX0sIlBhcmVudFN0eWxlIjp7IiRyZWYiOiI1OSJ9fSwiVGl0bGVTdHlsZSI6eyIkaWQiOiIxODYiLCJGb250U2V0dGluZ3MiOnsiJGlkIjoiMTg3IiwiRm9udFNpemUiOjgsIkZvbnROYW1lIjoiQ2FsaWJyaSIsIklzQm9sZCI6dHJ1ZSwiSXNJdGFsaWMiOmZhbHNlLCJJc1VuZGVybGluZWQiOmZhbHNlLCJQYXJlbnRTdHlsZSI6eyIkcmVmIjoiNjgifX0sIkF1dG9TaXplIjoyLCJGb3JlZ3JvdW5kIjp7IiRyZWYiOiI2OSJ9LCJNYXhXaWR0aCI6NDAuNSwiTWF4SGVpZ2h0IjoiSW5maW5pdHkiLCJTbWFydEZvcmVncm91bmRJc0FjdGl2ZSI6ZmFsc2UsIkhvcml6b250YWxBbGlnbm1lbnQiOjEsIlZlcnRpY2FsQWxpZ25tZW50IjowLCJTbWFydEZvcmVncm91bmQiOm51bGwsIk1hcmdpbiI6eyIkcmVmIjoiNzEifSwiUGFkZGluZyI6eyIkcmVmIjoiNzIifSwiQmFja2dyb3VuZCI6eyIkcmVmIjoiNzMifSwiSXNWaXNpYmxlIjp0cnVlLCJXaWR0aCI6MC4wLCJIZWlnaHQiOjAuMCwiQm9yZGVyU3R5bGUiOnsiJGlkIjoiMTg4IiwiTGluZUNvbG9yIjpudWxsLCJMaW5lV2VpZ2h0IjowLjAsIkxpbmVUeXBlIjowLCJQYXJlbnRTdHlsZSI6bnVsbH0sIlBhcmVudFN0eWxlIjp7IiRyZWYiOiI2NyJ9fSwiRGF0ZVN0eWxlIjp7IiRpZCI6IjE4OSIsIkZvbnRTZXR0aW5ncyI6eyIkaWQiOiIxOTAiLCJGb250U2l6ZSI6NywiRm9udE5hbWUiOiJDYWxpYnJpIiwiSXNCb2xkIjpmYWxzZSwiSXNJdGFsaWMiOmZhbHNlLCJJc1VuZGVybGluZWQiOmZhbHNlLCJQYXJlbnRTdHlsZSI6eyIkcmVmIjoiNzUifX0sIkF1dG9TaXplIjoyLCJGb3JlZ3JvdW5kIjp7IiRyZWYiOiI3NiJ9LCJNYXhXaWR0aCI6MzMuMCwiTWF4SGVpZ2h0IjoiSW5maW5pdHkiLCJTbWFydEZvcmVncm91bmRJc0FjdGl2ZSI6ZmFsc2UsIkhvcml6b250YWxBbGlnbm1lbnQiOjAsIlZlcnRpY2FsQWxpZ25tZW50IjowLCJTbWFydEZvcmVncm91bmQiOm51bGwsIk1hcmdpbiI6eyIkcmVmIjoiNzgifSwiUGFkZGluZyI6eyIkcmVmIjoiNzkifSwiQmFja2dyb3VuZCI6eyIkcmVmIjoiODAifSwiSXNWaXNpYmxlIjp0cnVlLCJXaWR0aCI6MC4wLCJIZWlnaHQiOjAuMCwiQm9yZGVyU3R5bGUiOnsiJGlkIjoiMTkxIiwiTGluZUNvbG9yIjpudWxsLCJMaW5lV2VpZ2h0IjowLjAsIkxpbmVUeXBlIjowLCJQYXJlbnRTdHlsZSI6bnVsbH0sIlBhcmVudFN0eWxlIjp7IiRyZWYiOiI3NCJ9fSwiRGF0ZUZvcm1hdCI6eyIkcmVmIjoiODEifSwiSXNWaXNpYmxlIjp0cnVlLCJQYXJlbnRTdHlsZSI6eyIkcmVmIjoiNTMifX0sIkluZGV4Ijo0LCJQZXJjZW50YWdlQ29tcGxldGUiOm51bGwsIlBvc2l0aW9uIjp7IlJhdGlvIjowLjAsIklzQ3VzdG9tIjpmYWxzZX0sIkRhdGVGb3JtYXQiOnsiJHJlZiI6IjgxIn0sIklkIjoiZDY1NWYwODktNDc3Yi00MzZmLWFjYzUtMzA0ODBlYWU4NGU1IiwiSW1wb3J0SWQiOm51bGwsIlRpdGxlIjoiTWlsZXN0b25lIDQiLCJOb3RlIjpudWxsLCJIeXBlcmxpbmsiOm51bGwsIklzQ2hhbmdlZCI6ZmFsc2UsIklzTmV3Ijp0cnVlfSx7IiRpZCI6IjE5MiIsIkRhdGUiOiIyMDE3LTA3LTAzVDIzOjU5OjAwIiwiU3R5bGUiOnsiJGlkIjoiMTkzIiwiU2hhcGUiOjE0LCJDb25uZWN0b3JNYXJnaW4iOnsiJHJlZiI6IjU0In0sIkNvbm5lY3RvclN0eWxlIjp7IiRpZCI6IjE5NCIsIkxpbmVDb2xvciI6eyIkaWQiOiIxOTUiLCIkdHlwZSI6Ik5MUkUuQ29tbW9uLkRvbS5Tb2xpZENvbG9yQnJ1c2gsIE5MUkUuQ29tbW9uIiwiQ29sb3IiOnsiJGlkIjoiMTk2IiwiQSI6MjU1LCJSIjoxMTIsIkciOjE3MywiQiI6NzF9fSwiTGluZVdlaWdodCI6MS4wLCJMaW5lVHlwZSI6MCwiUGFyZW50U3R5bGUiOnsiJHJlZiI6IjU1In19LCJJc0JlbG93VGltZWJhbmQiOnRydWUsIkhpZGVEYXRlIjpmYWxzZSwiU2hhcGVTaXplIjozLCJTcGFjaW5nIjowLjAsIlBhZGRpbmciOnsiJGlkIjoiMTk3IiwiVG9wIjowLCJMZWZ0IjowLCJSaWdodCI6MCwiQm90dG9tIjowfSwiU2hhcGVTdHlsZSI6eyIkaWQiOiIxOTgiLCJNYXJnaW4iOnsiJHJlZiI6IjYwIn0sIlBhZGRpbmciOnsiJHJlZiI6IjYxIn0sIkJhY2tncm91bmQiOnsiJGlkIjoiMTk5IiwiQ29sb3IiOnsiJGlkIjoiMjAwIiwiQSI6MjU1LCJSIjoxMTIsIkciOjE3MywiQiI6NzF9fSwiSXNWaXNpYmxlIjp0cnVlLCJXaWR0aCI6MTMuNSwiSGVpZ2h0IjoxNS4wLCJCb3JkZXJTdHlsZSI6eyIkaWQiOiIyMDEiLCJMaW5lQ29sb3IiOnsiJHJlZiI6IjY1In0sIkxpbmVXZWlnaHQiOjAuMCwiTGluZVR5cGUiOjAsIlBhcmVudFN0eWxlIjp7IiRyZWYiOiI2NCJ9fSwiUGFyZW50U3R5bGUiOnsiJHJlZiI6IjU5In19LCJUaXRsZVN0eWxlIjp7IiRpZCI6IjIwMiIsIkZvbnRTZXR0aW5ncyI6eyIkaWQiOiIyMDMiLCJGb250U2l6ZSI6OCwiRm9udE5hbWUiOiJDYWxpYnJpIiwiSXNCb2xkIjp0cnVlLCJJc0l0YWxpYyI6ZmFsc2UsIklzVW5kZXJsaW5lZCI6ZmFsc2UsIlBhcmVudFN0eWxlIjp7IiRyZWYiOiI2OCJ9fSwiQXV0b1NpemUiOjIsIkZvcmVncm91bmQiOnsiJHJlZiI6IjY5In0sIk1heFdpZHRoIjo0MC41LCJNYXhIZWlnaHQiOiJJbmZpbml0eSIsIlNtYXJ0Rm9yZWdyb3VuZElzQWN0aXZlIjpmYWxzZSwiSG9yaXpvbnRhbEFsaWdubWVudCI6MSwiVmVydGljYWxBbGlnbm1lbnQiOjAsIlNtYXJ0Rm9yZWdyb3VuZCI6bnVsbCwiTWFyZ2luIjp7IiRyZWYiOiI3MSJ9LCJQYWRkaW5nIjp7IiRyZWYiOiI3MiJ9LCJCYWNrZ3JvdW5kIjp7IiRyZWYiOiI3MyJ9LCJJc1Zpc2libGUiOnRydWUsIldpZHRoIjowLjAsIkhlaWdodCI6MC4wLCJCb3JkZXJTdHlsZSI6eyIkaWQiOiIyMDQiLCJMaW5lQ29sb3IiOm51bGwsIkxpbmVXZWlnaHQiOjAuMCwiTGluZVR5cGUiOjAsIlBhcmVudFN0eWxlIjpudWxsfSwiUGFyZW50U3R5bGUiOnsiJHJlZiI6IjY3In19LCJEYXRlU3R5bGUiOnsiJGlkIjoiMjA1IiwiRm9udFNldHRpbmdzIjp7IiRpZCI6IjIwNiIsIkZvbnRTaXplIjo3LCJGb250TmFtZSI6IkNhbGlicmkiLCJJc0JvbGQiOmZhbHNlLCJJc0l0YWxpYyI6ZmFsc2UsIklzVW5kZXJsaW5lZCI6ZmFsc2UsIlBhcmVudFN0eWxlIjp7IiRyZWYiOiI3NSJ9fSwiQXV0b1NpemUiOjIsIkZvcmVncm91bmQiOnsiJHJlZiI6Ijc2In0sIk1heFdpZHRoIjozMC4wLCJNYXhIZWlnaHQiOiJJbmZpbml0eSIsIlNtYXJ0Rm9yZWdyb3VuZElzQWN0aXZlIjpmYWxzZSwiSG9yaXpvbnRhbEFsaWdubWVudCI6MCwiVmVydGljYWxBbGlnbm1lbnQiOjAsIlNtYXJ0Rm9yZWdyb3VuZCI6bnVsbCwiTWFyZ2luIjp7IiRyZWYiOiI3OCJ9LCJQYWRkaW5nIjp7IiRyZWYiOiI3OSJ9LCJCYWNrZ3JvdW5kIjp7IiRyZWYiOiI4MCJ9LCJJc1Zpc2libGUiOnRydWUsIldpZHRoIjowLjAsIkhlaWdodCI6MC4wLCJCb3JkZXJTdHlsZSI6eyIkaWQiOiIyMDciLCJMaW5lQ29sb3IiOm51bGwsIkxpbmVXZWlnaHQiOjAuMCwiTGluZVR5cGUiOjAsIlBhcmVudFN0eWxlIjpudWxsfSwiUGFyZW50U3R5bGUiOnsiJHJlZiI6Ijc0In19LCJEYXRlRm9ybWF0Ijp7IiRyZWYiOiI4MSJ9LCJJc1Zpc2libGUiOnRydWUsIlBhcmVudFN0eWxlIjp7IiRyZWYiOiI1MyJ9fSwiSW5kZXgiOjUsIlBlcmNlbnRhZ2VDb21wbGV0ZSI6bnVsbCwiUG9zaXRpb24iOnsiUmF0aW8iOjAuMDgzMzk3NjI1MTEwNzY3NTA5LCJJc0N1c3RvbSI6dHJ1ZX0sIkRhdGVGb3JtYXQiOnsiJHJlZiI6IjgxIn0sIklkIjoiMDBiNzk0OTgtMmY0MS00ODdhLWEyMjgtNTg2NGUzMGMwNDQ1IiwiSW1wb3J0SWQiOm51bGwsIlRpdGxlIjoiTWlsZXN0b25lIDUiLCJOb3RlIjpudWxsLCJIeXBlcmxpbmsiOm51bGwsIklzQ2hhbmdlZCI6ZmFsc2UsIklzTmV3Ijp0cnVlfV0sIlRhc2tzIjpbeyIkaWQiOiIyMDgiLCJHcm91cE5hbWUiOm51bGwsIlN0YXJ0RGF0ZSI6IjIwMTctMDUtMTlUMDA6MDA6MDBaIiwiRW5kRGF0ZSI6IjIwMTctMDYtMDJUMjM6NTk6MDBaIiwiUGVyY2VudGFnZUNvbXBsZXRlIjoxMDAuMCwiU3R5bGUiOnsiJGlkIjoiMjA5IiwiU2hhcGUiOjYsIlNoYXBlVGhpY2tuZXNzIjozLCJEdXJhdGlvbkZvcm1hdCI6MCwiSW5jbHVkZU5vbldvcmtpbmdEYXlzSW5EdXJhdGlvbiI6ZmFsc2UsIlBlcmNlbnRhZ2VDb21wbGV0ZVN0eWxlIjp7IiRpZCI6IjIxMCIsIkZvbnRTZXR0aW5ncyI6eyIkaWQiOiIyMTEiLCJGb250U2l6ZSI6MTAsIkZvbnROYW1lIjoiQ2FsaWJyaSIsIklzQm9sZCI6ZmFsc2UsIklzSXRhbGljIjpmYWxzZSwiSXNVbmRlcmxpbmVkIjpmYWxzZSwiUGFyZW50U3R5bGUiOnsiJHJlZiI6Ijg0In19LCJBdXRvU2l6ZSI6MCwiRm9yZWdyb3VuZCI6eyIkaWQiOiIyMTIiLCJDb2xvciI6eyIkaWQiOiIyMTMiLCJBIjoyNTUsIlIiOjIzNywiRyI6MTI1LCJCIjo0OX19LCJNYXhXaWR0aCI6MjAwLjAsIk1heEhlaWdodCI6IkluZmluaXR5IiwiU21hcnRGb3JlZ3JvdW5kSXNBY3RpdmUiOmZhbHNlLCJIb3Jpem9udGFsQWxpZ25tZW50IjowLCJWZXJ0aWNhbEFsaWdubWVudCI6MCwiU21hcnRGb3JlZ3JvdW5kIjpudWxsLCJNYXJnaW4iOnsiJHJlZiI6Ijg3In0sIlBhZGRpbmciOnsiJHJlZiI6Ijg4In0sIkJhY2tncm91bmQiOnsiJHJlZiI6Ijg5In0sIklzVmlzaWJsZSI6dHJ1ZSwiV2lkdGgiOjAuMCwiSGVpZ2h0IjowLjAsIkJvcmRlclN0eWxlIjp7IiRpZCI6IjIxNCIsIkxpbmVDb2xvciI6bnVsbCwiTGluZVdlaWdodCI6MC4wLCJMaW5lVHlwZSI6MCwiUGFyZW50U3R5bGUiOm51bGx9LCJQYXJlbnRTdHlsZSI6eyIkcmVmIjoiODMifX0sIkR1cmF0aW9uU3R5bGUiOnsiJGlkIjoiMjE1IiwiRm9udFNldHRpbmdzIjp7IiRpZCI6IjIxNiIsIkZvbnRTaXplIjoxMCwiRm9udE5hbWUiOiJDYWxpYnJpIiwiSXNCb2xkIjpmYWxzZSwiSXNJdGFsaWMiOmZhbHNlLCJJc1VuZGVybGluZWQiOmZhbHNlLCJQYXJlbnRTdHlsZSI6eyIkcmVmIjoiOTEifX0sIkF1dG9TaXplIjowLCJGb3JlZ3JvdW5kIjp7IiRyZWYiOiI5MiJ9LCJNYXhXaWR0aCI6MjAwLjAsIk1heEhlaWdodCI6IkluZmluaXR5IiwiU21hcnRGb3JlZ3JvdW5kSXNBY3RpdmUiOmZhbHNlLCJIb3Jpem9udGFsQWxpZ25tZW50IjowLCJWZXJ0aWNhbEFsaWdubWVudCI6MCwiU21hcnRGb3JlZ3JvdW5kIjpudWxsLCJNYXJnaW4iOnsiJHJlZiI6Ijk0In0sIlBhZGRpbmciOnsiJHJlZiI6Ijk1In0sIkJhY2tncm91bmQiOnsiJHJlZiI6Ijk2In0sIklzVmlzaWJsZSI6dHJ1ZSwiV2lkdGgiOjAuMCwiSGVpZ2h0IjowLjAsIkJvcmRlclN0eWxlIjp7IiRpZCI6IjIxNyIsIkxpbmVDb2xvciI6bnVsbCwiTGluZVdlaWdodCI6MC4wLCJMaW5lVHlwZSI6MCwiUGFyZW50U3R5bGUiOm51bGx9LCJQYXJlbnRTdHlsZSI6eyIkcmVmIjoiOTAifX0sIkhvcml6b250YWxDb25uZWN0b3JTdHlsZSI6eyIkaWQiOiIyMTgiLCJMaW5lQ29sb3IiOnsiJHJlZiI6Ijk4In0sIkxpbmVXZWlnaHQiOjAuMCwiTGluZVR5cGUiOjAsIlBhcmVudFN0eWxlIjp7IiRyZWYiOiI5NyJ9fSwiVmVydGljYWxDb25uZWN0b3JTdHlsZSI6eyIkaWQiOiIyMTkiLCJMaW5lQ29sb3IiOnsiJGlkIjoiMjIwIiwiJHR5cGUiOiJOTFJFLkNvbW1vbi5Eb20uU29saWRDb2xvckJydXNoLCBOTFJFLkNvbW1vbiIsIkNvbG9yIjp7IiRpZCI6IjIyMSIsIkEiOjI1NSwiUiI6MTEyLCJHIjoxNzMsIkIiOjcxfX0sIkxpbmVXZWlnaHQiOjEuMCwiTGluZVR5cGUiOjAsIlBhcmVudFN0eWxlIjp7IiRyZWYiOiIxMDAifX0sIk1hcmdpbiI6bnVsbCwiU3RhcnREYXRlUG9zaXRpb24iOjQsIkVuZERhdGVQb3NpdGlvbiI6NCwiRGF0ZUlzVmlzaWJsZSI6dHJ1ZSwiVGl0bGVQb3NpdGlvbiI6MywiRHVyYXRpb25Qb3NpdGlvbiI6NiwiUGVyY2VudGFnZUNvbXBsZXRlZFBvc2l0aW9uIjo2LCJTcGFjaW5nIjoxMCwiSXNCZWxvd1RpbWViYW5kIjpmYWxzZSwiUGVyY2VudGFnZUNvbXBsZXRlU2hhcGVPcGFjaXR5IjozNSwiU2hhcGVTdHlsZSI6eyIkaWQiOiIyMjIiLCJNYXJnaW4iOnsiJHJlZiI6IjEwNCJ9LCJQYWRkaW5nIjp7IiRpZCI6IjIyMyIsIlRvcCI6MywiTGVmdCI6MCwiUmlnaHQiOjAsIkJvdHRvbSI6NH0sIkJhY2tncm91bmQiOnsiJGlkIjoiMjI0IiwiQ29sb3IiOnsiJGlkIjoiMjI1IiwiQSI6MjU1LCJSIjoxNTAsIkciOjIxNCwiQiI6NjZ9fSwiSXNWaXNpYmxlIjp0cnVlLCJXaWR0aCI6MC4wLCJIZWlnaHQiOjE2LjUsIkJvcmRlclN0eWxlIjp7IiRpZCI6IjIyNiIsIkxpbmVDb2xvciI6eyIkaWQiOiIyMjciLCIkdHlwZSI6Ik5MUkUuQ29tbW9uLkRvbS5Tb2xpZENvbG9yQnJ1c2gsIE5MUkUuQ29tbW9uIiwiQ29sb3IiOnsiJGlkIjoiMjI4IiwiQSI6MjU1LCJSIjoyNTUsIkciOjAsIkIiOjB9fSwiTGluZVdlaWdodCI6MC4wLCJMaW5lVHlwZSI6MCwiUGFyZW50U3R5bGUiOm51bGx9LCJQYXJlbnRTdHlsZSI6eyIkcmVmIjoiMTAzIn19LCJUaXRsZVN0eWxlIjp7IiRpZCI6IjIyOSIsIkZvbnRTZXR0aW5ncyI6eyIkaWQiOiIyMzAiLCJGb250U2l6ZSI6OCwiRm9udE5hbWUiOiJDYWxpYnJpIiwiSXNCb2xkIjp0cnVlLCJJc0l0YWxpYyI6ZmFsc2UsIklzVW5kZXJsaW5lZCI6ZmFsc2UsIlBhcmVudFN0eWxlIjp7IiRyZWYiOiIxMTIifX0sIkF1dG9TaXplIjoyLCJGb3JlZ3JvdW5kIjp7IiRpZCI6IjIzMSIsIkNvbG9yIjp7IiRpZCI6IjIzMiIsIkEiOjI1NSwiUiI6MCwiRyI6MCwiQiI6MH19LCJNYXhXaWR0aCI6MzYuMCwiTWF4SGVpZ2h0IjoiSW5maW5pdHkiLCJTbWFydEZvcmVncm91bmRJc0FjdGl2ZSI6ZmFsc2UsIkhvcml6b250YWxBbGlnbm1lbnQiOjIsIlZlcnRpY2FsQWxpZ25tZW50IjowLCJTbWFydEZvcmVncm91bmQiOm51bGwsIk1hcmdpbiI6eyIkcmVmIjoiMTE1In0sIlBhZGRpbmciOnsiJHJlZiI6IjExNiJ9LCJCYWNrZ3JvdW5kIjp7IiRyZWYiOiIxMTcifSwiSXNWaXNpYmxlIjp0cnVlLCJXaWR0aCI6MC4wLCJIZWlnaHQiOjAuMCwiQm9yZGVyU3R5bGUiOnsiJGlkIjoiMjMzIiwiTGluZUNvbG9yIjpudWxsLCJMaW5lV2VpZ2h0IjowLjAsIkxpbmVUeXBlIjowLCJQYXJlbnRTdHlsZSI6bnVsbH0sIlBhcmVudFN0eWxlIjp7IiRyZWYiOiIxMTEifX0sIkRhdGVTdHlsZSI6eyIkaWQiOiIyMzQiLCJGb250U2V0dGluZ3MiOnsiJGlkIjoiMjM1IiwiRm9udFNpemUiOjcsIkZvbnROYW1lIjoiQ2FsaWJyaSIsIklzQm9sZCI6dHJ1ZSwiSXNJdGFsaWMiOmZhbHNlLCJJc1VuZGVybGluZWQiOmZhbHNlLCJQYXJlbnRTdHlsZSI6eyIkcmVmIjoiMTE5In19LCJBdXRvU2l6ZSI6MiwiRm9yZWdyb3VuZCI6eyIkaWQiOiIyMzYiLCJDb2xvciI6eyIkaWQiOiIyMzciLCJBIjoyNTUsIlIiOjExMiwiRyI6MTczLCJCIjo3MX19LCJNYXhXaWR0aCI6NDUuMCwiTWF4SGVpZ2h0IjoiSW5maW5pdHkiLCJTbWFydEZvcmVncm91bmRJc0FjdGl2ZSI6ZmFsc2UsIkhvcml6b250YWxBbGlnbm1lbnQiOjAsIlZlcnRpY2FsQWxpZ25tZW50IjowLCJTbWFydEZvcmVncm91bmQiOm51bGwsIk1hcmdpbiI6eyIkcmVmIjoiMTIyIn0sIlBhZGRpbmciOnsiJHJlZiI6IjEyMyJ9LCJCYWNrZ3JvdW5kIjp7IiRyZWYiOiIxMjQifSwiSXNWaXNpYmxlIjp0cnVlLCJXaWR0aCI6MC4wLCJIZWlnaHQiOjAuMCwiQm9yZGVyU3R5bGUiOnsiJGlkIjoiMjM4IiwiTGluZUNvbG9yIjpudWxsLCJMaW5lV2VpZ2h0IjowLjAsIkxpbmVUeXBlIjowLCJQYXJlbnRTdHlsZSI6bnVsbH0sIlBhcmVudFN0eWxlIjp7IiRyZWYiOiIxMTgifX0sIkRhdGVGb3JtYXQiOnsiJGlkIjoiMjM5IiwiRm9ybWF0U3RyaW5nIjoiTU1NIGQiLCJTZXBhcmF0b3IiOiIvIiwiVXNlSW50ZXJuYXRpb25hbERhdGVGb3JtYXQiOmZhbHNlLCJEYXRlSXNWaXNpYmxlIjp0cnVlLCJUaW1lSXNWaXNpYmxlIjpmYWxzZSwiSG91ckRpZ2l0cyI6MSwiQW1QbURlc2lnbmF0b3IiOjIsIlRyaW0wME1pbnV0ZXMiOmZhbHNlLCJMYXN0S25vd25WaXNpYmlsaXR5U3RhdGUiOm51bGx9LCJJc1Zpc2libGUiOnRydWUsIlBhcmVudFN0eWxlIjp7IiRyZWYiOiI4MiJ9fSwiSW5kZXgiOjYsIlNtYXJ0RHVyYXRpb25BY3RpdmF0ZWQiOmZhbHNlLCJEYXRlRm9ybWF0Ijp7IiRyZWYiOiIyMzkifSwiSWQiOiIyNTA4ZWZhMi04ZmYzLTQ5ZGEtOGJjNi04MzdiMGMxMmYzZjIiLCJJbXBvcnRJZCI6bnVsbCwiVGl0bGUiOiJTRUNUSU9OIDEiLCJOb3RlIjpudWxsLCJIeXBlcmxpbmsiOm51bGwsIklzQ2hhbmdlZCI6ZmFsc2UsIklzTmV3Ijp0cnVlfSx7IiRpZCI6IjI0MCIsIkdyb3VwTmFtZSI6IjVmY2NiZTg2LWVkODktNGQ1OC1hMzgzLWI4ZDkyYjE0YzQ3YiIsIlN0YXJ0RGF0ZSI6IjIwMTctMDUtMTlUMDA6MDA6MDBaIiwiRW5kRGF0ZSI6IjIwMTctMDUtMjNUMjM6NTk6MDAiLCJQZXJjZW50YWdlQ29tcGxldGUiOm51bGwsIlN0eWxlIjp7IiRpZCI6IjI0MSIsIlNoYXBlIjo0LCJTaGFwZVRoaWNrbmVzcyI6MywiRHVyYXRpb25Gb3JtYXQiOjAsIkluY2x1ZGVOb25Xb3JraW5nRGF5c0luRHVyYXRpb24iOmZhbHNlLCJQZXJjZW50YWdlQ29tcGxldGVTdHlsZSI6eyIkaWQiOiIyNDIiLCJGb250U2V0dGluZ3MiOnsiJGlkIjoiMjQzIiwiRm9udFNpemUiOjEwLCJGb250TmFtZSI6IkNhbGlicmkiLCJJc0JvbGQiOmZhbHNlLCJJc0l0YWxpYyI6ZmFsc2UsIklzVW5kZXJsaW5lZCI6ZmFsc2UsIlBhcmVudFN0eWxlIjp7IiRyZWYiOiI4NCJ9fSwiQXV0b1NpemUiOjAsIkZvcmVncm91bmQiOnsiJHJlZiI6Ijg1In0sIk1heFdpZHRoIjoyMDAuMCwiTWF4SGVpZ2h0IjoiSW5maW5pdHkiLCJTbWFydEZvcmVncm91bmRJc0FjdGl2ZSI6ZmFsc2UsIkhvcml6b250YWxBbGlnbm1lbnQiOjAsIlZlcnRpY2FsQWxpZ25tZW50IjowLCJTbWFydEZvcmVncm91bmQiOm51bGwsIk1hcmdpbiI6eyIkcmVmIjoiODcifSwiUGFkZGluZyI6eyIkcmVmIjoiODgifSwiQmFja2dyb3VuZCI6eyIkcmVmIjoiODkifSwiSXNWaXNpYmxlIjp0cnVlLCJXaWR0aCI6MC4wLCJIZWlnaHQiOjAuMCwiQm9yZGVyU3R5bGUiOnsiJGlkIjoiMjQ0IiwiTGluZUNvbG9yIjpudWxsLCJMaW5lV2VpZ2h0IjowLjAsIkxpbmVUeXBlIjowLCJQYXJlbnRTdHlsZSI6bnVsbH0sIlBhcmVudFN0eWxlIjp7IiRyZWYiOiI4MyJ9fSwiRHVyYXRpb25TdHlsZSI6eyIkaWQiOiIyNDUiLCJGb250U2V0dGluZ3MiOnsiJGlkIjoiMjQ2IiwiRm9udFNpemUiOjEwLCJGb250TmFtZSI6IkNhbGlicmkiLCJJc0JvbGQiOmZhbHNlLCJJc0l0YWxpYyI6ZmFsc2UsIklzVW5kZXJsaW5lZCI6ZmFsc2UsIlBhcmVudFN0eWxlIjp7IiRyZWYiOiI5MSJ9fSwiQXV0b1NpemUiOjAsIkZvcmVncm91bmQiOnsiJHJlZiI6IjkyIn0sIk1heFdpZHRoIjoyMDAuMCwiTWF4SGVpZ2h0IjoiSW5maW5pdHkiLCJTbWFydEZvcmVncm91bmRJc0FjdGl2ZSI6ZmFsc2UsIkhvcml6b250YWxBbGlnbm1lbnQiOjAsIlZlcnRpY2FsQWxpZ25tZW50IjowLCJTbWFydEZvcmVncm91bmQiOm51bGwsIk1hcmdpbiI6eyIkcmVmIjoiOTQifSwiUGFkZGluZyI6eyIkcmVmIjoiOTUifSwiQmFja2dyb3VuZCI6eyIkcmVmIjoiOTYifSwiSXNWaXNpYmxlIjp0cnVlLCJXaWR0aCI6MC4wLCJIZWlnaHQiOjAuMCwiQm9yZGVyU3R5bGUiOnsiJGlkIjoiMjQ3IiwiTGluZUNvbG9yIjpudWxsLCJMaW5lV2VpZ2h0IjowLjAsIkxpbmVUeXBlIjowLCJQYXJlbnRTdHlsZSI6bnVsbH0sIlBhcmVudFN0eWxlIjp7IiRyZWYiOiI5MCJ9fSwiSG9yaXpvbnRhbENvbm5lY3RvclN0eWxlIjp7IiRpZCI6IjI0OCIsIkxpbmVDb2xvciI6eyIkcmVmIjoiOTgifSwiTGluZVdlaWdodCI6MC4wLCJMaW5lVHlwZSI6MCwiUGFyZW50U3R5bGUiOnsiJHJlZiI6Ijk3In19LCJWZXJ0aWNhbENvbm5lY3RvclN0eWxlIjp7IiRpZCI6IjI0OSIsIkxpbmVDb2xvciI6eyIkcmVmIjoiMTAxIn0sIkxpbmVXZWlnaHQiOjAuMCwiTGluZVR5cGUiOjAsIlBhcmVudFN0eWxlIjp7IiRyZWYiOiIxMDAifX0sIk1hcmdpbiI6bnVsbCwiU3RhcnREYXRlUG9zaXRpb24iOjYsIkVuZERhdGVQb3NpdGlvbiI6NiwiRGF0ZUlzVmlzaWJsZSI6ZmFsc2UsIlRpdGxlUG9zaXRpb24iOjIsIkR1cmF0aW9uUG9zaXRpb24iOjYsIlBlcmNlbnRhZ2VDb21wbGV0ZWRQb3NpdGlvbiI6MiwiU3BhY2luZyI6MTAsIklzQmVsb3dUaW1lYmFuZCI6ZmFsc2UsIlBlcmNlbnRhZ2VDb21wbGV0ZVNoYXBlT3BhY2l0eSI6MzUsIlNoYXBlU3R5bGUiOnsiJGlkIjoiMjUwIiwiTWFyZ2luIjp7IiRyZWYiOiIxMDQifSwiUGFkZGluZyI6eyIkaWQiOiIyNTEiLCJUb3AiOjAsIkxlZnQiOjAsIlJpZ2h0IjoyLCJCb3R0b20iOjB9LCJCYWNrZ3JvdW5kIjp7IiRpZCI6IjI1MiIsIkNvbG9yIjp7IiRpZCI6IjI1MyIsIkEiOjE3OCwiUiI6OTEsIkciOjE1NSwiQiI6MjEzfX0sIklzVmlzaWJsZSI6dHJ1ZSwiV2lkdGgiOjAuMCwiSGVpZ2h0IjoxMi4wLCJCb3JkZXJTdHlsZSI6eyIkaWQiOiIyNTQiLCJMaW5lQ29sb3IiOnsiJGlkIjoiMjU1IiwiJHR5cGUiOiJOTFJFLkNvbW1vbi5Eb20uU29saWRDb2xvckJydXNoLCBOTFJFLkNvbW1vbiIsIkNvbG9yIjp7IiRpZCI6IjI1NiIsIkEiOjI1NSwiUiI6MjU1LCJHIjowLCJCIjowfX0sIkxpbmVXZWlnaHQiOjAuMCwiTGluZVR5cGUiOjAsIlBhcmVudFN0eWxlIjpudWxsfSwiUGFyZW50U3R5bGUiOnsiJHJlZiI6IjEwMyJ9fSwiVGl0bGVTdHlsZSI6eyIkaWQiOiIyNTciLCJGb250U2V0dGluZ3MiOnsiJGlkIjoiMjU4IiwiRm9udFNpemUiOjgsIkZvbnROYW1lIjoiQ2FsaWJyaSIsIklzQm9sZCI6ZmFsc2UsIklzSXRhbGljIjpmYWxzZSwiSXNVbmRlcmxpbmVkIjpmYWxzZSwiUGFyZW50U3R5bGUiOnsiJHJlZiI6IjExMiJ9fSwiQXV0b1NpemUiOjIsIkZvcmVncm91bmQiOnsiJGlkIjoiMjU5IiwiQ29sb3IiOnsiJGlkIjoiMjYwIiwiQSI6MjU1LCJSIjoyNTUsIkciOjI1NSwiQiI6MjU1fX0sIk1heFdpZHRoIjoyOS4yNSwiTWF4SGVpZ2h0IjoiSW5maW5pdHkiLCJTbWFydEZvcmVncm91bmRJc0FjdGl2ZSI6ZmFsc2UsIkhvcml6b250YWxBbGlnbm1lbnQiOjIsIlZlcnRpY2FsQWxpZ25tZW50IjowLCJTbWFydEZvcmVncm91bmQiOm51bGwsIk1hcmdpbiI6eyIkcmVmIjoiMTE1In0sIlBhZGRpbmciOnsiJHJlZiI6IjExNiJ9LCJCYWNrZ3JvdW5kIjp7IiRyZWYiOiIxMTcifSwiSXNWaXNpYmxlIjp0cnVlLCJXaWR0aCI6MC4wLCJIZWlnaHQiOjAuMCwiQm9yZGVyU3R5bGUiOnsiJGlkIjoiMjYxIiwiTGluZUNvbG9yIjpudWxsLCJMaW5lV2VpZ2h0IjowLjAsIkxpbmVUeXBlIjowLCJQYXJlbnRTdHlsZSI6bnVsbH0sIlBhcmVudFN0eWxlIjp7IiRyZWYiOiIxMTEifX0sIkRhdGVTdHlsZSI6eyIkaWQiOiIyNjIiLCJGb250U2V0dGluZ3MiOnsiJGlkIjoiMjYzIiwiRm9udFNpemUiOjgsIkZvbnROYW1lIjoiQ2FsaWJyaSIsIklzQm9sZCI6ZmFsc2UsIklzSXRhbGljIjpmYWxzZSwiSXNVbmRlcmxpbmVkIjpmYWxzZSwiUGFyZW50U3R5bGUiOnsiJHJlZiI6IjExOSJ9fSwiQXV0b1NpemUiOjAsIkZvcmVncm91bmQiOnsiJGlkIjoiMjY0IiwiQ29sb3IiOnsiJGlkIjoiMjY1IiwiQSI6MjU1LCJSIjoxOTEsIkciOjE5MSwiQiI6MTkxfX0sIk1heFdpZHRoIjoyMDAuMCwiTWF4SGVpZ2h0IjoiSW5maW5pdHkiLCJTbWFydEZvcmVncm91bmRJc0FjdGl2ZSI6ZmFsc2UsIkhvcml6b250YWxBbGlnbm1lbnQiOjAsIlZlcnRpY2FsQWxpZ25tZW50IjowLCJTbWFydEZvcmVncm91bmQiOm51bGwsIk1hcmdpbiI6eyIkcmVmIjoiMTIyIn0sIlBhZGRpbmciOnsiJHJlZiI6IjEyMyJ9LCJCYWNrZ3JvdW5kIjp7IiRyZWYiOiIxMjQifSwiSXNWaXNpYmxlIjp0cnVlLCJXaWR0aCI6MC4wLCJIZWlnaHQiOjAuMCwiQm9yZGVyU3R5bGUiOnsiJGlkIjoiMjY2IiwiTGluZUNvbG9yIjpudWxsLCJMaW5lV2VpZ2h0IjowLjAsIkxpbmVUeXBlIjowLCJQYXJlbnRTdHlsZSI6bnVsbH0sIlBhcmVudFN0eWxlIjp7IiRyZWYiOiIxMTgifX0sIkRhdGVGb3JtYXQiOnsiJHJlZiI6IjEyNSJ9LCJJc1Zpc2libGUiOnRydWUsIlBhcmVudFN0eWxlIjp7IiRyZWYiOiI4MiJ9fSwiSW5kZXgiOjcsIlNtYXJ0RHVyYXRpb25BY3RpdmF0ZWQiOmZhbHNlLCJEYXRlRm9ybWF0Ijp7IiRyZWYiOiIxMjUifSwiSWQiOiI5MTE2Mjc4ZS01YzI5LTQ2YTAtODVkYi01Nzc2ZGEzMjJmM2YiLCJJbXBvcnRJZCI6bnVsbCwiVGl0bGUiOiJTdWItdGFzayIsIk5vdGUiOm51bGwsIkh5cGVybGluayI6bnVsbCwiSXNDaGFuZ2VkIjpmYWxzZSwiSXNOZXciOnRydWV9LHsiJGlkIjoiMjY3IiwiR3JvdXBOYW1lIjoiNWZjY2JlODYtZWQ4OS00ZDU4LWEzODMtYjhkOTJiMTRjNDdiIiwiU3RhcnREYXRlIjoiMjAxNy0wNS0yNFQwMDowMDowMFoiLCJFbmREYXRlIjoiMjAxNy0wNS0yOFQyMzo1OTowMCIsIlBlcmNlbnRhZ2VDb21wbGV0ZSI6bnVsbCwiU3R5bGUiOnsiJGlkIjoiMjY4IiwiU2hhcGUiOjQsIlNoYXBlVGhpY2tuZXNzIjozLCJEdXJhdGlvbkZvcm1hdCI6MCwiSW5jbHVkZU5vbldvcmtpbmdEYXlzSW5EdXJhdGlvbiI6ZmFsc2UsIlBlcmNlbnRhZ2VDb21wbGV0ZVN0eWxlIjp7IiRpZCI6IjI2OSIsIkZvbnRTZXR0aW5ncyI6eyIkaWQiOiIyNzAiLCJGb250U2l6ZSI6MTAsIkZvbnROYW1lIjoiQ2FsaWJyaSIsIklzQm9sZCI6ZmFsc2UsIklzSXRhbGljIjpmYWxzZSwiSXNVbmRlcmxpbmVkIjpmYWxzZSwiUGFyZW50U3R5bGUiOnsiJHJlZiI6Ijg0In19LCJBdXRvU2l6ZSI6MCwiRm9yZWdyb3VuZCI6eyIkcmVmIjoiODUifSwiTWF4V2lkdGgiOjIwMC4wLCJNYXhIZWlnaHQiOiJJbmZpbml0eSIsIlNtYXJ0Rm9yZWdyb3VuZElzQWN0aXZlIjpmYWxzZSwiSG9yaXpvbnRhbEFsaWdubWVudCI6MCwiVmVydGljYWxBbGlnbm1lbnQiOjAsIlNtYXJ0Rm9yZWdyb3VuZCI6bnVsbCwiTWFyZ2luIjp7IiRyZWYiOiI4NyJ9LCJQYWRkaW5nIjp7IiRyZWYiOiI4OCJ9LCJCYWNrZ3JvdW5kIjp7IiRyZWYiOiI4OSJ9LCJJc1Zpc2libGUiOnRydWUsIldpZHRoIjowLjAsIkhlaWdodCI6MC4wLCJCb3JkZXJTdHlsZSI6eyIkaWQiOiIyNzEiLCJMaW5lQ29sb3IiOm51bGwsIkxpbmVXZWlnaHQiOjAuMCwiTGluZVR5cGUiOjAsIlBhcmVudFN0eWxlIjpudWxsfSwiUGFyZW50U3R5bGUiOnsiJHJlZiI6IjgzIn19LCJEdXJhdGlvblN0eWxlIjp7IiRpZCI6IjI3MiIsIkZvbnRTZXR0aW5ncyI6eyIkaWQiOiIyNzMiLCJGb250U2l6ZSI6MTAsIkZvbnROYW1lIjoiQ2FsaWJyaSIsIklzQm9sZCI6ZmFsc2UsIklzSXRhbGljIjpmYWxzZSwiSXNVbmRlcmxpbmVkIjpmYWxzZSwiUGFyZW50U3R5bGUiOnsiJHJlZiI6IjkxIn19LCJBdXRvU2l6ZSI6MCwiRm9yZWdyb3VuZCI6eyIkcmVmIjoiOTIifSwiTWF4V2lkdGgiOjIwMC4wLCJNYXhIZWlnaHQiOiJJbmZpbml0eSIsIlNtYXJ0Rm9yZWdyb3VuZElzQWN0aXZlIjpmYWxzZSwiSG9yaXpvbnRhbEFsaWdubWVudCI6MCwiVmVydGljYWxBbGlnbm1lbnQiOjAsIlNtYXJ0Rm9yZWdyb3VuZCI6bnVsbCwiTWFyZ2luIjp7IiRyZWYiOiI5NCJ9LCJQYWRkaW5nIjp7IiRyZWYiOiI5NSJ9LCJCYWNrZ3JvdW5kIjp7IiRyZWYiOiI5NiJ9LCJJc1Zpc2libGUiOnRydWUsIldpZHRoIjowLjAsIkhlaWdodCI6MC4wLCJCb3JkZXJTdHlsZSI6eyIkaWQiOiIyNzQiLCJMaW5lQ29sb3IiOm51bGwsIkxpbmVXZWlnaHQiOjAuMCwiTGluZVR5cGUiOjAsIlBhcmVudFN0eWxlIjpudWxsfSwiUGFyZW50U3R5bGUiOnsiJHJlZiI6IjkwIn19LCJIb3Jpem9udGFsQ29ubmVjdG9yU3R5bGUiOnsiJGlkIjoiMjc1IiwiTGluZUNvbG9yIjp7IiRyZWYiOiI5OCJ9LCJMaW5lV2VpZ2h0IjowLjAsIkxpbmVUeXBlIjowLCJQYXJlbnRTdHlsZSI6eyIkcmVmIjoiOTcifX0sIlZlcnRpY2FsQ29ubmVjdG9yU3R5bGUiOnsiJGlkIjoiMjc2IiwiTGluZUNvbG9yIjp7IiRyZWYiOiIxMDEifSwiTGluZVdlaWdodCI6MC4wLCJMaW5lVHlwZSI6MCwiUGFyZW50U3R5bGUiOnsiJHJlZiI6IjEwMCJ9fSwiTWFyZ2luIjpudWxsLCJTdGFydERhdGVQb3NpdGlvbiI6NiwiRW5kRGF0ZVBvc2l0aW9uIjo2LCJEYXRlSXNWaXNpYmxlIjpmYWxzZSwiVGl0bGVQb3NpdGlvbiI6MiwiRHVyYXRpb25Qb3NpdGlvbiI6NiwiUGVyY2VudGFnZUNvbXBsZXRlZFBvc2l0aW9uIjoyLCJTcGFjaW5nIjoxMCwiSXNCZWxvd1RpbWViYW5kIjpmYWxzZSwiUGVyY2VudGFnZUNvbXBsZXRlU2hhcGVPcGFjaXR5IjozNSwiU2hhcGVTdHlsZSI6eyIkaWQiOiIyNzciLCJNYXJnaW4iOnsiJHJlZiI6IjEwNCJ9LCJQYWRkaW5nIjp7IiRpZCI6IjI3OCIsIlRvcCI6MCwiTGVmdCI6MCwiUmlnaHQiOjIsIkJvdHRvbSI6MH0sIkJhY2tncm91bmQiOnsiJGlkIjoiMjc5IiwiQ29sb3IiOnsiJGlkIjoiMjgwIiwiQSI6MTc4LCJSIjoxOTcsIkciOjkwLCJCIjoxN319LCJJc1Zpc2libGUiOnRydWUsIldpZHRoIjowLjAsIkhlaWdodCI6MTIuMCwiQm9yZGVyU3R5bGUiOnsiJGlkIjoiMjgxIiwiTGluZUNvbG9yIjp7IiRpZCI6IjI4MiIsIiR0eXBlIjoiTkxSRS5Db21tb24uRG9tLlNvbGlkQ29sb3JCcnVzaCwgTkxSRS5Db21tb24iLCJDb2xvciI6eyIkaWQiOiIyODMiLCJBIjoyNTUsIlIiOjI1NSwiRyI6MCwiQiI6MH19LCJMaW5lV2VpZ2h0IjowLjAsIkxpbmVUeXBlIjowLCJQYXJlbnRTdHlsZSI6bnVsbH0sIlBhcmVudFN0eWxlIjp7IiRyZWYiOiIxMDMifX0sIlRpdGxlU3R5bGUiOnsiJGlkIjoiMjg0IiwiRm9udFNldHRpbmdzIjp7IiRpZCI6IjI4NSIsIkZvbnRTaXplIjo4LCJGb250TmFtZSI6IkNhbGlicmkiLCJJc0JvbGQiOmZhbHNlLCJJc0l0YWxpYyI6ZmFsc2UsIklzVW5kZXJsaW5lZCI6ZmFsc2UsIlBhcmVudFN0eWxlIjp7IiRyZWYiOiIxMTIifX0sIkF1dG9TaXplIjoyLCJGb3JlZ3JvdW5kIjp7IiRpZCI6IjI4NiIsIkNvbG9yIjp7IiRpZCI6IjI4NyIsIkEiOjI1NSwiUiI6MjU1LCJHIjoyNTUsIkIiOjI1NX19LCJNYXhXaWR0aCI6MzUuMjUsIk1heEhlaWdodCI6IkluZmluaXR5IiwiU21hcnRGb3JlZ3JvdW5kSXNBY3RpdmUiOmZhbHNlLCJIb3Jpem9udGFsQWxpZ25tZW50IjoyLCJWZXJ0aWNhbEFsaWdubWVudCI6MCwiU21hcnRGb3JlZ3JvdW5kIjpudWxsLCJNYXJnaW4iOnsiJHJlZiI6IjExNSJ9LCJQYWRkaW5nIjp7IiRyZWYiOiIxMTYifSwiQmFja2dyb3VuZCI6eyIkcmVmIjoiMTE3In0sIklzVmlzaWJsZSI6dHJ1ZSwiV2lkdGgiOjAuMCwiSGVpZ2h0IjowLjAsIkJvcmRlclN0eWxlIjp7IiRpZCI6IjI4OCIsIkxpbmVDb2xvciI6bnVsbCwiTGluZVdlaWdodCI6MC4wLCJMaW5lVHlwZSI6MCwiUGFyZW50U3R5bGUiOm51bGx9LCJQYXJlbnRTdHlsZSI6eyIkcmVmIjoiMTExIn19LCJEYXRlU3R5bGUiOnsiJGlkIjoiMjg5IiwiRm9udFNldHRpbmdzIjp7IiRpZCI6IjI5MCIsIkZvbnRTaXplIjo4LCJGb250TmFtZSI6IkNhbGlicmkiLCJJc0JvbGQiOmZhbHNlLCJJc0l0YWxpYyI6ZmFsc2UsIklzVW5kZXJsaW5lZCI6ZmFsc2UsIlBhcmVudFN0eWxlIjp7IiRyZWYiOiIxMTkifX0sIkF1dG9TaXplIjowLCJGb3JlZ3JvdW5kIjp7IiRpZCI6IjI5MSIsIkNvbG9yIjp7IiRpZCI6IjI5MiIsIkEiOjI1NSwiUiI6MTkxLCJHIjoxOTEsIkIiOjE5MX19LCJNYXhXaWR0aCI6MjAwLjAsIk1heEhlaWdodCI6IkluZmluaXR5IiwiU21hcnRGb3JlZ3JvdW5kSXNBY3RpdmUiOmZhbHNlLCJIb3Jpem9udGFsQWxpZ25tZW50IjowLCJWZXJ0aWNhbEFsaWdubWVudCI6MCwiU21hcnRGb3JlZ3JvdW5kIjpudWxsLCJNYXJnaW4iOnsiJHJlZiI6IjEyMiJ9LCJQYWRkaW5nIjp7IiRyZWYiOiIxMjMifSwiQmFja2dyb3VuZCI6eyIkcmVmIjoiMTI0In0sIklzVmlzaWJsZSI6dHJ1ZSwiV2lkdGgiOjAuMCwiSGVpZ2h0IjowLjAsIkJvcmRlclN0eWxlIjp7IiRpZCI6IjI5MyIsIkxpbmVDb2xvciI6bnVsbCwiTGluZVdlaWdodCI6MC4wLCJMaW5lVHlwZSI6MCwiUGFyZW50U3R5bGUiOm51bGx9LCJQYXJlbnRTdHlsZSI6eyIkcmVmIjoiMTE4In19LCJEYXRlRm9ybWF0Ijp7IiRyZWYiOiIxMjUifSwiSXNWaXNpYmxlIjp0cnVlLCJQYXJlbnRTdHlsZSI6eyIkcmVmIjoiODIifX0sIkluZGV4Ijo4LCJTbWFydER1cmF0aW9uQWN0aXZhdGVkIjpmYWxzZSwiRGF0ZUZvcm1hdCI6eyIkcmVmIjoiMTI1In0sIklkIjoiODU3NGYyN2EtMGM2My00YjA4LWI5N2MtMjBlMWViOGIxYTExIiwiSW1wb3J0SWQiOm51bGwsIlRpdGxlIjoiU3ViLXRhc2sgMiIsIk5vdGUiOm51bGwsIkh5cGVybGluayI6bnVsbCwiSXNDaGFuZ2VkIjpmYWxzZSwiSXNOZXciOnRydWV9LHsiJGlkIjoiMjk0IiwiR3JvdXBOYW1lIjoiNWZjY2JlODYtZWQ4OS00ZDU4LWEzODMtYjhkOTJiMTRjNDdiIiwiU3RhcnREYXRlIjoiMjAxNy0wNS0yOVQwMDowMDowMFoiLCJFbmREYXRlIjoiMjAxNy0wNi0wMlQyMzo1OTowMCIsIlBlcmNlbnRhZ2VDb21wbGV0ZSI6bnVsbCwiU3R5bGUiOnsiJGlkIjoiMjk1IiwiU2hhcGUiOjQsIlNoYXBlVGhpY2tuZXNzIjozLCJEdXJhdGlvbkZvcm1hdCI6MCwiSW5jbHVkZU5vbldvcmtpbmdEYXlzSW5EdXJhdGlvbiI6ZmFsc2UsIlBlcmNlbnRhZ2VDb21wbGV0ZVN0eWxlIjp7IiRpZCI6IjI5NiIsIkZvbnRTZXR0aW5ncyI6eyIkaWQiOiIyOTciLCJGb250U2l6ZSI6MTAsIkZvbnROYW1lIjoiQ2FsaWJyaSIsIklzQm9sZCI6ZmFsc2UsIklzSXRhbGljIjpmYWxzZSwiSXNVbmRlcmxpbmVkIjpmYWxzZSwiUGFyZW50U3R5bGUiOnsiJHJlZiI6Ijg0In19LCJBdXRvU2l6ZSI6MCwiRm9yZWdyb3VuZCI6eyIkcmVmIjoiODUifSwiTWF4V2lkdGgiOjIwMC4wLCJNYXhIZWlnaHQiOiJJbmZpbml0eSIsIlNtYXJ0Rm9yZWdyb3VuZElzQWN0aXZlIjpmYWxzZSwiSG9yaXpvbnRhbEFsaWdubWVudCI6MCwiVmVydGljYWxBbGlnbm1lbnQiOjAsIlNtYXJ0Rm9yZWdyb3VuZCI6bnVsbCwiTWFyZ2luIjp7IiRyZWYiOiI4NyJ9LCJQYWRkaW5nIjp7IiRyZWYiOiI4OCJ9LCJCYWNrZ3JvdW5kIjp7IiRyZWYiOiI4OSJ9LCJJc1Zpc2libGUiOnRydWUsIldpZHRoIjowLjAsIkhlaWdodCI6MC4wLCJCb3JkZXJTdHlsZSI6eyIkaWQiOiIyOTgiLCJMaW5lQ29sb3IiOm51bGwsIkxpbmVXZWlnaHQiOjAuMCwiTGluZVR5cGUiOjAsIlBhcmVudFN0eWxlIjpudWxsfSwiUGFyZW50U3R5bGUiOnsiJHJlZiI6IjgzIn19LCJEdXJhdGlvblN0eWxlIjp7IiRpZCI6IjI5OSIsIkZvbnRTZXR0aW5ncyI6eyIkaWQiOiIzMDAiLCJGb250U2l6ZSI6MTAsIkZvbnROYW1lIjoiQ2FsaWJyaSIsIklzQm9sZCI6ZmFsc2UsIklzSXRhbGljIjpmYWxzZSwiSXNVbmRlcmxpbmVkIjpmYWxzZSwiUGFyZW50U3R5bGUiOnsiJHJlZiI6IjkxIn19LCJBdXRvU2l6ZSI6MCwiRm9yZWdyb3VuZCI6eyIkcmVmIjoiOTIifSwiTWF4V2lkdGgiOjIwMC4wLCJNYXhIZWlnaHQiOiJJbmZpbml0eSIsIlNtYXJ0Rm9yZWdyb3VuZElzQWN0aXZlIjpmYWxzZSwiSG9yaXpvbnRhbEFsaWdubWVudCI6MCwiVmVydGljYWxBbGlnbm1lbnQiOjAsIlNtYXJ0Rm9yZWdyb3VuZCI6bnVsbCwiTWFyZ2luIjp7IiRyZWYiOiI5NCJ9LCJQYWRkaW5nIjp7IiRyZWYiOiI5NSJ9LCJCYWNrZ3JvdW5kIjp7IiRyZWYiOiI5NiJ9LCJJc1Zpc2libGUiOnRydWUsIldpZHRoIjowLjAsIkhlaWdodCI6MC4wLCJCb3JkZXJTdHlsZSI6eyIkaWQiOiIzMDEiLCJMaW5lQ29sb3IiOm51bGwsIkxpbmVXZWlnaHQiOjAuMCwiTGluZVR5cGUiOjAsIlBhcmVudFN0eWxlIjpudWxsfSwiUGFyZW50U3R5bGUiOnsiJHJlZiI6IjkwIn19LCJIb3Jpem9udGFsQ29ubmVjdG9yU3R5bGUiOnsiJGlkIjoiMzAyIiwiTGluZUNvbG9yIjp7IiRyZWYiOiI5OCJ9LCJMaW5lV2VpZ2h0IjowLjAsIkxpbmVUeXBlIjowLCJQYXJlbnRTdHlsZSI6eyIkcmVmIjoiOTcifX0sIlZlcnRpY2FsQ29ubmVjdG9yU3R5bGUiOnsiJGlkIjoiMzAzIiwiTGluZUNvbG9yIjp7IiRyZWYiOiIxMDEifSwiTGluZVdlaWdodCI6MC4wLCJMaW5lVHlwZSI6MCwiUGFyZW50U3R5bGUiOnsiJHJlZiI6IjEwMCJ9fSwiTWFyZ2luIjpudWxsLCJTdGFydERhdGVQb3NpdGlvbiI6NiwiRW5kRGF0ZVBvc2l0aW9uIjo2LCJEYXRlSXNWaXNpYmxlIjpmYWxzZSwiVGl0bGVQb3NpdGlvbiI6MiwiRHVyYXRpb25Qb3NpdGlvbiI6NiwiUGVyY2VudGFnZUNvbXBsZXRlZFBvc2l0aW9uIjoyLCJTcGFjaW5nIjoxMCwiSXNCZWxvd1RpbWViYW5kIjpmYWxzZSwiUGVyY2VudGFnZUNvbXBsZXRlU2hhcGVPcGFjaXR5IjozNSwiU2hhcGVTdHlsZSI6eyIkaWQiOiIzMDQiLCJNYXJnaW4iOnsiJHJlZiI6IjEwNCJ9LCJQYWRkaW5nIjp7IiRpZCI6IjMwNSIsIlRvcCI6MCwiTGVmdCI6MCwiUmlnaHQiOjIsIkJvdHRvbSI6MH0sIkJhY2tncm91bmQiOnsiJGlkIjoiMzA2IiwiQ29sb3IiOnsiJGlkIjoiMzA3IiwiQSI6MjU1LCJSIjoxMjQsIkciOjEyNCwiQiI6MTI0fX0sIklzVmlzaWJsZSI6dHJ1ZSwiV2lkdGgiOjAuMCwiSGVpZ2h0IjoxMi4wLCJCb3JkZXJTdHlsZSI6eyIkaWQiOiIzMDgiLCJMaW5lQ29sb3IiOnsiJGlkIjoiMzA5IiwiJHR5cGUiOiJOTFJFLkNvbW1vbi5Eb20uU29saWRDb2xvckJydXNoLCBOTFJFLkNvbW1vbiIsIkNvbG9yIjp7IiRpZCI6IjMxMCIsIkEiOjI1NSwiUiI6MjU1LCJHIjowLCJCIjowfX0sIkxpbmVXZWlnaHQiOjAuMCwiTGluZVR5cGUiOjAsIlBhcmVudFN0eWxlIjpudWxsfSwiUGFyZW50U3R5bGUiOnsiJHJlZiI6IjEwMyJ9fSwiVGl0bGVTdHlsZSI6eyIkaWQiOiIzMTEiLCJGb250U2V0dGluZ3MiOnsiJGlkIjoiMzEyIiwiRm9udFNpemUiOjgsIkZvbnROYW1lIjoiQ2FsaWJyaSIsIklzQm9sZCI6ZmFsc2UsIklzSXRhbGljIjpmYWxzZSwiSXNVbmRlcmxpbmVkIjpmYWxzZSwiUGFyZW50U3R5bGUiOnsiJHJlZiI6IjExMiJ9fSwiQXV0b1NpemUiOjIsIkZvcmVncm91bmQiOnsiJGlkIjoiMzEzIiwiQ29sb3IiOnsiJGlkIjoiMzE0IiwiQSI6MjU1LCJSIjoyNTUsIkciOjI1NSwiQiI6MjU1fX0sIk1heFdpZHRoIjozNS4yNSwiTWF4SGVpZ2h0IjoiSW5maW5pdHkiLCJTbWFydEZvcmVncm91bmRJc0FjdGl2ZSI6ZmFsc2UsIkhvcml6b250YWxBbGlnbm1lbnQiOjIsIlZlcnRpY2FsQWxpZ25tZW50IjowLCJTbWFydEZvcmVncm91bmQiOm51bGwsIk1hcmdpbiI6eyIkcmVmIjoiMTE1In0sIlBhZGRpbmciOnsiJHJlZiI6IjExNiJ9LCJCYWNrZ3JvdW5kIjp7IiRyZWYiOiIxMTcifSwiSXNWaXNpYmxlIjp0cnVlLCJXaWR0aCI6MC4wLCJIZWlnaHQiOjAuMCwiQm9yZGVyU3R5bGUiOnsiJGlkIjoiMzE1IiwiTGluZUNvbG9yIjpudWxsLCJMaW5lV2VpZ2h0IjowLjAsIkxpbmVUeXBlIjowLCJQYXJlbnRTdHlsZSI6bnVsbH0sIlBhcmVudFN0eWxlIjp7IiRyZWYiOiIxMTEifX0sIkRhdGVTdHlsZSI6eyIkaWQiOiIzMTYiLCJGb250U2V0dGluZ3MiOnsiJGlkIjoiMzE3IiwiRm9udFNpemUiOjgsIkZvbnROYW1lIjoiQ2FsaWJyaSIsIklzQm9sZCI6ZmFsc2UsIklzSXRhbGljIjpmYWxzZSwiSXNVbmRlcmxpbmVkIjpmYWxzZSwiUGFyZW50U3R5bGUiOnsiJHJlZiI6IjExOSJ9fSwiQXV0b1NpemUiOjAsIkZvcmVncm91bmQiOnsiJGlkIjoiMzE4IiwiQ29sb3IiOnsiJGlkIjoiMzE5IiwiQSI6MjU1LCJSIjoxOTEsIkciOjE5MSwiQiI6MTkxfX0sIk1heFdpZHRoIjoyMDAuMCwiTWF4SGVpZ2h0IjoiSW5maW5pdHkiLCJTbWFydEZvcmVncm91bmRJc0FjdGl2ZSI6ZmFsc2UsIkhvcml6b250YWxBbGlnbm1lbnQiOjAsIlZlcnRpY2FsQWxpZ25tZW50IjowLCJTbWFydEZvcmVncm91bmQiOm51bGwsIk1hcmdpbiI6eyIkcmVmIjoiMTIyIn0sIlBhZGRpbmciOnsiJHJlZiI6IjEyMyJ9LCJCYWNrZ3JvdW5kIjp7IiRyZWYiOiIxMjQifSwiSXNWaXNpYmxlIjp0cnVlLCJXaWR0aCI6MC4wLCJIZWlnaHQiOjAuMCwiQm9yZGVyU3R5bGUiOnsiJGlkIjoiMzIwIiwiTGluZUNvbG9yIjpudWxsLCJMaW5lV2VpZ2h0IjowLjAsIkxpbmVUeXBlIjowLCJQYXJlbnRTdHlsZSI6bnVsbH0sIlBhcmVudFN0eWxlIjp7IiRyZWYiOiIxMTgifX0sIkRhdGVGb3JtYXQiOnsiJHJlZiI6IjEyNSJ9LCJJc1Zpc2libGUiOnRydWUsIlBhcmVudFN0eWxlIjp7IiRyZWYiOiI4MiJ9fSwiSW5kZXgiOjksIlNtYXJ0RHVyYXRpb25BY3RpdmF0ZWQiOmZhbHNlLCJEYXRlRm9ybWF0Ijp7IiRyZWYiOiIxMjUifSwiSWQiOiI4NTQ1YTI2Mi0yNzA3LTQxMGUtYTZiZi0wYmIyNDEyZTQ4OTEiLCJJbXBvcnRJZCI6bnVsbCwiVGl0bGUiOiJTdWItdGFzayAzIiwiTm90ZSI6bnVsbCwiSHlwZXJsaW5rIjpudWxsLCJJc0NoYW5nZWQiOmZhbHNlLCJJc05ldyI6dHJ1ZX0seyIkaWQiOiIzMjEiLCJHcm91cE5hbWUiOm51bGwsIlN0YXJ0RGF0ZSI6IjIwMTctMDYtMDNUMDA6MDA6MDBaIiwiRW5kRGF0ZSI6IjIwMTctMDYtMTdUMjM6NTk6MDBaIiwiUGVyY2VudGFnZUNvbXBsZXRlIjo2NS4wLCJTdHlsZSI6eyIkaWQiOiIzMjIiLCJTaGFwZSI6NiwiU2hhcGVUaGlja25lc3MiOjMsIkR1cmF0aW9uRm9ybWF0IjowLCJJbmNsdWRlTm9uV29ya2luZ0RheXNJbkR1cmF0aW9uIjpmYWxzZSwiUGVyY2VudGFnZUNvbXBsZXRlU3R5bGUiOnsiJGlkIjoiMzIzIiwiRm9udFNldHRpbmdzIjp7IiRpZCI6IjMyNCIsIkZvbnRTaXplIjoxMCwiRm9udE5hbWUiOiJDYWxpYnJpIiwiSXNCb2xkIjpmYWxzZSwiSXNJdGFsaWMiOmZhbHNlLCJJc1VuZGVybGluZWQiOmZhbHNlLCJQYXJlbnRTdHlsZSI6eyIkcmVmIjoiODQifX0sIkF1dG9TaXplIjowLCJGb3JlZ3JvdW5kIjp7IiRyZWYiOiI4NSJ9LCJNYXhXaWR0aCI6MjAwLjAsIk1heEhlaWdodCI6IkluZmluaXR5IiwiU21hcnRGb3JlZ3JvdW5kSXNBY3RpdmUiOmZhbHNlLCJIb3Jpem9udGFsQWxpZ25tZW50IjowLCJWZXJ0aWNhbEFsaWdubWVudCI6MCwiU21hcnRGb3JlZ3JvdW5kIjpudWxsLCJNYXJnaW4iOnsiJHJlZiI6Ijg3In0sIlBhZGRpbmciOnsiJHJlZiI6Ijg4In0sIkJhY2tncm91bmQiOnsiJHJlZiI6Ijg5In0sIklzVmlzaWJsZSI6dHJ1ZSwiV2lkdGgiOjAuMCwiSGVpZ2h0IjowLjAsIkJvcmRlclN0eWxlIjp7IiRpZCI6IjMyNSIsIkxpbmVDb2xvciI6bnVsbCwiTGluZVdlaWdodCI6MC4wLCJMaW5lVHlwZSI6MCwiUGFyZW50U3R5bGUiOm51bGx9LCJQYXJlbnRTdHlsZSI6eyIkcmVmIjoiODMifX0sIkR1cmF0aW9uU3R5bGUiOnsiJGlkIjoiMzI2IiwiRm9udFNldHRpbmdzIjp7IiRpZCI6IjMyNyIsIkZvbnRTaXplIjoxMCwiRm9udE5hbWUiOiJDYWxpYnJpIiwiSXNCb2xkIjpmYWxzZSwiSXNJdGFsaWMiOmZhbHNlLCJJc1VuZGVybGluZWQiOmZhbHNlLCJQYXJlbnRTdHlsZSI6eyIkcmVmIjoiOTEifX0sIkF1dG9TaXplIjowLCJGb3JlZ3JvdW5kIjp7IiRyZWYiOiI5MiJ9LCJNYXhXaWR0aCI6MjAwLjAsIk1heEhlaWdodCI6IkluZmluaXR5IiwiU21hcnRGb3JlZ3JvdW5kSXNBY3RpdmUiOmZhbHNlLCJIb3Jpem9udGFsQWxpZ25tZW50IjowLCJWZXJ0aWNhbEFsaWdubWVudCI6MCwiU21hcnRGb3JlZ3JvdW5kIjpudWxsLCJNYXJnaW4iOnsiJHJlZiI6Ijk0In0sIlBhZGRpbmciOnsiJHJlZiI6Ijk1In0sIkJhY2tncm91bmQiOnsiJHJlZiI6Ijk2In0sIklzVmlzaWJsZSI6dHJ1ZSwiV2lkdGgiOjAuMCwiSGVpZ2h0IjowLjAsIkJvcmRlclN0eWxlIjp7IiRpZCI6IjMyOCIsIkxpbmVDb2xvciI6bnVsbCwiTGluZVdlaWdodCI6MC4wLCJMaW5lVHlwZSI6MCwiUGFyZW50U3R5bGUiOm51bGx9LCJQYXJlbnRTdHlsZSI6eyIkcmVmIjoiOTAifX0sIkhvcml6b250YWxDb25uZWN0b3JTdHlsZSI6eyIkaWQiOiIzMjkiLCJMaW5lQ29sb3IiOnsiJHJlZiI6Ijk4In0sIkxpbmVXZWlnaHQiOjAuMCwiTGluZVR5cGUiOjAsIlBhcmVudFN0eWxlIjp7IiRyZWYiOiI5NyJ9fSwiVmVydGljYWxDb25uZWN0b3JTdHlsZSI6eyIkaWQiOiIzMzAiLCJMaW5lQ29sb3IiOnsiJGlkIjoiMzMxIiwiJHR5cGUiOiJOTFJFLkNvbW1vbi5Eb20uU29saWRDb2xvckJydXNoLCBOTFJFLkNvbW1vbiIsIkNvbG9yIjp7IiRpZCI6IjMzMiIsIkEiOjI1NSwiUiI6MjM3LCJHIjoxMjUsIkIiOjQ5fX0sIkxpbmVXZWlnaHQiOjEuMCwiTGluZVR5cGUiOjAsIlBhcmVudFN0eWxlIjp7IiRyZWYiOiIxMDAifX0sIk1hcmdpbiI6bnVsbCwiU3RhcnREYXRlUG9zaXRpb24iOjQsIkVuZERhdGVQb3NpdGlvbiI6NCwiRGF0ZUlzVmlzaWJsZSI6dHJ1ZSwiVGl0bGVQb3NpdGlvbiI6MywiRHVyYXRpb25Qb3NpdGlvbiI6NiwiUGVyY2VudGFnZUNvbXBsZXRlZFBvc2l0aW9uIjo2LCJTcGFjaW5nIjoxMCwiSXNCZWxvd1RpbWViYW5kIjpmYWxzZSwiUGVyY2VudGFnZUNvbXBsZXRlU2hhcGVPcGFjaXR5IjozNSwiU2hhcGVTdHlsZSI6eyIkaWQiOiIzMzMiLCJNYXJnaW4iOnsiJHJlZiI6IjEwNCJ9LCJQYWRkaW5nIjp7IiRpZCI6IjMzNCIsIlRvcCI6MywiTGVmdCI6MCwiUmlnaHQiOjAsIkJvdHRvbSI6NH0sIkJhY2tncm91bmQiOnsiJGlkIjoiMzM1IiwiQ29sb3IiOnsiJGlkIjoiMzM2IiwiQSI6MjU1LCJSIjoyMzcsIkciOjEyNSwiQiI6NDl9fSwiSXNWaXNpYmxlIjp0cnVlLCJXaWR0aCI6MC4wLCJIZWlnaHQiOjE2LjUsIkJvcmRlclN0eWxlIjp7IiRpZCI6IjMzNyIsIkxpbmVDb2xvciI6eyIkaWQiOiIzMzgiLCIkdHlwZSI6Ik5MUkUuQ29tbW9uLkRvbS5Tb2xpZENvbG9yQnJ1c2gsIE5MUkUuQ29tbW9uIiwiQ29sb3IiOnsiJGlkIjoiMzM5IiwiQSI6MjU1LCJSIjoyNTUsIkciOjAsIkIiOjB9fSwiTGluZVdlaWdodCI6MC4wLCJMaW5lVHlwZSI6MCwiUGFyZW50U3R5bGUiOm51bGx9LCJQYXJlbnRTdHlsZSI6eyIkcmVmIjoiMTAzIn19LCJUaXRsZVN0eWxlIjp7IiRpZCI6IjM0MCIsIkZvbnRTZXR0aW5ncyI6eyIkaWQiOiIzNDEiLCJGb250U2l6ZSI6OCwiRm9udE5hbWUiOiJDYWxpYnJpIiwiSXNCb2xkIjp0cnVlLCJJc0l0YWxpYyI6ZmFsc2UsIklzVW5kZXJsaW5lZCI6ZmFsc2UsIlBhcmVudFN0eWxlIjp7IiRyZWYiOiIxMTIifX0sIkF1dG9TaXplIjoyLCJGb3JlZ3JvdW5kIjp7IiRpZCI6IjM0MiIsIkNvbG9yIjp7IiRpZCI6IjM0MyIsIkEiOjI1NSwiUiI6MCwiRyI6MCwiQiI6MH19LCJNYXhXaWR0aCI6MzYuMCwiTWF4SGVpZ2h0IjoiSW5maW5pdHkiLCJTbWFydEZvcmVncm91bmRJc0FjdGl2ZSI6ZmFsc2UsIkhvcml6b250YWxBbGlnbm1lbnQiOjIsIlZlcnRpY2FsQWxpZ25tZW50IjowLCJTbWFydEZvcmVncm91bmQiOm51bGwsIk1hcmdpbiI6eyIkcmVmIjoiMTE1In0sIlBhZGRpbmciOnsiJHJlZiI6IjExNiJ9LCJCYWNrZ3JvdW5kIjp7IiRyZWYiOiIxMTcifSwiSXNWaXNpYmxlIjp0cnVlLCJXaWR0aCI6MC4wLCJIZWlnaHQiOjAuMCwiQm9yZGVyU3R5bGUiOnsiJGlkIjoiMzQ0IiwiTGluZUNvbG9yIjpudWxsLCJMaW5lV2VpZ2h0IjowLjAsIkxpbmVUeXBlIjowLCJQYXJlbnRTdHlsZSI6bnVsbH0sIlBhcmVudFN0eWxlIjp7IiRyZWYiOiIxMTEifX0sIkRhdGVTdHlsZSI6eyIkaWQiOiIzNDUiLCJGb250U2V0dGluZ3MiOnsiJGlkIjoiMzQ2IiwiRm9udFNpemUiOjcsIkZvbnROYW1lIjoiQ2FsaWJyaSIsIklzQm9sZCI6dHJ1ZSwiSXNJdGFsaWMiOmZhbHNlLCJJc1VuZGVybGluZWQiOmZhbHNlLCJQYXJlbnRTdHlsZSI6eyIkcmVmIjoiMTE5In19LCJBdXRvU2l6ZSI6MiwiRm9yZWdyb3VuZCI6eyIkaWQiOiIzNDciLCJDb2xvciI6eyIkaWQiOiIzNDgiLCJBIjoyNTUsIlIiOjIzNywiRyI6MTI1LCJCIjo0OX19LCJNYXhXaWR0aCI6NDIuMCwiTWF4SGVpZ2h0IjoiSW5maW5pdHkiLCJTbWFydEZvcmVncm91bmRJc0FjdGl2ZSI6ZmFsc2UsIkhvcml6b250YWxBbGlnbm1lbnQiOjAsIlZlcnRpY2FsQWxpZ25tZW50IjowLCJTbWFydEZvcmVncm91bmQiOm51bGwsIk1hcmdpbiI6eyIkcmVmIjoiMTIyIn0sIlBhZGRpbmciOnsiJHJlZiI6IjEyMyJ9LCJCYWNrZ3JvdW5kIjp7IiRyZWYiOiIxMjQifSwiSXNWaXNpYmxlIjp0cnVlLCJXaWR0aCI6MC4wLCJIZWlnaHQiOjAuMCwiQm9yZGVyU3R5bGUiOnsiJGlkIjoiMzQ5IiwiTGluZUNvbG9yIjpudWxsLCJMaW5lV2VpZ2h0IjowLjAsIkxpbmVUeXBlIjowLCJQYXJlbnRTdHlsZSI6bnVsbH0sIlBhcmVudFN0eWxlIjp7IiRyZWYiOiIxMTgifX0sIkRhdGVGb3JtYXQiOnsiJGlkIjoiMzUwIiwiRm9ybWF0U3RyaW5nIjoiTU1NIGQiLCJTZXBhcmF0b3IiOiIvIiwiVXNlSW50ZXJuYXRpb25hbERhdGVGb3JtYXQiOmZhbHNlLCJEYXRlSXNWaXNpYmxlIjp0cnVlLCJUaW1lSXNWaXNpYmxlIjpmYWxzZSwiSG91ckRpZ2l0cyI6MSwiQW1QbURlc2lnbmF0b3IiOjIsIlRyaW0wME1pbnV0ZXMiOmZhbHNlLCJMYXN0S25vd25WaXNpYmlsaXR5U3RhdGUiOm51bGx9LCJJc1Zpc2libGUiOnRydWUsIlBhcmVudFN0eWxlIjp7IiRyZWYiOiI4MiJ9fSwiSW5kZXgiOjEwLCJTbWFydER1cmF0aW9uQWN0aXZhdGVkIjpmYWxzZSwiRGF0ZUZvcm1hdCI6eyIkcmVmIjoiMzUwIn0sIklkIjoiODM0NjM2ZTMtMmNmZi00ODBkLThhODUtMmFlMTkxZmM2ODQyIiwiSW1wb3J0SWQiOm51bGwsIlRpdGxlIjoiU0VDVElPTiAyIiwiTm90ZSI6bnVsbCwiSHlwZXJsaW5rIjpudWxsLCJJc0NoYW5nZWQiOmZhbHNlLCJJc05ldyI6dHJ1ZX0seyIkaWQiOiIzNTEiLCJHcm91cE5hbWUiOiIzZjA4NTU2ZS0yODQwLTQ3MzYtOTFmNC1mYzgwZmZmNjk1M2IiLCJTdGFydERhdGUiOiIyMDE3LTA2LTAzVDAwOjAwOjAwWiIsIkVuZERhdGUiOiIyMDE3LTA2LTA0VDIzOjU5OjAwIiwiUGVyY2VudGFnZUNvbXBsZXRlIjpudWxsLCJTdHlsZSI6eyIkaWQiOiIzNTIiLCJTaGFwZSI6NCwiU2hhcGVUaGlja25lc3MiOjMsIkR1cmF0aW9uRm9ybWF0IjowLCJJbmNsdWRlTm9uV29ya2luZ0RheXNJbkR1cmF0aW9uIjpmYWxzZSwiUGVyY2VudGFnZUNvbXBsZXRlU3R5bGUiOnsiJGlkIjoiMzUzIiwiRm9udFNldHRpbmdzIjp7IiRpZCI6IjM1NCIsIkZvbnRTaXplIjoxMCwiRm9udE5hbWUiOiJDYWxpYnJpIiwiSXNCb2xkIjpmYWxzZSwiSXNJdGFsaWMiOmZhbHNlLCJJc1VuZGVybGluZWQiOmZhbHNlLCJQYXJlbnRTdHlsZSI6eyIkcmVmIjoiODQifX0sIkF1dG9TaXplIjowLCJGb3JlZ3JvdW5kIjp7IiRyZWYiOiI4NSJ9LCJNYXhXaWR0aCI6MjAwLjAsIk1heEhlaWdodCI6IkluZmluaXR5IiwiU21hcnRGb3JlZ3JvdW5kSXNBY3RpdmUiOmZhbHNlLCJIb3Jpem9udGFsQWxpZ25tZW50IjowLCJWZXJ0aWNhbEFsaWdubWVudCI6MCwiU21hcnRGb3JlZ3JvdW5kIjpudWxsLCJNYXJnaW4iOnsiJHJlZiI6Ijg3In0sIlBhZGRpbmciOnsiJHJlZiI6Ijg4In0sIkJhY2tncm91bmQiOnsiJHJlZiI6Ijg5In0sIklzVmlzaWJsZSI6dHJ1ZSwiV2lkdGgiOjAuMCwiSGVpZ2h0IjowLjAsIkJvcmRlclN0eWxlIjp7IiRpZCI6IjM1NSIsIkxpbmVDb2xvciI6bnVsbCwiTGluZVdlaWdodCI6MC4wLCJMaW5lVHlwZSI6MCwiUGFyZW50U3R5bGUiOm51bGx9LCJQYXJlbnRTdHlsZSI6eyIkcmVmIjoiODMifX0sIkR1cmF0aW9uU3R5bGUiOnsiJGlkIjoiMzU2IiwiRm9udFNldHRpbmdzIjp7IiRpZCI6IjM1NyIsIkZvbnRTaXplIjoxMCwiRm9udE5hbWUiOiJDYWxpYnJpIiwiSXNCb2xkIjpmYWxzZSwiSXNJdGFsaWMiOmZhbHNlLCJJc1VuZGVybGluZWQiOmZhbHNlLCJQYXJlbnRTdHlsZSI6eyIkcmVmIjoiOTEifX0sIkF1dG9TaXplIjowLCJGb3JlZ3JvdW5kIjp7IiRyZWYiOiI5MiJ9LCJNYXhXaWR0aCI6MjAwLjAsIk1heEhlaWdodCI6IkluZmluaXR5IiwiU21hcnRGb3JlZ3JvdW5kSXNBY3RpdmUiOmZhbHNlLCJIb3Jpem9udGFsQWxpZ25tZW50IjowLCJWZXJ0aWNhbEFsaWdubWVudCI6MCwiU21hcnRGb3JlZ3JvdW5kIjpudWxsLCJNYXJnaW4iOnsiJHJlZiI6Ijk0In0sIlBhZGRpbmciOnsiJHJlZiI6Ijk1In0sIkJhY2tncm91bmQiOnsiJHJlZiI6Ijk2In0sIklzVmlzaWJsZSI6dHJ1ZSwiV2lkdGgiOjAuMCwiSGVpZ2h0IjowLjAsIkJvcmRlclN0eWxlIjp7IiRpZCI6IjM1OCIsIkxpbmVDb2xvciI6bnVsbCwiTGluZVdlaWdodCI6MC4wLCJMaW5lVHlwZSI6MCwiUGFyZW50U3R5bGUiOm51bGx9LCJQYXJlbnRTdHlsZSI6eyIkcmVmIjoiOTAifX0sIkhvcml6b250YWxDb25uZWN0b3JTdHlsZSI6eyIkaWQiOiIzNTkiLCJMaW5lQ29sb3IiOnsiJHJlZiI6Ijk4In0sIkxpbmVXZWlnaHQiOjAuMCwiTGluZVR5cGUiOjAsIlBhcmVudFN0eWxlIjp7IiRyZWYiOiI5NyJ9fSwiVmVydGljYWxDb25uZWN0b3JTdHlsZSI6eyIkaWQiOiIzNjAiLCJMaW5lQ29sb3IiOnsiJHJlZiI6IjEwMSJ9LCJMaW5lV2VpZ2h0IjowLjAsIkxpbmVUeXBlIjowLCJQYXJlbnRTdHlsZSI6eyIkcmVmIjoiMTAwIn19LCJNYXJnaW4iOm51bGwsIlN0YXJ0RGF0ZVBvc2l0aW9uIjo2LCJFbmREYXRlUG9zaXRpb24iOjYsIkRhdGVJc1Zpc2libGUiOmZhbHNlLCJUaXRsZVBvc2l0aW9uIjozLCJEdXJhdGlvblBvc2l0aW9uIjo2LCJQZXJjZW50YWdlQ29tcGxldGVkUG9zaXRpb24iOjIsIlNwYWNpbmciOjEwLCJJc0JlbG93VGltZWJhbmQiOmZhbHNlLCJQZXJjZW50YWdlQ29tcGxldGVTaGFwZU9wYWNpdHkiOjM1LCJTaGFwZVN0eWxlIjp7IiRpZCI6IjM2MSIsIk1hcmdpbiI6eyIkcmVmIjoiMTA0In0sIlBhZGRpbmciOnsiJGlkIjoiMzYyIiwiVG9wIjowLCJMZWZ0IjowLCJSaWdodCI6MiwiQm90dG9tIjowfSwiQmFja2dyb3VuZCI6eyIkaWQiOiIzNjMiLCJDb2xvciI6eyIkaWQiOiIzNjQiLCJBIjoyNTUsIlIiOjExMiwiRyI6MTczLCJCIjo3MX19LCJJc1Zpc2libGUiOnRydWUsIldpZHRoIjowLjAsIkhlaWdodCI6MTIuMCwiQm9yZGVyU3R5bGUiOnsiJGlkIjoiMzY1IiwiTGluZUNvbG9yIjp7IiRpZCI6IjM2NiIsIiR0eXBlIjoiTkxSRS5Db21tb24uRG9tLlNvbGlkQ29sb3JCcnVzaCwgTkxSRS5Db21tb24iLCJDb2xvciI6eyIkaWQiOiIzNjciLCJBIjoyNTUsIlIiOjI1NSwiRyI6MCwiQiI6MH19LCJMaW5lV2VpZ2h0IjowLjAsIkxpbmVUeXBlIjowLCJQYXJlbnRTdHlsZSI6bnVsbH0sIlBhcmVudFN0eWxlIjp7IiRyZWYiOiIxMDMifX0sIlRpdGxlU3R5bGUiOnsiJGlkIjoiMzY4IiwiRm9udFNldHRpbmdzIjp7IiRpZCI6IjM2OSIsIkZvbnRTaXplIjo4LCJGb250TmFtZSI6IkNhbGlicmkiLCJJc0JvbGQiOmZhbHNlLCJJc0l0YWxpYyI6ZmFsc2UsIklzVW5kZXJsaW5lZCI6ZmFsc2UsIlBhcmVudFN0eWxlIjp7IiRyZWYiOiIxMTIifX0sIkF1dG9TaXplIjoyLCJGb3JlZ3JvdW5kIjp7IiRpZCI6IjM3MCIsIkNvbG9yIjp7IiRpZCI6IjM3MSIsIkEiOjI1NSwiUiI6MTE1LCJHIjoxMTUsIkIiOjExNX19LCJNYXhXaWR0aCI6MzUuMjUsIk1heEhlaWdodCI6IkluZmluaXR5IiwiU21hcnRGb3JlZ3JvdW5kSXNBY3RpdmUiOmZhbHNlLCJIb3Jpem9udGFsQWxpZ25tZW50IjoyLCJWZXJ0aWNhbEFsaWdubWVudCI6MCwiU21hcnRGb3JlZ3JvdW5kIjpudWxsLCJNYXJnaW4iOnsiJHJlZiI6IjExNSJ9LCJQYWRkaW5nIjp7IiRyZWYiOiIxMTYifSwiQmFja2dyb3VuZCI6eyIkcmVmIjoiMTE3In0sIklzVmlzaWJsZSI6dHJ1ZSwiV2lkdGgiOjAuMCwiSGVpZ2h0IjowLjAsIkJvcmRlclN0eWxlIjp7IiRpZCI6IjM3MiIsIkxpbmVDb2xvciI6bnVsbCwiTGluZVdlaWdodCI6MC4wLCJMaW5lVHlwZSI6MCwiUGFyZW50U3R5bGUiOm51bGx9LCJQYXJlbnRTdHlsZSI6eyIkcmVmIjoiMTExIn19LCJEYXRlU3R5bGUiOnsiJGlkIjoiMzczIiwiRm9udFNldHRpbmdzIjp7IiRpZCI6IjM3NCIsIkZvbnRTaXplIjo4LCJGb250TmFtZSI6IkNhbGlicmkiLCJJc0JvbGQiOmZhbHNlLCJJc0l0YWxpYyI6ZmFsc2UsIklzVW5kZXJsaW5lZCI6ZmFsc2UsIlBhcmVudFN0eWxlIjp7IiRyZWYiOiIxMTkifX0sIkF1dG9TaXplIjowLCJGb3JlZ3JvdW5kIjp7IiRpZCI6IjM3NSIsIkNvbG9yIjp7IiRpZCI6IjM3NiIsIkEiOjI1NSwiUiI6MTkxLCJHIjoxOTEsIkIiOjE5MX19LCJNYXhXaWR0aCI6MjAwLjAsIk1heEhlaWdodCI6IkluZmluaXR5IiwiU21hcnRGb3JlZ3JvdW5kSXNBY3RpdmUiOmZhbHNlLCJIb3Jpem9udGFsQWxpZ25tZW50IjowLCJWZXJ0aWNhbEFsaWdubWVudCI6MCwiU21hcnRGb3JlZ3JvdW5kIjpudWxsLCJNYXJnaW4iOnsiJHJlZiI6IjEyMiJ9LCJQYWRkaW5nIjp7IiRyZWYiOiIxMjMifSwiQmFja2dyb3VuZCI6eyIkcmVmIjoiMTI0In0sIklzVmlzaWJsZSI6dHJ1ZSwiV2lkdGgiOjAuMCwiSGVpZ2h0IjowLjAsIkJvcmRlclN0eWxlIjp7IiRpZCI6IjM3NyIsIkxpbmVDb2xvciI6bnVsbCwiTGluZVdlaWdodCI6MC4wLCJMaW5lVHlwZSI6MCwiUGFyZW50U3R5bGUiOm51bGx9LCJQYXJlbnRTdHlsZSI6eyIkcmVmIjoiMTE4In19LCJEYXRlRm9ybWF0Ijp7IiRyZWYiOiIxMjUifSwiSXNWaXNpYmxlIjp0cnVlLCJQYXJlbnRTdHlsZSI6eyIkcmVmIjoiODIifX0sIkluZGV4IjoxMSwiU21hcnREdXJhdGlvbkFjdGl2YXRlZCI6ZmFsc2UsIkRhdGVGb3JtYXQiOnsiJHJlZiI6IjEyNSJ9LCJJZCI6ImY0ZmNkNWNkLTRkMWUtNGYxMy05NTE1LTYzM2M2OTQ1YjQwOSIsIkltcG9ydElkIjpudWxsLCJUaXRsZSI6IlN1Yi10YXNrIDEiLCJOb3RlIjpudWxsLCJIeXBlcmxpbmsiOm51bGwsIklzQ2hhbmdlZCI6ZmFsc2UsIklzTmV3Ijp0cnVlfSx7IiRpZCI6IjM3OCIsIkdyb3VwTmFtZSI6IjNmMDg1NTZlLTI4NDAtNDczNi05MWY0LWZjODBmZmY2OTUzYiIsIlN0YXJ0RGF0ZSI6IjIwMTctMDYtMDVUMDA6MDA6MDBaIiwiRW5kRGF0ZSI6IjIwMTctMDYtMDlUMjM6NTk6MDAiLCJQZXJjZW50YWdlQ29tcGxldGUiOm51bGwsIlN0eWxlIjp7IiRpZCI6IjM3OSIsIlNoYXBlIjo0LCJTaGFwZVRoaWNrbmVzcyI6MywiRHVyYXRpb25Gb3JtYXQiOjAsIkluY2x1ZGVOb25Xb3JraW5nRGF5c0luRHVyYXRpb24iOmZhbHNlLCJQZXJjZW50YWdlQ29tcGxldGVTdHlsZSI6eyIkaWQiOiIzODAiLCJGb250U2V0dGluZ3MiOnsiJGlkIjoiMzgxIiwiRm9udFNpemUiOjEwLCJGb250TmFtZSI6IkNhbGlicmkiLCJJc0JvbGQiOmZhbHNlLCJJc0l0YWxpYyI6ZmFsc2UsIklzVW5kZXJsaW5lZCI6ZmFsc2UsIlBhcmVudFN0eWxlIjp7IiRyZWYiOiI4NCJ9fSwiQXV0b1NpemUiOjAsIkZvcmVncm91bmQiOnsiJHJlZiI6Ijg1In0sIk1heFdpZHRoIjoyMDAuMCwiTWF4SGVpZ2h0IjoiSW5maW5pdHkiLCJTbWFydEZvcmVncm91bmRJc0FjdGl2ZSI6ZmFsc2UsIkhvcml6b250YWxBbGlnbm1lbnQiOjAsIlZlcnRpY2FsQWxpZ25tZW50IjowLCJTbWFydEZvcmVncm91bmQiOm51bGwsIk1hcmdpbiI6eyIkcmVmIjoiODcifSwiUGFkZGluZyI6eyIkcmVmIjoiODgifSwiQmFja2dyb3VuZCI6eyIkcmVmIjoiODkifSwiSXNWaXNpYmxlIjp0cnVlLCJXaWR0aCI6MC4wLCJIZWlnaHQiOjAuMCwiQm9yZGVyU3R5bGUiOnsiJGlkIjoiMzgyIiwiTGluZUNvbG9yIjpudWxsLCJMaW5lV2VpZ2h0IjowLjAsIkxpbmVUeXBlIjowLCJQYXJlbnRTdHlsZSI6bnVsbH0sIlBhcmVudFN0eWxlIjp7IiRyZWYiOiI4MyJ9fSwiRHVyYXRpb25TdHlsZSI6eyIkaWQiOiIzODMiLCJGb250U2V0dGluZ3MiOnsiJGlkIjoiMzg0IiwiRm9udFNpemUiOjEwLCJGb250TmFtZSI6IkNhbGlicmkiLCJJc0JvbGQiOmZhbHNlLCJJc0l0YWxpYyI6ZmFsc2UsIklzVW5kZXJsaW5lZCI6ZmFsc2UsIlBhcmVudFN0eWxlIjp7IiRyZWYiOiI5MSJ9fSwiQXV0b1NpemUiOjAsIkZvcmVncm91bmQiOnsiJHJlZiI6IjkyIn0sIk1heFdpZHRoIjoyMDAuMCwiTWF4SGVpZ2h0IjoiSW5maW5pdHkiLCJTbWFydEZvcmVncm91bmRJc0FjdGl2ZSI6ZmFsc2UsIkhvcml6b250YWxBbGlnbm1lbnQiOjAsIlZlcnRpY2FsQWxpZ25tZW50IjowLCJTbWFydEZvcmVncm91bmQiOm51bGwsIk1hcmdpbiI6eyIkcmVmIjoiOTQifSwiUGFkZGluZyI6eyIkcmVmIjoiOTUifSwiQmFja2dyb3VuZCI6eyIkcmVmIjoiOTYifSwiSXNWaXNpYmxlIjp0cnVlLCJXaWR0aCI6MC4wLCJIZWlnaHQiOjAuMCwiQm9yZGVyU3R5bGUiOnsiJGlkIjoiMzg1IiwiTGluZUNvbG9yIjpudWxsLCJMaW5lV2VpZ2h0IjowLjAsIkxpbmVUeXBlIjowLCJQYXJlbnRTdHlsZSI6bnVsbH0sIlBhcmVudFN0eWxlIjp7IiRyZWYiOiI5MCJ9fSwiSG9yaXpvbnRhbENvbm5lY3RvclN0eWxlIjp7IiRpZCI6IjM4NiIsIkxpbmVDb2xvciI6eyIkcmVmIjoiOTgifSwiTGluZVdlaWdodCI6MC4wLCJMaW5lVHlwZSI6MCwiUGFyZW50U3R5bGUiOnsiJHJlZiI6Ijk3In19LCJWZXJ0aWNhbENvbm5lY3RvclN0eWxlIjp7IiRpZCI6IjM4NyIsIkxpbmVDb2xvciI6eyIkcmVmIjoiMTAxIn0sIkxpbmVXZWlnaHQiOjAuMCwiTGluZVR5cGUiOjAsIlBhcmVudFN0eWxlIjp7IiRyZWYiOiIxMDAifX0sIk1hcmdpbiI6bnVsbCwiU3RhcnREYXRlUG9zaXRpb24iOjYsIkVuZERhdGVQb3NpdGlvbiI6NiwiRGF0ZUlzVmlzaWJsZSI6ZmFsc2UsIlRpdGxlUG9zaXRpb24iOjIsIkR1cmF0aW9uUG9zaXRpb24iOjYsIlBlcmNlbnRhZ2VDb21wbGV0ZWRQb3NpdGlvbiI6MiwiU3BhY2luZyI6MTAsIklzQmVsb3dUaW1lYmFuZCI6ZmFsc2UsIlBlcmNlbnRhZ2VDb21wbGV0ZVNoYXBlT3BhY2l0eSI6MzUsIlNoYXBlU3R5bGUiOnsiJGlkIjoiMzg4IiwiTWFyZ2luIjp7IiRyZWYiOiIxMDQifSwiUGFkZGluZyI6eyIkaWQiOiIzODkiLCJUb3AiOjAsIkxlZnQiOjAsIlJpZ2h0IjoyLCJCb3R0b20iOjB9LCJCYWNrZ3JvdW5kIjp7IiRpZCI6IjM5MCIsIkNvbG9yIjp7IiRpZCI6IjM5MSIsIkEiOjI1NSwiUiI6NjgsIkciOjg0LCJCIjoxMDZ9fSwiSXNWaXNpYmxlIjp0cnVlLCJXaWR0aCI6MC4wLCJIZWlnaHQiOjEyLjAsIkJvcmRlclN0eWxlIjp7IiRpZCI6IjM5MiIsIkxpbmVDb2xvciI6eyIkaWQiOiIzOTMiLCIkdHlwZSI6Ik5MUkUuQ29tbW9uLkRvbS5Tb2xpZENvbG9yQnJ1c2gsIE5MUkUuQ29tbW9uIiwiQ29sb3IiOnsiJGlkIjoiMzk0IiwiQSI6MjU1LCJSIjoyNTUsIkciOjAsIkIiOjB9fSwiTGluZVdlaWdodCI6MC4wLCJMaW5lVHlwZSI6MCwiUGFyZW50U3R5bGUiOm51bGx9LCJQYXJlbnRTdHlsZSI6eyIkcmVmIjoiMTAzIn19LCJUaXRsZVN0eWxlIjp7IiRpZCI6IjM5NSIsIkZvbnRTZXR0aW5ncyI6eyIkaWQiOiIzOTYiLCJGb250U2l6ZSI6OCwiRm9udE5hbWUiOiJDYWxpYnJpIiwiSXNCb2xkIjpmYWxzZSwiSXNJdGFsaWMiOmZhbHNlLCJJc1VuZGVybGluZWQiOmZhbHNlLCJQYXJlbnRTdHlsZSI6eyIkcmVmIjoiMTEyIn19LCJBdXRvU2l6ZSI6MiwiRm9yZWdyb3VuZCI6eyIkaWQiOiIzOTciLCJDb2xvciI6eyIkaWQiOiIzOTgiLCJBIjoyNTUsIlIiOjI1NSwiRyI6MjU1LCJCIjoyNTV9fSwiTWF4V2lkdGgiOjM1LjI1LCJNYXhIZWlnaHQiOiJJbmZpbml0eSIsIlNtYXJ0Rm9yZWdyb3VuZElzQWN0aXZlIjpmYWxzZSwiSG9yaXpvbnRhbEFsaWdubWVudCI6MiwiVmVydGljYWxBbGlnbm1lbnQiOjAsIlNtYXJ0Rm9yZWdyb3VuZCI6bnVsbCwiTWFyZ2luIjp7IiRyZWYiOiIxMTUifSwiUGFkZGluZyI6eyIkcmVmIjoiMTE2In0sIkJhY2tncm91bmQiOnsiJHJlZiI6IjExNyJ9LCJJc1Zpc2libGUiOnRydWUsIldpZHRoIjowLjAsIkhlaWdodCI6MC4wLCJCb3JkZXJTdHlsZSI6eyIkaWQiOiIzOTkiLCJMaW5lQ29sb3IiOm51bGwsIkxpbmVXZWlnaHQiOjAuMCwiTGluZVR5cGUiOjAsIlBhcmVudFN0eWxlIjpudWxsfSwiUGFyZW50U3R5bGUiOnsiJHJlZiI6IjExMSJ9fSwiRGF0ZVN0eWxlIjp7IiRpZCI6IjQwMCIsIkZvbnRTZXR0aW5ncyI6eyIkaWQiOiI0MDEiLCJGb250U2l6ZSI6OCwiRm9udE5hbWUiOiJDYWxpYnJpIiwiSXNCb2xkIjpmYWxzZSwiSXNJdGFsaWMiOmZhbHNlLCJJc1VuZGVybGluZWQiOmZhbHNlLCJQYXJlbnRTdHlsZSI6eyIkcmVmIjoiMTE5In19LCJBdXRvU2l6ZSI6MCwiRm9yZWdyb3VuZCI6eyIkaWQiOiI0MDIiLCJDb2xvciI6eyIkaWQiOiI0MDMiLCJBIjoyNTUsIlIiOjE5MSwiRyI6MTkxLCJCIjoxOTF9fSwiTWF4V2lkdGgiOjIwMC4wLCJNYXhIZWlnaHQiOiJJbmZpbml0eSIsIlNtYXJ0Rm9yZWdyb3VuZElzQWN0aXZlIjpmYWxzZSwiSG9yaXpvbnRhbEFsaWdubWVudCI6MCwiVmVydGljYWxBbGlnbm1lbnQiOjAsIlNtYXJ0Rm9yZWdyb3VuZCI6bnVsbCwiTWFyZ2luIjp7IiRyZWYiOiIxMjIifSwiUGFkZGluZyI6eyIkcmVmIjoiMTIzIn0sIkJhY2tncm91bmQiOnsiJHJlZiI6IjEyNCJ9LCJJc1Zpc2libGUiOnRydWUsIldpZHRoIjowLjAsIkhlaWdodCI6MC4wLCJCb3JkZXJTdHlsZSI6eyIkaWQiOiI0MDQiLCJMaW5lQ29sb3IiOm51bGwsIkxpbmVXZWlnaHQiOjAuMCwiTGluZVR5cGUiOjAsIlBhcmVudFN0eWxlIjpudWxsfSwiUGFyZW50U3R5bGUiOnsiJHJlZiI6IjExOCJ9fSwiRGF0ZUZvcm1hdCI6eyIkcmVmIjoiMTI1In0sIklzVmlzaWJsZSI6dHJ1ZSwiUGFyZW50U3R5bGUiOnsiJHJlZiI6IjgyIn19LCJJbmRleCI6MTIsIlNtYXJ0RHVyYXRpb25BY3RpdmF0ZWQiOmZhbHNlLCJEYXRlRm9ybWF0Ijp7IiRyZWYiOiIxMjUifSwiSWQiOiI2MWJkNDQyMS1mMTU5LTQxM2QtYmE3Mi04MWE1MTg1ZTM4YjgiLCJJbXBvcnRJZCI6bnVsbCwiVGl0bGUiOiJTdWItdGFzayAyIiwiTm90ZSI6bnVsbCwiSHlwZXJsaW5rIjpudWxsLCJJc0NoYW5nZWQiOmZhbHNlLCJJc05ldyI6dHJ1ZX0seyIkaWQiOiI0MDUiLCJHcm91cE5hbWUiOiIzZjA4NTU2ZS0yODQwLTQ3MzYtOTFmNC1mYzgwZmZmNjk1M2IiLCJTdGFydERhdGUiOiIyMDE3LTA2LTEwVDAwOjAwOjAwWiIsIkVuZERhdGUiOiIyMDE3LTA2LTE2VDIzOjU5OjAwIiwiUGVyY2VudGFnZUNvbXBsZXRlIjpudWxsLCJTdHlsZSI6eyIkaWQiOiI0MDYiLCJTaGFwZSI6NCwiU2hhcGVUaGlja25lc3MiOjMsIkR1cmF0aW9uRm9ybWF0IjowLCJJbmNsdWRlTm9uV29ya2luZ0RheXNJbkR1cmF0aW9uIjpmYWxzZSwiUGVyY2VudGFnZUNvbXBsZXRlU3R5bGUiOnsiJGlkIjoiNDA3IiwiRm9udFNldHRpbmdzIjp7IiRpZCI6IjQwOCIsIkZvbnRTaXplIjoxMCwiRm9udE5hbWUiOiJDYWxpYnJpIiwiSXNCb2xkIjpmYWxzZSwiSXNJdGFsaWMiOmZhbHNlLCJJc1VuZGVybGluZWQiOmZhbHNlLCJQYXJlbnRTdHlsZSI6eyIkcmVmIjoiODQifX0sIkF1dG9TaXplIjowLCJGb3JlZ3JvdW5kIjp7IiRyZWYiOiI4NSJ9LCJNYXhXaWR0aCI6MjAwLjAsIk1heEhlaWdodCI6IkluZmluaXR5IiwiU21hcnRGb3JlZ3JvdW5kSXNBY3RpdmUiOmZhbHNlLCJIb3Jpem9udGFsQWxpZ25tZW50IjowLCJWZXJ0aWNhbEFsaWdubWVudCI6MCwiU21hcnRGb3JlZ3JvdW5kIjpudWxsLCJNYXJnaW4iOnsiJHJlZiI6Ijg3In0sIlBhZGRpbmciOnsiJHJlZiI6Ijg4In0sIkJhY2tncm91bmQiOnsiJHJlZiI6Ijg5In0sIklzVmlzaWJsZSI6dHJ1ZSwiV2lkdGgiOjAuMCwiSGVpZ2h0IjowLjAsIkJvcmRlclN0eWxlIjp7IiRpZCI6IjQwOSIsIkxpbmVDb2xvciI6bnVsbCwiTGluZVdlaWdodCI6MC4wLCJMaW5lVHlwZSI6MCwiUGFyZW50U3R5bGUiOm51bGx9LCJQYXJlbnRTdHlsZSI6eyIkcmVmIjoiODMifX0sIkR1cmF0aW9uU3R5bGUiOnsiJGlkIjoiNDEwIiwiRm9udFNldHRpbmdzIjp7IiRpZCI6IjQxMSIsIkZvbnRTaXplIjoxMCwiRm9udE5hbWUiOiJDYWxpYnJpIiwiSXNCb2xkIjpmYWxzZSwiSXNJdGFsaWMiOmZhbHNlLCJJc1VuZGVybGluZWQiOmZhbHNlLCJQYXJlbnRTdHlsZSI6eyIkcmVmIjoiOTEifX0sIkF1dG9TaXplIjowLCJGb3JlZ3JvdW5kIjp7IiRyZWYiOiI5MiJ9LCJNYXhXaWR0aCI6MjAwLjAsIk1heEhlaWdodCI6IkluZmluaXR5IiwiU21hcnRGb3JlZ3JvdW5kSXNBY3RpdmUiOmZhbHNlLCJIb3Jpem9udGFsQWxpZ25tZW50IjowLCJWZXJ0aWNhbEFsaWdubWVudCI6MCwiU21hcnRGb3JlZ3JvdW5kIjpudWxsLCJNYXJnaW4iOnsiJHJlZiI6Ijk0In0sIlBhZGRpbmciOnsiJHJlZiI6Ijk1In0sIkJhY2tncm91bmQiOnsiJHJlZiI6Ijk2In0sIklzVmlzaWJsZSI6dHJ1ZSwiV2lkdGgiOjAuMCwiSGVpZ2h0IjowLjAsIkJvcmRlclN0eWxlIjp7IiRpZCI6IjQxMiIsIkxpbmVDb2xvciI6bnVsbCwiTGluZVdlaWdodCI6MC4wLCJMaW5lVHlwZSI6MCwiUGFyZW50U3R5bGUiOm51bGx9LCJQYXJlbnRTdHlsZSI6eyIkcmVmIjoiOTAifX0sIkhvcml6b250YWxDb25uZWN0b3JTdHlsZSI6eyIkaWQiOiI0MTMiLCJMaW5lQ29sb3IiOnsiJHJlZiI6Ijk4In0sIkxpbmVXZWlnaHQiOjAuMCwiTGluZVR5cGUiOjAsIlBhcmVudFN0eWxlIjp7IiRyZWYiOiI5NyJ9fSwiVmVydGljYWxDb25uZWN0b3JTdHlsZSI6eyIkaWQiOiI0MTQiLCJMaW5lQ29sb3IiOnsiJHJlZiI6IjEwMSJ9LCJMaW5lV2VpZ2h0IjowLjAsIkxpbmVUeXBlIjowLCJQYXJlbnRTdHlsZSI6eyIkcmVmIjoiMTAwIn19LCJNYXJnaW4iOm51bGwsIlN0YXJ0RGF0ZVBvc2l0aW9uIjo2LCJFbmREYXRlUG9zaXRpb24iOjYsIkRhdGVJc1Zpc2libGUiOmZhbHNlLCJUaXRsZVBvc2l0aW9uIjoyLCJEdXJhdGlvblBvc2l0aW9uIjo2LCJQZXJjZW50YWdlQ29tcGxldGVkUG9zaXRpb24iOjIsIlNwYWNpbmciOjEwLCJJc0JlbG93VGltZWJhbmQiOmZhbHNlLCJQZXJjZW50YWdlQ29tcGxldGVTaGFwZU9wYWNpdHkiOjM1LCJTaGFwZVN0eWxlIjp7IiRpZCI6IjQxNSIsIk1hcmdpbiI6eyIkcmVmIjoiMTA0In0sIlBhZGRpbmciOnsiJGlkIjoiNDE2IiwiVG9wIjowLCJMZWZ0IjowLCJSaWdodCI6MiwiQm90dG9tIjowfSwiQmFja2dyb3VuZCI6eyIkaWQiOiI0MTciLCJDb2xvciI6eyIkaWQiOiI0MTgiLCJBIjoyNTUsIlIiOjkxLCJHIjoxNTUsIkIiOjIxM319LCJJc1Zpc2libGUiOnRydWUsIldpZHRoIjowLjAsIkhlaWdodCI6MTIuMCwiQm9yZGVyU3R5bGUiOnsiJGlkIjoiNDE5IiwiTGluZUNvbG9yIjp7IiRpZCI6IjQyMCIsIiR0eXBlIjoiTkxSRS5Db21tb24uRG9tLlNvbGlkQ29sb3JCcnVzaCwgTkxSRS5Db21tb24iLCJDb2xvciI6eyIkaWQiOiI0MjEiLCJBIjoyNTUsIlIiOjI1NSwiRyI6MCwiQiI6MH19LCJMaW5lV2VpZ2h0IjowLjAsIkxpbmVUeXBlIjowLCJQYXJlbnRTdHlsZSI6bnVsbH0sIlBhcmVudFN0eWxlIjp7IiRyZWYiOiIxMDMifX0sIlRpdGxlU3R5bGUiOnsiJGlkIjoiNDIyIiwiRm9udFNldHRpbmdzIjp7IiRpZCI6IjQyMyIsIkZvbnRTaXplIjo4LCJGb250TmFtZSI6IkNhbGlicmkiLCJJc0JvbGQiOmZhbHNlLCJJc0l0YWxpYyI6ZmFsc2UsIklzVW5kZXJsaW5lZCI6ZmFsc2UsIlBhcmVudFN0eWxlIjp7IiRyZWYiOiIxMTIifX0sIkF1dG9TaXplIjoyLCJGb3JlZ3JvdW5kIjp7IiRpZCI6IjQyNCIsIkNvbG9yIjp7IiRpZCI6IjQyNSIsIkEiOjI1NSwiUiI6MjU1LCJHIjoyNTUsIkIiOjI1NX19LCJNYXhXaWR0aCI6MzUuMjUsIk1heEhlaWdodCI6IkluZmluaXR5IiwiU21hcnRGb3JlZ3JvdW5kSXNBY3RpdmUiOmZhbHNlLCJIb3Jpem9udGFsQWxpZ25tZW50IjoyLCJWZXJ0aWNhbEFsaWdubWVudCI6MCwiU21hcnRGb3JlZ3JvdW5kIjpudWxsLCJNYXJnaW4iOnsiJHJlZiI6IjExNSJ9LCJQYWRkaW5nIjp7IiRyZWYiOiIxMTYifSwiQmFja2dyb3VuZCI6eyIkcmVmIjoiMTE3In0sIklzVmlzaWJsZSI6dHJ1ZSwiV2lkdGgiOjAuMCwiSGVpZ2h0IjowLjAsIkJvcmRlclN0eWxlIjp7IiRpZCI6IjQyNiIsIkxpbmVDb2xvciI6bnVsbCwiTGluZVdlaWdodCI6MC4wLCJMaW5lVHlwZSI6MCwiUGFyZW50U3R5bGUiOm51bGx9LCJQYXJlbnRTdHlsZSI6eyIkcmVmIjoiMTExIn19LCJEYXRlU3R5bGUiOnsiJGlkIjoiNDI3IiwiRm9udFNldHRpbmdzIjp7IiRpZCI6IjQyOCIsIkZvbnRTaXplIjo4LCJGb250TmFtZSI6IkNhbGlicmkiLCJJc0JvbGQiOmZhbHNlLCJJc0l0YWxpYyI6ZmFsc2UsIklzVW5kZXJsaW5lZCI6ZmFsc2UsIlBhcmVudFN0eWxlIjp7IiRyZWYiOiIxMTkifX0sIkF1dG9TaXplIjowLCJGb3JlZ3JvdW5kIjp7IiRpZCI6IjQyOSIsIkNvbG9yIjp7IiRpZCI6IjQzMCIsIkEiOjI1NSwiUiI6MTkxLCJHIjoxOTEsIkIiOjE5MX19LCJNYXhXaWR0aCI6MjAwLjAsIk1heEhlaWdodCI6IkluZmluaXR5IiwiU21hcnRGb3JlZ3JvdW5kSXNBY3RpdmUiOmZhbHNlLCJIb3Jpem9udGFsQWxpZ25tZW50IjowLCJWZXJ0aWNhbEFsaWdubWVudCI6MCwiU21hcnRGb3JlZ3JvdW5kIjpudWxsLCJNYXJnaW4iOnsiJHJlZiI6IjEyMiJ9LCJQYWRkaW5nIjp7IiRyZWYiOiIxMjMifSwiQmFja2dyb3VuZCI6eyIkcmVmIjoiMTI0In0sIklzVmlzaWJsZSI6dHJ1ZSwiV2lkdGgiOjAuMCwiSGVpZ2h0IjowLjAsIkJvcmRlclN0eWxlIjp7IiRpZCI6IjQzMSIsIkxpbmVDb2xvciI6bnVsbCwiTGluZVdlaWdodCI6MC4wLCJMaW5lVHlwZSI6MCwiUGFyZW50U3R5bGUiOm51bGx9LCJQYXJlbnRTdHlsZSI6eyIkcmVmIjoiMTE4In19LCJEYXRlRm9ybWF0Ijp7IiRyZWYiOiIxMjUifSwiSXNWaXNpYmxlIjp0cnVlLCJQYXJlbnRTdHlsZSI6eyIkcmVmIjoiODIifX0sIkluZGV4IjoxMywiU21hcnREdXJhdGlvbkFjdGl2YXRlZCI6ZmFsc2UsIkRhdGVGb3JtYXQiOnsiJHJlZiI6IjEyNSJ9LCJJZCI6IjJmZGFkNDBkLWZkMTQtNDY3Yi05M2QwLWE3NTkyOTZmMjUxYSIsIkltcG9ydElkIjpudWxsLCJUaXRsZSI6IlN1Yi10YXNrIDMiLCJOb3RlIjpudWxsLCJIeXBlcmxpbmsiOm51bGwsIklzQ2hhbmdlZCI6ZmFsc2UsIklzTmV3Ijp0cnVlfSx7IiRpZCI6IjQzMiIsIkdyb3VwTmFtZSI6IjNmMDg1NTZlLTI4NDAtNDczNi05MWY0LWZjODBmZmY2OTUzYiIsIlN0YXJ0RGF0ZSI6IjIwMTctMDYtMTdUMDA6MDA6MDBaIiwiRW5kRGF0ZSI6IjIwMTctMDYtMTdUMjM6NTk6MDAiLCJQZXJjZW50YWdlQ29tcGxldGUiOm51bGwsIlN0eWxlIjp7IiRpZCI6IjQzMyIsIlNoYXBlIjo0LCJTaGFwZVRoaWNrbmVzcyI6MywiRHVyYXRpb25Gb3JtYXQiOjAsIkluY2x1ZGVOb25Xb3JraW5nRGF5c0luRHVyYXRpb24iOmZhbHNlLCJQZXJjZW50YWdlQ29tcGxldGVTdHlsZSI6eyIkaWQiOiI0MzQiLCJGb250U2V0dGluZ3MiOnsiJGlkIjoiNDM1IiwiRm9udFNpemUiOjEwLCJGb250TmFtZSI6IkNhbGlicmkiLCJJc0JvbGQiOmZhbHNlLCJJc0l0YWxpYyI6ZmFsc2UsIklzVW5kZXJsaW5lZCI6ZmFsc2UsIlBhcmVudFN0eWxlIjp7IiRyZWYiOiI4NCJ9fSwiQXV0b1NpemUiOjAsIkZvcmVncm91bmQiOnsiJHJlZiI6Ijg1In0sIk1heFdpZHRoIjoyMDAuMCwiTWF4SGVpZ2h0IjoiSW5maW5pdHkiLCJTbWFydEZvcmVncm91bmRJc0FjdGl2ZSI6ZmFsc2UsIkhvcml6b250YWxBbGlnbm1lbnQiOjAsIlZlcnRpY2FsQWxpZ25tZW50IjowLCJTbWFydEZvcmVncm91bmQiOm51bGwsIk1hcmdpbiI6eyIkcmVmIjoiODcifSwiUGFkZGluZyI6eyIkcmVmIjoiODgifSwiQmFja2dyb3VuZCI6eyIkcmVmIjoiODkifSwiSXNWaXNpYmxlIjp0cnVlLCJXaWR0aCI6MC4wLCJIZWlnaHQiOjAuMCwiQm9yZGVyU3R5bGUiOnsiJGlkIjoiNDM2IiwiTGluZUNvbG9yIjpudWxsLCJMaW5lV2VpZ2h0IjowLjAsIkxpbmVUeXBlIjowLCJQYXJlbnRTdHlsZSI6bnVsbH0sIlBhcmVudFN0eWxlIjp7IiRyZWYiOiI4MyJ9fSwiRHVyYXRpb25TdHlsZSI6eyIkaWQiOiI0MzciLCJGb250U2V0dGluZ3MiOnsiJGlkIjoiNDM4IiwiRm9udFNpemUiOjEwLCJGb250TmFtZSI6IkNhbGlicmkiLCJJc0JvbGQiOmZhbHNlLCJJc0l0YWxpYyI6ZmFsc2UsIklzVW5kZXJsaW5lZCI6ZmFsc2UsIlBhcmVudFN0eWxlIjp7IiRyZWYiOiI5MSJ9fSwiQXV0b1NpemUiOjAsIkZvcmVncm91bmQiOnsiJHJlZiI6IjkyIn0sIk1heFdpZHRoIjoyMDAuMCwiTWF4SGVpZ2h0IjoiSW5maW5pdHkiLCJTbWFydEZvcmVncm91bmRJc0FjdGl2ZSI6ZmFsc2UsIkhvcml6b250YWxBbGlnbm1lbnQiOjAsIlZlcnRpY2FsQWxpZ25tZW50IjowLCJTbWFydEZvcmVncm91bmQiOm51bGwsIk1hcmdpbiI6eyIkcmVmIjoiOTQifSwiUGFkZGluZyI6eyIkcmVmIjoiOTUifSwiQmFja2dyb3VuZCI6eyIkcmVmIjoiOTYifSwiSXNWaXNpYmxlIjp0cnVlLCJXaWR0aCI6MC4wLCJIZWlnaHQiOjAuMCwiQm9yZGVyU3R5bGUiOnsiJGlkIjoiNDM5IiwiTGluZUNvbG9yIjpudWxsLCJMaW5lV2VpZ2h0IjowLjAsIkxpbmVUeXBlIjowLCJQYXJlbnRTdHlsZSI6bnVsbH0sIlBhcmVudFN0eWxlIjp7IiRyZWYiOiI5MCJ9fSwiSG9yaXpvbnRhbENvbm5lY3RvclN0eWxlIjp7IiRpZCI6IjQ0MCIsIkxpbmVDb2xvciI6eyIkcmVmIjoiOTgifSwiTGluZVdlaWdodCI6MC4wLCJMaW5lVHlwZSI6MCwiUGFyZW50U3R5bGUiOnsiJHJlZiI6Ijk3In19LCJWZXJ0aWNhbENvbm5lY3RvclN0eWxlIjp7IiRpZCI6IjQ0MSIsIkxpbmVDb2xvciI6eyIkcmVmIjoiMTAxIn0sIkxpbmVXZWlnaHQiOjAuMCwiTGluZVR5cGUiOjAsIlBhcmVudFN0eWxlIjp7IiRyZWYiOiIxMDAifX0sIk1hcmdpbiI6bnVsbCwiU3RhcnREYXRlUG9zaXRpb24iOjYsIkVuZERhdGVQb3NpdGlvbiI6NiwiRGF0ZUlzVmlzaWJsZSI6ZmFsc2UsIlRpdGxlUG9zaXRpb24iOjQsIkR1cmF0aW9uUG9zaXRpb24iOjYsIlBlcmNlbnRhZ2VDb21wbGV0ZWRQb3NpdGlvbiI6MiwiU3BhY2luZyI6MTAsIklzQmVsb3dUaW1lYmFuZCI6ZmFsc2UsIlBlcmNlbnRhZ2VDb21wbGV0ZVNoYXBlT3BhY2l0eSI6MzUsIlNoYXBlU3R5bGUiOnsiJGlkIjoiNDQyIiwiTWFyZ2luIjp7IiRyZWYiOiIxMDQifSwiUGFkZGluZyI6eyIkaWQiOiI0NDMiLCJUb3AiOjAsIkxlZnQiOjAsIlJpZ2h0IjoyLCJCb3R0b20iOjB9LCJCYWNrZ3JvdW5kIjp7IiRpZCI6IjQ0NCIsIkNvbG9yIjp7IiRpZCI6IjQ0NSIsIkEiOjI1NSwiUiI6MTk3LCJHIjo5MCwiQiI6MTd9fSwiSXNWaXNpYmxlIjp0cnVlLCJXaWR0aCI6MC4wLCJIZWlnaHQiOjEyLjAsIkJvcmRlclN0eWxlIjp7IiRpZCI6IjQ0NiIsIkxpbmVDb2xvciI6eyIkaWQiOiI0NDciLCIkdHlwZSI6Ik5MUkUuQ29tbW9uLkRvbS5Tb2xpZENvbG9yQnJ1c2gsIE5MUkUuQ29tbW9uIiwiQ29sb3IiOnsiJGlkIjoiNDQ4IiwiQSI6MjU1LCJSIjoyNTUsIkciOjAsIkIiOjB9fSwiTGluZVdlaWdodCI6MC4wLCJMaW5lVHlwZSI6MCwiUGFyZW50U3R5bGUiOm51bGx9LCJQYXJlbnRTdHlsZSI6eyIkcmVmIjoiMTAzIn19LCJUaXRsZVN0eWxlIjp7IiRpZCI6IjQ0OSIsIkZvbnRTZXR0aW5ncyI6eyIkaWQiOiI0NTAiLCJGb250U2l6ZSI6OCwiRm9udE5hbWUiOiJDYWxpYnJpIiwiSXNCb2xkIjpmYWxzZSwiSXNJdGFsaWMiOmZhbHNlLCJJc1VuZGVybGluZWQiOmZhbHNlLCJQYXJlbnRTdHlsZSI6eyIkcmVmIjoiMTEyIn19LCJBdXRvU2l6ZSI6MiwiRm9yZWdyb3VuZCI6eyIkaWQiOiI0NTEiLCJDb2xvciI6eyIkaWQiOiI0NTIiLCJBIjoyNTUsIlIiOjExNSwiRyI6MTE1LCJCIjoxMTV9fSwiTWF4V2lkdGgiOjg2LjI1LCJNYXhIZWlnaHQiOiJJbmZpbml0eSIsIlNtYXJ0Rm9yZWdyb3VuZElzQWN0aXZlIjpmYWxzZSwiSG9yaXpvbnRhbEFsaWdubWVudCI6MiwiVmVydGljYWxBbGlnbm1lbnQiOjAsIlNtYXJ0Rm9yZWdyb3VuZCI6bnVsbCwiTWFyZ2luIjp7IiRyZWYiOiIxMTUifSwiUGFkZGluZyI6eyIkcmVmIjoiMTE2In0sIkJhY2tncm91bmQiOnsiJHJlZiI6IjExNyJ9LCJJc1Zpc2libGUiOnRydWUsIldpZHRoIjowLjAsIkhlaWdodCI6MC4wLCJCb3JkZXJTdHlsZSI6eyIkaWQiOiI0NTMiLCJMaW5lQ29sb3IiOm51bGwsIkxpbmVXZWlnaHQiOjAuMCwiTGluZVR5cGUiOjAsIlBhcmVudFN0eWxlIjpudWxsfSwiUGFyZW50U3R5bGUiOnsiJHJlZiI6IjExMSJ9fSwiRGF0ZVN0eWxlIjp7IiRpZCI6IjQ1NCIsIkZvbnRTZXR0aW5ncyI6eyIkaWQiOiI0NTUiLCJGb250U2l6ZSI6OCwiRm9udE5hbWUiOiJDYWxpYnJpIiwiSXNCb2xkIjpmYWxzZSwiSXNJdGFsaWMiOmZhbHNlLCJJc1VuZGVybGluZWQiOmZhbHNlLCJQYXJlbnRTdHlsZSI6eyIkcmVmIjoiMTE5In19LCJBdXRvU2l6ZSI6MCwiRm9yZWdyb3VuZCI6eyIkaWQiOiI0NTYiLCJDb2xvciI6eyIkaWQiOiI0NTciLCJBIjoyNTUsIlIiOjE5MSwiRyI6MTkxLCJCIjoxOTF9fSwiTWF4V2lkdGgiOjIwMC4wLCJNYXhIZWlnaHQiOiJJbmZpbml0eSIsIlNtYXJ0Rm9yZWdyb3VuZElzQWN0aXZlIjpmYWxzZSwiSG9yaXpvbnRhbEFsaWdubWVudCI6MCwiVmVydGljYWxBbGlnbm1lbnQiOjAsIlNtYXJ0Rm9yZWdyb3VuZCI6bnVsbCwiTWFyZ2luIjp7IiRyZWYiOiIxMjIifSwiUGFkZGluZyI6eyIkcmVmIjoiMTIzIn0sIkJhY2tncm91bmQiOnsiJHJlZiI6IjEyNCJ9LCJJc1Zpc2libGUiOnRydWUsIldpZHRoIjowLjAsIkhlaWdodCI6MC4wLCJCb3JkZXJTdHlsZSI6eyIkaWQiOiI0NTgiLCJMaW5lQ29sb3IiOm51bGwsIkxpbmVXZWlnaHQiOjAuMCwiTGluZVR5cGUiOjAsIlBhcmVudFN0eWxlIjpudWxsfSwiUGFyZW50U3R5bGUiOnsiJHJlZiI6IjExOCJ9fSwiRGF0ZUZvcm1hdCI6eyIkcmVmIjoiMTI1In0sIklzVmlzaWJsZSI6dHJ1ZSwiUGFyZW50U3R5bGUiOnsiJHJlZiI6IjgyIn19LCJJbmRleCI6MTQsIlNtYXJ0RHVyYXRpb25BY3RpdmF0ZWQiOmZhbHNlLCJEYXRlRm9ybWF0Ijp7IiRyZWYiOiIxMjUifSwiSWQiOiJhYzc3YmMxYi02MTU0LTQ2ODMtOWUwZS1iYTYzYzhkMTZhNzEiLCJJbXBvcnRJZCI6bnVsbCwiVGl0bGUiOiJTdWItdGFzayA0IC0gemVybyBkdXJhdGlvbiIsIk5vdGUiOm51bGwsIkh5cGVybGluayI6bnVsbCwiSXNDaGFuZ2VkIjpmYWxzZSwiSXNOZXciOnRydWV9LHsiJGlkIjoiNDU5IiwiR3JvdXBOYW1lIjpudWxsLCJTdGFydERhdGUiOiIyMDE3LTA2LTE4VDAwOjAwOjAwWiIsIkVuZERhdGUiOiIyMDE3LTA3LTAzVDIzOjU5OjAwWiIsIlBlcmNlbnRhZ2VDb21wbGV0ZSI6MTUuMCwiU3R5bGUiOnsiJGlkIjoiNDYwIiwiU2hhcGUiOjYsIlNoYXBlVGhpY2tuZXNzIjozLCJEdXJhdGlvbkZvcm1hdCI6MCwiSW5jbHVkZU5vbldvcmtpbmdEYXlzSW5EdXJhdGlvbiI6ZmFsc2UsIlBlcmNlbnRhZ2VDb21wbGV0ZVN0eWxlIjp7IiRpZCI6IjQ2MSIsIkZvbnRTZXR0aW5ncyI6eyIkaWQiOiI0NjIiLCJGb250U2l6ZSI6MTAsIkZvbnROYW1lIjoiQ2FsaWJyaSIsIklzQm9sZCI6ZmFsc2UsIklzSXRhbGljIjpmYWxzZSwiSXNVbmRlcmxpbmVkIjpmYWxzZSwiUGFyZW50U3R5bGUiOnsiJHJlZiI6Ijg0In19LCJBdXRvU2l6ZSI6MCwiRm9yZWdyb3VuZCI6eyIkcmVmIjoiODUifSwiTWF4V2lkdGgiOjIwMC4wLCJNYXhIZWlnaHQiOiJJbmZpbml0eSIsIlNtYXJ0Rm9yZWdyb3VuZElzQWN0aXZlIjpmYWxzZSwiSG9yaXpvbnRhbEFsaWdubWVudCI6MCwiVmVydGljYWxBbGlnbm1lbnQiOjAsIlNtYXJ0Rm9yZWdyb3VuZCI6bnVsbCwiTWFyZ2luIjp7IiRyZWYiOiI4NyJ9LCJQYWRkaW5nIjp7IiRyZWYiOiI4OCJ9LCJCYWNrZ3JvdW5kIjp7IiRyZWYiOiI4OSJ9LCJJc1Zpc2libGUiOnRydWUsIldpZHRoIjowLjAsIkhlaWdodCI6MC4wLCJCb3JkZXJTdHlsZSI6eyIkaWQiOiI0NjMiLCJMaW5lQ29sb3IiOm51bGwsIkxpbmVXZWlnaHQiOjAuMCwiTGluZVR5cGUiOjAsIlBhcmVudFN0eWxlIjpudWxsfSwiUGFyZW50U3R5bGUiOnsiJHJlZiI6IjgzIn19LCJEdXJhdGlvblN0eWxlIjp7IiRpZCI6IjQ2NCIsIkZvbnRTZXR0aW5ncyI6eyIkaWQiOiI0NjUiLCJGb250U2l6ZSI6MTAsIkZvbnROYW1lIjoiQ2FsaWJyaSIsIklzQm9sZCI6ZmFsc2UsIklzSXRhbGljIjpmYWxzZSwiSXNVbmRlcmxpbmVkIjpmYWxzZSwiUGFyZW50U3R5bGUiOnsiJHJlZiI6IjkxIn19LCJBdXRvU2l6ZSI6MCwiRm9yZWdyb3VuZCI6eyIkcmVmIjoiOTIifSwiTWF4V2lkdGgiOjIwMC4wLCJNYXhIZWlnaHQiOiJJbmZpbml0eSIsIlNtYXJ0Rm9yZWdyb3VuZElzQWN0aXZlIjpmYWxzZSwiSG9yaXpvbnRhbEFsaWdubWVudCI6MCwiVmVydGljYWxBbGlnbm1lbnQiOjAsIlNtYXJ0Rm9yZWdyb3VuZCI6bnVsbCwiTWFyZ2luIjp7IiRyZWYiOiI5NCJ9LCJQYWRkaW5nIjp7IiRyZWYiOiI5NSJ9LCJCYWNrZ3JvdW5kIjp7IiRyZWYiOiI5NiJ9LCJJc1Zpc2libGUiOnRydWUsIldpZHRoIjowLjAsIkhlaWdodCI6MC4wLCJCb3JkZXJTdHlsZSI6eyIkaWQiOiI0NjYiLCJMaW5lQ29sb3IiOm51bGwsIkxpbmVXZWlnaHQiOjAuMCwiTGluZVR5cGUiOjAsIlBhcmVudFN0eWxlIjpudWxsfSwiUGFyZW50U3R5bGUiOnsiJHJlZiI6IjkwIn19LCJIb3Jpem9udGFsQ29ubmVjdG9yU3R5bGUiOnsiJGlkIjoiNDY3IiwiTGluZUNvbG9yIjp7IiRyZWYiOiI5OCJ9LCJMaW5lV2VpZ2h0IjowLjAsIkxpbmVUeXBlIjowLCJQYXJlbnRTdHlsZSI6eyIkcmVmIjoiOTcifX0sIlZlcnRpY2FsQ29ubmVjdG9yU3R5bGUiOnsiJGlkIjoiNDY4IiwiTGluZUNvbG9yIjp7IiRpZCI6IjQ2OSIsIiR0eXBlIjoiTkxSRS5Db21tb24uRG9tLlNvbGlkQ29sb3JCcnVzaCwgTkxSRS5Db21tb24iLCJDb2xvciI6eyIkaWQiOiI0NzAiLCJBIjoyNTUsIlIiOjE3OCwiRyI6MTQsIkIiOjE4fX0sIkxpbmVXZWlnaHQiOjEuMCwiTGluZVR5cGUiOjAsIlBhcmVudFN0eWxlIjp7IiRyZWYiOiIxMDAifX0sIk1hcmdpbiI6bnVsbCwiU3RhcnREYXRlUG9zaXRpb24iOjQsIkVuZERhdGVQb3NpdGlvbiI6NCwiRGF0ZUlzVmlzaWJsZSI6dHJ1ZSwiVGl0bGVQb3NpdGlvbiI6MywiRHVyYXRpb25Qb3NpdGlvbiI6NiwiUGVyY2VudGFnZUNvbXBsZXRlZFBvc2l0aW9uIjo2LCJTcGFjaW5nIjoxMCwiSXNCZWxvd1RpbWViYW5kIjpmYWxzZSwiUGVyY2VudGFnZUNvbXBsZXRlU2hhcGVPcGFjaXR5IjozNSwiU2hhcGVTdHlsZSI6eyIkaWQiOiI0NzEiLCJNYXJnaW4iOnsiJHJlZiI6IjEwNCJ9LCJQYWRkaW5nIjp7IiRpZCI6IjQ3MiIsIlRvcCI6MywiTGVmdCI6MCwiUmlnaHQiOjAsIkJvdHRvbSI6NH0sIkJhY2tncm91bmQiOnsiJGlkIjoiNDczIiwiQ29sb3IiOnsiJGlkIjoiNDc0IiwiQSI6MjU1LCJSIjoyMTMsIkciOjE3LCJCIjoyMn19LCJJc1Zpc2libGUiOnRydWUsIldpZHRoIjowLjAsIkhlaWdodCI6MTYuNSwiQm9yZGVyU3R5bGUiOnsiJGlkIjoiNDc1IiwiTGluZUNvbG9yIjp7IiRpZCI6IjQ3NiIsIiR0eXBlIjoiTkxSRS5Db21tb24uRG9tLlNvbGlkQ29sb3JCcnVzaCwgTkxSRS5Db21tb24iLCJDb2xvciI6eyIkaWQiOiI0NzciLCJBIjoyNTUsIlIiOjI1NSwiRyI6MCwiQiI6MH19LCJMaW5lV2VpZ2h0IjowLjAsIkxpbmVUeXBlIjowLCJQYXJlbnRTdHlsZSI6bnVsbH0sIlBhcmVudFN0eWxlIjp7IiRyZWYiOiIxMDMifX0sIlRpdGxlU3R5bGUiOnsiJGlkIjoiNDc4IiwiRm9udFNldHRpbmdzIjp7IiRpZCI6IjQ3OSIsIkZvbnRTaXplIjo4LCJGb250TmFtZSI6IkNhbGlicmkiLCJJc0JvbGQiOnRydWUsIklzSXRhbGljIjpmYWxzZSwiSXNVbmRlcmxpbmVkIjpmYWxzZSwiUGFyZW50U3R5bGUiOnsiJHJlZiI6IjExMiJ9fSwiQXV0b1NpemUiOjIsIkZvcmVncm91bmQiOnsiJGlkIjoiNDgwIiwiQ29sb3IiOnsiJGlkIjoiNDgxIiwiQSI6MjU1LCJSIjowLCJHIjowLCJCIjowfX0sIk1heFdpZHRoIjozNi4wLCJNYXhIZWlnaHQiOiJJbmZpbml0eSIsIlNtYXJ0Rm9yZWdyb3VuZElzQWN0aXZlIjpmYWxzZSwiSG9yaXpvbnRhbEFsaWdubWVudCI6MiwiVmVydGljYWxBbGlnbm1lbnQiOjAsIlNtYXJ0Rm9yZWdyb3VuZCI6bnVsbCwiTWFyZ2luIjp7IiRyZWYiOiIxMTUifSwiUGFkZGluZyI6eyIkcmVmIjoiMTE2In0sIkJhY2tncm91bmQiOnsiJHJlZiI6IjExNyJ9LCJJc1Zpc2libGUiOnRydWUsIldpZHRoIjowLjAsIkhlaWdodCI6MC4wLCJCb3JkZXJTdHlsZSI6eyIkaWQiOiI0ODIiLCJMaW5lQ29sb3IiOm51bGwsIkxpbmVXZWlnaHQiOjAuMCwiTGluZVR5cGUiOjAsIlBhcmVudFN0eWxlIjpudWxsfSwiUGFyZW50U3R5bGUiOnsiJHJlZiI6IjExMSJ9fSwiRGF0ZVN0eWxlIjp7IiRpZCI6IjQ4MyIsIkZvbnRTZXR0aW5ncyI6eyIkaWQiOiI0ODQiLCJGb250U2l6ZSI6NywiRm9udE5hbWUiOiJDYWxpYnJpIiwiSXNCb2xkIjp0cnVlLCJJc0l0YWxpYyI6ZmFsc2UsIklzVW5kZXJsaW5lZCI6ZmFsc2UsIlBhcmVudFN0eWxlIjp7IiRyZWYiOiIxMTkifX0sIkF1dG9TaXplIjoyLCJGb3JlZ3JvdW5kIjp7IiRpZCI6IjQ4NSIsIkNvbG9yIjp7IiRpZCI6IjQ4NiIsIkEiOjI1NSwiUiI6MTc4LCJHIjoxNCwiQiI6MTh9fSwiTWF4V2lkdGgiOjM5Ljc1LCJNYXhIZWlnaHQiOiJJbmZpbml0eSIsIlNtYXJ0Rm9yZWdyb3VuZElzQWN0aXZlIjpmYWxzZSwiSG9yaXpvbnRhbEFsaWdubWVudCI6MCwiVmVydGljYWxBbGlnbm1lbnQiOjAsIlNtYXJ0Rm9yZWdyb3VuZCI6bnVsbCwiTWFyZ2luIjp7IiRyZWYiOiIxMjIifSwiUGFkZGluZyI6eyIkcmVmIjoiMTIzIn0sIkJhY2tncm91bmQiOnsiJHJlZiI6IjEyNCJ9LCJJc1Zpc2libGUiOnRydWUsIldpZHRoIjowLjAsIkhlaWdodCI6MC4wLCJCb3JkZXJTdHlsZSI6eyIkaWQiOiI0ODciLCJMaW5lQ29sb3IiOm51bGwsIkxpbmVXZWlnaHQiOjAuMCwiTGluZVR5cGUiOjAsIlBhcmVudFN0eWxlIjpudWxsfSwiUGFyZW50U3R5bGUiOnsiJHJlZiI6IjExOCJ9fSwiRGF0ZUZvcm1hdCI6eyIkaWQiOiI0ODgiLCJGb3JtYXRTdHJpbmciOiJNTU0gZCIsIlNlcGFyYXRvciI6Ii8iLCJVc2VJbnRlcm5hdGlvbmFsRGF0ZUZvcm1hdCI6ZmFsc2UsIkRhdGVJc1Zpc2libGUiOnRydWUsIlRpbWVJc1Zpc2libGUiOmZhbHNlLCJIb3VyRGlnaXRzIjoxLCJBbVBtRGVzaWduYXRvciI6MiwiVHJpbTAwTWludXRlcyI6ZmFsc2UsIkxhc3RLbm93blZpc2liaWxpdHlTdGF0ZSI6bnVsbH0sIklzVmlzaWJsZSI6dHJ1ZSwiUGFyZW50U3R5bGUiOnsiJHJlZiI6IjgyIn19LCJJbmRleCI6MTUsIlNtYXJ0RHVyYXRpb25BY3RpdmF0ZWQiOmZhbHNlLCJEYXRlRm9ybWF0Ijp7IiRyZWYiOiI0ODgifSwiSWQiOiJhMWZlMmRmMS1hZmI3LTRhMjQtYjQ4ZC1iOTViNmIzMzhiZjkiLCJJbXBvcnRJZCI6bnVsbCwiVGl0bGUiOiJTRUNUSU9OIDMiLCJOb3RlIjpudWxsLCJIeXBlcmxpbmsiOm51bGwsIklzQ2hhbmdlZCI6ZmFsc2UsIklzTmV3Ijp0cnVlfSx7IiRpZCI6IjQ4OSIsIkdyb3VwTmFtZSI6IjAxYzE2OTM3LTQyMDktNDUyNy04ZGM1LWY5NTJlY2YwNjJlYSIsIlN0YXJ0RGF0ZSI6IjIwMTctMDYtMThUMDA6MDA6MDBaIiwiRW5kRGF0ZSI6IjIwMTctMDYtMjNUMjM6NTk6MDAiLCJQZXJjZW50YWdlQ29tcGxldGUiOm51bGwsIlN0eWxlIjp7IiRpZCI6IjQ5MCIsIlNoYXBlIjo0LCJTaGFwZVRoaWNrbmVzcyI6MywiRHVyYXRpb25Gb3JtYXQiOjAsIkluY2x1ZGVOb25Xb3JraW5nRGF5c0luRHVyYXRpb24iOmZhbHNlLCJQZXJjZW50YWdlQ29tcGxldGVTdHlsZSI6eyIkaWQiOiI0OTEiLCJGb250U2V0dGluZ3MiOnsiJGlkIjoiNDkyIiwiRm9udFNpemUiOjEwLCJGb250TmFtZSI6IkNhbGlicmkiLCJJc0JvbGQiOmZhbHNlLCJJc0l0YWxpYyI6ZmFsc2UsIklzVW5kZXJsaW5lZCI6ZmFsc2UsIlBhcmVudFN0eWxlIjp7IiRyZWYiOiI4NCJ9fSwiQXV0b1NpemUiOjAsIkZvcmVncm91bmQiOnsiJHJlZiI6Ijg1In0sIk1heFdpZHRoIjoyMDAuMCwiTWF4SGVpZ2h0IjoiSW5maW5pdHkiLCJTbWFydEZvcmVncm91bmRJc0FjdGl2ZSI6ZmFsc2UsIkhvcml6b250YWxBbGlnbm1lbnQiOjAsIlZlcnRpY2FsQWxpZ25tZW50IjowLCJTbWFydEZvcmVncm91bmQiOm51bGwsIk1hcmdpbiI6eyIkcmVmIjoiODcifSwiUGFkZGluZyI6eyIkcmVmIjoiODgifSwiQmFja2dyb3VuZCI6eyIkcmVmIjoiODkifSwiSXNWaXNpYmxlIjp0cnVlLCJXaWR0aCI6MC4wLCJIZWlnaHQiOjAuMCwiQm9yZGVyU3R5bGUiOnsiJGlkIjoiNDkzIiwiTGluZUNvbG9yIjpudWxsLCJMaW5lV2VpZ2h0IjowLjAsIkxpbmVUeXBlIjowLCJQYXJlbnRTdHlsZSI6bnVsbH0sIlBhcmVudFN0eWxlIjp7IiRyZWYiOiI4MyJ9fSwiRHVyYXRpb25TdHlsZSI6eyIkaWQiOiI0OTQiLCJGb250U2V0dGluZ3MiOnsiJGlkIjoiNDk1IiwiRm9udFNpemUiOjEwLCJGb250TmFtZSI6IkNhbGlicmkiLCJJc0JvbGQiOmZhbHNlLCJJc0l0YWxpYyI6ZmFsc2UsIklzVW5kZXJsaW5lZCI6ZmFsc2UsIlBhcmVudFN0eWxlIjp7IiRyZWYiOiI5MSJ9fSwiQXV0b1NpemUiOjAsIkZvcmVncm91bmQiOnsiJHJlZiI6IjkyIn0sIk1heFdpZHRoIjoyMDAuMCwiTWF4SGVpZ2h0IjoiSW5maW5pdHkiLCJTbWFydEZvcmVncm91bmRJc0FjdGl2ZSI6ZmFsc2UsIkhvcml6b250YWxBbGlnbm1lbnQiOjAsIlZlcnRpY2FsQWxpZ25tZW50IjowLCJTbWFydEZvcmVncm91bmQiOm51bGwsIk1hcmdpbiI6eyIkcmVmIjoiOTQifSwiUGFkZGluZyI6eyIkcmVmIjoiOTUifSwiQmFja2dyb3VuZCI6eyIkcmVmIjoiOTYifSwiSXNWaXNpYmxlIjp0cnVlLCJXaWR0aCI6MC4wLCJIZWlnaHQiOjAuMCwiQm9yZGVyU3R5bGUiOnsiJGlkIjoiNDk2IiwiTGluZUNvbG9yIjpudWxsLCJMaW5lV2VpZ2h0IjowLjAsIkxpbmVUeXBlIjowLCJQYXJlbnRTdHlsZSI6bnVsbH0sIlBhcmVudFN0eWxlIjp7IiRyZWYiOiI5MCJ9fSwiSG9yaXpvbnRhbENvbm5lY3RvclN0eWxlIjp7IiRpZCI6IjQ5NyIsIkxpbmVDb2xvciI6eyIkcmVmIjoiOTgifSwiTGluZVdlaWdodCI6MC4wLCJMaW5lVHlwZSI6MCwiUGFyZW50U3R5bGUiOnsiJHJlZiI6Ijk3In19LCJWZXJ0aWNhbENvbm5lY3RvclN0eWxlIjp7IiRpZCI6IjQ5OCIsIkxpbmVDb2xvciI6eyIkcmVmIjoiMTAxIn0sIkxpbmVXZWlnaHQiOjAuMCwiTGluZVR5cGUiOjAsIlBhcmVudFN0eWxlIjp7IiRyZWYiOiIxMDAifX0sIk1hcmdpbiI6bnVsbCwiU3RhcnREYXRlUG9zaXRpb24iOjYsIkVuZERhdGVQb3NpdGlvbiI6NiwiRGF0ZUlzVmlzaWJsZSI6ZmFsc2UsIlRpdGxlUG9zaXRpb24iOjIsIkR1cmF0aW9uUG9zaXRpb24iOjYsIlBlcmNlbnRhZ2VDb21wbGV0ZWRQb3NpdGlvbiI6MiwiU3BhY2luZyI6MTAsIklzQmVsb3dUaW1lYmFuZCI6ZmFsc2UsIlBlcmNlbnRhZ2VDb21wbGV0ZVNoYXBlT3BhY2l0eSI6MzUsIlNoYXBlU3R5bGUiOnsiJGlkIjoiNDk5IiwiTWFyZ2luIjp7IiRyZWYiOiIxMDQifSwiUGFkZGluZyI6eyIkaWQiOiI1MDAiLCJUb3AiOjAsIkxlZnQiOjAsIlJpZ2h0IjoyLCJCb3R0b20iOjB9LCJCYWNrZ3JvdW5kIjp7IiRpZCI6IjUwMSIsIkNvbG9yIjp7IiRpZCI6IjUwMiIsIkEiOjI1NSwiUiI6NjgsIkciOjExNCwiQiI6MTk2fX0sIklzVmlzaWJsZSI6dHJ1ZSwiV2lkdGgiOjAuMCwiSGVpZ2h0IjoxMi4wLCJCb3JkZXJTdHlsZSI6eyIkaWQiOiI1MDMiLCJMaW5lQ29sb3IiOnsiJGlkIjoiNTA0IiwiJHR5cGUiOiJOTFJFLkNvbW1vbi5Eb20uU29saWRDb2xvckJydXNoLCBOTFJFLkNvbW1vbiIsIkNvbG9yIjp7IiRpZCI6IjUwNSIsIkEiOjI1NSwiUiI6MjU1LCJHIjowLCJCIjowfX0sIkxpbmVXZWlnaHQiOjAuMCwiTGluZVR5cGUiOjAsIlBhcmVudFN0eWxlIjpudWxsfSwiUGFyZW50U3R5bGUiOnsiJHJlZiI6IjEwMyJ9fSwiVGl0bGVTdHlsZSI6eyIkaWQiOiI1MDYiLCJGb250U2V0dGluZ3MiOnsiJGlkIjoiNTA3IiwiRm9udFNpemUiOjgsIkZvbnROYW1lIjoiQ2FsaWJyaSIsIklzQm9sZCI6ZmFsc2UsIklzSXRhbGljIjpmYWxzZSwiSXNVbmRlcmxpbmVkIjpmYWxzZSwiUGFyZW50U3R5bGUiOnsiJHJlZiI6IjExMiJ9fSwiQXV0b1NpemUiOjIsIkZvcmVncm91bmQiOnsiJGlkIjoiNTA4IiwiQ29sb3IiOnsiJGlkIjoiNTA5IiwiQSI6MjU1LCJSIjoyNTUsIkciOjI1NSwiQiI6MjU1fX0sIk1heFdpZHRoIjozNS4yNSwiTWF4SGVpZ2h0IjoiSW5maW5pdHkiLCJTbWFydEZvcmVncm91bmRJc0FjdGl2ZSI6ZmFsc2UsIkhvcml6b250YWxBbGlnbm1lbnQiOjIsIlZlcnRpY2FsQWxpZ25tZW50IjowLCJTbWFydEZvcmVncm91bmQiOm51bGwsIk1hcmdpbiI6eyIkcmVmIjoiMTE1In0sIlBhZGRpbmciOnsiJHJlZiI6IjExNiJ9LCJCYWNrZ3JvdW5kIjp7IiRyZWYiOiIxMTcifSwiSXNWaXNpYmxlIjp0cnVlLCJXaWR0aCI6MC4wLCJIZWlnaHQiOjAuMCwiQm9yZGVyU3R5bGUiOnsiJGlkIjoiNTEwIiwiTGluZUNvbG9yIjpudWxsLCJMaW5lV2VpZ2h0IjowLjAsIkxpbmVUeXBlIjowLCJQYXJlbnRTdHlsZSI6bnVsbH0sIlBhcmVudFN0eWxlIjp7IiRyZWYiOiIxMTEifX0sIkRhdGVTdHlsZSI6eyIkaWQiOiI1MTEiLCJGb250U2V0dGluZ3MiOnsiJGlkIjoiNTEyIiwiRm9udFNpemUiOjgsIkZvbnROYW1lIjoiQ2FsaWJyaSIsIklzQm9sZCI6ZmFsc2UsIklzSXRhbGljIjpmYWxzZSwiSXNVbmRlcmxpbmVkIjpmYWxzZSwiUGFyZW50U3R5bGUiOnsiJHJlZiI6IjExOSJ9fSwiQXV0b1NpemUiOjAsIkZvcmVncm91bmQiOnsiJGlkIjoiNTEzIiwiQ29sb3IiOnsiJGlkIjoiNTE0IiwiQSI6MjU1LCJSIjoxOTEsIkciOjE5MSwiQiI6MTkxfX0sIk1heFdpZHRoIjoyMDAuMCwiTWF4SGVpZ2h0IjoiSW5maW5pdHkiLCJTbWFydEZvcmVncm91bmRJc0FjdGl2ZSI6ZmFsc2UsIkhvcml6b250YWxBbGlnbm1lbnQiOjAsIlZlcnRpY2FsQWxpZ25tZW50IjowLCJTbWFydEZvcmVncm91bmQiOm51bGwsIk1hcmdpbiI6eyIkcmVmIjoiMTIyIn0sIlBhZGRpbmciOnsiJHJlZiI6IjEyMyJ9LCJCYWNrZ3JvdW5kIjp7IiRyZWYiOiIxMjQifSwiSXNWaXNpYmxlIjp0cnVlLCJXaWR0aCI6MC4wLCJIZWlnaHQiOjAuMCwiQm9yZGVyU3R5bGUiOnsiJGlkIjoiNTE1IiwiTGluZUNvbG9yIjpudWxsLCJMaW5lV2VpZ2h0IjowLjAsIkxpbmVUeXBlIjowLCJQYXJlbnRTdHlsZSI6bnVsbH0sIlBhcmVudFN0eWxlIjp7IiRyZWYiOiIxMTgifX0sIkRhdGVGb3JtYXQiOnsiJHJlZiI6IjEyNSJ9LCJJc1Zpc2libGUiOnRydWUsIlBhcmVudFN0eWxlIjp7IiRyZWYiOiI4MiJ9fSwiSW5kZXgiOjE2LCJTbWFydER1cmF0aW9uQWN0aXZhdGVkIjpmYWxzZSwiRGF0ZUZvcm1hdCI6eyIkcmVmIjoiMTI1In0sIklkIjoiYjI1MjhlMjUtZmI1Zi00MDE5LWEwMmItMDI5ZDdiMjNiODYyIiwiSW1wb3J0SWQiOm51bGwsIlRpdGxlIjoiU3ViLXRhc2sgMSIsIk5vdGUiOm51bGwsIkh5cGVybGluayI6bnVsbCwiSXNDaGFuZ2VkIjpmYWxzZSwiSXNOZXciOnRydWV9LHsiJGlkIjoiNTE2IiwiR3JvdXBOYW1lIjoiMDFjMTY5MzctNDIwOS00NTI3LThkYzUtZjk1MmVjZjA2MmVhIiwiU3RhcnREYXRlIjoiMjAxNy0wNi0yNFQwMDowMDowMFoiLCJFbmREYXRlIjoiMjAxNy0wNi0yOVQyMzo1OTowMFoiLCJQZXJjZW50YWdlQ29tcGxldGUiOm51bGwsIlN0eWxlIjp7IiRpZCI6IjUxNyIsIlNoYXBlIjo0LCJTaGFwZVRoaWNrbmVzcyI6MywiRHVyYXRpb25Gb3JtYXQiOjAsIkluY2x1ZGVOb25Xb3JraW5nRGF5c0luRHVyYXRpb24iOmZhbHNlLCJQZXJjZW50YWdlQ29tcGxldGVTdHlsZSI6eyIkaWQiOiI1MTgiLCJGb250U2V0dGluZ3MiOnsiJGlkIjoiNTE5IiwiRm9udFNpemUiOjEwLCJGb250TmFtZSI6IkNhbGlicmkiLCJJc0JvbGQiOmZhbHNlLCJJc0l0YWxpYyI6ZmFsc2UsIklzVW5kZXJsaW5lZCI6ZmFsc2UsIlBhcmVudFN0eWxlIjp7IiRyZWYiOiI4NCJ9fSwiQXV0b1NpemUiOjAsIkZvcmVncm91bmQiOnsiJHJlZiI6Ijg1In0sIk1heFdpZHRoIjoyMDAuMCwiTWF4SGVpZ2h0IjoiSW5maW5pdHkiLCJTbWFydEZvcmVncm91bmRJc0FjdGl2ZSI6ZmFsc2UsIkhvcml6b250YWxBbGlnbm1lbnQiOjAsIlZlcnRpY2FsQWxpZ25tZW50IjowLCJTbWFydEZvcmVncm91bmQiOm51bGwsIk1hcmdpbiI6eyIkcmVmIjoiODcifSwiUGFkZGluZyI6eyIkcmVmIjoiODgifSwiQmFja2dyb3VuZCI6eyIkcmVmIjoiODkifSwiSXNWaXNpYmxlIjp0cnVlLCJXaWR0aCI6MC4wLCJIZWlnaHQiOjAuMCwiQm9yZGVyU3R5bGUiOnsiJGlkIjoiNTIwIiwiTGluZUNvbG9yIjpudWxsLCJMaW5lV2VpZ2h0IjowLjAsIkxpbmVUeXBlIjowLCJQYXJlbnRTdHlsZSI6bnVsbH0sIlBhcmVudFN0eWxlIjp7IiRyZWYiOiI4MyJ9fSwiRHVyYXRpb25TdHlsZSI6eyIkaWQiOiI1MjEiLCJGb250U2V0dGluZ3MiOnsiJGlkIjoiNTIyIiwiRm9udFNpemUiOjEwLCJGb250TmFtZSI6IkNhbGlicmkiLCJJc0JvbGQiOmZhbHNlLCJJc0l0YWxpYyI6ZmFsc2UsIklzVW5kZXJsaW5lZCI6ZmFsc2UsIlBhcmVudFN0eWxlIjp7IiRyZWYiOiI5MSJ9fSwiQXV0b1NpemUiOjAsIkZvcmVncm91bmQiOnsiJHJlZiI6IjkyIn0sIk1heFdpZHRoIjoyMDAuMCwiTWF4SGVpZ2h0IjoiSW5maW5pdHkiLCJTbWFydEZvcmVncm91bmRJc0FjdGl2ZSI6ZmFsc2UsIkhvcml6b250YWxBbGlnbm1lbnQiOjAsIlZlcnRpY2FsQWxpZ25tZW50IjowLCJTbWFydEZvcmVncm91bmQiOm51bGwsIk1hcmdpbiI6eyIkcmVmIjoiOTQifSwiUGFkZGluZyI6eyIkcmVmIjoiOTUifSwiQmFja2dyb3VuZCI6eyIkcmVmIjoiOTYifSwiSXNWaXNpYmxlIjp0cnVlLCJXaWR0aCI6MC4wLCJIZWlnaHQiOjAuMCwiQm9yZGVyU3R5bGUiOnsiJGlkIjoiNTIzIiwiTGluZUNvbG9yIjpudWxsLCJMaW5lV2VpZ2h0IjowLjAsIkxpbmVUeXBlIjowLCJQYXJlbnRTdHlsZSI6bnVsbH0sIlBhcmVudFN0eWxlIjp7IiRyZWYiOiI5MCJ9fSwiSG9yaXpvbnRhbENvbm5lY3RvclN0eWxlIjp7IiRpZCI6IjUyNCIsIkxpbmVDb2xvciI6eyIkcmVmIjoiOTgifSwiTGluZVdlaWdodCI6MC4wLCJMaW5lVHlwZSI6MCwiUGFyZW50U3R5bGUiOnsiJHJlZiI6Ijk3In19LCJWZXJ0aWNhbENvbm5lY3RvclN0eWxlIjp7IiRpZCI6IjUyNSIsIkxpbmVDb2xvciI6eyIkcmVmIjoiMTAxIn0sIkxpbmVXZWlnaHQiOjAuMCwiTGluZVR5cGUiOjAsIlBhcmVudFN0eWxlIjp7IiRyZWYiOiIxMDAifX0sIk1hcmdpbiI6bnVsbCwiU3RhcnREYXRlUG9zaXRpb24iOjYsIkVuZERhdGVQb3NpdGlvbiI6NiwiRGF0ZUlzVmlzaWJsZSI6ZmFsc2UsIlRpdGxlUG9zaXRpb24iOjIsIkR1cmF0aW9uUG9zaXRpb24iOjYsIlBlcmNlbnRhZ2VDb21wbGV0ZWRQb3NpdGlvbiI6MiwiU3BhY2luZyI6MTAsIklzQmVsb3dUaW1lYmFuZCI6ZmFsc2UsIlBlcmNlbnRhZ2VDb21wbGV0ZVNoYXBlT3BhY2l0eSI6MzUsIlNoYXBlU3R5bGUiOnsiJGlkIjoiNTI2IiwiTWFyZ2luIjp7IiRyZWYiOiIxMDQifSwiUGFkZGluZyI6eyIkaWQiOiI1MjciLCJUb3AiOjAsIkxlZnQiOjAsIlJpZ2h0IjoyLCJCb3R0b20iOjB9LCJCYWNrZ3JvdW5kIjp7IiRpZCI6IjUyOCIsIkNvbG9yIjp7IiRpZCI6IjUyOSIsIkEiOjI1NSwiUiI6ODQsIkciOjEzMCwiQiI6NTN9fSwiSXNWaXNpYmxlIjp0cnVlLCJXaWR0aCI6MC4wLCJIZWlnaHQiOjEyLjAsIkJvcmRlclN0eWxlIjp7IiRpZCI6IjUzMCIsIkxpbmVDb2xvciI6eyIkaWQiOiI1MzEiLCIkdHlwZSI6Ik5MUkUuQ29tbW9uLkRvbS5Tb2xpZENvbG9yQnJ1c2gsIE5MUkUuQ29tbW9uIiwiQ29sb3IiOnsiJGlkIjoiNTMyIiwiQSI6MjU1LCJSIjoyNTUsIkciOjAsIkIiOjB9fSwiTGluZVdlaWdodCI6MC4wLCJMaW5lVHlwZSI6MCwiUGFyZW50U3R5bGUiOm51bGx9LCJQYXJlbnRTdHlsZSI6eyIkcmVmIjoiMTAzIn19LCJUaXRsZVN0eWxlIjp7IiRpZCI6IjUzMyIsIkZvbnRTZXR0aW5ncyI6eyIkaWQiOiI1MzQiLCJGb250U2l6ZSI6OCwiRm9udE5hbWUiOiJDYWxpYnJpIiwiSXNCb2xkIjpmYWxzZSwiSXNJdGFsaWMiOmZhbHNlLCJJc1VuZGVybGluZWQiOmZhbHNlLCJQYXJlbnRTdHlsZSI6eyIkcmVmIjoiMTEyIn19LCJBdXRvU2l6ZSI6MiwiRm9yZWdyb3VuZCI6eyIkaWQiOiI1MzUiLCJDb2xvciI6eyIkaWQiOiI1MzYiLCJBIjoyNTUsIlIiOjI1NSwiRyI6MjU1LCJCIjoyNTV9fSwiTWF4V2lkdGgiOjM1LjI1LCJNYXhIZWlnaHQiOiJJbmZpbml0eSIsIlNtYXJ0Rm9yZWdyb3VuZElzQWN0aXZlIjpmYWxzZSwiSG9yaXpvbnRhbEFsaWdubWVudCI6MiwiVmVydGljYWxBbGlnbm1lbnQiOjAsIlNtYXJ0Rm9yZWdyb3VuZCI6bnVsbCwiTWFyZ2luIjp7IiRyZWYiOiIxMTUifSwiUGFkZGluZyI6eyIkcmVmIjoiMTE2In0sIkJhY2tncm91bmQiOnsiJHJlZiI6IjExNyJ9LCJJc1Zpc2libGUiOnRydWUsIldpZHRoIjowLjAsIkhlaWdodCI6MC4wLCJCb3JkZXJTdHlsZSI6eyIkaWQiOiI1MzciLCJMaW5lQ29sb3IiOm51bGwsIkxpbmVXZWlnaHQiOjAuMCwiTGluZVR5cGUiOjAsIlBhcmVudFN0eWxlIjpudWxsfSwiUGFyZW50U3R5bGUiOnsiJHJlZiI6IjExMSJ9fSwiRGF0ZVN0eWxlIjp7IiRpZCI6IjUzOCIsIkZvbnRTZXR0aW5ncyI6eyIkaWQiOiI1MzkiLCJGb250U2l6ZSI6OCwiRm9udE5hbWUiOiJDYWxpYnJpIiwiSXNCb2xkIjpmYWxzZSwiSXNJdGFsaWMiOmZhbHNlLCJJc1VuZGVybGluZWQiOmZhbHNlLCJQYXJlbnRTdHlsZSI6eyIkcmVmIjoiMTE5In19LCJBdXRvU2l6ZSI6MCwiRm9yZWdyb3VuZCI6eyIkaWQiOiI1NDAiLCJDb2xvciI6eyIkaWQiOiI1NDEiLCJBIjoyNTUsIlIiOjE5MSwiRyI6MTkxLCJCIjoxOTF9fSwiTWF4V2lkdGgiOjIwMC4wLCJNYXhIZWlnaHQiOiJJbmZpbml0eSIsIlNtYXJ0Rm9yZWdyb3VuZElzQWN0aXZlIjpmYWxzZSwiSG9yaXpvbnRhbEFsaWdubWVudCI6MCwiVmVydGljYWxBbGlnbm1lbnQiOjAsIlNtYXJ0Rm9yZWdyb3VuZCI6bnVsbCwiTWFyZ2luIjp7IiRyZWYiOiIxMjIifSwiUGFkZGluZyI6eyIkcmVmIjoiMTIzIn0sIkJhY2tncm91bmQiOnsiJHJlZiI6IjEyNCJ9LCJJc1Zpc2libGUiOnRydWUsIldpZHRoIjowLjAsIkhlaWdodCI6MC4wLCJCb3JkZXJTdHlsZSI6eyIkaWQiOiI1NDIiLCJMaW5lQ29sb3IiOm51bGwsIkxpbmVXZWlnaHQiOjAuMCwiTGluZVR5cGUiOjAsIlBhcmVudFN0eWxlIjpudWxsfSwiUGFyZW50U3R5bGUiOnsiJHJlZiI6IjExOCJ9fSwiRGF0ZUZvcm1hdCI6eyIkcmVmIjoiMTI1In0sIklzVmlzaWJsZSI6dHJ1ZSwiUGFyZW50U3R5bGUiOnsiJHJlZiI6IjgyIn19LCJJbmRleCI6MTcsIlNtYXJ0RHVyYXRpb25BY3RpdmF0ZWQiOmZhbHNlLCJEYXRlRm9ybWF0Ijp7IiRyZWYiOiIxMjUifSwiSWQiOiJhYzFlZjQxNC0wMjNiLTQ5OGEtYjQzOC0yODUwNjZkNzg5ZWYiLCJJbXBvcnRJZCI6bnVsbCwiVGl0bGUiOiJTdWItdGFzayAyIiwiTm90ZSI6bnVsbCwiSHlwZXJsaW5rIjpudWxsLCJJc0NoYW5nZWQiOmZhbHNlLCJJc05ldyI6dHJ1ZX0seyIkaWQiOiI1NDMiLCJHcm91cE5hbWUiOiIwMWMxNjkzNy00MjA5LTQ1MjctOGRjNS1mOTUyZWNmMDYyZWEiLCJTdGFydERhdGUiOiIyMDE3LTA2LTMwVDAwOjAwOjAwWiIsIkVuZERhdGUiOiIyMDE3LTA3LTAzVDIzOjU5OjAwIiwiUGVyY2VudGFnZUNvbXBsZXRlIjpudWxsLCJTdHlsZSI6eyIkaWQiOiI1NDQiLCJTaGFwZSI6NCwiU2hhcGVUaGlja25lc3MiOjMsIkR1cmF0aW9uRm9ybWF0IjowLCJJbmNsdWRlTm9uV29ya2luZ0RheXNJbkR1cmF0aW9uIjpmYWxzZSwiUGVyY2VudGFnZUNvbXBsZXRlU3R5bGUiOnsiJGlkIjoiNTQ1IiwiRm9udFNldHRpbmdzIjp7IiRpZCI6IjU0NiIsIkZvbnRTaXplIjoxMCwiRm9udE5hbWUiOiJDYWxpYnJpIiwiSXNCb2xkIjpmYWxzZSwiSXNJdGFsaWMiOmZhbHNlLCJJc1VuZGVybGluZWQiOmZhbHNlLCJQYXJlbnRTdHlsZSI6eyIkcmVmIjoiODQifX0sIkF1dG9TaXplIjowLCJGb3JlZ3JvdW5kIjp7IiRyZWYiOiI4NSJ9LCJNYXhXaWR0aCI6MjAwLjAsIk1heEhlaWdodCI6IkluZmluaXR5IiwiU21hcnRGb3JlZ3JvdW5kSXNBY3RpdmUiOmZhbHNlLCJIb3Jpem9udGFsQWxpZ25tZW50IjowLCJWZXJ0aWNhbEFsaWdubWVudCI6MCwiU21hcnRGb3JlZ3JvdW5kIjpudWxsLCJNYXJnaW4iOnsiJHJlZiI6Ijg3In0sIlBhZGRpbmciOnsiJHJlZiI6Ijg4In0sIkJhY2tncm91bmQiOnsiJHJlZiI6Ijg5In0sIklzVmlzaWJsZSI6dHJ1ZSwiV2lkdGgiOjAuMCwiSGVpZ2h0IjowLjAsIkJvcmRlclN0eWxlIjp7IiRpZCI6IjU0NyIsIkxpbmVDb2xvciI6bnVsbCwiTGluZVdlaWdodCI6MC4wLCJMaW5lVHlwZSI6MCwiUGFyZW50U3R5bGUiOm51bGx9LCJQYXJlbnRTdHlsZSI6eyIkcmVmIjoiODMifX0sIkR1cmF0aW9uU3R5bGUiOnsiJGlkIjoiNTQ4IiwiRm9udFNldHRpbmdzIjp7IiRpZCI6IjU0OSIsIkZvbnRTaXplIjoxMCwiRm9udE5hbWUiOiJDYWxpYnJpIiwiSXNCb2xkIjpmYWxzZSwiSXNJdGFsaWMiOmZhbHNlLCJJc1VuZGVybGluZWQiOmZhbHNlLCJQYXJlbnRTdHlsZSI6eyIkcmVmIjoiOTEifX0sIkF1dG9TaXplIjowLCJGb3JlZ3JvdW5kIjp7IiRyZWYiOiI5MiJ9LCJNYXhXaWR0aCI6MjAwLjAsIk1heEhlaWdodCI6IkluZmluaXR5IiwiU21hcnRGb3JlZ3JvdW5kSXNBY3RpdmUiOmZhbHNlLCJIb3Jpem9udGFsQWxpZ25tZW50IjowLCJWZXJ0aWNhbEFsaWdubWVudCI6MCwiU21hcnRGb3JlZ3JvdW5kIjpudWxsLCJNYXJnaW4iOnsiJHJlZiI6Ijk0In0sIlBhZGRpbmciOnsiJHJlZiI6Ijk1In0sIkJhY2tncm91bmQiOnsiJHJlZiI6Ijk2In0sIklzVmlzaWJsZSI6dHJ1ZSwiV2lkdGgiOjAuMCwiSGVpZ2h0IjowLjAsIkJvcmRlclN0eWxlIjp7IiRpZCI6IjU1MCIsIkxpbmVDb2xvciI6bnVsbCwiTGluZVdlaWdodCI6MC4wLCJMaW5lVHlwZSI6MCwiUGFyZW50U3R5bGUiOm51bGx9LCJQYXJlbnRTdHlsZSI6eyIkcmVmIjoiOTAifX0sIkhvcml6b250YWxDb25uZWN0b3JTdHlsZSI6eyIkaWQiOiI1NTEiLCJMaW5lQ29sb3IiOnsiJHJlZiI6Ijk4In0sIkxpbmVXZWlnaHQiOjAuMCwiTGluZVR5cGUiOjAsIlBhcmVudFN0eWxlIjp7IiRyZWYiOiI5NyJ9fSwiVmVydGljYWxDb25uZWN0b3JTdHlsZSI6eyIkaWQiOiI1NTIiLCJMaW5lQ29sb3IiOnsiJHJlZiI6IjEwMSJ9LCJMaW5lV2VpZ2h0IjowLjAsIkxpbmVUeXBlIjowLCJQYXJlbnRTdHlsZSI6eyIkcmVmIjoiMTAwIn19LCJNYXJnaW4iOm51bGwsIlN0YXJ0RGF0ZVBvc2l0aW9uIjo2LCJFbmREYXRlUG9zaXRpb24iOjYsIkRhdGVJc1Zpc2libGUiOmZhbHNlLCJUaXRsZVBvc2l0aW9uIjo0LCJEdXJhdGlvblBvc2l0aW9uIjo2LCJQZXJjZW50YWdlQ29tcGxldGVkUG9zaXRpb24iOjIsIlNwYWNpbmciOjEwLCJJc0JlbG93VGltZWJhbmQiOmZhbHNlLCJQZXJjZW50YWdlQ29tcGxldGVTaGFwZU9wYWNpdHkiOjM1LCJTaGFwZVN0eWxlIjp7IiRpZCI6IjU1MyIsIk1hcmdpbiI6eyIkcmVmIjoiMTA0In0sIlBhZGRpbmciOnsiJGlkIjoiNTU0IiwiVG9wIjowLCJMZWZ0IjowLCJSaWdodCI6MiwiQm90dG9tIjowfSwiQmFja2dyb3VuZCI6eyIkaWQiOiI1NTUiLCJDb2xvciI6eyIkaWQiOiI1NTYiLCJBIjoyNTUsIlIiOjY4LCJHIjo4NCwiQiI6MTA2fX0sIklzVmlzaWJsZSI6dHJ1ZSwiV2lkdGgiOjAuMCwiSGVpZ2h0IjoxMi4wLCJCb3JkZXJTdHlsZSI6eyIkaWQiOiI1NTciLCJMaW5lQ29sb3IiOnsiJGlkIjoiNTU4IiwiJHR5cGUiOiJOTFJFLkNvbW1vbi5Eb20uU29saWRDb2xvckJydXNoLCBOTFJFLkNvbW1vbiIsIkNvbG9yIjp7IiRpZCI6IjU1OSIsIkEiOjI1NSwiUiI6MjU1LCJHIjowLCJCIjowfX0sIkxpbmVXZWlnaHQiOjAuMCwiTGluZVR5cGUiOjAsIlBhcmVudFN0eWxlIjpudWxsfSwiUGFyZW50U3R5bGUiOnsiJHJlZiI6IjEwMyJ9fSwiVGl0bGVTdHlsZSI6eyIkaWQiOiI1NjAiLCJGb250U2V0dGluZ3MiOnsiJGlkIjoiNTYxIiwiRm9udFNpemUiOjgsIkZvbnROYW1lIjoiQ2FsaWJyaSIsIklzQm9sZCI6ZmFsc2UsIklzSXRhbGljIjpmYWxzZSwiSXNVbmRlcmxpbmVkIjpmYWxzZSwiUGFyZW50U3R5bGUiOnsiJHJlZiI6IjExMiJ9fSwiQXV0b1NpemUiOjIsIkZvcmVncm91bmQiOnsiJGlkIjoiNTYyIiwiQ29sb3IiOnsiJGlkIjoiNTYzIiwiQSI6MjU1LCJSIjoxMTUsIkciOjExNSwiQiI6MTE1fX0sIk1heFdpZHRoIjo0OC43NSwiTWF4SGVpZ2h0IjoiSW5maW5pdHkiLCJTbWFydEZvcmVncm91bmRJc0FjdGl2ZSI6ZmFsc2UsIkhvcml6b250YWxBbGlnbm1lbnQiOjIsIlZlcnRpY2FsQWxpZ25tZW50IjowLCJTbWFydEZvcmVncm91bmQiOm51bGwsIk1hcmdpbiI6eyIkcmVmIjoiMTE1In0sIlBhZGRpbmciOnsiJHJlZiI6IjExNiJ9LCJCYWNrZ3JvdW5kIjp7IiRyZWYiOiIxMTcifSwiSXNWaXNpYmxlIjp0cnVlLCJXaWR0aCI6MC4wLCJIZWlnaHQiOjAuMCwiQm9yZGVyU3R5bGUiOnsiJGlkIjoiNTY0IiwiTGluZUNvbG9yIjpudWxsLCJMaW5lV2VpZ2h0IjowLjAsIkxpbmVUeXBlIjowLCJQYXJlbnRTdHlsZSI6bnVsbH0sIlBhcmVudFN0eWxlIjp7IiRyZWYiOiIxMTEifX0sIkRhdGVTdHlsZSI6eyIkaWQiOiI1NjUiLCJGb250U2V0dGluZ3MiOnsiJGlkIjoiNTY2IiwiRm9udFNpemUiOjgsIkZvbnROYW1lIjoiQ2FsaWJyaSIsIklzQm9sZCI6ZmFsc2UsIklzSXRhbGljIjpmYWxzZSwiSXNVbmRlcmxpbmVkIjpmYWxzZSwiUGFyZW50U3R5bGUiOnsiJHJlZiI6IjExOSJ9fSwiQXV0b1NpemUiOjAsIkZvcmVncm91bmQiOnsiJGlkIjoiNTY3IiwiQ29sb3IiOnsiJGlkIjoiNTY4IiwiQSI6MjU1LCJSIjoxOTEsIkciOjE5MSwiQiI6MTkxfX0sIk1heFdpZHRoIjoyMDAuMCwiTWF4SGVpZ2h0IjoiSW5maW5pdHkiLCJTbWFydEZvcmVncm91bmRJc0FjdGl2ZSI6ZmFsc2UsIkhvcml6b250YWxBbGlnbm1lbnQiOjAsIlZlcnRpY2FsQWxpZ25tZW50IjowLCJTbWFydEZvcmVncm91bmQiOm51bGwsIk1hcmdpbiI6eyIkcmVmIjoiMTIyIn0sIlBhZGRpbmciOnsiJHJlZiI6IjEyMyJ9LCJCYWNrZ3JvdW5kIjp7IiRyZWYiOiIxMjQifSwiSXNWaXNpYmxlIjp0cnVlLCJXaWR0aCI6MC4wLCJIZWlnaHQiOjAuMCwiQm9yZGVyU3R5bGUiOnsiJGlkIjoiNTY5IiwiTGluZUNvbG9yIjpudWxsLCJMaW5lV2VpZ2h0IjowLjAsIkxpbmVUeXBlIjowLCJQYXJlbnRTdHlsZSI6bnVsbH0sIlBhcmVudFN0eWxlIjp7IiRyZWYiOiIxMTgifX0sIkRhdGVGb3JtYXQiOnsiJHJlZiI6IjEyNSJ9LCJJc1Zpc2libGUiOnRydWUsIlBhcmVudFN0eWxlIjp7IiRyZWYiOiI4MiJ9fSwiSW5kZXgiOjE4LCJTbWFydER1cmF0aW9uQWN0aXZhdGVkIjpmYWxzZSwiRGF0ZUZvcm1hdCI6eyIkcmVmIjoiMTI1In0sIklkIjoiN2I2ZmJhMjEtNDRjZi00NjNlLThiOWQtYWYwMjZjNzQ1YTZkIiwiSW1wb3J0SWQiOm51bGwsIlRpdGxlIjoiU3ViLXNlY3Rpb25zIDEiLCJOb3RlIjpudWxsLCJIeXBlcmxpbmsiOm51bGwsIklzQ2hhbmdlZCI6ZmFsc2UsIklzTmV3Ijp0cnVlfSx7IiRpZCI6IjU3MCIsIkdyb3VwTmFtZSI6bnVsbCwiU3RhcnREYXRlIjoiMjAxNy0wNi0yN1QwMDowMDowMFoiLCJFbmREYXRlIjoiMjAxNy0wNy0wMlQyMzo1OTowMFoiLCJQZXJjZW50YWdlQ29tcGxldGUiOm51bGwsIlN0eWxlIjp7IiRpZCI6IjU3MSIsIlNoYXBlIjo2LCJTaGFwZVRoaWNrbmVzcyI6MywiRHVyYXRpb25Gb3JtYXQiOjAsIkluY2x1ZGVOb25Xb3JraW5nRGF5c0luRHVyYXRpb24iOmZhbHNlLCJQZXJjZW50YWdlQ29tcGxldGVTdHlsZSI6eyIkaWQiOiI1NzIiLCJGb250U2V0dGluZ3MiOnsiJGlkIjoiNTczIiwiRm9udFNpemUiOjEwLCJGb250TmFtZSI6IkNhbGlicmkiLCJJc0JvbGQiOmZhbHNlLCJJc0l0YWxpYyI6ZmFsc2UsIklzVW5kZXJsaW5lZCI6ZmFsc2UsIlBhcmVudFN0eWxlIjp7IiRyZWYiOiI4NCJ9fSwiQXV0b1NpemUiOjAsIkZvcmVncm91bmQiOnsiJHJlZiI6Ijg1In0sIk1heFdpZHRoIjoyMDAuMCwiTWF4SGVpZ2h0IjoiSW5maW5pdHkiLCJTbWFydEZvcmVncm91bmRJc0FjdGl2ZSI6ZmFsc2UsIkhvcml6b250YWxBbGlnbm1lbnQiOjAsIlZlcnRpY2FsQWxpZ25tZW50IjowLCJTbWFydEZvcmVncm91bmQiOm51bGwsIk1hcmdpbiI6eyIkcmVmIjoiODcifSwiUGFkZGluZyI6eyIkcmVmIjoiODgifSwiQmFja2dyb3VuZCI6eyIkcmVmIjoiODkifSwiSXNWaXNpYmxlIjp0cnVlLCJXaWR0aCI6MC4wLCJIZWlnaHQiOjAuMCwiQm9yZGVyU3R5bGUiOnsiJGlkIjoiNTc0IiwiTGluZUNvbG9yIjpudWxsLCJMaW5lV2VpZ2h0IjowLjAsIkxpbmVUeXBlIjowLCJQYXJlbnRTdHlsZSI6bnVsbH0sIlBhcmVudFN0eWxlIjp7IiRyZWYiOiI4MyJ9fSwiRHVyYXRpb25TdHlsZSI6eyIkaWQiOiI1NzUiLCJGb250U2V0dGluZ3MiOnsiJGlkIjoiNTc2IiwiRm9udFNpemUiOjEwLCJGb250TmFtZSI6IkNhbGlicmkiLCJJc0JvbGQiOmZhbHNlLCJJc0l0YWxpYyI6ZmFsc2UsIklzVW5kZXJsaW5lZCI6ZmFsc2UsIlBhcmVudFN0eWxlIjp7IiRyZWYiOiI5MSJ9fSwiQXV0b1NpemUiOjAsIkZvcmVncm91bmQiOnsiJHJlZiI6IjkyIn0sIk1heFdpZHRoIjoyMDAuMCwiTWF4SGVpZ2h0IjoiSW5maW5pdHkiLCJTbWFydEZvcmVncm91bmRJc0FjdGl2ZSI6ZmFsc2UsIkhvcml6b250YWxBbGlnbm1lbnQiOjAsIlZlcnRpY2FsQWxpZ25tZW50IjowLCJTbWFydEZvcmVncm91bmQiOm51bGwsIk1hcmdpbiI6eyIkcmVmIjoiOTQifSwiUGFkZGluZyI6eyIkcmVmIjoiOTUifSwiQmFja2dyb3VuZCI6eyIkcmVmIjoiOTYifSwiSXNWaXNpYmxlIjp0cnVlLCJXaWR0aCI6MC4wLCJIZWlnaHQiOjAuMCwiQm9yZGVyU3R5bGUiOnsiJGlkIjoiNTc3IiwiTGluZUNvbG9yIjpudWxsLCJMaW5lV2VpZ2h0IjowLjAsIkxpbmVUeXBlIjowLCJQYXJlbnRTdHlsZSI6bnVsbH0sIlBhcmVudFN0eWxlIjp7IiRyZWYiOiI5MCJ9fSwiSG9yaXpvbnRhbENvbm5lY3RvclN0eWxlIjp7IiRpZCI6IjU3OCIsIkxpbmVDb2xvciI6eyIkcmVmIjoiOTgifSwiTGluZVdlaWdodCI6MC4wLCJMaW5lVHlwZSI6MCwiUGFyZW50U3R5bGUiOnsiJHJlZiI6Ijk3In19LCJWZXJ0aWNhbENvbm5lY3RvclN0eWxlIjp7IiRpZCI6IjU3OSIsIkxpbmVDb2xvciI6eyIkcmVmIjoiMTAxIn0sIkxpbmVXZWlnaHQiOjAuMCwiTGluZVR5cGUiOjAsIlBhcmVudFN0eWxlIjp7IiRyZWYiOiIxMDAifX0sIk1hcmdpbiI6bnVsbCwiU3RhcnREYXRlUG9zaXRpb24iOjQsIkVuZERhdGVQb3NpdGlvbiI6NCwiRGF0ZUlzVmlzaWJsZSI6dHJ1ZSwiVGl0bGVQb3NpdGlvbiI6MywiRHVyYXRpb25Qb3NpdGlvbiI6NiwiUGVyY2VudGFnZUNvbXBsZXRlZFBvc2l0aW9uIjo2LCJTcGFjaW5nIjoxMCwiSXNCZWxvd1RpbWViYW5kIjpmYWxzZSwiUGVyY2VudGFnZUNvbXBsZXRlU2hhcGVPcGFjaXR5IjozNSwiU2hhcGVTdHlsZSI6eyIkaWQiOiI1ODAiLCJNYXJnaW4iOnsiJHJlZiI6IjEwNCJ9LCJQYWRkaW5nIjp7IiRpZCI6IjU4MSIsIlRvcCI6MCwiTGVmdCI6MCwiUmlnaHQiOjIsIkJvdHRvbSI6MH0sIkJhY2tncm91bmQiOnsiJGlkIjoiNTgyIiwiQ29sb3IiOnsiJGlkIjoiNTgzIiwiQSI6MjU1LCJSIjo5MSwiRyI6MTU1LCJCIjoyMTN9fSwiSXNWaXNpYmxlIjp0cnVlLCJXaWR0aCI6MC4wLCJIZWlnaHQiOjE2LjUsIkJvcmRlclN0eWxlIjp7IiRpZCI6IjU4NCIsIkxpbmVDb2xvciI6eyIkaWQiOiI1ODUiLCIkdHlwZSI6Ik5MUkUuQ29tbW9uLkRvbS5Tb2xpZENvbG9yQnJ1c2gsIE5MUkUuQ29tbW9uIiwiQ29sb3IiOnsiJGlkIjoiNTg2IiwiQSI6MjU1LCJSIjoyNTUsIkciOjAsIkIiOjB9fSwiTGluZVdlaWdodCI6MC4wLCJMaW5lVHlwZSI6MCwiUGFyZW50U3R5bGUiOm51bGx9LCJQYXJlbnRTdHlsZSI6eyIkcmVmIjoiMTAzIn19LCJUaXRsZVN0eWxlIjp7IiRpZCI6IjU4NyIsIkZvbnRTZXR0aW5ncyI6eyIkaWQiOiI1ODgiLCJGb250U2l6ZSI6OCwiRm9udE5hbWUiOiJDYWxpYnJpIiwiSXNCb2xkIjpmYWxzZSwiSXNJdGFsaWMiOmZhbHNlLCJJc1VuZGVybGluZWQiOmZhbHNlLCJQYXJlbnRTdHlsZSI6eyIkcmVmIjoiMTEyIn19LCJBdXRvU2l6ZSI6MiwiRm9yZWdyb3VuZCI6eyIkaWQiOiI1ODkiLCJDb2xvciI6eyIkaWQiOiI1OTAiLCJBIjoyNTUsIlIiOjExNSwiRyI6MTE1LCJCIjoxMTV9fSwiTWF4V2lkdGgiOjQ5LjUsIk1heEhlaWdodCI6IkluZmluaXR5IiwiU21hcnRGb3JlZ3JvdW5kSXNBY3RpdmUiOmZhbHNlLCJIb3Jpem9udGFsQWxpZ25tZW50IjoyLCJWZXJ0aWNhbEFsaWdubWVudCI6MCwiU21hcnRGb3JlZ3JvdW5kIjpudWxsLCJNYXJnaW4iOnsiJHJlZiI6IjExNSJ9LCJQYWRkaW5nIjp7IiRyZWYiOiIxMTYifSwiQmFja2dyb3VuZCI6eyIkcmVmIjoiMTE3In0sIklzVmlzaWJsZSI6dHJ1ZSwiV2lkdGgiOjAuMCwiSGVpZ2h0IjowLjAsIkJvcmRlclN0eWxlIjp7IiRpZCI6IjU5MSIsIkxpbmVDb2xvciI6bnVsbCwiTGluZVdlaWdodCI6MC4wLCJMaW5lVHlwZSI6MCwiUGFyZW50U3R5bGUiOm51bGx9LCJQYXJlbnRTdHlsZSI6eyIkcmVmIjoiMTExIn19LCJEYXRlU3R5bGUiOnsiJGlkIjoiNTkyIiwiRm9udFNldHRpbmdzIjp7IiRpZCI6IjU5MyIsIkZvbnRTaXplIjo2LCJGb250TmFtZSI6IkNhbGlicmkiLCJJc0JvbGQiOmZhbHNlLCJJc0l0YWxpYyI6ZmFsc2UsIklzVW5kZXJsaW5lZCI6ZmFsc2UsIlBhcmVudFN0eWxlIjp7IiRyZWYiOiIxMTkifX0sIkF1dG9TaXplIjoyLCJGb3JlZ3JvdW5kIjp7IiRpZCI6IjU5NCIsIkNvbG9yIjp7IiRpZCI6IjU5NSIsIkEiOjI1NSwiUiI6MTkxLCJHIjoxOTEsIkIiOjE5MX19LCJNYXhXaWR0aCI6MjQuNzUsIk1heEhlaWdodCI6IkluZmluaXR5IiwiU21hcnRGb3JlZ3JvdW5kSXNBY3RpdmUiOmZhbHNlLCJIb3Jpem9udGFsQWxpZ25tZW50IjowLCJWZXJ0aWNhbEFsaWdubWVudCI6MCwiU21hcnRGb3JlZ3JvdW5kIjpudWxsLCJNYXJnaW4iOnsiJHJlZiI6IjEyMiJ9LCJQYWRkaW5nIjp7IiRyZWYiOiIxMjMifSwiQmFja2dyb3VuZCI6eyIkcmVmIjoiMTI0In0sIklzVmlzaWJsZSI6dHJ1ZSwiV2lkdGgiOjAuMCwiSGVpZ2h0IjowLjAsIkJvcmRlclN0eWxlIjp7IiRpZCI6IjU5NiIsIkxpbmVDb2xvciI6bnVsbCwiTGluZVdlaWdodCI6MC4wLCJMaW5lVHlwZSI6MCwiUGFyZW50U3R5bGUiOm51bGx9LCJQYXJlbnRTdHlsZSI6eyIkcmVmIjoiMTE4In19LCJEYXRlRm9ybWF0Ijp7IiRyZWYiOiIxMjUifSwiSXNWaXNpYmxlIjp0cnVlLCJQYXJlbnRTdHlsZSI6eyIkcmVmIjoiODIifX0sIkluZGV4IjoxOSwiU21hcnREdXJhdGlvbkFjdGl2YXRlZCI6ZmFsc2UsIkRhdGVGb3JtYXQiOnsiJHJlZiI6IjEyNSJ9LCJJZCI6IjhkNzVhYWY5LTFmMTEtNDA1ZC04NzIwLTY5OGFmNTMwNDA3MSIsIkltcG9ydElkIjpudWxsLCJUaXRsZSI6IlN1Yi1zdWItdGFzayAxIiwiTm90ZSI6bnVsbCwiSHlwZXJsaW5rIjpudWxsLCJJc0NoYW5nZWQiOmZhbHNlLCJJc05ldyI6dHJ1ZX0seyIkaWQiOiI1OTciLCJHcm91cE5hbWUiOm51bGwsIlN0YXJ0RGF0ZSI6IjIwMTctMDctMDNUMDA6MDA6MDBaIiwiRW5kRGF0ZSI6IjIwMTctMDctMDNUMjM6NTk6MDBaIiwiUGVyY2VudGFnZUNvbXBsZXRlIjpudWxsLCJTdHlsZSI6eyIkaWQiOiI1OTgiLCJTaGFwZSI6NCwiU2hhcGVUaGlja25lc3MiOjMsIkR1cmF0aW9uRm9ybWF0IjowLCJJbmNsdWRlTm9uV29ya2luZ0RheXNJbkR1cmF0aW9uIjpmYWxzZSwiUGVyY2VudGFnZUNvbXBsZXRlU3R5bGUiOnsiJGlkIjoiNTk5IiwiRm9udFNldHRpbmdzIjp7IiRpZCI6IjYwMCIsIkZvbnRTaXplIjoxMCwiRm9udE5hbWUiOiJDYWxpYnJpIiwiSXNCb2xkIjpmYWxzZSwiSXNJdGFsaWMiOmZhbHNlLCJJc1VuZGVybGluZWQiOmZhbHNlLCJQYXJlbnRTdHlsZSI6eyIkcmVmIjoiODQifX0sIkF1dG9TaXplIjowLCJGb3JlZ3JvdW5kIjp7IiRyZWYiOiI4NSJ9LCJNYXhXaWR0aCI6MjAwLjAsIk1heEhlaWdodCI6IkluZmluaXR5IiwiU21hcnRGb3JlZ3JvdW5kSXNBY3RpdmUiOmZhbHNlLCJIb3Jpem9udGFsQWxpZ25tZW50IjowLCJWZXJ0aWNhbEFsaWdubWVudCI6MCwiU21hcnRGb3JlZ3JvdW5kIjpudWxsLCJNYXJnaW4iOnsiJHJlZiI6Ijg3In0sIlBhZGRpbmciOnsiJHJlZiI6Ijg4In0sIkJhY2tncm91bmQiOnsiJHJlZiI6Ijg5In0sIklzVmlzaWJsZSI6dHJ1ZSwiV2lkdGgiOjAuMCwiSGVpZ2h0IjowLjAsIkJvcmRlclN0eWxlIjp7IiRpZCI6IjYwMSIsIkxpbmVDb2xvciI6bnVsbCwiTGluZVdlaWdodCI6MC4wLCJMaW5lVHlwZSI6MCwiUGFyZW50U3R5bGUiOm51bGx9LCJQYXJlbnRTdHlsZSI6eyIkcmVmIjoiODMifX0sIkR1cmF0aW9uU3R5bGUiOnsiJGlkIjoiNjAyIiwiRm9udFNldHRpbmdzIjp7IiRpZCI6IjYwMyIsIkZvbnRTaXplIjoxMCwiRm9udE5hbWUiOiJDYWxpYnJpIiwiSXNCb2xkIjpmYWxzZSwiSXNJdGFsaWMiOmZhbHNlLCJJc1VuZGVybGluZWQiOmZhbHNlLCJQYXJlbnRTdHlsZSI6eyIkcmVmIjoiOTEifX0sIkF1dG9TaXplIjowLCJGb3JlZ3JvdW5kIjp7IiRyZWYiOiI5MiJ9LCJNYXhXaWR0aCI6MjAwLjAsIk1heEhlaWdodCI6IkluZmluaXR5IiwiU21hcnRGb3JlZ3JvdW5kSXNBY3RpdmUiOmZhbHNlLCJIb3Jpem9udGFsQWxpZ25tZW50IjowLCJWZXJ0aWNhbEFsaWdubWVudCI6MCwiU21hcnRGb3JlZ3JvdW5kIjpudWxsLCJNYXJnaW4iOnsiJHJlZiI6Ijk0In0sIlBhZGRpbmciOnsiJHJlZiI6Ijk1In0sIkJhY2tncm91bmQiOnsiJHJlZiI6Ijk2In0sIklzVmlzaWJsZSI6dHJ1ZSwiV2lkdGgiOjAuMCwiSGVpZ2h0IjowLjAsIkJvcmRlclN0eWxlIjp7IiRpZCI6IjYwNCIsIkxpbmVDb2xvciI6bnVsbCwiTGluZVdlaWdodCI6MC4wLCJMaW5lVHlwZSI6MCwiUGFyZW50U3R5bGUiOm51bGx9LCJQYXJlbnRTdHlsZSI6eyIkcmVmIjoiOTAifX0sIkhvcml6b250YWxDb25uZWN0b3JTdHlsZSI6eyIkaWQiOiI2MDUiLCJMaW5lQ29sb3IiOnsiJHJlZiI6Ijk4In0sIkxpbmVXZWlnaHQiOjAuMCwiTGluZVR5cGUiOjAsIlBhcmVudFN0eWxlIjp7IiRyZWYiOiI5NyJ9fSwiVmVydGljYWxDb25uZWN0b3JTdHlsZSI6eyIkaWQiOiI2MDYiLCJMaW5lQ29sb3IiOnsiJHJlZiI6IjEwMSJ9LCJMaW5lV2VpZ2h0IjowLjAsIkxpbmVUeXBlIjowLCJQYXJlbnRTdHlsZSI6eyIkcmVmIjoiMTAwIn19LCJNYXJnaW4iOm51bGwsIlN0YXJ0RGF0ZVBvc2l0aW9uIjo0LCJFbmREYXRlUG9zaXRpb24iOjQsIkRhdGVJc1Zpc2libGUiOnRydWUsIlRpdGxlUG9zaXRpb24iOjMsIkR1cmF0aW9uUG9zaXRpb24iOjYsIlBlcmNlbnRhZ2VDb21wbGV0ZWRQb3NpdGlvbiI6NiwiU3BhY2luZyI6MTAsIklzQmVsb3dUaW1lYmFuZCI6ZmFsc2UsIlBlcmNlbnRhZ2VDb21wbGV0ZVNoYXBlT3BhY2l0eSI6MzUsIlNoYXBlU3R5bGUiOnsiJGlkIjoiNjA3IiwiTWFyZ2luIjp7IiRyZWYiOiIxMDQifSwiUGFkZGluZyI6eyIkaWQiOiI2MDgiLCJUb3AiOjAsIkxlZnQiOjAsIlJpZ2h0IjoyLCJCb3R0b20iOjB9LCJCYWNrZ3JvdW5kIjp7IiRpZCI6IjYwOSIsIkNvbG9yIjp7IiRpZCI6IjYxMCIsIkEiOjI1NSwiUiI6MTk3LCJHIjo5MCwiQiI6MTd9fSwiSXNWaXNpYmxlIjp0cnVlLCJXaWR0aCI6MC4wLCJIZWlnaHQiOjEyLjAsIkJvcmRlclN0eWxlIjp7IiRpZCI6IjYxMSIsIkxpbmVDb2xvciI6eyIkaWQiOiI2MTIiLCIkdHlwZSI6Ik5MUkUuQ29tbW9uLkRvbS5Tb2xpZENvbG9yQnJ1c2gsIE5MUkUuQ29tbW9uIiwiQ29sb3IiOnsiJGlkIjoiNjEzIiwiQSI6MjU1LCJSIjoyNTUsIkciOjAsIkIiOjB9fSwiTGluZVdlaWdodCI6MC4wLCJMaW5lVHlwZSI6MCwiUGFyZW50U3R5bGUiOm51bGx9LCJQYXJlbnRTdHlsZSI6eyIkcmVmIjoiMTAzIn19LCJUaXRsZVN0eWxlIjp7IiRpZCI6IjYxNCIsIkZvbnRTZXR0aW5ncyI6eyIkaWQiOiI2MTUiLCJGb250U2l6ZSI6OCwiRm9udE5hbWUiOiJDYWxpYnJpIiwiSXNCb2xkIjpmYWxzZSwiSXNJdGFsaWMiOmZhbHNlLCJJc1VuZGVybGluZWQiOmZhbHNlLCJQYXJlbnRTdHlsZSI6eyIkcmVmIjoiMTEyIn19LCJBdXRvU2l6ZSI6MiwiRm9yZWdyb3VuZCI6eyIkaWQiOiI2MTYiLCJDb2xvciI6eyIkaWQiOiI2MTciLCJBIjoyNTUsIlIiOjExNSwiRyI6MTE1LCJCIjoxMTV9fSwiTWF4V2lkdGgiOjQ5LjUsIk1heEhlaWdodCI6IkluZmluaXR5IiwiU21hcnRGb3JlZ3JvdW5kSXNBY3RpdmUiOmZhbHNlLCJIb3Jpem9udGFsQWxpZ25tZW50IjoyLCJWZXJ0aWNhbEFsaWdubWVudCI6MCwiU21hcnRGb3JlZ3JvdW5kIjpudWxsLCJNYXJnaW4iOnsiJHJlZiI6IjExNSJ9LCJQYWRkaW5nIjp7IiRyZWYiOiIxMTYifSwiQmFja2dyb3VuZCI6eyIkcmVmIjoiMTE3In0sIklzVmlzaWJsZSI6dHJ1ZSwiV2lkdGgiOjAuMCwiSGVpZ2h0IjowLjAsIkJvcmRlclN0eWxlIjp7IiRpZCI6IjYxOCIsIkxpbmVDb2xvciI6bnVsbCwiTGluZVdlaWdodCI6MC4wLCJMaW5lVHlwZSI6MCwiUGFyZW50U3R5bGUiOm51bGx9LCJQYXJlbnRTdHlsZSI6eyIkcmVmIjoiMTExIn19LCJEYXRlU3R5bGUiOnsiJGlkIjoiNjE5IiwiRm9udFNldHRpbmdzIjp7IiRpZCI6IjYyMCIsIkZvbnRTaXplIjo2LCJGb250TmFtZSI6IkNhbGlicmkiLCJJc0JvbGQiOmZhbHNlLCJJc0l0YWxpYyI6ZmFsc2UsIklzVW5kZXJsaW5lZCI6ZmFsc2UsIlBhcmVudFN0eWxlIjp7IiRyZWYiOiIxMTkifX0sIkF1dG9TaXplIjoyLCJGb3JlZ3JvdW5kIjp7IiRpZCI6IjYyMSIsIkNvbG9yIjp7IiRpZCI6IjYyMiIsIkEiOjI1NSwiUiI6MTkxLCJHIjoxOTEsIkIiOjE5MX19LCJNYXhXaWR0aCI6OS4wLCJNYXhIZWlnaHQiOiJJbmZpbml0eSIsIlNtYXJ0Rm9yZWdyb3VuZElzQWN0aXZlIjpmYWxzZSwiSG9yaXpvbnRhbEFsaWdubWVudCI6MCwiVmVydGljYWxBbGlnbm1lbnQiOjAsIlNtYXJ0Rm9yZWdyb3VuZCI6bnVsbCwiTWFyZ2luIjp7IiRyZWYiOiIxMjIifSwiUGFkZGluZyI6eyIkcmVmIjoiMTIzIn0sIkJhY2tncm91bmQiOnsiJHJlZiI6IjEyNCJ9LCJJc1Zpc2libGUiOnRydWUsIldpZHRoIjowLjAsIkhlaWdodCI6MC4wLCJCb3JkZXJTdHlsZSI6eyIkaWQiOiI2MjMiLCJMaW5lQ29sb3IiOm51bGwsIkxpbmVXZWlnaHQiOjAuMCwiTGluZVR5cGUiOjAsIlBhcmVudFN0eWxlIjpudWxsfSwiUGFyZW50U3R5bGUiOnsiJHJlZiI6IjExOCJ9fSwiRGF0ZUZvcm1hdCI6eyIkcmVmIjoiMTI1In0sIklzVmlzaWJsZSI6dHJ1ZSwiUGFyZW50U3R5bGUiOnsiJHJlZiI6IjgyIn19LCJJbmRleCI6MjAsIlNtYXJ0RHVyYXRpb25BY3RpdmF0ZWQiOmZhbHNlLCJEYXRlRm9ybWF0Ijp7IiRyZWYiOiIxMjUifSwiSWQiOiJkYzU5ODY0YS04ZmU2LTQ2MWYtOTNmOC01NDM5NjdjM2E3MTAiLCJJbXBvcnRJZCI6bnVsbCwiVGl0bGUiOiJTdWItc3ViLXRhc2sgMiIsIk5vdGUiOm51bGwsIkh5cGVybGluayI6bnVsbCwiSXNDaGFuZ2VkIjpmYWxzZSwiSXNOZXciOnRydWV9XSwiTXNQcm9qZWN0SXRlbXNUcmVlIjp7IiRpZCI6IjYyNCIsIlJvb3QiOnsiSW1wb3J0SWQiOm51bGwsIklzSW1wb3J0ZWQiOmZhbHNlLCJDaGlsZHJlbiI6W119fSwiTWV0YWRhdGEiOnsiJGlkIjoiNjI1IiwiUmVjZW50Q29sb3JzQ29sbGVjdGlvbiI6IltdIn0sIlNldHRpbmdzIjp7IiRpZCI6IjYyNiIsIkltcGFPcHRpb25zIjpudWxsLCJVc2VDb21wcmVzc2lvbiI6ZmFsc2UsIkNvbXByZXNpb25QZXJjZW50YWdlIjo1MC4wLCJJbmFjdGl2ZUludGVydmFsV2lkdGhUaHJlc2hvbGQiOjMwLjAsIkluYWN0aXZlSW50ZXJ2YWxXaWR0aCI6MS4wLCJTcGxpdFRhc2tzIjpmYWxzZSwiVXNlQ2x1c3RlciI6ZmFsc2UsIkVwc2lsb24iOjAuMCwiTWluUG9pbnRzVG9Gb3JtQUNsdXN0ZXIiOjIsIkdlbmVyYXRlSW52aXNpYmxlU2hhcGVzIjp0cnVlLCJTbWFydFRpbWVsaW5lVGFza1BlcmNlbnRhZ2VGaXQiOmZhbHNlfSwiSXNOZXciOnRydWUsIkltcG9ydFR5cGUiOjAsIkZpbGVQYXRoIjpudWxsLCJUaW1lQ29uZmlndXJhdGlvbiI6eyIkaWQiOiI2MjciLCJVc2VUaW1lIjpmYWxzZSwiV29ya0RheVN0YXJ0IjoiMDA6MDA6MDAiLCJXb3JrRGF5RW5kIjoiMjM6NTk6MDAifSwiTGFzdFVzZWRUZW1wbGF0ZUlkIjoiY2MyNmY4NjMtMjdjZS00ODBlLWE1ODktYjNmMTJmMmQ2ZWIwIn0="/>
+  <p:tag name="__MASTER" val="__part_0"/>
+</p:tagLst>
+</file>
+
+<file path=ppt/tags/tag175.xml><?xml version="1.0" encoding="utf-8"?>
+<p:tagLst xmlns:a="http://schemas.openxmlformats.org/drawingml/2006/main" xmlns:r="http://schemas.openxmlformats.org/officeDocument/2006/relationships" xmlns:p="http://schemas.openxmlformats.org/presentationml/2006/main">
+  <p:tag name="OTLMARKERSHAPE" val="OTL"/>
+</p:tagLst>
+</file>
+
+<file path=ppt/tags/tag176.xml><?xml version="1.0" encoding="utf-8"?>
+<p:tagLst xmlns:a="http://schemas.openxmlformats.org/drawingml/2006/main" xmlns:r="http://schemas.openxmlformats.org/officeDocument/2006/relationships" xmlns:p="http://schemas.openxmlformats.org/presentationml/2006/main">
+  <p:tag name="OTLMARKERSHAPE" val="OTL"/>
+</p:tagLst>
+</file>
+
+<file path=ppt/tags/tag177.xml><?xml version="1.0" encoding="utf-8"?>
+<p:tagLst xmlns:a="http://schemas.openxmlformats.org/drawingml/2006/main" xmlns:r="http://schemas.openxmlformats.org/officeDocument/2006/relationships" xmlns:p="http://schemas.openxmlformats.org/presentationml/2006/main">
+  <p:tag name="OTLMARKERSHAPE" val="OTL"/>
+</p:tagLst>
+</file>
+
+<file path=ppt/tags/tag178.xml><?xml version="1.0" encoding="utf-8"?>
+<p:tagLst xmlns:a="http://schemas.openxmlformats.org/drawingml/2006/main" xmlns:r="http://schemas.openxmlformats.org/officeDocument/2006/relationships" xmlns:p="http://schemas.openxmlformats.org/presentationml/2006/main">
+  <p:tag name="OTLMARKERSHAPE" val="OTL"/>
+</p:tagLst>
+</file>
+
+<file path=ppt/tags/tag179.xml><?xml version="1.0" encoding="utf-8"?>
+<p:tagLst xmlns:a="http://schemas.openxmlformats.org/drawingml/2006/main" xmlns:r="http://schemas.openxmlformats.org/officeDocument/2006/relationships" xmlns:p="http://schemas.openxmlformats.org/presentationml/2006/main">
+  <p:tag name="OTLMARKERSHAPE" val="OTL"/>
+</p:tagLst>
+</file>
+
 <file path=ppt/tags/tag18.xml><?xml version="1.0" encoding="utf-8"?>
 <p:tagLst xmlns:a="http://schemas.openxmlformats.org/drawingml/2006/main" xmlns:r="http://schemas.openxmlformats.org/officeDocument/2006/relationships" xmlns:p="http://schemas.openxmlformats.org/presentationml/2006/main">
   <p:tag name="OTLMARKERSHAPE" val="OTL"/>
 </p:tagLst>
 </file>
 
+<file path=ppt/tags/tag180.xml><?xml version="1.0" encoding="utf-8"?>
+<p:tagLst xmlns:a="http://schemas.openxmlformats.org/drawingml/2006/main" xmlns:r="http://schemas.openxmlformats.org/officeDocument/2006/relationships" xmlns:p="http://schemas.openxmlformats.org/presentationml/2006/main">
+  <p:tag name="OTLMARKERSHAPE" val="OTL"/>
+</p:tagLst>
+</file>
+
+<file path=ppt/tags/tag181.xml><?xml version="1.0" encoding="utf-8"?>
+<p:tagLst xmlns:a="http://schemas.openxmlformats.org/drawingml/2006/main" xmlns:r="http://schemas.openxmlformats.org/officeDocument/2006/relationships" xmlns:p="http://schemas.openxmlformats.org/presentationml/2006/main">
+  <p:tag name="OTLMARKERSHAPE" val="OTL"/>
+</p:tagLst>
+</file>
+
+<file path=ppt/tags/tag182.xml><?xml version="1.0" encoding="utf-8"?>
+<p:tagLst xmlns:a="http://schemas.openxmlformats.org/drawingml/2006/main" xmlns:r="http://schemas.openxmlformats.org/officeDocument/2006/relationships" xmlns:p="http://schemas.openxmlformats.org/presentationml/2006/main">
+  <p:tag name="OTLMARKERSHAPE" val="OTL"/>
+</p:tagLst>
+</file>
+
+<file path=ppt/tags/tag183.xml><?xml version="1.0" encoding="utf-8"?>
+<p:tagLst xmlns:a="http://schemas.openxmlformats.org/drawingml/2006/main" xmlns:r="http://schemas.openxmlformats.org/officeDocument/2006/relationships" xmlns:p="http://schemas.openxmlformats.org/presentationml/2006/main">
+  <p:tag name="OTLMARKERSHAPE" val="OTL"/>
+</p:tagLst>
+</file>
+
+<file path=ppt/tags/tag184.xml><?xml version="1.0" encoding="utf-8"?>
+<p:tagLst xmlns:a="http://schemas.openxmlformats.org/drawingml/2006/main" xmlns:r="http://schemas.openxmlformats.org/officeDocument/2006/relationships" xmlns:p="http://schemas.openxmlformats.org/presentationml/2006/main">
+  <p:tag name="OTLMARKERSHAPE" val="OTL"/>
+</p:tagLst>
+</file>
+
+<file path=ppt/tags/tag185.xml><?xml version="1.0" encoding="utf-8"?>
+<p:tagLst xmlns:a="http://schemas.openxmlformats.org/drawingml/2006/main" xmlns:r="http://schemas.openxmlformats.org/officeDocument/2006/relationships" xmlns:p="http://schemas.openxmlformats.org/presentationml/2006/main">
+  <p:tag name="OTLMARKERSHAPE" val="OTL"/>
+</p:tagLst>
+</file>
+
+<file path=ppt/tags/tag186.xml><?xml version="1.0" encoding="utf-8"?>
+<p:tagLst xmlns:a="http://schemas.openxmlformats.org/drawingml/2006/main" xmlns:r="http://schemas.openxmlformats.org/officeDocument/2006/relationships" xmlns:p="http://schemas.openxmlformats.org/presentationml/2006/main">
+  <p:tag name="OTLMARKERSHAPE" val="OTL"/>
+</p:tagLst>
+</file>
+
+<file path=ppt/tags/tag187.xml><?xml version="1.0" encoding="utf-8"?>
+<p:tagLst xmlns:a="http://schemas.openxmlformats.org/drawingml/2006/main" xmlns:r="http://schemas.openxmlformats.org/officeDocument/2006/relationships" xmlns:p="http://schemas.openxmlformats.org/presentationml/2006/main">
+  <p:tag name="OTLMARKERSHAPE" val="OTL"/>
+</p:tagLst>
+</file>
+
+<file path=ppt/tags/tag188.xml><?xml version="1.0" encoding="utf-8"?>
+<p:tagLst xmlns:a="http://schemas.openxmlformats.org/drawingml/2006/main" xmlns:r="http://schemas.openxmlformats.org/officeDocument/2006/relationships" xmlns:p="http://schemas.openxmlformats.org/presentationml/2006/main">
+  <p:tag name="OTLMARKERSHAPE" val="OTL"/>
+</p:tagLst>
+</file>
+
+<file path=ppt/tags/tag189.xml><?xml version="1.0" encoding="utf-8"?>
+<p:tagLst xmlns:a="http://schemas.openxmlformats.org/drawingml/2006/main" xmlns:r="http://schemas.openxmlformats.org/officeDocument/2006/relationships" xmlns:p="http://schemas.openxmlformats.org/presentationml/2006/main">
+  <p:tag name="OTLMARKERSHAPE" val="OTL"/>
+</p:tagLst>
+</file>
+
 <file path=ppt/tags/tag19.xml><?xml version="1.0" encoding="utf-8"?>
 <p:tagLst xmlns:a="http://schemas.openxmlformats.org/drawingml/2006/main" xmlns:r="http://schemas.openxmlformats.org/officeDocument/2006/relationships" xmlns:p="http://schemas.openxmlformats.org/presentationml/2006/main">
   <p:tag name="OTLMARKERSHAPE" val="OTL"/>
 </p:tagLst>
 </file>
 
+<file path=ppt/tags/tag190.xml><?xml version="1.0" encoding="utf-8"?>
+<p:tagLst xmlns:a="http://schemas.openxmlformats.org/drawingml/2006/main" xmlns:r="http://schemas.openxmlformats.org/officeDocument/2006/relationships" xmlns:p="http://schemas.openxmlformats.org/presentationml/2006/main">
+  <p:tag name="OTLMARKERSHAPE" val="OTL"/>
+</p:tagLst>
+</file>
+
+<file path=ppt/tags/tag191.xml><?xml version="1.0" encoding="utf-8"?>
+<p:tagLst xmlns:a="http://schemas.openxmlformats.org/drawingml/2006/main" xmlns:r="http://schemas.openxmlformats.org/officeDocument/2006/relationships" xmlns:p="http://schemas.openxmlformats.org/presentationml/2006/main">
+  <p:tag name="OTLMARKERSHAPE" val="OTL"/>
+</p:tagLst>
+</file>
+
+<file path=ppt/tags/tag192.xml><?xml version="1.0" encoding="utf-8"?>
+<p:tagLst xmlns:a="http://schemas.openxmlformats.org/drawingml/2006/main" xmlns:r="http://schemas.openxmlformats.org/officeDocument/2006/relationships" xmlns:p="http://schemas.openxmlformats.org/presentationml/2006/main">
+  <p:tag name="OTLMARKERSHAPE" val="OTL"/>
+</p:tagLst>
+</file>
+
+<file path=ppt/tags/tag193.xml><?xml version="1.0" encoding="utf-8"?>
+<p:tagLst xmlns:a="http://schemas.openxmlformats.org/drawingml/2006/main" xmlns:r="http://schemas.openxmlformats.org/officeDocument/2006/relationships" xmlns:p="http://schemas.openxmlformats.org/presentationml/2006/main">
+  <p:tag name="OTLMARKERSHAPE" val="OTL"/>
+</p:tagLst>
+</file>
+
+<file path=ppt/tags/tag194.xml><?xml version="1.0" encoding="utf-8"?>
+<p:tagLst xmlns:a="http://schemas.openxmlformats.org/drawingml/2006/main" xmlns:r="http://schemas.openxmlformats.org/officeDocument/2006/relationships" xmlns:p="http://schemas.openxmlformats.org/presentationml/2006/main">
+  <p:tag name="OTLMARKERSHAPE" val="OTL"/>
+</p:tagLst>
+</file>
+
+<file path=ppt/tags/tag195.xml><?xml version="1.0" encoding="utf-8"?>
+<p:tagLst xmlns:a="http://schemas.openxmlformats.org/drawingml/2006/main" xmlns:r="http://schemas.openxmlformats.org/officeDocument/2006/relationships" xmlns:p="http://schemas.openxmlformats.org/presentationml/2006/main">
+  <p:tag name="OTLMARKERSHAPE" val="OTL"/>
+</p:tagLst>
+</file>
+
+<file path=ppt/tags/tag196.xml><?xml version="1.0" encoding="utf-8"?>
+<p:tagLst xmlns:a="http://schemas.openxmlformats.org/drawingml/2006/main" xmlns:r="http://schemas.openxmlformats.org/officeDocument/2006/relationships" xmlns:p="http://schemas.openxmlformats.org/presentationml/2006/main">
+  <p:tag name="OTLMARKERSHAPE" val="OTL"/>
+</p:tagLst>
+</file>
+
+<file path=ppt/tags/tag197.xml><?xml version="1.0" encoding="utf-8"?>
+<p:tagLst xmlns:a="http://schemas.openxmlformats.org/drawingml/2006/main" xmlns:r="http://schemas.openxmlformats.org/officeDocument/2006/relationships" xmlns:p="http://schemas.openxmlformats.org/presentationml/2006/main">
+  <p:tag name="OTLMARKERSHAPE" val="OTL"/>
+</p:tagLst>
+</file>
+
+<file path=ppt/tags/tag198.xml><?xml version="1.0" encoding="utf-8"?>
+<p:tagLst xmlns:a="http://schemas.openxmlformats.org/drawingml/2006/main" xmlns:r="http://schemas.openxmlformats.org/officeDocument/2006/relationships" xmlns:p="http://schemas.openxmlformats.org/presentationml/2006/main">
+  <p:tag name="OTLMARKERSHAPE" val="OTL"/>
+</p:tagLst>
+</file>
+
+<file path=ppt/tags/tag199.xml><?xml version="1.0" encoding="utf-8"?>
+<p:tagLst xmlns:a="http://schemas.openxmlformats.org/drawingml/2006/main" xmlns:r="http://schemas.openxmlformats.org/officeDocument/2006/relationships" xmlns:p="http://schemas.openxmlformats.org/presentationml/2006/main">
+  <p:tag name="OTLMARKERSHAPE" val="OTL"/>
+</p:tagLst>
+</file>
+
 <file path=ppt/tags/tag2.xml><?xml version="1.0" encoding="utf-8"?>
 <p:tagLst xmlns:a="http://schemas.openxmlformats.org/drawingml/2006/main" xmlns:r="http://schemas.openxmlformats.org/officeDocument/2006/relationships" xmlns:p="http://schemas.openxmlformats.org/presentationml/2006/main">
   <p:tag name="OTLMARKERSHAPE" val="OTL"/>
@@ -11935,60 +19409,660 @@
 </p:tagLst>
 </file>
 
+<file path=ppt/tags/tag200.xml><?xml version="1.0" encoding="utf-8"?>
+<p:tagLst xmlns:a="http://schemas.openxmlformats.org/drawingml/2006/main" xmlns:r="http://schemas.openxmlformats.org/officeDocument/2006/relationships" xmlns:p="http://schemas.openxmlformats.org/presentationml/2006/main">
+  <p:tag name="OTLMARKERSHAPE" val="OTL"/>
+</p:tagLst>
+</file>
+
+<file path=ppt/tags/tag201.xml><?xml version="1.0" encoding="utf-8"?>
+<p:tagLst xmlns:a="http://schemas.openxmlformats.org/drawingml/2006/main" xmlns:r="http://schemas.openxmlformats.org/officeDocument/2006/relationships" xmlns:p="http://schemas.openxmlformats.org/presentationml/2006/main">
+  <p:tag name="OTLMARKERSHAPE" val="OTL"/>
+</p:tagLst>
+</file>
+
+<file path=ppt/tags/tag202.xml><?xml version="1.0" encoding="utf-8"?>
+<p:tagLst xmlns:a="http://schemas.openxmlformats.org/drawingml/2006/main" xmlns:r="http://schemas.openxmlformats.org/officeDocument/2006/relationships" xmlns:p="http://schemas.openxmlformats.org/presentationml/2006/main">
+  <p:tag name="OTLMARKERSHAPE" val="OTL"/>
+</p:tagLst>
+</file>
+
+<file path=ppt/tags/tag203.xml><?xml version="1.0" encoding="utf-8"?>
+<p:tagLst xmlns:a="http://schemas.openxmlformats.org/drawingml/2006/main" xmlns:r="http://schemas.openxmlformats.org/officeDocument/2006/relationships" xmlns:p="http://schemas.openxmlformats.org/presentationml/2006/main">
+  <p:tag name="OTLMARKERSHAPE" val="OTL"/>
+</p:tagLst>
+</file>
+
+<file path=ppt/tags/tag204.xml><?xml version="1.0" encoding="utf-8"?>
+<p:tagLst xmlns:a="http://schemas.openxmlformats.org/drawingml/2006/main" xmlns:r="http://schemas.openxmlformats.org/officeDocument/2006/relationships" xmlns:p="http://schemas.openxmlformats.org/presentationml/2006/main">
+  <p:tag name="OTLMARKERSHAPE" val="OTL"/>
+</p:tagLst>
+</file>
+
+<file path=ppt/tags/tag205.xml><?xml version="1.0" encoding="utf-8"?>
+<p:tagLst xmlns:a="http://schemas.openxmlformats.org/drawingml/2006/main" xmlns:r="http://schemas.openxmlformats.org/officeDocument/2006/relationships" xmlns:p="http://schemas.openxmlformats.org/presentationml/2006/main">
+  <p:tag name="OTLMARKERSHAPE" val="OTL"/>
+</p:tagLst>
+</file>
+
+<file path=ppt/tags/tag206.xml><?xml version="1.0" encoding="utf-8"?>
+<p:tagLst xmlns:a="http://schemas.openxmlformats.org/drawingml/2006/main" xmlns:r="http://schemas.openxmlformats.org/officeDocument/2006/relationships" xmlns:p="http://schemas.openxmlformats.org/presentationml/2006/main">
+  <p:tag name="OTLMARKERSHAPE" val="OTL"/>
+</p:tagLst>
+</file>
+
+<file path=ppt/tags/tag207.xml><?xml version="1.0" encoding="utf-8"?>
+<p:tagLst xmlns:a="http://schemas.openxmlformats.org/drawingml/2006/main" xmlns:r="http://schemas.openxmlformats.org/officeDocument/2006/relationships" xmlns:p="http://schemas.openxmlformats.org/presentationml/2006/main">
+  <p:tag name="OTLMARKERSHAPE" val="OTL"/>
+</p:tagLst>
+</file>
+
+<file path=ppt/tags/tag208.xml><?xml version="1.0" encoding="utf-8"?>
+<p:tagLst xmlns:a="http://schemas.openxmlformats.org/drawingml/2006/main" xmlns:r="http://schemas.openxmlformats.org/officeDocument/2006/relationships" xmlns:p="http://schemas.openxmlformats.org/presentationml/2006/main">
+  <p:tag name="OTLMARKERSHAPE" val="OTL"/>
+</p:tagLst>
+</file>
+
+<file path=ppt/tags/tag209.xml><?xml version="1.0" encoding="utf-8"?>
+<p:tagLst xmlns:a="http://schemas.openxmlformats.org/drawingml/2006/main" xmlns:r="http://schemas.openxmlformats.org/officeDocument/2006/relationships" xmlns:p="http://schemas.openxmlformats.org/presentationml/2006/main">
+  <p:tag name="OTLMARKERSHAPE" val="OTL"/>
+</p:tagLst>
+</file>
+
 <file path=ppt/tags/tag21.xml><?xml version="1.0" encoding="utf-8"?>
 <p:tagLst xmlns:a="http://schemas.openxmlformats.org/drawingml/2006/main" xmlns:r="http://schemas.openxmlformats.org/officeDocument/2006/relationships" xmlns:p="http://schemas.openxmlformats.org/presentationml/2006/main">
   <p:tag name="OTLMARKERSHAPE" val="OTL"/>
 </p:tagLst>
 </file>
 
+<file path=ppt/tags/tag210.xml><?xml version="1.0" encoding="utf-8"?>
+<p:tagLst xmlns:a="http://schemas.openxmlformats.org/drawingml/2006/main" xmlns:r="http://schemas.openxmlformats.org/officeDocument/2006/relationships" xmlns:p="http://schemas.openxmlformats.org/presentationml/2006/main">
+  <p:tag name="OTLMARKERSHAPE" val="OTL"/>
+</p:tagLst>
+</file>
+
+<file path=ppt/tags/tag211.xml><?xml version="1.0" encoding="utf-8"?>
+<p:tagLst xmlns:a="http://schemas.openxmlformats.org/drawingml/2006/main" xmlns:r="http://schemas.openxmlformats.org/officeDocument/2006/relationships" xmlns:p="http://schemas.openxmlformats.org/presentationml/2006/main">
+  <p:tag name="OTLMARKERSHAPE" val="OTL"/>
+</p:tagLst>
+</file>
+
+<file path=ppt/tags/tag212.xml><?xml version="1.0" encoding="utf-8"?>
+<p:tagLst xmlns:a="http://schemas.openxmlformats.org/drawingml/2006/main" xmlns:r="http://schemas.openxmlformats.org/officeDocument/2006/relationships" xmlns:p="http://schemas.openxmlformats.org/presentationml/2006/main">
+  <p:tag name="OTLMARKERSHAPE" val="OTL"/>
+</p:tagLst>
+</file>
+
+<file path=ppt/tags/tag213.xml><?xml version="1.0" encoding="utf-8"?>
+<p:tagLst xmlns:a="http://schemas.openxmlformats.org/drawingml/2006/main" xmlns:r="http://schemas.openxmlformats.org/officeDocument/2006/relationships" xmlns:p="http://schemas.openxmlformats.org/presentationml/2006/main">
+  <p:tag name="OTLMARKERSHAPE" val="OTL"/>
+</p:tagLst>
+</file>
+
+<file path=ppt/tags/tag214.xml><?xml version="1.0" encoding="utf-8"?>
+<p:tagLst xmlns:a="http://schemas.openxmlformats.org/drawingml/2006/main" xmlns:r="http://schemas.openxmlformats.org/officeDocument/2006/relationships" xmlns:p="http://schemas.openxmlformats.org/presentationml/2006/main">
+  <p:tag name="OTLMARKERSHAPE" val="OTL"/>
+</p:tagLst>
+</file>
+
+<file path=ppt/tags/tag215.xml><?xml version="1.0" encoding="utf-8"?>
+<p:tagLst xmlns:a="http://schemas.openxmlformats.org/drawingml/2006/main" xmlns:r="http://schemas.openxmlformats.org/officeDocument/2006/relationships" xmlns:p="http://schemas.openxmlformats.org/presentationml/2006/main">
+  <p:tag name="OTLMARKERSHAPE" val="OTL"/>
+</p:tagLst>
+</file>
+
+<file path=ppt/tags/tag216.xml><?xml version="1.0" encoding="utf-8"?>
+<p:tagLst xmlns:a="http://schemas.openxmlformats.org/drawingml/2006/main" xmlns:r="http://schemas.openxmlformats.org/officeDocument/2006/relationships" xmlns:p="http://schemas.openxmlformats.org/presentationml/2006/main">
+  <p:tag name="OTLMARKERSHAPE" val="OTL"/>
+</p:tagLst>
+</file>
+
+<file path=ppt/tags/tag217.xml><?xml version="1.0" encoding="utf-8"?>
+<p:tagLst xmlns:a="http://schemas.openxmlformats.org/drawingml/2006/main" xmlns:r="http://schemas.openxmlformats.org/officeDocument/2006/relationships" xmlns:p="http://schemas.openxmlformats.org/presentationml/2006/main">
+  <p:tag name="OTLMARKERSHAPE" val="OTL"/>
+</p:tagLst>
+</file>
+
+<file path=ppt/tags/tag218.xml><?xml version="1.0" encoding="utf-8"?>
+<p:tagLst xmlns:a="http://schemas.openxmlformats.org/drawingml/2006/main" xmlns:r="http://schemas.openxmlformats.org/officeDocument/2006/relationships" xmlns:p="http://schemas.openxmlformats.org/presentationml/2006/main">
+  <p:tag name="OTLMARKERSHAPE" val="OTL"/>
+</p:tagLst>
+</file>
+
+<file path=ppt/tags/tag219.xml><?xml version="1.0" encoding="utf-8"?>
+<p:tagLst xmlns:a="http://schemas.openxmlformats.org/drawingml/2006/main" xmlns:r="http://schemas.openxmlformats.org/officeDocument/2006/relationships" xmlns:p="http://schemas.openxmlformats.org/presentationml/2006/main">
+  <p:tag name="OTLMARKERSHAPE" val="OTL"/>
+</p:tagLst>
+</file>
+
 <file path=ppt/tags/tag22.xml><?xml version="1.0" encoding="utf-8"?>
 <p:tagLst xmlns:a="http://schemas.openxmlformats.org/drawingml/2006/main" xmlns:r="http://schemas.openxmlformats.org/officeDocument/2006/relationships" xmlns:p="http://schemas.openxmlformats.org/presentationml/2006/main">
   <p:tag name="OTLMARKERSHAPE" val="OTL"/>
 </p:tagLst>
 </file>
 
+<file path=ppt/tags/tag220.xml><?xml version="1.0" encoding="utf-8"?>
+<p:tagLst xmlns:a="http://schemas.openxmlformats.org/drawingml/2006/main" xmlns:r="http://schemas.openxmlformats.org/officeDocument/2006/relationships" xmlns:p="http://schemas.openxmlformats.org/presentationml/2006/main">
+  <p:tag name="OTLMARKERSHAPE" val="OTL"/>
+</p:tagLst>
+</file>
+
+<file path=ppt/tags/tag221.xml><?xml version="1.0" encoding="utf-8"?>
+<p:tagLst xmlns:a="http://schemas.openxmlformats.org/drawingml/2006/main" xmlns:r="http://schemas.openxmlformats.org/officeDocument/2006/relationships" xmlns:p="http://schemas.openxmlformats.org/presentationml/2006/main">
+  <p:tag name="OTLMARKERSHAPE" val="OTL"/>
+</p:tagLst>
+</file>
+
+<file path=ppt/tags/tag222.xml><?xml version="1.0" encoding="utf-8"?>
+<p:tagLst xmlns:a="http://schemas.openxmlformats.org/drawingml/2006/main" xmlns:r="http://schemas.openxmlformats.org/officeDocument/2006/relationships" xmlns:p="http://schemas.openxmlformats.org/presentationml/2006/main">
+  <p:tag name="OTLMARKERSHAPE" val="OTL"/>
+</p:tagLst>
+</file>
+
+<file path=ppt/tags/tag223.xml><?xml version="1.0" encoding="utf-8"?>
+<p:tagLst xmlns:a="http://schemas.openxmlformats.org/drawingml/2006/main" xmlns:r="http://schemas.openxmlformats.org/officeDocument/2006/relationships" xmlns:p="http://schemas.openxmlformats.org/presentationml/2006/main">
+  <p:tag name="OTLMARKERSHAPE" val="OTL"/>
+</p:tagLst>
+</file>
+
+<file path=ppt/tags/tag224.xml><?xml version="1.0" encoding="utf-8"?>
+<p:tagLst xmlns:a="http://schemas.openxmlformats.org/drawingml/2006/main" xmlns:r="http://schemas.openxmlformats.org/officeDocument/2006/relationships" xmlns:p="http://schemas.openxmlformats.org/presentationml/2006/main">
+  <p:tag name="OTLMARKERSHAPE" val="OTL"/>
+</p:tagLst>
+</file>
+
+<file path=ppt/tags/tag225.xml><?xml version="1.0" encoding="utf-8"?>
+<p:tagLst xmlns:a="http://schemas.openxmlformats.org/drawingml/2006/main" xmlns:r="http://schemas.openxmlformats.org/officeDocument/2006/relationships" xmlns:p="http://schemas.openxmlformats.org/presentationml/2006/main">
+  <p:tag name="OTLMARKERSHAPE" val="OTL"/>
+</p:tagLst>
+</file>
+
+<file path=ppt/tags/tag226.xml><?xml version="1.0" encoding="utf-8"?>
+<p:tagLst xmlns:a="http://schemas.openxmlformats.org/drawingml/2006/main" xmlns:r="http://schemas.openxmlformats.org/officeDocument/2006/relationships" xmlns:p="http://schemas.openxmlformats.org/presentationml/2006/main">
+  <p:tag name="OTLMARKERSHAPE" val="OTL"/>
+</p:tagLst>
+</file>
+
+<file path=ppt/tags/tag227.xml><?xml version="1.0" encoding="utf-8"?>
+<p:tagLst xmlns:a="http://schemas.openxmlformats.org/drawingml/2006/main" xmlns:r="http://schemas.openxmlformats.org/officeDocument/2006/relationships" xmlns:p="http://schemas.openxmlformats.org/presentationml/2006/main">
+  <p:tag name="OTLMARKERSHAPE" val="OTL"/>
+</p:tagLst>
+</file>
+
+<file path=ppt/tags/tag228.xml><?xml version="1.0" encoding="utf-8"?>
+<p:tagLst xmlns:a="http://schemas.openxmlformats.org/drawingml/2006/main" xmlns:r="http://schemas.openxmlformats.org/officeDocument/2006/relationships" xmlns:p="http://schemas.openxmlformats.org/presentationml/2006/main">
+  <p:tag name="OTLMARKERSHAPE" val="OTL"/>
+</p:tagLst>
+</file>
+
+<file path=ppt/tags/tag229.xml><?xml version="1.0" encoding="utf-8"?>
+<p:tagLst xmlns:a="http://schemas.openxmlformats.org/drawingml/2006/main" xmlns:r="http://schemas.openxmlformats.org/officeDocument/2006/relationships" xmlns:p="http://schemas.openxmlformats.org/presentationml/2006/main">
+  <p:tag name="OTLMARKERSHAPE" val="OTL"/>
+</p:tagLst>
+</file>
+
 <file path=ppt/tags/tag23.xml><?xml version="1.0" encoding="utf-8"?>
 <p:tagLst xmlns:a="http://schemas.openxmlformats.org/drawingml/2006/main" xmlns:r="http://schemas.openxmlformats.org/officeDocument/2006/relationships" xmlns:p="http://schemas.openxmlformats.org/presentationml/2006/main">
   <p:tag name="OTLMARKERSHAPE" val="OTL"/>
 </p:tagLst>
 </file>
 
+<file path=ppt/tags/tag230.xml><?xml version="1.0" encoding="utf-8"?>
+<p:tagLst xmlns:a="http://schemas.openxmlformats.org/drawingml/2006/main" xmlns:r="http://schemas.openxmlformats.org/officeDocument/2006/relationships" xmlns:p="http://schemas.openxmlformats.org/presentationml/2006/main">
+  <p:tag name="OTLMARKERSHAPE" val="OTL"/>
+</p:tagLst>
+</file>
+
+<file path=ppt/tags/tag231.xml><?xml version="1.0" encoding="utf-8"?>
+<p:tagLst xmlns:a="http://schemas.openxmlformats.org/drawingml/2006/main" xmlns:r="http://schemas.openxmlformats.org/officeDocument/2006/relationships" xmlns:p="http://schemas.openxmlformats.org/presentationml/2006/main">
+  <p:tag name="OTLMARKERSHAPE" val="OTL"/>
+</p:tagLst>
+</file>
+
+<file path=ppt/tags/tag232.xml><?xml version="1.0" encoding="utf-8"?>
+<p:tagLst xmlns:a="http://schemas.openxmlformats.org/drawingml/2006/main" xmlns:r="http://schemas.openxmlformats.org/officeDocument/2006/relationships" xmlns:p="http://schemas.openxmlformats.org/presentationml/2006/main">
+  <p:tag name="OTLMARKERSHAPE" val="OTL"/>
+</p:tagLst>
+</file>
+
+<file path=ppt/tags/tag233.xml><?xml version="1.0" encoding="utf-8"?>
+<p:tagLst xmlns:a="http://schemas.openxmlformats.org/drawingml/2006/main" xmlns:r="http://schemas.openxmlformats.org/officeDocument/2006/relationships" xmlns:p="http://schemas.openxmlformats.org/presentationml/2006/main">
+  <p:tag name="OTLMARKERSHAPE" val="OTL"/>
+</p:tagLst>
+</file>
+
+<file path=ppt/tags/tag234.xml><?xml version="1.0" encoding="utf-8"?>
+<p:tagLst xmlns:a="http://schemas.openxmlformats.org/drawingml/2006/main" xmlns:r="http://schemas.openxmlformats.org/officeDocument/2006/relationships" xmlns:p="http://schemas.openxmlformats.org/presentationml/2006/main">
+  <p:tag name="OTLMARKERSHAPE" val="OTL"/>
+</p:tagLst>
+</file>
+
+<file path=ppt/tags/tag235.xml><?xml version="1.0" encoding="utf-8"?>
+<p:tagLst xmlns:a="http://schemas.openxmlformats.org/drawingml/2006/main" xmlns:r="http://schemas.openxmlformats.org/officeDocument/2006/relationships" xmlns:p="http://schemas.openxmlformats.org/presentationml/2006/main">
+  <p:tag name="OTLMARKERSHAPE" val="OTL"/>
+</p:tagLst>
+</file>
+
+<file path=ppt/tags/tag236.xml><?xml version="1.0" encoding="utf-8"?>
+<p:tagLst xmlns:a="http://schemas.openxmlformats.org/drawingml/2006/main" xmlns:r="http://schemas.openxmlformats.org/officeDocument/2006/relationships" xmlns:p="http://schemas.openxmlformats.org/presentationml/2006/main">
+  <p:tag name="OTLMARKERSHAPE" val="OTL"/>
+</p:tagLst>
+</file>
+
+<file path=ppt/tags/tag237.xml><?xml version="1.0" encoding="utf-8"?>
+<p:tagLst xmlns:a="http://schemas.openxmlformats.org/drawingml/2006/main" xmlns:r="http://schemas.openxmlformats.org/officeDocument/2006/relationships" xmlns:p="http://schemas.openxmlformats.org/presentationml/2006/main">
+  <p:tag name="OTLMARKERSHAPE" val="OTL"/>
+</p:tagLst>
+</file>
+
+<file path=ppt/tags/tag238.xml><?xml version="1.0" encoding="utf-8"?>
+<p:tagLst xmlns:a="http://schemas.openxmlformats.org/drawingml/2006/main" xmlns:r="http://schemas.openxmlformats.org/officeDocument/2006/relationships" xmlns:p="http://schemas.openxmlformats.org/presentationml/2006/main">
+  <p:tag name="OTLMARKERSHAPE" val="OTL"/>
+</p:tagLst>
+</file>
+
+<file path=ppt/tags/tag239.xml><?xml version="1.0" encoding="utf-8"?>
+<p:tagLst xmlns:a="http://schemas.openxmlformats.org/drawingml/2006/main" xmlns:r="http://schemas.openxmlformats.org/officeDocument/2006/relationships" xmlns:p="http://schemas.openxmlformats.org/presentationml/2006/main">
+  <p:tag name="OTLMARKERSHAPE" val="OTL"/>
+</p:tagLst>
+</file>
+
 <file path=ppt/tags/tag24.xml><?xml version="1.0" encoding="utf-8"?>
 <p:tagLst xmlns:a="http://schemas.openxmlformats.org/drawingml/2006/main" xmlns:r="http://schemas.openxmlformats.org/officeDocument/2006/relationships" xmlns:p="http://schemas.openxmlformats.org/presentationml/2006/main">
   <p:tag name="OTLMARKERSHAPE" val="OTL"/>
 </p:tagLst>
 </file>
 
+<file path=ppt/tags/tag240.xml><?xml version="1.0" encoding="utf-8"?>
+<p:tagLst xmlns:a="http://schemas.openxmlformats.org/drawingml/2006/main" xmlns:r="http://schemas.openxmlformats.org/officeDocument/2006/relationships" xmlns:p="http://schemas.openxmlformats.org/presentationml/2006/main">
+  <p:tag name="OTLMARKERSHAPE" val="OTL"/>
+</p:tagLst>
+</file>
+
+<file path=ppt/tags/tag241.xml><?xml version="1.0" encoding="utf-8"?>
+<p:tagLst xmlns:a="http://schemas.openxmlformats.org/drawingml/2006/main" xmlns:r="http://schemas.openxmlformats.org/officeDocument/2006/relationships" xmlns:p="http://schemas.openxmlformats.org/presentationml/2006/main">
+  <p:tag name="OTLMARKERSHAPE" val="OTL"/>
+</p:tagLst>
+</file>
+
+<file path=ppt/tags/tag242.xml><?xml version="1.0" encoding="utf-8"?>
+<p:tagLst xmlns:a="http://schemas.openxmlformats.org/drawingml/2006/main" xmlns:r="http://schemas.openxmlformats.org/officeDocument/2006/relationships" xmlns:p="http://schemas.openxmlformats.org/presentationml/2006/main">
+  <p:tag name="OTLMARKERSHAPE" val="OTL"/>
+</p:tagLst>
+</file>
+
+<file path=ppt/tags/tag243.xml><?xml version="1.0" encoding="utf-8"?>
+<p:tagLst xmlns:a="http://schemas.openxmlformats.org/drawingml/2006/main" xmlns:r="http://schemas.openxmlformats.org/officeDocument/2006/relationships" xmlns:p="http://schemas.openxmlformats.org/presentationml/2006/main">
+  <p:tag name="OTLMARKERSHAPE" val="OTL"/>
+</p:tagLst>
+</file>
+
+<file path=ppt/tags/tag244.xml><?xml version="1.0" encoding="utf-8"?>
+<p:tagLst xmlns:a="http://schemas.openxmlformats.org/drawingml/2006/main" xmlns:r="http://schemas.openxmlformats.org/officeDocument/2006/relationships" xmlns:p="http://schemas.openxmlformats.org/presentationml/2006/main">
+  <p:tag name="OTLMARKERSHAPE" val="OTL"/>
+</p:tagLst>
+</file>
+
+<file path=ppt/tags/tag245.xml><?xml version="1.0" encoding="utf-8"?>
+<p:tagLst xmlns:a="http://schemas.openxmlformats.org/drawingml/2006/main" xmlns:r="http://schemas.openxmlformats.org/officeDocument/2006/relationships" xmlns:p="http://schemas.openxmlformats.org/presentationml/2006/main">
+  <p:tag name="OTLMARKERSHAPE" val="OTL"/>
+</p:tagLst>
+</file>
+
+<file path=ppt/tags/tag246.xml><?xml version="1.0" encoding="utf-8"?>
+<p:tagLst xmlns:a="http://schemas.openxmlformats.org/drawingml/2006/main" xmlns:r="http://schemas.openxmlformats.org/officeDocument/2006/relationships" xmlns:p="http://schemas.openxmlformats.org/presentationml/2006/main">
+  <p:tag name="OTLMARKERSHAPE" val="OTL"/>
+</p:tagLst>
+</file>
+
+<file path=ppt/tags/tag247.xml><?xml version="1.0" encoding="utf-8"?>
+<p:tagLst xmlns:a="http://schemas.openxmlformats.org/drawingml/2006/main" xmlns:r="http://schemas.openxmlformats.org/officeDocument/2006/relationships" xmlns:p="http://schemas.openxmlformats.org/presentationml/2006/main">
+  <p:tag name="OTLMARKERSHAPE" val="OTL"/>
+</p:tagLst>
+</file>
+
+<file path=ppt/tags/tag248.xml><?xml version="1.0" encoding="utf-8"?>
+<p:tagLst xmlns:a="http://schemas.openxmlformats.org/drawingml/2006/main" xmlns:r="http://schemas.openxmlformats.org/officeDocument/2006/relationships" xmlns:p="http://schemas.openxmlformats.org/presentationml/2006/main">
+  <p:tag name="OTLMARKERSHAPE" val="OTL"/>
+</p:tagLst>
+</file>
+
+<file path=ppt/tags/tag249.xml><?xml version="1.0" encoding="utf-8"?>
+<p:tagLst xmlns:a="http://schemas.openxmlformats.org/drawingml/2006/main" xmlns:r="http://schemas.openxmlformats.org/officeDocument/2006/relationships" xmlns:p="http://schemas.openxmlformats.org/presentationml/2006/main">
+  <p:tag name="OTLMARKERSHAPE" val="OTL"/>
+</p:tagLst>
+</file>
+
 <file path=ppt/tags/tag25.xml><?xml version="1.0" encoding="utf-8"?>
 <p:tagLst xmlns:a="http://schemas.openxmlformats.org/drawingml/2006/main" xmlns:r="http://schemas.openxmlformats.org/officeDocument/2006/relationships" xmlns:p="http://schemas.openxmlformats.org/presentationml/2006/main">
   <p:tag name="OTLMARKERSHAPE" val="OTL"/>
 </p:tagLst>
 </file>
 
+<file path=ppt/tags/tag250.xml><?xml version="1.0" encoding="utf-8"?>
+<p:tagLst xmlns:a="http://schemas.openxmlformats.org/drawingml/2006/main" xmlns:r="http://schemas.openxmlformats.org/officeDocument/2006/relationships" xmlns:p="http://schemas.openxmlformats.org/presentationml/2006/main">
+  <p:tag name="OTLMARKERSHAPE" val="OTL"/>
+</p:tagLst>
+</file>
+
+<file path=ppt/tags/tag251.xml><?xml version="1.0" encoding="utf-8"?>
+<p:tagLst xmlns:a="http://schemas.openxmlformats.org/drawingml/2006/main" xmlns:r="http://schemas.openxmlformats.org/officeDocument/2006/relationships" xmlns:p="http://schemas.openxmlformats.org/presentationml/2006/main">
+  <p:tag name="OTLMARKERSHAPE" val="OTL"/>
+</p:tagLst>
+</file>
+
+<file path=ppt/tags/tag252.xml><?xml version="1.0" encoding="utf-8"?>
+<p:tagLst xmlns:a="http://schemas.openxmlformats.org/drawingml/2006/main" xmlns:r="http://schemas.openxmlformats.org/officeDocument/2006/relationships" xmlns:p="http://schemas.openxmlformats.org/presentationml/2006/main">
+  <p:tag name="OTLMARKERSHAPE" val="OTL"/>
+</p:tagLst>
+</file>
+
+<file path=ppt/tags/tag253.xml><?xml version="1.0" encoding="utf-8"?>
+<p:tagLst xmlns:a="http://schemas.openxmlformats.org/drawingml/2006/main" xmlns:r="http://schemas.openxmlformats.org/officeDocument/2006/relationships" xmlns:p="http://schemas.openxmlformats.org/presentationml/2006/main">
+  <p:tag name="OTLMARKERSHAPE" val="OTL"/>
+</p:tagLst>
+</file>
+
+<file path=ppt/tags/tag254.xml><?xml version="1.0" encoding="utf-8"?>
+<p:tagLst xmlns:a="http://schemas.openxmlformats.org/drawingml/2006/main" xmlns:r="http://schemas.openxmlformats.org/officeDocument/2006/relationships" xmlns:p="http://schemas.openxmlformats.org/presentationml/2006/main">
+  <p:tag name="OTLMARKERSHAPE" val="OTL"/>
+</p:tagLst>
+</file>
+
+<file path=ppt/tags/tag255.xml><?xml version="1.0" encoding="utf-8"?>
+<p:tagLst xmlns:a="http://schemas.openxmlformats.org/drawingml/2006/main" xmlns:r="http://schemas.openxmlformats.org/officeDocument/2006/relationships" xmlns:p="http://schemas.openxmlformats.org/presentationml/2006/main">
+  <p:tag name="OTLMARKERSHAPE" val="OTL"/>
+</p:tagLst>
+</file>
+
+<file path=ppt/tags/tag256.xml><?xml version="1.0" encoding="utf-8"?>
+<p:tagLst xmlns:a="http://schemas.openxmlformats.org/drawingml/2006/main" xmlns:r="http://schemas.openxmlformats.org/officeDocument/2006/relationships" xmlns:p="http://schemas.openxmlformats.org/presentationml/2006/main">
+  <p:tag name="OTLMARKERSHAPE" val="OTL"/>
+</p:tagLst>
+</file>
+
+<file path=ppt/tags/tag257.xml><?xml version="1.0" encoding="utf-8"?>
+<p:tagLst xmlns:a="http://schemas.openxmlformats.org/drawingml/2006/main" xmlns:r="http://schemas.openxmlformats.org/officeDocument/2006/relationships" xmlns:p="http://schemas.openxmlformats.org/presentationml/2006/main">
+  <p:tag name="OTLMARKERSHAPE" val="OTL"/>
+</p:tagLst>
+</file>
+
+<file path=ppt/tags/tag258.xml><?xml version="1.0" encoding="utf-8"?>
+<p:tagLst xmlns:a="http://schemas.openxmlformats.org/drawingml/2006/main" xmlns:r="http://schemas.openxmlformats.org/officeDocument/2006/relationships" xmlns:p="http://schemas.openxmlformats.org/presentationml/2006/main">
+  <p:tag name="OTLMARKERSHAPE" val="OTL"/>
+</p:tagLst>
+</file>
+
+<file path=ppt/tags/tag259.xml><?xml version="1.0" encoding="utf-8"?>
+<p:tagLst xmlns:a="http://schemas.openxmlformats.org/drawingml/2006/main" xmlns:r="http://schemas.openxmlformats.org/officeDocument/2006/relationships" xmlns:p="http://schemas.openxmlformats.org/presentationml/2006/main">
+  <p:tag name="OTLMARKERSHAPE" val="OTL"/>
+</p:tagLst>
+</file>
+
 <file path=ppt/tags/tag26.xml><?xml version="1.0" encoding="utf-8"?>
 <p:tagLst xmlns:a="http://schemas.openxmlformats.org/drawingml/2006/main" xmlns:r="http://schemas.openxmlformats.org/officeDocument/2006/relationships" xmlns:p="http://schemas.openxmlformats.org/presentationml/2006/main">
   <p:tag name="OTLMARKERSHAPE" val="OTL"/>
 </p:tagLst>
 </file>
 
+<file path=ppt/tags/tag260.xml><?xml version="1.0" encoding="utf-8"?>
+<p:tagLst xmlns:a="http://schemas.openxmlformats.org/drawingml/2006/main" xmlns:r="http://schemas.openxmlformats.org/officeDocument/2006/relationships" xmlns:p="http://schemas.openxmlformats.org/presentationml/2006/main">
+  <p:tag name="OTLMARKERSHAPE" val="OTL"/>
+</p:tagLst>
+</file>
+
+<file path=ppt/tags/tag261.xml><?xml version="1.0" encoding="utf-8"?>
+<p:tagLst xmlns:a="http://schemas.openxmlformats.org/drawingml/2006/main" xmlns:r="http://schemas.openxmlformats.org/officeDocument/2006/relationships" xmlns:p="http://schemas.openxmlformats.org/presentationml/2006/main">
+  <p:tag name="OTLMARKERSHAPE" val="OTL"/>
+</p:tagLst>
+</file>
+
+<file path=ppt/tags/tag262.xml><?xml version="1.0" encoding="utf-8"?>
+<p:tagLst xmlns:a="http://schemas.openxmlformats.org/drawingml/2006/main" xmlns:r="http://schemas.openxmlformats.org/officeDocument/2006/relationships" xmlns:p="http://schemas.openxmlformats.org/presentationml/2006/main">
+  <p:tag name="OTLMARKERSHAPE" val="OTL"/>
+</p:tagLst>
+</file>
+
+<file path=ppt/tags/tag263.xml><?xml version="1.0" encoding="utf-8"?>
+<p:tagLst xmlns:a="http://schemas.openxmlformats.org/drawingml/2006/main" xmlns:r="http://schemas.openxmlformats.org/officeDocument/2006/relationships" xmlns:p="http://schemas.openxmlformats.org/presentationml/2006/main">
+  <p:tag name="OTLMARKERSHAPE" val="OTL"/>
+</p:tagLst>
+</file>
+
+<file path=ppt/tags/tag264.xml><?xml version="1.0" encoding="utf-8"?>
+<p:tagLst xmlns:a="http://schemas.openxmlformats.org/drawingml/2006/main" xmlns:r="http://schemas.openxmlformats.org/officeDocument/2006/relationships" xmlns:p="http://schemas.openxmlformats.org/presentationml/2006/main">
+  <p:tag name="OTLMARKERSHAPE" val="OTL"/>
+</p:tagLst>
+</file>
+
+<file path=ppt/tags/tag265.xml><?xml version="1.0" encoding="utf-8"?>
+<p:tagLst xmlns:a="http://schemas.openxmlformats.org/drawingml/2006/main" xmlns:r="http://schemas.openxmlformats.org/officeDocument/2006/relationships" xmlns:p="http://schemas.openxmlformats.org/presentationml/2006/main">
+  <p:tag name="OTLMARKERSHAPE" val="OTL"/>
+</p:tagLst>
+</file>
+
+<file path=ppt/tags/tag266.xml><?xml version="1.0" encoding="utf-8"?>
+<p:tagLst xmlns:a="http://schemas.openxmlformats.org/drawingml/2006/main" xmlns:r="http://schemas.openxmlformats.org/officeDocument/2006/relationships" xmlns:p="http://schemas.openxmlformats.org/presentationml/2006/main">
+  <p:tag name="OTLMARKERSHAPE" val="OTL"/>
+</p:tagLst>
+</file>
+
+<file path=ppt/tags/tag267.xml><?xml version="1.0" encoding="utf-8"?>
+<p:tagLst xmlns:a="http://schemas.openxmlformats.org/drawingml/2006/main" xmlns:r="http://schemas.openxmlformats.org/officeDocument/2006/relationships" xmlns:p="http://schemas.openxmlformats.org/presentationml/2006/main">
+  <p:tag name="OTLMARKERSHAPE" val="OTL"/>
+</p:tagLst>
+</file>
+
+<file path=ppt/tags/tag268.xml><?xml version="1.0" encoding="utf-8"?>
+<p:tagLst xmlns:a="http://schemas.openxmlformats.org/drawingml/2006/main" xmlns:r="http://schemas.openxmlformats.org/officeDocument/2006/relationships" xmlns:p="http://schemas.openxmlformats.org/presentationml/2006/main">
+  <p:tag name="OTLMARKERSHAPE" val="OTL"/>
+</p:tagLst>
+</file>
+
+<file path=ppt/tags/tag269.xml><?xml version="1.0" encoding="utf-8"?>
+<p:tagLst xmlns:a="http://schemas.openxmlformats.org/drawingml/2006/main" xmlns:r="http://schemas.openxmlformats.org/officeDocument/2006/relationships" xmlns:p="http://schemas.openxmlformats.org/presentationml/2006/main">
+  <p:tag name="OTLMARKERSHAPE" val="OTL"/>
+</p:tagLst>
+</file>
+
 <file path=ppt/tags/tag27.xml><?xml version="1.0" encoding="utf-8"?>
 <p:tagLst xmlns:a="http://schemas.openxmlformats.org/drawingml/2006/main" xmlns:r="http://schemas.openxmlformats.org/officeDocument/2006/relationships" xmlns:p="http://schemas.openxmlformats.org/presentationml/2006/main">
   <p:tag name="OTLMARKERSHAPE" val="OTL"/>
 </p:tagLst>
 </file>
 
+<file path=ppt/tags/tag270.xml><?xml version="1.0" encoding="utf-8"?>
+<p:tagLst xmlns:a="http://schemas.openxmlformats.org/drawingml/2006/main" xmlns:r="http://schemas.openxmlformats.org/officeDocument/2006/relationships" xmlns:p="http://schemas.openxmlformats.org/presentationml/2006/main">
+  <p:tag name="OTLMARKERSHAPE" val="OTL"/>
+</p:tagLst>
+</file>
+
+<file path=ppt/tags/tag271.xml><?xml version="1.0" encoding="utf-8"?>
+<p:tagLst xmlns:a="http://schemas.openxmlformats.org/drawingml/2006/main" xmlns:r="http://schemas.openxmlformats.org/officeDocument/2006/relationships" xmlns:p="http://schemas.openxmlformats.org/presentationml/2006/main">
+  <p:tag name="OTLMARKERSHAPE" val="OTL"/>
+</p:tagLst>
+</file>
+
+<file path=ppt/tags/tag272.xml><?xml version="1.0" encoding="utf-8"?>
+<p:tagLst xmlns:a="http://schemas.openxmlformats.org/drawingml/2006/main" xmlns:r="http://schemas.openxmlformats.org/officeDocument/2006/relationships" xmlns:p="http://schemas.openxmlformats.org/presentationml/2006/main">
+  <p:tag name="OTLMARKERSHAPE" val="OTL"/>
+</p:tagLst>
+</file>
+
+<file path=ppt/tags/tag273.xml><?xml version="1.0" encoding="utf-8"?>
+<p:tagLst xmlns:a="http://schemas.openxmlformats.org/drawingml/2006/main" xmlns:r="http://schemas.openxmlformats.org/officeDocument/2006/relationships" xmlns:p="http://schemas.openxmlformats.org/presentationml/2006/main">
+  <p:tag name="OTLMARKERSHAPE" val="OTL"/>
+</p:tagLst>
+</file>
+
+<file path=ppt/tags/tag274.xml><?xml version="1.0" encoding="utf-8"?>
+<p:tagLst xmlns:a="http://schemas.openxmlformats.org/drawingml/2006/main" xmlns:r="http://schemas.openxmlformats.org/officeDocument/2006/relationships" xmlns:p="http://schemas.openxmlformats.org/presentationml/2006/main">
+  <p:tag name="OTLMARKERSHAPE" val="OTL"/>
+</p:tagLst>
+</file>
+
+<file path=ppt/tags/tag275.xml><?xml version="1.0" encoding="utf-8"?>
+<p:tagLst xmlns:a="http://schemas.openxmlformats.org/drawingml/2006/main" xmlns:r="http://schemas.openxmlformats.org/officeDocument/2006/relationships" xmlns:p="http://schemas.openxmlformats.org/presentationml/2006/main">
+  <p:tag name="OTLMARKERSHAPE" val="OTL"/>
+</p:tagLst>
+</file>
+
+<file path=ppt/tags/tag276.xml><?xml version="1.0" encoding="utf-8"?>
+<p:tagLst xmlns:a="http://schemas.openxmlformats.org/drawingml/2006/main" xmlns:r="http://schemas.openxmlformats.org/officeDocument/2006/relationships" xmlns:p="http://schemas.openxmlformats.org/presentationml/2006/main">
+  <p:tag name="OTLMARKERSHAPE" val="OTL"/>
+</p:tagLst>
+</file>
+
+<file path=ppt/tags/tag277.xml><?xml version="1.0" encoding="utf-8"?>
+<p:tagLst xmlns:a="http://schemas.openxmlformats.org/drawingml/2006/main" xmlns:r="http://schemas.openxmlformats.org/officeDocument/2006/relationships" xmlns:p="http://schemas.openxmlformats.org/presentationml/2006/main">
+  <p:tag name="OTLMARKERSHAPE" val="OTL"/>
+</p:tagLst>
+</file>
+
+<file path=ppt/tags/tag278.xml><?xml version="1.0" encoding="utf-8"?>
+<p:tagLst xmlns:a="http://schemas.openxmlformats.org/drawingml/2006/main" xmlns:r="http://schemas.openxmlformats.org/officeDocument/2006/relationships" xmlns:p="http://schemas.openxmlformats.org/presentationml/2006/main">
+  <p:tag name="OTLMARKERSHAPE" val="OTL"/>
+</p:tagLst>
+</file>
+
+<file path=ppt/tags/tag279.xml><?xml version="1.0" encoding="utf-8"?>
+<p:tagLst xmlns:a="http://schemas.openxmlformats.org/drawingml/2006/main" xmlns:r="http://schemas.openxmlformats.org/officeDocument/2006/relationships" xmlns:p="http://schemas.openxmlformats.org/presentationml/2006/main">
+  <p:tag name="OTLMARKERSHAPE" val="OTL"/>
+</p:tagLst>
+</file>
+
 <file path=ppt/tags/tag28.xml><?xml version="1.0" encoding="utf-8"?>
 <p:tagLst xmlns:a="http://schemas.openxmlformats.org/drawingml/2006/main" xmlns:r="http://schemas.openxmlformats.org/officeDocument/2006/relationships" xmlns:p="http://schemas.openxmlformats.org/presentationml/2006/main">
   <p:tag name="OTLMARKERSHAPE" val="OTL"/>
 </p:tagLst>
 </file>
 
+<file path=ppt/tags/tag280.xml><?xml version="1.0" encoding="utf-8"?>
+<p:tagLst xmlns:a="http://schemas.openxmlformats.org/drawingml/2006/main" xmlns:r="http://schemas.openxmlformats.org/officeDocument/2006/relationships" xmlns:p="http://schemas.openxmlformats.org/presentationml/2006/main">
+  <p:tag name="OTLMARKERSHAPE" val="OTL"/>
+</p:tagLst>
+</file>
+
+<file path=ppt/tags/tag281.xml><?xml version="1.0" encoding="utf-8"?>
+<p:tagLst xmlns:a="http://schemas.openxmlformats.org/drawingml/2006/main" xmlns:r="http://schemas.openxmlformats.org/officeDocument/2006/relationships" xmlns:p="http://schemas.openxmlformats.org/presentationml/2006/main">
+  <p:tag name="OTLMARKERSHAPE" val="OTL"/>
+</p:tagLst>
+</file>
+
+<file path=ppt/tags/tag282.xml><?xml version="1.0" encoding="utf-8"?>
+<p:tagLst xmlns:a="http://schemas.openxmlformats.org/drawingml/2006/main" xmlns:r="http://schemas.openxmlformats.org/officeDocument/2006/relationships" xmlns:p="http://schemas.openxmlformats.org/presentationml/2006/main">
+  <p:tag name="OTLMARKERSHAPE" val="OTL"/>
+</p:tagLst>
+</file>
+
+<file path=ppt/tags/tag283.xml><?xml version="1.0" encoding="utf-8"?>
+<p:tagLst xmlns:a="http://schemas.openxmlformats.org/drawingml/2006/main" xmlns:r="http://schemas.openxmlformats.org/officeDocument/2006/relationships" xmlns:p="http://schemas.openxmlformats.org/presentationml/2006/main">
+  <p:tag name="OTLMARKERSHAPE" val="OTL"/>
+</p:tagLst>
+</file>
+
+<file path=ppt/tags/tag284.xml><?xml version="1.0" encoding="utf-8"?>
+<p:tagLst xmlns:a="http://schemas.openxmlformats.org/drawingml/2006/main" xmlns:r="http://schemas.openxmlformats.org/officeDocument/2006/relationships" xmlns:p="http://schemas.openxmlformats.org/presentationml/2006/main">
+  <p:tag name="OTLMARKERSHAPE" val="OTL"/>
+</p:tagLst>
+</file>
+
+<file path=ppt/tags/tag285.xml><?xml version="1.0" encoding="utf-8"?>
+<p:tagLst xmlns:a="http://schemas.openxmlformats.org/drawingml/2006/main" xmlns:r="http://schemas.openxmlformats.org/officeDocument/2006/relationships" xmlns:p="http://schemas.openxmlformats.org/presentationml/2006/main">
+  <p:tag name="OTLMARKERSHAPE" val="OTL"/>
+</p:tagLst>
+</file>
+
+<file path=ppt/tags/tag286.xml><?xml version="1.0" encoding="utf-8"?>
+<p:tagLst xmlns:a="http://schemas.openxmlformats.org/drawingml/2006/main" xmlns:r="http://schemas.openxmlformats.org/officeDocument/2006/relationships" xmlns:p="http://schemas.openxmlformats.org/presentationml/2006/main">
+  <p:tag name="OTLMARKERSHAPE" val="OTL"/>
+</p:tagLst>
+</file>
+
+<file path=ppt/tags/tag287.xml><?xml version="1.0" encoding="utf-8"?>
+<p:tagLst xmlns:a="http://schemas.openxmlformats.org/drawingml/2006/main" xmlns:r="http://schemas.openxmlformats.org/officeDocument/2006/relationships" xmlns:p="http://schemas.openxmlformats.org/presentationml/2006/main">
+  <p:tag name="OTLMARKERSHAPE" val="OTL"/>
+</p:tagLst>
+</file>
+
+<file path=ppt/tags/tag288.xml><?xml version="1.0" encoding="utf-8"?>
+<p:tagLst xmlns:a="http://schemas.openxmlformats.org/drawingml/2006/main" xmlns:r="http://schemas.openxmlformats.org/officeDocument/2006/relationships" xmlns:p="http://schemas.openxmlformats.org/presentationml/2006/main">
+  <p:tag name="OTLMARKERSHAPE" val="OTL"/>
+</p:tagLst>
+</file>
+
+<file path=ppt/tags/tag289.xml><?xml version="1.0" encoding="utf-8"?>
+<p:tagLst xmlns:a="http://schemas.openxmlformats.org/drawingml/2006/main" xmlns:r="http://schemas.openxmlformats.org/officeDocument/2006/relationships" xmlns:p="http://schemas.openxmlformats.org/presentationml/2006/main">
+  <p:tag name="OTLMARKERSHAPE" val="OTL"/>
+</p:tagLst>
+</file>
+
 <file path=ppt/tags/tag29.xml><?xml version="1.0" encoding="utf-8"?>
 <p:tagLst xmlns:a="http://schemas.openxmlformats.org/drawingml/2006/main" xmlns:r="http://schemas.openxmlformats.org/officeDocument/2006/relationships" xmlns:p="http://schemas.openxmlformats.org/presentationml/2006/main">
   <p:tag name="OTLMARKERSHAPE" val="OTL"/>
 </p:tagLst>
 </file>
 
+<file path=ppt/tags/tag290.xml><?xml version="1.0" encoding="utf-8"?>
+<p:tagLst xmlns:a="http://schemas.openxmlformats.org/drawingml/2006/main" xmlns:r="http://schemas.openxmlformats.org/officeDocument/2006/relationships" xmlns:p="http://schemas.openxmlformats.org/presentationml/2006/main">
+  <p:tag name="OTLMARKERSHAPE" val="OTL"/>
+</p:tagLst>
+</file>
+
+<file path=ppt/tags/tag291.xml><?xml version="1.0" encoding="utf-8"?>
+<p:tagLst xmlns:a="http://schemas.openxmlformats.org/drawingml/2006/main" xmlns:r="http://schemas.openxmlformats.org/officeDocument/2006/relationships" xmlns:p="http://schemas.openxmlformats.org/presentationml/2006/main">
+  <p:tag name="OTLMARKERSHAPE" val="OTL"/>
+</p:tagLst>
+</file>
+
+<file path=ppt/tags/tag292.xml><?xml version="1.0" encoding="utf-8"?>
+<p:tagLst xmlns:a="http://schemas.openxmlformats.org/drawingml/2006/main" xmlns:r="http://schemas.openxmlformats.org/officeDocument/2006/relationships" xmlns:p="http://schemas.openxmlformats.org/presentationml/2006/main">
+  <p:tag name="OTLMARKERSHAPE" val="OTL"/>
+</p:tagLst>
+</file>
+
+<file path=ppt/tags/tag293.xml><?xml version="1.0" encoding="utf-8"?>
+<p:tagLst xmlns:a="http://schemas.openxmlformats.org/drawingml/2006/main" xmlns:r="http://schemas.openxmlformats.org/officeDocument/2006/relationships" xmlns:p="http://schemas.openxmlformats.org/presentationml/2006/main">
+  <p:tag name="OTLMARKERSHAPE" val="OTL"/>
+</p:tagLst>
+</file>
+
+<file path=ppt/tags/tag294.xml><?xml version="1.0" encoding="utf-8"?>
+<p:tagLst xmlns:a="http://schemas.openxmlformats.org/drawingml/2006/main" xmlns:r="http://schemas.openxmlformats.org/officeDocument/2006/relationships" xmlns:p="http://schemas.openxmlformats.org/presentationml/2006/main">
+  <p:tag name="OTLMARKERSHAPE" val="OTL"/>
+</p:tagLst>
+</file>
+
+<file path=ppt/tags/tag295.xml><?xml version="1.0" encoding="utf-8"?>
+<p:tagLst xmlns:a="http://schemas.openxmlformats.org/drawingml/2006/main" xmlns:r="http://schemas.openxmlformats.org/officeDocument/2006/relationships" xmlns:p="http://schemas.openxmlformats.org/presentationml/2006/main">
+  <p:tag name="OTLMARKERSHAPE" val="OTL"/>
+</p:tagLst>
+</file>
+
+<file path=ppt/tags/tag296.xml><?xml version="1.0" encoding="utf-8"?>
+<p:tagLst xmlns:a="http://schemas.openxmlformats.org/drawingml/2006/main" xmlns:r="http://schemas.openxmlformats.org/officeDocument/2006/relationships" xmlns:p="http://schemas.openxmlformats.org/presentationml/2006/main">
+  <p:tag name="OTLMARKERSHAPE" val="OTL"/>
+</p:tagLst>
+</file>
+
+<file path=ppt/tags/tag297.xml><?xml version="1.0" encoding="utf-8"?>
+<p:tagLst xmlns:a="http://schemas.openxmlformats.org/drawingml/2006/main" xmlns:r="http://schemas.openxmlformats.org/officeDocument/2006/relationships" xmlns:p="http://schemas.openxmlformats.org/presentationml/2006/main">
+  <p:tag name="OTLMARKERSHAPE" val="OTL"/>
+</p:tagLst>
+</file>
+
+<file path=ppt/tags/tag298.xml><?xml version="1.0" encoding="utf-8"?>
+<p:tagLst xmlns:a="http://schemas.openxmlformats.org/drawingml/2006/main" xmlns:r="http://schemas.openxmlformats.org/officeDocument/2006/relationships" xmlns:p="http://schemas.openxmlformats.org/presentationml/2006/main">
+  <p:tag name="OTLMARKERSHAPE" val="OTL"/>
+</p:tagLst>
+</file>
+
+<file path=ppt/tags/tag299.xml><?xml version="1.0" encoding="utf-8"?>
+<p:tagLst xmlns:a="http://schemas.openxmlformats.org/drawingml/2006/main" xmlns:r="http://schemas.openxmlformats.org/officeDocument/2006/relationships" xmlns:p="http://schemas.openxmlformats.org/presentationml/2006/main">
+  <p:tag name="OTLMARKERSHAPE" val="OTL"/>
+</p:tagLst>
+</file>
+
 <file path=ppt/tags/tag3.xml><?xml version="1.0" encoding="utf-8"?>
 <p:tagLst xmlns:a="http://schemas.openxmlformats.org/drawingml/2006/main" xmlns:r="http://schemas.openxmlformats.org/officeDocument/2006/relationships" xmlns:p="http://schemas.openxmlformats.org/presentationml/2006/main">
   <p:tag name="OTLMARKERSHAPE" val="OTL"/>
@@ -12001,13 +20075,139 @@
 </p:tagLst>
 </file>
 
+<file path=ppt/tags/tag300.xml><?xml version="1.0" encoding="utf-8"?>
+<p:tagLst xmlns:a="http://schemas.openxmlformats.org/drawingml/2006/main" xmlns:r="http://schemas.openxmlformats.org/officeDocument/2006/relationships" xmlns:p="http://schemas.openxmlformats.org/presentationml/2006/main">
+  <p:tag name="OTLMARKERSHAPE" val="OTL"/>
+</p:tagLst>
+</file>
+
+<file path=ppt/tags/tag301.xml><?xml version="1.0" encoding="utf-8"?>
+<p:tagLst xmlns:a="http://schemas.openxmlformats.org/drawingml/2006/main" xmlns:r="http://schemas.openxmlformats.org/officeDocument/2006/relationships" xmlns:p="http://schemas.openxmlformats.org/presentationml/2006/main">
+  <p:tag name="OTLMARKERSHAPE" val="OTL"/>
+</p:tagLst>
+</file>
+
+<file path=ppt/tags/tag302.xml><?xml version="1.0" encoding="utf-8"?>
+<p:tagLst xmlns:a="http://schemas.openxmlformats.org/drawingml/2006/main" xmlns:r="http://schemas.openxmlformats.org/officeDocument/2006/relationships" xmlns:p="http://schemas.openxmlformats.org/presentationml/2006/main">
+  <p:tag name="OTLMARKERSHAPE" val="OTL"/>
+</p:tagLst>
+</file>
+
+<file path=ppt/tags/tag303.xml><?xml version="1.0" encoding="utf-8"?>
+<p:tagLst xmlns:a="http://schemas.openxmlformats.org/drawingml/2006/main" xmlns:r="http://schemas.openxmlformats.org/officeDocument/2006/relationships" xmlns:p="http://schemas.openxmlformats.org/presentationml/2006/main">
+  <p:tag name="OTLMARKERSHAPE" val="OTL"/>
+</p:tagLst>
+</file>
+
+<file path=ppt/tags/tag304.xml><?xml version="1.0" encoding="utf-8"?>
+<p:tagLst xmlns:a="http://schemas.openxmlformats.org/drawingml/2006/main" xmlns:r="http://schemas.openxmlformats.org/officeDocument/2006/relationships" xmlns:p="http://schemas.openxmlformats.org/presentationml/2006/main">
+  <p:tag name="OTLMARKERSHAPE" val="OTL"/>
+</p:tagLst>
+</file>
+
+<file path=ppt/tags/tag305.xml><?xml version="1.0" encoding="utf-8"?>
+<p:tagLst xmlns:a="http://schemas.openxmlformats.org/drawingml/2006/main" xmlns:r="http://schemas.openxmlformats.org/officeDocument/2006/relationships" xmlns:p="http://schemas.openxmlformats.org/presentationml/2006/main">
+  <p:tag name="OTLMARKERSHAPE" val="OTL"/>
+</p:tagLst>
+</file>
+
+<file path=ppt/tags/tag306.xml><?xml version="1.0" encoding="utf-8"?>
+<p:tagLst xmlns:a="http://schemas.openxmlformats.org/drawingml/2006/main" xmlns:r="http://schemas.openxmlformats.org/officeDocument/2006/relationships" xmlns:p="http://schemas.openxmlformats.org/presentationml/2006/main">
+  <p:tag name="OTLMARKERSHAPE" val="OTL"/>
+</p:tagLst>
+</file>
+
+<file path=ppt/tags/tag307.xml><?xml version="1.0" encoding="utf-8"?>
+<p:tagLst xmlns:a="http://schemas.openxmlformats.org/drawingml/2006/main" xmlns:r="http://schemas.openxmlformats.org/officeDocument/2006/relationships" xmlns:p="http://schemas.openxmlformats.org/presentationml/2006/main">
+  <p:tag name="OTLMARKERSHAPE" val="OTL"/>
+</p:tagLst>
+</file>
+
+<file path=ppt/tags/tag308.xml><?xml version="1.0" encoding="utf-8"?>
+<p:tagLst xmlns:a="http://schemas.openxmlformats.org/drawingml/2006/main" xmlns:r="http://schemas.openxmlformats.org/officeDocument/2006/relationships" xmlns:p="http://schemas.openxmlformats.org/presentationml/2006/main">
+  <p:tag name="OTLMARKERSHAPE" val="OTL"/>
+</p:tagLst>
+</file>
+
+<file path=ppt/tags/tag309.xml><?xml version="1.0" encoding="utf-8"?>
+<p:tagLst xmlns:a="http://schemas.openxmlformats.org/drawingml/2006/main" xmlns:r="http://schemas.openxmlformats.org/officeDocument/2006/relationships" xmlns:p="http://schemas.openxmlformats.org/presentationml/2006/main">
+  <p:tag name="OTLMARKERSHAPE" val="OTL"/>
+</p:tagLst>
+</file>
+
 <file path=ppt/tags/tag31.xml><?xml version="1.0" encoding="utf-8"?>
 <p:tagLst xmlns:a="http://schemas.openxmlformats.org/drawingml/2006/main" xmlns:r="http://schemas.openxmlformats.org/officeDocument/2006/relationships" xmlns:p="http://schemas.openxmlformats.org/presentationml/2006/main">
   <p:tag name="OTLMARKERSHAPE" val="OTL"/>
 </p:tagLst>
 </file>
 
+<file path=ppt/tags/tag310.xml><?xml version="1.0" encoding="utf-8"?>
+<p:tagLst xmlns:a="http://schemas.openxmlformats.org/drawingml/2006/main" xmlns:r="http://schemas.openxmlformats.org/officeDocument/2006/relationships" xmlns:p="http://schemas.openxmlformats.org/presentationml/2006/main">
+  <p:tag name="OTLMARKERSHAPE" val="OTL"/>
+</p:tagLst>
+</file>
+
+<file path=ppt/tags/tag311.xml><?xml version="1.0" encoding="utf-8"?>
+<p:tagLst xmlns:a="http://schemas.openxmlformats.org/drawingml/2006/main" xmlns:r="http://schemas.openxmlformats.org/officeDocument/2006/relationships" xmlns:p="http://schemas.openxmlformats.org/presentationml/2006/main">
+  <p:tag name="OTLMARKERSHAPE" val="OTL"/>
+</p:tagLst>
+</file>
+
+<file path=ppt/tags/tag312.xml><?xml version="1.0" encoding="utf-8"?>
+<p:tagLst xmlns:a="http://schemas.openxmlformats.org/drawingml/2006/main" xmlns:r="http://schemas.openxmlformats.org/officeDocument/2006/relationships" xmlns:p="http://schemas.openxmlformats.org/presentationml/2006/main">
+  <p:tag name="OTLMARKERSHAPE" val="OTL"/>
+</p:tagLst>
+</file>
+
+<file path=ppt/tags/tag313.xml><?xml version="1.0" encoding="utf-8"?>
+<p:tagLst xmlns:a="http://schemas.openxmlformats.org/drawingml/2006/main" xmlns:r="http://schemas.openxmlformats.org/officeDocument/2006/relationships" xmlns:p="http://schemas.openxmlformats.org/presentationml/2006/main">
+  <p:tag name="OTLMARKERSHAPE" val="OTL"/>
+</p:tagLst>
+</file>
+
+<file path=ppt/tags/tag314.xml><?xml version="1.0" encoding="utf-8"?>
+<p:tagLst xmlns:a="http://schemas.openxmlformats.org/drawingml/2006/main" xmlns:r="http://schemas.openxmlformats.org/officeDocument/2006/relationships" xmlns:p="http://schemas.openxmlformats.org/presentationml/2006/main">
+  <p:tag name="OTLMARKERSHAPE" val="OTL"/>
+</p:tagLst>
+</file>
+
+<file path=ppt/tags/tag315.xml><?xml version="1.0" encoding="utf-8"?>
+<p:tagLst xmlns:a="http://schemas.openxmlformats.org/drawingml/2006/main" xmlns:r="http://schemas.openxmlformats.org/officeDocument/2006/relationships" xmlns:p="http://schemas.openxmlformats.org/presentationml/2006/main">
+  <p:tag name="OTLMARKERSHAPE" val="OTL"/>
+</p:tagLst>
+</file>
+
+<file path=ppt/tags/tag316.xml><?xml version="1.0" encoding="utf-8"?>
+<p:tagLst xmlns:a="http://schemas.openxmlformats.org/drawingml/2006/main" xmlns:r="http://schemas.openxmlformats.org/officeDocument/2006/relationships" xmlns:p="http://schemas.openxmlformats.org/presentationml/2006/main">
+  <p:tag name="OTLMARKERSHAPE" val="OTL"/>
+</p:tagLst>
+</file>
+
+<file path=ppt/tags/tag317.xml><?xml version="1.0" encoding="utf-8"?>
+<p:tagLst xmlns:a="http://schemas.openxmlformats.org/drawingml/2006/main" xmlns:r="http://schemas.openxmlformats.org/officeDocument/2006/relationships" xmlns:p="http://schemas.openxmlformats.org/presentationml/2006/main">
+  <p:tag name="OTLMARKERSHAPE" val="OTL"/>
+</p:tagLst>
+</file>
+
+<file path=ppt/tags/tag318.xml><?xml version="1.0" encoding="utf-8"?>
+<p:tagLst xmlns:a="http://schemas.openxmlformats.org/drawingml/2006/main" xmlns:r="http://schemas.openxmlformats.org/officeDocument/2006/relationships" xmlns:p="http://schemas.openxmlformats.org/presentationml/2006/main">
+  <p:tag name="OTLMARKERSHAPE" val="OTL"/>
+</p:tagLst>
+</file>
+
+<file path=ppt/tags/tag319.xml><?xml version="1.0" encoding="utf-8"?>
+<p:tagLst xmlns:a="http://schemas.openxmlformats.org/drawingml/2006/main" xmlns:r="http://schemas.openxmlformats.org/officeDocument/2006/relationships" xmlns:p="http://schemas.openxmlformats.org/presentationml/2006/main">
+  <p:tag name="OTLMARKERSHAPE" val="OTL"/>
+</p:tagLst>
+</file>
+
 <file path=ppt/tags/tag32.xml><?xml version="1.0" encoding="utf-8"?>
+<p:tagLst xmlns:a="http://schemas.openxmlformats.org/drawingml/2006/main" xmlns:r="http://schemas.openxmlformats.org/officeDocument/2006/relationships" xmlns:p="http://schemas.openxmlformats.org/presentationml/2006/main">
+  <p:tag name="OTLMARKERSHAPE" val="OTL"/>
+</p:tagLst>
+</file>
+
+<file path=ppt/tags/tag320.xml><?xml version="1.0" encoding="utf-8"?>
 <p:tagLst xmlns:a="http://schemas.openxmlformats.org/drawingml/2006/main" xmlns:r="http://schemas.openxmlformats.org/officeDocument/2006/relationships" xmlns:p="http://schemas.openxmlformats.org/presentationml/2006/main">
   <p:tag name="OTLMARKERSHAPE" val="OTL"/>
 </p:tagLst>
